--- a/Presentations/Занятие 1.pptx
+++ b/Presentations/Занятие 1.pptx
@@ -5,32 +5,39 @@
     <p:sldMasterId id="2147483648" r:id="rId1"/>
   </p:sldMasterIdLst>
   <p:notesMasterIdLst>
-    <p:notesMasterId r:id="rId25"/>
+    <p:notesMasterId r:id="rId32"/>
   </p:notesMasterIdLst>
   <p:sldIdLst>
     <p:sldId id="256" r:id="rId2"/>
     <p:sldId id="257" r:id="rId3"/>
-    <p:sldId id="258" r:id="rId4"/>
-    <p:sldId id="259" r:id="rId5"/>
-    <p:sldId id="260" r:id="rId6"/>
-    <p:sldId id="267" r:id="rId7"/>
-    <p:sldId id="268" r:id="rId8"/>
-    <p:sldId id="261" r:id="rId9"/>
-    <p:sldId id="269" r:id="rId10"/>
-    <p:sldId id="263" r:id="rId11"/>
-    <p:sldId id="262" r:id="rId12"/>
-    <p:sldId id="264" r:id="rId13"/>
-    <p:sldId id="265" r:id="rId14"/>
-    <p:sldId id="274" r:id="rId15"/>
-    <p:sldId id="266" r:id="rId16"/>
-    <p:sldId id="270" r:id="rId17"/>
-    <p:sldId id="273" r:id="rId18"/>
-    <p:sldId id="271" r:id="rId19"/>
-    <p:sldId id="276" r:id="rId20"/>
-    <p:sldId id="272" r:id="rId21"/>
-    <p:sldId id="277" r:id="rId22"/>
-    <p:sldId id="275" r:id="rId23"/>
-    <p:sldId id="278" r:id="rId24"/>
+    <p:sldId id="279" r:id="rId4"/>
+    <p:sldId id="280" r:id="rId5"/>
+    <p:sldId id="281" r:id="rId6"/>
+    <p:sldId id="282" r:id="rId7"/>
+    <p:sldId id="283" r:id="rId8"/>
+    <p:sldId id="284" r:id="rId9"/>
+    <p:sldId id="285" r:id="rId10"/>
+    <p:sldId id="258" r:id="rId11"/>
+    <p:sldId id="259" r:id="rId12"/>
+    <p:sldId id="260" r:id="rId13"/>
+    <p:sldId id="267" r:id="rId14"/>
+    <p:sldId id="268" r:id="rId15"/>
+    <p:sldId id="261" r:id="rId16"/>
+    <p:sldId id="269" r:id="rId17"/>
+    <p:sldId id="263" r:id="rId18"/>
+    <p:sldId id="262" r:id="rId19"/>
+    <p:sldId id="264" r:id="rId20"/>
+    <p:sldId id="265" r:id="rId21"/>
+    <p:sldId id="274" r:id="rId22"/>
+    <p:sldId id="266" r:id="rId23"/>
+    <p:sldId id="270" r:id="rId24"/>
+    <p:sldId id="273" r:id="rId25"/>
+    <p:sldId id="271" r:id="rId26"/>
+    <p:sldId id="276" r:id="rId27"/>
+    <p:sldId id="272" r:id="rId28"/>
+    <p:sldId id="277" r:id="rId29"/>
+    <p:sldId id="275" r:id="rId30"/>
+    <p:sldId id="278" r:id="rId31"/>
   </p:sldIdLst>
   <p:sldSz cx="12192000" cy="6858000"/>
   <p:notesSz cx="6858000" cy="9144000"/>
@@ -149,20 +156,6 @@
 </p:cmAuthorLst>
 </file>
 
-<file path=ppt/comments/comment1.xml><?xml version="1.0" encoding="utf-8"?>
-<p:cmLst xmlns:a="http://schemas.openxmlformats.org/drawingml/2006/main" xmlns:r="http://schemas.openxmlformats.org/officeDocument/2006/relationships" xmlns:p="http://schemas.openxmlformats.org/presentationml/2006/main">
-  <p:cm authorId="1" dt="2016-03-05T15:49:31.554" idx="1">
-    <p:pos x="10" y="10"/>
-    <p:text/>
-    <p:extLst>
-      <p:ext uri="{C676402C-5697-4E1C-873F-D02D1690AC5C}">
-        <p15:threadingInfo xmlns:p15="http://schemas.microsoft.com/office/powerpoint/2012/main" timeZoneBias="-300"/>
-      </p:ext>
-    </p:extLst>
-  </p:cm>
-</p:cmLst>
-</file>
-
 <file path=ppt/notesMasters/notesMaster1.xml><?xml version="1.0" encoding="utf-8"?>
 <p:notesMaster xmlns:a="http://schemas.openxmlformats.org/drawingml/2006/main" xmlns:r="http://schemas.openxmlformats.org/officeDocument/2006/relationships" xmlns:p="http://schemas.openxmlformats.org/presentationml/2006/main">
   <p:cSld>
@@ -245,7 +238,7 @@
           <a:p>
             <a:fld id="{5FC6800F-F77B-4E37-9455-C74E3CC59F23}" type="datetimeFigureOut">
               <a:rPr lang="en-GB" smtClean="0"/>
-              <a:t>20/03/2016</a:t>
+              <a:t>22/03/2016</a:t>
             </a:fld>
             <a:endParaRPr lang="en-GB"/>
           </a:p>
@@ -662,7 +655,7 @@
           <a:p>
             <a:fld id="{8F6A3D4D-7E3A-4755-99AC-75200A9386BA}" type="slidenum">
               <a:rPr lang="en-GB" smtClean="0"/>
-              <a:t>9</a:t>
+              <a:t>3</a:t>
             </a:fld>
             <a:endParaRPr lang="en-GB"/>
           </a:p>
@@ -671,7 +664,7 @@
     </p:spTree>
     <p:extLst>
       <p:ext uri="{BB962C8B-B14F-4D97-AF65-F5344CB8AC3E}">
-        <p14:creationId xmlns:p14="http://schemas.microsoft.com/office/powerpoint/2010/main" val="2682439776"/>
+        <p14:creationId xmlns:p14="http://schemas.microsoft.com/office/powerpoint/2010/main" val="324722154"/>
       </p:ext>
     </p:extLst>
   </p:cSld>
@@ -746,7 +739,343 @@
           <a:p>
             <a:fld id="{8F6A3D4D-7E3A-4755-99AC-75200A9386BA}" type="slidenum">
               <a:rPr lang="en-GB" smtClean="0"/>
-              <a:t>11</a:t>
+              <a:t>4</a:t>
+            </a:fld>
+            <a:endParaRPr lang="en-GB"/>
+          </a:p>
+        </p:txBody>
+      </p:sp>
+    </p:spTree>
+    <p:extLst>
+      <p:ext uri="{BB962C8B-B14F-4D97-AF65-F5344CB8AC3E}">
+        <p14:creationId xmlns:p14="http://schemas.microsoft.com/office/powerpoint/2010/main" val="3064819477"/>
+      </p:ext>
+    </p:extLst>
+  </p:cSld>
+  <p:clrMapOvr>
+    <a:masterClrMapping/>
+  </p:clrMapOvr>
+</p:notes>
+</file>
+
+<file path=ppt/notesSlides/notesSlide4.xml><?xml version="1.0" encoding="utf-8"?>
+<p:notes xmlns:a="http://schemas.openxmlformats.org/drawingml/2006/main" xmlns:r="http://schemas.openxmlformats.org/officeDocument/2006/relationships" xmlns:p="http://schemas.openxmlformats.org/presentationml/2006/main">
+  <p:cSld>
+    <p:spTree>
+      <p:nvGrpSpPr>
+        <p:cNvPr id="1" name=""/>
+        <p:cNvGrpSpPr/>
+        <p:nvPr/>
+      </p:nvGrpSpPr>
+      <p:grpSpPr>
+        <a:xfrm>
+          <a:off x="0" y="0"/>
+          <a:ext cx="0" cy="0"/>
+          <a:chOff x="0" y="0"/>
+          <a:chExt cx="0" cy="0"/>
+        </a:xfrm>
+      </p:grpSpPr>
+      <p:sp>
+        <p:nvSpPr>
+          <p:cNvPr id="2" name="Образ слайда 1"/>
+          <p:cNvSpPr>
+            <a:spLocks noGrp="1" noRot="1" noChangeAspect="1"/>
+          </p:cNvSpPr>
+          <p:nvPr>
+            <p:ph type="sldImg"/>
+          </p:nvPr>
+        </p:nvSpPr>
+        <p:spPr/>
+      </p:sp>
+      <p:sp>
+        <p:nvSpPr>
+          <p:cNvPr id="3" name="Заметки 2"/>
+          <p:cNvSpPr>
+            <a:spLocks noGrp="1"/>
+          </p:cNvSpPr>
+          <p:nvPr>
+            <p:ph type="body" idx="1"/>
+          </p:nvPr>
+        </p:nvSpPr>
+        <p:spPr/>
+        <p:txBody>
+          <a:bodyPr/>
+          <a:lstStyle/>
+          <a:p>
+            <a:endParaRPr lang="en-GB"/>
+          </a:p>
+        </p:txBody>
+      </p:sp>
+      <p:sp>
+        <p:nvSpPr>
+          <p:cNvPr id="4" name="Номер слайда 3"/>
+          <p:cNvSpPr>
+            <a:spLocks noGrp="1"/>
+          </p:cNvSpPr>
+          <p:nvPr>
+            <p:ph type="sldNum" sz="quarter" idx="10"/>
+          </p:nvPr>
+        </p:nvSpPr>
+        <p:spPr/>
+        <p:txBody>
+          <a:bodyPr/>
+          <a:lstStyle/>
+          <a:p>
+            <a:fld id="{8F6A3D4D-7E3A-4755-99AC-75200A9386BA}" type="slidenum">
+              <a:rPr lang="en-GB" smtClean="0"/>
+              <a:t>6</a:t>
+            </a:fld>
+            <a:endParaRPr lang="en-GB"/>
+          </a:p>
+        </p:txBody>
+      </p:sp>
+    </p:spTree>
+    <p:extLst>
+      <p:ext uri="{BB962C8B-B14F-4D97-AF65-F5344CB8AC3E}">
+        <p14:creationId xmlns:p14="http://schemas.microsoft.com/office/powerpoint/2010/main" val="3602939331"/>
+      </p:ext>
+    </p:extLst>
+  </p:cSld>
+  <p:clrMapOvr>
+    <a:masterClrMapping/>
+  </p:clrMapOvr>
+</p:notes>
+</file>
+
+<file path=ppt/notesSlides/notesSlide5.xml><?xml version="1.0" encoding="utf-8"?>
+<p:notes xmlns:a="http://schemas.openxmlformats.org/drawingml/2006/main" xmlns:r="http://schemas.openxmlformats.org/officeDocument/2006/relationships" xmlns:p="http://schemas.openxmlformats.org/presentationml/2006/main">
+  <p:cSld>
+    <p:spTree>
+      <p:nvGrpSpPr>
+        <p:cNvPr id="1" name=""/>
+        <p:cNvGrpSpPr/>
+        <p:nvPr/>
+      </p:nvGrpSpPr>
+      <p:grpSpPr>
+        <a:xfrm>
+          <a:off x="0" y="0"/>
+          <a:ext cx="0" cy="0"/>
+          <a:chOff x="0" y="0"/>
+          <a:chExt cx="0" cy="0"/>
+        </a:xfrm>
+      </p:grpSpPr>
+      <p:sp>
+        <p:nvSpPr>
+          <p:cNvPr id="2" name="Образ слайда 1"/>
+          <p:cNvSpPr>
+            <a:spLocks noGrp="1" noRot="1" noChangeAspect="1"/>
+          </p:cNvSpPr>
+          <p:nvPr>
+            <p:ph type="sldImg"/>
+          </p:nvPr>
+        </p:nvSpPr>
+        <p:spPr/>
+      </p:sp>
+      <p:sp>
+        <p:nvSpPr>
+          <p:cNvPr id="3" name="Заметки 2"/>
+          <p:cNvSpPr>
+            <a:spLocks noGrp="1"/>
+          </p:cNvSpPr>
+          <p:nvPr>
+            <p:ph type="body" idx="1"/>
+          </p:nvPr>
+        </p:nvSpPr>
+        <p:spPr/>
+        <p:txBody>
+          <a:bodyPr/>
+          <a:lstStyle/>
+          <a:p>
+            <a:endParaRPr lang="en-GB"/>
+          </a:p>
+        </p:txBody>
+      </p:sp>
+      <p:sp>
+        <p:nvSpPr>
+          <p:cNvPr id="4" name="Номер слайда 3"/>
+          <p:cNvSpPr>
+            <a:spLocks noGrp="1"/>
+          </p:cNvSpPr>
+          <p:nvPr>
+            <p:ph type="sldNum" sz="quarter" idx="10"/>
+          </p:nvPr>
+        </p:nvSpPr>
+        <p:spPr/>
+        <p:txBody>
+          <a:bodyPr/>
+          <a:lstStyle/>
+          <a:p>
+            <a:fld id="{8F6A3D4D-7E3A-4755-99AC-75200A9386BA}" type="slidenum">
+              <a:rPr lang="en-GB" smtClean="0"/>
+              <a:t>9</a:t>
+            </a:fld>
+            <a:endParaRPr lang="en-GB"/>
+          </a:p>
+        </p:txBody>
+      </p:sp>
+    </p:spTree>
+    <p:extLst>
+      <p:ext uri="{BB962C8B-B14F-4D97-AF65-F5344CB8AC3E}">
+        <p14:creationId xmlns:p14="http://schemas.microsoft.com/office/powerpoint/2010/main" val="1237739317"/>
+      </p:ext>
+    </p:extLst>
+  </p:cSld>
+  <p:clrMapOvr>
+    <a:masterClrMapping/>
+  </p:clrMapOvr>
+</p:notes>
+</file>
+
+<file path=ppt/notesSlides/notesSlide6.xml><?xml version="1.0" encoding="utf-8"?>
+<p:notes xmlns:a="http://schemas.openxmlformats.org/drawingml/2006/main" xmlns:r="http://schemas.openxmlformats.org/officeDocument/2006/relationships" xmlns:p="http://schemas.openxmlformats.org/presentationml/2006/main">
+  <p:cSld>
+    <p:spTree>
+      <p:nvGrpSpPr>
+        <p:cNvPr id="1" name=""/>
+        <p:cNvGrpSpPr/>
+        <p:nvPr/>
+      </p:nvGrpSpPr>
+      <p:grpSpPr>
+        <a:xfrm>
+          <a:off x="0" y="0"/>
+          <a:ext cx="0" cy="0"/>
+          <a:chOff x="0" y="0"/>
+          <a:chExt cx="0" cy="0"/>
+        </a:xfrm>
+      </p:grpSpPr>
+      <p:sp>
+        <p:nvSpPr>
+          <p:cNvPr id="2" name="Образ слайда 1"/>
+          <p:cNvSpPr>
+            <a:spLocks noGrp="1" noRot="1" noChangeAspect="1"/>
+          </p:cNvSpPr>
+          <p:nvPr>
+            <p:ph type="sldImg"/>
+          </p:nvPr>
+        </p:nvSpPr>
+        <p:spPr/>
+      </p:sp>
+      <p:sp>
+        <p:nvSpPr>
+          <p:cNvPr id="3" name="Заметки 2"/>
+          <p:cNvSpPr>
+            <a:spLocks noGrp="1"/>
+          </p:cNvSpPr>
+          <p:nvPr>
+            <p:ph type="body" idx="1"/>
+          </p:nvPr>
+        </p:nvSpPr>
+        <p:spPr/>
+        <p:txBody>
+          <a:bodyPr/>
+          <a:lstStyle/>
+          <a:p>
+            <a:endParaRPr lang="en-GB"/>
+          </a:p>
+        </p:txBody>
+      </p:sp>
+      <p:sp>
+        <p:nvSpPr>
+          <p:cNvPr id="4" name="Номер слайда 3"/>
+          <p:cNvSpPr>
+            <a:spLocks noGrp="1"/>
+          </p:cNvSpPr>
+          <p:nvPr>
+            <p:ph type="sldNum" sz="quarter" idx="10"/>
+          </p:nvPr>
+        </p:nvSpPr>
+        <p:spPr/>
+        <p:txBody>
+          <a:bodyPr/>
+          <a:lstStyle/>
+          <a:p>
+            <a:fld id="{8F6A3D4D-7E3A-4755-99AC-75200A9386BA}" type="slidenum">
+              <a:rPr lang="en-GB" smtClean="0"/>
+              <a:t>16</a:t>
+            </a:fld>
+            <a:endParaRPr lang="en-GB"/>
+          </a:p>
+        </p:txBody>
+      </p:sp>
+    </p:spTree>
+    <p:extLst>
+      <p:ext uri="{BB962C8B-B14F-4D97-AF65-F5344CB8AC3E}">
+        <p14:creationId xmlns:p14="http://schemas.microsoft.com/office/powerpoint/2010/main" val="2682439776"/>
+      </p:ext>
+    </p:extLst>
+  </p:cSld>
+  <p:clrMapOvr>
+    <a:masterClrMapping/>
+  </p:clrMapOvr>
+</p:notes>
+</file>
+
+<file path=ppt/notesSlides/notesSlide7.xml><?xml version="1.0" encoding="utf-8"?>
+<p:notes xmlns:a="http://schemas.openxmlformats.org/drawingml/2006/main" xmlns:r="http://schemas.openxmlformats.org/officeDocument/2006/relationships" xmlns:p="http://schemas.openxmlformats.org/presentationml/2006/main">
+  <p:cSld>
+    <p:spTree>
+      <p:nvGrpSpPr>
+        <p:cNvPr id="1" name=""/>
+        <p:cNvGrpSpPr/>
+        <p:nvPr/>
+      </p:nvGrpSpPr>
+      <p:grpSpPr>
+        <a:xfrm>
+          <a:off x="0" y="0"/>
+          <a:ext cx="0" cy="0"/>
+          <a:chOff x="0" y="0"/>
+          <a:chExt cx="0" cy="0"/>
+        </a:xfrm>
+      </p:grpSpPr>
+      <p:sp>
+        <p:nvSpPr>
+          <p:cNvPr id="2" name="Образ слайда 1"/>
+          <p:cNvSpPr>
+            <a:spLocks noGrp="1" noRot="1" noChangeAspect="1"/>
+          </p:cNvSpPr>
+          <p:nvPr>
+            <p:ph type="sldImg"/>
+          </p:nvPr>
+        </p:nvSpPr>
+        <p:spPr/>
+      </p:sp>
+      <p:sp>
+        <p:nvSpPr>
+          <p:cNvPr id="3" name="Заметки 2"/>
+          <p:cNvSpPr>
+            <a:spLocks noGrp="1"/>
+          </p:cNvSpPr>
+          <p:nvPr>
+            <p:ph type="body" idx="1"/>
+          </p:nvPr>
+        </p:nvSpPr>
+        <p:spPr/>
+        <p:txBody>
+          <a:bodyPr/>
+          <a:lstStyle/>
+          <a:p>
+            <a:endParaRPr lang="en-GB"/>
+          </a:p>
+        </p:txBody>
+      </p:sp>
+      <p:sp>
+        <p:nvSpPr>
+          <p:cNvPr id="4" name="Номер слайда 3"/>
+          <p:cNvSpPr>
+            <a:spLocks noGrp="1"/>
+          </p:cNvSpPr>
+          <p:nvPr>
+            <p:ph type="sldNum" sz="quarter" idx="10"/>
+          </p:nvPr>
+        </p:nvSpPr>
+        <p:spPr/>
+        <p:txBody>
+          <a:bodyPr/>
+          <a:lstStyle/>
+          <a:p>
+            <a:fld id="{8F6A3D4D-7E3A-4755-99AC-75200A9386BA}" type="slidenum">
+              <a:rPr lang="en-GB" smtClean="0"/>
+              <a:t>18</a:t>
             </a:fld>
             <a:endParaRPr lang="en-GB"/>
           </a:p>
@@ -3710,28 +4039,16 @@
           <a:lstStyle/>
           <a:p>
             <a:r>
+              <a:rPr lang="en-US" dirty="0" smtClean="0"/>
+              <a:t>MS Visual Studio 2013 </a:t>
+            </a:r>
+            <a:r>
               <a:rPr lang="ru-RU" dirty="0" smtClean="0"/>
-              <a:t>Разработка веб </a:t>
-            </a:r>
-            <a:r>
-              <a:rPr lang="ru-RU" dirty="0" err="1" smtClean="0"/>
-              <a:t>приложния</a:t>
-            </a:r>
-            <a:r>
-              <a:rPr lang="ru-RU" dirty="0" smtClean="0"/>
-              <a:t> на </a:t>
+              <a:t>и язык программирования </a:t>
             </a:r>
             <a:r>
               <a:rPr lang="en-US" dirty="0" smtClean="0"/>
-              <a:t>ASP.net </a:t>
-            </a:r>
-            <a:r>
-              <a:rPr lang="ru-RU" dirty="0" smtClean="0"/>
-              <a:t>и </a:t>
-            </a:r>
-            <a:r>
-              <a:rPr lang="en-US" dirty="0" smtClean="0"/>
-              <a:t>Oracle Database</a:t>
+              <a:t>C#</a:t>
             </a:r>
           </a:p>
           <a:p>
@@ -3778,6 +4095,25 @@
       </p:grpSpPr>
       <p:sp>
         <p:nvSpPr>
+          <p:cNvPr id="2" name="Заголовок 1"/>
+          <p:cNvSpPr>
+            <a:spLocks noGrp="1"/>
+          </p:cNvSpPr>
+          <p:nvPr>
+            <p:ph type="title"/>
+          </p:nvPr>
+        </p:nvSpPr>
+        <p:spPr/>
+        <p:txBody>
+          <a:bodyPr/>
+          <a:lstStyle/>
+          <a:p>
+            <a:endParaRPr lang="en-GB" dirty="0"/>
+          </a:p>
+        </p:txBody>
+      </p:sp>
+      <p:sp>
+        <p:nvSpPr>
           <p:cNvPr id="3" name="Объект 2"/>
           <p:cNvSpPr>
             <a:spLocks noGrp="1"/>
@@ -3786,152 +4122,10 @@
             <p:ph idx="1"/>
           </p:nvPr>
         </p:nvSpPr>
-        <p:spPr>
-          <a:xfrm>
-            <a:off x="838200" y="772333"/>
-            <a:ext cx="10515600" cy="5108017"/>
-          </a:xfrm>
-        </p:spPr>
-        <p:txBody>
-          <a:bodyPr>
-            <a:normAutofit/>
-          </a:bodyPr>
-          <a:lstStyle/>
-          <a:p>
-            <a:r>
-              <a:rPr lang="ru-RU" dirty="0" smtClean="0"/>
-              <a:t>Запустите </a:t>
-            </a:r>
-            <a:r>
-              <a:rPr lang="en-US" dirty="0" smtClean="0"/>
-              <a:t>Microsoft Visual Studio 2013 </a:t>
-            </a:r>
-            <a:endParaRPr lang="en-US" dirty="0" smtClean="0"/>
-          </a:p>
-          <a:p>
-            <a:r>
-              <a:rPr lang="en-US" dirty="0" smtClean="0"/>
-              <a:t>FILE-&gt;New-&gt;Project</a:t>
-            </a:r>
-          </a:p>
-          <a:p>
-            <a:r>
-              <a:rPr lang="en-US" dirty="0" smtClean="0"/>
-              <a:t>Installed-&gt;Templates-&gt;Visual C#  </a:t>
-            </a:r>
-            <a:r>
-              <a:rPr lang="ru-RU" dirty="0" smtClean="0"/>
-              <a:t>выберите </a:t>
-            </a:r>
-            <a:r>
-              <a:rPr lang="en-US" dirty="0" smtClean="0"/>
-              <a:t>ASP.NET Web Application</a:t>
-            </a:r>
-          </a:p>
-          <a:p>
-            <a:r>
-              <a:rPr lang="ru-RU" dirty="0" smtClean="0"/>
-              <a:t>Заполните поля:</a:t>
-            </a:r>
-          </a:p>
-          <a:p>
-            <a:pPr lvl="1"/>
-            <a:r>
-              <a:rPr lang="en-US" dirty="0" smtClean="0"/>
-              <a:t>Name – </a:t>
-            </a:r>
-            <a:r>
-              <a:rPr lang="ru-RU" dirty="0" smtClean="0"/>
-              <a:t>имя первого проекта в решении (приложении)</a:t>
-            </a:r>
-          </a:p>
-          <a:p>
-            <a:pPr lvl="1"/>
-            <a:r>
-              <a:rPr lang="en-US" dirty="0" smtClean="0"/>
-              <a:t>Location – </a:t>
-            </a:r>
-            <a:r>
-              <a:rPr lang="ru-RU" dirty="0" smtClean="0"/>
-              <a:t>расположение файлов решения </a:t>
-            </a:r>
-          </a:p>
-          <a:p>
-            <a:pPr lvl="1"/>
-            <a:r>
-              <a:rPr lang="en-US" dirty="0" smtClean="0"/>
-              <a:t>Solution – </a:t>
-            </a:r>
-            <a:r>
-              <a:rPr lang="ru-RU" dirty="0" smtClean="0"/>
-              <a:t>оставьте </a:t>
-            </a:r>
-            <a:r>
-              <a:rPr lang="en-US" dirty="0" smtClean="0"/>
-              <a:t>“Create new solution”</a:t>
-            </a:r>
-          </a:p>
-          <a:p>
-            <a:pPr lvl="1"/>
-            <a:r>
-              <a:rPr lang="en-US" dirty="0" smtClean="0"/>
-              <a:t>Solution name – </a:t>
-            </a:r>
-            <a:r>
-              <a:rPr lang="ru-RU" dirty="0" smtClean="0"/>
-              <a:t>имя решения (всего приложения)</a:t>
-            </a:r>
-          </a:p>
-          <a:p>
-            <a:pPr lvl="1"/>
-            <a:r>
-              <a:rPr lang="ru-RU" dirty="0" smtClean="0"/>
-              <a:t>Нажмите кнопку </a:t>
-            </a:r>
-            <a:r>
-              <a:rPr lang="en-US" dirty="0" smtClean="0"/>
-              <a:t>“OK”</a:t>
-            </a:r>
-          </a:p>
-          <a:p>
-            <a:r>
-              <a:rPr lang="ru-RU" dirty="0" smtClean="0"/>
-              <a:t>Выберите </a:t>
-            </a:r>
-            <a:r>
-              <a:rPr lang="en-US" dirty="0" smtClean="0"/>
-              <a:t>MVC, </a:t>
-            </a:r>
-            <a:r>
-              <a:rPr lang="ru-RU" dirty="0" smtClean="0"/>
-              <a:t>отметьте галочкой только</a:t>
-            </a:r>
-            <a:r>
-              <a:rPr lang="en-US" dirty="0" smtClean="0"/>
-              <a:t> MVC </a:t>
-            </a:r>
-            <a:r>
-              <a:rPr lang="ru-RU" dirty="0" smtClean="0"/>
-              <a:t>и </a:t>
-            </a:r>
-            <a:r>
-              <a:rPr lang="en-US" dirty="0" smtClean="0"/>
-              <a:t>Add new tests</a:t>
-            </a:r>
-          </a:p>
-          <a:p>
-            <a:r>
-              <a:rPr lang="ru-RU" dirty="0" smtClean="0"/>
-              <a:t>Нажмите </a:t>
-            </a:r>
-            <a:r>
-              <a:rPr lang="en-US" dirty="0" smtClean="0"/>
-              <a:t>“OK”</a:t>
-            </a:r>
-          </a:p>
-          <a:p>
-            <a:endParaRPr lang="en-US" dirty="0" smtClean="0"/>
-          </a:p>
+        <p:spPr/>
+        <p:txBody>
+          <a:bodyPr/>
+          <a:lstStyle/>
           <a:p>
             <a:endParaRPr lang="en-GB" dirty="0"/>
           </a:p>
@@ -4006,58 +4200,10 @@
           </a:p>
         </p:txBody>
       </p:sp>
-      <p:sp>
-        <p:nvSpPr>
-          <p:cNvPr id="7" name="Прямоугольник 6"/>
-          <p:cNvSpPr/>
-          <p:nvPr/>
-        </p:nvSpPr>
-        <p:spPr>
-          <a:xfrm>
-            <a:off x="1" y="0"/>
-            <a:ext cx="12192000" cy="296333"/>
-          </a:xfrm>
-          <a:prstGeom prst="rect">
-            <a:avLst/>
-          </a:prstGeom>
-        </p:spPr>
-        <p:style>
-          <a:lnRef idx="2">
-            <a:schemeClr val="accent6">
-              <a:shade val="50000"/>
-            </a:schemeClr>
-          </a:lnRef>
-          <a:fillRef idx="1">
-            <a:schemeClr val="accent6"/>
-          </a:fillRef>
-          <a:effectRef idx="0">
-            <a:schemeClr val="accent6"/>
-          </a:effectRef>
-          <a:fontRef idx="minor">
-            <a:schemeClr val="lt1"/>
-          </a:fontRef>
-        </p:style>
-        <p:txBody>
-          <a:bodyPr rtlCol="0" anchor="ctr"/>
-          <a:lstStyle/>
-          <a:p>
-            <a:pPr algn="ctr"/>
-            <a:r>
-              <a:rPr lang="ru-RU" dirty="0" smtClean="0"/>
-              <a:t>Создание проекта </a:t>
-            </a:r>
-            <a:r>
-              <a:rPr lang="en-US" dirty="0" smtClean="0"/>
-              <a:t>ASP.NET</a:t>
-            </a:r>
-            <a:endParaRPr lang="en-GB" dirty="0"/>
-          </a:p>
-        </p:txBody>
-      </p:sp>
     </p:spTree>
     <p:extLst>
       <p:ext uri="{BB962C8B-B14F-4D97-AF65-F5344CB8AC3E}">
-        <p14:creationId xmlns:p14="http://schemas.microsoft.com/office/powerpoint/2010/main" val="453565188"/>
+        <p14:creationId xmlns:p14="http://schemas.microsoft.com/office/powerpoint/2010/main" val="922784000"/>
       </p:ext>
     </p:extLst>
   </p:cSld>
@@ -4106,6 +4252,10 @@
           <a:bodyPr/>
           <a:lstStyle/>
           <a:p>
+            <a:r>
+              <a:rPr lang="en-US" dirty="0" smtClean="0"/>
+              <a:t>Model-View-Controller (MVC)</a:t>
+            </a:r>
             <a:endParaRPr lang="en-GB" dirty="0"/>
           </a:p>
         </p:txBody>
@@ -4125,7 +4275,92 @@
           <a:bodyPr/>
           <a:lstStyle/>
           <a:p>
-            <a:endParaRPr lang="en-GB" dirty="0"/>
+            <a:r>
+              <a:rPr lang="en-US" b="1" dirty="0" smtClean="0">
+                <a:solidFill>
+                  <a:srgbClr val="7030A0"/>
+                </a:solidFill>
+              </a:rPr>
+              <a:t>Model</a:t>
+            </a:r>
+            <a:r>
+              <a:rPr lang="en-US" dirty="0" smtClean="0"/>
+              <a:t> –</a:t>
+            </a:r>
+            <a:r>
+              <a:rPr lang="ru-RU" dirty="0" smtClean="0"/>
+              <a:t> модель представления объектов, данных в приложении. Обычно представляет из себя класс с полями данных, но без методов.</a:t>
+            </a:r>
+          </a:p>
+          <a:p>
+            <a:r>
+              <a:rPr lang="en-US" b="1" dirty="0" smtClean="0">
+                <a:solidFill>
+                  <a:srgbClr val="7030A0"/>
+                </a:solidFill>
+              </a:rPr>
+              <a:t>View</a:t>
+            </a:r>
+            <a:r>
+              <a:rPr lang="en-US" dirty="0" smtClean="0"/>
+              <a:t> </a:t>
+            </a:r>
+            <a:r>
+              <a:rPr lang="ru-RU" dirty="0" smtClean="0"/>
+              <a:t>– пользовательский интерфейс приложение, то, что видит пользователь на экране браузера</a:t>
+            </a:r>
+            <a:endParaRPr lang="en-US" dirty="0" smtClean="0"/>
+          </a:p>
+          <a:p>
+            <a:r>
+              <a:rPr lang="en-US" b="1" dirty="0" smtClean="0">
+                <a:solidFill>
+                  <a:srgbClr val="7030A0"/>
+                </a:solidFill>
+              </a:rPr>
+              <a:t>Controller</a:t>
+            </a:r>
+            <a:r>
+              <a:rPr lang="en-US" dirty="0" smtClean="0"/>
+              <a:t> – </a:t>
+            </a:r>
+            <a:r>
+              <a:rPr lang="ru-RU" dirty="0" smtClean="0"/>
+              <a:t>внутренний элемент, не видный пользователю, отвечающий за логику работы приложения. Связывает </a:t>
+            </a:r>
+            <a:r>
+              <a:rPr lang="en-US" b="1" dirty="0" smtClean="0">
+                <a:solidFill>
+                  <a:srgbClr val="7030A0"/>
+                </a:solidFill>
+              </a:rPr>
+              <a:t>Model</a:t>
+            </a:r>
+            <a:r>
+              <a:rPr lang="en-US" dirty="0" smtClean="0"/>
+              <a:t> </a:t>
+            </a:r>
+            <a:r>
+              <a:rPr lang="ru-RU" dirty="0" smtClean="0"/>
+              <a:t>и</a:t>
+            </a:r>
+            <a:r>
+              <a:rPr lang="en-US" dirty="0" smtClean="0"/>
+              <a:t> </a:t>
+            </a:r>
+            <a:r>
+              <a:rPr lang="en-US" b="1" dirty="0" smtClean="0">
+                <a:solidFill>
+                  <a:srgbClr val="7030A0"/>
+                </a:solidFill>
+              </a:rPr>
+              <a:t>View</a:t>
+            </a:r>
+            <a:endParaRPr lang="en-GB" b="1" dirty="0">
+              <a:solidFill>
+                <a:srgbClr val="7030A0"/>
+              </a:solidFill>
+            </a:endParaRPr>
           </a:p>
         </p:txBody>
       </p:sp>
@@ -4198,56 +4433,10 @@
           </a:p>
         </p:txBody>
       </p:sp>
-      <p:sp>
-        <p:nvSpPr>
-          <p:cNvPr id="7" name="Прямоугольник 6"/>
-          <p:cNvSpPr/>
-          <p:nvPr/>
-        </p:nvSpPr>
-        <p:spPr>
-          <a:xfrm>
-            <a:off x="1" y="0"/>
-            <a:ext cx="12192000" cy="296333"/>
-          </a:xfrm>
-          <a:prstGeom prst="rect">
-            <a:avLst/>
-          </a:prstGeom>
-        </p:spPr>
-        <p:style>
-          <a:lnRef idx="0">
-            <a:schemeClr val="accent5"/>
-          </a:lnRef>
-          <a:fillRef idx="3">
-            <a:schemeClr val="accent5"/>
-          </a:fillRef>
-          <a:effectRef idx="3">
-            <a:schemeClr val="accent5"/>
-          </a:effectRef>
-          <a:fontRef idx="minor">
-            <a:schemeClr val="lt1"/>
-          </a:fontRef>
-        </p:style>
-        <p:txBody>
-          <a:bodyPr rtlCol="0" anchor="ctr"/>
-          <a:lstStyle/>
-          <a:p>
-            <a:pPr algn="ctr"/>
-            <a:r>
-              <a:rPr lang="ru-RU" dirty="0" smtClean="0"/>
-              <a:t>Создание проекта </a:t>
-            </a:r>
-            <a:r>
-              <a:rPr lang="en-US" dirty="0" smtClean="0"/>
-              <a:t>ASP.NET</a:t>
-            </a:r>
-            <a:endParaRPr lang="en-GB" dirty="0"/>
-          </a:p>
-        </p:txBody>
-      </p:sp>
     </p:spTree>
     <p:extLst>
       <p:ext uri="{BB962C8B-B14F-4D97-AF65-F5344CB8AC3E}">
-        <p14:creationId xmlns:p14="http://schemas.microsoft.com/office/powerpoint/2010/main" val="2637532497"/>
+        <p14:creationId xmlns:p14="http://schemas.microsoft.com/office/powerpoint/2010/main" val="3869899697"/>
       </p:ext>
     </p:extLst>
   </p:cSld>
@@ -4298,7 +4487,7 @@
           <a:p>
             <a:r>
               <a:rPr lang="en-US" dirty="0" smtClean="0"/>
-              <a:t>Tab-tab action for code snippets</a:t>
+              <a:t>View</a:t>
             </a:r>
             <a:endParaRPr lang="en-GB" dirty="0"/>
           </a:p>
@@ -4319,7 +4508,11 @@
           <a:bodyPr/>
           <a:lstStyle/>
           <a:p>
-            <a:endParaRPr lang="en-GB"/>
+            <a:r>
+              <a:rPr lang="en-US" dirty="0" smtClean="0"/>
+              <a:t>To do: insert the picture of our application here</a:t>
+            </a:r>
+            <a:endParaRPr lang="en-GB" dirty="0"/>
           </a:p>
         </p:txBody>
       </p:sp>
@@ -4395,7 +4588,7 @@
     </p:spTree>
     <p:extLst>
       <p:ext uri="{BB962C8B-B14F-4D97-AF65-F5344CB8AC3E}">
-        <p14:creationId xmlns:p14="http://schemas.microsoft.com/office/powerpoint/2010/main" val="2112355702"/>
+        <p14:creationId xmlns:p14="http://schemas.microsoft.com/office/powerpoint/2010/main" val="1423666613"/>
       </p:ext>
     </p:extLst>
   </p:cSld>
@@ -4446,7 +4639,11 @@
           <a:p>
             <a:r>
               <a:rPr lang="en-US" dirty="0" smtClean="0"/>
-              <a:t>Generate inexistent class</a:t>
+              <a:t>Model – </a:t>
+            </a:r>
+            <a:r>
+              <a:rPr lang="ru-RU" dirty="0" smtClean="0"/>
+              <a:t>это класс</a:t>
             </a:r>
             <a:endParaRPr lang="en-GB" dirty="0"/>
           </a:p>
@@ -4467,7 +4664,11 @@
           <a:bodyPr/>
           <a:lstStyle/>
           <a:p>
-            <a:endParaRPr lang="en-GB"/>
+            <a:r>
+              <a:rPr lang="en-US" dirty="0" smtClean="0"/>
+              <a:t>To do: insert the class of user here</a:t>
+            </a:r>
+            <a:endParaRPr lang="en-GB" dirty="0"/>
           </a:p>
         </p:txBody>
       </p:sp>
@@ -4543,7 +4744,7 @@
     </p:spTree>
     <p:extLst>
       <p:ext uri="{BB962C8B-B14F-4D97-AF65-F5344CB8AC3E}">
-        <p14:creationId xmlns:p14="http://schemas.microsoft.com/office/powerpoint/2010/main" val="4027976701"/>
+        <p14:creationId xmlns:p14="http://schemas.microsoft.com/office/powerpoint/2010/main" val="713820648"/>
       </p:ext>
     </p:extLst>
   </p:cSld>
@@ -4594,38 +4795,30 @@
           <a:p>
             <a:r>
               <a:rPr lang="en-US" dirty="0" smtClean="0"/>
-              <a:t>Build and add control MVC 5 controller with </a:t>
-            </a:r>
-            <a:r>
-              <a:rPr lang="en-US" dirty="0" err="1" smtClean="0"/>
-              <a:t>smth</a:t>
-            </a:r>
+              <a:t>Controller</a:t>
+            </a:r>
+            <a:endParaRPr lang="en-GB" dirty="0"/>
+          </a:p>
+        </p:txBody>
+      </p:sp>
+      <p:sp>
+        <p:nvSpPr>
+          <p:cNvPr id="3" name="Объект 2"/>
+          <p:cNvSpPr>
+            <a:spLocks noGrp="1"/>
+          </p:cNvSpPr>
+          <p:nvPr>
+            <p:ph idx="1"/>
+          </p:nvPr>
+        </p:nvSpPr>
+        <p:spPr/>
+        <p:txBody>
+          <a:bodyPr/>
+          <a:lstStyle/>
+          <a:p>
             <a:r>
               <a:rPr lang="en-US" dirty="0" smtClean="0"/>
-              <a:t>. </a:t>
-            </a:r>
-            <a:endParaRPr lang="en-GB" dirty="0"/>
-          </a:p>
-        </p:txBody>
-      </p:sp>
-      <p:sp>
-        <p:nvSpPr>
-          <p:cNvPr id="3" name="Объект 2"/>
-          <p:cNvSpPr>
-            <a:spLocks noGrp="1"/>
-          </p:cNvSpPr>
-          <p:nvPr>
-            <p:ph idx="1"/>
-          </p:nvPr>
-        </p:nvSpPr>
-        <p:spPr/>
-        <p:txBody>
-          <a:bodyPr/>
-          <a:lstStyle/>
-          <a:p>
-            <a:r>
-              <a:rPr lang="en-US" dirty="0" smtClean="0"/>
-              <a:t>To do: do not forget about one-to-one and one-to-many relations</a:t>
+              <a:t>To do: insert the scheme of MVC interaction here + interaction with other components of the application</a:t>
             </a:r>
             <a:endParaRPr lang="en-GB" dirty="0"/>
           </a:p>
@@ -4703,7 +4896,7 @@
     </p:spTree>
     <p:extLst>
       <p:ext uri="{BB962C8B-B14F-4D97-AF65-F5344CB8AC3E}">
-        <p14:creationId xmlns:p14="http://schemas.microsoft.com/office/powerpoint/2010/main" val="1655495050"/>
+        <p14:creationId xmlns:p14="http://schemas.microsoft.com/office/powerpoint/2010/main" val="2261269123"/>
       </p:ext>
     </p:extLst>
   </p:cSld>
@@ -4753,8 +4946,8 @@
           <a:lstStyle/>
           <a:p>
             <a:r>
-              <a:rPr lang="ru-RU" dirty="0" smtClean="0"/>
-              <a:t>Схема приложения</a:t>
+              <a:rPr lang="en-US" dirty="0" smtClean="0"/>
+              <a:t>Visual Studio 2013 express for web development</a:t>
             </a:r>
             <a:endParaRPr lang="en-GB" dirty="0"/>
           </a:p>
@@ -4851,7 +5044,7 @@
     </p:spTree>
     <p:extLst>
       <p:ext uri="{BB962C8B-B14F-4D97-AF65-F5344CB8AC3E}">
-        <p14:creationId xmlns:p14="http://schemas.microsoft.com/office/powerpoint/2010/main" val="759459816"/>
+        <p14:creationId xmlns:p14="http://schemas.microsoft.com/office/powerpoint/2010/main" val="3973800081"/>
       </p:ext>
     </p:extLst>
   </p:cSld>
@@ -4902,79 +5095,9 @@
           <a:p>
             <a:r>
               <a:rPr lang="en-US" dirty="0" smtClean="0"/>
-              <a:t>Models</a:t>
+              <a:t>MVC</a:t>
             </a:r>
             <a:endParaRPr lang="en-GB" dirty="0"/>
-          </a:p>
-        </p:txBody>
-      </p:sp>
-      <p:sp>
-        <p:nvSpPr>
-          <p:cNvPr id="3" name="Объект 2"/>
-          <p:cNvSpPr>
-            <a:spLocks noGrp="1"/>
-          </p:cNvSpPr>
-          <p:nvPr>
-            <p:ph idx="1"/>
-          </p:nvPr>
-        </p:nvSpPr>
-        <p:spPr/>
-        <p:txBody>
-          <a:bodyPr/>
-          <a:lstStyle/>
-          <a:p>
-            <a:r>
-              <a:rPr lang="en-US" dirty="0" smtClean="0"/>
-              <a:t>To do: user, role</a:t>
-            </a:r>
-          </a:p>
-          <a:p>
-            <a:r>
-              <a:rPr lang="ru-RU" dirty="0" smtClean="0"/>
-              <a:t>Пользователь определяет, с какими моделями он хочет работать</a:t>
-            </a:r>
-          </a:p>
-          <a:p>
-            <a:r>
-              <a:rPr lang="ru-RU" dirty="0" smtClean="0"/>
-              <a:t>Мы хотим, чтобы модель везде отображалась одинаково, поэтому сюда и помещаем атрибуты отображения</a:t>
-            </a:r>
-            <a:endParaRPr lang="ru-RU" dirty="0"/>
-          </a:p>
-          <a:p>
-            <a:r>
-              <a:rPr lang="ru-RU" dirty="0" smtClean="0"/>
-              <a:t>Атрибуты</a:t>
-            </a:r>
-          </a:p>
-          <a:p>
-            <a:pPr lvl="1"/>
-            <a:r>
-              <a:rPr lang="ru-RU" dirty="0" smtClean="0"/>
-              <a:t>Тип данных</a:t>
-            </a:r>
-          </a:p>
-          <a:p>
-            <a:pPr lvl="1"/>
-            <a:r>
-              <a:rPr lang="ru-RU" dirty="0" smtClean="0"/>
-              <a:t>Отображения</a:t>
-            </a:r>
-          </a:p>
-          <a:p>
-            <a:pPr lvl="1"/>
-            <a:r>
-              <a:rPr lang="ru-RU" dirty="0" err="1" smtClean="0"/>
-              <a:t>Валидации</a:t>
-            </a:r>
-            <a:endParaRPr lang="ru-RU" dirty="0" smtClean="0"/>
-          </a:p>
-          <a:p>
-            <a:r>
-              <a:rPr lang="en-US" dirty="0" smtClean="0"/>
-              <a:t>Model binding</a:t>
-            </a:r>
-            <a:endParaRPr lang="ru-RU" dirty="0" smtClean="0"/>
           </a:p>
         </p:txBody>
       </p:sp>
@@ -5047,10 +5170,522 @@
           </a:p>
         </p:txBody>
       </p:sp>
+      <p:sp>
+        <p:nvSpPr>
+          <p:cNvPr id="7" name="Прямоугольник 6"/>
+          <p:cNvSpPr/>
+          <p:nvPr/>
+        </p:nvSpPr>
+        <p:spPr>
+          <a:xfrm>
+            <a:off x="6580917" y="2374880"/>
+            <a:ext cx="4059365" cy="771779"/>
+          </a:xfrm>
+          <a:prstGeom prst="rect">
+            <a:avLst/>
+          </a:prstGeom>
+        </p:spPr>
+        <p:style>
+          <a:lnRef idx="3">
+            <a:schemeClr val="lt1"/>
+          </a:lnRef>
+          <a:fillRef idx="1">
+            <a:schemeClr val="accent1"/>
+          </a:fillRef>
+          <a:effectRef idx="1">
+            <a:schemeClr val="accent1"/>
+          </a:effectRef>
+          <a:fontRef idx="minor">
+            <a:schemeClr val="lt1"/>
+          </a:fontRef>
+        </p:style>
+        <p:txBody>
+          <a:bodyPr rtlCol="0" anchor="ctr"/>
+          <a:lstStyle/>
+          <a:p>
+            <a:pPr algn="ctr"/>
+            <a:r>
+              <a:rPr lang="en-US" dirty="0" smtClean="0"/>
+              <a:t>Controller</a:t>
+            </a:r>
+          </a:p>
+        </p:txBody>
+      </p:sp>
+      <p:sp>
+        <p:nvSpPr>
+          <p:cNvPr id="10" name="Стрелка вправо 9"/>
+          <p:cNvSpPr/>
+          <p:nvPr/>
+        </p:nvSpPr>
+        <p:spPr>
+          <a:xfrm>
+            <a:off x="3455346" y="2425443"/>
+            <a:ext cx="2190482" cy="721216"/>
+          </a:xfrm>
+          <a:prstGeom prst="rightArrow">
+            <a:avLst/>
+          </a:prstGeom>
+        </p:spPr>
+        <p:style>
+          <a:lnRef idx="3">
+            <a:schemeClr val="lt1"/>
+          </a:lnRef>
+          <a:fillRef idx="1">
+            <a:schemeClr val="accent6"/>
+          </a:fillRef>
+          <a:effectRef idx="1">
+            <a:schemeClr val="accent6"/>
+          </a:effectRef>
+          <a:fontRef idx="minor">
+            <a:schemeClr val="lt1"/>
+          </a:fontRef>
+        </p:style>
+        <p:txBody>
+          <a:bodyPr rtlCol="0" anchor="ctr"/>
+          <a:lstStyle/>
+          <a:p>
+            <a:pPr algn="ctr"/>
+            <a:r>
+              <a:rPr lang="en-US" dirty="0" smtClean="0"/>
+              <a:t>Request</a:t>
+            </a:r>
+            <a:endParaRPr lang="en-GB" dirty="0"/>
+          </a:p>
+        </p:txBody>
+      </p:sp>
+      <p:sp>
+        <p:nvSpPr>
+          <p:cNvPr id="11" name="Стрелка вправо 10"/>
+          <p:cNvSpPr/>
+          <p:nvPr/>
+        </p:nvSpPr>
+        <p:spPr>
+          <a:xfrm flipH="1">
+            <a:off x="3455346" y="4561255"/>
+            <a:ext cx="2190482" cy="721216"/>
+          </a:xfrm>
+          <a:prstGeom prst="rightArrow">
+            <a:avLst/>
+          </a:prstGeom>
+        </p:spPr>
+        <p:style>
+          <a:lnRef idx="3">
+            <a:schemeClr val="lt1"/>
+          </a:lnRef>
+          <a:fillRef idx="1">
+            <a:schemeClr val="accent6"/>
+          </a:fillRef>
+          <a:effectRef idx="1">
+            <a:schemeClr val="accent6"/>
+          </a:effectRef>
+          <a:fontRef idx="minor">
+            <a:schemeClr val="lt1"/>
+          </a:fontRef>
+        </p:style>
+        <p:txBody>
+          <a:bodyPr rtlCol="0" anchor="ctr"/>
+          <a:lstStyle/>
+          <a:p>
+            <a:pPr algn="ctr"/>
+            <a:r>
+              <a:rPr lang="en-US" dirty="0" smtClean="0"/>
+              <a:t>Response</a:t>
+            </a:r>
+            <a:endParaRPr lang="en-GB" dirty="0"/>
+          </a:p>
+        </p:txBody>
+      </p:sp>
+      <p:sp>
+        <p:nvSpPr>
+          <p:cNvPr id="12" name="Прямоугольник 11"/>
+          <p:cNvSpPr/>
+          <p:nvPr/>
+        </p:nvSpPr>
+        <p:spPr>
+          <a:xfrm>
+            <a:off x="6580918" y="4510692"/>
+            <a:ext cx="4059364" cy="771779"/>
+          </a:xfrm>
+          <a:prstGeom prst="rect">
+            <a:avLst/>
+          </a:prstGeom>
+        </p:spPr>
+        <p:style>
+          <a:lnRef idx="3">
+            <a:schemeClr val="lt1"/>
+          </a:lnRef>
+          <a:fillRef idx="1">
+            <a:schemeClr val="accent1"/>
+          </a:fillRef>
+          <a:effectRef idx="1">
+            <a:schemeClr val="accent1"/>
+          </a:effectRef>
+          <a:fontRef idx="minor">
+            <a:schemeClr val="lt1"/>
+          </a:fontRef>
+        </p:style>
+        <p:txBody>
+          <a:bodyPr rtlCol="0" anchor="ctr"/>
+          <a:lstStyle/>
+          <a:p>
+            <a:pPr algn="ctr"/>
+            <a:r>
+              <a:rPr lang="en-US" dirty="0" smtClean="0"/>
+              <a:t>View</a:t>
+            </a:r>
+          </a:p>
+        </p:txBody>
+      </p:sp>
+      <p:sp>
+        <p:nvSpPr>
+          <p:cNvPr id="13" name="TextBox 12"/>
+          <p:cNvSpPr txBox="1"/>
+          <p:nvPr/>
+        </p:nvSpPr>
+        <p:spPr>
+          <a:xfrm>
+            <a:off x="6580918" y="1038851"/>
+            <a:ext cx="4059365" cy="1200329"/>
+          </a:xfrm>
+          <a:prstGeom prst="rect">
+            <a:avLst/>
+          </a:prstGeom>
+          <a:noFill/>
+        </p:spPr>
+        <p:txBody>
+          <a:bodyPr wrap="square" rtlCol="0">
+            <a:spAutoFit/>
+          </a:bodyPr>
+          <a:lstStyle/>
+          <a:p>
+            <a:r>
+              <a:rPr lang="en-US" dirty="0" smtClean="0">
+                <a:solidFill>
+                  <a:schemeClr val="accent1">
+                    <a:lumMod val="75000"/>
+                  </a:schemeClr>
+                </a:solidFill>
+              </a:rPr>
+              <a:t>Controller</a:t>
+            </a:r>
+          </a:p>
+          <a:p>
+            <a:r>
+              <a:rPr lang="ru-RU" dirty="0" smtClean="0"/>
+              <a:t>Реализует логику работы приложения</a:t>
+            </a:r>
+            <a:r>
+              <a:rPr lang="en-US" dirty="0" smtClean="0"/>
+              <a:t>.</a:t>
+            </a:r>
+            <a:endParaRPr lang="ru-RU" dirty="0" smtClean="0"/>
+          </a:p>
+          <a:p>
+            <a:r>
+              <a:rPr lang="ru-RU" dirty="0" smtClean="0"/>
+              <a:t>Готовит </a:t>
+            </a:r>
+            <a:r>
+              <a:rPr lang="en-US" dirty="0" smtClean="0">
+                <a:solidFill>
+                  <a:schemeClr val="accent1">
+                    <a:lumMod val="75000"/>
+                  </a:schemeClr>
+                </a:solidFill>
+              </a:rPr>
+              <a:t>Model</a:t>
+            </a:r>
+            <a:r>
+              <a:rPr lang="en-US" dirty="0" smtClean="0"/>
+              <a:t> </a:t>
+            </a:r>
+            <a:r>
+              <a:rPr lang="ru-RU" dirty="0" smtClean="0"/>
+              <a:t>для передачи ее в </a:t>
+            </a:r>
+            <a:r>
+              <a:rPr lang="en-US" dirty="0" smtClean="0">
+                <a:solidFill>
+                  <a:schemeClr val="accent1">
+                    <a:lumMod val="75000"/>
+                  </a:schemeClr>
+                </a:solidFill>
+              </a:rPr>
+              <a:t>View</a:t>
+            </a:r>
+            <a:r>
+              <a:rPr lang="en-US" dirty="0" smtClean="0"/>
+              <a:t>.</a:t>
+            </a:r>
+            <a:endParaRPr lang="ru-RU" dirty="0" smtClean="0"/>
+          </a:p>
+          <a:p>
+            <a:r>
+              <a:rPr lang="en-US" dirty="0" smtClean="0"/>
+              <a:t>“Does Stuff”.</a:t>
+            </a:r>
+            <a:endParaRPr lang="en-GB" dirty="0"/>
+          </a:p>
+        </p:txBody>
+      </p:sp>
+      <p:sp>
+        <p:nvSpPr>
+          <p:cNvPr id="14" name="TextBox 13"/>
+          <p:cNvSpPr txBox="1"/>
+          <p:nvPr/>
+        </p:nvSpPr>
+        <p:spPr>
+          <a:xfrm>
+            <a:off x="6580918" y="5289025"/>
+            <a:ext cx="3307444" cy="923330"/>
+          </a:xfrm>
+          <a:prstGeom prst="rect">
+            <a:avLst/>
+          </a:prstGeom>
+          <a:noFill/>
+        </p:spPr>
+        <p:txBody>
+          <a:bodyPr wrap="none" rtlCol="0">
+            <a:spAutoFit/>
+          </a:bodyPr>
+          <a:lstStyle/>
+          <a:p>
+            <a:r>
+              <a:rPr lang="en-US" dirty="0" smtClean="0">
+                <a:solidFill>
+                  <a:schemeClr val="accent1">
+                    <a:lumMod val="75000"/>
+                  </a:schemeClr>
+                </a:solidFill>
+              </a:rPr>
+              <a:t>View</a:t>
+            </a:r>
+          </a:p>
+          <a:p>
+            <a:r>
+              <a:rPr lang="ru-RU" dirty="0" smtClean="0"/>
+              <a:t>Пользовательский интерфейс.</a:t>
+            </a:r>
+          </a:p>
+          <a:p>
+            <a:r>
+              <a:rPr lang="ru-RU" dirty="0" smtClean="0"/>
+              <a:t>Визуально представляет </a:t>
+            </a:r>
+            <a:r>
+              <a:rPr lang="en-US" dirty="0" smtClean="0">
+                <a:solidFill>
+                  <a:schemeClr val="accent1">
+                    <a:lumMod val="75000"/>
+                  </a:schemeClr>
+                </a:solidFill>
+              </a:rPr>
+              <a:t>Model</a:t>
+            </a:r>
+            <a:r>
+              <a:rPr lang="en-US" dirty="0" smtClean="0"/>
+              <a:t>.</a:t>
+            </a:r>
+            <a:endParaRPr lang="en-GB" dirty="0"/>
+          </a:p>
+        </p:txBody>
+      </p:sp>
+      <p:sp>
+        <p:nvSpPr>
+          <p:cNvPr id="15" name="Стрелка вниз 14"/>
+          <p:cNvSpPr/>
+          <p:nvPr/>
+        </p:nvSpPr>
+        <p:spPr>
+          <a:xfrm>
+            <a:off x="8234640" y="3227562"/>
+            <a:ext cx="498764" cy="1202226"/>
+          </a:xfrm>
+          <a:prstGeom prst="downArrow">
+            <a:avLst/>
+          </a:prstGeom>
+        </p:spPr>
+        <p:style>
+          <a:lnRef idx="3">
+            <a:schemeClr val="lt1"/>
+          </a:lnRef>
+          <a:fillRef idx="1">
+            <a:schemeClr val="dk1"/>
+          </a:fillRef>
+          <a:effectRef idx="1">
+            <a:schemeClr val="dk1"/>
+          </a:effectRef>
+          <a:fontRef idx="minor">
+            <a:schemeClr val="lt1"/>
+          </a:fontRef>
+        </p:style>
+        <p:txBody>
+          <a:bodyPr rtlCol="0" anchor="ctr"/>
+          <a:lstStyle/>
+          <a:p>
+            <a:pPr algn="ctr"/>
+            <a:endParaRPr lang="en-GB"/>
+          </a:p>
+        </p:txBody>
+      </p:sp>
+      <p:grpSp>
+        <p:nvGrpSpPr>
+          <p:cNvPr id="22" name="Группа 21"/>
+          <p:cNvGrpSpPr/>
+          <p:nvPr/>
+        </p:nvGrpSpPr>
+        <p:grpSpPr>
+          <a:xfrm>
+            <a:off x="8792524" y="3446063"/>
+            <a:ext cx="1492741" cy="632716"/>
+            <a:chOff x="7977884" y="3313059"/>
+            <a:chExt cx="1492741" cy="632716"/>
+          </a:xfrm>
+        </p:grpSpPr>
+        <p:pic>
+          <p:nvPicPr>
+            <p:cNvPr id="17" name="Рисунок 16"/>
+            <p:cNvPicPr>
+              <a:picLocks noChangeAspect="1"/>
+            </p:cNvPicPr>
+            <p:nvPr/>
+          </p:nvPicPr>
+          <p:blipFill>
+            <a:blip r:embed="rId3">
+              <a:extLst>
+                <a:ext uri="{28A0092B-C50C-407E-A947-70E740481C1C}">
+                  <a14:useLocalDpi xmlns:a14="http://schemas.microsoft.com/office/drawing/2010/main" val="0"/>
+                </a:ext>
+              </a:extLst>
+            </a:blip>
+            <a:stretch>
+              <a:fillRect/>
+            </a:stretch>
+          </p:blipFill>
+          <p:spPr>
+            <a:xfrm>
+              <a:off x="7977884" y="3313059"/>
+              <a:ext cx="632716" cy="632716"/>
+            </a:xfrm>
+            <a:prstGeom prst="rect">
+              <a:avLst/>
+            </a:prstGeom>
+          </p:spPr>
+        </p:pic>
+        <p:sp>
+          <p:nvSpPr>
+            <p:cNvPr id="18" name="Прямоугольник 17"/>
+            <p:cNvSpPr/>
+            <p:nvPr/>
+          </p:nvSpPr>
+          <p:spPr>
+            <a:xfrm>
+              <a:off x="8676818" y="3530840"/>
+              <a:ext cx="793807" cy="369332"/>
+            </a:xfrm>
+            <a:prstGeom prst="rect">
+              <a:avLst/>
+            </a:prstGeom>
+          </p:spPr>
+          <p:txBody>
+            <a:bodyPr wrap="none">
+              <a:spAutoFit/>
+            </a:bodyPr>
+            <a:lstStyle/>
+            <a:p>
+              <a:r>
+                <a:rPr lang="en-US" dirty="0">
+                  <a:solidFill>
+                    <a:schemeClr val="accent1">
+                      <a:lumMod val="75000"/>
+                    </a:schemeClr>
+                  </a:solidFill>
+                </a:rPr>
+                <a:t>Model</a:t>
+              </a:r>
+              <a:endParaRPr lang="en-GB" dirty="0"/>
+            </a:p>
+          </p:txBody>
+        </p:sp>
+      </p:grpSp>
+      <p:grpSp>
+        <p:nvGrpSpPr>
+          <p:cNvPr id="21" name="Группа 20"/>
+          <p:cNvGrpSpPr/>
+          <p:nvPr/>
+        </p:nvGrpSpPr>
+        <p:grpSpPr>
+          <a:xfrm>
+            <a:off x="1190797" y="3013547"/>
+            <a:ext cx="1705616" cy="1852714"/>
+            <a:chOff x="376157" y="2880543"/>
+            <a:chExt cx="1705616" cy="1852714"/>
+          </a:xfrm>
+        </p:grpSpPr>
+        <p:pic>
+          <p:nvPicPr>
+            <p:cNvPr id="19" name="Рисунок 18"/>
+            <p:cNvPicPr>
+              <a:picLocks noChangeAspect="1"/>
+            </p:cNvPicPr>
+            <p:nvPr/>
+          </p:nvPicPr>
+          <p:blipFill>
+            <a:blip r:embed="rId4">
+              <a:extLst>
+                <a:ext uri="{28A0092B-C50C-407E-A947-70E740481C1C}">
+                  <a14:useLocalDpi xmlns:a14="http://schemas.microsoft.com/office/drawing/2010/main" val="0"/>
+                </a:ext>
+              </a:extLst>
+            </a:blip>
+            <a:stretch>
+              <a:fillRect/>
+            </a:stretch>
+          </p:blipFill>
+          <p:spPr>
+            <a:xfrm>
+              <a:off x="456012" y="2880543"/>
+              <a:ext cx="1300593" cy="1300593"/>
+            </a:xfrm>
+            <a:prstGeom prst="rect">
+              <a:avLst/>
+            </a:prstGeom>
+          </p:spPr>
+        </p:pic>
+        <p:sp>
+          <p:nvSpPr>
+            <p:cNvPr id="20" name="Прямоугольник 19"/>
+            <p:cNvSpPr/>
+            <p:nvPr/>
+          </p:nvSpPr>
+          <p:spPr>
+            <a:xfrm>
+              <a:off x="376157" y="4086926"/>
+              <a:ext cx="1705616" cy="646331"/>
+            </a:xfrm>
+            <a:prstGeom prst="rect">
+              <a:avLst/>
+            </a:prstGeom>
+          </p:spPr>
+          <p:txBody>
+            <a:bodyPr wrap="square">
+              <a:spAutoFit/>
+            </a:bodyPr>
+            <a:lstStyle/>
+            <a:p>
+              <a:r>
+                <a:rPr lang="ru-RU" dirty="0" smtClean="0"/>
+                <a:t>Браузер пользователя</a:t>
+              </a:r>
+              <a:endParaRPr lang="en-GB" dirty="0"/>
+            </a:p>
+          </p:txBody>
+        </p:sp>
+      </p:grpSp>
     </p:spTree>
     <p:extLst>
       <p:ext uri="{BB962C8B-B14F-4D97-AF65-F5344CB8AC3E}">
-        <p14:creationId xmlns:p14="http://schemas.microsoft.com/office/powerpoint/2010/main" val="3343533271"/>
+        <p14:creationId xmlns:p14="http://schemas.microsoft.com/office/powerpoint/2010/main" val="3267754883"/>
       </p:ext>
     </p:extLst>
   </p:cSld>
@@ -5086,75 +5721,160 @@
       </p:grpSpPr>
       <p:sp>
         <p:nvSpPr>
-          <p:cNvPr id="2" name="Заголовок 1"/>
-          <p:cNvSpPr>
-            <a:spLocks noGrp="1"/>
-          </p:cNvSpPr>
-          <p:nvPr>
-            <p:ph type="title"/>
-          </p:nvPr>
-        </p:nvSpPr>
-        <p:spPr/>
-        <p:txBody>
-          <a:bodyPr/>
+          <p:cNvPr id="3" name="Объект 2"/>
+          <p:cNvSpPr>
+            <a:spLocks noGrp="1"/>
+          </p:cNvSpPr>
+          <p:nvPr>
+            <p:ph idx="1"/>
+          </p:nvPr>
+        </p:nvSpPr>
+        <p:spPr>
+          <a:xfrm>
+            <a:off x="838200" y="772333"/>
+            <a:ext cx="10515600" cy="5108017"/>
+          </a:xfrm>
+        </p:spPr>
+        <p:txBody>
+          <a:bodyPr>
+            <a:normAutofit/>
+          </a:bodyPr>
           <a:lstStyle/>
           <a:p>
             <a:r>
               <a:rPr lang="ru-RU" dirty="0" smtClean="0"/>
-              <a:t>Атрибут типа данных</a:t>
-            </a:r>
-            <a:endParaRPr lang="en-GB" dirty="0"/>
-          </a:p>
-        </p:txBody>
-      </p:sp>
-      <p:sp>
-        <p:nvSpPr>
-          <p:cNvPr id="3" name="Объект 2"/>
-          <p:cNvSpPr>
-            <a:spLocks noGrp="1"/>
-          </p:cNvSpPr>
-          <p:nvPr>
-            <p:ph idx="1"/>
-          </p:nvPr>
-        </p:nvSpPr>
-        <p:spPr/>
-        <p:txBody>
-          <a:bodyPr/>
-          <a:lstStyle/>
-          <a:p>
-            <a:r>
-              <a:rPr lang="ru-RU" dirty="0" err="1" smtClean="0"/>
-              <a:t>Валидация</a:t>
-            </a:r>
-            <a:endParaRPr lang="ru-RU" dirty="0" smtClean="0"/>
-          </a:p>
-          <a:p>
+              <a:t>Запустите </a:t>
+            </a:r>
             <a:r>
               <a:rPr lang="en-US" dirty="0" smtClean="0"/>
-              <a:t>Input controls</a:t>
+              <a:t>Microsoft Visual Studio 2013 </a:t>
+            </a:r>
+          </a:p>
+          <a:p>
+            <a:r>
+              <a:rPr lang="en-US" dirty="0" smtClean="0"/>
+              <a:t>FILE-&gt;New-&gt;Project</a:t>
+            </a:r>
+          </a:p>
+          <a:p>
+            <a:r>
+              <a:rPr lang="en-US" dirty="0" smtClean="0"/>
+              <a:t>Installed-&gt;Templates-&gt;Visual C#  </a:t>
+            </a:r>
+            <a:r>
+              <a:rPr lang="ru-RU" dirty="0" smtClean="0"/>
+              <a:t>выберите </a:t>
+            </a:r>
+            <a:r>
+              <a:rPr lang="en-US" dirty="0" smtClean="0"/>
+              <a:t>ASP.NET Web Application</a:t>
+            </a:r>
+          </a:p>
+          <a:p>
+            <a:r>
+              <a:rPr lang="ru-RU" dirty="0" smtClean="0"/>
+              <a:t>Заполните поля:</a:t>
             </a:r>
           </a:p>
           <a:p>
             <a:pPr lvl="1"/>
             <a:r>
               <a:rPr lang="en-US" dirty="0" smtClean="0"/>
-              <a:t>HTML5 (MVC </a:t>
-            </a:r>
-            <a:r>
-              <a:rPr lang="ru-RU" dirty="0" err="1" smtClean="0"/>
-              <a:t>подстравивает</a:t>
+              <a:t>Name – </a:t>
             </a:r>
             <a:r>
               <a:rPr lang="ru-RU" dirty="0" smtClean="0"/>
-              <a:t> под поле </a:t>
-            </a:r>
+              <a:t>имя первого проекта в решении (приложении)</a:t>
+            </a:r>
+          </a:p>
+          <a:p>
+            <a:pPr lvl="1"/>
             <a:r>
               <a:rPr lang="en-US" dirty="0" smtClean="0"/>
-              <a:t>GUI)</a:t>
+              <a:t>Location – </a:t>
+            </a:r>
+            <a:r>
+              <a:rPr lang="ru-RU" dirty="0" smtClean="0"/>
+              <a:t>расположение файлов решения </a:t>
             </a:r>
           </a:p>
           <a:p>
             <a:pPr lvl="1"/>
+            <a:r>
+              <a:rPr lang="en-US" dirty="0" smtClean="0"/>
+              <a:t>Solution – </a:t>
+            </a:r>
+            <a:r>
+              <a:rPr lang="ru-RU" dirty="0" smtClean="0"/>
+              <a:t>оставьте </a:t>
+            </a:r>
+            <a:r>
+              <a:rPr lang="en-US" dirty="0" smtClean="0"/>
+              <a:t>“Create new solution”</a:t>
+            </a:r>
+          </a:p>
+          <a:p>
+            <a:pPr lvl="1"/>
+            <a:r>
+              <a:rPr lang="en-US" dirty="0" smtClean="0"/>
+              <a:t>Solution name – </a:t>
+            </a:r>
+            <a:r>
+              <a:rPr lang="ru-RU" dirty="0" smtClean="0"/>
+              <a:t>имя решения (всего приложения)</a:t>
+            </a:r>
+          </a:p>
+          <a:p>
+            <a:pPr lvl="1"/>
+            <a:r>
+              <a:rPr lang="ru-RU" dirty="0" smtClean="0"/>
+              <a:t>Нажмите кнопку </a:t>
+            </a:r>
+            <a:r>
+              <a:rPr lang="en-US" dirty="0" smtClean="0"/>
+              <a:t>“OK”</a:t>
+            </a:r>
+          </a:p>
+          <a:p>
+            <a:r>
+              <a:rPr lang="ru-RU" dirty="0" smtClean="0"/>
+              <a:t>Выберите </a:t>
+            </a:r>
+            <a:r>
+              <a:rPr lang="en-US" dirty="0" smtClean="0"/>
+              <a:t>MVC, </a:t>
+            </a:r>
+            <a:r>
+              <a:rPr lang="ru-RU" dirty="0" smtClean="0"/>
+              <a:t>отметьте галочкой только</a:t>
+            </a:r>
+            <a:r>
+              <a:rPr lang="en-US" dirty="0" smtClean="0"/>
+              <a:t> MVC </a:t>
+            </a:r>
+            <a:r>
+              <a:rPr lang="ru-RU" dirty="0" smtClean="0"/>
+              <a:t>и </a:t>
+            </a:r>
+            <a:r>
+              <a:rPr lang="en-US" dirty="0" smtClean="0"/>
+              <a:t>Add new tests</a:t>
+            </a:r>
+          </a:p>
+          <a:p>
+            <a:r>
+              <a:rPr lang="ru-RU" dirty="0" smtClean="0"/>
+              <a:t>Нажмите </a:t>
+            </a:r>
+            <a:r>
+              <a:rPr lang="en-US" dirty="0" smtClean="0"/>
+              <a:t>“OK”</a:t>
+            </a:r>
+          </a:p>
+          <a:p>
+            <a:endParaRPr lang="en-US" dirty="0" smtClean="0"/>
+          </a:p>
+          <a:p>
             <a:endParaRPr lang="en-GB" dirty="0"/>
           </a:p>
         </p:txBody>
@@ -5228,10 +5948,58 @@
           </a:p>
         </p:txBody>
       </p:sp>
+      <p:sp>
+        <p:nvSpPr>
+          <p:cNvPr id="7" name="Прямоугольник 6"/>
+          <p:cNvSpPr/>
+          <p:nvPr/>
+        </p:nvSpPr>
+        <p:spPr>
+          <a:xfrm>
+            <a:off x="1" y="0"/>
+            <a:ext cx="12192000" cy="296333"/>
+          </a:xfrm>
+          <a:prstGeom prst="rect">
+            <a:avLst/>
+          </a:prstGeom>
+        </p:spPr>
+        <p:style>
+          <a:lnRef idx="2">
+            <a:schemeClr val="accent6">
+              <a:shade val="50000"/>
+            </a:schemeClr>
+          </a:lnRef>
+          <a:fillRef idx="1">
+            <a:schemeClr val="accent6"/>
+          </a:fillRef>
+          <a:effectRef idx="0">
+            <a:schemeClr val="accent6"/>
+          </a:effectRef>
+          <a:fontRef idx="minor">
+            <a:schemeClr val="lt1"/>
+          </a:fontRef>
+        </p:style>
+        <p:txBody>
+          <a:bodyPr rtlCol="0" anchor="ctr"/>
+          <a:lstStyle/>
+          <a:p>
+            <a:pPr algn="ctr"/>
+            <a:r>
+              <a:rPr lang="ru-RU" dirty="0" smtClean="0"/>
+              <a:t>Создание проекта </a:t>
+            </a:r>
+            <a:r>
+              <a:rPr lang="en-US" dirty="0" smtClean="0"/>
+              <a:t>ASP.NET</a:t>
+            </a:r>
+            <a:endParaRPr lang="en-GB" dirty="0"/>
+          </a:p>
+        </p:txBody>
+      </p:sp>
     </p:spTree>
     <p:extLst>
       <p:ext uri="{BB962C8B-B14F-4D97-AF65-F5344CB8AC3E}">
-        <p14:creationId xmlns:p14="http://schemas.microsoft.com/office/powerpoint/2010/main" val="3367010310"/>
+        <p14:creationId xmlns:p14="http://schemas.microsoft.com/office/powerpoint/2010/main" val="453565188"/>
       </p:ext>
     </p:extLst>
   </p:cSld>
@@ -5280,14 +6048,25 @@
           <a:bodyPr/>
           <a:lstStyle/>
           <a:p>
-            <a:r>
-              <a:rPr lang="ru-RU" dirty="0" smtClean="0"/>
-              <a:t>Отношение </a:t>
-            </a:r>
-            <a:r>
-              <a:rPr lang="en-US" dirty="0" smtClean="0"/>
-              <a:t>One-to-one</a:t>
-            </a:r>
+            <a:endParaRPr lang="en-GB" dirty="0"/>
+          </a:p>
+        </p:txBody>
+      </p:sp>
+      <p:sp>
+        <p:nvSpPr>
+          <p:cNvPr id="3" name="Объект 2"/>
+          <p:cNvSpPr>
+            <a:spLocks noGrp="1"/>
+          </p:cNvSpPr>
+          <p:nvPr>
+            <p:ph idx="1"/>
+          </p:nvPr>
+        </p:nvSpPr>
+        <p:spPr/>
+        <p:txBody>
+          <a:bodyPr/>
+          <a:lstStyle/>
+          <a:p>
             <a:endParaRPr lang="en-GB" dirty="0"/>
           </a:p>
         </p:txBody>
@@ -5356,6 +6135,1368 @@
             <a:fld id="{8FD3F87F-7A79-4F3D-8F12-CD11A20D067D}" type="slidenum">
               <a:rPr lang="en-GB" smtClean="0"/>
               <a:t>18</a:t>
+            </a:fld>
+            <a:endParaRPr lang="en-GB"/>
+          </a:p>
+        </p:txBody>
+      </p:sp>
+      <p:sp>
+        <p:nvSpPr>
+          <p:cNvPr id="7" name="Прямоугольник 6"/>
+          <p:cNvSpPr/>
+          <p:nvPr/>
+        </p:nvSpPr>
+        <p:spPr>
+          <a:xfrm>
+            <a:off x="1" y="0"/>
+            <a:ext cx="12192000" cy="296333"/>
+          </a:xfrm>
+          <a:prstGeom prst="rect">
+            <a:avLst/>
+          </a:prstGeom>
+        </p:spPr>
+        <p:style>
+          <a:lnRef idx="0">
+            <a:schemeClr val="accent5"/>
+          </a:lnRef>
+          <a:fillRef idx="3">
+            <a:schemeClr val="accent5"/>
+          </a:fillRef>
+          <a:effectRef idx="3">
+            <a:schemeClr val="accent5"/>
+          </a:effectRef>
+          <a:fontRef idx="minor">
+            <a:schemeClr val="lt1"/>
+          </a:fontRef>
+        </p:style>
+        <p:txBody>
+          <a:bodyPr rtlCol="0" anchor="ctr"/>
+          <a:lstStyle/>
+          <a:p>
+            <a:pPr algn="ctr"/>
+            <a:r>
+              <a:rPr lang="ru-RU" dirty="0" smtClean="0"/>
+              <a:t>Создание проекта </a:t>
+            </a:r>
+            <a:r>
+              <a:rPr lang="en-US" dirty="0" smtClean="0"/>
+              <a:t>ASP.NET</a:t>
+            </a:r>
+            <a:endParaRPr lang="en-GB" dirty="0"/>
+          </a:p>
+        </p:txBody>
+      </p:sp>
+    </p:spTree>
+    <p:extLst>
+      <p:ext uri="{BB962C8B-B14F-4D97-AF65-F5344CB8AC3E}">
+        <p14:creationId xmlns:p14="http://schemas.microsoft.com/office/powerpoint/2010/main" val="2637532497"/>
+      </p:ext>
+    </p:extLst>
+  </p:cSld>
+  <p:clrMapOvr>
+    <a:masterClrMapping/>
+  </p:clrMapOvr>
+  <p:timing>
+    <p:tnLst>
+      <p:par>
+        <p:cTn id="1" dur="indefinite" restart="never" nodeType="tmRoot"/>
+      </p:par>
+    </p:tnLst>
+  </p:timing>
+</p:sld>
+</file>
+
+<file path=ppt/slides/slide19.xml><?xml version="1.0" encoding="utf-8"?>
+<p:sld xmlns:a="http://schemas.openxmlformats.org/drawingml/2006/main" xmlns:r="http://schemas.openxmlformats.org/officeDocument/2006/relationships" xmlns:p="http://schemas.openxmlformats.org/presentationml/2006/main">
+  <p:cSld>
+    <p:spTree>
+      <p:nvGrpSpPr>
+        <p:cNvPr id="1" name=""/>
+        <p:cNvGrpSpPr/>
+        <p:nvPr/>
+      </p:nvGrpSpPr>
+      <p:grpSpPr>
+        <a:xfrm>
+          <a:off x="0" y="0"/>
+          <a:ext cx="0" cy="0"/>
+          <a:chOff x="0" y="0"/>
+          <a:chExt cx="0" cy="0"/>
+        </a:xfrm>
+      </p:grpSpPr>
+      <p:sp>
+        <p:nvSpPr>
+          <p:cNvPr id="2" name="Заголовок 1"/>
+          <p:cNvSpPr>
+            <a:spLocks noGrp="1"/>
+          </p:cNvSpPr>
+          <p:nvPr>
+            <p:ph type="title"/>
+          </p:nvPr>
+        </p:nvSpPr>
+        <p:spPr/>
+        <p:txBody>
+          <a:bodyPr/>
+          <a:lstStyle/>
+          <a:p>
+            <a:r>
+              <a:rPr lang="en-US" dirty="0" smtClean="0"/>
+              <a:t>Tab-tab action for code snippets</a:t>
+            </a:r>
+            <a:endParaRPr lang="en-GB" dirty="0"/>
+          </a:p>
+        </p:txBody>
+      </p:sp>
+      <p:sp>
+        <p:nvSpPr>
+          <p:cNvPr id="3" name="Объект 2"/>
+          <p:cNvSpPr>
+            <a:spLocks noGrp="1"/>
+          </p:cNvSpPr>
+          <p:nvPr>
+            <p:ph idx="1"/>
+          </p:nvPr>
+        </p:nvSpPr>
+        <p:spPr/>
+        <p:txBody>
+          <a:bodyPr/>
+          <a:lstStyle/>
+          <a:p>
+            <a:endParaRPr lang="en-GB"/>
+          </a:p>
+        </p:txBody>
+      </p:sp>
+      <p:sp>
+        <p:nvSpPr>
+          <p:cNvPr id="4" name="Дата 3"/>
+          <p:cNvSpPr>
+            <a:spLocks noGrp="1"/>
+          </p:cNvSpPr>
+          <p:nvPr>
+            <p:ph type="dt" sz="half" idx="10"/>
+          </p:nvPr>
+        </p:nvSpPr>
+        <p:spPr/>
+        <p:txBody>
+          <a:bodyPr/>
+          <a:lstStyle/>
+          <a:p>
+            <a:r>
+              <a:rPr lang="en-US" smtClean="0"/>
+              <a:t>01.03.2016</a:t>
+            </a:r>
+            <a:endParaRPr lang="en-GB"/>
+          </a:p>
+        </p:txBody>
+      </p:sp>
+      <p:sp>
+        <p:nvSpPr>
+          <p:cNvPr id="5" name="Нижний колонтитул 4"/>
+          <p:cNvSpPr>
+            <a:spLocks noGrp="1"/>
+          </p:cNvSpPr>
+          <p:nvPr>
+            <p:ph type="ftr" sz="quarter" idx="11"/>
+          </p:nvPr>
+        </p:nvSpPr>
+        <p:spPr/>
+        <p:txBody>
+          <a:bodyPr/>
+          <a:lstStyle/>
+          <a:p>
+            <a:r>
+              <a:rPr lang="ru-RU" smtClean="0"/>
+              <a:t>Ваганов Михаил Викторович  ASP.NET MVC + Oracle Database</a:t>
+            </a:r>
+            <a:endParaRPr lang="en-GB"/>
+          </a:p>
+        </p:txBody>
+      </p:sp>
+      <p:sp>
+        <p:nvSpPr>
+          <p:cNvPr id="6" name="Номер слайда 5"/>
+          <p:cNvSpPr>
+            <a:spLocks noGrp="1"/>
+          </p:cNvSpPr>
+          <p:nvPr>
+            <p:ph type="sldNum" sz="quarter" idx="12"/>
+          </p:nvPr>
+        </p:nvSpPr>
+        <p:spPr/>
+        <p:txBody>
+          <a:bodyPr/>
+          <a:lstStyle/>
+          <a:p>
+            <a:fld id="{8FD3F87F-7A79-4F3D-8F12-CD11A20D067D}" type="slidenum">
+              <a:rPr lang="en-GB" smtClean="0"/>
+              <a:t>19</a:t>
+            </a:fld>
+            <a:endParaRPr lang="en-GB"/>
+          </a:p>
+        </p:txBody>
+      </p:sp>
+    </p:spTree>
+    <p:extLst>
+      <p:ext uri="{BB962C8B-B14F-4D97-AF65-F5344CB8AC3E}">
+        <p14:creationId xmlns:p14="http://schemas.microsoft.com/office/powerpoint/2010/main" val="2112355702"/>
+      </p:ext>
+    </p:extLst>
+  </p:cSld>
+  <p:clrMapOvr>
+    <a:masterClrMapping/>
+  </p:clrMapOvr>
+  <p:timing>
+    <p:tnLst>
+      <p:par>
+        <p:cTn id="1" dur="indefinite" restart="never" nodeType="tmRoot"/>
+      </p:par>
+    </p:tnLst>
+  </p:timing>
+</p:sld>
+</file>
+
+<file path=ppt/slides/slide2.xml><?xml version="1.0" encoding="utf-8"?>
+<p:sld xmlns:a="http://schemas.openxmlformats.org/drawingml/2006/main" xmlns:r="http://schemas.openxmlformats.org/officeDocument/2006/relationships" xmlns:p="http://schemas.openxmlformats.org/presentationml/2006/main">
+  <p:cSld>
+    <p:spTree>
+      <p:nvGrpSpPr>
+        <p:cNvPr id="1" name=""/>
+        <p:cNvGrpSpPr/>
+        <p:nvPr/>
+      </p:nvGrpSpPr>
+      <p:grpSpPr>
+        <a:xfrm>
+          <a:off x="0" y="0"/>
+          <a:ext cx="0" cy="0"/>
+          <a:chOff x="0" y="0"/>
+          <a:chExt cx="0" cy="0"/>
+        </a:xfrm>
+      </p:grpSpPr>
+      <p:sp>
+        <p:nvSpPr>
+          <p:cNvPr id="2" name="Заголовок 1"/>
+          <p:cNvSpPr>
+            <a:spLocks noGrp="1"/>
+          </p:cNvSpPr>
+          <p:nvPr>
+            <p:ph type="title"/>
+          </p:nvPr>
+        </p:nvSpPr>
+        <p:spPr/>
+        <p:txBody>
+          <a:bodyPr/>
+          <a:lstStyle/>
+          <a:p>
+            <a:r>
+              <a:rPr lang="ru-RU" dirty="0" smtClean="0"/>
+              <a:t>Цель занятия</a:t>
+            </a:r>
+            <a:endParaRPr lang="en-GB" dirty="0"/>
+          </a:p>
+        </p:txBody>
+      </p:sp>
+      <p:sp>
+        <p:nvSpPr>
+          <p:cNvPr id="3" name="Объект 2"/>
+          <p:cNvSpPr>
+            <a:spLocks noGrp="1"/>
+          </p:cNvSpPr>
+          <p:nvPr>
+            <p:ph idx="1"/>
+          </p:nvPr>
+        </p:nvSpPr>
+        <p:spPr/>
+        <p:txBody>
+          <a:bodyPr/>
+          <a:lstStyle/>
+          <a:p>
+            <a:r>
+              <a:rPr lang="ru-RU" dirty="0" smtClean="0"/>
+              <a:t>Познакомиться с синтаксисом языка </a:t>
+            </a:r>
+            <a:r>
+              <a:rPr lang="en-US" dirty="0" smtClean="0"/>
+              <a:t>C#</a:t>
+            </a:r>
+          </a:p>
+          <a:p>
+            <a:r>
+              <a:rPr lang="ru-RU" dirty="0" smtClean="0"/>
+              <a:t>Научиться создавать решения, проекты в </a:t>
+            </a:r>
+            <a:r>
+              <a:rPr lang="en-US" dirty="0" smtClean="0"/>
+              <a:t>Visual Studio 2013</a:t>
+            </a:r>
+          </a:p>
+          <a:p>
+            <a:pPr lvl="1"/>
+            <a:r>
+              <a:rPr lang="ru-RU" dirty="0" smtClean="0"/>
+              <a:t>Создание проекта</a:t>
+            </a:r>
+          </a:p>
+          <a:p>
+            <a:pPr lvl="1"/>
+            <a:r>
+              <a:rPr lang="ru-RU" dirty="0" smtClean="0"/>
+              <a:t>Добавление классов в проект</a:t>
+            </a:r>
+          </a:p>
+          <a:p>
+            <a:pPr lvl="1"/>
+            <a:r>
+              <a:rPr lang="ru-RU" dirty="0" smtClean="0"/>
+              <a:t>Работа с основными конструкциями языка </a:t>
+            </a:r>
+            <a:r>
+              <a:rPr lang="en-US" dirty="0" smtClean="0"/>
+              <a:t>C#</a:t>
+            </a:r>
+            <a:endParaRPr lang="ru-RU" dirty="0" smtClean="0"/>
+          </a:p>
+          <a:p>
+            <a:pPr lvl="1"/>
+            <a:r>
+              <a:rPr lang="ru-RU" dirty="0" smtClean="0"/>
+              <a:t>Добавление ссылки на нужные библиотеки</a:t>
+            </a:r>
+            <a:endParaRPr lang="en-GB" dirty="0"/>
+          </a:p>
+        </p:txBody>
+      </p:sp>
+      <p:sp>
+        <p:nvSpPr>
+          <p:cNvPr id="4" name="Дата 3"/>
+          <p:cNvSpPr>
+            <a:spLocks noGrp="1"/>
+          </p:cNvSpPr>
+          <p:nvPr>
+            <p:ph type="dt" sz="half" idx="10"/>
+          </p:nvPr>
+        </p:nvSpPr>
+        <p:spPr/>
+        <p:txBody>
+          <a:bodyPr/>
+          <a:lstStyle/>
+          <a:p>
+            <a:r>
+              <a:rPr lang="en-US" smtClean="0"/>
+              <a:t>01.03.2016</a:t>
+            </a:r>
+            <a:endParaRPr lang="en-GB"/>
+          </a:p>
+        </p:txBody>
+      </p:sp>
+      <p:sp>
+        <p:nvSpPr>
+          <p:cNvPr id="5" name="Нижний колонтитул 4"/>
+          <p:cNvSpPr>
+            <a:spLocks noGrp="1"/>
+          </p:cNvSpPr>
+          <p:nvPr>
+            <p:ph type="ftr" sz="quarter" idx="11"/>
+          </p:nvPr>
+        </p:nvSpPr>
+        <p:spPr/>
+        <p:txBody>
+          <a:bodyPr/>
+          <a:lstStyle/>
+          <a:p>
+            <a:r>
+              <a:rPr lang="ru-RU" smtClean="0"/>
+              <a:t>Ваганов Михаил Викторович  ASP.NET MVC + Oracle Database</a:t>
+            </a:r>
+            <a:endParaRPr lang="en-GB"/>
+          </a:p>
+        </p:txBody>
+      </p:sp>
+      <p:sp>
+        <p:nvSpPr>
+          <p:cNvPr id="6" name="Номер слайда 5"/>
+          <p:cNvSpPr>
+            <a:spLocks noGrp="1"/>
+          </p:cNvSpPr>
+          <p:nvPr>
+            <p:ph type="sldNum" sz="quarter" idx="12"/>
+          </p:nvPr>
+        </p:nvSpPr>
+        <p:spPr/>
+        <p:txBody>
+          <a:bodyPr/>
+          <a:lstStyle/>
+          <a:p>
+            <a:fld id="{8FD3F87F-7A79-4F3D-8F12-CD11A20D067D}" type="slidenum">
+              <a:rPr lang="en-GB" smtClean="0"/>
+              <a:t>2</a:t>
+            </a:fld>
+            <a:endParaRPr lang="en-GB"/>
+          </a:p>
+        </p:txBody>
+      </p:sp>
+    </p:spTree>
+    <p:extLst>
+      <p:ext uri="{BB962C8B-B14F-4D97-AF65-F5344CB8AC3E}">
+        <p14:creationId xmlns:p14="http://schemas.microsoft.com/office/powerpoint/2010/main" val="3479960687"/>
+      </p:ext>
+    </p:extLst>
+  </p:cSld>
+  <p:clrMapOvr>
+    <a:masterClrMapping/>
+  </p:clrMapOvr>
+  <p:timing>
+    <p:tnLst>
+      <p:par>
+        <p:cTn id="1" dur="indefinite" restart="never" nodeType="tmRoot"/>
+      </p:par>
+    </p:tnLst>
+  </p:timing>
+</p:sld>
+</file>
+
+<file path=ppt/slides/slide20.xml><?xml version="1.0" encoding="utf-8"?>
+<p:sld xmlns:a="http://schemas.openxmlformats.org/drawingml/2006/main" xmlns:r="http://schemas.openxmlformats.org/officeDocument/2006/relationships" xmlns:p="http://schemas.openxmlformats.org/presentationml/2006/main">
+  <p:cSld>
+    <p:spTree>
+      <p:nvGrpSpPr>
+        <p:cNvPr id="1" name=""/>
+        <p:cNvGrpSpPr/>
+        <p:nvPr/>
+      </p:nvGrpSpPr>
+      <p:grpSpPr>
+        <a:xfrm>
+          <a:off x="0" y="0"/>
+          <a:ext cx="0" cy="0"/>
+          <a:chOff x="0" y="0"/>
+          <a:chExt cx="0" cy="0"/>
+        </a:xfrm>
+      </p:grpSpPr>
+      <p:sp>
+        <p:nvSpPr>
+          <p:cNvPr id="2" name="Заголовок 1"/>
+          <p:cNvSpPr>
+            <a:spLocks noGrp="1"/>
+          </p:cNvSpPr>
+          <p:nvPr>
+            <p:ph type="title"/>
+          </p:nvPr>
+        </p:nvSpPr>
+        <p:spPr/>
+        <p:txBody>
+          <a:bodyPr/>
+          <a:lstStyle/>
+          <a:p>
+            <a:r>
+              <a:rPr lang="en-US" dirty="0" smtClean="0"/>
+              <a:t>Generate inexistent class</a:t>
+            </a:r>
+            <a:endParaRPr lang="en-GB" dirty="0"/>
+          </a:p>
+        </p:txBody>
+      </p:sp>
+      <p:sp>
+        <p:nvSpPr>
+          <p:cNvPr id="3" name="Объект 2"/>
+          <p:cNvSpPr>
+            <a:spLocks noGrp="1"/>
+          </p:cNvSpPr>
+          <p:nvPr>
+            <p:ph idx="1"/>
+          </p:nvPr>
+        </p:nvSpPr>
+        <p:spPr/>
+        <p:txBody>
+          <a:bodyPr/>
+          <a:lstStyle/>
+          <a:p>
+            <a:endParaRPr lang="en-GB"/>
+          </a:p>
+        </p:txBody>
+      </p:sp>
+      <p:sp>
+        <p:nvSpPr>
+          <p:cNvPr id="4" name="Дата 3"/>
+          <p:cNvSpPr>
+            <a:spLocks noGrp="1"/>
+          </p:cNvSpPr>
+          <p:nvPr>
+            <p:ph type="dt" sz="half" idx="10"/>
+          </p:nvPr>
+        </p:nvSpPr>
+        <p:spPr/>
+        <p:txBody>
+          <a:bodyPr/>
+          <a:lstStyle/>
+          <a:p>
+            <a:r>
+              <a:rPr lang="en-US" smtClean="0"/>
+              <a:t>01.03.2016</a:t>
+            </a:r>
+            <a:endParaRPr lang="en-GB"/>
+          </a:p>
+        </p:txBody>
+      </p:sp>
+      <p:sp>
+        <p:nvSpPr>
+          <p:cNvPr id="5" name="Нижний колонтитул 4"/>
+          <p:cNvSpPr>
+            <a:spLocks noGrp="1"/>
+          </p:cNvSpPr>
+          <p:nvPr>
+            <p:ph type="ftr" sz="quarter" idx="11"/>
+          </p:nvPr>
+        </p:nvSpPr>
+        <p:spPr/>
+        <p:txBody>
+          <a:bodyPr/>
+          <a:lstStyle/>
+          <a:p>
+            <a:r>
+              <a:rPr lang="ru-RU" smtClean="0"/>
+              <a:t>Ваганов Михаил Викторович  ASP.NET MVC + Oracle Database</a:t>
+            </a:r>
+            <a:endParaRPr lang="en-GB"/>
+          </a:p>
+        </p:txBody>
+      </p:sp>
+      <p:sp>
+        <p:nvSpPr>
+          <p:cNvPr id="6" name="Номер слайда 5"/>
+          <p:cNvSpPr>
+            <a:spLocks noGrp="1"/>
+          </p:cNvSpPr>
+          <p:nvPr>
+            <p:ph type="sldNum" sz="quarter" idx="12"/>
+          </p:nvPr>
+        </p:nvSpPr>
+        <p:spPr/>
+        <p:txBody>
+          <a:bodyPr/>
+          <a:lstStyle/>
+          <a:p>
+            <a:fld id="{8FD3F87F-7A79-4F3D-8F12-CD11A20D067D}" type="slidenum">
+              <a:rPr lang="en-GB" smtClean="0"/>
+              <a:t>20</a:t>
+            </a:fld>
+            <a:endParaRPr lang="en-GB"/>
+          </a:p>
+        </p:txBody>
+      </p:sp>
+    </p:spTree>
+    <p:extLst>
+      <p:ext uri="{BB962C8B-B14F-4D97-AF65-F5344CB8AC3E}">
+        <p14:creationId xmlns:p14="http://schemas.microsoft.com/office/powerpoint/2010/main" val="4027976701"/>
+      </p:ext>
+    </p:extLst>
+  </p:cSld>
+  <p:clrMapOvr>
+    <a:masterClrMapping/>
+  </p:clrMapOvr>
+  <p:timing>
+    <p:tnLst>
+      <p:par>
+        <p:cTn id="1" dur="indefinite" restart="never" nodeType="tmRoot"/>
+      </p:par>
+    </p:tnLst>
+  </p:timing>
+</p:sld>
+</file>
+
+<file path=ppt/slides/slide21.xml><?xml version="1.0" encoding="utf-8"?>
+<p:sld xmlns:a="http://schemas.openxmlformats.org/drawingml/2006/main" xmlns:r="http://schemas.openxmlformats.org/officeDocument/2006/relationships" xmlns:p="http://schemas.openxmlformats.org/presentationml/2006/main">
+  <p:cSld>
+    <p:spTree>
+      <p:nvGrpSpPr>
+        <p:cNvPr id="1" name=""/>
+        <p:cNvGrpSpPr/>
+        <p:nvPr/>
+      </p:nvGrpSpPr>
+      <p:grpSpPr>
+        <a:xfrm>
+          <a:off x="0" y="0"/>
+          <a:ext cx="0" cy="0"/>
+          <a:chOff x="0" y="0"/>
+          <a:chExt cx="0" cy="0"/>
+        </a:xfrm>
+      </p:grpSpPr>
+      <p:sp>
+        <p:nvSpPr>
+          <p:cNvPr id="2" name="Заголовок 1"/>
+          <p:cNvSpPr>
+            <a:spLocks noGrp="1"/>
+          </p:cNvSpPr>
+          <p:nvPr>
+            <p:ph type="title"/>
+          </p:nvPr>
+        </p:nvSpPr>
+        <p:spPr/>
+        <p:txBody>
+          <a:bodyPr/>
+          <a:lstStyle/>
+          <a:p>
+            <a:r>
+              <a:rPr lang="en-US" dirty="0" smtClean="0"/>
+              <a:t>Build and add control MVC 5 controller with </a:t>
+            </a:r>
+            <a:r>
+              <a:rPr lang="en-US" dirty="0" err="1" smtClean="0"/>
+              <a:t>smth</a:t>
+            </a:r>
+            <a:r>
+              <a:rPr lang="en-US" dirty="0" smtClean="0"/>
+              <a:t>. </a:t>
+            </a:r>
+            <a:endParaRPr lang="en-GB" dirty="0"/>
+          </a:p>
+        </p:txBody>
+      </p:sp>
+      <p:sp>
+        <p:nvSpPr>
+          <p:cNvPr id="3" name="Объект 2"/>
+          <p:cNvSpPr>
+            <a:spLocks noGrp="1"/>
+          </p:cNvSpPr>
+          <p:nvPr>
+            <p:ph idx="1"/>
+          </p:nvPr>
+        </p:nvSpPr>
+        <p:spPr/>
+        <p:txBody>
+          <a:bodyPr/>
+          <a:lstStyle/>
+          <a:p>
+            <a:r>
+              <a:rPr lang="en-US" dirty="0" smtClean="0"/>
+              <a:t>To do: do not forget about one-to-one and one-to-many relations</a:t>
+            </a:r>
+            <a:endParaRPr lang="en-GB" dirty="0"/>
+          </a:p>
+        </p:txBody>
+      </p:sp>
+      <p:sp>
+        <p:nvSpPr>
+          <p:cNvPr id="4" name="Дата 3"/>
+          <p:cNvSpPr>
+            <a:spLocks noGrp="1"/>
+          </p:cNvSpPr>
+          <p:nvPr>
+            <p:ph type="dt" sz="half" idx="10"/>
+          </p:nvPr>
+        </p:nvSpPr>
+        <p:spPr/>
+        <p:txBody>
+          <a:bodyPr/>
+          <a:lstStyle/>
+          <a:p>
+            <a:r>
+              <a:rPr lang="en-US" smtClean="0"/>
+              <a:t>01.03.2016</a:t>
+            </a:r>
+            <a:endParaRPr lang="en-GB"/>
+          </a:p>
+        </p:txBody>
+      </p:sp>
+      <p:sp>
+        <p:nvSpPr>
+          <p:cNvPr id="5" name="Нижний колонтитул 4"/>
+          <p:cNvSpPr>
+            <a:spLocks noGrp="1"/>
+          </p:cNvSpPr>
+          <p:nvPr>
+            <p:ph type="ftr" sz="quarter" idx="11"/>
+          </p:nvPr>
+        </p:nvSpPr>
+        <p:spPr/>
+        <p:txBody>
+          <a:bodyPr/>
+          <a:lstStyle/>
+          <a:p>
+            <a:r>
+              <a:rPr lang="ru-RU" smtClean="0"/>
+              <a:t>Ваганов Михаил Викторович  ASP.NET MVC + Oracle Database</a:t>
+            </a:r>
+            <a:endParaRPr lang="en-GB"/>
+          </a:p>
+        </p:txBody>
+      </p:sp>
+      <p:sp>
+        <p:nvSpPr>
+          <p:cNvPr id="6" name="Номер слайда 5"/>
+          <p:cNvSpPr>
+            <a:spLocks noGrp="1"/>
+          </p:cNvSpPr>
+          <p:nvPr>
+            <p:ph type="sldNum" sz="quarter" idx="12"/>
+          </p:nvPr>
+        </p:nvSpPr>
+        <p:spPr/>
+        <p:txBody>
+          <a:bodyPr/>
+          <a:lstStyle/>
+          <a:p>
+            <a:fld id="{8FD3F87F-7A79-4F3D-8F12-CD11A20D067D}" type="slidenum">
+              <a:rPr lang="en-GB" smtClean="0"/>
+              <a:t>21</a:t>
+            </a:fld>
+            <a:endParaRPr lang="en-GB"/>
+          </a:p>
+        </p:txBody>
+      </p:sp>
+    </p:spTree>
+    <p:extLst>
+      <p:ext uri="{BB962C8B-B14F-4D97-AF65-F5344CB8AC3E}">
+        <p14:creationId xmlns:p14="http://schemas.microsoft.com/office/powerpoint/2010/main" val="1655495050"/>
+      </p:ext>
+    </p:extLst>
+  </p:cSld>
+  <p:clrMapOvr>
+    <a:masterClrMapping/>
+  </p:clrMapOvr>
+  <p:timing>
+    <p:tnLst>
+      <p:par>
+        <p:cTn id="1" dur="indefinite" restart="never" nodeType="tmRoot"/>
+      </p:par>
+    </p:tnLst>
+  </p:timing>
+</p:sld>
+</file>
+
+<file path=ppt/slides/slide22.xml><?xml version="1.0" encoding="utf-8"?>
+<p:sld xmlns:a="http://schemas.openxmlformats.org/drawingml/2006/main" xmlns:r="http://schemas.openxmlformats.org/officeDocument/2006/relationships" xmlns:p="http://schemas.openxmlformats.org/presentationml/2006/main">
+  <p:cSld>
+    <p:spTree>
+      <p:nvGrpSpPr>
+        <p:cNvPr id="1" name=""/>
+        <p:cNvGrpSpPr/>
+        <p:nvPr/>
+      </p:nvGrpSpPr>
+      <p:grpSpPr>
+        <a:xfrm>
+          <a:off x="0" y="0"/>
+          <a:ext cx="0" cy="0"/>
+          <a:chOff x="0" y="0"/>
+          <a:chExt cx="0" cy="0"/>
+        </a:xfrm>
+      </p:grpSpPr>
+      <p:sp>
+        <p:nvSpPr>
+          <p:cNvPr id="2" name="Заголовок 1"/>
+          <p:cNvSpPr>
+            <a:spLocks noGrp="1"/>
+          </p:cNvSpPr>
+          <p:nvPr>
+            <p:ph type="title"/>
+          </p:nvPr>
+        </p:nvSpPr>
+        <p:spPr/>
+        <p:txBody>
+          <a:bodyPr/>
+          <a:lstStyle/>
+          <a:p>
+            <a:r>
+              <a:rPr lang="ru-RU" dirty="0" smtClean="0"/>
+              <a:t>Схема приложения</a:t>
+            </a:r>
+            <a:endParaRPr lang="en-GB" dirty="0"/>
+          </a:p>
+        </p:txBody>
+      </p:sp>
+      <p:sp>
+        <p:nvSpPr>
+          <p:cNvPr id="3" name="Объект 2"/>
+          <p:cNvSpPr>
+            <a:spLocks noGrp="1"/>
+          </p:cNvSpPr>
+          <p:nvPr>
+            <p:ph idx="1"/>
+          </p:nvPr>
+        </p:nvSpPr>
+        <p:spPr/>
+        <p:txBody>
+          <a:bodyPr/>
+          <a:lstStyle/>
+          <a:p>
+            <a:endParaRPr lang="en-GB"/>
+          </a:p>
+        </p:txBody>
+      </p:sp>
+      <p:sp>
+        <p:nvSpPr>
+          <p:cNvPr id="4" name="Дата 3"/>
+          <p:cNvSpPr>
+            <a:spLocks noGrp="1"/>
+          </p:cNvSpPr>
+          <p:nvPr>
+            <p:ph type="dt" sz="half" idx="10"/>
+          </p:nvPr>
+        </p:nvSpPr>
+        <p:spPr/>
+        <p:txBody>
+          <a:bodyPr/>
+          <a:lstStyle/>
+          <a:p>
+            <a:r>
+              <a:rPr lang="en-US" smtClean="0"/>
+              <a:t>01.03.2016</a:t>
+            </a:r>
+            <a:endParaRPr lang="en-GB"/>
+          </a:p>
+        </p:txBody>
+      </p:sp>
+      <p:sp>
+        <p:nvSpPr>
+          <p:cNvPr id="5" name="Нижний колонтитул 4"/>
+          <p:cNvSpPr>
+            <a:spLocks noGrp="1"/>
+          </p:cNvSpPr>
+          <p:nvPr>
+            <p:ph type="ftr" sz="quarter" idx="11"/>
+          </p:nvPr>
+        </p:nvSpPr>
+        <p:spPr/>
+        <p:txBody>
+          <a:bodyPr/>
+          <a:lstStyle/>
+          <a:p>
+            <a:r>
+              <a:rPr lang="ru-RU" smtClean="0"/>
+              <a:t>Ваганов Михаил Викторович  ASP.NET MVC + Oracle Database</a:t>
+            </a:r>
+            <a:endParaRPr lang="en-GB"/>
+          </a:p>
+        </p:txBody>
+      </p:sp>
+      <p:sp>
+        <p:nvSpPr>
+          <p:cNvPr id="6" name="Номер слайда 5"/>
+          <p:cNvSpPr>
+            <a:spLocks noGrp="1"/>
+          </p:cNvSpPr>
+          <p:nvPr>
+            <p:ph type="sldNum" sz="quarter" idx="12"/>
+          </p:nvPr>
+        </p:nvSpPr>
+        <p:spPr/>
+        <p:txBody>
+          <a:bodyPr/>
+          <a:lstStyle/>
+          <a:p>
+            <a:fld id="{8FD3F87F-7A79-4F3D-8F12-CD11A20D067D}" type="slidenum">
+              <a:rPr lang="en-GB" smtClean="0"/>
+              <a:t>22</a:t>
+            </a:fld>
+            <a:endParaRPr lang="en-GB"/>
+          </a:p>
+        </p:txBody>
+      </p:sp>
+    </p:spTree>
+    <p:extLst>
+      <p:ext uri="{BB962C8B-B14F-4D97-AF65-F5344CB8AC3E}">
+        <p14:creationId xmlns:p14="http://schemas.microsoft.com/office/powerpoint/2010/main" val="759459816"/>
+      </p:ext>
+    </p:extLst>
+  </p:cSld>
+  <p:clrMapOvr>
+    <a:masterClrMapping/>
+  </p:clrMapOvr>
+  <p:timing>
+    <p:tnLst>
+      <p:par>
+        <p:cTn id="1" dur="indefinite" restart="never" nodeType="tmRoot"/>
+      </p:par>
+    </p:tnLst>
+  </p:timing>
+</p:sld>
+</file>
+
+<file path=ppt/slides/slide23.xml><?xml version="1.0" encoding="utf-8"?>
+<p:sld xmlns:a="http://schemas.openxmlformats.org/drawingml/2006/main" xmlns:r="http://schemas.openxmlformats.org/officeDocument/2006/relationships" xmlns:p="http://schemas.openxmlformats.org/presentationml/2006/main">
+  <p:cSld>
+    <p:spTree>
+      <p:nvGrpSpPr>
+        <p:cNvPr id="1" name=""/>
+        <p:cNvGrpSpPr/>
+        <p:nvPr/>
+      </p:nvGrpSpPr>
+      <p:grpSpPr>
+        <a:xfrm>
+          <a:off x="0" y="0"/>
+          <a:ext cx="0" cy="0"/>
+          <a:chOff x="0" y="0"/>
+          <a:chExt cx="0" cy="0"/>
+        </a:xfrm>
+      </p:grpSpPr>
+      <p:sp>
+        <p:nvSpPr>
+          <p:cNvPr id="2" name="Заголовок 1"/>
+          <p:cNvSpPr>
+            <a:spLocks noGrp="1"/>
+          </p:cNvSpPr>
+          <p:nvPr>
+            <p:ph type="title"/>
+          </p:nvPr>
+        </p:nvSpPr>
+        <p:spPr/>
+        <p:txBody>
+          <a:bodyPr/>
+          <a:lstStyle/>
+          <a:p>
+            <a:r>
+              <a:rPr lang="en-US" dirty="0" smtClean="0"/>
+              <a:t>Models</a:t>
+            </a:r>
+            <a:endParaRPr lang="en-GB" dirty="0"/>
+          </a:p>
+        </p:txBody>
+      </p:sp>
+      <p:sp>
+        <p:nvSpPr>
+          <p:cNvPr id="3" name="Объект 2"/>
+          <p:cNvSpPr>
+            <a:spLocks noGrp="1"/>
+          </p:cNvSpPr>
+          <p:nvPr>
+            <p:ph idx="1"/>
+          </p:nvPr>
+        </p:nvSpPr>
+        <p:spPr/>
+        <p:txBody>
+          <a:bodyPr/>
+          <a:lstStyle/>
+          <a:p>
+            <a:r>
+              <a:rPr lang="en-US" dirty="0" smtClean="0"/>
+              <a:t>To do: user, role</a:t>
+            </a:r>
+          </a:p>
+          <a:p>
+            <a:r>
+              <a:rPr lang="ru-RU" dirty="0" smtClean="0"/>
+              <a:t>Пользователь определяет, с какими моделями он хочет работать</a:t>
+            </a:r>
+          </a:p>
+          <a:p>
+            <a:r>
+              <a:rPr lang="ru-RU" dirty="0" smtClean="0"/>
+              <a:t>Мы хотим, чтобы модель везде отображалась одинаково, поэтому сюда и помещаем атрибуты отображения</a:t>
+            </a:r>
+            <a:endParaRPr lang="ru-RU" dirty="0"/>
+          </a:p>
+          <a:p>
+            <a:r>
+              <a:rPr lang="ru-RU" dirty="0" smtClean="0"/>
+              <a:t>Атрибуты</a:t>
+            </a:r>
+          </a:p>
+          <a:p>
+            <a:pPr lvl="1"/>
+            <a:r>
+              <a:rPr lang="ru-RU" dirty="0" smtClean="0"/>
+              <a:t>Тип данных</a:t>
+            </a:r>
+          </a:p>
+          <a:p>
+            <a:pPr lvl="1"/>
+            <a:r>
+              <a:rPr lang="ru-RU" dirty="0" smtClean="0"/>
+              <a:t>Отображения</a:t>
+            </a:r>
+          </a:p>
+          <a:p>
+            <a:pPr lvl="1"/>
+            <a:r>
+              <a:rPr lang="ru-RU" dirty="0" err="1" smtClean="0"/>
+              <a:t>Валидации</a:t>
+            </a:r>
+            <a:endParaRPr lang="ru-RU" dirty="0" smtClean="0"/>
+          </a:p>
+          <a:p>
+            <a:r>
+              <a:rPr lang="en-US" dirty="0" smtClean="0"/>
+              <a:t>Model binding</a:t>
+            </a:r>
+            <a:endParaRPr lang="ru-RU" dirty="0" smtClean="0"/>
+          </a:p>
+        </p:txBody>
+      </p:sp>
+      <p:sp>
+        <p:nvSpPr>
+          <p:cNvPr id="4" name="Дата 3"/>
+          <p:cNvSpPr>
+            <a:spLocks noGrp="1"/>
+          </p:cNvSpPr>
+          <p:nvPr>
+            <p:ph type="dt" sz="half" idx="10"/>
+          </p:nvPr>
+        </p:nvSpPr>
+        <p:spPr/>
+        <p:txBody>
+          <a:bodyPr/>
+          <a:lstStyle/>
+          <a:p>
+            <a:r>
+              <a:rPr lang="en-US" smtClean="0"/>
+              <a:t>01.03.2016</a:t>
+            </a:r>
+            <a:endParaRPr lang="en-GB"/>
+          </a:p>
+        </p:txBody>
+      </p:sp>
+      <p:sp>
+        <p:nvSpPr>
+          <p:cNvPr id="5" name="Нижний колонтитул 4"/>
+          <p:cNvSpPr>
+            <a:spLocks noGrp="1"/>
+          </p:cNvSpPr>
+          <p:nvPr>
+            <p:ph type="ftr" sz="quarter" idx="11"/>
+          </p:nvPr>
+        </p:nvSpPr>
+        <p:spPr/>
+        <p:txBody>
+          <a:bodyPr/>
+          <a:lstStyle/>
+          <a:p>
+            <a:r>
+              <a:rPr lang="ru-RU" smtClean="0"/>
+              <a:t>Ваганов Михаил Викторович  ASP.NET MVC + Oracle Database</a:t>
+            </a:r>
+            <a:endParaRPr lang="en-GB"/>
+          </a:p>
+        </p:txBody>
+      </p:sp>
+      <p:sp>
+        <p:nvSpPr>
+          <p:cNvPr id="6" name="Номер слайда 5"/>
+          <p:cNvSpPr>
+            <a:spLocks noGrp="1"/>
+          </p:cNvSpPr>
+          <p:nvPr>
+            <p:ph type="sldNum" sz="quarter" idx="12"/>
+          </p:nvPr>
+        </p:nvSpPr>
+        <p:spPr/>
+        <p:txBody>
+          <a:bodyPr/>
+          <a:lstStyle/>
+          <a:p>
+            <a:fld id="{8FD3F87F-7A79-4F3D-8F12-CD11A20D067D}" type="slidenum">
+              <a:rPr lang="en-GB" smtClean="0"/>
+              <a:t>23</a:t>
+            </a:fld>
+            <a:endParaRPr lang="en-GB"/>
+          </a:p>
+        </p:txBody>
+      </p:sp>
+    </p:spTree>
+    <p:extLst>
+      <p:ext uri="{BB962C8B-B14F-4D97-AF65-F5344CB8AC3E}">
+        <p14:creationId xmlns:p14="http://schemas.microsoft.com/office/powerpoint/2010/main" val="3343533271"/>
+      </p:ext>
+    </p:extLst>
+  </p:cSld>
+  <p:clrMapOvr>
+    <a:masterClrMapping/>
+  </p:clrMapOvr>
+  <p:timing>
+    <p:tnLst>
+      <p:par>
+        <p:cTn id="1" dur="indefinite" restart="never" nodeType="tmRoot"/>
+      </p:par>
+    </p:tnLst>
+  </p:timing>
+</p:sld>
+</file>
+
+<file path=ppt/slides/slide24.xml><?xml version="1.0" encoding="utf-8"?>
+<p:sld xmlns:a="http://schemas.openxmlformats.org/drawingml/2006/main" xmlns:r="http://schemas.openxmlformats.org/officeDocument/2006/relationships" xmlns:p="http://schemas.openxmlformats.org/presentationml/2006/main">
+  <p:cSld>
+    <p:spTree>
+      <p:nvGrpSpPr>
+        <p:cNvPr id="1" name=""/>
+        <p:cNvGrpSpPr/>
+        <p:nvPr/>
+      </p:nvGrpSpPr>
+      <p:grpSpPr>
+        <a:xfrm>
+          <a:off x="0" y="0"/>
+          <a:ext cx="0" cy="0"/>
+          <a:chOff x="0" y="0"/>
+          <a:chExt cx="0" cy="0"/>
+        </a:xfrm>
+      </p:grpSpPr>
+      <p:sp>
+        <p:nvSpPr>
+          <p:cNvPr id="2" name="Заголовок 1"/>
+          <p:cNvSpPr>
+            <a:spLocks noGrp="1"/>
+          </p:cNvSpPr>
+          <p:nvPr>
+            <p:ph type="title"/>
+          </p:nvPr>
+        </p:nvSpPr>
+        <p:spPr/>
+        <p:txBody>
+          <a:bodyPr/>
+          <a:lstStyle/>
+          <a:p>
+            <a:r>
+              <a:rPr lang="ru-RU" dirty="0" smtClean="0"/>
+              <a:t>Атрибут типа данных</a:t>
+            </a:r>
+            <a:endParaRPr lang="en-GB" dirty="0"/>
+          </a:p>
+        </p:txBody>
+      </p:sp>
+      <p:sp>
+        <p:nvSpPr>
+          <p:cNvPr id="3" name="Объект 2"/>
+          <p:cNvSpPr>
+            <a:spLocks noGrp="1"/>
+          </p:cNvSpPr>
+          <p:nvPr>
+            <p:ph idx="1"/>
+          </p:nvPr>
+        </p:nvSpPr>
+        <p:spPr/>
+        <p:txBody>
+          <a:bodyPr/>
+          <a:lstStyle/>
+          <a:p>
+            <a:r>
+              <a:rPr lang="ru-RU" dirty="0" err="1" smtClean="0"/>
+              <a:t>Валидация</a:t>
+            </a:r>
+            <a:endParaRPr lang="ru-RU" dirty="0" smtClean="0"/>
+          </a:p>
+          <a:p>
+            <a:r>
+              <a:rPr lang="en-US" dirty="0" smtClean="0"/>
+              <a:t>Input controls</a:t>
+            </a:r>
+          </a:p>
+          <a:p>
+            <a:pPr lvl="1"/>
+            <a:r>
+              <a:rPr lang="en-US" dirty="0" smtClean="0"/>
+              <a:t>HTML5 (MVC </a:t>
+            </a:r>
+            <a:r>
+              <a:rPr lang="ru-RU" dirty="0" err="1" smtClean="0"/>
+              <a:t>подстравивает</a:t>
+            </a:r>
+            <a:r>
+              <a:rPr lang="ru-RU" dirty="0" smtClean="0"/>
+              <a:t> под поле </a:t>
+            </a:r>
+            <a:r>
+              <a:rPr lang="en-US" dirty="0" smtClean="0"/>
+              <a:t>GUI)</a:t>
+            </a:r>
+          </a:p>
+          <a:p>
+            <a:pPr lvl="1"/>
+            <a:endParaRPr lang="en-GB" dirty="0"/>
+          </a:p>
+        </p:txBody>
+      </p:sp>
+      <p:sp>
+        <p:nvSpPr>
+          <p:cNvPr id="4" name="Дата 3"/>
+          <p:cNvSpPr>
+            <a:spLocks noGrp="1"/>
+          </p:cNvSpPr>
+          <p:nvPr>
+            <p:ph type="dt" sz="half" idx="10"/>
+          </p:nvPr>
+        </p:nvSpPr>
+        <p:spPr/>
+        <p:txBody>
+          <a:bodyPr/>
+          <a:lstStyle/>
+          <a:p>
+            <a:r>
+              <a:rPr lang="en-US" smtClean="0"/>
+              <a:t>01.03.2016</a:t>
+            </a:r>
+            <a:endParaRPr lang="en-GB"/>
+          </a:p>
+        </p:txBody>
+      </p:sp>
+      <p:sp>
+        <p:nvSpPr>
+          <p:cNvPr id="5" name="Нижний колонтитул 4"/>
+          <p:cNvSpPr>
+            <a:spLocks noGrp="1"/>
+          </p:cNvSpPr>
+          <p:nvPr>
+            <p:ph type="ftr" sz="quarter" idx="11"/>
+          </p:nvPr>
+        </p:nvSpPr>
+        <p:spPr/>
+        <p:txBody>
+          <a:bodyPr/>
+          <a:lstStyle/>
+          <a:p>
+            <a:r>
+              <a:rPr lang="ru-RU" smtClean="0"/>
+              <a:t>Ваганов Михаил Викторович  ASP.NET MVC + Oracle Database</a:t>
+            </a:r>
+            <a:endParaRPr lang="en-GB"/>
+          </a:p>
+        </p:txBody>
+      </p:sp>
+      <p:sp>
+        <p:nvSpPr>
+          <p:cNvPr id="6" name="Номер слайда 5"/>
+          <p:cNvSpPr>
+            <a:spLocks noGrp="1"/>
+          </p:cNvSpPr>
+          <p:nvPr>
+            <p:ph type="sldNum" sz="quarter" idx="12"/>
+          </p:nvPr>
+        </p:nvSpPr>
+        <p:spPr/>
+        <p:txBody>
+          <a:bodyPr/>
+          <a:lstStyle/>
+          <a:p>
+            <a:fld id="{8FD3F87F-7A79-4F3D-8F12-CD11A20D067D}" type="slidenum">
+              <a:rPr lang="en-GB" smtClean="0"/>
+              <a:t>24</a:t>
+            </a:fld>
+            <a:endParaRPr lang="en-GB"/>
+          </a:p>
+        </p:txBody>
+      </p:sp>
+    </p:spTree>
+    <p:extLst>
+      <p:ext uri="{BB962C8B-B14F-4D97-AF65-F5344CB8AC3E}">
+        <p14:creationId xmlns:p14="http://schemas.microsoft.com/office/powerpoint/2010/main" val="3367010310"/>
+      </p:ext>
+    </p:extLst>
+  </p:cSld>
+  <p:clrMapOvr>
+    <a:masterClrMapping/>
+  </p:clrMapOvr>
+  <p:timing>
+    <p:tnLst>
+      <p:par>
+        <p:cTn id="1" dur="indefinite" restart="never" nodeType="tmRoot"/>
+      </p:par>
+    </p:tnLst>
+  </p:timing>
+</p:sld>
+</file>
+
+<file path=ppt/slides/slide25.xml><?xml version="1.0" encoding="utf-8"?>
+<p:sld xmlns:a="http://schemas.openxmlformats.org/drawingml/2006/main" xmlns:r="http://schemas.openxmlformats.org/officeDocument/2006/relationships" xmlns:p="http://schemas.openxmlformats.org/presentationml/2006/main">
+  <p:cSld>
+    <p:spTree>
+      <p:nvGrpSpPr>
+        <p:cNvPr id="1" name=""/>
+        <p:cNvGrpSpPr/>
+        <p:nvPr/>
+      </p:nvGrpSpPr>
+      <p:grpSpPr>
+        <a:xfrm>
+          <a:off x="0" y="0"/>
+          <a:ext cx="0" cy="0"/>
+          <a:chOff x="0" y="0"/>
+          <a:chExt cx="0" cy="0"/>
+        </a:xfrm>
+      </p:grpSpPr>
+      <p:sp>
+        <p:nvSpPr>
+          <p:cNvPr id="2" name="Заголовок 1"/>
+          <p:cNvSpPr>
+            <a:spLocks noGrp="1"/>
+          </p:cNvSpPr>
+          <p:nvPr>
+            <p:ph type="title"/>
+          </p:nvPr>
+        </p:nvSpPr>
+        <p:spPr/>
+        <p:txBody>
+          <a:bodyPr/>
+          <a:lstStyle/>
+          <a:p>
+            <a:r>
+              <a:rPr lang="ru-RU" dirty="0" smtClean="0"/>
+              <a:t>Отношение </a:t>
+            </a:r>
+            <a:r>
+              <a:rPr lang="en-US" dirty="0" smtClean="0"/>
+              <a:t>One-to-one</a:t>
+            </a:r>
+            <a:endParaRPr lang="en-GB" dirty="0"/>
+          </a:p>
+        </p:txBody>
+      </p:sp>
+      <p:sp>
+        <p:nvSpPr>
+          <p:cNvPr id="4" name="Дата 3"/>
+          <p:cNvSpPr>
+            <a:spLocks noGrp="1"/>
+          </p:cNvSpPr>
+          <p:nvPr>
+            <p:ph type="dt" sz="half" idx="10"/>
+          </p:nvPr>
+        </p:nvSpPr>
+        <p:spPr/>
+        <p:txBody>
+          <a:bodyPr/>
+          <a:lstStyle/>
+          <a:p>
+            <a:r>
+              <a:rPr lang="en-US" smtClean="0"/>
+              <a:t>01.03.2016</a:t>
+            </a:r>
+            <a:endParaRPr lang="en-GB"/>
+          </a:p>
+        </p:txBody>
+      </p:sp>
+      <p:sp>
+        <p:nvSpPr>
+          <p:cNvPr id="5" name="Нижний колонтитул 4"/>
+          <p:cNvSpPr>
+            <a:spLocks noGrp="1"/>
+          </p:cNvSpPr>
+          <p:nvPr>
+            <p:ph type="ftr" sz="quarter" idx="11"/>
+          </p:nvPr>
+        </p:nvSpPr>
+        <p:spPr/>
+        <p:txBody>
+          <a:bodyPr/>
+          <a:lstStyle/>
+          <a:p>
+            <a:r>
+              <a:rPr lang="ru-RU" smtClean="0"/>
+              <a:t>Ваганов Михаил Викторович  ASP.NET MVC + Oracle Database</a:t>
+            </a:r>
+            <a:endParaRPr lang="en-GB"/>
+          </a:p>
+        </p:txBody>
+      </p:sp>
+      <p:sp>
+        <p:nvSpPr>
+          <p:cNvPr id="6" name="Номер слайда 5"/>
+          <p:cNvSpPr>
+            <a:spLocks noGrp="1"/>
+          </p:cNvSpPr>
+          <p:nvPr>
+            <p:ph type="sldNum" sz="quarter" idx="12"/>
+          </p:nvPr>
+        </p:nvSpPr>
+        <p:spPr/>
+        <p:txBody>
+          <a:bodyPr/>
+          <a:lstStyle/>
+          <a:p>
+            <a:fld id="{8FD3F87F-7A79-4F3D-8F12-CD11A20D067D}" type="slidenum">
+              <a:rPr lang="en-GB" smtClean="0"/>
+              <a:t>25</a:t>
             </a:fld>
             <a:endParaRPr lang="en-GB"/>
           </a:p>
@@ -5768,7 +7909,7 @@
 </p:sld>
 </file>
 
-<file path=ppt/slides/slide19.xml><?xml version="1.0" encoding="utf-8"?>
+<file path=ppt/slides/slide26.xml><?xml version="1.0" encoding="utf-8"?>
 <p:sld xmlns:a="http://schemas.openxmlformats.org/drawingml/2006/main" xmlns:r="http://schemas.openxmlformats.org/officeDocument/2006/relationships" xmlns:p="http://schemas.openxmlformats.org/presentationml/2006/main">
   <p:cSld>
     <p:spTree>
@@ -5879,7 +8020,7 @@
           <a:p>
             <a:fld id="{8FD3F87F-7A79-4F3D-8F12-CD11A20D067D}" type="slidenum">
               <a:rPr lang="en-GB" smtClean="0"/>
-              <a:t>19</a:t>
+              <a:t>26</a:t>
             </a:fld>
             <a:endParaRPr lang="en-GB"/>
           </a:p>
@@ -6190,7 +8331,7 @@
 </p:sld>
 </file>
 
-<file path=ppt/slides/slide2.xml><?xml version="1.0" encoding="utf-8"?>
+<file path=ppt/slides/slide27.xml><?xml version="1.0" encoding="utf-8"?>
 <p:sld xmlns:a="http://schemas.openxmlformats.org/drawingml/2006/main" xmlns:r="http://schemas.openxmlformats.org/officeDocument/2006/relationships" xmlns:p="http://schemas.openxmlformats.org/presentationml/2006/main">
   <p:cSld>
     <p:spTree>
@@ -6224,28 +8365,13 @@
           <a:p>
             <a:r>
               <a:rPr lang="ru-RU" dirty="0" smtClean="0"/>
-              <a:t>Задача курса</a:t>
+              <a:t>Отношение </a:t>
+            </a:r>
+            <a:r>
+              <a:rPr lang="en-US" dirty="0" smtClean="0"/>
+              <a:t>one-to-many</a:t>
             </a:r>
             <a:endParaRPr lang="en-GB" dirty="0"/>
-          </a:p>
-        </p:txBody>
-      </p:sp>
-      <p:sp>
-        <p:nvSpPr>
-          <p:cNvPr id="3" name="Объект 2"/>
-          <p:cNvSpPr>
-            <a:spLocks noGrp="1"/>
-          </p:cNvSpPr>
-          <p:nvPr>
-            <p:ph idx="1"/>
-          </p:nvPr>
-        </p:nvSpPr>
-        <p:spPr/>
-        <p:txBody>
-          <a:bodyPr/>
-          <a:lstStyle/>
-          <a:p>
-            <a:endParaRPr lang="en-GB"/>
           </a:p>
         </p:txBody>
       </p:sp>
@@ -6312,140 +8438,7 @@
           <a:p>
             <a:fld id="{8FD3F87F-7A79-4F3D-8F12-CD11A20D067D}" type="slidenum">
               <a:rPr lang="en-GB" smtClean="0"/>
-              <a:t>2</a:t>
-            </a:fld>
-            <a:endParaRPr lang="en-GB"/>
-          </a:p>
-        </p:txBody>
-      </p:sp>
-    </p:spTree>
-    <p:extLst>
-      <p:ext uri="{BB962C8B-B14F-4D97-AF65-F5344CB8AC3E}">
-        <p14:creationId xmlns:p14="http://schemas.microsoft.com/office/powerpoint/2010/main" val="3479960687"/>
-      </p:ext>
-    </p:extLst>
-  </p:cSld>
-  <p:clrMapOvr>
-    <a:masterClrMapping/>
-  </p:clrMapOvr>
-  <p:timing>
-    <p:tnLst>
-      <p:par>
-        <p:cTn id="1" dur="indefinite" restart="never" nodeType="tmRoot"/>
-      </p:par>
-    </p:tnLst>
-  </p:timing>
-</p:sld>
-</file>
-
-<file path=ppt/slides/slide20.xml><?xml version="1.0" encoding="utf-8"?>
-<p:sld xmlns:a="http://schemas.openxmlformats.org/drawingml/2006/main" xmlns:r="http://schemas.openxmlformats.org/officeDocument/2006/relationships" xmlns:p="http://schemas.openxmlformats.org/presentationml/2006/main">
-  <p:cSld>
-    <p:spTree>
-      <p:nvGrpSpPr>
-        <p:cNvPr id="1" name=""/>
-        <p:cNvGrpSpPr/>
-        <p:nvPr/>
-      </p:nvGrpSpPr>
-      <p:grpSpPr>
-        <a:xfrm>
-          <a:off x="0" y="0"/>
-          <a:ext cx="0" cy="0"/>
-          <a:chOff x="0" y="0"/>
-          <a:chExt cx="0" cy="0"/>
-        </a:xfrm>
-      </p:grpSpPr>
-      <p:sp>
-        <p:nvSpPr>
-          <p:cNvPr id="2" name="Заголовок 1"/>
-          <p:cNvSpPr>
-            <a:spLocks noGrp="1"/>
-          </p:cNvSpPr>
-          <p:nvPr>
-            <p:ph type="title"/>
-          </p:nvPr>
-        </p:nvSpPr>
-        <p:spPr/>
-        <p:txBody>
-          <a:bodyPr/>
-          <a:lstStyle/>
-          <a:p>
-            <a:r>
-              <a:rPr lang="ru-RU" dirty="0" smtClean="0"/>
-              <a:t>Отношение </a:t>
-            </a:r>
-            <a:r>
-              <a:rPr lang="en-US" dirty="0" smtClean="0"/>
-              <a:t>one-to-many</a:t>
-            </a:r>
-            <a:endParaRPr lang="en-GB" dirty="0"/>
-          </a:p>
-        </p:txBody>
-      </p:sp>
-      <p:sp>
-        <p:nvSpPr>
-          <p:cNvPr id="4" name="Дата 3"/>
-          <p:cNvSpPr>
-            <a:spLocks noGrp="1"/>
-          </p:cNvSpPr>
-          <p:nvPr>
-            <p:ph type="dt" sz="half" idx="10"/>
-          </p:nvPr>
-        </p:nvSpPr>
-        <p:spPr/>
-        <p:txBody>
-          <a:bodyPr/>
-          <a:lstStyle/>
-          <a:p>
-            <a:r>
-              <a:rPr lang="en-US" smtClean="0"/>
-              <a:t>01.03.2016</a:t>
-            </a:r>
-            <a:endParaRPr lang="en-GB"/>
-          </a:p>
-        </p:txBody>
-      </p:sp>
-      <p:sp>
-        <p:nvSpPr>
-          <p:cNvPr id="5" name="Нижний колонтитул 4"/>
-          <p:cNvSpPr>
-            <a:spLocks noGrp="1"/>
-          </p:cNvSpPr>
-          <p:nvPr>
-            <p:ph type="ftr" sz="quarter" idx="11"/>
-          </p:nvPr>
-        </p:nvSpPr>
-        <p:spPr/>
-        <p:txBody>
-          <a:bodyPr/>
-          <a:lstStyle/>
-          <a:p>
-            <a:r>
-              <a:rPr lang="ru-RU" smtClean="0"/>
-              <a:t>Ваганов Михаил Викторович  ASP.NET MVC + Oracle Database</a:t>
-            </a:r>
-            <a:endParaRPr lang="en-GB"/>
-          </a:p>
-        </p:txBody>
-      </p:sp>
-      <p:sp>
-        <p:nvSpPr>
-          <p:cNvPr id="6" name="Номер слайда 5"/>
-          <p:cNvSpPr>
-            <a:spLocks noGrp="1"/>
-          </p:cNvSpPr>
-          <p:nvPr>
-            <p:ph type="sldNum" sz="quarter" idx="12"/>
-          </p:nvPr>
-        </p:nvSpPr>
-        <p:spPr/>
-        <p:txBody>
-          <a:bodyPr/>
-          <a:lstStyle/>
-          <a:p>
-            <a:fld id="{8FD3F87F-7A79-4F3D-8F12-CD11A20D067D}" type="slidenum">
-              <a:rPr lang="en-GB" smtClean="0"/>
-              <a:t>20</a:t>
+              <a:t>27</a:t>
             </a:fld>
             <a:endParaRPr lang="en-GB"/>
           </a:p>
@@ -6816,7 +8809,7 @@
 </p:sld>
 </file>
 
-<file path=ppt/slides/slide21.xml><?xml version="1.0" encoding="utf-8"?>
+<file path=ppt/slides/slide28.xml><?xml version="1.0" encoding="utf-8"?>
 <p:sld xmlns:a="http://schemas.openxmlformats.org/drawingml/2006/main" xmlns:r="http://schemas.openxmlformats.org/officeDocument/2006/relationships" xmlns:p="http://schemas.openxmlformats.org/presentationml/2006/main">
   <p:cSld>
     <p:spTree>
@@ -6927,7 +8920,7 @@
           <a:p>
             <a:fld id="{8FD3F87F-7A79-4F3D-8F12-CD11A20D067D}" type="slidenum">
               <a:rPr lang="en-GB" smtClean="0"/>
-              <a:t>21</a:t>
+              <a:t>28</a:t>
             </a:fld>
             <a:endParaRPr lang="en-GB"/>
           </a:p>
@@ -7238,7 +9231,7 @@
 </p:sld>
 </file>
 
-<file path=ppt/slides/slide22.xml><?xml version="1.0" encoding="utf-8"?>
+<file path=ppt/slides/slide29.xml><?xml version="1.0" encoding="utf-8"?>
 <p:sld xmlns:a="http://schemas.openxmlformats.org/drawingml/2006/main" xmlns:r="http://schemas.openxmlformats.org/officeDocument/2006/relationships" xmlns:p="http://schemas.openxmlformats.org/presentationml/2006/main">
   <p:cSld>
     <p:spTree>
@@ -7345,7 +9338,7 @@
           <a:p>
             <a:fld id="{8FD3F87F-7A79-4F3D-8F12-CD11A20D067D}" type="slidenum">
               <a:rPr lang="en-GB" smtClean="0"/>
-              <a:t>22</a:t>
+              <a:t>29</a:t>
             </a:fld>
             <a:endParaRPr lang="en-GB"/>
           </a:p>
@@ -7783,7 +9776,7 @@
 </p:sld>
 </file>
 
-<file path=ppt/slides/slide23.xml><?xml version="1.0" encoding="utf-8"?>
+<file path=ppt/slides/slide3.xml><?xml version="1.0" encoding="utf-8"?>
 <p:sld xmlns:a="http://schemas.openxmlformats.org/drawingml/2006/main" xmlns:r="http://schemas.openxmlformats.org/officeDocument/2006/relationships" xmlns:p="http://schemas.openxmlformats.org/presentationml/2006/main">
   <p:cSld>
     <p:spTree>
@@ -7802,6 +9795,301 @@
       </p:grpSpPr>
       <p:sp>
         <p:nvSpPr>
+          <p:cNvPr id="3" name="Объект 2"/>
+          <p:cNvSpPr>
+            <a:spLocks noGrp="1"/>
+          </p:cNvSpPr>
+          <p:nvPr>
+            <p:ph idx="1"/>
+          </p:nvPr>
+        </p:nvSpPr>
+        <p:spPr>
+          <a:xfrm>
+            <a:off x="838200" y="583096"/>
+            <a:ext cx="10515600" cy="5593867"/>
+          </a:xfrm>
+        </p:spPr>
+        <p:txBody>
+          <a:bodyPr/>
+          <a:lstStyle/>
+          <a:p>
+            <a:r>
+              <a:rPr lang="ru-RU" dirty="0" smtClean="0"/>
+              <a:t>Запустите </a:t>
+            </a:r>
+            <a:r>
+              <a:rPr lang="en-US" dirty="0" smtClean="0"/>
+              <a:t>MS Visual Studio 2013</a:t>
+            </a:r>
+          </a:p>
+          <a:p>
+            <a:r>
+              <a:rPr lang="ru-RU" dirty="0" smtClean="0"/>
+              <a:t>Перейдите </a:t>
+            </a:r>
+            <a:r>
+              <a:rPr lang="en-US" dirty="0" smtClean="0"/>
+              <a:t>File-&gt;New-&gt;Project</a:t>
+            </a:r>
+            <a:endParaRPr lang="ru-RU" dirty="0" smtClean="0"/>
+          </a:p>
+          <a:p>
+            <a:r>
+              <a:rPr lang="ru-RU" dirty="0" smtClean="0"/>
+              <a:t>В открывшемся окне: </a:t>
+            </a:r>
+            <a:r>
+              <a:rPr lang="en-US" dirty="0" smtClean="0"/>
+              <a:t>Installed-&gt;Templates-&gt;Visual C#</a:t>
+            </a:r>
+            <a:endParaRPr lang="ru-RU" dirty="0" smtClean="0"/>
+          </a:p>
+          <a:p>
+            <a:r>
+              <a:rPr lang="ru-RU" dirty="0" smtClean="0"/>
+              <a:t>Из набора шаблонов выберите </a:t>
+            </a:r>
+            <a:r>
+              <a:rPr lang="en-US" dirty="0" smtClean="0"/>
+              <a:t>Console Application</a:t>
+            </a:r>
+            <a:endParaRPr lang="ru-RU" dirty="0" smtClean="0"/>
+          </a:p>
+          <a:p>
+            <a:r>
+              <a:rPr lang="ru-RU" dirty="0"/>
+              <a:t>Заполните поля:</a:t>
+            </a:r>
+          </a:p>
+          <a:p>
+            <a:pPr lvl="1"/>
+            <a:r>
+              <a:rPr lang="en-US" dirty="0"/>
+              <a:t>Name – </a:t>
+            </a:r>
+            <a:r>
+              <a:rPr lang="ru-RU" dirty="0"/>
+              <a:t>имя первого проекта в решении (приложении)</a:t>
+            </a:r>
+          </a:p>
+          <a:p>
+            <a:pPr lvl="1"/>
+            <a:r>
+              <a:rPr lang="en-US" dirty="0"/>
+              <a:t>Location – </a:t>
+            </a:r>
+            <a:r>
+              <a:rPr lang="ru-RU" dirty="0"/>
+              <a:t>расположение файлов решения </a:t>
+            </a:r>
+          </a:p>
+          <a:p>
+            <a:pPr lvl="1"/>
+            <a:r>
+              <a:rPr lang="en-US" dirty="0"/>
+              <a:t>Solution – </a:t>
+            </a:r>
+            <a:r>
+              <a:rPr lang="ru-RU" dirty="0"/>
+              <a:t>оставьте </a:t>
+            </a:r>
+            <a:r>
+              <a:rPr lang="en-US" dirty="0"/>
+              <a:t>“Create new solution”</a:t>
+            </a:r>
+          </a:p>
+          <a:p>
+            <a:pPr lvl="1"/>
+            <a:r>
+              <a:rPr lang="en-US" dirty="0"/>
+              <a:t>Solution name – </a:t>
+            </a:r>
+            <a:r>
+              <a:rPr lang="ru-RU" dirty="0"/>
+              <a:t>имя решения (всего приложения)</a:t>
+            </a:r>
+          </a:p>
+          <a:p>
+            <a:pPr lvl="1"/>
+            <a:r>
+              <a:rPr lang="ru-RU" dirty="0"/>
+              <a:t>Нажмите кнопку </a:t>
+            </a:r>
+            <a:r>
+              <a:rPr lang="en-US" dirty="0"/>
+              <a:t>“OK”</a:t>
+            </a:r>
+          </a:p>
+          <a:p>
+            <a:endParaRPr lang="en-US" dirty="0" smtClean="0"/>
+          </a:p>
+          <a:p>
+            <a:endParaRPr lang="en-GB" dirty="0"/>
+          </a:p>
+        </p:txBody>
+      </p:sp>
+      <p:sp>
+        <p:nvSpPr>
+          <p:cNvPr id="4" name="Дата 3"/>
+          <p:cNvSpPr>
+            <a:spLocks noGrp="1"/>
+          </p:cNvSpPr>
+          <p:nvPr>
+            <p:ph type="dt" sz="half" idx="10"/>
+          </p:nvPr>
+        </p:nvSpPr>
+        <p:spPr/>
+        <p:txBody>
+          <a:bodyPr/>
+          <a:lstStyle/>
+          <a:p>
+            <a:r>
+              <a:rPr lang="en-US" smtClean="0"/>
+              <a:t>01.03.2016</a:t>
+            </a:r>
+            <a:endParaRPr lang="en-GB"/>
+          </a:p>
+        </p:txBody>
+      </p:sp>
+      <p:sp>
+        <p:nvSpPr>
+          <p:cNvPr id="5" name="Нижний колонтитул 4"/>
+          <p:cNvSpPr>
+            <a:spLocks noGrp="1"/>
+          </p:cNvSpPr>
+          <p:nvPr>
+            <p:ph type="ftr" sz="quarter" idx="11"/>
+          </p:nvPr>
+        </p:nvSpPr>
+        <p:spPr/>
+        <p:txBody>
+          <a:bodyPr/>
+          <a:lstStyle/>
+          <a:p>
+            <a:r>
+              <a:rPr lang="ru-RU" smtClean="0"/>
+              <a:t>Ваганов Михаил Викторович  ASP.NET MVC + Oracle Database</a:t>
+            </a:r>
+            <a:endParaRPr lang="en-GB"/>
+          </a:p>
+        </p:txBody>
+      </p:sp>
+      <p:sp>
+        <p:nvSpPr>
+          <p:cNvPr id="6" name="Номер слайда 5"/>
+          <p:cNvSpPr>
+            <a:spLocks noGrp="1"/>
+          </p:cNvSpPr>
+          <p:nvPr>
+            <p:ph type="sldNum" sz="quarter" idx="12"/>
+          </p:nvPr>
+        </p:nvSpPr>
+        <p:spPr/>
+        <p:txBody>
+          <a:bodyPr/>
+          <a:lstStyle/>
+          <a:p>
+            <a:fld id="{8FD3F87F-7A79-4F3D-8F12-CD11A20D067D}" type="slidenum">
+              <a:rPr lang="en-GB" smtClean="0"/>
+              <a:t>3</a:t>
+            </a:fld>
+            <a:endParaRPr lang="en-GB"/>
+          </a:p>
+        </p:txBody>
+      </p:sp>
+      <p:sp>
+        <p:nvSpPr>
+          <p:cNvPr id="7" name="Прямоугольник 6"/>
+          <p:cNvSpPr/>
+          <p:nvPr/>
+        </p:nvSpPr>
+        <p:spPr>
+          <a:xfrm>
+            <a:off x="1" y="0"/>
+            <a:ext cx="12192000" cy="296333"/>
+          </a:xfrm>
+          <a:prstGeom prst="rect">
+            <a:avLst/>
+          </a:prstGeom>
+        </p:spPr>
+        <p:style>
+          <a:lnRef idx="0">
+            <a:schemeClr val="accent6"/>
+          </a:lnRef>
+          <a:fillRef idx="3">
+            <a:schemeClr val="accent6"/>
+          </a:fillRef>
+          <a:effectRef idx="3">
+            <a:schemeClr val="accent6"/>
+          </a:effectRef>
+          <a:fontRef idx="minor">
+            <a:schemeClr val="lt1"/>
+          </a:fontRef>
+        </p:style>
+        <p:txBody>
+          <a:bodyPr rtlCol="0" anchor="ctr"/>
+          <a:lstStyle/>
+          <a:p>
+            <a:pPr algn="ctr"/>
+            <a:r>
+              <a:rPr lang="ru-RU" dirty="0" smtClean="0"/>
+              <a:t>Создание проекта</a:t>
+            </a:r>
+            <a:r>
+              <a:rPr lang="en-US" dirty="0" smtClean="0"/>
+              <a:t> </a:t>
+            </a:r>
+            <a:r>
+              <a:rPr lang="ru-RU" dirty="0" smtClean="0"/>
+              <a:t>в </a:t>
+            </a:r>
+            <a:r>
+              <a:rPr lang="en-US" dirty="0" smtClean="0"/>
+              <a:t>MS Visual Studio 2013</a:t>
+            </a:r>
+            <a:endParaRPr lang="en-GB" dirty="0"/>
+          </a:p>
+        </p:txBody>
+      </p:sp>
+    </p:spTree>
+    <p:extLst>
+      <p:ext uri="{BB962C8B-B14F-4D97-AF65-F5344CB8AC3E}">
+        <p14:creationId xmlns:p14="http://schemas.microsoft.com/office/powerpoint/2010/main" val="175709939"/>
+      </p:ext>
+    </p:extLst>
+  </p:cSld>
+  <p:clrMapOvr>
+    <a:masterClrMapping/>
+  </p:clrMapOvr>
+  <p:timing>
+    <p:tnLst>
+      <p:par>
+        <p:cTn id="1" dur="indefinite" restart="never" nodeType="tmRoot"/>
+      </p:par>
+    </p:tnLst>
+  </p:timing>
+</p:sld>
+</file>
+
+<file path=ppt/slides/slide30.xml><?xml version="1.0" encoding="utf-8"?>
+<p:sld xmlns:a="http://schemas.openxmlformats.org/drawingml/2006/main" xmlns:r="http://schemas.openxmlformats.org/officeDocument/2006/relationships" xmlns:p="http://schemas.openxmlformats.org/presentationml/2006/main">
+  <p:cSld>
+    <p:spTree>
+      <p:nvGrpSpPr>
+        <p:cNvPr id="1" name=""/>
+        <p:cNvGrpSpPr/>
+        <p:nvPr/>
+      </p:nvGrpSpPr>
+      <p:grpSpPr>
+        <a:xfrm>
+          <a:off x="0" y="0"/>
+          <a:ext cx="0" cy="0"/>
+          <a:chOff x="0" y="0"/>
+          <a:chExt cx="0" cy="0"/>
+        </a:xfrm>
+      </p:grpSpPr>
+      <p:sp>
+        <p:nvSpPr>
           <p:cNvPr id="2" name="Заголовок 1"/>
           <p:cNvSpPr>
             <a:spLocks noGrp="1"/>
@@ -7894,7 +10182,7 @@
           <a:p>
             <a:fld id="{8FD3F87F-7A79-4F3D-8F12-CD11A20D067D}" type="slidenum">
               <a:rPr lang="en-GB" smtClean="0"/>
-              <a:t>23</a:t>
+              <a:t>30</a:t>
             </a:fld>
             <a:endParaRPr lang="en-GB"/>
           </a:p>
@@ -8205,150 +10493,6 @@
 </p:sld>
 </file>
 
-<file path=ppt/slides/slide3.xml><?xml version="1.0" encoding="utf-8"?>
-<p:sld xmlns:a="http://schemas.openxmlformats.org/drawingml/2006/main" xmlns:r="http://schemas.openxmlformats.org/officeDocument/2006/relationships" xmlns:p="http://schemas.openxmlformats.org/presentationml/2006/main">
-  <p:cSld>
-    <p:spTree>
-      <p:nvGrpSpPr>
-        <p:cNvPr id="1" name=""/>
-        <p:cNvGrpSpPr/>
-        <p:nvPr/>
-      </p:nvGrpSpPr>
-      <p:grpSpPr>
-        <a:xfrm>
-          <a:off x="0" y="0"/>
-          <a:ext cx="0" cy="0"/>
-          <a:chOff x="0" y="0"/>
-          <a:chExt cx="0" cy="0"/>
-        </a:xfrm>
-      </p:grpSpPr>
-      <p:sp>
-        <p:nvSpPr>
-          <p:cNvPr id="2" name="Заголовок 1"/>
-          <p:cNvSpPr>
-            <a:spLocks noGrp="1"/>
-          </p:cNvSpPr>
-          <p:nvPr>
-            <p:ph type="title"/>
-          </p:nvPr>
-        </p:nvSpPr>
-        <p:spPr/>
-        <p:txBody>
-          <a:bodyPr/>
-          <a:lstStyle/>
-          <a:p>
-            <a:endParaRPr lang="en-GB"/>
-          </a:p>
-        </p:txBody>
-      </p:sp>
-      <p:sp>
-        <p:nvSpPr>
-          <p:cNvPr id="3" name="Объект 2"/>
-          <p:cNvSpPr>
-            <a:spLocks noGrp="1"/>
-          </p:cNvSpPr>
-          <p:nvPr>
-            <p:ph idx="1"/>
-          </p:nvPr>
-        </p:nvSpPr>
-        <p:spPr/>
-        <p:txBody>
-          <a:bodyPr/>
-          <a:lstStyle/>
-          <a:p>
-            <a:endParaRPr lang="en-GB"/>
-          </a:p>
-        </p:txBody>
-      </p:sp>
-      <p:sp>
-        <p:nvSpPr>
-          <p:cNvPr id="4" name="Дата 3"/>
-          <p:cNvSpPr>
-            <a:spLocks noGrp="1"/>
-          </p:cNvSpPr>
-          <p:nvPr>
-            <p:ph type="dt" sz="half" idx="10"/>
-          </p:nvPr>
-        </p:nvSpPr>
-        <p:spPr/>
-        <p:txBody>
-          <a:bodyPr/>
-          <a:lstStyle/>
-          <a:p>
-            <a:r>
-              <a:rPr lang="en-US" smtClean="0"/>
-              <a:t>01.03.2016</a:t>
-            </a:r>
-            <a:endParaRPr lang="en-GB"/>
-          </a:p>
-        </p:txBody>
-      </p:sp>
-      <p:sp>
-        <p:nvSpPr>
-          <p:cNvPr id="5" name="Нижний колонтитул 4"/>
-          <p:cNvSpPr>
-            <a:spLocks noGrp="1"/>
-          </p:cNvSpPr>
-          <p:nvPr>
-            <p:ph type="ftr" sz="quarter" idx="11"/>
-          </p:nvPr>
-        </p:nvSpPr>
-        <p:spPr/>
-        <p:txBody>
-          <a:bodyPr/>
-          <a:lstStyle/>
-          <a:p>
-            <a:r>
-              <a:rPr lang="ru-RU" smtClean="0"/>
-              <a:t>Ваганов Михаил Викторович  ASP.NET MVC + Oracle Database</a:t>
-            </a:r>
-            <a:endParaRPr lang="en-GB"/>
-          </a:p>
-        </p:txBody>
-      </p:sp>
-      <p:sp>
-        <p:nvSpPr>
-          <p:cNvPr id="6" name="Номер слайда 5"/>
-          <p:cNvSpPr>
-            <a:spLocks noGrp="1"/>
-          </p:cNvSpPr>
-          <p:nvPr>
-            <p:ph type="sldNum" sz="quarter" idx="12"/>
-          </p:nvPr>
-        </p:nvSpPr>
-        <p:spPr/>
-        <p:txBody>
-          <a:bodyPr/>
-          <a:lstStyle/>
-          <a:p>
-            <a:fld id="{8FD3F87F-7A79-4F3D-8F12-CD11A20D067D}" type="slidenum">
-              <a:rPr lang="en-GB" smtClean="0"/>
-              <a:t>3</a:t>
-            </a:fld>
-            <a:endParaRPr lang="en-GB"/>
-          </a:p>
-        </p:txBody>
-      </p:sp>
-    </p:spTree>
-    <p:extLst>
-      <p:ext uri="{BB962C8B-B14F-4D97-AF65-F5344CB8AC3E}">
-        <p14:creationId xmlns:p14="http://schemas.microsoft.com/office/powerpoint/2010/main" val="922784000"/>
-      </p:ext>
-    </p:extLst>
-  </p:cSld>
-  <p:clrMapOvr>
-    <a:masterClrMapping/>
-  </p:clrMapOvr>
-  <p:timing>
-    <p:tnLst>
-      <p:par>
-        <p:cTn id="1" dur="indefinite" restart="never" nodeType="tmRoot"/>
-      </p:par>
-    </p:tnLst>
-  </p:timing>
-</p:sld>
-</file>
-
 <file path=ppt/slides/slide4.xml><?xml version="1.0" encoding="utf-8"?>
 <p:sld xmlns:a="http://schemas.openxmlformats.org/drawingml/2006/main" xmlns:r="http://schemas.openxmlformats.org/officeDocument/2006/relationships" xmlns:p="http://schemas.openxmlformats.org/presentationml/2006/main">
   <p:cSld>
@@ -8368,133 +10512,6 @@
       </p:grpSpPr>
       <p:sp>
         <p:nvSpPr>
-          <p:cNvPr id="2" name="Заголовок 1"/>
-          <p:cNvSpPr>
-            <a:spLocks noGrp="1"/>
-          </p:cNvSpPr>
-          <p:nvPr>
-            <p:ph type="title"/>
-          </p:nvPr>
-        </p:nvSpPr>
-        <p:spPr/>
-        <p:txBody>
-          <a:bodyPr/>
-          <a:lstStyle/>
-          <a:p>
-            <a:r>
-              <a:rPr lang="en-US" dirty="0" smtClean="0"/>
-              <a:t>Model-View-Controller (MVC)</a:t>
-            </a:r>
-            <a:endParaRPr lang="en-GB" dirty="0"/>
-          </a:p>
-        </p:txBody>
-      </p:sp>
-      <p:sp>
-        <p:nvSpPr>
-          <p:cNvPr id="3" name="Объект 2"/>
-          <p:cNvSpPr>
-            <a:spLocks noGrp="1"/>
-          </p:cNvSpPr>
-          <p:nvPr>
-            <p:ph idx="1"/>
-          </p:nvPr>
-        </p:nvSpPr>
-        <p:spPr/>
-        <p:txBody>
-          <a:bodyPr/>
-          <a:lstStyle/>
-          <a:p>
-            <a:r>
-              <a:rPr lang="en-US" b="1" dirty="0" smtClean="0">
-                <a:solidFill>
-                  <a:srgbClr val="7030A0"/>
-                </a:solidFill>
-              </a:rPr>
-              <a:t>Model</a:t>
-            </a:r>
-            <a:r>
-              <a:rPr lang="en-US" dirty="0" smtClean="0"/>
-              <a:t> –</a:t>
-            </a:r>
-            <a:r>
-              <a:rPr lang="ru-RU" dirty="0" smtClean="0"/>
-              <a:t> модель представления объектов, данных в приложении. Обычно представляет из себя класс с полями данных, но без методов.</a:t>
-            </a:r>
-          </a:p>
-          <a:p>
-            <a:r>
-              <a:rPr lang="en-US" b="1" dirty="0" smtClean="0">
-                <a:solidFill>
-                  <a:srgbClr val="7030A0"/>
-                </a:solidFill>
-              </a:rPr>
-              <a:t>View</a:t>
-            </a:r>
-            <a:r>
-              <a:rPr lang="en-US" dirty="0" smtClean="0"/>
-              <a:t> </a:t>
-            </a:r>
-            <a:r>
-              <a:rPr lang="ru-RU" dirty="0" smtClean="0"/>
-              <a:t>– пользовательский интерфейс приложение, то, что видит пользователь на экране браузера</a:t>
-            </a:r>
-            <a:endParaRPr lang="en-US" dirty="0" smtClean="0"/>
-          </a:p>
-          <a:p>
-            <a:r>
-              <a:rPr lang="en-US" b="1" dirty="0" smtClean="0">
-                <a:solidFill>
-                  <a:srgbClr val="7030A0"/>
-                </a:solidFill>
-              </a:rPr>
-              <a:t>Controller</a:t>
-            </a:r>
-            <a:r>
-              <a:rPr lang="en-US" dirty="0" smtClean="0"/>
-              <a:t> – </a:t>
-            </a:r>
-            <a:r>
-              <a:rPr lang="ru-RU" dirty="0" smtClean="0"/>
-              <a:t>внутренний элемент, не видный пользователю, отвечающий за логику работы приложения. Связывает </a:t>
-            </a:r>
-            <a:r>
-              <a:rPr lang="en-US" b="1" dirty="0" smtClean="0">
-                <a:solidFill>
-                  <a:srgbClr val="7030A0"/>
-                </a:solidFill>
-              </a:rPr>
-              <a:t>Model</a:t>
-            </a:r>
-            <a:r>
-              <a:rPr lang="en-US" dirty="0" smtClean="0"/>
-              <a:t> </a:t>
-            </a:r>
-            <a:r>
-              <a:rPr lang="ru-RU" dirty="0" smtClean="0"/>
-              <a:t>и</a:t>
-            </a:r>
-            <a:r>
-              <a:rPr lang="en-US" dirty="0" smtClean="0"/>
-              <a:t> </a:t>
-            </a:r>
-            <a:r>
-              <a:rPr lang="en-US" b="1" dirty="0" smtClean="0">
-                <a:solidFill>
-                  <a:srgbClr val="7030A0"/>
-                </a:solidFill>
-              </a:rPr>
-              <a:t>View</a:t>
-            </a:r>
-            <a:endParaRPr lang="en-GB" b="1" dirty="0">
-              <a:solidFill>
-                <a:srgbClr val="7030A0"/>
-              </a:solidFill>
-            </a:endParaRPr>
-          </a:p>
-        </p:txBody>
-      </p:sp>
-      <p:sp>
-        <p:nvSpPr>
           <p:cNvPr id="4" name="Дата 3"/>
           <p:cNvSpPr>
             <a:spLocks noGrp="1"/>
@@ -8562,10 +10579,676 @@
           </a:p>
         </p:txBody>
       </p:sp>
+      <p:sp>
+        <p:nvSpPr>
+          <p:cNvPr id="7" name="Прямоугольник 6"/>
+          <p:cNvSpPr/>
+          <p:nvPr/>
+        </p:nvSpPr>
+        <p:spPr>
+          <a:xfrm>
+            <a:off x="1" y="0"/>
+            <a:ext cx="12192000" cy="296333"/>
+          </a:xfrm>
+          <a:prstGeom prst="rect">
+            <a:avLst/>
+          </a:prstGeom>
+        </p:spPr>
+        <p:style>
+          <a:lnRef idx="0">
+            <a:schemeClr val="accent5"/>
+          </a:lnRef>
+          <a:fillRef idx="3">
+            <a:schemeClr val="accent5"/>
+          </a:fillRef>
+          <a:effectRef idx="3">
+            <a:schemeClr val="accent5"/>
+          </a:effectRef>
+          <a:fontRef idx="minor">
+            <a:schemeClr val="lt1"/>
+          </a:fontRef>
+        </p:style>
+        <p:txBody>
+          <a:bodyPr rtlCol="0" anchor="ctr"/>
+          <a:lstStyle/>
+          <a:p>
+            <a:pPr algn="ctr"/>
+            <a:r>
+              <a:rPr lang="ru-RU" dirty="0" smtClean="0"/>
+              <a:t>Шаблон класса </a:t>
+            </a:r>
+            <a:r>
+              <a:rPr lang="en-US" dirty="0" smtClean="0"/>
+              <a:t>Program</a:t>
+            </a:r>
+            <a:r>
+              <a:rPr lang="ru-RU" dirty="0" smtClean="0"/>
+              <a:t> консольного приложения</a:t>
+            </a:r>
+            <a:endParaRPr lang="en-GB" dirty="0"/>
+          </a:p>
+        </p:txBody>
+      </p:sp>
+      <p:graphicFrame>
+        <p:nvGraphicFramePr>
+          <p:cNvPr id="8" name="Таблица 7"/>
+          <p:cNvGraphicFramePr>
+            <a:graphicFrameLocks noGrp="1"/>
+          </p:cNvGraphicFramePr>
+          <p:nvPr>
+            <p:extLst>
+              <p:ext uri="{D42A27DB-BD31-4B8C-83A1-F6EECF244321}">
+                <p14:modId xmlns:p14="http://schemas.microsoft.com/office/powerpoint/2010/main" val="2837485180"/>
+              </p:ext>
+            </p:extLst>
+          </p:nvPr>
+        </p:nvGraphicFramePr>
+        <p:xfrm>
+          <a:off x="2032000" y="719666"/>
+          <a:ext cx="5190435" cy="4206240"/>
+        </p:xfrm>
+        <a:graphic>
+          <a:graphicData uri="http://schemas.openxmlformats.org/drawingml/2006/table">
+            <a:tbl>
+              <a:tblPr firstRow="1" bandRow="1">
+                <a:tableStyleId>{5C22544A-7EE6-4342-B048-85BDC9FD1C3A}</a:tableStyleId>
+              </a:tblPr>
+              <a:tblGrid>
+                <a:gridCol w="5190435"/>
+              </a:tblGrid>
+              <a:tr h="370840">
+                <a:tc>
+                  <a:txBody>
+                    <a:bodyPr/>
+                    <a:lstStyle/>
+                    <a:p>
+                      <a:r>
+                        <a:rPr lang="en-GB" sz="1800" b="0" dirty="0" smtClean="0">
+                          <a:solidFill>
+                            <a:srgbClr val="0000FF"/>
+                          </a:solidFill>
+                          <a:highlight>
+                            <a:srgbClr val="FFFFFF"/>
+                          </a:highlight>
+                          <a:latin typeface="Consolas" panose="020B0609020204030204" pitchFamily="49" charset="0"/>
+                        </a:rPr>
+                        <a:t>using</a:t>
+                      </a:r>
+                      <a:r>
+                        <a:rPr lang="en-GB" sz="1800" b="0" dirty="0" smtClean="0">
+                          <a:solidFill>
+                            <a:srgbClr val="000000"/>
+                          </a:solidFill>
+                          <a:highlight>
+                            <a:srgbClr val="FFFFFF"/>
+                          </a:highlight>
+                          <a:latin typeface="Consolas" panose="020B0609020204030204" pitchFamily="49" charset="0"/>
+                        </a:rPr>
+                        <a:t> System;</a:t>
+                      </a:r>
+                    </a:p>
+                    <a:p>
+                      <a:r>
+                        <a:rPr lang="en-GB" sz="1800" b="0" dirty="0" smtClean="0">
+                          <a:solidFill>
+                            <a:srgbClr val="0000FF"/>
+                          </a:solidFill>
+                          <a:highlight>
+                            <a:srgbClr val="FFFFFF"/>
+                          </a:highlight>
+                          <a:latin typeface="Consolas" panose="020B0609020204030204" pitchFamily="49" charset="0"/>
+                        </a:rPr>
+                        <a:t>using</a:t>
+                      </a:r>
+                      <a:r>
+                        <a:rPr lang="en-GB" sz="1800" b="0" dirty="0" smtClean="0">
+                          <a:solidFill>
+                            <a:srgbClr val="000000"/>
+                          </a:solidFill>
+                          <a:highlight>
+                            <a:srgbClr val="FFFFFF"/>
+                          </a:highlight>
+                          <a:latin typeface="Consolas" panose="020B0609020204030204" pitchFamily="49" charset="0"/>
+                        </a:rPr>
+                        <a:t> </a:t>
+                      </a:r>
+                      <a:r>
+                        <a:rPr lang="en-GB" sz="1800" b="0" dirty="0" err="1" smtClean="0">
+                          <a:solidFill>
+                            <a:srgbClr val="000000"/>
+                          </a:solidFill>
+                          <a:highlight>
+                            <a:srgbClr val="FFFFFF"/>
+                          </a:highlight>
+                          <a:latin typeface="Consolas" panose="020B0609020204030204" pitchFamily="49" charset="0"/>
+                        </a:rPr>
+                        <a:t>System.Collections.Generic</a:t>
+                      </a:r>
+                      <a:r>
+                        <a:rPr lang="en-GB" sz="1800" b="0" dirty="0" smtClean="0">
+                          <a:solidFill>
+                            <a:srgbClr val="000000"/>
+                          </a:solidFill>
+                          <a:highlight>
+                            <a:srgbClr val="FFFFFF"/>
+                          </a:highlight>
+                          <a:latin typeface="Consolas" panose="020B0609020204030204" pitchFamily="49" charset="0"/>
+                        </a:rPr>
+                        <a:t>;</a:t>
+                      </a:r>
+                    </a:p>
+                    <a:p>
+                      <a:r>
+                        <a:rPr lang="en-GB" sz="1800" b="0" dirty="0" smtClean="0">
+                          <a:solidFill>
+                            <a:srgbClr val="0000FF"/>
+                          </a:solidFill>
+                          <a:highlight>
+                            <a:srgbClr val="FFFFFF"/>
+                          </a:highlight>
+                          <a:latin typeface="Consolas" panose="020B0609020204030204" pitchFamily="49" charset="0"/>
+                        </a:rPr>
+                        <a:t>using</a:t>
+                      </a:r>
+                      <a:r>
+                        <a:rPr lang="en-GB" sz="1800" b="0" dirty="0" smtClean="0">
+                          <a:solidFill>
+                            <a:srgbClr val="000000"/>
+                          </a:solidFill>
+                          <a:highlight>
+                            <a:srgbClr val="FFFFFF"/>
+                          </a:highlight>
+                          <a:latin typeface="Consolas" panose="020B0609020204030204" pitchFamily="49" charset="0"/>
+                        </a:rPr>
+                        <a:t> </a:t>
+                      </a:r>
+                      <a:r>
+                        <a:rPr lang="en-GB" sz="1800" b="0" dirty="0" err="1" smtClean="0">
+                          <a:solidFill>
+                            <a:srgbClr val="000000"/>
+                          </a:solidFill>
+                          <a:highlight>
+                            <a:srgbClr val="FFFFFF"/>
+                          </a:highlight>
+                          <a:latin typeface="Consolas" panose="020B0609020204030204" pitchFamily="49" charset="0"/>
+                        </a:rPr>
+                        <a:t>System.Linq</a:t>
+                      </a:r>
+                      <a:r>
+                        <a:rPr lang="en-GB" sz="1800" b="0" dirty="0" smtClean="0">
+                          <a:solidFill>
+                            <a:srgbClr val="000000"/>
+                          </a:solidFill>
+                          <a:highlight>
+                            <a:srgbClr val="FFFFFF"/>
+                          </a:highlight>
+                          <a:latin typeface="Consolas" panose="020B0609020204030204" pitchFamily="49" charset="0"/>
+                        </a:rPr>
+                        <a:t>;</a:t>
+                      </a:r>
+                    </a:p>
+                    <a:p>
+                      <a:r>
+                        <a:rPr lang="en-GB" sz="1800" b="0" dirty="0" smtClean="0">
+                          <a:solidFill>
+                            <a:srgbClr val="0000FF"/>
+                          </a:solidFill>
+                          <a:highlight>
+                            <a:srgbClr val="FFFFFF"/>
+                          </a:highlight>
+                          <a:latin typeface="Consolas" panose="020B0609020204030204" pitchFamily="49" charset="0"/>
+                        </a:rPr>
+                        <a:t>using</a:t>
+                      </a:r>
+                      <a:r>
+                        <a:rPr lang="en-GB" sz="1800" b="0" dirty="0" smtClean="0">
+                          <a:solidFill>
+                            <a:srgbClr val="000000"/>
+                          </a:solidFill>
+                          <a:highlight>
+                            <a:srgbClr val="FFFFFF"/>
+                          </a:highlight>
+                          <a:latin typeface="Consolas" panose="020B0609020204030204" pitchFamily="49" charset="0"/>
+                        </a:rPr>
+                        <a:t> </a:t>
+                      </a:r>
+                      <a:r>
+                        <a:rPr lang="en-GB" sz="1800" b="0" dirty="0" err="1" smtClean="0">
+                          <a:solidFill>
+                            <a:srgbClr val="000000"/>
+                          </a:solidFill>
+                          <a:highlight>
+                            <a:srgbClr val="FFFFFF"/>
+                          </a:highlight>
+                          <a:latin typeface="Consolas" panose="020B0609020204030204" pitchFamily="49" charset="0"/>
+                        </a:rPr>
+                        <a:t>System.Text</a:t>
+                      </a:r>
+                      <a:r>
+                        <a:rPr lang="en-GB" sz="1800" b="0" dirty="0" smtClean="0">
+                          <a:solidFill>
+                            <a:srgbClr val="000000"/>
+                          </a:solidFill>
+                          <a:highlight>
+                            <a:srgbClr val="FFFFFF"/>
+                          </a:highlight>
+                          <a:latin typeface="Consolas" panose="020B0609020204030204" pitchFamily="49" charset="0"/>
+                        </a:rPr>
+                        <a:t>;</a:t>
+                      </a:r>
+                    </a:p>
+                    <a:p>
+                      <a:r>
+                        <a:rPr lang="en-GB" sz="1800" b="0" dirty="0" smtClean="0">
+                          <a:solidFill>
+                            <a:srgbClr val="0000FF"/>
+                          </a:solidFill>
+                          <a:highlight>
+                            <a:srgbClr val="FFFFFF"/>
+                          </a:highlight>
+                          <a:latin typeface="Consolas" panose="020B0609020204030204" pitchFamily="49" charset="0"/>
+                        </a:rPr>
+                        <a:t>using</a:t>
+                      </a:r>
+                      <a:r>
+                        <a:rPr lang="en-GB" sz="1800" b="0" dirty="0" smtClean="0">
+                          <a:solidFill>
+                            <a:srgbClr val="000000"/>
+                          </a:solidFill>
+                          <a:highlight>
+                            <a:srgbClr val="FFFFFF"/>
+                          </a:highlight>
+                          <a:latin typeface="Consolas" panose="020B0609020204030204" pitchFamily="49" charset="0"/>
+                        </a:rPr>
+                        <a:t> </a:t>
+                      </a:r>
+                      <a:r>
+                        <a:rPr lang="en-GB" sz="1800" b="0" dirty="0" err="1" smtClean="0">
+                          <a:solidFill>
+                            <a:srgbClr val="000000"/>
+                          </a:solidFill>
+                          <a:highlight>
+                            <a:srgbClr val="FFFFFF"/>
+                          </a:highlight>
+                          <a:latin typeface="Consolas" panose="020B0609020204030204" pitchFamily="49" charset="0"/>
+                        </a:rPr>
+                        <a:t>System.Threading.Tasks</a:t>
+                      </a:r>
+                      <a:r>
+                        <a:rPr lang="en-GB" sz="1800" b="0" dirty="0" smtClean="0">
+                          <a:solidFill>
+                            <a:srgbClr val="000000"/>
+                          </a:solidFill>
+                          <a:highlight>
+                            <a:srgbClr val="FFFFFF"/>
+                          </a:highlight>
+                          <a:latin typeface="Consolas" panose="020B0609020204030204" pitchFamily="49" charset="0"/>
+                        </a:rPr>
+                        <a:t>;</a:t>
+                      </a:r>
+                    </a:p>
+                    <a:p>
+                      <a:endParaRPr lang="en-GB" sz="1800" b="0" dirty="0" smtClean="0">
+                        <a:solidFill>
+                          <a:srgbClr val="000000"/>
+                        </a:solidFill>
+                        <a:highlight>
+                          <a:srgbClr val="FFFFFF"/>
+                        </a:highlight>
+                        <a:latin typeface="Consolas" panose="020B0609020204030204" pitchFamily="49" charset="0"/>
+                      </a:endParaRPr>
+                    </a:p>
+                    <a:p>
+                      <a:r>
+                        <a:rPr lang="en-GB" sz="1800" b="0" dirty="0" smtClean="0">
+                          <a:solidFill>
+                            <a:srgbClr val="0000FF"/>
+                          </a:solidFill>
+                          <a:highlight>
+                            <a:srgbClr val="FFFFFF"/>
+                          </a:highlight>
+                          <a:latin typeface="Consolas" panose="020B0609020204030204" pitchFamily="49" charset="0"/>
+                        </a:rPr>
+                        <a:t>namespace</a:t>
+                      </a:r>
+                      <a:r>
+                        <a:rPr lang="en-GB" sz="1800" b="0" dirty="0" smtClean="0">
+                          <a:solidFill>
+                            <a:srgbClr val="000000"/>
+                          </a:solidFill>
+                          <a:highlight>
+                            <a:srgbClr val="FFFFFF"/>
+                          </a:highlight>
+                          <a:latin typeface="Consolas" panose="020B0609020204030204" pitchFamily="49" charset="0"/>
+                        </a:rPr>
+                        <a:t> </a:t>
+                      </a:r>
+                      <a:r>
+                        <a:rPr lang="en-GB" sz="1800" b="0" dirty="0" err="1" smtClean="0">
+                          <a:solidFill>
+                            <a:srgbClr val="000000"/>
+                          </a:solidFill>
+                          <a:highlight>
+                            <a:srgbClr val="FFFFFF"/>
+                          </a:highlight>
+                          <a:latin typeface="Consolas" panose="020B0609020204030204" pitchFamily="49" charset="0"/>
+                        </a:rPr>
+                        <a:t>ConsoleApplication</a:t>
+                      </a:r>
+                      <a:endParaRPr lang="en-GB" sz="1800" b="0" dirty="0" smtClean="0">
+                        <a:solidFill>
+                          <a:srgbClr val="000000"/>
+                        </a:solidFill>
+                        <a:highlight>
+                          <a:srgbClr val="FFFFFF"/>
+                        </a:highlight>
+                        <a:latin typeface="Consolas" panose="020B0609020204030204" pitchFamily="49" charset="0"/>
+                      </a:endParaRPr>
+                    </a:p>
+                    <a:p>
+                      <a:r>
+                        <a:rPr lang="en-GB" sz="1800" b="0" dirty="0" smtClean="0">
+                          <a:solidFill>
+                            <a:srgbClr val="000000"/>
+                          </a:solidFill>
+                          <a:highlight>
+                            <a:srgbClr val="FFFFFF"/>
+                          </a:highlight>
+                          <a:latin typeface="Consolas" panose="020B0609020204030204" pitchFamily="49" charset="0"/>
+                        </a:rPr>
+                        <a:t>{</a:t>
+                      </a:r>
+                    </a:p>
+                    <a:p>
+                      <a:r>
+                        <a:rPr lang="en-GB" sz="1800" b="0" dirty="0" smtClean="0">
+                          <a:solidFill>
+                            <a:srgbClr val="000000"/>
+                          </a:solidFill>
+                          <a:highlight>
+                            <a:srgbClr val="FFFFFF"/>
+                          </a:highlight>
+                          <a:latin typeface="Consolas" panose="020B0609020204030204" pitchFamily="49" charset="0"/>
+                        </a:rPr>
+                        <a:t>    </a:t>
+                      </a:r>
+                      <a:r>
+                        <a:rPr lang="en-GB" sz="1800" b="0" dirty="0" smtClean="0">
+                          <a:solidFill>
+                            <a:srgbClr val="0000FF"/>
+                          </a:solidFill>
+                          <a:highlight>
+                            <a:srgbClr val="FFFFFF"/>
+                          </a:highlight>
+                          <a:latin typeface="Consolas" panose="020B0609020204030204" pitchFamily="49" charset="0"/>
+                        </a:rPr>
+                        <a:t>class</a:t>
+                      </a:r>
+                      <a:r>
+                        <a:rPr lang="en-GB" sz="1800" b="0" dirty="0" smtClean="0">
+                          <a:solidFill>
+                            <a:srgbClr val="000000"/>
+                          </a:solidFill>
+                          <a:highlight>
+                            <a:srgbClr val="FFFFFF"/>
+                          </a:highlight>
+                          <a:latin typeface="Consolas" panose="020B0609020204030204" pitchFamily="49" charset="0"/>
+                        </a:rPr>
+                        <a:t> </a:t>
+                      </a:r>
+                      <a:r>
+                        <a:rPr lang="en-GB" sz="1800" b="0" dirty="0" smtClean="0">
+                          <a:solidFill>
+                            <a:srgbClr val="2B91AF"/>
+                          </a:solidFill>
+                          <a:highlight>
+                            <a:srgbClr val="FFFFFF"/>
+                          </a:highlight>
+                          <a:latin typeface="Consolas" panose="020B0609020204030204" pitchFamily="49" charset="0"/>
+                        </a:rPr>
+                        <a:t>Program</a:t>
+                      </a:r>
+                      <a:endParaRPr lang="en-GB" sz="1800" b="0" dirty="0" smtClean="0">
+                        <a:solidFill>
+                          <a:srgbClr val="000000"/>
+                        </a:solidFill>
+                        <a:highlight>
+                          <a:srgbClr val="FFFFFF"/>
+                        </a:highlight>
+                        <a:latin typeface="Consolas" panose="020B0609020204030204" pitchFamily="49" charset="0"/>
+                      </a:endParaRPr>
+                    </a:p>
+                    <a:p>
+                      <a:r>
+                        <a:rPr lang="en-GB" sz="1800" b="0" dirty="0" smtClean="0">
+                          <a:solidFill>
+                            <a:srgbClr val="000000"/>
+                          </a:solidFill>
+                          <a:highlight>
+                            <a:srgbClr val="FFFFFF"/>
+                          </a:highlight>
+                          <a:latin typeface="Consolas" panose="020B0609020204030204" pitchFamily="49" charset="0"/>
+                        </a:rPr>
+                        <a:t>    {</a:t>
+                      </a:r>
+                    </a:p>
+                    <a:p>
+                      <a:r>
+                        <a:rPr lang="en-GB" sz="1800" b="0" dirty="0" smtClean="0">
+                          <a:solidFill>
+                            <a:srgbClr val="000000"/>
+                          </a:solidFill>
+                          <a:highlight>
+                            <a:srgbClr val="FFFFFF"/>
+                          </a:highlight>
+                          <a:latin typeface="Consolas" panose="020B0609020204030204" pitchFamily="49" charset="0"/>
+                        </a:rPr>
+                        <a:t>        </a:t>
+                      </a:r>
+                      <a:r>
+                        <a:rPr lang="en-GB" sz="1800" b="0" dirty="0" smtClean="0">
+                          <a:solidFill>
+                            <a:srgbClr val="0000FF"/>
+                          </a:solidFill>
+                          <a:highlight>
+                            <a:srgbClr val="FFFFFF"/>
+                          </a:highlight>
+                          <a:latin typeface="Consolas" panose="020B0609020204030204" pitchFamily="49" charset="0"/>
+                        </a:rPr>
+                        <a:t>static</a:t>
+                      </a:r>
+                      <a:r>
+                        <a:rPr lang="en-GB" sz="1800" b="0" dirty="0" smtClean="0">
+                          <a:solidFill>
+                            <a:srgbClr val="000000"/>
+                          </a:solidFill>
+                          <a:highlight>
+                            <a:srgbClr val="FFFFFF"/>
+                          </a:highlight>
+                          <a:latin typeface="Consolas" panose="020B0609020204030204" pitchFamily="49" charset="0"/>
+                        </a:rPr>
+                        <a:t> </a:t>
+                      </a:r>
+                      <a:r>
+                        <a:rPr lang="en-GB" sz="1800" b="0" dirty="0" smtClean="0">
+                          <a:solidFill>
+                            <a:srgbClr val="0000FF"/>
+                          </a:solidFill>
+                          <a:highlight>
+                            <a:srgbClr val="FFFFFF"/>
+                          </a:highlight>
+                          <a:latin typeface="Consolas" panose="020B0609020204030204" pitchFamily="49" charset="0"/>
+                        </a:rPr>
+                        <a:t>void</a:t>
+                      </a:r>
+                      <a:r>
+                        <a:rPr lang="en-GB" sz="1800" b="0" dirty="0" smtClean="0">
+                          <a:solidFill>
+                            <a:srgbClr val="000000"/>
+                          </a:solidFill>
+                          <a:highlight>
+                            <a:srgbClr val="FFFFFF"/>
+                          </a:highlight>
+                          <a:latin typeface="Consolas" panose="020B0609020204030204" pitchFamily="49" charset="0"/>
+                        </a:rPr>
+                        <a:t> Main(</a:t>
+                      </a:r>
+                      <a:r>
+                        <a:rPr lang="en-GB" sz="1800" b="0" dirty="0" smtClean="0">
+                          <a:solidFill>
+                            <a:srgbClr val="0000FF"/>
+                          </a:solidFill>
+                          <a:highlight>
+                            <a:srgbClr val="FFFFFF"/>
+                          </a:highlight>
+                          <a:latin typeface="Consolas" panose="020B0609020204030204" pitchFamily="49" charset="0"/>
+                        </a:rPr>
+                        <a:t>string</a:t>
+                      </a:r>
+                      <a:r>
+                        <a:rPr lang="en-GB" sz="1800" b="0" dirty="0" smtClean="0">
+                          <a:solidFill>
+                            <a:srgbClr val="000000"/>
+                          </a:solidFill>
+                          <a:highlight>
+                            <a:srgbClr val="FFFFFF"/>
+                          </a:highlight>
+                          <a:latin typeface="Consolas" panose="020B0609020204030204" pitchFamily="49" charset="0"/>
+                        </a:rPr>
+                        <a:t>[] </a:t>
+                      </a:r>
+                      <a:r>
+                        <a:rPr lang="en-GB" sz="1800" b="0" dirty="0" err="1" smtClean="0">
+                          <a:solidFill>
+                            <a:srgbClr val="000000"/>
+                          </a:solidFill>
+                          <a:highlight>
+                            <a:srgbClr val="FFFFFF"/>
+                          </a:highlight>
+                          <a:latin typeface="Consolas" panose="020B0609020204030204" pitchFamily="49" charset="0"/>
+                        </a:rPr>
+                        <a:t>args</a:t>
+                      </a:r>
+                      <a:r>
+                        <a:rPr lang="en-GB" sz="1800" b="0" dirty="0" smtClean="0">
+                          <a:solidFill>
+                            <a:srgbClr val="000000"/>
+                          </a:solidFill>
+                          <a:highlight>
+                            <a:srgbClr val="FFFFFF"/>
+                          </a:highlight>
+                          <a:latin typeface="Consolas" panose="020B0609020204030204" pitchFamily="49" charset="0"/>
+                        </a:rPr>
+                        <a:t>)</a:t>
+                      </a:r>
+                    </a:p>
+                    <a:p>
+                      <a:r>
+                        <a:rPr lang="en-GB" sz="1800" b="0" dirty="0" smtClean="0">
+                          <a:solidFill>
+                            <a:srgbClr val="000000"/>
+                          </a:solidFill>
+                          <a:highlight>
+                            <a:srgbClr val="FFFFFF"/>
+                          </a:highlight>
+                          <a:latin typeface="Consolas" panose="020B0609020204030204" pitchFamily="49" charset="0"/>
+                        </a:rPr>
+                        <a:t>        {</a:t>
+                      </a:r>
+                    </a:p>
+                    <a:p>
+                      <a:r>
+                        <a:rPr lang="en-GB" sz="1800" b="0" dirty="0" smtClean="0">
+                          <a:solidFill>
+                            <a:srgbClr val="000000"/>
+                          </a:solidFill>
+                          <a:highlight>
+                            <a:srgbClr val="FFFFFF"/>
+                          </a:highlight>
+                          <a:latin typeface="Consolas" panose="020B0609020204030204" pitchFamily="49" charset="0"/>
+                        </a:rPr>
+                        <a:t>        }</a:t>
+                      </a:r>
+                    </a:p>
+                    <a:p>
+                      <a:r>
+                        <a:rPr lang="en-GB" sz="1800" b="0" dirty="0" smtClean="0">
+                          <a:solidFill>
+                            <a:srgbClr val="000000"/>
+                          </a:solidFill>
+                          <a:highlight>
+                            <a:srgbClr val="FFFFFF"/>
+                          </a:highlight>
+                          <a:latin typeface="Consolas" panose="020B0609020204030204" pitchFamily="49" charset="0"/>
+                        </a:rPr>
+                        <a:t>    }</a:t>
+                      </a:r>
+                    </a:p>
+                    <a:p>
+                      <a:r>
+                        <a:rPr lang="en-GB" sz="1800" b="0" dirty="0" smtClean="0">
+                          <a:solidFill>
+                            <a:srgbClr val="000000"/>
+                          </a:solidFill>
+                          <a:highlight>
+                            <a:srgbClr val="FFFFFF"/>
+                          </a:highlight>
+                          <a:latin typeface="Consolas" panose="020B0609020204030204" pitchFamily="49" charset="0"/>
+                        </a:rPr>
+                        <a:t>}</a:t>
+                      </a:r>
+                      <a:endParaRPr lang="en-GB" b="0" dirty="0"/>
+                    </a:p>
+                  </a:txBody>
+                  <a:tcPr>
+                    <a:solidFill>
+                      <a:schemeClr val="bg1"/>
+                    </a:solidFill>
+                  </a:tcPr>
+                </a:tc>
+              </a:tr>
+            </a:tbl>
+          </a:graphicData>
+        </a:graphic>
+      </p:graphicFrame>
+      <p:pic>
+        <p:nvPicPr>
+          <p:cNvPr id="9" name="Рисунок 8"/>
+          <p:cNvPicPr>
+            <a:picLocks noChangeAspect="1"/>
+          </p:cNvPicPr>
+          <p:nvPr/>
+        </p:nvPicPr>
+        <p:blipFill>
+          <a:blip r:embed="rId3"/>
+          <a:stretch>
+            <a:fillRect/>
+          </a:stretch>
+        </p:blipFill>
+        <p:spPr>
+          <a:xfrm>
+            <a:off x="7833898" y="719666"/>
+            <a:ext cx="3362325" cy="3876675"/>
+          </a:xfrm>
+          <a:prstGeom prst="rect">
+            <a:avLst/>
+          </a:prstGeom>
+          <a:ln>
+            <a:noFill/>
+          </a:ln>
+          <a:effectLst>
+            <a:outerShdw blurRad="292100" dist="139700" dir="2700000" algn="tl" rotWithShape="0">
+              <a:srgbClr val="333333">
+                <a:alpha val="65000"/>
+              </a:srgbClr>
+            </a:outerShdw>
+          </a:effectLst>
+        </p:spPr>
+      </p:pic>
     </p:spTree>
     <p:extLst>
       <p:ext uri="{BB962C8B-B14F-4D97-AF65-F5344CB8AC3E}">
-        <p14:creationId xmlns:p14="http://schemas.microsoft.com/office/powerpoint/2010/main" val="3869899697"/>
+        <p14:creationId xmlns:p14="http://schemas.microsoft.com/office/powerpoint/2010/main" val="2143690446"/>
       </p:ext>
     </p:extLst>
   </p:cSld>
@@ -8601,47 +11284,50 @@
       </p:grpSpPr>
       <p:sp>
         <p:nvSpPr>
-          <p:cNvPr id="2" name="Заголовок 1"/>
-          <p:cNvSpPr>
-            <a:spLocks noGrp="1"/>
-          </p:cNvSpPr>
-          <p:nvPr>
-            <p:ph type="title"/>
-          </p:nvPr>
-        </p:nvSpPr>
-        <p:spPr/>
-        <p:txBody>
-          <a:bodyPr/>
-          <a:lstStyle/>
-          <a:p>
+          <p:cNvPr id="3" name="Объект 2"/>
+          <p:cNvSpPr>
+            <a:spLocks noGrp="1"/>
+          </p:cNvSpPr>
+          <p:nvPr>
+            <p:ph idx="1"/>
+          </p:nvPr>
+        </p:nvSpPr>
+        <p:spPr>
+          <a:xfrm>
+            <a:off x="838200" y="556591"/>
+            <a:ext cx="10515600" cy="675861"/>
+          </a:xfrm>
+        </p:spPr>
+        <p:txBody>
+          <a:bodyPr/>
+          <a:lstStyle/>
+          <a:p>
+            <a:r>
+              <a:rPr lang="ru-RU" dirty="0" smtClean="0"/>
+              <a:t>Добавьте в метод </a:t>
+            </a:r>
             <a:r>
               <a:rPr lang="en-US" dirty="0" smtClean="0"/>
-              <a:t>View</a:t>
-            </a:r>
-            <a:endParaRPr lang="en-GB" dirty="0"/>
-          </a:p>
-        </p:txBody>
-      </p:sp>
-      <p:sp>
-        <p:nvSpPr>
-          <p:cNvPr id="3" name="Объект 2"/>
-          <p:cNvSpPr>
-            <a:spLocks noGrp="1"/>
-          </p:cNvSpPr>
-          <p:nvPr>
-            <p:ph idx="1"/>
-          </p:nvPr>
-        </p:nvSpPr>
-        <p:spPr/>
-        <p:txBody>
-          <a:bodyPr/>
-          <a:lstStyle/>
-          <a:p>
+              <a:t>Main</a:t>
+            </a:r>
+            <a:r>
+              <a:rPr lang="ru-RU" dirty="0" smtClean="0"/>
+              <a:t> класса </a:t>
+            </a:r>
             <a:r>
               <a:rPr lang="en-US" dirty="0" smtClean="0"/>
-              <a:t>To do: insert the picture of our application here</a:t>
-            </a:r>
-            <a:endParaRPr lang="en-GB" dirty="0"/>
+              <a:t>Program </a:t>
+            </a:r>
+            <a:r>
+              <a:rPr lang="ru-RU" dirty="0" smtClean="0"/>
+              <a:t>следующие две строки:</a:t>
+            </a:r>
+          </a:p>
+          <a:p>
+            <a:endParaRPr lang="ru-RU" dirty="0"/>
+          </a:p>
+          <a:p>
+            <a:endParaRPr lang="ru-RU" dirty="0"/>
           </a:p>
         </p:txBody>
       </p:sp>
@@ -8714,10 +11400,511 @@
           </a:p>
         </p:txBody>
       </p:sp>
+      <p:sp>
+        <p:nvSpPr>
+          <p:cNvPr id="7" name="Прямоугольник 6"/>
+          <p:cNvSpPr/>
+          <p:nvPr/>
+        </p:nvSpPr>
+        <p:spPr>
+          <a:xfrm>
+            <a:off x="1" y="0"/>
+            <a:ext cx="12192000" cy="296333"/>
+          </a:xfrm>
+          <a:prstGeom prst="rect">
+            <a:avLst/>
+          </a:prstGeom>
+        </p:spPr>
+        <p:style>
+          <a:lnRef idx="0">
+            <a:schemeClr val="accent6"/>
+          </a:lnRef>
+          <a:fillRef idx="3">
+            <a:schemeClr val="accent6"/>
+          </a:fillRef>
+          <a:effectRef idx="3">
+            <a:schemeClr val="accent6"/>
+          </a:effectRef>
+          <a:fontRef idx="minor">
+            <a:schemeClr val="lt1"/>
+          </a:fontRef>
+        </p:style>
+        <p:txBody>
+          <a:bodyPr rtlCol="0" anchor="ctr"/>
+          <a:lstStyle/>
+          <a:p>
+            <a:pPr algn="ctr"/>
+            <a:r>
+              <a:rPr lang="en-US" dirty="0" smtClean="0"/>
+              <a:t>Hello world!</a:t>
+            </a:r>
+            <a:endParaRPr lang="en-GB" dirty="0"/>
+          </a:p>
+        </p:txBody>
+      </p:sp>
+      <p:graphicFrame>
+        <p:nvGraphicFramePr>
+          <p:cNvPr id="8" name="Таблица 7"/>
+          <p:cNvGraphicFramePr>
+            <a:graphicFrameLocks noGrp="1"/>
+          </p:cNvGraphicFramePr>
+          <p:nvPr>
+            <p:extLst>
+              <p:ext uri="{D42A27DB-BD31-4B8C-83A1-F6EECF244321}">
+                <p14:modId xmlns:p14="http://schemas.microsoft.com/office/powerpoint/2010/main" val="3844347937"/>
+              </p:ext>
+            </p:extLst>
+          </p:nvPr>
+        </p:nvGraphicFramePr>
+        <p:xfrm>
+          <a:off x="838200" y="1232452"/>
+          <a:ext cx="8128000" cy="640080"/>
+        </p:xfrm>
+        <a:graphic>
+          <a:graphicData uri="http://schemas.openxmlformats.org/drawingml/2006/table">
+            <a:tbl>
+              <a:tblPr firstRow="1" bandRow="1">
+                <a:tableStyleId>{5C22544A-7EE6-4342-B048-85BDC9FD1C3A}</a:tableStyleId>
+              </a:tblPr>
+              <a:tblGrid>
+                <a:gridCol w="8128000"/>
+              </a:tblGrid>
+              <a:tr h="370840">
+                <a:tc>
+                  <a:txBody>
+                    <a:bodyPr/>
+                    <a:lstStyle/>
+                    <a:p>
+                      <a:r>
+                        <a:rPr lang="en-GB" sz="1800" b="0" dirty="0" smtClean="0">
+                          <a:solidFill>
+                            <a:srgbClr val="000000"/>
+                          </a:solidFill>
+                          <a:highlight>
+                            <a:srgbClr val="FFFFFF"/>
+                          </a:highlight>
+                          <a:latin typeface="Consolas" panose="020B0609020204030204" pitchFamily="49" charset="0"/>
+                        </a:rPr>
+                        <a:t> </a:t>
+                      </a:r>
+                      <a:r>
+                        <a:rPr lang="en-GB" sz="1800" b="0" dirty="0" err="1" smtClean="0">
+                          <a:solidFill>
+                            <a:srgbClr val="2B91AF"/>
+                          </a:solidFill>
+                          <a:highlight>
+                            <a:srgbClr val="FFFFFF"/>
+                          </a:highlight>
+                          <a:latin typeface="Consolas" panose="020B0609020204030204" pitchFamily="49" charset="0"/>
+                        </a:rPr>
+                        <a:t>Console</a:t>
+                      </a:r>
+                      <a:r>
+                        <a:rPr lang="en-GB" sz="1800" b="0" dirty="0" err="1" smtClean="0">
+                          <a:solidFill>
+                            <a:srgbClr val="000000"/>
+                          </a:solidFill>
+                          <a:highlight>
+                            <a:srgbClr val="FFFFFF"/>
+                          </a:highlight>
+                          <a:latin typeface="Consolas" panose="020B0609020204030204" pitchFamily="49" charset="0"/>
+                        </a:rPr>
+                        <a:t>.WriteLine</a:t>
+                      </a:r>
+                      <a:r>
+                        <a:rPr lang="en-GB" sz="1800" b="0" dirty="0" smtClean="0">
+                          <a:solidFill>
+                            <a:srgbClr val="000000"/>
+                          </a:solidFill>
+                          <a:highlight>
+                            <a:srgbClr val="FFFFFF"/>
+                          </a:highlight>
+                          <a:latin typeface="Consolas" panose="020B0609020204030204" pitchFamily="49" charset="0"/>
+                        </a:rPr>
+                        <a:t>(</a:t>
+                      </a:r>
+                      <a:r>
+                        <a:rPr lang="en-GB" sz="1800" b="0" dirty="0" smtClean="0">
+                          <a:solidFill>
+                            <a:srgbClr val="A31515"/>
+                          </a:solidFill>
+                          <a:highlight>
+                            <a:srgbClr val="FFFFFF"/>
+                          </a:highlight>
+                          <a:latin typeface="Consolas" panose="020B0609020204030204" pitchFamily="49" charset="0"/>
+                        </a:rPr>
+                        <a:t>"Hello world!"</a:t>
+                      </a:r>
+                      <a:r>
+                        <a:rPr lang="en-GB" sz="1800" b="0" dirty="0" smtClean="0">
+                          <a:solidFill>
+                            <a:srgbClr val="000000"/>
+                          </a:solidFill>
+                          <a:highlight>
+                            <a:srgbClr val="FFFFFF"/>
+                          </a:highlight>
+                          <a:latin typeface="Consolas" panose="020B0609020204030204" pitchFamily="49" charset="0"/>
+                        </a:rPr>
+                        <a:t>);</a:t>
+                      </a:r>
+                    </a:p>
+                    <a:p>
+                      <a:r>
+                        <a:rPr lang="en-GB" sz="1800" b="0" dirty="0" smtClean="0">
+                          <a:solidFill>
+                            <a:srgbClr val="000000"/>
+                          </a:solidFill>
+                          <a:highlight>
+                            <a:srgbClr val="FFFFFF"/>
+                          </a:highlight>
+                          <a:latin typeface="Consolas" panose="020B0609020204030204" pitchFamily="49" charset="0"/>
+                        </a:rPr>
+                        <a:t> </a:t>
+                      </a:r>
+                      <a:r>
+                        <a:rPr lang="en-GB" sz="1800" b="0" dirty="0" err="1" smtClean="0">
+                          <a:solidFill>
+                            <a:srgbClr val="2B91AF"/>
+                          </a:solidFill>
+                          <a:highlight>
+                            <a:srgbClr val="FFFFFF"/>
+                          </a:highlight>
+                          <a:latin typeface="Consolas" panose="020B0609020204030204" pitchFamily="49" charset="0"/>
+                        </a:rPr>
+                        <a:t>Console</a:t>
+                      </a:r>
+                      <a:r>
+                        <a:rPr lang="en-GB" sz="1800" b="0" dirty="0" err="1" smtClean="0">
+                          <a:solidFill>
+                            <a:srgbClr val="000000"/>
+                          </a:solidFill>
+                          <a:highlight>
+                            <a:srgbClr val="FFFFFF"/>
+                          </a:highlight>
+                          <a:latin typeface="Consolas" panose="020B0609020204030204" pitchFamily="49" charset="0"/>
+                        </a:rPr>
+                        <a:t>.ReadLine</a:t>
+                      </a:r>
+                      <a:r>
+                        <a:rPr lang="en-GB" sz="1800" b="0" dirty="0" smtClean="0">
+                          <a:solidFill>
+                            <a:srgbClr val="000000"/>
+                          </a:solidFill>
+                          <a:highlight>
+                            <a:srgbClr val="FFFFFF"/>
+                          </a:highlight>
+                          <a:latin typeface="Consolas" panose="020B0609020204030204" pitchFamily="49" charset="0"/>
+                        </a:rPr>
+                        <a:t>();</a:t>
+                      </a:r>
+                      <a:endParaRPr lang="en-GB" b="0" dirty="0"/>
+                    </a:p>
+                  </a:txBody>
+                  <a:tcPr>
+                    <a:solidFill>
+                      <a:schemeClr val="bg1"/>
+                    </a:solidFill>
+                  </a:tcPr>
+                </a:tc>
+              </a:tr>
+            </a:tbl>
+          </a:graphicData>
+        </a:graphic>
+      </p:graphicFrame>
+      <p:sp>
+        <p:nvSpPr>
+          <p:cNvPr id="9" name="Объект 2"/>
+          <p:cNvSpPr txBox="1">
+            <a:spLocks/>
+          </p:cNvSpPr>
+          <p:nvPr/>
+        </p:nvSpPr>
+        <p:spPr>
+          <a:xfrm>
+            <a:off x="838200" y="2023393"/>
+            <a:ext cx="10515600" cy="4165371"/>
+          </a:xfrm>
+          <a:prstGeom prst="rect">
+            <a:avLst/>
+          </a:prstGeom>
+        </p:spPr>
+        <p:txBody>
+          <a:bodyPr vert="horz" lIns="91440" tIns="45720" rIns="91440" bIns="45720" rtlCol="0">
+            <a:normAutofit/>
+          </a:bodyPr>
+          <a:lstStyle>
+            <a:lvl1pPr marL="228600" indent="-228600" algn="l" defTabSz="914400" rtl="0" eaLnBrk="1" latinLnBrk="0" hangingPunct="1">
+              <a:lnSpc>
+                <a:spcPct val="90000"/>
+              </a:lnSpc>
+              <a:spcBef>
+                <a:spcPts val="1000"/>
+              </a:spcBef>
+              <a:buFont typeface="Arial" panose="020B0604020202020204" pitchFamily="34" charset="0"/>
+              <a:buChar char="•"/>
+              <a:defRPr sz="2800" kern="1200">
+                <a:solidFill>
+                  <a:schemeClr val="tx1"/>
+                </a:solidFill>
+                <a:latin typeface="+mn-lt"/>
+                <a:ea typeface="+mn-ea"/>
+                <a:cs typeface="+mn-cs"/>
+              </a:defRPr>
+            </a:lvl1pPr>
+            <a:lvl2pPr marL="685800" indent="-228600" algn="l" defTabSz="914400" rtl="0" eaLnBrk="1" latinLnBrk="0" hangingPunct="1">
+              <a:lnSpc>
+                <a:spcPct val="90000"/>
+              </a:lnSpc>
+              <a:spcBef>
+                <a:spcPts val="500"/>
+              </a:spcBef>
+              <a:buFont typeface="Arial" panose="020B0604020202020204" pitchFamily="34" charset="0"/>
+              <a:buChar char="•"/>
+              <a:defRPr sz="2400" kern="1200">
+                <a:solidFill>
+                  <a:schemeClr val="tx1"/>
+                </a:solidFill>
+                <a:latin typeface="+mn-lt"/>
+                <a:ea typeface="+mn-ea"/>
+                <a:cs typeface="+mn-cs"/>
+              </a:defRPr>
+            </a:lvl2pPr>
+            <a:lvl3pPr marL="1143000" indent="-228600" algn="l" defTabSz="914400" rtl="0" eaLnBrk="1" latinLnBrk="0" hangingPunct="1">
+              <a:lnSpc>
+                <a:spcPct val="90000"/>
+              </a:lnSpc>
+              <a:spcBef>
+                <a:spcPts val="500"/>
+              </a:spcBef>
+              <a:buFont typeface="Arial" panose="020B0604020202020204" pitchFamily="34" charset="0"/>
+              <a:buChar char="•"/>
+              <a:defRPr sz="2000" kern="1200">
+                <a:solidFill>
+                  <a:schemeClr val="tx1"/>
+                </a:solidFill>
+                <a:latin typeface="+mn-lt"/>
+                <a:ea typeface="+mn-ea"/>
+                <a:cs typeface="+mn-cs"/>
+              </a:defRPr>
+            </a:lvl3pPr>
+            <a:lvl4pPr marL="1600200" indent="-228600" algn="l" defTabSz="914400" rtl="0" eaLnBrk="1" latinLnBrk="0" hangingPunct="1">
+              <a:lnSpc>
+                <a:spcPct val="90000"/>
+              </a:lnSpc>
+              <a:spcBef>
+                <a:spcPts val="500"/>
+              </a:spcBef>
+              <a:buFont typeface="Arial" panose="020B0604020202020204" pitchFamily="34" charset="0"/>
+              <a:buChar char="•"/>
+              <a:defRPr sz="1800" kern="1200">
+                <a:solidFill>
+                  <a:schemeClr val="tx1"/>
+                </a:solidFill>
+                <a:latin typeface="+mn-lt"/>
+                <a:ea typeface="+mn-ea"/>
+                <a:cs typeface="+mn-cs"/>
+              </a:defRPr>
+            </a:lvl4pPr>
+            <a:lvl5pPr marL="2057400" indent="-228600" algn="l" defTabSz="914400" rtl="0" eaLnBrk="1" latinLnBrk="0" hangingPunct="1">
+              <a:lnSpc>
+                <a:spcPct val="90000"/>
+              </a:lnSpc>
+              <a:spcBef>
+                <a:spcPts val="500"/>
+              </a:spcBef>
+              <a:buFont typeface="Arial" panose="020B0604020202020204" pitchFamily="34" charset="0"/>
+              <a:buChar char="•"/>
+              <a:defRPr sz="1800" kern="1200">
+                <a:solidFill>
+                  <a:schemeClr val="tx1"/>
+                </a:solidFill>
+                <a:latin typeface="+mn-lt"/>
+                <a:ea typeface="+mn-ea"/>
+                <a:cs typeface="+mn-cs"/>
+              </a:defRPr>
+            </a:lvl5pPr>
+            <a:lvl6pPr marL="2514600" indent="-228600" algn="l" defTabSz="914400" rtl="0" eaLnBrk="1" latinLnBrk="0" hangingPunct="1">
+              <a:lnSpc>
+                <a:spcPct val="90000"/>
+              </a:lnSpc>
+              <a:spcBef>
+                <a:spcPts val="500"/>
+              </a:spcBef>
+              <a:buFont typeface="Arial" panose="020B0604020202020204" pitchFamily="34" charset="0"/>
+              <a:buChar char="•"/>
+              <a:defRPr sz="1800" kern="1200">
+                <a:solidFill>
+                  <a:schemeClr val="tx1"/>
+                </a:solidFill>
+                <a:latin typeface="+mn-lt"/>
+                <a:ea typeface="+mn-ea"/>
+                <a:cs typeface="+mn-cs"/>
+              </a:defRPr>
+            </a:lvl6pPr>
+            <a:lvl7pPr marL="2971800" indent="-228600" algn="l" defTabSz="914400" rtl="0" eaLnBrk="1" latinLnBrk="0" hangingPunct="1">
+              <a:lnSpc>
+                <a:spcPct val="90000"/>
+              </a:lnSpc>
+              <a:spcBef>
+                <a:spcPts val="500"/>
+              </a:spcBef>
+              <a:buFont typeface="Arial" panose="020B0604020202020204" pitchFamily="34" charset="0"/>
+              <a:buChar char="•"/>
+              <a:defRPr sz="1800" kern="1200">
+                <a:solidFill>
+                  <a:schemeClr val="tx1"/>
+                </a:solidFill>
+                <a:latin typeface="+mn-lt"/>
+                <a:ea typeface="+mn-ea"/>
+                <a:cs typeface="+mn-cs"/>
+              </a:defRPr>
+            </a:lvl7pPr>
+            <a:lvl8pPr marL="3429000" indent="-228600" algn="l" defTabSz="914400" rtl="0" eaLnBrk="1" latinLnBrk="0" hangingPunct="1">
+              <a:lnSpc>
+                <a:spcPct val="90000"/>
+              </a:lnSpc>
+              <a:spcBef>
+                <a:spcPts val="500"/>
+              </a:spcBef>
+              <a:buFont typeface="Arial" panose="020B0604020202020204" pitchFamily="34" charset="0"/>
+              <a:buChar char="•"/>
+              <a:defRPr sz="1800" kern="1200">
+                <a:solidFill>
+                  <a:schemeClr val="tx1"/>
+                </a:solidFill>
+                <a:latin typeface="+mn-lt"/>
+                <a:ea typeface="+mn-ea"/>
+                <a:cs typeface="+mn-cs"/>
+              </a:defRPr>
+            </a:lvl8pPr>
+            <a:lvl9pPr marL="3886200" indent="-228600" algn="l" defTabSz="914400" rtl="0" eaLnBrk="1" latinLnBrk="0" hangingPunct="1">
+              <a:lnSpc>
+                <a:spcPct val="90000"/>
+              </a:lnSpc>
+              <a:spcBef>
+                <a:spcPts val="500"/>
+              </a:spcBef>
+              <a:buFont typeface="Arial" panose="020B0604020202020204" pitchFamily="34" charset="0"/>
+              <a:buChar char="•"/>
+              <a:defRPr sz="1800" kern="1200">
+                <a:solidFill>
+                  <a:schemeClr val="tx1"/>
+                </a:solidFill>
+                <a:latin typeface="+mn-lt"/>
+                <a:ea typeface="+mn-ea"/>
+                <a:cs typeface="+mn-cs"/>
+              </a:defRPr>
+            </a:lvl9pPr>
+          </a:lstStyle>
+          <a:p>
+            <a:r>
+              <a:rPr lang="ru-RU" dirty="0" smtClean="0"/>
+              <a:t>Запустите приложение в режиме отладки, выполнив	</a:t>
+            </a:r>
+          </a:p>
+          <a:p>
+            <a:pPr marL="0" indent="0">
+              <a:buNone/>
+            </a:pPr>
+            <a:r>
+              <a:rPr lang="ru-RU" dirty="0"/>
+              <a:t>	</a:t>
+            </a:r>
+            <a:r>
+              <a:rPr lang="en-US" dirty="0" smtClean="0"/>
+              <a:t>DEBUG-&gt;Start Debugging</a:t>
+            </a:r>
+            <a:endParaRPr lang="ru-RU" dirty="0" smtClean="0"/>
+          </a:p>
+          <a:p>
+            <a:pPr marL="0" indent="0">
+              <a:buNone/>
+            </a:pPr>
+            <a:r>
+              <a:rPr lang="ru-RU" dirty="0" smtClean="0"/>
+              <a:t>	или</a:t>
+            </a:r>
+          </a:p>
+          <a:p>
+            <a:pPr marL="0" indent="0">
+              <a:buNone/>
+            </a:pPr>
+            <a:r>
+              <a:rPr lang="ru-RU" dirty="0" smtClean="0"/>
+              <a:t>	нажмите </a:t>
+            </a:r>
+            <a:r>
+              <a:rPr lang="en-US" dirty="0" smtClean="0"/>
+              <a:t>F5</a:t>
+            </a:r>
+          </a:p>
+          <a:p>
+            <a:pPr marL="0" indent="0">
+              <a:buNone/>
+            </a:pPr>
+            <a:r>
+              <a:rPr lang="ru-RU" dirty="0" smtClean="0"/>
+              <a:t>	или</a:t>
+            </a:r>
+          </a:p>
+          <a:p>
+            <a:pPr marL="0" indent="0">
+              <a:buNone/>
+            </a:pPr>
+            <a:r>
+              <a:rPr lang="ru-RU" dirty="0" smtClean="0"/>
+              <a:t>	нажмите на кнопку </a:t>
+            </a:r>
+            <a:endParaRPr lang="en-US" dirty="0" smtClean="0"/>
+          </a:p>
+          <a:p>
+            <a:pPr marL="0" indent="0">
+              <a:buNone/>
+            </a:pPr>
+            <a:endParaRPr lang="en-US" dirty="0" smtClean="0"/>
+          </a:p>
+          <a:p>
+            <a:pPr marL="0" indent="0">
+              <a:buNone/>
+            </a:pPr>
+            <a:endParaRPr lang="ru-RU" dirty="0" smtClean="0"/>
+          </a:p>
+          <a:p>
+            <a:endParaRPr lang="ru-RU" dirty="0" smtClean="0"/>
+          </a:p>
+          <a:p>
+            <a:endParaRPr lang="ru-RU" dirty="0"/>
+          </a:p>
+        </p:txBody>
+      </p:sp>
+      <p:pic>
+        <p:nvPicPr>
+          <p:cNvPr id="10" name="Рисунок 9"/>
+          <p:cNvPicPr>
+            <a:picLocks noChangeAspect="1"/>
+          </p:cNvPicPr>
+          <p:nvPr/>
+        </p:nvPicPr>
+        <p:blipFill>
+          <a:blip r:embed="rId2"/>
+          <a:stretch>
+            <a:fillRect/>
+          </a:stretch>
+        </p:blipFill>
+        <p:spPr>
+          <a:xfrm>
+            <a:off x="4902200" y="4652389"/>
+            <a:ext cx="835991" cy="366663"/>
+          </a:xfrm>
+          <a:prstGeom prst="rect">
+            <a:avLst/>
+          </a:prstGeom>
+        </p:spPr>
+      </p:pic>
     </p:spTree>
     <p:extLst>
       <p:ext uri="{BB962C8B-B14F-4D97-AF65-F5344CB8AC3E}">
-        <p14:creationId xmlns:p14="http://schemas.microsoft.com/office/powerpoint/2010/main" val="1423666613"/>
+        <p14:creationId xmlns:p14="http://schemas.microsoft.com/office/powerpoint/2010/main" val="1948914661"/>
       </p:ext>
     </p:extLst>
   </p:cSld>
@@ -8753,56 +11940,6 @@
       </p:grpSpPr>
       <p:sp>
         <p:nvSpPr>
-          <p:cNvPr id="2" name="Заголовок 1"/>
-          <p:cNvSpPr>
-            <a:spLocks noGrp="1"/>
-          </p:cNvSpPr>
-          <p:nvPr>
-            <p:ph type="title"/>
-          </p:nvPr>
-        </p:nvSpPr>
-        <p:spPr/>
-        <p:txBody>
-          <a:bodyPr/>
-          <a:lstStyle/>
-          <a:p>
-            <a:r>
-              <a:rPr lang="en-US" dirty="0" smtClean="0"/>
-              <a:t>Model – </a:t>
-            </a:r>
-            <a:r>
-              <a:rPr lang="ru-RU" dirty="0" smtClean="0"/>
-              <a:t>это класс</a:t>
-            </a:r>
-            <a:endParaRPr lang="en-GB" dirty="0"/>
-          </a:p>
-        </p:txBody>
-      </p:sp>
-      <p:sp>
-        <p:nvSpPr>
-          <p:cNvPr id="3" name="Объект 2"/>
-          <p:cNvSpPr>
-            <a:spLocks noGrp="1"/>
-          </p:cNvSpPr>
-          <p:nvPr>
-            <p:ph idx="1"/>
-          </p:nvPr>
-        </p:nvSpPr>
-        <p:spPr/>
-        <p:txBody>
-          <a:bodyPr/>
-          <a:lstStyle/>
-          <a:p>
-            <a:r>
-              <a:rPr lang="en-US" dirty="0" smtClean="0"/>
-              <a:t>To do: insert the class of user here</a:t>
-            </a:r>
-            <a:endParaRPr lang="en-GB" dirty="0"/>
-          </a:p>
-        </p:txBody>
-      </p:sp>
-      <p:sp>
-        <p:nvSpPr>
           <p:cNvPr id="4" name="Дата 3"/>
           <p:cNvSpPr>
             <a:spLocks noGrp="1"/>
@@ -8870,10 +12007,603 @@
           </a:p>
         </p:txBody>
       </p:sp>
+      <p:sp>
+        <p:nvSpPr>
+          <p:cNvPr id="7" name="Прямоугольник 6"/>
+          <p:cNvSpPr/>
+          <p:nvPr/>
+        </p:nvSpPr>
+        <p:spPr>
+          <a:xfrm>
+            <a:off x="1" y="0"/>
+            <a:ext cx="12192000" cy="296333"/>
+          </a:xfrm>
+          <a:prstGeom prst="rect">
+            <a:avLst/>
+          </a:prstGeom>
+        </p:spPr>
+        <p:style>
+          <a:lnRef idx="0">
+            <a:schemeClr val="accent5"/>
+          </a:lnRef>
+          <a:fillRef idx="3">
+            <a:schemeClr val="accent5"/>
+          </a:fillRef>
+          <a:effectRef idx="3">
+            <a:schemeClr val="accent5"/>
+          </a:effectRef>
+          <a:fontRef idx="minor">
+            <a:schemeClr val="lt1"/>
+          </a:fontRef>
+        </p:style>
+        <p:txBody>
+          <a:bodyPr rtlCol="0" anchor="ctr"/>
+          <a:lstStyle/>
+          <a:p>
+            <a:pPr algn="ctr"/>
+            <a:r>
+              <a:rPr lang="ru-RU" dirty="0" smtClean="0"/>
+              <a:t>Целочисленные переменные</a:t>
+            </a:r>
+            <a:endParaRPr lang="en-GB" dirty="0"/>
+          </a:p>
+        </p:txBody>
+      </p:sp>
+      <p:graphicFrame>
+        <p:nvGraphicFramePr>
+          <p:cNvPr id="8" name="Таблица 7"/>
+          <p:cNvGraphicFramePr>
+            <a:graphicFrameLocks noGrp="1"/>
+          </p:cNvGraphicFramePr>
+          <p:nvPr>
+            <p:extLst>
+              <p:ext uri="{D42A27DB-BD31-4B8C-83A1-F6EECF244321}">
+                <p14:modId xmlns:p14="http://schemas.microsoft.com/office/powerpoint/2010/main" val="502489900"/>
+              </p:ext>
+            </p:extLst>
+          </p:nvPr>
+        </p:nvGraphicFramePr>
+        <p:xfrm>
+          <a:off x="1033670" y="719666"/>
+          <a:ext cx="6573078" cy="3383280"/>
+        </p:xfrm>
+        <a:graphic>
+          <a:graphicData uri="http://schemas.openxmlformats.org/drawingml/2006/table">
+            <a:tbl>
+              <a:tblPr firstRow="1" bandRow="1">
+                <a:tableStyleId>{5C22544A-7EE6-4342-B048-85BDC9FD1C3A}</a:tableStyleId>
+              </a:tblPr>
+              <a:tblGrid>
+                <a:gridCol w="6573078"/>
+              </a:tblGrid>
+              <a:tr h="370840">
+                <a:tc>
+                  <a:txBody>
+                    <a:bodyPr/>
+                    <a:lstStyle/>
+                    <a:p>
+                      <a:r>
+                        <a:rPr lang="en-GB" sz="1800" b="0" dirty="0" err="1" smtClean="0">
+                          <a:solidFill>
+                            <a:srgbClr val="0000FF"/>
+                          </a:solidFill>
+                          <a:highlight>
+                            <a:srgbClr val="FFFFFF"/>
+                          </a:highlight>
+                          <a:latin typeface="Consolas" panose="020B0609020204030204" pitchFamily="49" charset="0"/>
+                        </a:rPr>
+                        <a:t>int</a:t>
+                      </a:r>
+                      <a:r>
+                        <a:rPr lang="en-GB" sz="1800" b="0" dirty="0" smtClean="0">
+                          <a:solidFill>
+                            <a:srgbClr val="000000"/>
+                          </a:solidFill>
+                          <a:highlight>
+                            <a:srgbClr val="FFFFFF"/>
+                          </a:highlight>
+                          <a:latin typeface="Consolas" panose="020B0609020204030204" pitchFamily="49" charset="0"/>
+                        </a:rPr>
+                        <a:t> a = 2;</a:t>
+                      </a:r>
+                    </a:p>
+                    <a:p>
+                      <a:r>
+                        <a:rPr lang="en-GB" sz="1800" b="0" dirty="0" err="1" smtClean="0">
+                          <a:solidFill>
+                            <a:srgbClr val="0000FF"/>
+                          </a:solidFill>
+                          <a:highlight>
+                            <a:srgbClr val="FFFFFF"/>
+                          </a:highlight>
+                          <a:latin typeface="Consolas" panose="020B0609020204030204" pitchFamily="49" charset="0"/>
+                        </a:rPr>
+                        <a:t>int</a:t>
+                      </a:r>
+                      <a:r>
+                        <a:rPr lang="en-GB" sz="1800" b="0" dirty="0" smtClean="0">
+                          <a:solidFill>
+                            <a:srgbClr val="000000"/>
+                          </a:solidFill>
+                          <a:highlight>
+                            <a:srgbClr val="FFFFFF"/>
+                          </a:highlight>
+                          <a:latin typeface="Consolas" panose="020B0609020204030204" pitchFamily="49" charset="0"/>
+                        </a:rPr>
+                        <a:t> b = 3;</a:t>
+                      </a:r>
+                    </a:p>
+                    <a:p>
+                      <a:r>
+                        <a:rPr lang="en-GB" sz="1800" b="0" dirty="0" err="1" smtClean="0">
+                          <a:solidFill>
+                            <a:srgbClr val="0000FF"/>
+                          </a:solidFill>
+                          <a:highlight>
+                            <a:srgbClr val="FFFFFF"/>
+                          </a:highlight>
+                          <a:latin typeface="Consolas" panose="020B0609020204030204" pitchFamily="49" charset="0"/>
+                        </a:rPr>
+                        <a:t>int</a:t>
+                      </a:r>
+                      <a:r>
+                        <a:rPr lang="en-GB" sz="1800" b="0" dirty="0" smtClean="0">
+                          <a:solidFill>
+                            <a:srgbClr val="000000"/>
+                          </a:solidFill>
+                          <a:highlight>
+                            <a:srgbClr val="FFFFFF"/>
+                          </a:highlight>
+                          <a:latin typeface="Consolas" panose="020B0609020204030204" pitchFamily="49" charset="0"/>
+                        </a:rPr>
+                        <a:t> c = 5, d = 6;</a:t>
+                      </a:r>
+                      <a:endParaRPr lang="ru-RU" sz="1800" b="0" dirty="0" smtClean="0">
+                        <a:solidFill>
+                          <a:srgbClr val="000000"/>
+                        </a:solidFill>
+                        <a:highlight>
+                          <a:srgbClr val="FFFFFF"/>
+                        </a:highlight>
+                        <a:latin typeface="Consolas" panose="020B0609020204030204" pitchFamily="49" charset="0"/>
+                      </a:endParaRPr>
+                    </a:p>
+                    <a:p>
+                      <a:r>
+                        <a:rPr lang="en-GB" sz="1800" b="0" dirty="0" err="1" smtClean="0">
+                          <a:solidFill>
+                            <a:srgbClr val="0000FF"/>
+                          </a:solidFill>
+                          <a:highlight>
+                            <a:srgbClr val="FFFFFF"/>
+                          </a:highlight>
+                          <a:latin typeface="Consolas" panose="020B0609020204030204" pitchFamily="49" charset="0"/>
+                        </a:rPr>
+                        <a:t>int</a:t>
+                      </a:r>
+                      <a:r>
+                        <a:rPr lang="en-GB" sz="1800" b="0" dirty="0" smtClean="0">
+                          <a:solidFill>
+                            <a:srgbClr val="000000"/>
+                          </a:solidFill>
+                          <a:highlight>
+                            <a:srgbClr val="FFFFFF"/>
+                          </a:highlight>
+                          <a:latin typeface="Consolas" panose="020B0609020204030204" pitchFamily="49" charset="0"/>
+                        </a:rPr>
+                        <a:t> sum = a + b;</a:t>
+                      </a:r>
+                    </a:p>
+                    <a:p>
+                      <a:r>
+                        <a:rPr lang="en-GB" sz="1800" b="0" dirty="0" err="1" smtClean="0">
+                          <a:solidFill>
+                            <a:srgbClr val="0000FF"/>
+                          </a:solidFill>
+                          <a:highlight>
+                            <a:srgbClr val="FFFFFF"/>
+                          </a:highlight>
+                          <a:latin typeface="Consolas" panose="020B0609020204030204" pitchFamily="49" charset="0"/>
+                        </a:rPr>
+                        <a:t>var</a:t>
+                      </a:r>
+                      <a:r>
+                        <a:rPr lang="en-GB" sz="1800" b="0" dirty="0" smtClean="0">
+                          <a:solidFill>
+                            <a:srgbClr val="000000"/>
+                          </a:solidFill>
+                          <a:highlight>
+                            <a:srgbClr val="FFFFFF"/>
+                          </a:highlight>
+                          <a:latin typeface="Consolas" panose="020B0609020204030204" pitchFamily="49" charset="0"/>
+                        </a:rPr>
+                        <a:t> result = c - </a:t>
+                      </a:r>
+                      <a:r>
+                        <a:rPr lang="en-US" sz="1800" b="0" dirty="0" smtClean="0">
+                          <a:solidFill>
+                            <a:srgbClr val="000000"/>
+                          </a:solidFill>
+                          <a:highlight>
+                            <a:srgbClr val="FFFFFF"/>
+                          </a:highlight>
+                          <a:latin typeface="Consolas" panose="020B0609020204030204" pitchFamily="49" charset="0"/>
+                        </a:rPr>
+                        <a:t>d</a:t>
+                      </a:r>
+                      <a:r>
+                        <a:rPr lang="en-GB" sz="1800" b="0" dirty="0" smtClean="0">
+                          <a:solidFill>
+                            <a:srgbClr val="000000"/>
+                          </a:solidFill>
+                          <a:highlight>
+                            <a:srgbClr val="FFFFFF"/>
+                          </a:highlight>
+                          <a:latin typeface="Consolas" panose="020B0609020204030204" pitchFamily="49" charset="0"/>
+                        </a:rPr>
+                        <a:t>;</a:t>
+                      </a:r>
+                    </a:p>
+                    <a:p>
+                      <a:endParaRPr lang="en-GB" sz="1800" b="0" dirty="0" smtClean="0">
+                        <a:solidFill>
+                          <a:srgbClr val="000000"/>
+                        </a:solidFill>
+                        <a:highlight>
+                          <a:srgbClr val="FFFFFF"/>
+                        </a:highlight>
+                        <a:latin typeface="Consolas" panose="020B0609020204030204" pitchFamily="49" charset="0"/>
+                      </a:endParaRPr>
+                    </a:p>
+                    <a:p>
+                      <a:r>
+                        <a:rPr lang="en-GB" sz="1800" b="0" dirty="0" err="1" smtClean="0">
+                          <a:solidFill>
+                            <a:srgbClr val="2B91AF"/>
+                          </a:solidFill>
+                          <a:highlight>
+                            <a:srgbClr val="FFFFFF"/>
+                          </a:highlight>
+                          <a:latin typeface="Consolas" panose="020B0609020204030204" pitchFamily="49" charset="0"/>
+                        </a:rPr>
+                        <a:t>Console</a:t>
+                      </a:r>
+                      <a:r>
+                        <a:rPr lang="en-GB" sz="1800" b="0" dirty="0" err="1" smtClean="0">
+                          <a:solidFill>
+                            <a:srgbClr val="000000"/>
+                          </a:solidFill>
+                          <a:highlight>
+                            <a:srgbClr val="FFFFFF"/>
+                          </a:highlight>
+                          <a:latin typeface="Consolas" panose="020B0609020204030204" pitchFamily="49" charset="0"/>
+                        </a:rPr>
+                        <a:t>.WriteLine</a:t>
+                      </a:r>
+                      <a:r>
+                        <a:rPr lang="en-GB" sz="1800" b="0" dirty="0" smtClean="0">
+                          <a:solidFill>
+                            <a:srgbClr val="000000"/>
+                          </a:solidFill>
+                          <a:highlight>
+                            <a:srgbClr val="FFFFFF"/>
+                          </a:highlight>
+                          <a:latin typeface="Consolas" panose="020B0609020204030204" pitchFamily="49" charset="0"/>
+                        </a:rPr>
+                        <a:t>(a);</a:t>
+                      </a:r>
+                    </a:p>
+                    <a:p>
+                      <a:r>
+                        <a:rPr lang="en-GB" sz="1800" b="0" dirty="0" err="1" smtClean="0">
+                          <a:solidFill>
+                            <a:srgbClr val="2B91AF"/>
+                          </a:solidFill>
+                          <a:highlight>
+                            <a:srgbClr val="FFFFFF"/>
+                          </a:highlight>
+                          <a:latin typeface="Consolas" panose="020B0609020204030204" pitchFamily="49" charset="0"/>
+                        </a:rPr>
+                        <a:t>Console</a:t>
+                      </a:r>
+                      <a:r>
+                        <a:rPr lang="en-GB" sz="1800" b="0" dirty="0" err="1" smtClean="0">
+                          <a:solidFill>
+                            <a:srgbClr val="000000"/>
+                          </a:solidFill>
+                          <a:highlight>
+                            <a:srgbClr val="FFFFFF"/>
+                          </a:highlight>
+                          <a:latin typeface="Consolas" panose="020B0609020204030204" pitchFamily="49" charset="0"/>
+                        </a:rPr>
+                        <a:t>.WriteLine</a:t>
+                      </a:r>
+                      <a:r>
+                        <a:rPr lang="en-GB" sz="1800" b="0" dirty="0" smtClean="0">
+                          <a:solidFill>
+                            <a:srgbClr val="000000"/>
+                          </a:solidFill>
+                          <a:highlight>
+                            <a:srgbClr val="FFFFFF"/>
+                          </a:highlight>
+                          <a:latin typeface="Consolas" panose="020B0609020204030204" pitchFamily="49" charset="0"/>
+                        </a:rPr>
+                        <a:t>(a + b);</a:t>
+                      </a:r>
+                    </a:p>
+                    <a:p>
+                      <a:r>
+                        <a:rPr lang="en-GB" sz="1800" b="0" dirty="0" err="1" smtClean="0">
+                          <a:solidFill>
+                            <a:srgbClr val="2B91AF"/>
+                          </a:solidFill>
+                          <a:highlight>
+                            <a:srgbClr val="FFFFFF"/>
+                          </a:highlight>
+                          <a:latin typeface="Consolas" panose="020B0609020204030204" pitchFamily="49" charset="0"/>
+                        </a:rPr>
+                        <a:t>Console</a:t>
+                      </a:r>
+                      <a:r>
+                        <a:rPr lang="en-GB" sz="1800" b="0" dirty="0" err="1" smtClean="0">
+                          <a:solidFill>
+                            <a:srgbClr val="000000"/>
+                          </a:solidFill>
+                          <a:highlight>
+                            <a:srgbClr val="FFFFFF"/>
+                          </a:highlight>
+                          <a:latin typeface="Consolas" panose="020B0609020204030204" pitchFamily="49" charset="0"/>
+                        </a:rPr>
+                        <a:t>.WriteLine</a:t>
+                      </a:r>
+                      <a:r>
+                        <a:rPr lang="en-GB" sz="1800" b="0" dirty="0" smtClean="0">
+                          <a:solidFill>
+                            <a:srgbClr val="000000"/>
+                          </a:solidFill>
+                          <a:highlight>
+                            <a:srgbClr val="FFFFFF"/>
+                          </a:highlight>
+                          <a:latin typeface="Consolas" panose="020B0609020204030204" pitchFamily="49" charset="0"/>
+                        </a:rPr>
+                        <a:t>(sum);</a:t>
+                      </a:r>
+                    </a:p>
+                    <a:p>
+                      <a:r>
+                        <a:rPr lang="en-GB" sz="1800" b="0" dirty="0" err="1" smtClean="0">
+                          <a:solidFill>
+                            <a:srgbClr val="2B91AF"/>
+                          </a:solidFill>
+                          <a:highlight>
+                            <a:srgbClr val="FFFFFF"/>
+                          </a:highlight>
+                          <a:latin typeface="Consolas" panose="020B0609020204030204" pitchFamily="49" charset="0"/>
+                        </a:rPr>
+                        <a:t>Console</a:t>
+                      </a:r>
+                      <a:r>
+                        <a:rPr lang="en-GB" sz="1800" b="0" dirty="0" err="1" smtClean="0">
+                          <a:solidFill>
+                            <a:srgbClr val="000000"/>
+                          </a:solidFill>
+                          <a:highlight>
+                            <a:srgbClr val="FFFFFF"/>
+                          </a:highlight>
+                          <a:latin typeface="Consolas" panose="020B0609020204030204" pitchFamily="49" charset="0"/>
+                        </a:rPr>
+                        <a:t>.WriteLine</a:t>
+                      </a:r>
+                      <a:r>
+                        <a:rPr lang="en-GB" sz="1800" b="0" dirty="0" smtClean="0">
+                          <a:solidFill>
+                            <a:srgbClr val="000000"/>
+                          </a:solidFill>
+                          <a:highlight>
+                            <a:srgbClr val="FFFFFF"/>
+                          </a:highlight>
+                          <a:latin typeface="Consolas" panose="020B0609020204030204" pitchFamily="49" charset="0"/>
+                        </a:rPr>
+                        <a:t>(</a:t>
+                      </a:r>
+                      <a:r>
+                        <a:rPr lang="en-GB" sz="1800" b="0" dirty="0" smtClean="0">
+                          <a:solidFill>
+                            <a:srgbClr val="A31515"/>
+                          </a:solidFill>
+                          <a:highlight>
+                            <a:srgbClr val="FFFFFF"/>
+                          </a:highlight>
+                          <a:latin typeface="Consolas" panose="020B0609020204030204" pitchFamily="49" charset="0"/>
+                        </a:rPr>
+                        <a:t>"c = {0}, d = {1}"</a:t>
+                      </a:r>
+                      <a:r>
+                        <a:rPr lang="en-GB" sz="1800" b="0" dirty="0" smtClean="0">
+                          <a:solidFill>
+                            <a:srgbClr val="000000"/>
+                          </a:solidFill>
+                          <a:highlight>
+                            <a:srgbClr val="FFFFFF"/>
+                          </a:highlight>
+                          <a:latin typeface="Consolas" panose="020B0609020204030204" pitchFamily="49" charset="0"/>
+                        </a:rPr>
+                        <a:t>, </a:t>
+                      </a:r>
+                      <a:r>
+                        <a:rPr lang="en-GB" sz="1800" b="0" dirty="0" err="1" smtClean="0">
+                          <a:solidFill>
+                            <a:srgbClr val="000000"/>
+                          </a:solidFill>
+                          <a:highlight>
+                            <a:srgbClr val="FFFFFF"/>
+                          </a:highlight>
+                          <a:latin typeface="Consolas" panose="020B0609020204030204" pitchFamily="49" charset="0"/>
+                        </a:rPr>
+                        <a:t>c,d</a:t>
+                      </a:r>
+                      <a:r>
+                        <a:rPr lang="en-GB" sz="1800" b="0" dirty="0" smtClean="0">
+                          <a:solidFill>
+                            <a:srgbClr val="000000"/>
+                          </a:solidFill>
+                          <a:highlight>
+                            <a:srgbClr val="FFFFFF"/>
+                          </a:highlight>
+                          <a:latin typeface="Consolas" panose="020B0609020204030204" pitchFamily="49" charset="0"/>
+                        </a:rPr>
+                        <a:t>); </a:t>
+                      </a:r>
+                      <a:r>
+                        <a:rPr lang="en-GB" sz="1800" b="0" dirty="0" err="1" smtClean="0">
+                          <a:solidFill>
+                            <a:srgbClr val="2B91AF"/>
+                          </a:solidFill>
+                          <a:highlight>
+                            <a:srgbClr val="FFFFFF"/>
+                          </a:highlight>
+                          <a:latin typeface="Consolas" panose="020B0609020204030204" pitchFamily="49" charset="0"/>
+                        </a:rPr>
+                        <a:t>Console</a:t>
+                      </a:r>
+                      <a:r>
+                        <a:rPr lang="en-GB" sz="1800" b="0" dirty="0" err="1" smtClean="0">
+                          <a:solidFill>
+                            <a:srgbClr val="000000"/>
+                          </a:solidFill>
+                          <a:highlight>
+                            <a:srgbClr val="FFFFFF"/>
+                          </a:highlight>
+                          <a:latin typeface="Consolas" panose="020B0609020204030204" pitchFamily="49" charset="0"/>
+                        </a:rPr>
+                        <a:t>.WriteLine</a:t>
+                      </a:r>
+                      <a:r>
+                        <a:rPr lang="en-GB" sz="1800" b="0" dirty="0" smtClean="0">
+                          <a:solidFill>
+                            <a:srgbClr val="000000"/>
+                          </a:solidFill>
+                          <a:highlight>
+                            <a:srgbClr val="FFFFFF"/>
+                          </a:highlight>
+                          <a:latin typeface="Consolas" panose="020B0609020204030204" pitchFamily="49" charset="0"/>
+                        </a:rPr>
+                        <a:t>(</a:t>
+                      </a:r>
+                      <a:r>
+                        <a:rPr lang="en-GB" sz="1800" b="0" dirty="0" smtClean="0">
+                          <a:solidFill>
+                            <a:srgbClr val="A31515"/>
+                          </a:solidFill>
+                          <a:highlight>
+                            <a:srgbClr val="FFFFFF"/>
+                          </a:highlight>
+                          <a:latin typeface="Consolas" panose="020B0609020204030204" pitchFamily="49" charset="0"/>
+                        </a:rPr>
+                        <a:t>"result = {0}"</a:t>
+                      </a:r>
+                      <a:r>
+                        <a:rPr lang="en-GB" sz="1800" b="0" dirty="0" smtClean="0">
+                          <a:solidFill>
+                            <a:srgbClr val="000000"/>
+                          </a:solidFill>
+                          <a:highlight>
+                            <a:srgbClr val="FFFFFF"/>
+                          </a:highlight>
+                          <a:latin typeface="Consolas" panose="020B0609020204030204" pitchFamily="49" charset="0"/>
+                        </a:rPr>
+                        <a:t>, result);</a:t>
+                      </a:r>
+                    </a:p>
+                    <a:p>
+                      <a:r>
+                        <a:rPr lang="en-GB" sz="1800" b="0" dirty="0" err="1" smtClean="0">
+                          <a:solidFill>
+                            <a:srgbClr val="2B91AF"/>
+                          </a:solidFill>
+                          <a:highlight>
+                            <a:srgbClr val="FFFFFF"/>
+                          </a:highlight>
+                          <a:latin typeface="Consolas" panose="020B0609020204030204" pitchFamily="49" charset="0"/>
+                        </a:rPr>
+                        <a:t>Console</a:t>
+                      </a:r>
+                      <a:r>
+                        <a:rPr lang="en-GB" sz="1800" b="0" dirty="0" err="1" smtClean="0">
+                          <a:solidFill>
+                            <a:srgbClr val="000000"/>
+                          </a:solidFill>
+                          <a:highlight>
+                            <a:srgbClr val="FFFFFF"/>
+                          </a:highlight>
+                          <a:latin typeface="Consolas" panose="020B0609020204030204" pitchFamily="49" charset="0"/>
+                        </a:rPr>
+                        <a:t>.ReadLine</a:t>
+                      </a:r>
+                      <a:r>
+                        <a:rPr lang="en-GB" sz="1800" b="0" dirty="0" smtClean="0">
+                          <a:solidFill>
+                            <a:srgbClr val="000000"/>
+                          </a:solidFill>
+                          <a:highlight>
+                            <a:srgbClr val="FFFFFF"/>
+                          </a:highlight>
+                          <a:latin typeface="Consolas" panose="020B0609020204030204" pitchFamily="49" charset="0"/>
+                        </a:rPr>
+                        <a:t>();</a:t>
+                      </a:r>
+                      <a:endParaRPr lang="en-GB" b="0" dirty="0"/>
+                    </a:p>
+                  </a:txBody>
+                  <a:tcPr>
+                    <a:solidFill>
+                      <a:schemeClr val="bg1"/>
+                    </a:solidFill>
+                  </a:tcPr>
+                </a:tc>
+              </a:tr>
+            </a:tbl>
+          </a:graphicData>
+        </a:graphic>
+      </p:graphicFrame>
+      <p:pic>
+        <p:nvPicPr>
+          <p:cNvPr id="9" name="Рисунок 8"/>
+          <p:cNvPicPr>
+            <a:picLocks noChangeAspect="1"/>
+          </p:cNvPicPr>
+          <p:nvPr/>
+        </p:nvPicPr>
+        <p:blipFill>
+          <a:blip r:embed="rId3"/>
+          <a:stretch>
+            <a:fillRect/>
+          </a:stretch>
+        </p:blipFill>
+        <p:spPr>
+          <a:xfrm>
+            <a:off x="7833898" y="719666"/>
+            <a:ext cx="3362325" cy="3876675"/>
+          </a:xfrm>
+          <a:prstGeom prst="rect">
+            <a:avLst/>
+          </a:prstGeom>
+          <a:ln>
+            <a:noFill/>
+          </a:ln>
+          <a:effectLst>
+            <a:outerShdw blurRad="292100" dist="139700" dir="2700000" algn="tl" rotWithShape="0">
+              <a:srgbClr val="333333">
+                <a:alpha val="65000"/>
+              </a:srgbClr>
+            </a:outerShdw>
+          </a:effectLst>
+        </p:spPr>
+      </p:pic>
     </p:spTree>
     <p:extLst>
       <p:ext uri="{BB962C8B-B14F-4D97-AF65-F5344CB8AC3E}">
-        <p14:creationId xmlns:p14="http://schemas.microsoft.com/office/powerpoint/2010/main" val="713820648"/>
+        <p14:creationId xmlns:p14="http://schemas.microsoft.com/office/powerpoint/2010/main" val="1739170122"/>
       </p:ext>
     </p:extLst>
   </p:cSld>
@@ -8909,47 +12639,42 @@
       </p:grpSpPr>
       <p:sp>
         <p:nvSpPr>
-          <p:cNvPr id="2" name="Заголовок 1"/>
-          <p:cNvSpPr>
-            <a:spLocks noGrp="1"/>
-          </p:cNvSpPr>
-          <p:nvPr>
-            <p:ph type="title"/>
-          </p:nvPr>
-        </p:nvSpPr>
-        <p:spPr/>
-        <p:txBody>
-          <a:bodyPr/>
-          <a:lstStyle/>
-          <a:p>
+          <p:cNvPr id="3" name="Объект 2"/>
+          <p:cNvSpPr>
+            <a:spLocks noGrp="1"/>
+          </p:cNvSpPr>
+          <p:nvPr>
+            <p:ph idx="1"/>
+          </p:nvPr>
+        </p:nvSpPr>
+        <p:spPr>
+          <a:xfrm>
+            <a:off x="838200" y="556591"/>
+            <a:ext cx="10515600" cy="675861"/>
+          </a:xfrm>
+        </p:spPr>
+        <p:txBody>
+          <a:bodyPr/>
+          <a:lstStyle/>
+          <a:p>
+            <a:r>
+              <a:rPr lang="ru-RU" dirty="0" smtClean="0"/>
+              <a:t>Добавьте в метод </a:t>
+            </a:r>
             <a:r>
               <a:rPr lang="en-US" dirty="0" smtClean="0"/>
-              <a:t>Controller</a:t>
-            </a:r>
-            <a:endParaRPr lang="en-GB" dirty="0"/>
-          </a:p>
-        </p:txBody>
-      </p:sp>
-      <p:sp>
-        <p:nvSpPr>
-          <p:cNvPr id="3" name="Объект 2"/>
-          <p:cNvSpPr>
-            <a:spLocks noGrp="1"/>
-          </p:cNvSpPr>
-          <p:nvPr>
-            <p:ph idx="1"/>
-          </p:nvPr>
-        </p:nvSpPr>
-        <p:spPr/>
-        <p:txBody>
-          <a:bodyPr/>
-          <a:lstStyle/>
-          <a:p>
-            <a:r>
-              <a:rPr lang="en-US" dirty="0" smtClean="0"/>
-              <a:t>To do: insert the scheme of MVC interaction here + interaction with other components of the application</a:t>
-            </a:r>
-            <a:endParaRPr lang="en-GB" dirty="0"/>
+              <a:t>Main</a:t>
+            </a:r>
+            <a:r>
+              <a:rPr lang="ru-RU" dirty="0" smtClean="0"/>
+              <a:t> предыдущий пример:</a:t>
+            </a:r>
+          </a:p>
+          <a:p>
+            <a:endParaRPr lang="ru-RU" dirty="0"/>
+          </a:p>
+          <a:p>
+            <a:endParaRPr lang="ru-RU" dirty="0"/>
           </a:p>
         </p:txBody>
       </p:sp>
@@ -9022,10 +12747,873 @@
           </a:p>
         </p:txBody>
       </p:sp>
+      <p:sp>
+        <p:nvSpPr>
+          <p:cNvPr id="7" name="Прямоугольник 6"/>
+          <p:cNvSpPr/>
+          <p:nvPr/>
+        </p:nvSpPr>
+        <p:spPr>
+          <a:xfrm>
+            <a:off x="1" y="0"/>
+            <a:ext cx="12192000" cy="296333"/>
+          </a:xfrm>
+          <a:prstGeom prst="rect">
+            <a:avLst/>
+          </a:prstGeom>
+        </p:spPr>
+        <p:style>
+          <a:lnRef idx="0">
+            <a:schemeClr val="accent6"/>
+          </a:lnRef>
+          <a:fillRef idx="3">
+            <a:schemeClr val="accent6"/>
+          </a:fillRef>
+          <a:effectRef idx="3">
+            <a:schemeClr val="accent6"/>
+          </a:effectRef>
+          <a:fontRef idx="minor">
+            <a:schemeClr val="lt1"/>
+          </a:fontRef>
+        </p:style>
+        <p:txBody>
+          <a:bodyPr rtlCol="0" anchor="ctr"/>
+          <a:lstStyle/>
+          <a:p>
+            <a:pPr algn="ctr"/>
+            <a:r>
+              <a:rPr lang="en-US" dirty="0" smtClean="0"/>
+              <a:t>Hello world!</a:t>
+            </a:r>
+            <a:endParaRPr lang="en-GB" dirty="0"/>
+          </a:p>
+        </p:txBody>
+      </p:sp>
+      <p:pic>
+        <p:nvPicPr>
+          <p:cNvPr id="10" name="Рисунок 9"/>
+          <p:cNvPicPr>
+            <a:picLocks noChangeAspect="1"/>
+          </p:cNvPicPr>
+          <p:nvPr/>
+        </p:nvPicPr>
+        <p:blipFill>
+          <a:blip r:embed="rId2"/>
+          <a:stretch>
+            <a:fillRect/>
+          </a:stretch>
+        </p:blipFill>
+        <p:spPr>
+          <a:xfrm>
+            <a:off x="4902200" y="4652389"/>
+            <a:ext cx="835991" cy="366663"/>
+          </a:xfrm>
+          <a:prstGeom prst="rect">
+            <a:avLst/>
+          </a:prstGeom>
+        </p:spPr>
+      </p:pic>
+      <p:graphicFrame>
+        <p:nvGraphicFramePr>
+          <p:cNvPr id="11" name="Таблица 10"/>
+          <p:cNvGraphicFramePr>
+            <a:graphicFrameLocks noGrp="1"/>
+          </p:cNvGraphicFramePr>
+          <p:nvPr>
+            <p:extLst>
+              <p:ext uri="{D42A27DB-BD31-4B8C-83A1-F6EECF244321}">
+                <p14:modId xmlns:p14="http://schemas.microsoft.com/office/powerpoint/2010/main" val="2215041670"/>
+              </p:ext>
+            </p:extLst>
+          </p:nvPr>
+        </p:nvGraphicFramePr>
+        <p:xfrm>
+          <a:off x="838200" y="1232452"/>
+          <a:ext cx="6573078" cy="3931920"/>
+        </p:xfrm>
+        <a:graphic>
+          <a:graphicData uri="http://schemas.openxmlformats.org/drawingml/2006/table">
+            <a:tbl>
+              <a:tblPr firstRow="1" bandRow="1">
+                <a:tableStyleId>{5C22544A-7EE6-4342-B048-85BDC9FD1C3A}</a:tableStyleId>
+              </a:tblPr>
+              <a:tblGrid>
+                <a:gridCol w="6573078"/>
+              </a:tblGrid>
+              <a:tr h="370840">
+                <a:tc>
+                  <a:txBody>
+                    <a:bodyPr/>
+                    <a:lstStyle/>
+                    <a:p>
+                      <a:r>
+                        <a:rPr lang="en-GB" sz="1800" b="0" dirty="0" err="1" smtClean="0">
+                          <a:solidFill>
+                            <a:srgbClr val="0000FF"/>
+                          </a:solidFill>
+                          <a:highlight>
+                            <a:srgbClr val="FFFFFF"/>
+                          </a:highlight>
+                          <a:latin typeface="Consolas" panose="020B0609020204030204" pitchFamily="49" charset="0"/>
+                        </a:rPr>
+                        <a:t>int</a:t>
+                      </a:r>
+                      <a:r>
+                        <a:rPr lang="en-GB" sz="1800" b="0" dirty="0" smtClean="0">
+                          <a:solidFill>
+                            <a:srgbClr val="000000"/>
+                          </a:solidFill>
+                          <a:highlight>
+                            <a:srgbClr val="FFFFFF"/>
+                          </a:highlight>
+                          <a:latin typeface="Consolas" panose="020B0609020204030204" pitchFamily="49" charset="0"/>
+                        </a:rPr>
+                        <a:t> a = 2;</a:t>
+                      </a:r>
+                    </a:p>
+                    <a:p>
+                      <a:r>
+                        <a:rPr lang="en-GB" sz="1800" b="0" dirty="0" err="1" smtClean="0">
+                          <a:solidFill>
+                            <a:srgbClr val="0000FF"/>
+                          </a:solidFill>
+                          <a:highlight>
+                            <a:srgbClr val="FFFFFF"/>
+                          </a:highlight>
+                          <a:latin typeface="Consolas" panose="020B0609020204030204" pitchFamily="49" charset="0"/>
+                        </a:rPr>
+                        <a:t>int</a:t>
+                      </a:r>
+                      <a:r>
+                        <a:rPr lang="en-GB" sz="1800" b="0" dirty="0" smtClean="0">
+                          <a:solidFill>
+                            <a:srgbClr val="000000"/>
+                          </a:solidFill>
+                          <a:highlight>
+                            <a:srgbClr val="FFFFFF"/>
+                          </a:highlight>
+                          <a:latin typeface="Consolas" panose="020B0609020204030204" pitchFamily="49" charset="0"/>
+                        </a:rPr>
+                        <a:t> b = 3;</a:t>
+                      </a:r>
+                    </a:p>
+                    <a:p>
+                      <a:r>
+                        <a:rPr lang="en-GB" sz="1800" b="0" dirty="0" err="1" smtClean="0">
+                          <a:solidFill>
+                            <a:srgbClr val="0000FF"/>
+                          </a:solidFill>
+                          <a:highlight>
+                            <a:srgbClr val="FFFFFF"/>
+                          </a:highlight>
+                          <a:latin typeface="Consolas" panose="020B0609020204030204" pitchFamily="49" charset="0"/>
+                        </a:rPr>
+                        <a:t>int</a:t>
+                      </a:r>
+                      <a:r>
+                        <a:rPr lang="en-GB" sz="1800" b="0" dirty="0" smtClean="0">
+                          <a:solidFill>
+                            <a:srgbClr val="000000"/>
+                          </a:solidFill>
+                          <a:highlight>
+                            <a:srgbClr val="FFFFFF"/>
+                          </a:highlight>
+                          <a:latin typeface="Consolas" panose="020B0609020204030204" pitchFamily="49" charset="0"/>
+                        </a:rPr>
+                        <a:t> c = 5, d = 6;</a:t>
+                      </a:r>
+                    </a:p>
+                    <a:p>
+                      <a:r>
+                        <a:rPr lang="en-GB" sz="1800" b="0" dirty="0" err="1" smtClean="0">
+                          <a:solidFill>
+                            <a:srgbClr val="0000FF"/>
+                          </a:solidFill>
+                          <a:highlight>
+                            <a:srgbClr val="FFFFFF"/>
+                          </a:highlight>
+                          <a:latin typeface="Consolas" panose="020B0609020204030204" pitchFamily="49" charset="0"/>
+                        </a:rPr>
+                        <a:t>int</a:t>
+                      </a:r>
+                      <a:r>
+                        <a:rPr lang="en-GB" sz="1800" b="0" dirty="0" smtClean="0">
+                          <a:solidFill>
+                            <a:srgbClr val="000000"/>
+                          </a:solidFill>
+                          <a:highlight>
+                            <a:srgbClr val="FFFFFF"/>
+                          </a:highlight>
+                          <a:latin typeface="Consolas" panose="020B0609020204030204" pitchFamily="49" charset="0"/>
+                        </a:rPr>
+                        <a:t> e;</a:t>
+                      </a:r>
+                    </a:p>
+                    <a:p>
+                      <a:r>
+                        <a:rPr lang="en-GB" sz="1800" b="0" dirty="0" err="1" smtClean="0">
+                          <a:solidFill>
+                            <a:srgbClr val="0000FF"/>
+                          </a:solidFill>
+                          <a:highlight>
+                            <a:srgbClr val="FFFFFF"/>
+                          </a:highlight>
+                          <a:latin typeface="Consolas" panose="020B0609020204030204" pitchFamily="49" charset="0"/>
+                        </a:rPr>
+                        <a:t>int</a:t>
+                      </a:r>
+                      <a:r>
+                        <a:rPr lang="en-GB" sz="1800" b="0" dirty="0" smtClean="0">
+                          <a:solidFill>
+                            <a:srgbClr val="000000"/>
+                          </a:solidFill>
+                          <a:highlight>
+                            <a:srgbClr val="FFFFFF"/>
+                          </a:highlight>
+                          <a:latin typeface="Consolas" panose="020B0609020204030204" pitchFamily="49" charset="0"/>
+                        </a:rPr>
+                        <a:t> sum = a + b;</a:t>
+                      </a:r>
+                    </a:p>
+                    <a:p>
+                      <a:r>
+                        <a:rPr lang="en-GB" sz="1800" b="0" dirty="0" err="1" smtClean="0">
+                          <a:solidFill>
+                            <a:srgbClr val="0000FF"/>
+                          </a:solidFill>
+                          <a:highlight>
+                            <a:srgbClr val="FFFFFF"/>
+                          </a:highlight>
+                          <a:latin typeface="Consolas" panose="020B0609020204030204" pitchFamily="49" charset="0"/>
+                        </a:rPr>
+                        <a:t>var</a:t>
+                      </a:r>
+                      <a:r>
+                        <a:rPr lang="en-GB" sz="1800" b="0" dirty="0" smtClean="0">
+                          <a:solidFill>
+                            <a:srgbClr val="000000"/>
+                          </a:solidFill>
+                          <a:highlight>
+                            <a:srgbClr val="FFFFFF"/>
+                          </a:highlight>
+                          <a:latin typeface="Consolas" panose="020B0609020204030204" pitchFamily="49" charset="0"/>
+                        </a:rPr>
+                        <a:t> result = c + e;</a:t>
+                      </a:r>
+                    </a:p>
+                    <a:p>
+                      <a:endParaRPr lang="en-GB" sz="1800" b="0" dirty="0" smtClean="0">
+                        <a:solidFill>
+                          <a:srgbClr val="000000"/>
+                        </a:solidFill>
+                        <a:highlight>
+                          <a:srgbClr val="FFFFFF"/>
+                        </a:highlight>
+                        <a:latin typeface="Consolas" panose="020B0609020204030204" pitchFamily="49" charset="0"/>
+                      </a:endParaRPr>
+                    </a:p>
+                    <a:p>
+                      <a:r>
+                        <a:rPr lang="en-GB" sz="1800" b="0" dirty="0" err="1" smtClean="0">
+                          <a:solidFill>
+                            <a:srgbClr val="2B91AF"/>
+                          </a:solidFill>
+                          <a:highlight>
+                            <a:srgbClr val="FFFFFF"/>
+                          </a:highlight>
+                          <a:latin typeface="Consolas" panose="020B0609020204030204" pitchFamily="49" charset="0"/>
+                        </a:rPr>
+                        <a:t>Console</a:t>
+                      </a:r>
+                      <a:r>
+                        <a:rPr lang="en-GB" sz="1800" b="0" dirty="0" err="1" smtClean="0">
+                          <a:solidFill>
+                            <a:srgbClr val="000000"/>
+                          </a:solidFill>
+                          <a:highlight>
+                            <a:srgbClr val="FFFFFF"/>
+                          </a:highlight>
+                          <a:latin typeface="Consolas" panose="020B0609020204030204" pitchFamily="49" charset="0"/>
+                        </a:rPr>
+                        <a:t>.WriteLine</a:t>
+                      </a:r>
+                      <a:r>
+                        <a:rPr lang="en-GB" sz="1800" b="0" dirty="0" smtClean="0">
+                          <a:solidFill>
+                            <a:srgbClr val="000000"/>
+                          </a:solidFill>
+                          <a:highlight>
+                            <a:srgbClr val="FFFFFF"/>
+                          </a:highlight>
+                          <a:latin typeface="Consolas" panose="020B0609020204030204" pitchFamily="49" charset="0"/>
+                        </a:rPr>
+                        <a:t>(a);</a:t>
+                      </a:r>
+                    </a:p>
+                    <a:p>
+                      <a:r>
+                        <a:rPr lang="en-GB" sz="1800" b="0" dirty="0" err="1" smtClean="0">
+                          <a:solidFill>
+                            <a:srgbClr val="2B91AF"/>
+                          </a:solidFill>
+                          <a:highlight>
+                            <a:srgbClr val="FFFFFF"/>
+                          </a:highlight>
+                          <a:latin typeface="Consolas" panose="020B0609020204030204" pitchFamily="49" charset="0"/>
+                        </a:rPr>
+                        <a:t>Console</a:t>
+                      </a:r>
+                      <a:r>
+                        <a:rPr lang="en-GB" sz="1800" b="0" dirty="0" err="1" smtClean="0">
+                          <a:solidFill>
+                            <a:srgbClr val="000000"/>
+                          </a:solidFill>
+                          <a:highlight>
+                            <a:srgbClr val="FFFFFF"/>
+                          </a:highlight>
+                          <a:latin typeface="Consolas" panose="020B0609020204030204" pitchFamily="49" charset="0"/>
+                        </a:rPr>
+                        <a:t>.WriteLine</a:t>
+                      </a:r>
+                      <a:r>
+                        <a:rPr lang="en-GB" sz="1800" b="0" dirty="0" smtClean="0">
+                          <a:solidFill>
+                            <a:srgbClr val="000000"/>
+                          </a:solidFill>
+                          <a:highlight>
+                            <a:srgbClr val="FFFFFF"/>
+                          </a:highlight>
+                          <a:latin typeface="Consolas" panose="020B0609020204030204" pitchFamily="49" charset="0"/>
+                        </a:rPr>
+                        <a:t>(a + b);</a:t>
+                      </a:r>
+                    </a:p>
+                    <a:p>
+                      <a:r>
+                        <a:rPr lang="en-GB" sz="1800" b="0" dirty="0" err="1" smtClean="0">
+                          <a:solidFill>
+                            <a:srgbClr val="2B91AF"/>
+                          </a:solidFill>
+                          <a:highlight>
+                            <a:srgbClr val="FFFFFF"/>
+                          </a:highlight>
+                          <a:latin typeface="Consolas" panose="020B0609020204030204" pitchFamily="49" charset="0"/>
+                        </a:rPr>
+                        <a:t>Console</a:t>
+                      </a:r>
+                      <a:r>
+                        <a:rPr lang="en-GB" sz="1800" b="0" dirty="0" err="1" smtClean="0">
+                          <a:solidFill>
+                            <a:srgbClr val="000000"/>
+                          </a:solidFill>
+                          <a:highlight>
+                            <a:srgbClr val="FFFFFF"/>
+                          </a:highlight>
+                          <a:latin typeface="Consolas" panose="020B0609020204030204" pitchFamily="49" charset="0"/>
+                        </a:rPr>
+                        <a:t>.WriteLine</a:t>
+                      </a:r>
+                      <a:r>
+                        <a:rPr lang="en-GB" sz="1800" b="0" dirty="0" smtClean="0">
+                          <a:solidFill>
+                            <a:srgbClr val="000000"/>
+                          </a:solidFill>
+                          <a:highlight>
+                            <a:srgbClr val="FFFFFF"/>
+                          </a:highlight>
+                          <a:latin typeface="Consolas" panose="020B0609020204030204" pitchFamily="49" charset="0"/>
+                        </a:rPr>
+                        <a:t>(sum);</a:t>
+                      </a:r>
+                    </a:p>
+                    <a:p>
+                      <a:r>
+                        <a:rPr lang="en-GB" sz="1800" b="0" dirty="0" err="1" smtClean="0">
+                          <a:solidFill>
+                            <a:srgbClr val="2B91AF"/>
+                          </a:solidFill>
+                          <a:highlight>
+                            <a:srgbClr val="FFFFFF"/>
+                          </a:highlight>
+                          <a:latin typeface="Consolas" panose="020B0609020204030204" pitchFamily="49" charset="0"/>
+                        </a:rPr>
+                        <a:t>Console</a:t>
+                      </a:r>
+                      <a:r>
+                        <a:rPr lang="en-GB" sz="1800" b="0" dirty="0" err="1" smtClean="0">
+                          <a:solidFill>
+                            <a:srgbClr val="000000"/>
+                          </a:solidFill>
+                          <a:highlight>
+                            <a:srgbClr val="FFFFFF"/>
+                          </a:highlight>
+                          <a:latin typeface="Consolas" panose="020B0609020204030204" pitchFamily="49" charset="0"/>
+                        </a:rPr>
+                        <a:t>.WriteLine</a:t>
+                      </a:r>
+                      <a:r>
+                        <a:rPr lang="en-GB" sz="1800" b="0" dirty="0" smtClean="0">
+                          <a:solidFill>
+                            <a:srgbClr val="000000"/>
+                          </a:solidFill>
+                          <a:highlight>
+                            <a:srgbClr val="FFFFFF"/>
+                          </a:highlight>
+                          <a:latin typeface="Consolas" panose="020B0609020204030204" pitchFamily="49" charset="0"/>
+                        </a:rPr>
+                        <a:t>(</a:t>
+                      </a:r>
+                      <a:r>
+                        <a:rPr lang="en-GB" sz="1800" b="0" dirty="0" smtClean="0">
+                          <a:solidFill>
+                            <a:srgbClr val="A31515"/>
+                          </a:solidFill>
+                          <a:highlight>
+                            <a:srgbClr val="FFFFFF"/>
+                          </a:highlight>
+                          <a:latin typeface="Consolas" panose="020B0609020204030204" pitchFamily="49" charset="0"/>
+                        </a:rPr>
+                        <a:t>"c = {0}, d = {1}"</a:t>
+                      </a:r>
+                      <a:r>
+                        <a:rPr lang="en-GB" sz="1800" b="0" dirty="0" smtClean="0">
+                          <a:solidFill>
+                            <a:srgbClr val="000000"/>
+                          </a:solidFill>
+                          <a:highlight>
+                            <a:srgbClr val="FFFFFF"/>
+                          </a:highlight>
+                          <a:latin typeface="Consolas" panose="020B0609020204030204" pitchFamily="49" charset="0"/>
+                        </a:rPr>
+                        <a:t>, </a:t>
+                      </a:r>
+                      <a:r>
+                        <a:rPr lang="en-GB" sz="1800" b="0" dirty="0" err="1" smtClean="0">
+                          <a:solidFill>
+                            <a:srgbClr val="000000"/>
+                          </a:solidFill>
+                          <a:highlight>
+                            <a:srgbClr val="FFFFFF"/>
+                          </a:highlight>
+                          <a:latin typeface="Consolas" panose="020B0609020204030204" pitchFamily="49" charset="0"/>
+                        </a:rPr>
+                        <a:t>c,d</a:t>
+                      </a:r>
+                      <a:r>
+                        <a:rPr lang="en-GB" sz="1800" b="0" dirty="0" smtClean="0">
+                          <a:solidFill>
+                            <a:srgbClr val="000000"/>
+                          </a:solidFill>
+                          <a:highlight>
+                            <a:srgbClr val="FFFFFF"/>
+                          </a:highlight>
+                          <a:latin typeface="Consolas" panose="020B0609020204030204" pitchFamily="49" charset="0"/>
+                        </a:rPr>
+                        <a:t>);</a:t>
+                      </a:r>
+                    </a:p>
+                    <a:p>
+                      <a:r>
+                        <a:rPr lang="en-GB" sz="1800" b="0" dirty="0" err="1" smtClean="0">
+                          <a:solidFill>
+                            <a:srgbClr val="2B91AF"/>
+                          </a:solidFill>
+                          <a:highlight>
+                            <a:srgbClr val="FFFFFF"/>
+                          </a:highlight>
+                          <a:latin typeface="Consolas" panose="020B0609020204030204" pitchFamily="49" charset="0"/>
+                        </a:rPr>
+                        <a:t>Console</a:t>
+                      </a:r>
+                      <a:r>
+                        <a:rPr lang="en-GB" sz="1800" b="0" dirty="0" err="1" smtClean="0">
+                          <a:solidFill>
+                            <a:srgbClr val="000000"/>
+                          </a:solidFill>
+                          <a:highlight>
+                            <a:srgbClr val="FFFFFF"/>
+                          </a:highlight>
+                          <a:latin typeface="Consolas" panose="020B0609020204030204" pitchFamily="49" charset="0"/>
+                        </a:rPr>
+                        <a:t>.WriteLine</a:t>
+                      </a:r>
+                      <a:r>
+                        <a:rPr lang="en-GB" sz="1800" b="0" dirty="0" smtClean="0">
+                          <a:solidFill>
+                            <a:srgbClr val="000000"/>
+                          </a:solidFill>
+                          <a:highlight>
+                            <a:srgbClr val="FFFFFF"/>
+                          </a:highlight>
+                          <a:latin typeface="Consolas" panose="020B0609020204030204" pitchFamily="49" charset="0"/>
+                        </a:rPr>
+                        <a:t>(</a:t>
+                      </a:r>
+                      <a:r>
+                        <a:rPr lang="en-GB" sz="1800" b="0" dirty="0" smtClean="0">
+                          <a:solidFill>
+                            <a:srgbClr val="A31515"/>
+                          </a:solidFill>
+                          <a:highlight>
+                            <a:srgbClr val="FFFFFF"/>
+                          </a:highlight>
+                          <a:latin typeface="Consolas" panose="020B0609020204030204" pitchFamily="49" charset="0"/>
+                        </a:rPr>
+                        <a:t>"</a:t>
+                      </a:r>
+                      <a:r>
+                        <a:rPr lang="ru-RU" sz="1800" b="0" dirty="0" smtClean="0">
+                          <a:solidFill>
+                            <a:srgbClr val="A31515"/>
+                          </a:solidFill>
+                          <a:highlight>
+                            <a:srgbClr val="FFFFFF"/>
+                          </a:highlight>
+                          <a:latin typeface="Consolas" panose="020B0609020204030204" pitchFamily="49" charset="0"/>
+                        </a:rPr>
+                        <a:t>В е находится: {0}"</a:t>
+                      </a:r>
+                      <a:r>
+                        <a:rPr lang="ru-RU" sz="1800" b="0" dirty="0" smtClean="0">
+                          <a:solidFill>
+                            <a:srgbClr val="000000"/>
+                          </a:solidFill>
+                          <a:highlight>
+                            <a:srgbClr val="FFFFFF"/>
+                          </a:highlight>
+                          <a:latin typeface="Consolas" panose="020B0609020204030204" pitchFamily="49" charset="0"/>
+                        </a:rPr>
+                        <a:t>, </a:t>
+                      </a:r>
+                      <a:r>
+                        <a:rPr lang="en-GB" sz="1800" b="0" dirty="0" smtClean="0">
+                          <a:solidFill>
+                            <a:srgbClr val="000000"/>
+                          </a:solidFill>
+                          <a:highlight>
+                            <a:srgbClr val="FFFFFF"/>
+                          </a:highlight>
+                          <a:latin typeface="Consolas" panose="020B0609020204030204" pitchFamily="49" charset="0"/>
+                        </a:rPr>
+                        <a:t>e);</a:t>
+                      </a:r>
+                    </a:p>
+                    <a:p>
+                      <a:r>
+                        <a:rPr lang="en-GB" sz="1800" b="0" dirty="0" err="1" smtClean="0">
+                          <a:solidFill>
+                            <a:srgbClr val="2B91AF"/>
+                          </a:solidFill>
+                          <a:highlight>
+                            <a:srgbClr val="FFFFFF"/>
+                          </a:highlight>
+                          <a:latin typeface="Consolas" panose="020B0609020204030204" pitchFamily="49" charset="0"/>
+                        </a:rPr>
+                        <a:t>Console</a:t>
+                      </a:r>
+                      <a:r>
+                        <a:rPr lang="en-GB" sz="1800" b="0" dirty="0" err="1" smtClean="0">
+                          <a:solidFill>
+                            <a:srgbClr val="000000"/>
+                          </a:solidFill>
+                          <a:highlight>
+                            <a:srgbClr val="FFFFFF"/>
+                          </a:highlight>
+                          <a:latin typeface="Consolas" panose="020B0609020204030204" pitchFamily="49" charset="0"/>
+                        </a:rPr>
+                        <a:t>.WriteLine</a:t>
+                      </a:r>
+                      <a:r>
+                        <a:rPr lang="en-GB" sz="1800" b="0" dirty="0" smtClean="0">
+                          <a:solidFill>
+                            <a:srgbClr val="000000"/>
+                          </a:solidFill>
+                          <a:highlight>
+                            <a:srgbClr val="FFFFFF"/>
+                          </a:highlight>
+                          <a:latin typeface="Consolas" panose="020B0609020204030204" pitchFamily="49" charset="0"/>
+                        </a:rPr>
+                        <a:t>(</a:t>
+                      </a:r>
+                      <a:r>
+                        <a:rPr lang="en-GB" sz="1800" b="0" dirty="0" smtClean="0">
+                          <a:solidFill>
+                            <a:srgbClr val="A31515"/>
+                          </a:solidFill>
+                          <a:highlight>
+                            <a:srgbClr val="FFFFFF"/>
+                          </a:highlight>
+                          <a:latin typeface="Consolas" panose="020B0609020204030204" pitchFamily="49" charset="0"/>
+                        </a:rPr>
+                        <a:t>"result = {0}"</a:t>
+                      </a:r>
+                      <a:r>
+                        <a:rPr lang="en-GB" sz="1800" b="0" dirty="0" smtClean="0">
+                          <a:solidFill>
+                            <a:srgbClr val="000000"/>
+                          </a:solidFill>
+                          <a:highlight>
+                            <a:srgbClr val="FFFFFF"/>
+                          </a:highlight>
+                          <a:latin typeface="Consolas" panose="020B0609020204030204" pitchFamily="49" charset="0"/>
+                        </a:rPr>
+                        <a:t>, result);</a:t>
+                      </a:r>
+                    </a:p>
+                    <a:p>
+                      <a:r>
+                        <a:rPr lang="en-GB" sz="1800" b="0" dirty="0" err="1" smtClean="0">
+                          <a:solidFill>
+                            <a:srgbClr val="2B91AF"/>
+                          </a:solidFill>
+                          <a:highlight>
+                            <a:srgbClr val="FFFFFF"/>
+                          </a:highlight>
+                          <a:latin typeface="Consolas" panose="020B0609020204030204" pitchFamily="49" charset="0"/>
+                        </a:rPr>
+                        <a:t>Console</a:t>
+                      </a:r>
+                      <a:r>
+                        <a:rPr lang="en-GB" sz="1800" b="0" dirty="0" err="1" smtClean="0">
+                          <a:solidFill>
+                            <a:srgbClr val="000000"/>
+                          </a:solidFill>
+                          <a:highlight>
+                            <a:srgbClr val="FFFFFF"/>
+                          </a:highlight>
+                          <a:latin typeface="Consolas" panose="020B0609020204030204" pitchFamily="49" charset="0"/>
+                        </a:rPr>
+                        <a:t>.ReadLine</a:t>
+                      </a:r>
+                      <a:r>
+                        <a:rPr lang="en-GB" sz="1800" b="0" dirty="0" smtClean="0">
+                          <a:solidFill>
+                            <a:srgbClr val="000000"/>
+                          </a:solidFill>
+                          <a:highlight>
+                            <a:srgbClr val="FFFFFF"/>
+                          </a:highlight>
+                          <a:latin typeface="Consolas" panose="020B0609020204030204" pitchFamily="49" charset="0"/>
+                        </a:rPr>
+                        <a:t>();</a:t>
+                      </a:r>
+                      <a:endParaRPr lang="en-GB" b="0" dirty="0"/>
+                    </a:p>
+                  </a:txBody>
+                  <a:tcPr>
+                    <a:solidFill>
+                      <a:schemeClr val="bg1"/>
+                    </a:solidFill>
+                  </a:tcPr>
+                </a:tc>
+              </a:tr>
+            </a:tbl>
+          </a:graphicData>
+        </a:graphic>
+      </p:graphicFrame>
+      <p:sp>
+        <p:nvSpPr>
+          <p:cNvPr id="12" name="Объект 2"/>
+          <p:cNvSpPr txBox="1">
+            <a:spLocks/>
+          </p:cNvSpPr>
+          <p:nvPr/>
+        </p:nvSpPr>
+        <p:spPr>
+          <a:xfrm>
+            <a:off x="838200" y="5280991"/>
+            <a:ext cx="10515600" cy="675861"/>
+          </a:xfrm>
+          <a:prstGeom prst="rect">
+            <a:avLst/>
+          </a:prstGeom>
+        </p:spPr>
+        <p:txBody>
+          <a:bodyPr vert="horz" lIns="91440" tIns="45720" rIns="91440" bIns="45720" rtlCol="0">
+            <a:normAutofit/>
+          </a:bodyPr>
+          <a:lstStyle>
+            <a:lvl1pPr marL="228600" indent="-228600" algn="l" defTabSz="914400" rtl="0" eaLnBrk="1" latinLnBrk="0" hangingPunct="1">
+              <a:lnSpc>
+                <a:spcPct val="90000"/>
+              </a:lnSpc>
+              <a:spcBef>
+                <a:spcPts val="1000"/>
+              </a:spcBef>
+              <a:buFont typeface="Arial" panose="020B0604020202020204" pitchFamily="34" charset="0"/>
+              <a:buChar char="•"/>
+              <a:defRPr sz="2800" kern="1200">
+                <a:solidFill>
+                  <a:schemeClr val="tx1"/>
+                </a:solidFill>
+                <a:latin typeface="+mn-lt"/>
+                <a:ea typeface="+mn-ea"/>
+                <a:cs typeface="+mn-cs"/>
+              </a:defRPr>
+            </a:lvl1pPr>
+            <a:lvl2pPr marL="685800" indent="-228600" algn="l" defTabSz="914400" rtl="0" eaLnBrk="1" latinLnBrk="0" hangingPunct="1">
+              <a:lnSpc>
+                <a:spcPct val="90000"/>
+              </a:lnSpc>
+              <a:spcBef>
+                <a:spcPts val="500"/>
+              </a:spcBef>
+              <a:buFont typeface="Arial" panose="020B0604020202020204" pitchFamily="34" charset="0"/>
+              <a:buChar char="•"/>
+              <a:defRPr sz="2400" kern="1200">
+                <a:solidFill>
+                  <a:schemeClr val="tx1"/>
+                </a:solidFill>
+                <a:latin typeface="+mn-lt"/>
+                <a:ea typeface="+mn-ea"/>
+                <a:cs typeface="+mn-cs"/>
+              </a:defRPr>
+            </a:lvl2pPr>
+            <a:lvl3pPr marL="1143000" indent="-228600" algn="l" defTabSz="914400" rtl="0" eaLnBrk="1" latinLnBrk="0" hangingPunct="1">
+              <a:lnSpc>
+                <a:spcPct val="90000"/>
+              </a:lnSpc>
+              <a:spcBef>
+                <a:spcPts val="500"/>
+              </a:spcBef>
+              <a:buFont typeface="Arial" panose="020B0604020202020204" pitchFamily="34" charset="0"/>
+              <a:buChar char="•"/>
+              <a:defRPr sz="2000" kern="1200">
+                <a:solidFill>
+                  <a:schemeClr val="tx1"/>
+                </a:solidFill>
+                <a:latin typeface="+mn-lt"/>
+                <a:ea typeface="+mn-ea"/>
+                <a:cs typeface="+mn-cs"/>
+              </a:defRPr>
+            </a:lvl3pPr>
+            <a:lvl4pPr marL="1600200" indent="-228600" algn="l" defTabSz="914400" rtl="0" eaLnBrk="1" latinLnBrk="0" hangingPunct="1">
+              <a:lnSpc>
+                <a:spcPct val="90000"/>
+              </a:lnSpc>
+              <a:spcBef>
+                <a:spcPts val="500"/>
+              </a:spcBef>
+              <a:buFont typeface="Arial" panose="020B0604020202020204" pitchFamily="34" charset="0"/>
+              <a:buChar char="•"/>
+              <a:defRPr sz="1800" kern="1200">
+                <a:solidFill>
+                  <a:schemeClr val="tx1"/>
+                </a:solidFill>
+                <a:latin typeface="+mn-lt"/>
+                <a:ea typeface="+mn-ea"/>
+                <a:cs typeface="+mn-cs"/>
+              </a:defRPr>
+            </a:lvl4pPr>
+            <a:lvl5pPr marL="2057400" indent="-228600" algn="l" defTabSz="914400" rtl="0" eaLnBrk="1" latinLnBrk="0" hangingPunct="1">
+              <a:lnSpc>
+                <a:spcPct val="90000"/>
+              </a:lnSpc>
+              <a:spcBef>
+                <a:spcPts val="500"/>
+              </a:spcBef>
+              <a:buFont typeface="Arial" panose="020B0604020202020204" pitchFamily="34" charset="0"/>
+              <a:buChar char="•"/>
+              <a:defRPr sz="1800" kern="1200">
+                <a:solidFill>
+                  <a:schemeClr val="tx1"/>
+                </a:solidFill>
+                <a:latin typeface="+mn-lt"/>
+                <a:ea typeface="+mn-ea"/>
+                <a:cs typeface="+mn-cs"/>
+              </a:defRPr>
+            </a:lvl5pPr>
+            <a:lvl6pPr marL="2514600" indent="-228600" algn="l" defTabSz="914400" rtl="0" eaLnBrk="1" latinLnBrk="0" hangingPunct="1">
+              <a:lnSpc>
+                <a:spcPct val="90000"/>
+              </a:lnSpc>
+              <a:spcBef>
+                <a:spcPts val="500"/>
+              </a:spcBef>
+              <a:buFont typeface="Arial" panose="020B0604020202020204" pitchFamily="34" charset="0"/>
+              <a:buChar char="•"/>
+              <a:defRPr sz="1800" kern="1200">
+                <a:solidFill>
+                  <a:schemeClr val="tx1"/>
+                </a:solidFill>
+                <a:latin typeface="+mn-lt"/>
+                <a:ea typeface="+mn-ea"/>
+                <a:cs typeface="+mn-cs"/>
+              </a:defRPr>
+            </a:lvl6pPr>
+            <a:lvl7pPr marL="2971800" indent="-228600" algn="l" defTabSz="914400" rtl="0" eaLnBrk="1" latinLnBrk="0" hangingPunct="1">
+              <a:lnSpc>
+                <a:spcPct val="90000"/>
+              </a:lnSpc>
+              <a:spcBef>
+                <a:spcPts val="500"/>
+              </a:spcBef>
+              <a:buFont typeface="Arial" panose="020B0604020202020204" pitchFamily="34" charset="0"/>
+              <a:buChar char="•"/>
+              <a:defRPr sz="1800" kern="1200">
+                <a:solidFill>
+                  <a:schemeClr val="tx1"/>
+                </a:solidFill>
+                <a:latin typeface="+mn-lt"/>
+                <a:ea typeface="+mn-ea"/>
+                <a:cs typeface="+mn-cs"/>
+              </a:defRPr>
+            </a:lvl7pPr>
+            <a:lvl8pPr marL="3429000" indent="-228600" algn="l" defTabSz="914400" rtl="0" eaLnBrk="1" latinLnBrk="0" hangingPunct="1">
+              <a:lnSpc>
+                <a:spcPct val="90000"/>
+              </a:lnSpc>
+              <a:spcBef>
+                <a:spcPts val="500"/>
+              </a:spcBef>
+              <a:buFont typeface="Arial" panose="020B0604020202020204" pitchFamily="34" charset="0"/>
+              <a:buChar char="•"/>
+              <a:defRPr sz="1800" kern="1200">
+                <a:solidFill>
+                  <a:schemeClr val="tx1"/>
+                </a:solidFill>
+                <a:latin typeface="+mn-lt"/>
+                <a:ea typeface="+mn-ea"/>
+                <a:cs typeface="+mn-cs"/>
+              </a:defRPr>
+            </a:lvl8pPr>
+            <a:lvl9pPr marL="3886200" indent="-228600" algn="l" defTabSz="914400" rtl="0" eaLnBrk="1" latinLnBrk="0" hangingPunct="1">
+              <a:lnSpc>
+                <a:spcPct val="90000"/>
+              </a:lnSpc>
+              <a:spcBef>
+                <a:spcPts val="500"/>
+              </a:spcBef>
+              <a:buFont typeface="Arial" panose="020B0604020202020204" pitchFamily="34" charset="0"/>
+              <a:buChar char="•"/>
+              <a:defRPr sz="1800" kern="1200">
+                <a:solidFill>
+                  <a:schemeClr val="tx1"/>
+                </a:solidFill>
+                <a:latin typeface="+mn-lt"/>
+                <a:ea typeface="+mn-ea"/>
+                <a:cs typeface="+mn-cs"/>
+              </a:defRPr>
+            </a:lvl9pPr>
+          </a:lstStyle>
+          <a:p>
+            <a:r>
+              <a:rPr lang="ru-RU" dirty="0" smtClean="0"/>
+              <a:t>Попробуйте запустить приложение в режиме отладки</a:t>
+            </a:r>
+          </a:p>
+          <a:p>
+            <a:endParaRPr lang="ru-RU" dirty="0" smtClean="0"/>
+          </a:p>
+          <a:p>
+            <a:endParaRPr lang="ru-RU" dirty="0"/>
+          </a:p>
+        </p:txBody>
+      </p:sp>
     </p:spTree>
     <p:extLst>
       <p:ext uri="{BB962C8B-B14F-4D97-AF65-F5344CB8AC3E}">
-        <p14:creationId xmlns:p14="http://schemas.microsoft.com/office/powerpoint/2010/main" val="2261269123"/>
+        <p14:creationId xmlns:p14="http://schemas.microsoft.com/office/powerpoint/2010/main" val="72970787"/>
       </p:ext>
     </p:extLst>
   </p:cSld>
@@ -9061,29 +13649,6 @@
       </p:grpSpPr>
       <p:sp>
         <p:nvSpPr>
-          <p:cNvPr id="2" name="Заголовок 1"/>
-          <p:cNvSpPr>
-            <a:spLocks noGrp="1"/>
-          </p:cNvSpPr>
-          <p:nvPr>
-            <p:ph type="title"/>
-          </p:nvPr>
-        </p:nvSpPr>
-        <p:spPr/>
-        <p:txBody>
-          <a:bodyPr/>
-          <a:lstStyle/>
-          <a:p>
-            <a:r>
-              <a:rPr lang="en-US" dirty="0" smtClean="0"/>
-              <a:t>Visual Studio 2013 express for web development</a:t>
-            </a:r>
-            <a:endParaRPr lang="en-GB" dirty="0"/>
-          </a:p>
-        </p:txBody>
-      </p:sp>
-      <p:sp>
-        <p:nvSpPr>
           <p:cNvPr id="3" name="Объект 2"/>
           <p:cNvSpPr>
             <a:spLocks noGrp="1"/>
@@ -9092,12 +13657,26 @@
             <p:ph idx="1"/>
           </p:nvPr>
         </p:nvSpPr>
-        <p:spPr/>
-        <p:txBody>
-          <a:bodyPr/>
-          <a:lstStyle/>
-          <a:p>
-            <a:endParaRPr lang="en-GB"/>
+        <p:spPr>
+          <a:xfrm>
+            <a:off x="838200" y="556591"/>
+            <a:ext cx="10515600" cy="675861"/>
+          </a:xfrm>
+        </p:spPr>
+        <p:txBody>
+          <a:bodyPr/>
+          <a:lstStyle/>
+          <a:p>
+            <a:r>
+              <a:rPr lang="ru-RU" dirty="0" smtClean="0"/>
+              <a:t>Исправьте ошибку</a:t>
+            </a:r>
+          </a:p>
+          <a:p>
+            <a:endParaRPr lang="ru-RU" dirty="0"/>
+          </a:p>
+          <a:p>
+            <a:endParaRPr lang="ru-RU" dirty="0"/>
           </a:p>
         </p:txBody>
       </p:sp>
@@ -9170,10 +13749,275 @@
           </a:p>
         </p:txBody>
       </p:sp>
+      <p:sp>
+        <p:nvSpPr>
+          <p:cNvPr id="7" name="Прямоугольник 6"/>
+          <p:cNvSpPr/>
+          <p:nvPr/>
+        </p:nvSpPr>
+        <p:spPr>
+          <a:xfrm>
+            <a:off x="1" y="0"/>
+            <a:ext cx="12192000" cy="296333"/>
+          </a:xfrm>
+          <a:prstGeom prst="rect">
+            <a:avLst/>
+          </a:prstGeom>
+        </p:spPr>
+        <p:style>
+          <a:lnRef idx="0">
+            <a:schemeClr val="accent6"/>
+          </a:lnRef>
+          <a:fillRef idx="3">
+            <a:schemeClr val="accent6"/>
+          </a:fillRef>
+          <a:effectRef idx="3">
+            <a:schemeClr val="accent6"/>
+          </a:effectRef>
+          <a:fontRef idx="minor">
+            <a:schemeClr val="lt1"/>
+          </a:fontRef>
+        </p:style>
+        <p:txBody>
+          <a:bodyPr rtlCol="0" anchor="ctr"/>
+          <a:lstStyle/>
+          <a:p>
+            <a:pPr algn="ctr"/>
+            <a:r>
+              <a:rPr lang="en-US" dirty="0" smtClean="0"/>
+              <a:t>Hello world!</a:t>
+            </a:r>
+            <a:endParaRPr lang="en-GB" dirty="0"/>
+          </a:p>
+        </p:txBody>
+      </p:sp>
+      <p:pic>
+        <p:nvPicPr>
+          <p:cNvPr id="10" name="Рисунок 9"/>
+          <p:cNvPicPr>
+            <a:picLocks noChangeAspect="1"/>
+          </p:cNvPicPr>
+          <p:nvPr/>
+        </p:nvPicPr>
+        <p:blipFill>
+          <a:blip r:embed="rId2"/>
+          <a:stretch>
+            <a:fillRect/>
+          </a:stretch>
+        </p:blipFill>
+        <p:spPr>
+          <a:xfrm>
+            <a:off x="4902200" y="4652389"/>
+            <a:ext cx="835991" cy="366663"/>
+          </a:xfrm>
+          <a:prstGeom prst="rect">
+            <a:avLst/>
+          </a:prstGeom>
+        </p:spPr>
+      </p:pic>
+      <p:sp>
+        <p:nvSpPr>
+          <p:cNvPr id="12" name="Объект 2"/>
+          <p:cNvSpPr txBox="1">
+            <a:spLocks/>
+          </p:cNvSpPr>
+          <p:nvPr/>
+        </p:nvSpPr>
+        <p:spPr>
+          <a:xfrm>
+            <a:off x="838200" y="1154779"/>
+            <a:ext cx="10515600" cy="675861"/>
+          </a:xfrm>
+          <a:prstGeom prst="rect">
+            <a:avLst/>
+          </a:prstGeom>
+        </p:spPr>
+        <p:txBody>
+          <a:bodyPr vert="horz" lIns="91440" tIns="45720" rIns="91440" bIns="45720" rtlCol="0">
+            <a:normAutofit/>
+          </a:bodyPr>
+          <a:lstStyle>
+            <a:lvl1pPr marL="228600" indent="-228600" algn="l" defTabSz="914400" rtl="0" eaLnBrk="1" latinLnBrk="0" hangingPunct="1">
+              <a:lnSpc>
+                <a:spcPct val="90000"/>
+              </a:lnSpc>
+              <a:spcBef>
+                <a:spcPts val="1000"/>
+              </a:spcBef>
+              <a:buFont typeface="Arial" panose="020B0604020202020204" pitchFamily="34" charset="0"/>
+              <a:buChar char="•"/>
+              <a:defRPr sz="2800" kern="1200">
+                <a:solidFill>
+                  <a:schemeClr val="tx1"/>
+                </a:solidFill>
+                <a:latin typeface="+mn-lt"/>
+                <a:ea typeface="+mn-ea"/>
+                <a:cs typeface="+mn-cs"/>
+              </a:defRPr>
+            </a:lvl1pPr>
+            <a:lvl2pPr marL="685800" indent="-228600" algn="l" defTabSz="914400" rtl="0" eaLnBrk="1" latinLnBrk="0" hangingPunct="1">
+              <a:lnSpc>
+                <a:spcPct val="90000"/>
+              </a:lnSpc>
+              <a:spcBef>
+                <a:spcPts val="500"/>
+              </a:spcBef>
+              <a:buFont typeface="Arial" panose="020B0604020202020204" pitchFamily="34" charset="0"/>
+              <a:buChar char="•"/>
+              <a:defRPr sz="2400" kern="1200">
+                <a:solidFill>
+                  <a:schemeClr val="tx1"/>
+                </a:solidFill>
+                <a:latin typeface="+mn-lt"/>
+                <a:ea typeface="+mn-ea"/>
+                <a:cs typeface="+mn-cs"/>
+              </a:defRPr>
+            </a:lvl2pPr>
+            <a:lvl3pPr marL="1143000" indent="-228600" algn="l" defTabSz="914400" rtl="0" eaLnBrk="1" latinLnBrk="0" hangingPunct="1">
+              <a:lnSpc>
+                <a:spcPct val="90000"/>
+              </a:lnSpc>
+              <a:spcBef>
+                <a:spcPts val="500"/>
+              </a:spcBef>
+              <a:buFont typeface="Arial" panose="020B0604020202020204" pitchFamily="34" charset="0"/>
+              <a:buChar char="•"/>
+              <a:defRPr sz="2000" kern="1200">
+                <a:solidFill>
+                  <a:schemeClr val="tx1"/>
+                </a:solidFill>
+                <a:latin typeface="+mn-lt"/>
+                <a:ea typeface="+mn-ea"/>
+                <a:cs typeface="+mn-cs"/>
+              </a:defRPr>
+            </a:lvl3pPr>
+            <a:lvl4pPr marL="1600200" indent="-228600" algn="l" defTabSz="914400" rtl="0" eaLnBrk="1" latinLnBrk="0" hangingPunct="1">
+              <a:lnSpc>
+                <a:spcPct val="90000"/>
+              </a:lnSpc>
+              <a:spcBef>
+                <a:spcPts val="500"/>
+              </a:spcBef>
+              <a:buFont typeface="Arial" panose="020B0604020202020204" pitchFamily="34" charset="0"/>
+              <a:buChar char="•"/>
+              <a:defRPr sz="1800" kern="1200">
+                <a:solidFill>
+                  <a:schemeClr val="tx1"/>
+                </a:solidFill>
+                <a:latin typeface="+mn-lt"/>
+                <a:ea typeface="+mn-ea"/>
+                <a:cs typeface="+mn-cs"/>
+              </a:defRPr>
+            </a:lvl4pPr>
+            <a:lvl5pPr marL="2057400" indent="-228600" algn="l" defTabSz="914400" rtl="0" eaLnBrk="1" latinLnBrk="0" hangingPunct="1">
+              <a:lnSpc>
+                <a:spcPct val="90000"/>
+              </a:lnSpc>
+              <a:spcBef>
+                <a:spcPts val="500"/>
+              </a:spcBef>
+              <a:buFont typeface="Arial" panose="020B0604020202020204" pitchFamily="34" charset="0"/>
+              <a:buChar char="•"/>
+              <a:defRPr sz="1800" kern="1200">
+                <a:solidFill>
+                  <a:schemeClr val="tx1"/>
+                </a:solidFill>
+                <a:latin typeface="+mn-lt"/>
+                <a:ea typeface="+mn-ea"/>
+                <a:cs typeface="+mn-cs"/>
+              </a:defRPr>
+            </a:lvl5pPr>
+            <a:lvl6pPr marL="2514600" indent="-228600" algn="l" defTabSz="914400" rtl="0" eaLnBrk="1" latinLnBrk="0" hangingPunct="1">
+              <a:lnSpc>
+                <a:spcPct val="90000"/>
+              </a:lnSpc>
+              <a:spcBef>
+                <a:spcPts val="500"/>
+              </a:spcBef>
+              <a:buFont typeface="Arial" panose="020B0604020202020204" pitchFamily="34" charset="0"/>
+              <a:buChar char="•"/>
+              <a:defRPr sz="1800" kern="1200">
+                <a:solidFill>
+                  <a:schemeClr val="tx1"/>
+                </a:solidFill>
+                <a:latin typeface="+mn-lt"/>
+                <a:ea typeface="+mn-ea"/>
+                <a:cs typeface="+mn-cs"/>
+              </a:defRPr>
+            </a:lvl6pPr>
+            <a:lvl7pPr marL="2971800" indent="-228600" algn="l" defTabSz="914400" rtl="0" eaLnBrk="1" latinLnBrk="0" hangingPunct="1">
+              <a:lnSpc>
+                <a:spcPct val="90000"/>
+              </a:lnSpc>
+              <a:spcBef>
+                <a:spcPts val="500"/>
+              </a:spcBef>
+              <a:buFont typeface="Arial" panose="020B0604020202020204" pitchFamily="34" charset="0"/>
+              <a:buChar char="•"/>
+              <a:defRPr sz="1800" kern="1200">
+                <a:solidFill>
+                  <a:schemeClr val="tx1"/>
+                </a:solidFill>
+                <a:latin typeface="+mn-lt"/>
+                <a:ea typeface="+mn-ea"/>
+                <a:cs typeface="+mn-cs"/>
+              </a:defRPr>
+            </a:lvl7pPr>
+            <a:lvl8pPr marL="3429000" indent="-228600" algn="l" defTabSz="914400" rtl="0" eaLnBrk="1" latinLnBrk="0" hangingPunct="1">
+              <a:lnSpc>
+                <a:spcPct val="90000"/>
+              </a:lnSpc>
+              <a:spcBef>
+                <a:spcPts val="500"/>
+              </a:spcBef>
+              <a:buFont typeface="Arial" panose="020B0604020202020204" pitchFamily="34" charset="0"/>
+              <a:buChar char="•"/>
+              <a:defRPr sz="1800" kern="1200">
+                <a:solidFill>
+                  <a:schemeClr val="tx1"/>
+                </a:solidFill>
+                <a:latin typeface="+mn-lt"/>
+                <a:ea typeface="+mn-ea"/>
+                <a:cs typeface="+mn-cs"/>
+              </a:defRPr>
+            </a:lvl8pPr>
+            <a:lvl9pPr marL="3886200" indent="-228600" algn="l" defTabSz="914400" rtl="0" eaLnBrk="1" latinLnBrk="0" hangingPunct="1">
+              <a:lnSpc>
+                <a:spcPct val="90000"/>
+              </a:lnSpc>
+              <a:spcBef>
+                <a:spcPts val="500"/>
+              </a:spcBef>
+              <a:buFont typeface="Arial" panose="020B0604020202020204" pitchFamily="34" charset="0"/>
+              <a:buChar char="•"/>
+              <a:defRPr sz="1800" kern="1200">
+                <a:solidFill>
+                  <a:schemeClr val="tx1"/>
+                </a:solidFill>
+                <a:latin typeface="+mn-lt"/>
+                <a:ea typeface="+mn-ea"/>
+                <a:cs typeface="+mn-cs"/>
+              </a:defRPr>
+            </a:lvl9pPr>
+          </a:lstStyle>
+          <a:p>
+            <a:r>
+              <a:rPr lang="ru-RU" dirty="0" smtClean="0"/>
+              <a:t>Запустите приложение в режиме отладки</a:t>
+            </a:r>
+          </a:p>
+          <a:p>
+            <a:endParaRPr lang="ru-RU" dirty="0" smtClean="0"/>
+          </a:p>
+          <a:p>
+            <a:endParaRPr lang="ru-RU" dirty="0"/>
+          </a:p>
+        </p:txBody>
+      </p:sp>
     </p:spTree>
     <p:extLst>
       <p:ext uri="{BB962C8B-B14F-4D97-AF65-F5344CB8AC3E}">
-        <p14:creationId xmlns:p14="http://schemas.microsoft.com/office/powerpoint/2010/main" val="3973800081"/>
+        <p14:creationId xmlns:p14="http://schemas.microsoft.com/office/powerpoint/2010/main" val="2383015035"/>
       </p:ext>
     </p:extLst>
   </p:cSld>
@@ -9209,29 +14053,6 @@
       </p:grpSpPr>
       <p:sp>
         <p:nvSpPr>
-          <p:cNvPr id="2" name="Заголовок 1"/>
-          <p:cNvSpPr>
-            <a:spLocks noGrp="1"/>
-          </p:cNvSpPr>
-          <p:nvPr>
-            <p:ph type="title"/>
-          </p:nvPr>
-        </p:nvSpPr>
-        <p:spPr/>
-        <p:txBody>
-          <a:bodyPr/>
-          <a:lstStyle/>
-          <a:p>
-            <a:r>
-              <a:rPr lang="en-US" dirty="0" smtClean="0"/>
-              <a:t>MVC</a:t>
-            </a:r>
-            <a:endParaRPr lang="en-GB" dirty="0"/>
-          </a:p>
-        </p:txBody>
-      </p:sp>
-      <p:sp>
-        <p:nvSpPr>
           <p:cNvPr id="4" name="Дата 3"/>
           <p:cNvSpPr>
             <a:spLocks noGrp="1"/>
@@ -9307,22 +14128,22 @@
         </p:nvSpPr>
         <p:spPr>
           <a:xfrm>
-            <a:off x="6580917" y="2374880"/>
-            <a:ext cx="4059365" cy="771779"/>
+            <a:off x="1" y="0"/>
+            <a:ext cx="12192000" cy="296333"/>
           </a:xfrm>
           <a:prstGeom prst="rect">
             <a:avLst/>
           </a:prstGeom>
         </p:spPr>
         <p:style>
-          <a:lnRef idx="3">
-            <a:schemeClr val="lt1"/>
+          <a:lnRef idx="0">
+            <a:schemeClr val="accent5"/>
           </a:lnRef>
-          <a:fillRef idx="1">
-            <a:schemeClr val="accent1"/>
+          <a:fillRef idx="3">
+            <a:schemeClr val="accent5"/>
           </a:fillRef>
-          <a:effectRef idx="1">
-            <a:schemeClr val="accent1"/>
+          <a:effectRef idx="3">
+            <a:schemeClr val="accent5"/>
           </a:effectRef>
           <a:fontRef idx="minor">
             <a:schemeClr val="lt1"/>
@@ -9334,487 +14155,361 @@
           <a:p>
             <a:pPr algn="ctr"/>
             <a:r>
-              <a:rPr lang="en-US" dirty="0" smtClean="0"/>
-              <a:t>Controller</a:t>
-            </a:r>
-          </a:p>
-        </p:txBody>
-      </p:sp>
-      <p:sp>
-        <p:nvSpPr>
-          <p:cNvPr id="10" name="Стрелка вправо 9"/>
-          <p:cNvSpPr/>
-          <p:nvPr/>
-        </p:nvSpPr>
-        <p:spPr>
-          <a:xfrm>
-            <a:off x="3455346" y="2425443"/>
-            <a:ext cx="2190482" cy="721216"/>
-          </a:xfrm>
-          <a:prstGeom prst="rightArrow">
-            <a:avLst/>
-          </a:prstGeom>
-        </p:spPr>
-        <p:style>
-          <a:lnRef idx="3">
-            <a:schemeClr val="lt1"/>
-          </a:lnRef>
-          <a:fillRef idx="1">
-            <a:schemeClr val="accent6"/>
-          </a:fillRef>
-          <a:effectRef idx="1">
-            <a:schemeClr val="accent6"/>
-          </a:effectRef>
-          <a:fontRef idx="minor">
-            <a:schemeClr val="lt1"/>
-          </a:fontRef>
-        </p:style>
-        <p:txBody>
-          <a:bodyPr rtlCol="0" anchor="ctr"/>
-          <a:lstStyle/>
-          <a:p>
-            <a:pPr algn="ctr"/>
-            <a:r>
-              <a:rPr lang="en-US" dirty="0" smtClean="0"/>
-              <a:t>Request</a:t>
+              <a:rPr lang="ru-RU" dirty="0" smtClean="0"/>
+              <a:t>Элементарные типы в </a:t>
+            </a:r>
+            <a:r>
+              <a:rPr lang="en-US" dirty="0" err="1" smtClean="0"/>
+              <a:t>.net</a:t>
             </a:r>
             <a:endParaRPr lang="en-GB" dirty="0"/>
           </a:p>
         </p:txBody>
       </p:sp>
-      <p:sp>
-        <p:nvSpPr>
-          <p:cNvPr id="11" name="Стрелка вправо 10"/>
-          <p:cNvSpPr/>
-          <p:nvPr/>
-        </p:nvSpPr>
-        <p:spPr>
-          <a:xfrm flipH="1">
-            <a:off x="3455346" y="4561255"/>
-            <a:ext cx="2190482" cy="721216"/>
-          </a:xfrm>
-          <a:prstGeom prst="rightArrow">
-            <a:avLst/>
-          </a:prstGeom>
-        </p:spPr>
-        <p:style>
-          <a:lnRef idx="3">
-            <a:schemeClr val="lt1"/>
-          </a:lnRef>
-          <a:fillRef idx="1">
-            <a:schemeClr val="accent6"/>
-          </a:fillRef>
-          <a:effectRef idx="1">
-            <a:schemeClr val="accent6"/>
-          </a:effectRef>
-          <a:fontRef idx="minor">
-            <a:schemeClr val="lt1"/>
-          </a:fontRef>
-        </p:style>
-        <p:txBody>
-          <a:bodyPr rtlCol="0" anchor="ctr"/>
-          <a:lstStyle/>
-          <a:p>
-            <a:pPr algn="ctr"/>
-            <a:r>
-              <a:rPr lang="en-US" dirty="0" smtClean="0"/>
-              <a:t>Response</a:t>
-            </a:r>
-            <a:endParaRPr lang="en-GB" dirty="0"/>
-          </a:p>
-        </p:txBody>
-      </p:sp>
-      <p:sp>
-        <p:nvSpPr>
-          <p:cNvPr id="12" name="Прямоугольник 11"/>
-          <p:cNvSpPr/>
-          <p:nvPr/>
-        </p:nvSpPr>
-        <p:spPr>
-          <a:xfrm>
-            <a:off x="6580918" y="4510692"/>
-            <a:ext cx="4059364" cy="771779"/>
-          </a:xfrm>
-          <a:prstGeom prst="rect">
-            <a:avLst/>
-          </a:prstGeom>
-        </p:spPr>
-        <p:style>
-          <a:lnRef idx="3">
-            <a:schemeClr val="lt1"/>
-          </a:lnRef>
-          <a:fillRef idx="1">
-            <a:schemeClr val="accent1"/>
-          </a:fillRef>
-          <a:effectRef idx="1">
-            <a:schemeClr val="accent1"/>
-          </a:effectRef>
-          <a:fontRef idx="minor">
-            <a:schemeClr val="lt1"/>
-          </a:fontRef>
-        </p:style>
-        <p:txBody>
-          <a:bodyPr rtlCol="0" anchor="ctr"/>
-          <a:lstStyle/>
-          <a:p>
-            <a:pPr algn="ctr"/>
-            <a:r>
-              <a:rPr lang="en-US" dirty="0" smtClean="0"/>
-              <a:t>View</a:t>
-            </a:r>
-          </a:p>
-        </p:txBody>
-      </p:sp>
-      <p:sp>
-        <p:nvSpPr>
-          <p:cNvPr id="13" name="TextBox 12"/>
-          <p:cNvSpPr txBox="1"/>
-          <p:nvPr/>
-        </p:nvSpPr>
-        <p:spPr>
-          <a:xfrm>
-            <a:off x="6580918" y="1038851"/>
-            <a:ext cx="4059365" cy="1200329"/>
-          </a:xfrm>
-          <a:prstGeom prst="rect">
-            <a:avLst/>
-          </a:prstGeom>
-          <a:noFill/>
-        </p:spPr>
-        <p:txBody>
-          <a:bodyPr wrap="square" rtlCol="0">
-            <a:spAutoFit/>
-          </a:bodyPr>
-          <a:lstStyle/>
-          <a:p>
-            <a:r>
-              <a:rPr lang="en-US" dirty="0" smtClean="0">
-                <a:solidFill>
-                  <a:schemeClr val="accent1">
-                    <a:lumMod val="75000"/>
-                  </a:schemeClr>
-                </a:solidFill>
-              </a:rPr>
-              <a:t>Controller</a:t>
-            </a:r>
-          </a:p>
-          <a:p>
-            <a:r>
-              <a:rPr lang="ru-RU" dirty="0" smtClean="0"/>
-              <a:t>Реализует логику работы приложения</a:t>
-            </a:r>
-            <a:r>
-              <a:rPr lang="en-US" dirty="0" smtClean="0"/>
-              <a:t>.</a:t>
-            </a:r>
-            <a:endParaRPr lang="ru-RU" dirty="0" smtClean="0"/>
-          </a:p>
-          <a:p>
-            <a:r>
-              <a:rPr lang="ru-RU" dirty="0" smtClean="0"/>
-              <a:t>Готовит </a:t>
-            </a:r>
-            <a:r>
-              <a:rPr lang="en-US" dirty="0" smtClean="0">
-                <a:solidFill>
-                  <a:schemeClr val="accent1">
-                    <a:lumMod val="75000"/>
-                  </a:schemeClr>
-                </a:solidFill>
-              </a:rPr>
-              <a:t>Model</a:t>
-            </a:r>
-            <a:r>
-              <a:rPr lang="en-US" dirty="0" smtClean="0"/>
-              <a:t> </a:t>
-            </a:r>
-            <a:r>
-              <a:rPr lang="ru-RU" dirty="0" smtClean="0"/>
-              <a:t>для передачи ее в </a:t>
-            </a:r>
-            <a:r>
-              <a:rPr lang="en-US" dirty="0" smtClean="0">
-                <a:solidFill>
-                  <a:schemeClr val="accent1">
-                    <a:lumMod val="75000"/>
-                  </a:schemeClr>
-                </a:solidFill>
-              </a:rPr>
-              <a:t>View</a:t>
-            </a:r>
-            <a:r>
-              <a:rPr lang="en-US" dirty="0" smtClean="0"/>
-              <a:t>.</a:t>
-            </a:r>
-            <a:endParaRPr lang="ru-RU" dirty="0" smtClean="0"/>
-          </a:p>
-          <a:p>
-            <a:r>
-              <a:rPr lang="en-US" dirty="0" smtClean="0"/>
-              <a:t>“Does Stuff”.</a:t>
-            </a:r>
-            <a:endParaRPr lang="en-GB" dirty="0"/>
-          </a:p>
-        </p:txBody>
-      </p:sp>
-      <p:sp>
-        <p:nvSpPr>
-          <p:cNvPr id="14" name="TextBox 13"/>
-          <p:cNvSpPr txBox="1"/>
-          <p:nvPr/>
-        </p:nvSpPr>
-        <p:spPr>
-          <a:xfrm>
-            <a:off x="6580918" y="5289025"/>
-            <a:ext cx="3307444" cy="923330"/>
-          </a:xfrm>
-          <a:prstGeom prst="rect">
-            <a:avLst/>
-          </a:prstGeom>
-          <a:noFill/>
-        </p:spPr>
-        <p:txBody>
-          <a:bodyPr wrap="none" rtlCol="0">
-            <a:spAutoFit/>
-          </a:bodyPr>
-          <a:lstStyle/>
-          <a:p>
-            <a:r>
-              <a:rPr lang="en-US" dirty="0" smtClean="0">
-                <a:solidFill>
-                  <a:schemeClr val="accent1">
-                    <a:lumMod val="75000"/>
-                  </a:schemeClr>
-                </a:solidFill>
-              </a:rPr>
-              <a:t>View</a:t>
-            </a:r>
-          </a:p>
-          <a:p>
-            <a:r>
-              <a:rPr lang="ru-RU" dirty="0" smtClean="0"/>
-              <a:t>Пользовательский интерфейс.</a:t>
-            </a:r>
-          </a:p>
-          <a:p>
-            <a:r>
-              <a:rPr lang="ru-RU" dirty="0" smtClean="0"/>
-              <a:t>Визуально представляет </a:t>
-            </a:r>
-            <a:r>
-              <a:rPr lang="en-US" dirty="0" smtClean="0">
-                <a:solidFill>
-                  <a:schemeClr val="accent1">
-                    <a:lumMod val="75000"/>
-                  </a:schemeClr>
-                </a:solidFill>
-              </a:rPr>
-              <a:t>Model</a:t>
-            </a:r>
-            <a:r>
-              <a:rPr lang="en-US" dirty="0" smtClean="0"/>
-              <a:t>.</a:t>
-            </a:r>
-            <a:endParaRPr lang="en-GB" dirty="0"/>
-          </a:p>
-        </p:txBody>
-      </p:sp>
-      <p:sp>
-        <p:nvSpPr>
-          <p:cNvPr id="15" name="Стрелка вниз 14"/>
-          <p:cNvSpPr/>
-          <p:nvPr/>
-        </p:nvSpPr>
-        <p:spPr>
-          <a:xfrm>
-            <a:off x="8234640" y="3227562"/>
-            <a:ext cx="498764" cy="1202226"/>
-          </a:xfrm>
-          <a:prstGeom prst="downArrow">
-            <a:avLst/>
-          </a:prstGeom>
-        </p:spPr>
-        <p:style>
-          <a:lnRef idx="3">
-            <a:schemeClr val="lt1"/>
-          </a:lnRef>
-          <a:fillRef idx="1">
-            <a:schemeClr val="dk1"/>
-          </a:fillRef>
-          <a:effectRef idx="1">
-            <a:schemeClr val="dk1"/>
-          </a:effectRef>
-          <a:fontRef idx="minor">
-            <a:schemeClr val="lt1"/>
-          </a:fontRef>
-        </p:style>
-        <p:txBody>
-          <a:bodyPr rtlCol="0" anchor="ctr"/>
-          <a:lstStyle/>
-          <a:p>
-            <a:pPr algn="ctr"/>
-            <a:endParaRPr lang="en-GB"/>
-          </a:p>
-        </p:txBody>
-      </p:sp>
-      <p:grpSp>
-        <p:nvGrpSpPr>
-          <p:cNvPr id="22" name="Группа 21"/>
-          <p:cNvGrpSpPr/>
-          <p:nvPr/>
-        </p:nvGrpSpPr>
-        <p:grpSpPr>
-          <a:xfrm>
-            <a:off x="8792524" y="3446063"/>
-            <a:ext cx="1492741" cy="632716"/>
-            <a:chOff x="7977884" y="3313059"/>
-            <a:chExt cx="1492741" cy="632716"/>
-          </a:xfrm>
-        </p:grpSpPr>
-        <p:pic>
-          <p:nvPicPr>
-            <p:cNvPr id="17" name="Рисунок 16"/>
-            <p:cNvPicPr>
-              <a:picLocks noChangeAspect="1"/>
-            </p:cNvPicPr>
-            <p:nvPr/>
-          </p:nvPicPr>
-          <p:blipFill>
-            <a:blip r:embed="rId3">
-              <a:extLst>
-                <a:ext uri="{28A0092B-C50C-407E-A947-70E740481C1C}">
-                  <a14:useLocalDpi xmlns:a14="http://schemas.microsoft.com/office/drawing/2010/main" val="0"/>
-                </a:ext>
-              </a:extLst>
-            </a:blip>
-            <a:stretch>
-              <a:fillRect/>
-            </a:stretch>
-          </p:blipFill>
-          <p:spPr>
-            <a:xfrm>
-              <a:off x="7977884" y="3313059"/>
-              <a:ext cx="632716" cy="632716"/>
-            </a:xfrm>
-            <a:prstGeom prst="rect">
-              <a:avLst/>
-            </a:prstGeom>
-          </p:spPr>
-        </p:pic>
-        <p:sp>
-          <p:nvSpPr>
-            <p:cNvPr id="18" name="Прямоугольник 17"/>
-            <p:cNvSpPr/>
-            <p:nvPr/>
-          </p:nvSpPr>
-          <p:spPr>
-            <a:xfrm>
-              <a:off x="8676818" y="3530840"/>
-              <a:ext cx="793807" cy="369332"/>
-            </a:xfrm>
-            <a:prstGeom prst="rect">
-              <a:avLst/>
-            </a:prstGeom>
-          </p:spPr>
-          <p:txBody>
-            <a:bodyPr wrap="none">
-              <a:spAutoFit/>
-            </a:bodyPr>
-            <a:lstStyle/>
-            <a:p>
-              <a:r>
-                <a:rPr lang="en-US" dirty="0">
-                  <a:solidFill>
-                    <a:schemeClr val="accent1">
-                      <a:lumMod val="75000"/>
-                    </a:schemeClr>
-                  </a:solidFill>
-                </a:rPr>
-                <a:t>Model</a:t>
-              </a:r>
-              <a:endParaRPr lang="en-GB" dirty="0"/>
-            </a:p>
-          </p:txBody>
-        </p:sp>
-      </p:grpSp>
-      <p:grpSp>
-        <p:nvGrpSpPr>
-          <p:cNvPr id="21" name="Группа 20"/>
-          <p:cNvGrpSpPr/>
-          <p:nvPr/>
-        </p:nvGrpSpPr>
-        <p:grpSpPr>
-          <a:xfrm>
-            <a:off x="1190797" y="3013547"/>
-            <a:ext cx="1705616" cy="1852714"/>
-            <a:chOff x="376157" y="2880543"/>
-            <a:chExt cx="1705616" cy="1852714"/>
-          </a:xfrm>
-        </p:grpSpPr>
-        <p:pic>
-          <p:nvPicPr>
-            <p:cNvPr id="19" name="Рисунок 18"/>
-            <p:cNvPicPr>
-              <a:picLocks noChangeAspect="1"/>
-            </p:cNvPicPr>
-            <p:nvPr/>
-          </p:nvPicPr>
-          <p:blipFill>
-            <a:blip r:embed="rId4">
-              <a:extLst>
-                <a:ext uri="{28A0092B-C50C-407E-A947-70E740481C1C}">
-                  <a14:useLocalDpi xmlns:a14="http://schemas.microsoft.com/office/drawing/2010/main" val="0"/>
-                </a:ext>
-              </a:extLst>
-            </a:blip>
-            <a:stretch>
-              <a:fillRect/>
-            </a:stretch>
-          </p:blipFill>
-          <p:spPr>
-            <a:xfrm>
-              <a:off x="456012" y="2880543"/>
-              <a:ext cx="1300593" cy="1300593"/>
-            </a:xfrm>
-            <a:prstGeom prst="rect">
-              <a:avLst/>
-            </a:prstGeom>
-          </p:spPr>
-        </p:pic>
-        <p:sp>
-          <p:nvSpPr>
-            <p:cNvPr id="20" name="Прямоугольник 19"/>
-            <p:cNvSpPr/>
-            <p:nvPr/>
-          </p:nvSpPr>
-          <p:spPr>
-            <a:xfrm>
-              <a:off x="376157" y="4086926"/>
-              <a:ext cx="1705616" cy="646331"/>
-            </a:xfrm>
-            <a:prstGeom prst="rect">
-              <a:avLst/>
-            </a:prstGeom>
-          </p:spPr>
-          <p:txBody>
-            <a:bodyPr wrap="square">
-              <a:spAutoFit/>
-            </a:bodyPr>
-            <a:lstStyle/>
-            <a:p>
-              <a:r>
-                <a:rPr lang="ru-RU" dirty="0" smtClean="0"/>
-                <a:t>Браузер пользователя</a:t>
-              </a:r>
-              <a:endParaRPr lang="en-GB" dirty="0"/>
-            </a:p>
-          </p:txBody>
-        </p:sp>
-      </p:grpSp>
+      <p:graphicFrame>
+        <p:nvGraphicFramePr>
+          <p:cNvPr id="8" name="Таблица 7"/>
+          <p:cNvGraphicFramePr>
+            <a:graphicFrameLocks noGrp="1"/>
+          </p:cNvGraphicFramePr>
+          <p:nvPr>
+            <p:extLst>
+              <p:ext uri="{D42A27DB-BD31-4B8C-83A1-F6EECF244321}">
+                <p14:modId xmlns:p14="http://schemas.microsoft.com/office/powerpoint/2010/main" val="1787178588"/>
+              </p:ext>
+            </p:extLst>
+          </p:nvPr>
+        </p:nvGraphicFramePr>
+        <p:xfrm>
+          <a:off x="1033670" y="719666"/>
+          <a:ext cx="6573078" cy="1463040"/>
+        </p:xfrm>
+        <a:graphic>
+          <a:graphicData uri="http://schemas.openxmlformats.org/drawingml/2006/table">
+            <a:tbl>
+              <a:tblPr firstRow="1" bandRow="1">
+                <a:tableStyleId>{5C22544A-7EE6-4342-B048-85BDC9FD1C3A}</a:tableStyleId>
+              </a:tblPr>
+              <a:tblGrid>
+                <a:gridCol w="6573078"/>
+              </a:tblGrid>
+              <a:tr h="370840">
+                <a:tc>
+                  <a:txBody>
+                    <a:bodyPr/>
+                    <a:lstStyle/>
+                    <a:p>
+                      <a:r>
+                        <a:rPr lang="en-GB" sz="1800" b="0" dirty="0" err="1" smtClean="0">
+                          <a:solidFill>
+                            <a:srgbClr val="0000FF"/>
+                          </a:solidFill>
+                          <a:highlight>
+                            <a:srgbClr val="FFFFFF"/>
+                          </a:highlight>
+                          <a:latin typeface="Consolas" panose="020B0609020204030204" pitchFamily="49" charset="0"/>
+                        </a:rPr>
+                        <a:t>int</a:t>
+                      </a:r>
+                      <a:r>
+                        <a:rPr lang="en-GB" sz="1800" b="0" dirty="0" smtClean="0">
+                          <a:solidFill>
+                            <a:srgbClr val="000000"/>
+                          </a:solidFill>
+                          <a:highlight>
+                            <a:srgbClr val="FFFFFF"/>
+                          </a:highlight>
+                          <a:latin typeface="Consolas" panose="020B0609020204030204" pitchFamily="49" charset="0"/>
+                        </a:rPr>
+                        <a:t> </a:t>
+                      </a:r>
+                      <a:r>
+                        <a:rPr lang="en-GB" sz="1800" b="0" dirty="0" err="1" smtClean="0">
+                          <a:solidFill>
+                            <a:srgbClr val="000000"/>
+                          </a:solidFill>
+                          <a:highlight>
+                            <a:srgbClr val="FFFFFF"/>
+                          </a:highlight>
+                          <a:latin typeface="Consolas" panose="020B0609020204030204" pitchFamily="49" charset="0"/>
+                        </a:rPr>
+                        <a:t>i</a:t>
+                      </a:r>
+                      <a:r>
+                        <a:rPr lang="en-GB" sz="1800" b="0" dirty="0" smtClean="0">
+                          <a:solidFill>
+                            <a:srgbClr val="000000"/>
+                          </a:solidFill>
+                          <a:highlight>
+                            <a:srgbClr val="FFFFFF"/>
+                          </a:highlight>
+                          <a:latin typeface="Consolas" panose="020B0609020204030204" pitchFamily="49" charset="0"/>
+                        </a:rPr>
+                        <a:t> = 1;</a:t>
+                      </a:r>
+                    </a:p>
+                    <a:p>
+                      <a:r>
+                        <a:rPr lang="en-GB" sz="1800" b="0" dirty="0" smtClean="0">
+                          <a:solidFill>
+                            <a:srgbClr val="0000FF"/>
+                          </a:solidFill>
+                          <a:highlight>
+                            <a:srgbClr val="FFFFFF"/>
+                          </a:highlight>
+                          <a:latin typeface="Consolas" panose="020B0609020204030204" pitchFamily="49" charset="0"/>
+                        </a:rPr>
+                        <a:t>double</a:t>
+                      </a:r>
+                      <a:r>
+                        <a:rPr lang="en-GB" sz="1800" b="0" dirty="0" smtClean="0">
+                          <a:solidFill>
+                            <a:srgbClr val="000000"/>
+                          </a:solidFill>
+                          <a:highlight>
+                            <a:srgbClr val="FFFFFF"/>
+                          </a:highlight>
+                          <a:latin typeface="Consolas" panose="020B0609020204030204" pitchFamily="49" charset="0"/>
+                        </a:rPr>
+                        <a:t> d = 0.234;</a:t>
+                      </a:r>
+                    </a:p>
+                    <a:p>
+                      <a:r>
+                        <a:rPr lang="en-GB" sz="1800" b="0" dirty="0" err="1" smtClean="0">
+                          <a:solidFill>
+                            <a:srgbClr val="2B91AF"/>
+                          </a:solidFill>
+                          <a:highlight>
+                            <a:srgbClr val="FFFFFF"/>
+                          </a:highlight>
+                          <a:latin typeface="Consolas" panose="020B0609020204030204" pitchFamily="49" charset="0"/>
+                        </a:rPr>
+                        <a:t>Guid</a:t>
+                      </a:r>
+                      <a:r>
+                        <a:rPr lang="en-GB" sz="1800" b="0" dirty="0" smtClean="0">
+                          <a:solidFill>
+                            <a:srgbClr val="000000"/>
+                          </a:solidFill>
+                          <a:highlight>
+                            <a:srgbClr val="FFFFFF"/>
+                          </a:highlight>
+                          <a:latin typeface="Consolas" panose="020B0609020204030204" pitchFamily="49" charset="0"/>
+                        </a:rPr>
+                        <a:t> id = </a:t>
+                      </a:r>
+                      <a:r>
+                        <a:rPr lang="en-GB" sz="1800" b="0" dirty="0" err="1" smtClean="0">
+                          <a:solidFill>
+                            <a:srgbClr val="2B91AF"/>
+                          </a:solidFill>
+                          <a:highlight>
+                            <a:srgbClr val="FFFFFF"/>
+                          </a:highlight>
+                          <a:latin typeface="Consolas" panose="020B0609020204030204" pitchFamily="49" charset="0"/>
+                        </a:rPr>
+                        <a:t>Guid</a:t>
+                      </a:r>
+                      <a:r>
+                        <a:rPr lang="en-GB" sz="1800" b="0" dirty="0" err="1" smtClean="0">
+                          <a:solidFill>
+                            <a:srgbClr val="000000"/>
+                          </a:solidFill>
+                          <a:highlight>
+                            <a:srgbClr val="FFFFFF"/>
+                          </a:highlight>
+                          <a:latin typeface="Consolas" panose="020B0609020204030204" pitchFamily="49" charset="0"/>
+                        </a:rPr>
+                        <a:t>.NewGuid</a:t>
+                      </a:r>
+                      <a:r>
+                        <a:rPr lang="en-GB" sz="1800" b="0" smtClean="0">
+                          <a:solidFill>
+                            <a:srgbClr val="000000"/>
+                          </a:solidFill>
+                          <a:highlight>
+                            <a:srgbClr val="FFFFFF"/>
+                          </a:highlight>
+                          <a:latin typeface="Consolas" panose="020B0609020204030204" pitchFamily="49" charset="0"/>
+                        </a:rPr>
+                        <a:t>();</a:t>
+                      </a:r>
+                      <a:endParaRPr lang="en-GB" sz="1800" b="0" dirty="0" smtClean="0">
+                        <a:solidFill>
+                          <a:srgbClr val="000000"/>
+                        </a:solidFill>
+                        <a:highlight>
+                          <a:srgbClr val="FFFFFF"/>
+                        </a:highlight>
+                        <a:latin typeface="Consolas" panose="020B0609020204030204" pitchFamily="49" charset="0"/>
+                      </a:endParaRPr>
+                    </a:p>
+                    <a:p>
+                      <a:r>
+                        <a:rPr lang="ru-RU" sz="1800" b="0" dirty="0" err="1" smtClean="0">
+                          <a:solidFill>
+                            <a:srgbClr val="0000FF"/>
+                          </a:solidFill>
+                          <a:highlight>
+                            <a:srgbClr val="FFFFFF"/>
+                          </a:highlight>
+                          <a:latin typeface="Consolas" panose="020B0609020204030204" pitchFamily="49" charset="0"/>
+                        </a:rPr>
+                        <a:t>string</a:t>
+                      </a:r>
+                      <a:r>
+                        <a:rPr lang="ru-RU" sz="1800" b="0" dirty="0" smtClean="0">
+                          <a:solidFill>
+                            <a:srgbClr val="000000"/>
+                          </a:solidFill>
+                          <a:highlight>
+                            <a:srgbClr val="FFFFFF"/>
+                          </a:highlight>
+                          <a:latin typeface="Consolas" panose="020B0609020204030204" pitchFamily="49" charset="0"/>
+                        </a:rPr>
+                        <a:t> </a:t>
+                      </a:r>
+                      <a:r>
+                        <a:rPr lang="ru-RU" sz="1800" b="0" dirty="0" err="1" smtClean="0">
+                          <a:solidFill>
+                            <a:srgbClr val="000000"/>
+                          </a:solidFill>
+                          <a:highlight>
+                            <a:srgbClr val="FFFFFF"/>
+                          </a:highlight>
+                          <a:latin typeface="Consolas" panose="020B0609020204030204" pitchFamily="49" charset="0"/>
+                        </a:rPr>
+                        <a:t>line</a:t>
+                      </a:r>
+                      <a:r>
+                        <a:rPr lang="ru-RU" sz="1800" b="0" dirty="0" smtClean="0">
+                          <a:solidFill>
+                            <a:srgbClr val="000000"/>
+                          </a:solidFill>
+                          <a:highlight>
+                            <a:srgbClr val="FFFFFF"/>
+                          </a:highlight>
+                          <a:latin typeface="Consolas" panose="020B0609020204030204" pitchFamily="49" charset="0"/>
+                        </a:rPr>
+                        <a:t> = </a:t>
+                      </a:r>
+                      <a:r>
+                        <a:rPr lang="ru-RU" sz="1800" b="0" dirty="0" smtClean="0">
+                          <a:solidFill>
+                            <a:srgbClr val="A31515"/>
+                          </a:solidFill>
+                          <a:highlight>
+                            <a:srgbClr val="FFFFFF"/>
+                          </a:highlight>
+                          <a:latin typeface="Consolas" panose="020B0609020204030204" pitchFamily="49" charset="0"/>
+                        </a:rPr>
+                        <a:t>"да, это строка"</a:t>
+                      </a:r>
+                      <a:r>
+                        <a:rPr lang="ru-RU" sz="1800" b="0" dirty="0" smtClean="0">
+                          <a:solidFill>
+                            <a:srgbClr val="000000"/>
+                          </a:solidFill>
+                          <a:highlight>
+                            <a:srgbClr val="FFFFFF"/>
+                          </a:highlight>
+                          <a:latin typeface="Consolas" panose="020B0609020204030204" pitchFamily="49" charset="0"/>
+                        </a:rPr>
+                        <a:t>;</a:t>
+                      </a:r>
+                    </a:p>
+                    <a:p>
+                      <a:r>
+                        <a:rPr lang="en-GB" sz="1800" b="0" dirty="0" err="1" smtClean="0">
+                          <a:solidFill>
+                            <a:srgbClr val="2B91AF"/>
+                          </a:solidFill>
+                          <a:highlight>
+                            <a:srgbClr val="FFFFFF"/>
+                          </a:highlight>
+                          <a:latin typeface="Consolas" panose="020B0609020204030204" pitchFamily="49" charset="0"/>
+                        </a:rPr>
+                        <a:t>DateTime</a:t>
+                      </a:r>
+                      <a:r>
+                        <a:rPr lang="en-GB" sz="1800" b="0" dirty="0" smtClean="0">
+                          <a:solidFill>
+                            <a:srgbClr val="000000"/>
+                          </a:solidFill>
+                          <a:highlight>
+                            <a:srgbClr val="FFFFFF"/>
+                          </a:highlight>
+                          <a:latin typeface="Consolas" panose="020B0609020204030204" pitchFamily="49" charset="0"/>
+                        </a:rPr>
+                        <a:t> date = </a:t>
+                      </a:r>
+                      <a:r>
+                        <a:rPr lang="en-GB" sz="1800" b="0" dirty="0" smtClean="0">
+                          <a:solidFill>
+                            <a:srgbClr val="0000FF"/>
+                          </a:solidFill>
+                          <a:highlight>
+                            <a:srgbClr val="FFFFFF"/>
+                          </a:highlight>
+                          <a:latin typeface="Consolas" panose="020B0609020204030204" pitchFamily="49" charset="0"/>
+                        </a:rPr>
+                        <a:t>new</a:t>
+                      </a:r>
+                      <a:r>
+                        <a:rPr lang="en-GB" sz="1800" b="0" dirty="0" smtClean="0">
+                          <a:solidFill>
+                            <a:srgbClr val="000000"/>
+                          </a:solidFill>
+                          <a:highlight>
+                            <a:srgbClr val="FFFFFF"/>
+                          </a:highlight>
+                          <a:latin typeface="Consolas" panose="020B0609020204030204" pitchFamily="49" charset="0"/>
+                        </a:rPr>
+                        <a:t> </a:t>
+                      </a:r>
+                      <a:r>
+                        <a:rPr lang="en-GB" sz="1800" b="0" dirty="0" err="1" smtClean="0">
+                          <a:solidFill>
+                            <a:srgbClr val="2B91AF"/>
+                          </a:solidFill>
+                          <a:highlight>
+                            <a:srgbClr val="FFFFFF"/>
+                          </a:highlight>
+                          <a:latin typeface="Consolas" panose="020B0609020204030204" pitchFamily="49" charset="0"/>
+                        </a:rPr>
+                        <a:t>DateTime</a:t>
+                      </a:r>
+                      <a:r>
+                        <a:rPr lang="en-GB" sz="1800" b="0" dirty="0" smtClean="0">
+                          <a:solidFill>
+                            <a:srgbClr val="000000"/>
+                          </a:solidFill>
+                          <a:highlight>
+                            <a:srgbClr val="FFFFFF"/>
+                          </a:highlight>
+                          <a:latin typeface="Consolas" panose="020B0609020204030204" pitchFamily="49" charset="0"/>
+                        </a:rPr>
+                        <a:t>(2016, 4, 2);</a:t>
+                      </a:r>
+                      <a:endParaRPr lang="en-GB" b="0" dirty="0"/>
+                    </a:p>
+                  </a:txBody>
+                  <a:tcPr>
+                    <a:solidFill>
+                      <a:schemeClr val="bg1"/>
+                    </a:solidFill>
+                  </a:tcPr>
+                </a:tc>
+              </a:tr>
+            </a:tbl>
+          </a:graphicData>
+        </a:graphic>
+      </p:graphicFrame>
     </p:spTree>
     <p:extLst>
       <p:ext uri="{BB962C8B-B14F-4D97-AF65-F5344CB8AC3E}">
-        <p14:creationId xmlns:p14="http://schemas.microsoft.com/office/powerpoint/2010/main" val="3267754883"/>
+        <p14:creationId xmlns:p14="http://schemas.microsoft.com/office/powerpoint/2010/main" val="3964453160"/>
       </p:ext>
     </p:extLst>
   </p:cSld>

--- a/Presentations/Занятие 1.pptx
+++ b/Presentations/Занятие 1.pptx
@@ -5,7 +5,7 @@
     <p:sldMasterId id="2147483648" r:id="rId1"/>
   </p:sldMasterIdLst>
   <p:notesMasterIdLst>
-    <p:notesMasterId r:id="rId32"/>
+    <p:notesMasterId r:id="rId16"/>
   </p:notesMasterIdLst>
   <p:sldIdLst>
     <p:sldId id="256" r:id="rId2"/>
@@ -17,27 +17,11 @@
     <p:sldId id="283" r:id="rId8"/>
     <p:sldId id="284" r:id="rId9"/>
     <p:sldId id="285" r:id="rId10"/>
-    <p:sldId id="258" r:id="rId11"/>
-    <p:sldId id="259" r:id="rId12"/>
-    <p:sldId id="260" r:id="rId13"/>
-    <p:sldId id="267" r:id="rId14"/>
-    <p:sldId id="268" r:id="rId15"/>
-    <p:sldId id="261" r:id="rId16"/>
-    <p:sldId id="269" r:id="rId17"/>
-    <p:sldId id="263" r:id="rId18"/>
-    <p:sldId id="262" r:id="rId19"/>
-    <p:sldId id="264" r:id="rId20"/>
-    <p:sldId id="265" r:id="rId21"/>
-    <p:sldId id="274" r:id="rId22"/>
-    <p:sldId id="266" r:id="rId23"/>
-    <p:sldId id="270" r:id="rId24"/>
-    <p:sldId id="273" r:id="rId25"/>
-    <p:sldId id="271" r:id="rId26"/>
-    <p:sldId id="276" r:id="rId27"/>
-    <p:sldId id="272" r:id="rId28"/>
-    <p:sldId id="277" r:id="rId29"/>
-    <p:sldId id="275" r:id="rId30"/>
-    <p:sldId id="278" r:id="rId31"/>
+    <p:sldId id="287" r:id="rId11"/>
+    <p:sldId id="286" r:id="rId12"/>
+    <p:sldId id="289" r:id="rId13"/>
+    <p:sldId id="290" r:id="rId14"/>
+    <p:sldId id="291" r:id="rId15"/>
   </p:sldIdLst>
   <p:sldSz cx="12192000" cy="6858000"/>
   <p:notesSz cx="6858000" cy="9144000"/>
@@ -238,7 +222,7 @@
           <a:p>
             <a:fld id="{5FC6800F-F77B-4E37-9455-C74E3CC59F23}" type="datetimeFigureOut">
               <a:rPr lang="en-GB" smtClean="0"/>
-              <a:t>22/03/2016</a:t>
+              <a:t>24/03/2016</a:t>
             </a:fld>
             <a:endParaRPr lang="en-GB"/>
           </a:p>
@@ -991,7 +975,7 @@
           <a:p>
             <a:fld id="{8F6A3D4D-7E3A-4755-99AC-75200A9386BA}" type="slidenum">
               <a:rPr lang="en-GB" smtClean="0"/>
-              <a:t>16</a:t>
+              <a:t>10</a:t>
             </a:fld>
             <a:endParaRPr lang="en-GB"/>
           </a:p>
@@ -1000,7 +984,7 @@
     </p:spTree>
     <p:extLst>
       <p:ext uri="{BB962C8B-B14F-4D97-AF65-F5344CB8AC3E}">
-        <p14:creationId xmlns:p14="http://schemas.microsoft.com/office/powerpoint/2010/main" val="2682439776"/>
+        <p14:creationId xmlns:p14="http://schemas.microsoft.com/office/powerpoint/2010/main" val="1006471519"/>
       </p:ext>
     </p:extLst>
   </p:cSld>
@@ -1075,7 +1059,7 @@
           <a:p>
             <a:fld id="{8F6A3D4D-7E3A-4755-99AC-75200A9386BA}" type="slidenum">
               <a:rPr lang="en-GB" smtClean="0"/>
-              <a:t>18</a:t>
+              <a:t>11</a:t>
             </a:fld>
             <a:endParaRPr lang="en-GB"/>
           </a:p>
@@ -1084,7 +1068,91 @@
     </p:spTree>
     <p:extLst>
       <p:ext uri="{BB962C8B-B14F-4D97-AF65-F5344CB8AC3E}">
-        <p14:creationId xmlns:p14="http://schemas.microsoft.com/office/powerpoint/2010/main" val="1118459086"/>
+        <p14:creationId xmlns:p14="http://schemas.microsoft.com/office/powerpoint/2010/main" val="3823686695"/>
+      </p:ext>
+    </p:extLst>
+  </p:cSld>
+  <p:clrMapOvr>
+    <a:masterClrMapping/>
+  </p:clrMapOvr>
+</p:notes>
+</file>
+
+<file path=ppt/notesSlides/notesSlide8.xml><?xml version="1.0" encoding="utf-8"?>
+<p:notes xmlns:a="http://schemas.openxmlformats.org/drawingml/2006/main" xmlns:r="http://schemas.openxmlformats.org/officeDocument/2006/relationships" xmlns:p="http://schemas.openxmlformats.org/presentationml/2006/main">
+  <p:cSld>
+    <p:spTree>
+      <p:nvGrpSpPr>
+        <p:cNvPr id="1" name=""/>
+        <p:cNvGrpSpPr/>
+        <p:nvPr/>
+      </p:nvGrpSpPr>
+      <p:grpSpPr>
+        <a:xfrm>
+          <a:off x="0" y="0"/>
+          <a:ext cx="0" cy="0"/>
+          <a:chOff x="0" y="0"/>
+          <a:chExt cx="0" cy="0"/>
+        </a:xfrm>
+      </p:grpSpPr>
+      <p:sp>
+        <p:nvSpPr>
+          <p:cNvPr id="2" name="Образ слайда 1"/>
+          <p:cNvSpPr>
+            <a:spLocks noGrp="1" noRot="1" noChangeAspect="1"/>
+          </p:cNvSpPr>
+          <p:nvPr>
+            <p:ph type="sldImg"/>
+          </p:nvPr>
+        </p:nvSpPr>
+        <p:spPr/>
+      </p:sp>
+      <p:sp>
+        <p:nvSpPr>
+          <p:cNvPr id="3" name="Заметки 2"/>
+          <p:cNvSpPr>
+            <a:spLocks noGrp="1"/>
+          </p:cNvSpPr>
+          <p:nvPr>
+            <p:ph type="body" idx="1"/>
+          </p:nvPr>
+        </p:nvSpPr>
+        <p:spPr/>
+        <p:txBody>
+          <a:bodyPr/>
+          <a:lstStyle/>
+          <a:p>
+            <a:endParaRPr lang="en-GB"/>
+          </a:p>
+        </p:txBody>
+      </p:sp>
+      <p:sp>
+        <p:nvSpPr>
+          <p:cNvPr id="4" name="Номер слайда 3"/>
+          <p:cNvSpPr>
+            <a:spLocks noGrp="1"/>
+          </p:cNvSpPr>
+          <p:nvPr>
+            <p:ph type="sldNum" sz="quarter" idx="10"/>
+          </p:nvPr>
+        </p:nvSpPr>
+        <p:spPr/>
+        <p:txBody>
+          <a:bodyPr/>
+          <a:lstStyle/>
+          <a:p>
+            <a:fld id="{8F6A3D4D-7E3A-4755-99AC-75200A9386BA}" type="slidenum">
+              <a:rPr lang="en-GB" smtClean="0"/>
+              <a:t>13</a:t>
+            </a:fld>
+            <a:endParaRPr lang="en-GB"/>
+          </a:p>
+        </p:txBody>
+      </p:sp>
+    </p:spTree>
+    <p:extLst>
+      <p:ext uri="{BB962C8B-B14F-4D97-AF65-F5344CB8AC3E}">
+        <p14:creationId xmlns:p14="http://schemas.microsoft.com/office/powerpoint/2010/main" val="289537867"/>
       </p:ext>
     </p:extLst>
   </p:cSld>
@@ -4095,39 +4163,39 @@
       </p:grpSpPr>
       <p:sp>
         <p:nvSpPr>
-          <p:cNvPr id="2" name="Заголовок 1"/>
-          <p:cNvSpPr>
-            <a:spLocks noGrp="1"/>
-          </p:cNvSpPr>
-          <p:nvPr>
-            <p:ph type="title"/>
-          </p:nvPr>
-        </p:nvSpPr>
-        <p:spPr/>
-        <p:txBody>
-          <a:bodyPr/>
-          <a:lstStyle/>
-          <a:p>
-            <a:endParaRPr lang="en-GB" dirty="0"/>
-          </a:p>
-        </p:txBody>
-      </p:sp>
-      <p:sp>
-        <p:nvSpPr>
-          <p:cNvPr id="3" name="Объект 2"/>
-          <p:cNvSpPr>
-            <a:spLocks noGrp="1"/>
-          </p:cNvSpPr>
-          <p:nvPr>
-            <p:ph idx="1"/>
-          </p:nvPr>
-        </p:nvSpPr>
-        <p:spPr/>
-        <p:txBody>
-          <a:bodyPr/>
-          <a:lstStyle/>
-          <a:p>
-            <a:endParaRPr lang="en-GB" dirty="0"/>
+          <p:cNvPr id="11" name="Прямоугольник 10"/>
+          <p:cNvSpPr/>
+          <p:nvPr/>
+        </p:nvSpPr>
+        <p:spPr>
+          <a:xfrm>
+            <a:off x="838200" y="3461594"/>
+            <a:ext cx="7772400" cy="2440442"/>
+          </a:xfrm>
+          <a:prstGeom prst="rect">
+            <a:avLst/>
+          </a:prstGeom>
+        </p:spPr>
+        <p:style>
+          <a:lnRef idx="2">
+            <a:schemeClr val="accent2"/>
+          </a:lnRef>
+          <a:fillRef idx="1">
+            <a:schemeClr val="lt1"/>
+          </a:fillRef>
+          <a:effectRef idx="0">
+            <a:schemeClr val="accent2"/>
+          </a:effectRef>
+          <a:fontRef idx="minor">
+            <a:schemeClr val="dk1"/>
+          </a:fontRef>
+        </p:style>
+        <p:txBody>
+          <a:bodyPr rtlCol="0" anchor="ctr"/>
+          <a:lstStyle/>
+          <a:p>
+            <a:pPr algn="ctr"/>
+            <a:endParaRPr lang="en-GB"/>
           </a:p>
         </p:txBody>
       </p:sp>
@@ -4200,10 +4268,706 @@
           </a:p>
         </p:txBody>
       </p:sp>
+      <p:sp>
+        <p:nvSpPr>
+          <p:cNvPr id="7" name="Прямоугольник 6"/>
+          <p:cNvSpPr/>
+          <p:nvPr/>
+        </p:nvSpPr>
+        <p:spPr>
+          <a:xfrm>
+            <a:off x="1" y="0"/>
+            <a:ext cx="12192000" cy="296333"/>
+          </a:xfrm>
+          <a:prstGeom prst="rect">
+            <a:avLst/>
+          </a:prstGeom>
+        </p:spPr>
+        <p:style>
+          <a:lnRef idx="0">
+            <a:schemeClr val="accent5"/>
+          </a:lnRef>
+          <a:fillRef idx="3">
+            <a:schemeClr val="accent5"/>
+          </a:fillRef>
+          <a:effectRef idx="3">
+            <a:schemeClr val="accent5"/>
+          </a:effectRef>
+          <a:fontRef idx="minor">
+            <a:schemeClr val="lt1"/>
+          </a:fontRef>
+        </p:style>
+        <p:txBody>
+          <a:bodyPr rtlCol="0" anchor="ctr"/>
+          <a:lstStyle/>
+          <a:p>
+            <a:pPr algn="ctr"/>
+            <a:r>
+              <a:rPr lang="ru-RU" dirty="0" smtClean="0"/>
+              <a:t>Управляющие конструкции</a:t>
+            </a:r>
+            <a:r>
+              <a:rPr lang="en-US" dirty="0" smtClean="0"/>
+              <a:t>: if</a:t>
+            </a:r>
+            <a:endParaRPr lang="en-GB" dirty="0"/>
+          </a:p>
+        </p:txBody>
+      </p:sp>
+      <p:graphicFrame>
+        <p:nvGraphicFramePr>
+          <p:cNvPr id="8" name="Таблица 7"/>
+          <p:cNvGraphicFramePr>
+            <a:graphicFrameLocks noGrp="1"/>
+          </p:cNvGraphicFramePr>
+          <p:nvPr>
+            <p:extLst/>
+          </p:nvPr>
+        </p:nvGraphicFramePr>
+        <p:xfrm>
+          <a:off x="1033670" y="719666"/>
+          <a:ext cx="6573078" cy="2360224"/>
+        </p:xfrm>
+        <a:graphic>
+          <a:graphicData uri="http://schemas.openxmlformats.org/drawingml/2006/table">
+            <a:tbl>
+              <a:tblPr firstRow="1" bandRow="1">
+                <a:tableStyleId>{5C22544A-7EE6-4342-B048-85BDC9FD1C3A}</a:tableStyleId>
+              </a:tblPr>
+              <a:tblGrid>
+                <a:gridCol w="6573078"/>
+              </a:tblGrid>
+              <a:tr h="2360224">
+                <a:tc>
+                  <a:txBody>
+                    <a:bodyPr/>
+                    <a:lstStyle/>
+                    <a:p>
+                      <a:r>
+                        <a:rPr lang="en-GB" sz="1800" b="0" dirty="0" smtClean="0">
+                          <a:solidFill>
+                            <a:srgbClr val="0000FF"/>
+                          </a:solidFill>
+                          <a:highlight>
+                            <a:srgbClr val="FFFFFF"/>
+                          </a:highlight>
+                          <a:latin typeface="Consolas" panose="020B0609020204030204" pitchFamily="49" charset="0"/>
+                        </a:rPr>
+                        <a:t>if</a:t>
+                      </a:r>
+                      <a:r>
+                        <a:rPr lang="en-GB" sz="1800" b="0" dirty="0" smtClean="0">
+                          <a:solidFill>
+                            <a:srgbClr val="000000"/>
+                          </a:solidFill>
+                          <a:highlight>
+                            <a:srgbClr val="FFFFFF"/>
+                          </a:highlight>
+                          <a:latin typeface="Consolas" panose="020B0609020204030204" pitchFamily="49" charset="0"/>
+                        </a:rPr>
+                        <a:t> (a&gt;b)</a:t>
+                      </a:r>
+                    </a:p>
+                    <a:p>
+                      <a:r>
+                        <a:rPr lang="en-GB" sz="1800" b="0" dirty="0" smtClean="0">
+                          <a:solidFill>
+                            <a:srgbClr val="000000"/>
+                          </a:solidFill>
+                          <a:highlight>
+                            <a:srgbClr val="FFFFFF"/>
+                          </a:highlight>
+                          <a:latin typeface="Consolas" panose="020B0609020204030204" pitchFamily="49" charset="0"/>
+                        </a:rPr>
+                        <a:t>{</a:t>
+                      </a:r>
+                    </a:p>
+                    <a:p>
+                      <a:r>
+                        <a:rPr lang="en-GB" sz="1800" b="0" dirty="0" smtClean="0">
+                          <a:solidFill>
+                            <a:srgbClr val="000000"/>
+                          </a:solidFill>
+                          <a:highlight>
+                            <a:srgbClr val="FFFFFF"/>
+                          </a:highlight>
+                          <a:latin typeface="Consolas" panose="020B0609020204030204" pitchFamily="49" charset="0"/>
+                        </a:rPr>
+                        <a:t>    </a:t>
+                      </a:r>
+                      <a:r>
+                        <a:rPr lang="en-GB" sz="1800" b="0" dirty="0" err="1" smtClean="0">
+                          <a:solidFill>
+                            <a:srgbClr val="2B91AF"/>
+                          </a:solidFill>
+                          <a:highlight>
+                            <a:srgbClr val="FFFFFF"/>
+                          </a:highlight>
+                          <a:latin typeface="Consolas" panose="020B0609020204030204" pitchFamily="49" charset="0"/>
+                        </a:rPr>
+                        <a:t>Console</a:t>
+                      </a:r>
+                      <a:r>
+                        <a:rPr lang="en-GB" sz="1800" b="0" dirty="0" err="1" smtClean="0">
+                          <a:solidFill>
+                            <a:srgbClr val="000000"/>
+                          </a:solidFill>
+                          <a:highlight>
+                            <a:srgbClr val="FFFFFF"/>
+                          </a:highlight>
+                          <a:latin typeface="Consolas" panose="020B0609020204030204" pitchFamily="49" charset="0"/>
+                        </a:rPr>
+                        <a:t>.WriteLine</a:t>
+                      </a:r>
+                      <a:r>
+                        <a:rPr lang="en-GB" sz="1800" b="0" dirty="0" smtClean="0">
+                          <a:solidFill>
+                            <a:srgbClr val="000000"/>
+                          </a:solidFill>
+                          <a:highlight>
+                            <a:srgbClr val="FFFFFF"/>
+                          </a:highlight>
+                          <a:latin typeface="Consolas" panose="020B0609020204030204" pitchFamily="49" charset="0"/>
+                        </a:rPr>
+                        <a:t>(</a:t>
+                      </a:r>
+                      <a:r>
+                        <a:rPr lang="en-GB" sz="1800" b="0" dirty="0" smtClean="0">
+                          <a:solidFill>
+                            <a:srgbClr val="A31515"/>
+                          </a:solidFill>
+                          <a:highlight>
+                            <a:srgbClr val="FFFFFF"/>
+                          </a:highlight>
+                          <a:latin typeface="Consolas" panose="020B0609020204030204" pitchFamily="49" charset="0"/>
+                        </a:rPr>
+                        <a:t>"a&gt;b"</a:t>
+                      </a:r>
+                      <a:r>
+                        <a:rPr lang="en-GB" sz="1800" b="0" dirty="0" smtClean="0">
+                          <a:solidFill>
+                            <a:srgbClr val="000000"/>
+                          </a:solidFill>
+                          <a:highlight>
+                            <a:srgbClr val="FFFFFF"/>
+                          </a:highlight>
+                          <a:latin typeface="Consolas" panose="020B0609020204030204" pitchFamily="49" charset="0"/>
+                        </a:rPr>
+                        <a:t>);</a:t>
+                      </a:r>
+                    </a:p>
+                    <a:p>
+                      <a:r>
+                        <a:rPr lang="en-GB" sz="1800" b="0" dirty="0" smtClean="0">
+                          <a:solidFill>
+                            <a:srgbClr val="000000"/>
+                          </a:solidFill>
+                          <a:highlight>
+                            <a:srgbClr val="FFFFFF"/>
+                          </a:highlight>
+                          <a:latin typeface="Consolas" panose="020B0609020204030204" pitchFamily="49" charset="0"/>
+                        </a:rPr>
+                        <a:t>}                </a:t>
+                      </a:r>
+                    </a:p>
+                    <a:p>
+                      <a:r>
+                        <a:rPr lang="en-GB" sz="1800" b="0" dirty="0" smtClean="0">
+                          <a:solidFill>
+                            <a:srgbClr val="0000FF"/>
+                          </a:solidFill>
+                          <a:highlight>
+                            <a:srgbClr val="FFFFFF"/>
+                          </a:highlight>
+                          <a:latin typeface="Consolas" panose="020B0609020204030204" pitchFamily="49" charset="0"/>
+                        </a:rPr>
+                        <a:t>else</a:t>
+                      </a:r>
+                    </a:p>
+                    <a:p>
+                      <a:r>
+                        <a:rPr lang="en-GB" sz="1800" b="0" dirty="0" smtClean="0">
+                          <a:solidFill>
+                            <a:srgbClr val="000000"/>
+                          </a:solidFill>
+                          <a:highlight>
+                            <a:srgbClr val="FFFFFF"/>
+                          </a:highlight>
+                          <a:latin typeface="Consolas" panose="020B0609020204030204" pitchFamily="49" charset="0"/>
+                        </a:rPr>
+                        <a:t>{</a:t>
+                      </a:r>
+                    </a:p>
+                    <a:p>
+                      <a:r>
+                        <a:rPr lang="en-GB" sz="1800" b="0" dirty="0" smtClean="0">
+                          <a:solidFill>
+                            <a:srgbClr val="000000"/>
+                          </a:solidFill>
+                          <a:highlight>
+                            <a:srgbClr val="FFFFFF"/>
+                          </a:highlight>
+                          <a:latin typeface="Consolas" panose="020B0609020204030204" pitchFamily="49" charset="0"/>
+                        </a:rPr>
+                        <a:t>    </a:t>
+                      </a:r>
+                      <a:r>
+                        <a:rPr lang="en-GB" sz="1800" b="0" dirty="0" err="1" smtClean="0">
+                          <a:solidFill>
+                            <a:srgbClr val="2B91AF"/>
+                          </a:solidFill>
+                          <a:highlight>
+                            <a:srgbClr val="FFFFFF"/>
+                          </a:highlight>
+                          <a:latin typeface="Consolas" panose="020B0609020204030204" pitchFamily="49" charset="0"/>
+                        </a:rPr>
+                        <a:t>Console</a:t>
+                      </a:r>
+                      <a:r>
+                        <a:rPr lang="en-GB" sz="1800" b="0" dirty="0" err="1" smtClean="0">
+                          <a:solidFill>
+                            <a:srgbClr val="000000"/>
+                          </a:solidFill>
+                          <a:highlight>
+                            <a:srgbClr val="FFFFFF"/>
+                          </a:highlight>
+                          <a:latin typeface="Consolas" panose="020B0609020204030204" pitchFamily="49" charset="0"/>
+                        </a:rPr>
+                        <a:t>.WriteLine</a:t>
+                      </a:r>
+                      <a:r>
+                        <a:rPr lang="en-GB" sz="1800" b="0" dirty="0" smtClean="0">
+                          <a:solidFill>
+                            <a:srgbClr val="000000"/>
+                          </a:solidFill>
+                          <a:highlight>
+                            <a:srgbClr val="FFFFFF"/>
+                          </a:highlight>
+                          <a:latin typeface="Consolas" panose="020B0609020204030204" pitchFamily="49" charset="0"/>
+                        </a:rPr>
+                        <a:t>(</a:t>
+                      </a:r>
+                      <a:r>
+                        <a:rPr lang="en-GB" sz="1800" b="0" dirty="0" smtClean="0">
+                          <a:solidFill>
+                            <a:srgbClr val="A31515"/>
+                          </a:solidFill>
+                          <a:highlight>
+                            <a:srgbClr val="FFFFFF"/>
+                          </a:highlight>
+                          <a:latin typeface="Consolas" panose="020B0609020204030204" pitchFamily="49" charset="0"/>
+                        </a:rPr>
+                        <a:t>"a&lt;b || a==b"</a:t>
+                      </a:r>
+                      <a:r>
+                        <a:rPr lang="en-GB" sz="1800" b="0" dirty="0" smtClean="0">
+                          <a:solidFill>
+                            <a:srgbClr val="000000"/>
+                          </a:solidFill>
+                          <a:highlight>
+                            <a:srgbClr val="FFFFFF"/>
+                          </a:highlight>
+                          <a:latin typeface="Consolas" panose="020B0609020204030204" pitchFamily="49" charset="0"/>
+                        </a:rPr>
+                        <a:t>);</a:t>
+                      </a:r>
+                    </a:p>
+                    <a:p>
+                      <a:r>
+                        <a:rPr lang="en-GB" sz="1800" b="0" dirty="0" smtClean="0">
+                          <a:solidFill>
+                            <a:srgbClr val="000000"/>
+                          </a:solidFill>
+                          <a:highlight>
+                            <a:srgbClr val="FFFFFF"/>
+                          </a:highlight>
+                          <a:latin typeface="Consolas" panose="020B0609020204030204" pitchFamily="49" charset="0"/>
+                        </a:rPr>
+                        <a:t>}</a:t>
+                      </a:r>
+                      <a:endParaRPr lang="en-GB" b="0" dirty="0"/>
+                    </a:p>
+                  </a:txBody>
+                  <a:tcPr>
+                    <a:solidFill>
+                      <a:schemeClr val="bg1"/>
+                    </a:solidFill>
+                  </a:tcPr>
+                </a:tc>
+              </a:tr>
+            </a:tbl>
+          </a:graphicData>
+        </a:graphic>
+      </p:graphicFrame>
+      <p:sp>
+        <p:nvSpPr>
+          <p:cNvPr id="3" name="Прямоугольник 2"/>
+          <p:cNvSpPr/>
+          <p:nvPr/>
+        </p:nvSpPr>
+        <p:spPr>
+          <a:xfrm>
+            <a:off x="1033670" y="4320003"/>
+            <a:ext cx="6096000" cy="1200329"/>
+          </a:xfrm>
+          <a:prstGeom prst="rect">
+            <a:avLst/>
+          </a:prstGeom>
+        </p:spPr>
+        <p:txBody>
+          <a:bodyPr>
+            <a:spAutoFit/>
+          </a:bodyPr>
+          <a:lstStyle/>
+          <a:p>
+            <a:r>
+              <a:rPr lang="en-GB" dirty="0">
+                <a:solidFill>
+                  <a:srgbClr val="0000FF"/>
+                </a:solidFill>
+                <a:highlight>
+                  <a:srgbClr val="FFFFFF"/>
+                </a:highlight>
+                <a:latin typeface="Consolas" panose="020B0609020204030204" pitchFamily="49" charset="0"/>
+              </a:rPr>
+              <a:t>if</a:t>
+            </a:r>
+            <a:r>
+              <a:rPr lang="en-GB" dirty="0">
+                <a:solidFill>
+                  <a:srgbClr val="000000"/>
+                </a:solidFill>
+                <a:highlight>
+                  <a:srgbClr val="FFFFFF"/>
+                </a:highlight>
+                <a:latin typeface="Consolas" panose="020B0609020204030204" pitchFamily="49" charset="0"/>
+              </a:rPr>
+              <a:t>(</a:t>
+            </a:r>
+            <a:r>
+              <a:rPr lang="en-GB" dirty="0">
+                <a:solidFill>
+                  <a:srgbClr val="0000FF"/>
+                </a:solidFill>
+                <a:highlight>
+                  <a:srgbClr val="FFFFFF"/>
+                </a:highlight>
+                <a:latin typeface="Consolas" panose="020B0609020204030204" pitchFamily="49" charset="0"/>
+              </a:rPr>
+              <a:t>false</a:t>
+            </a:r>
+            <a:r>
+              <a:rPr lang="en-GB" dirty="0">
+                <a:solidFill>
+                  <a:srgbClr val="000000"/>
+                </a:solidFill>
+                <a:highlight>
+                  <a:srgbClr val="FFFFFF"/>
+                </a:highlight>
+                <a:latin typeface="Consolas" panose="020B0609020204030204" pitchFamily="49" charset="0"/>
+              </a:rPr>
+              <a:t>)</a:t>
+            </a:r>
+          </a:p>
+          <a:p>
+            <a:r>
+              <a:rPr lang="en-GB" dirty="0">
+                <a:solidFill>
+                  <a:srgbClr val="000000"/>
+                </a:solidFill>
+                <a:highlight>
+                  <a:srgbClr val="FFFFFF"/>
+                </a:highlight>
+                <a:latin typeface="Consolas" panose="020B0609020204030204" pitchFamily="49" charset="0"/>
+              </a:rPr>
+              <a:t>    </a:t>
+            </a:r>
+            <a:r>
+              <a:rPr lang="en-GB" dirty="0" err="1">
+                <a:solidFill>
+                  <a:srgbClr val="2B91AF"/>
+                </a:solidFill>
+                <a:highlight>
+                  <a:srgbClr val="FFFFFF"/>
+                </a:highlight>
+                <a:latin typeface="Consolas" panose="020B0609020204030204" pitchFamily="49" charset="0"/>
+              </a:rPr>
+              <a:t>Console</a:t>
+            </a:r>
+            <a:r>
+              <a:rPr lang="en-GB" dirty="0" err="1">
+                <a:solidFill>
+                  <a:srgbClr val="000000"/>
+                </a:solidFill>
+                <a:highlight>
+                  <a:srgbClr val="FFFFFF"/>
+                </a:highlight>
+                <a:latin typeface="Consolas" panose="020B0609020204030204" pitchFamily="49" charset="0"/>
+              </a:rPr>
+              <a:t>.WriteLine</a:t>
+            </a:r>
+            <a:r>
+              <a:rPr lang="en-GB" dirty="0">
+                <a:solidFill>
+                  <a:srgbClr val="000000"/>
+                </a:solidFill>
+                <a:highlight>
+                  <a:srgbClr val="FFFFFF"/>
+                </a:highlight>
+                <a:latin typeface="Consolas" panose="020B0609020204030204" pitchFamily="49" charset="0"/>
+              </a:rPr>
+              <a:t>(</a:t>
+            </a:r>
+            <a:r>
+              <a:rPr lang="en-GB" dirty="0">
+                <a:solidFill>
+                  <a:srgbClr val="A31515"/>
+                </a:solidFill>
+                <a:highlight>
+                  <a:srgbClr val="FFFFFF"/>
+                </a:highlight>
+                <a:latin typeface="Consolas" panose="020B0609020204030204" pitchFamily="49" charset="0"/>
+              </a:rPr>
+              <a:t>"false"</a:t>
+            </a:r>
+            <a:r>
+              <a:rPr lang="en-GB" dirty="0">
+                <a:solidFill>
+                  <a:srgbClr val="000000"/>
+                </a:solidFill>
+                <a:highlight>
+                  <a:srgbClr val="FFFFFF"/>
+                </a:highlight>
+                <a:latin typeface="Consolas" panose="020B0609020204030204" pitchFamily="49" charset="0"/>
+              </a:rPr>
+              <a:t>);</a:t>
+            </a:r>
+          </a:p>
+          <a:p>
+            <a:r>
+              <a:rPr lang="en-GB" dirty="0">
+                <a:solidFill>
+                  <a:srgbClr val="0000FF"/>
+                </a:solidFill>
+                <a:highlight>
+                  <a:srgbClr val="FFFFFF"/>
+                </a:highlight>
+                <a:latin typeface="Consolas" panose="020B0609020204030204" pitchFamily="49" charset="0"/>
+              </a:rPr>
+              <a:t>if</a:t>
+            </a:r>
+            <a:r>
+              <a:rPr lang="en-GB" dirty="0">
+                <a:solidFill>
+                  <a:srgbClr val="000000"/>
+                </a:solidFill>
+                <a:highlight>
+                  <a:srgbClr val="FFFFFF"/>
+                </a:highlight>
+                <a:latin typeface="Consolas" panose="020B0609020204030204" pitchFamily="49" charset="0"/>
+              </a:rPr>
+              <a:t>(</a:t>
+            </a:r>
+            <a:r>
+              <a:rPr lang="en-GB" dirty="0">
+                <a:solidFill>
+                  <a:srgbClr val="0000FF"/>
+                </a:solidFill>
+                <a:highlight>
+                  <a:srgbClr val="FFFFFF"/>
+                </a:highlight>
+                <a:latin typeface="Consolas" panose="020B0609020204030204" pitchFamily="49" charset="0"/>
+              </a:rPr>
+              <a:t>true</a:t>
+            </a:r>
+            <a:r>
+              <a:rPr lang="en-GB" dirty="0">
+                <a:solidFill>
+                  <a:srgbClr val="000000"/>
+                </a:solidFill>
+                <a:highlight>
+                  <a:srgbClr val="FFFFFF"/>
+                </a:highlight>
+                <a:latin typeface="Consolas" panose="020B0609020204030204" pitchFamily="49" charset="0"/>
+              </a:rPr>
+              <a:t>)</a:t>
+            </a:r>
+          </a:p>
+          <a:p>
+            <a:r>
+              <a:rPr lang="en-GB" dirty="0">
+                <a:solidFill>
+                  <a:srgbClr val="000000"/>
+                </a:solidFill>
+                <a:highlight>
+                  <a:srgbClr val="FFFFFF"/>
+                </a:highlight>
+                <a:latin typeface="Consolas" panose="020B0609020204030204" pitchFamily="49" charset="0"/>
+              </a:rPr>
+              <a:t>    </a:t>
+            </a:r>
+            <a:r>
+              <a:rPr lang="en-GB" dirty="0" err="1">
+                <a:solidFill>
+                  <a:srgbClr val="2B91AF"/>
+                </a:solidFill>
+                <a:highlight>
+                  <a:srgbClr val="FFFFFF"/>
+                </a:highlight>
+                <a:latin typeface="Consolas" panose="020B0609020204030204" pitchFamily="49" charset="0"/>
+              </a:rPr>
+              <a:t>Console</a:t>
+            </a:r>
+            <a:r>
+              <a:rPr lang="en-GB" dirty="0" err="1">
+                <a:solidFill>
+                  <a:srgbClr val="000000"/>
+                </a:solidFill>
+                <a:highlight>
+                  <a:srgbClr val="FFFFFF"/>
+                </a:highlight>
+                <a:latin typeface="Consolas" panose="020B0609020204030204" pitchFamily="49" charset="0"/>
+              </a:rPr>
+              <a:t>.WriteLine</a:t>
+            </a:r>
+            <a:r>
+              <a:rPr lang="en-GB" dirty="0">
+                <a:solidFill>
+                  <a:srgbClr val="000000"/>
+                </a:solidFill>
+                <a:highlight>
+                  <a:srgbClr val="FFFFFF"/>
+                </a:highlight>
+                <a:latin typeface="Consolas" panose="020B0609020204030204" pitchFamily="49" charset="0"/>
+              </a:rPr>
+              <a:t>(</a:t>
+            </a:r>
+            <a:r>
+              <a:rPr lang="en-GB" dirty="0">
+                <a:solidFill>
+                  <a:srgbClr val="A31515"/>
+                </a:solidFill>
+                <a:highlight>
+                  <a:srgbClr val="FFFFFF"/>
+                </a:highlight>
+                <a:latin typeface="Consolas" panose="020B0609020204030204" pitchFamily="49" charset="0"/>
+              </a:rPr>
+              <a:t>"true"</a:t>
+            </a:r>
+            <a:r>
+              <a:rPr lang="en-GB" dirty="0">
+                <a:solidFill>
+                  <a:srgbClr val="000000"/>
+                </a:solidFill>
+                <a:highlight>
+                  <a:srgbClr val="FFFFFF"/>
+                </a:highlight>
+                <a:latin typeface="Consolas" panose="020B0609020204030204" pitchFamily="49" charset="0"/>
+              </a:rPr>
+              <a:t>);</a:t>
+            </a:r>
+            <a:endParaRPr lang="en-GB" dirty="0"/>
+          </a:p>
+        </p:txBody>
+      </p:sp>
+      <p:sp>
+        <p:nvSpPr>
+          <p:cNvPr id="10" name="TextBox 9"/>
+          <p:cNvSpPr txBox="1"/>
+          <p:nvPr/>
+        </p:nvSpPr>
+        <p:spPr>
+          <a:xfrm>
+            <a:off x="1033670" y="3717328"/>
+            <a:ext cx="7152920" cy="369332"/>
+          </a:xfrm>
+          <a:prstGeom prst="rect">
+            <a:avLst/>
+          </a:prstGeom>
+          <a:noFill/>
+        </p:spPr>
+        <p:txBody>
+          <a:bodyPr wrap="none" rtlCol="0">
+            <a:spAutoFit/>
+          </a:bodyPr>
+          <a:lstStyle/>
+          <a:p>
+            <a:r>
+              <a:rPr lang="ru-RU" dirty="0" smtClean="0"/>
+              <a:t>Условие под оператором </a:t>
+            </a:r>
+            <a:r>
+              <a:rPr lang="en-GB" dirty="0" smtClean="0">
+                <a:solidFill>
+                  <a:srgbClr val="0000FF"/>
+                </a:solidFill>
+                <a:highlight>
+                  <a:srgbClr val="FFFFFF"/>
+                </a:highlight>
+                <a:latin typeface="Consolas" panose="020B0609020204030204" pitchFamily="49" charset="0"/>
+              </a:rPr>
+              <a:t>if </a:t>
+            </a:r>
+            <a:r>
+              <a:rPr lang="ru-RU" dirty="0" smtClean="0"/>
+              <a:t>может быть только типа </a:t>
+            </a:r>
+            <a:r>
+              <a:rPr lang="en-GB" dirty="0" smtClean="0">
+                <a:solidFill>
+                  <a:srgbClr val="2B91AF"/>
+                </a:solidFill>
+                <a:highlight>
+                  <a:srgbClr val="FFFFFF"/>
+                </a:highlight>
+                <a:latin typeface="Consolas" panose="020B0609020204030204" pitchFamily="49" charset="0"/>
+              </a:rPr>
+              <a:t>Boolean</a:t>
+            </a:r>
+            <a:r>
+              <a:rPr lang="en-GB" dirty="0" smtClean="0">
+                <a:solidFill>
+                  <a:srgbClr val="000000"/>
+                </a:solidFill>
+                <a:highlight>
+                  <a:srgbClr val="FFFFFF"/>
+                </a:highlight>
+                <a:latin typeface="Consolas" panose="020B0609020204030204" pitchFamily="49" charset="0"/>
+              </a:rPr>
+              <a:t>(</a:t>
+            </a:r>
+            <a:r>
+              <a:rPr lang="en-GB" dirty="0" smtClean="0">
+                <a:solidFill>
+                  <a:srgbClr val="0000FF"/>
+                </a:solidFill>
+                <a:highlight>
+                  <a:srgbClr val="FFFFFF"/>
+                </a:highlight>
+                <a:latin typeface="Consolas" panose="020B0609020204030204" pitchFamily="49" charset="0"/>
+              </a:rPr>
+              <a:t>bool</a:t>
+            </a:r>
+            <a:r>
+              <a:rPr lang="en-GB" dirty="0" smtClean="0">
+                <a:solidFill>
+                  <a:srgbClr val="000000"/>
+                </a:solidFill>
+                <a:highlight>
+                  <a:srgbClr val="FFFFFF"/>
+                </a:highlight>
+                <a:latin typeface="Consolas" panose="020B0609020204030204" pitchFamily="49" charset="0"/>
+              </a:rPr>
+              <a:t>)</a:t>
+            </a:r>
+            <a:endParaRPr lang="en-GB" dirty="0"/>
+          </a:p>
+        </p:txBody>
+      </p:sp>
     </p:spTree>
     <p:extLst>
       <p:ext uri="{BB962C8B-B14F-4D97-AF65-F5344CB8AC3E}">
-        <p14:creationId xmlns:p14="http://schemas.microsoft.com/office/powerpoint/2010/main" val="922784000"/>
+        <p14:creationId xmlns:p14="http://schemas.microsoft.com/office/powerpoint/2010/main" val="443651792"/>
       </p:ext>
     </p:extLst>
   </p:cSld>
@@ -4239,133 +5003,6 @@
       </p:grpSpPr>
       <p:sp>
         <p:nvSpPr>
-          <p:cNvPr id="2" name="Заголовок 1"/>
-          <p:cNvSpPr>
-            <a:spLocks noGrp="1"/>
-          </p:cNvSpPr>
-          <p:nvPr>
-            <p:ph type="title"/>
-          </p:nvPr>
-        </p:nvSpPr>
-        <p:spPr/>
-        <p:txBody>
-          <a:bodyPr/>
-          <a:lstStyle/>
-          <a:p>
-            <a:r>
-              <a:rPr lang="en-US" dirty="0" smtClean="0"/>
-              <a:t>Model-View-Controller (MVC)</a:t>
-            </a:r>
-            <a:endParaRPr lang="en-GB" dirty="0"/>
-          </a:p>
-        </p:txBody>
-      </p:sp>
-      <p:sp>
-        <p:nvSpPr>
-          <p:cNvPr id="3" name="Объект 2"/>
-          <p:cNvSpPr>
-            <a:spLocks noGrp="1"/>
-          </p:cNvSpPr>
-          <p:nvPr>
-            <p:ph idx="1"/>
-          </p:nvPr>
-        </p:nvSpPr>
-        <p:spPr/>
-        <p:txBody>
-          <a:bodyPr/>
-          <a:lstStyle/>
-          <a:p>
-            <a:r>
-              <a:rPr lang="en-US" b="1" dirty="0" smtClean="0">
-                <a:solidFill>
-                  <a:srgbClr val="7030A0"/>
-                </a:solidFill>
-              </a:rPr>
-              <a:t>Model</a:t>
-            </a:r>
-            <a:r>
-              <a:rPr lang="en-US" dirty="0" smtClean="0"/>
-              <a:t> –</a:t>
-            </a:r>
-            <a:r>
-              <a:rPr lang="ru-RU" dirty="0" smtClean="0"/>
-              <a:t> модель представления объектов, данных в приложении. Обычно представляет из себя класс с полями данных, но без методов.</a:t>
-            </a:r>
-          </a:p>
-          <a:p>
-            <a:r>
-              <a:rPr lang="en-US" b="1" dirty="0" smtClean="0">
-                <a:solidFill>
-                  <a:srgbClr val="7030A0"/>
-                </a:solidFill>
-              </a:rPr>
-              <a:t>View</a:t>
-            </a:r>
-            <a:r>
-              <a:rPr lang="en-US" dirty="0" smtClean="0"/>
-              <a:t> </a:t>
-            </a:r>
-            <a:r>
-              <a:rPr lang="ru-RU" dirty="0" smtClean="0"/>
-              <a:t>– пользовательский интерфейс приложение, то, что видит пользователь на экране браузера</a:t>
-            </a:r>
-            <a:endParaRPr lang="en-US" dirty="0" smtClean="0"/>
-          </a:p>
-          <a:p>
-            <a:r>
-              <a:rPr lang="en-US" b="1" dirty="0" smtClean="0">
-                <a:solidFill>
-                  <a:srgbClr val="7030A0"/>
-                </a:solidFill>
-              </a:rPr>
-              <a:t>Controller</a:t>
-            </a:r>
-            <a:r>
-              <a:rPr lang="en-US" dirty="0" smtClean="0"/>
-              <a:t> – </a:t>
-            </a:r>
-            <a:r>
-              <a:rPr lang="ru-RU" dirty="0" smtClean="0"/>
-              <a:t>внутренний элемент, не видный пользователю, отвечающий за логику работы приложения. Связывает </a:t>
-            </a:r>
-            <a:r>
-              <a:rPr lang="en-US" b="1" dirty="0" smtClean="0">
-                <a:solidFill>
-                  <a:srgbClr val="7030A0"/>
-                </a:solidFill>
-              </a:rPr>
-              <a:t>Model</a:t>
-            </a:r>
-            <a:r>
-              <a:rPr lang="en-US" dirty="0" smtClean="0"/>
-              <a:t> </a:t>
-            </a:r>
-            <a:r>
-              <a:rPr lang="ru-RU" dirty="0" smtClean="0"/>
-              <a:t>и</a:t>
-            </a:r>
-            <a:r>
-              <a:rPr lang="en-US" dirty="0" smtClean="0"/>
-              <a:t> </a:t>
-            </a:r>
-            <a:r>
-              <a:rPr lang="en-US" b="1" dirty="0" smtClean="0">
-                <a:solidFill>
-                  <a:srgbClr val="7030A0"/>
-                </a:solidFill>
-              </a:rPr>
-              <a:t>View</a:t>
-            </a:r>
-            <a:endParaRPr lang="en-GB" b="1" dirty="0">
-              <a:solidFill>
-                <a:srgbClr val="7030A0"/>
-              </a:solidFill>
-            </a:endParaRPr>
-          </a:p>
-        </p:txBody>
-      </p:sp>
-      <p:sp>
-        <p:nvSpPr>
           <p:cNvPr id="4" name="Дата 3"/>
           <p:cNvSpPr>
             <a:spLocks noGrp="1"/>
@@ -4433,10 +5070,856 @@
           </a:p>
         </p:txBody>
       </p:sp>
+      <p:sp>
+        <p:nvSpPr>
+          <p:cNvPr id="7" name="Прямоугольник 6"/>
+          <p:cNvSpPr/>
+          <p:nvPr/>
+        </p:nvSpPr>
+        <p:spPr>
+          <a:xfrm>
+            <a:off x="1" y="0"/>
+            <a:ext cx="12192000" cy="296333"/>
+          </a:xfrm>
+          <a:prstGeom prst="rect">
+            <a:avLst/>
+          </a:prstGeom>
+        </p:spPr>
+        <p:style>
+          <a:lnRef idx="0">
+            <a:schemeClr val="accent5"/>
+          </a:lnRef>
+          <a:fillRef idx="3">
+            <a:schemeClr val="accent5"/>
+          </a:fillRef>
+          <a:effectRef idx="3">
+            <a:schemeClr val="accent5"/>
+          </a:effectRef>
+          <a:fontRef idx="minor">
+            <a:schemeClr val="lt1"/>
+          </a:fontRef>
+        </p:style>
+        <p:txBody>
+          <a:bodyPr rtlCol="0" anchor="ctr"/>
+          <a:lstStyle/>
+          <a:p>
+            <a:pPr algn="ctr"/>
+            <a:r>
+              <a:rPr lang="ru-RU" dirty="0" smtClean="0"/>
+              <a:t>Управляющие конструкции</a:t>
+            </a:r>
+            <a:r>
+              <a:rPr lang="en-US" dirty="0" smtClean="0"/>
+              <a:t>: for, while, do while, </a:t>
+            </a:r>
+            <a:r>
+              <a:rPr lang="en-US" dirty="0" err="1" smtClean="0"/>
+              <a:t>foreach</a:t>
+            </a:r>
+            <a:endParaRPr lang="en-GB" dirty="0"/>
+          </a:p>
+        </p:txBody>
+      </p:sp>
+      <p:sp>
+        <p:nvSpPr>
+          <p:cNvPr id="12" name="Прямоугольник 11"/>
+          <p:cNvSpPr/>
+          <p:nvPr/>
+        </p:nvSpPr>
+        <p:spPr>
+          <a:xfrm>
+            <a:off x="1007534" y="822236"/>
+            <a:ext cx="3953933" cy="1200329"/>
+          </a:xfrm>
+          <a:prstGeom prst="rect">
+            <a:avLst/>
+          </a:prstGeom>
+        </p:spPr>
+        <p:style>
+          <a:lnRef idx="2">
+            <a:schemeClr val="accent1"/>
+          </a:lnRef>
+          <a:fillRef idx="1">
+            <a:schemeClr val="lt1"/>
+          </a:fillRef>
+          <a:effectRef idx="0">
+            <a:schemeClr val="accent1"/>
+          </a:effectRef>
+          <a:fontRef idx="minor">
+            <a:schemeClr val="dk1"/>
+          </a:fontRef>
+        </p:style>
+        <p:txBody>
+          <a:bodyPr wrap="square">
+            <a:spAutoFit/>
+          </a:bodyPr>
+          <a:lstStyle/>
+          <a:p>
+            <a:r>
+              <a:rPr lang="en-GB" dirty="0">
+                <a:solidFill>
+                  <a:srgbClr val="0000FF"/>
+                </a:solidFill>
+                <a:highlight>
+                  <a:srgbClr val="FFFFFF"/>
+                </a:highlight>
+                <a:latin typeface="Consolas" panose="020B0609020204030204" pitchFamily="49" charset="0"/>
+              </a:rPr>
+              <a:t>for</a:t>
+            </a:r>
+            <a:r>
+              <a:rPr lang="en-GB" dirty="0">
+                <a:solidFill>
+                  <a:srgbClr val="000000"/>
+                </a:solidFill>
+                <a:highlight>
+                  <a:srgbClr val="FFFFFF"/>
+                </a:highlight>
+                <a:latin typeface="Consolas" panose="020B0609020204030204" pitchFamily="49" charset="0"/>
+              </a:rPr>
+              <a:t>(</a:t>
+            </a:r>
+            <a:r>
+              <a:rPr lang="en-GB" dirty="0" err="1">
+                <a:solidFill>
+                  <a:srgbClr val="0000FF"/>
+                </a:solidFill>
+                <a:highlight>
+                  <a:srgbClr val="FFFFFF"/>
+                </a:highlight>
+                <a:latin typeface="Consolas" panose="020B0609020204030204" pitchFamily="49" charset="0"/>
+              </a:rPr>
+              <a:t>int</a:t>
+            </a:r>
+            <a:r>
+              <a:rPr lang="en-GB" dirty="0">
+                <a:solidFill>
+                  <a:srgbClr val="000000"/>
+                </a:solidFill>
+                <a:highlight>
+                  <a:srgbClr val="FFFFFF"/>
+                </a:highlight>
+                <a:latin typeface="Consolas" panose="020B0609020204030204" pitchFamily="49" charset="0"/>
+              </a:rPr>
+              <a:t> </a:t>
+            </a:r>
+            <a:r>
+              <a:rPr lang="en-GB" dirty="0" err="1">
+                <a:solidFill>
+                  <a:srgbClr val="000000"/>
+                </a:solidFill>
+                <a:highlight>
+                  <a:srgbClr val="FFFFFF"/>
+                </a:highlight>
+                <a:latin typeface="Consolas" panose="020B0609020204030204" pitchFamily="49" charset="0"/>
+              </a:rPr>
+              <a:t>i</a:t>
+            </a:r>
+            <a:r>
+              <a:rPr lang="en-GB" dirty="0">
+                <a:solidFill>
+                  <a:srgbClr val="000000"/>
+                </a:solidFill>
+                <a:highlight>
+                  <a:srgbClr val="FFFFFF"/>
+                </a:highlight>
+                <a:latin typeface="Consolas" panose="020B0609020204030204" pitchFamily="49" charset="0"/>
+              </a:rPr>
+              <a:t>=0; </a:t>
+            </a:r>
+            <a:r>
+              <a:rPr lang="en-GB" dirty="0" err="1">
+                <a:solidFill>
+                  <a:srgbClr val="000000"/>
+                </a:solidFill>
+                <a:highlight>
+                  <a:srgbClr val="FFFFFF"/>
+                </a:highlight>
+                <a:latin typeface="Consolas" panose="020B0609020204030204" pitchFamily="49" charset="0"/>
+              </a:rPr>
+              <a:t>i</a:t>
+            </a:r>
+            <a:r>
+              <a:rPr lang="en-GB" dirty="0">
+                <a:solidFill>
+                  <a:srgbClr val="000000"/>
+                </a:solidFill>
+                <a:highlight>
+                  <a:srgbClr val="FFFFFF"/>
+                </a:highlight>
+                <a:latin typeface="Consolas" panose="020B0609020204030204" pitchFamily="49" charset="0"/>
+              </a:rPr>
+              <a:t>&lt;10; </a:t>
+            </a:r>
+            <a:r>
+              <a:rPr lang="en-GB" dirty="0" err="1">
+                <a:solidFill>
+                  <a:srgbClr val="000000"/>
+                </a:solidFill>
+                <a:highlight>
+                  <a:srgbClr val="FFFFFF"/>
+                </a:highlight>
+                <a:latin typeface="Consolas" panose="020B0609020204030204" pitchFamily="49" charset="0"/>
+              </a:rPr>
+              <a:t>i</a:t>
+            </a:r>
+            <a:r>
+              <a:rPr lang="en-GB" dirty="0">
+                <a:solidFill>
+                  <a:srgbClr val="000000"/>
+                </a:solidFill>
+                <a:highlight>
+                  <a:srgbClr val="FFFFFF"/>
+                </a:highlight>
+                <a:latin typeface="Consolas" panose="020B0609020204030204" pitchFamily="49" charset="0"/>
+              </a:rPr>
+              <a:t>++)</a:t>
+            </a:r>
+          </a:p>
+          <a:p>
+            <a:r>
+              <a:rPr lang="en-GB" dirty="0" smtClean="0">
+                <a:solidFill>
+                  <a:srgbClr val="000000"/>
+                </a:solidFill>
+                <a:highlight>
+                  <a:srgbClr val="FFFFFF"/>
+                </a:highlight>
+                <a:latin typeface="Consolas" panose="020B0609020204030204" pitchFamily="49" charset="0"/>
+              </a:rPr>
+              <a:t>{</a:t>
+            </a:r>
+            <a:endParaRPr lang="en-GB" dirty="0">
+              <a:solidFill>
+                <a:srgbClr val="000000"/>
+              </a:solidFill>
+              <a:highlight>
+                <a:srgbClr val="FFFFFF"/>
+              </a:highlight>
+              <a:latin typeface="Consolas" panose="020B0609020204030204" pitchFamily="49" charset="0"/>
+            </a:endParaRPr>
+          </a:p>
+          <a:p>
+            <a:r>
+              <a:rPr lang="en-GB" dirty="0" smtClean="0">
+                <a:solidFill>
+                  <a:srgbClr val="000000"/>
+                </a:solidFill>
+                <a:highlight>
+                  <a:srgbClr val="FFFFFF"/>
+                </a:highlight>
+                <a:latin typeface="Consolas" panose="020B0609020204030204" pitchFamily="49" charset="0"/>
+              </a:rPr>
+              <a:t>    DoSomething</a:t>
+            </a:r>
+            <a:r>
+              <a:rPr lang="en-GB" dirty="0">
+                <a:solidFill>
+                  <a:srgbClr val="000000"/>
+                </a:solidFill>
+                <a:highlight>
+                  <a:srgbClr val="FFFFFF"/>
+                </a:highlight>
+                <a:latin typeface="Consolas" panose="020B0609020204030204" pitchFamily="49" charset="0"/>
+              </a:rPr>
+              <a:t>();</a:t>
+            </a:r>
+          </a:p>
+          <a:p>
+            <a:r>
+              <a:rPr lang="en-GB" dirty="0" smtClean="0">
+                <a:solidFill>
+                  <a:srgbClr val="000000"/>
+                </a:solidFill>
+                <a:highlight>
+                  <a:srgbClr val="FFFFFF"/>
+                </a:highlight>
+                <a:latin typeface="Consolas" panose="020B0609020204030204" pitchFamily="49" charset="0"/>
+              </a:rPr>
+              <a:t>}</a:t>
+            </a:r>
+            <a:endParaRPr lang="en-GB" dirty="0"/>
+          </a:p>
+        </p:txBody>
+      </p:sp>
+      <p:sp>
+        <p:nvSpPr>
+          <p:cNvPr id="13" name="Прямоугольник 12"/>
+          <p:cNvSpPr/>
+          <p:nvPr/>
+        </p:nvSpPr>
+        <p:spPr>
+          <a:xfrm>
+            <a:off x="1007534" y="2548468"/>
+            <a:ext cx="3953933" cy="1200329"/>
+          </a:xfrm>
+          <a:prstGeom prst="rect">
+            <a:avLst/>
+          </a:prstGeom>
+        </p:spPr>
+        <p:style>
+          <a:lnRef idx="2">
+            <a:schemeClr val="accent6"/>
+          </a:lnRef>
+          <a:fillRef idx="1">
+            <a:schemeClr val="lt1"/>
+          </a:fillRef>
+          <a:effectRef idx="0">
+            <a:schemeClr val="accent6"/>
+          </a:effectRef>
+          <a:fontRef idx="minor">
+            <a:schemeClr val="dk1"/>
+          </a:fontRef>
+        </p:style>
+        <p:txBody>
+          <a:bodyPr wrap="square">
+            <a:spAutoFit/>
+          </a:bodyPr>
+          <a:lstStyle/>
+          <a:p>
+            <a:r>
+              <a:rPr lang="en-GB" dirty="0">
+                <a:solidFill>
+                  <a:srgbClr val="0000FF"/>
+                </a:solidFill>
+                <a:highlight>
+                  <a:srgbClr val="FFFFFF"/>
+                </a:highlight>
+                <a:latin typeface="Consolas" panose="020B0609020204030204" pitchFamily="49" charset="0"/>
+              </a:rPr>
+              <a:t>while</a:t>
+            </a:r>
+            <a:r>
+              <a:rPr lang="en-GB" dirty="0">
+                <a:solidFill>
+                  <a:srgbClr val="000000"/>
+                </a:solidFill>
+                <a:highlight>
+                  <a:srgbClr val="FFFFFF"/>
+                </a:highlight>
+                <a:latin typeface="Consolas" panose="020B0609020204030204" pitchFamily="49" charset="0"/>
+              </a:rPr>
+              <a:t>(</a:t>
+            </a:r>
+            <a:r>
+              <a:rPr lang="en-GB" dirty="0">
+                <a:solidFill>
+                  <a:srgbClr val="0000FF"/>
+                </a:solidFill>
+                <a:highlight>
+                  <a:srgbClr val="FFFFFF"/>
+                </a:highlight>
+                <a:latin typeface="Consolas" panose="020B0609020204030204" pitchFamily="49" charset="0"/>
+              </a:rPr>
+              <a:t>true</a:t>
+            </a:r>
+            <a:r>
+              <a:rPr lang="en-GB" dirty="0">
+                <a:solidFill>
+                  <a:srgbClr val="000000"/>
+                </a:solidFill>
+                <a:highlight>
+                  <a:srgbClr val="FFFFFF"/>
+                </a:highlight>
+                <a:latin typeface="Consolas" panose="020B0609020204030204" pitchFamily="49" charset="0"/>
+              </a:rPr>
+              <a:t> || a&gt;b)</a:t>
+            </a:r>
+          </a:p>
+          <a:p>
+            <a:r>
+              <a:rPr lang="en-GB" dirty="0" smtClean="0">
+                <a:solidFill>
+                  <a:srgbClr val="000000"/>
+                </a:solidFill>
+                <a:highlight>
+                  <a:srgbClr val="FFFFFF"/>
+                </a:highlight>
+                <a:latin typeface="Consolas" panose="020B0609020204030204" pitchFamily="49" charset="0"/>
+              </a:rPr>
+              <a:t>{</a:t>
+            </a:r>
+            <a:endParaRPr lang="en-GB" dirty="0">
+              <a:solidFill>
+                <a:srgbClr val="000000"/>
+              </a:solidFill>
+              <a:highlight>
+                <a:srgbClr val="FFFFFF"/>
+              </a:highlight>
+              <a:latin typeface="Consolas" panose="020B0609020204030204" pitchFamily="49" charset="0"/>
+            </a:endParaRPr>
+          </a:p>
+          <a:p>
+            <a:r>
+              <a:rPr lang="en-GB" dirty="0" smtClean="0">
+                <a:solidFill>
+                  <a:srgbClr val="000000"/>
+                </a:solidFill>
+                <a:highlight>
+                  <a:srgbClr val="FFFFFF"/>
+                </a:highlight>
+                <a:latin typeface="Consolas" panose="020B0609020204030204" pitchFamily="49" charset="0"/>
+              </a:rPr>
+              <a:t>    DoSomething</a:t>
+            </a:r>
+            <a:r>
+              <a:rPr lang="en-GB" dirty="0">
+                <a:solidFill>
+                  <a:srgbClr val="000000"/>
+                </a:solidFill>
+                <a:highlight>
+                  <a:srgbClr val="FFFFFF"/>
+                </a:highlight>
+                <a:latin typeface="Consolas" panose="020B0609020204030204" pitchFamily="49" charset="0"/>
+              </a:rPr>
+              <a:t>();</a:t>
+            </a:r>
+          </a:p>
+          <a:p>
+            <a:r>
+              <a:rPr lang="en-GB" dirty="0" smtClean="0">
+                <a:solidFill>
+                  <a:srgbClr val="000000"/>
+                </a:solidFill>
+                <a:highlight>
+                  <a:srgbClr val="FFFFFF"/>
+                </a:highlight>
+                <a:latin typeface="Consolas" panose="020B0609020204030204" pitchFamily="49" charset="0"/>
+              </a:rPr>
+              <a:t>}</a:t>
+            </a:r>
+            <a:endParaRPr lang="en-GB" dirty="0"/>
+          </a:p>
+        </p:txBody>
+      </p:sp>
+      <p:sp>
+        <p:nvSpPr>
+          <p:cNvPr id="14" name="Прямоугольник 13"/>
+          <p:cNvSpPr/>
+          <p:nvPr/>
+        </p:nvSpPr>
+        <p:spPr>
+          <a:xfrm>
+            <a:off x="1007534" y="4172002"/>
+            <a:ext cx="3953933" cy="1477328"/>
+          </a:xfrm>
+          <a:prstGeom prst="rect">
+            <a:avLst/>
+          </a:prstGeom>
+        </p:spPr>
+        <p:style>
+          <a:lnRef idx="2">
+            <a:schemeClr val="dk1"/>
+          </a:lnRef>
+          <a:fillRef idx="1">
+            <a:schemeClr val="lt1"/>
+          </a:fillRef>
+          <a:effectRef idx="0">
+            <a:schemeClr val="dk1"/>
+          </a:effectRef>
+          <a:fontRef idx="minor">
+            <a:schemeClr val="dk1"/>
+          </a:fontRef>
+        </p:style>
+        <p:txBody>
+          <a:bodyPr wrap="square">
+            <a:spAutoFit/>
+          </a:bodyPr>
+          <a:lstStyle/>
+          <a:p>
+            <a:r>
+              <a:rPr lang="en-GB" dirty="0">
+                <a:solidFill>
+                  <a:srgbClr val="0000FF"/>
+                </a:solidFill>
+                <a:highlight>
+                  <a:srgbClr val="FFFFFF"/>
+                </a:highlight>
+                <a:latin typeface="Consolas" panose="020B0609020204030204" pitchFamily="49" charset="0"/>
+              </a:rPr>
+              <a:t>do</a:t>
+            </a:r>
+            <a:endParaRPr lang="en-GB" dirty="0">
+              <a:solidFill>
+                <a:srgbClr val="000000"/>
+              </a:solidFill>
+              <a:highlight>
+                <a:srgbClr val="FFFFFF"/>
+              </a:highlight>
+              <a:latin typeface="Consolas" panose="020B0609020204030204" pitchFamily="49" charset="0"/>
+            </a:endParaRPr>
+          </a:p>
+          <a:p>
+            <a:r>
+              <a:rPr lang="en-GB" dirty="0" smtClean="0">
+                <a:solidFill>
+                  <a:srgbClr val="000000"/>
+                </a:solidFill>
+                <a:highlight>
+                  <a:srgbClr val="FFFFFF"/>
+                </a:highlight>
+                <a:latin typeface="Consolas" panose="020B0609020204030204" pitchFamily="49" charset="0"/>
+              </a:rPr>
+              <a:t>{</a:t>
+            </a:r>
+            <a:endParaRPr lang="en-GB" dirty="0">
+              <a:solidFill>
+                <a:srgbClr val="000000"/>
+              </a:solidFill>
+              <a:highlight>
+                <a:srgbClr val="FFFFFF"/>
+              </a:highlight>
+              <a:latin typeface="Consolas" panose="020B0609020204030204" pitchFamily="49" charset="0"/>
+            </a:endParaRPr>
+          </a:p>
+          <a:p>
+            <a:r>
+              <a:rPr lang="en-GB" dirty="0">
+                <a:solidFill>
+                  <a:srgbClr val="000000"/>
+                </a:solidFill>
+                <a:highlight>
+                  <a:srgbClr val="FFFFFF"/>
+                </a:highlight>
+                <a:latin typeface="Consolas" panose="020B0609020204030204" pitchFamily="49" charset="0"/>
+              </a:rPr>
+              <a:t> </a:t>
+            </a:r>
+            <a:r>
+              <a:rPr lang="en-GB" dirty="0" smtClean="0">
+                <a:solidFill>
+                  <a:srgbClr val="000000"/>
+                </a:solidFill>
+                <a:highlight>
+                  <a:srgbClr val="FFFFFF"/>
+                </a:highlight>
+                <a:latin typeface="Consolas" panose="020B0609020204030204" pitchFamily="49" charset="0"/>
+              </a:rPr>
+              <a:t>   DoSomething</a:t>
+            </a:r>
+            <a:r>
+              <a:rPr lang="en-GB" dirty="0">
+                <a:solidFill>
+                  <a:srgbClr val="000000"/>
+                </a:solidFill>
+                <a:highlight>
+                  <a:srgbClr val="FFFFFF"/>
+                </a:highlight>
+                <a:latin typeface="Consolas" panose="020B0609020204030204" pitchFamily="49" charset="0"/>
+              </a:rPr>
+              <a:t>();</a:t>
+            </a:r>
+          </a:p>
+          <a:p>
+            <a:r>
+              <a:rPr lang="en-GB" dirty="0" smtClean="0">
+                <a:solidFill>
+                  <a:srgbClr val="000000"/>
+                </a:solidFill>
+                <a:highlight>
+                  <a:srgbClr val="FFFFFF"/>
+                </a:highlight>
+                <a:latin typeface="Consolas" panose="020B0609020204030204" pitchFamily="49" charset="0"/>
+              </a:rPr>
+              <a:t>}</a:t>
+            </a:r>
+          </a:p>
+          <a:p>
+            <a:r>
+              <a:rPr lang="en-GB" dirty="0" smtClean="0">
+                <a:solidFill>
+                  <a:srgbClr val="0000FF"/>
+                </a:solidFill>
+                <a:highlight>
+                  <a:srgbClr val="FFFFFF"/>
+                </a:highlight>
+                <a:latin typeface="Consolas" panose="020B0609020204030204" pitchFamily="49" charset="0"/>
+              </a:rPr>
+              <a:t>while</a:t>
+            </a:r>
+            <a:r>
+              <a:rPr lang="en-GB" dirty="0" smtClean="0">
+                <a:solidFill>
+                  <a:srgbClr val="000000"/>
+                </a:solidFill>
+                <a:highlight>
+                  <a:srgbClr val="FFFFFF"/>
+                </a:highlight>
+                <a:latin typeface="Consolas" panose="020B0609020204030204" pitchFamily="49" charset="0"/>
+              </a:rPr>
+              <a:t> </a:t>
+            </a:r>
+            <a:r>
+              <a:rPr lang="en-GB" dirty="0">
+                <a:solidFill>
+                  <a:srgbClr val="000000"/>
+                </a:solidFill>
+                <a:highlight>
+                  <a:srgbClr val="FFFFFF"/>
+                </a:highlight>
+                <a:latin typeface="Consolas" panose="020B0609020204030204" pitchFamily="49" charset="0"/>
+              </a:rPr>
+              <a:t>(b &lt; a);</a:t>
+            </a:r>
+            <a:endParaRPr lang="en-GB" dirty="0"/>
+          </a:p>
+        </p:txBody>
+      </p:sp>
+      <p:sp>
+        <p:nvSpPr>
+          <p:cNvPr id="15" name="Прямоугольник 14"/>
+          <p:cNvSpPr/>
+          <p:nvPr/>
+        </p:nvSpPr>
+        <p:spPr>
+          <a:xfrm>
+            <a:off x="5740400" y="2409968"/>
+            <a:ext cx="5130800" cy="1477328"/>
+          </a:xfrm>
+          <a:prstGeom prst="rect">
+            <a:avLst/>
+          </a:prstGeom>
+        </p:spPr>
+        <p:style>
+          <a:lnRef idx="2">
+            <a:schemeClr val="accent4"/>
+          </a:lnRef>
+          <a:fillRef idx="1">
+            <a:schemeClr val="lt1"/>
+          </a:fillRef>
+          <a:effectRef idx="0">
+            <a:schemeClr val="accent4"/>
+          </a:effectRef>
+          <a:fontRef idx="minor">
+            <a:schemeClr val="dk1"/>
+          </a:fontRef>
+        </p:style>
+        <p:txBody>
+          <a:bodyPr wrap="square">
+            <a:spAutoFit/>
+          </a:bodyPr>
+          <a:lstStyle/>
+          <a:p>
+            <a:r>
+              <a:rPr lang="en-GB">
+                <a:solidFill>
+                  <a:srgbClr val="0000FF"/>
+                </a:solidFill>
+                <a:highlight>
+                  <a:srgbClr val="FFFFFF"/>
+                </a:highlight>
+                <a:latin typeface="Consolas" panose="020B0609020204030204" pitchFamily="49" charset="0"/>
+              </a:rPr>
+              <a:t>int</a:t>
+            </a:r>
+            <a:r>
+              <a:rPr lang="en-GB" dirty="0">
+                <a:solidFill>
+                  <a:srgbClr val="000000"/>
+                </a:solidFill>
+                <a:highlight>
+                  <a:srgbClr val="FFFFFF"/>
+                </a:highlight>
+                <a:latin typeface="Consolas" panose="020B0609020204030204" pitchFamily="49" charset="0"/>
+              </a:rPr>
+              <a:t>[] </a:t>
+            </a:r>
+            <a:r>
+              <a:rPr lang="en-GB" dirty="0" err="1">
+                <a:solidFill>
+                  <a:srgbClr val="000000"/>
+                </a:solidFill>
+                <a:highlight>
+                  <a:srgbClr val="FFFFFF"/>
+                </a:highlight>
+                <a:latin typeface="Consolas" panose="020B0609020204030204" pitchFamily="49" charset="0"/>
+              </a:rPr>
+              <a:t>ints</a:t>
+            </a:r>
+            <a:r>
+              <a:rPr lang="en-GB" dirty="0">
+                <a:solidFill>
+                  <a:srgbClr val="000000"/>
+                </a:solidFill>
+                <a:highlight>
+                  <a:srgbClr val="FFFFFF"/>
+                </a:highlight>
+                <a:latin typeface="Consolas" panose="020B0609020204030204" pitchFamily="49" charset="0"/>
+              </a:rPr>
+              <a:t> = </a:t>
+            </a:r>
+            <a:r>
+              <a:rPr lang="en-GB" dirty="0">
+                <a:solidFill>
+                  <a:srgbClr val="0000FF"/>
+                </a:solidFill>
+                <a:highlight>
+                  <a:srgbClr val="FFFFFF"/>
+                </a:highlight>
+                <a:latin typeface="Consolas" panose="020B0609020204030204" pitchFamily="49" charset="0"/>
+              </a:rPr>
+              <a:t>new</a:t>
+            </a:r>
+            <a:r>
+              <a:rPr lang="en-GB" dirty="0">
+                <a:solidFill>
+                  <a:srgbClr val="000000"/>
+                </a:solidFill>
+                <a:highlight>
+                  <a:srgbClr val="FFFFFF"/>
+                </a:highlight>
+                <a:latin typeface="Consolas" panose="020B0609020204030204" pitchFamily="49" charset="0"/>
+              </a:rPr>
+              <a:t> </a:t>
+            </a:r>
+            <a:r>
+              <a:rPr lang="en-GB" dirty="0" err="1">
+                <a:solidFill>
+                  <a:srgbClr val="0000FF"/>
+                </a:solidFill>
+                <a:highlight>
+                  <a:srgbClr val="FFFFFF"/>
+                </a:highlight>
+                <a:latin typeface="Consolas" panose="020B0609020204030204" pitchFamily="49" charset="0"/>
+              </a:rPr>
+              <a:t>int</a:t>
+            </a:r>
+            <a:r>
+              <a:rPr lang="en-GB" dirty="0">
+                <a:solidFill>
+                  <a:srgbClr val="000000"/>
+                </a:solidFill>
+                <a:highlight>
+                  <a:srgbClr val="FFFFFF"/>
+                </a:highlight>
+                <a:latin typeface="Consolas" panose="020B0609020204030204" pitchFamily="49" charset="0"/>
+              </a:rPr>
+              <a:t>[] { 1, 2, 3, 4 };</a:t>
+            </a:r>
+          </a:p>
+          <a:p>
+            <a:r>
+              <a:rPr lang="sv-SE" dirty="0">
+                <a:solidFill>
+                  <a:srgbClr val="0000FF"/>
+                </a:solidFill>
+                <a:highlight>
+                  <a:srgbClr val="FFFFFF"/>
+                </a:highlight>
+                <a:latin typeface="Consolas" panose="020B0609020204030204" pitchFamily="49" charset="0"/>
+              </a:rPr>
+              <a:t>foreach</a:t>
+            </a:r>
+            <a:r>
+              <a:rPr lang="sv-SE" dirty="0">
+                <a:solidFill>
+                  <a:srgbClr val="000000"/>
+                </a:solidFill>
+                <a:highlight>
+                  <a:srgbClr val="FFFFFF"/>
+                </a:highlight>
+                <a:latin typeface="Consolas" panose="020B0609020204030204" pitchFamily="49" charset="0"/>
+              </a:rPr>
+              <a:t> (</a:t>
+            </a:r>
+            <a:r>
+              <a:rPr lang="sv-SE" dirty="0">
+                <a:solidFill>
+                  <a:srgbClr val="0000FF"/>
+                </a:solidFill>
+                <a:highlight>
+                  <a:srgbClr val="FFFFFF"/>
+                </a:highlight>
+                <a:latin typeface="Consolas" panose="020B0609020204030204" pitchFamily="49" charset="0"/>
+              </a:rPr>
+              <a:t>var</a:t>
+            </a:r>
+            <a:r>
+              <a:rPr lang="sv-SE" dirty="0">
+                <a:solidFill>
+                  <a:srgbClr val="000000"/>
+                </a:solidFill>
+                <a:highlight>
+                  <a:srgbClr val="FFFFFF"/>
+                </a:highlight>
+                <a:latin typeface="Consolas" panose="020B0609020204030204" pitchFamily="49" charset="0"/>
+              </a:rPr>
+              <a:t> i </a:t>
+            </a:r>
+            <a:r>
+              <a:rPr lang="sv-SE" dirty="0">
+                <a:solidFill>
+                  <a:srgbClr val="0000FF"/>
+                </a:solidFill>
+                <a:highlight>
+                  <a:srgbClr val="FFFFFF"/>
+                </a:highlight>
+                <a:latin typeface="Consolas" panose="020B0609020204030204" pitchFamily="49" charset="0"/>
+              </a:rPr>
+              <a:t>in</a:t>
+            </a:r>
+            <a:r>
+              <a:rPr lang="sv-SE" dirty="0">
+                <a:solidFill>
+                  <a:srgbClr val="000000"/>
+                </a:solidFill>
+                <a:highlight>
+                  <a:srgbClr val="FFFFFF"/>
+                </a:highlight>
+                <a:latin typeface="Consolas" panose="020B0609020204030204" pitchFamily="49" charset="0"/>
+              </a:rPr>
+              <a:t> ints)</a:t>
+            </a:r>
+          </a:p>
+          <a:p>
+            <a:r>
+              <a:rPr lang="en-GB" dirty="0">
+                <a:solidFill>
+                  <a:srgbClr val="000000"/>
+                </a:solidFill>
+                <a:highlight>
+                  <a:srgbClr val="FFFFFF"/>
+                </a:highlight>
+                <a:latin typeface="Consolas" panose="020B0609020204030204" pitchFamily="49" charset="0"/>
+              </a:rPr>
+              <a:t>{</a:t>
+            </a:r>
+          </a:p>
+          <a:p>
+            <a:r>
+              <a:rPr lang="en-GB" dirty="0">
+                <a:solidFill>
+                  <a:srgbClr val="000000"/>
+                </a:solidFill>
+                <a:highlight>
+                  <a:srgbClr val="FFFFFF"/>
+                </a:highlight>
+                <a:latin typeface="Consolas" panose="020B0609020204030204" pitchFamily="49" charset="0"/>
+              </a:rPr>
+              <a:t>    DoSomething();</a:t>
+            </a:r>
+          </a:p>
+          <a:p>
+            <a:r>
+              <a:rPr lang="en-GB" dirty="0">
+                <a:solidFill>
+                  <a:srgbClr val="000000"/>
+                </a:solidFill>
+                <a:highlight>
+                  <a:srgbClr val="FFFFFF"/>
+                </a:highlight>
+                <a:latin typeface="Consolas" panose="020B0609020204030204" pitchFamily="49" charset="0"/>
+              </a:rPr>
+              <a:t>}</a:t>
+            </a:r>
+            <a:endParaRPr lang="en-GB" dirty="0"/>
+          </a:p>
+        </p:txBody>
+      </p:sp>
     </p:spTree>
     <p:extLst>
       <p:ext uri="{BB962C8B-B14F-4D97-AF65-F5344CB8AC3E}">
-        <p14:creationId xmlns:p14="http://schemas.microsoft.com/office/powerpoint/2010/main" val="3869899697"/>
+        <p14:creationId xmlns:p14="http://schemas.microsoft.com/office/powerpoint/2010/main" val="1245663036"/>
       </p:ext>
     </p:extLst>
   </p:cSld>
@@ -4472,29 +5955,6 @@
       </p:grpSpPr>
       <p:sp>
         <p:nvSpPr>
-          <p:cNvPr id="2" name="Заголовок 1"/>
-          <p:cNvSpPr>
-            <a:spLocks noGrp="1"/>
-          </p:cNvSpPr>
-          <p:nvPr>
-            <p:ph type="title"/>
-          </p:nvPr>
-        </p:nvSpPr>
-        <p:spPr/>
-        <p:txBody>
-          <a:bodyPr/>
-          <a:lstStyle/>
-          <a:p>
-            <a:r>
-              <a:rPr lang="en-US" dirty="0" smtClean="0"/>
-              <a:t>View</a:t>
-            </a:r>
-            <a:endParaRPr lang="en-GB" dirty="0"/>
-          </a:p>
-        </p:txBody>
-      </p:sp>
-      <p:sp>
-        <p:nvSpPr>
           <p:cNvPr id="3" name="Объект 2"/>
           <p:cNvSpPr>
             <a:spLocks noGrp="1"/>
@@ -4503,16 +5963,53 @@
             <p:ph idx="1"/>
           </p:nvPr>
         </p:nvSpPr>
-        <p:spPr/>
-        <p:txBody>
-          <a:bodyPr/>
-          <a:lstStyle/>
-          <a:p>
-            <a:r>
-              <a:rPr lang="en-US" dirty="0" smtClean="0"/>
-              <a:t>To do: insert the picture of our application here</a:t>
-            </a:r>
-            <a:endParaRPr lang="en-GB" dirty="0"/>
+        <p:spPr>
+          <a:xfrm>
+            <a:off x="838200" y="556591"/>
+            <a:ext cx="10515600" cy="874276"/>
+          </a:xfrm>
+        </p:spPr>
+        <p:txBody>
+          <a:bodyPr>
+            <a:normAutofit/>
+          </a:bodyPr>
+          <a:lstStyle/>
+          <a:p>
+            <a:r>
+              <a:rPr lang="ru-RU" dirty="0" smtClean="0"/>
+              <a:t>Реализуйте любое количество из следующих методов в к</a:t>
+            </a:r>
+            <a:r>
+              <a:rPr lang="ru-RU" dirty="0"/>
+              <a:t>л</a:t>
+            </a:r>
+            <a:r>
+              <a:rPr lang="ru-RU" dirty="0" smtClean="0"/>
+              <a:t>ассе </a:t>
+            </a:r>
+            <a:r>
+              <a:rPr lang="en-GB" dirty="0" smtClean="0">
+                <a:solidFill>
+                  <a:srgbClr val="2B91AF"/>
+                </a:solidFill>
+                <a:highlight>
+                  <a:srgbClr val="FFFFFF"/>
+                </a:highlight>
+                <a:latin typeface="Consolas" panose="020B0609020204030204" pitchFamily="49" charset="0"/>
+              </a:rPr>
+              <a:t>Program</a:t>
+            </a:r>
+            <a:r>
+              <a:rPr lang="ru-RU" dirty="0" smtClean="0"/>
+              <a:t>:</a:t>
+            </a:r>
+            <a:endParaRPr lang="ru-RU" dirty="0" smtClean="0"/>
+          </a:p>
+          <a:p>
+            <a:endParaRPr lang="ru-RU" dirty="0"/>
+          </a:p>
+          <a:p>
+            <a:endParaRPr lang="ru-RU" dirty="0"/>
           </a:p>
         </p:txBody>
       </p:sp>
@@ -4585,10 +6082,349 @@
           </a:p>
         </p:txBody>
       </p:sp>
+      <p:sp>
+        <p:nvSpPr>
+          <p:cNvPr id="7" name="Прямоугольник 6"/>
+          <p:cNvSpPr/>
+          <p:nvPr/>
+        </p:nvSpPr>
+        <p:spPr>
+          <a:xfrm>
+            <a:off x="1" y="0"/>
+            <a:ext cx="12192000" cy="296333"/>
+          </a:xfrm>
+          <a:prstGeom prst="rect">
+            <a:avLst/>
+          </a:prstGeom>
+        </p:spPr>
+        <p:style>
+          <a:lnRef idx="0">
+            <a:schemeClr val="accent6"/>
+          </a:lnRef>
+          <a:fillRef idx="3">
+            <a:schemeClr val="accent6"/>
+          </a:fillRef>
+          <a:effectRef idx="3">
+            <a:schemeClr val="accent6"/>
+          </a:effectRef>
+          <a:fontRef idx="minor">
+            <a:schemeClr val="lt1"/>
+          </a:fontRef>
+        </p:style>
+        <p:txBody>
+          <a:bodyPr rtlCol="0" anchor="ctr"/>
+          <a:lstStyle/>
+          <a:p>
+            <a:pPr algn="ctr"/>
+            <a:r>
+              <a:rPr lang="en-US" dirty="0" smtClean="0"/>
+              <a:t>Hello world!</a:t>
+            </a:r>
+            <a:endParaRPr lang="en-GB" dirty="0"/>
+          </a:p>
+        </p:txBody>
+      </p:sp>
+      <p:sp>
+        <p:nvSpPr>
+          <p:cNvPr id="9" name="Объект 2"/>
+          <p:cNvSpPr txBox="1">
+            <a:spLocks/>
+          </p:cNvSpPr>
+          <p:nvPr/>
+        </p:nvSpPr>
+        <p:spPr>
+          <a:xfrm>
+            <a:off x="838200" y="1691125"/>
+            <a:ext cx="10515600" cy="4360540"/>
+          </a:xfrm>
+          <a:prstGeom prst="rect">
+            <a:avLst/>
+          </a:prstGeom>
+        </p:spPr>
+        <p:txBody>
+          <a:bodyPr vert="horz" lIns="91440" tIns="45720" rIns="91440" bIns="45720" rtlCol="0">
+            <a:normAutofit/>
+          </a:bodyPr>
+          <a:lstStyle>
+            <a:lvl1pPr marL="228600" indent="-228600" algn="l" defTabSz="914400" rtl="0" eaLnBrk="1" latinLnBrk="0" hangingPunct="1">
+              <a:lnSpc>
+                <a:spcPct val="90000"/>
+              </a:lnSpc>
+              <a:spcBef>
+                <a:spcPts val="1000"/>
+              </a:spcBef>
+              <a:buFont typeface="Arial" panose="020B0604020202020204" pitchFamily="34" charset="0"/>
+              <a:buChar char="•"/>
+              <a:defRPr sz="2800" kern="1200">
+                <a:solidFill>
+                  <a:schemeClr val="tx1"/>
+                </a:solidFill>
+                <a:latin typeface="+mn-lt"/>
+                <a:ea typeface="+mn-ea"/>
+                <a:cs typeface="+mn-cs"/>
+              </a:defRPr>
+            </a:lvl1pPr>
+            <a:lvl2pPr marL="685800" indent="-228600" algn="l" defTabSz="914400" rtl="0" eaLnBrk="1" latinLnBrk="0" hangingPunct="1">
+              <a:lnSpc>
+                <a:spcPct val="90000"/>
+              </a:lnSpc>
+              <a:spcBef>
+                <a:spcPts val="500"/>
+              </a:spcBef>
+              <a:buFont typeface="Arial" panose="020B0604020202020204" pitchFamily="34" charset="0"/>
+              <a:buChar char="•"/>
+              <a:defRPr sz="2400" kern="1200">
+                <a:solidFill>
+                  <a:schemeClr val="tx1"/>
+                </a:solidFill>
+                <a:latin typeface="+mn-lt"/>
+                <a:ea typeface="+mn-ea"/>
+                <a:cs typeface="+mn-cs"/>
+              </a:defRPr>
+            </a:lvl2pPr>
+            <a:lvl3pPr marL="1143000" indent="-228600" algn="l" defTabSz="914400" rtl="0" eaLnBrk="1" latinLnBrk="0" hangingPunct="1">
+              <a:lnSpc>
+                <a:spcPct val="90000"/>
+              </a:lnSpc>
+              <a:spcBef>
+                <a:spcPts val="500"/>
+              </a:spcBef>
+              <a:buFont typeface="Arial" panose="020B0604020202020204" pitchFamily="34" charset="0"/>
+              <a:buChar char="•"/>
+              <a:defRPr sz="2000" kern="1200">
+                <a:solidFill>
+                  <a:schemeClr val="tx1"/>
+                </a:solidFill>
+                <a:latin typeface="+mn-lt"/>
+                <a:ea typeface="+mn-ea"/>
+                <a:cs typeface="+mn-cs"/>
+              </a:defRPr>
+            </a:lvl3pPr>
+            <a:lvl4pPr marL="1600200" indent="-228600" algn="l" defTabSz="914400" rtl="0" eaLnBrk="1" latinLnBrk="0" hangingPunct="1">
+              <a:lnSpc>
+                <a:spcPct val="90000"/>
+              </a:lnSpc>
+              <a:spcBef>
+                <a:spcPts val="500"/>
+              </a:spcBef>
+              <a:buFont typeface="Arial" panose="020B0604020202020204" pitchFamily="34" charset="0"/>
+              <a:buChar char="•"/>
+              <a:defRPr sz="1800" kern="1200">
+                <a:solidFill>
+                  <a:schemeClr val="tx1"/>
+                </a:solidFill>
+                <a:latin typeface="+mn-lt"/>
+                <a:ea typeface="+mn-ea"/>
+                <a:cs typeface="+mn-cs"/>
+              </a:defRPr>
+            </a:lvl4pPr>
+            <a:lvl5pPr marL="2057400" indent="-228600" algn="l" defTabSz="914400" rtl="0" eaLnBrk="1" latinLnBrk="0" hangingPunct="1">
+              <a:lnSpc>
+                <a:spcPct val="90000"/>
+              </a:lnSpc>
+              <a:spcBef>
+                <a:spcPts val="500"/>
+              </a:spcBef>
+              <a:buFont typeface="Arial" panose="020B0604020202020204" pitchFamily="34" charset="0"/>
+              <a:buChar char="•"/>
+              <a:defRPr sz="1800" kern="1200">
+                <a:solidFill>
+                  <a:schemeClr val="tx1"/>
+                </a:solidFill>
+                <a:latin typeface="+mn-lt"/>
+                <a:ea typeface="+mn-ea"/>
+                <a:cs typeface="+mn-cs"/>
+              </a:defRPr>
+            </a:lvl5pPr>
+            <a:lvl6pPr marL="2514600" indent="-228600" algn="l" defTabSz="914400" rtl="0" eaLnBrk="1" latinLnBrk="0" hangingPunct="1">
+              <a:lnSpc>
+                <a:spcPct val="90000"/>
+              </a:lnSpc>
+              <a:spcBef>
+                <a:spcPts val="500"/>
+              </a:spcBef>
+              <a:buFont typeface="Arial" panose="020B0604020202020204" pitchFamily="34" charset="0"/>
+              <a:buChar char="•"/>
+              <a:defRPr sz="1800" kern="1200">
+                <a:solidFill>
+                  <a:schemeClr val="tx1"/>
+                </a:solidFill>
+                <a:latin typeface="+mn-lt"/>
+                <a:ea typeface="+mn-ea"/>
+                <a:cs typeface="+mn-cs"/>
+              </a:defRPr>
+            </a:lvl6pPr>
+            <a:lvl7pPr marL="2971800" indent="-228600" algn="l" defTabSz="914400" rtl="0" eaLnBrk="1" latinLnBrk="0" hangingPunct="1">
+              <a:lnSpc>
+                <a:spcPct val="90000"/>
+              </a:lnSpc>
+              <a:spcBef>
+                <a:spcPts val="500"/>
+              </a:spcBef>
+              <a:buFont typeface="Arial" panose="020B0604020202020204" pitchFamily="34" charset="0"/>
+              <a:buChar char="•"/>
+              <a:defRPr sz="1800" kern="1200">
+                <a:solidFill>
+                  <a:schemeClr val="tx1"/>
+                </a:solidFill>
+                <a:latin typeface="+mn-lt"/>
+                <a:ea typeface="+mn-ea"/>
+                <a:cs typeface="+mn-cs"/>
+              </a:defRPr>
+            </a:lvl7pPr>
+            <a:lvl8pPr marL="3429000" indent="-228600" algn="l" defTabSz="914400" rtl="0" eaLnBrk="1" latinLnBrk="0" hangingPunct="1">
+              <a:lnSpc>
+                <a:spcPct val="90000"/>
+              </a:lnSpc>
+              <a:spcBef>
+                <a:spcPts val="500"/>
+              </a:spcBef>
+              <a:buFont typeface="Arial" panose="020B0604020202020204" pitchFamily="34" charset="0"/>
+              <a:buChar char="•"/>
+              <a:defRPr sz="1800" kern="1200">
+                <a:solidFill>
+                  <a:schemeClr val="tx1"/>
+                </a:solidFill>
+                <a:latin typeface="+mn-lt"/>
+                <a:ea typeface="+mn-ea"/>
+                <a:cs typeface="+mn-cs"/>
+              </a:defRPr>
+            </a:lvl8pPr>
+            <a:lvl9pPr marL="3886200" indent="-228600" algn="l" defTabSz="914400" rtl="0" eaLnBrk="1" latinLnBrk="0" hangingPunct="1">
+              <a:lnSpc>
+                <a:spcPct val="90000"/>
+              </a:lnSpc>
+              <a:spcBef>
+                <a:spcPts val="500"/>
+              </a:spcBef>
+              <a:buFont typeface="Arial" panose="020B0604020202020204" pitchFamily="34" charset="0"/>
+              <a:buChar char="•"/>
+              <a:defRPr sz="1800" kern="1200">
+                <a:solidFill>
+                  <a:schemeClr val="tx1"/>
+                </a:solidFill>
+                <a:latin typeface="+mn-lt"/>
+                <a:ea typeface="+mn-ea"/>
+                <a:cs typeface="+mn-cs"/>
+              </a:defRPr>
+            </a:lvl9pPr>
+          </a:lstStyle>
+          <a:p>
+            <a:pPr marL="914400" lvl="1" indent="-457200">
+              <a:buFont typeface="+mj-lt"/>
+              <a:buAutoNum type="arabicPeriod"/>
+            </a:pPr>
+            <a:r>
+              <a:rPr lang="ru-RU" dirty="0" smtClean="0"/>
+              <a:t>Создайте и инициализируйте в методе </a:t>
+            </a:r>
+            <a:r>
+              <a:rPr lang="ru-RU" dirty="0" smtClean="0"/>
+              <a:t>строку</a:t>
+            </a:r>
+            <a:r>
+              <a:rPr lang="ru-RU" dirty="0" smtClean="0"/>
+              <a:t>. Выводите в консоль обращение к пользователю «Угадай слово», пока пользователь не введет заданное вами значение.</a:t>
+            </a:r>
+          </a:p>
+          <a:p>
+            <a:pPr marL="914400" lvl="1" indent="-457200">
+              <a:buFont typeface="+mj-lt"/>
+              <a:buAutoNum type="arabicPeriod"/>
+            </a:pPr>
+            <a:endParaRPr lang="ru-RU" dirty="0" smtClean="0"/>
+          </a:p>
+          <a:p>
+            <a:pPr marL="914400" lvl="1" indent="-457200">
+              <a:buFont typeface="+mj-lt"/>
+              <a:buAutoNum type="arabicPeriod"/>
+            </a:pPr>
+            <a:r>
+              <a:rPr lang="ru-RU" dirty="0" smtClean="0"/>
+              <a:t>Используя объект класса </a:t>
+            </a:r>
+            <a:r>
+              <a:rPr lang="en-GB" dirty="0">
+                <a:solidFill>
+                  <a:srgbClr val="2B91AF"/>
+                </a:solidFill>
+                <a:highlight>
+                  <a:srgbClr val="FFFFFF"/>
+                </a:highlight>
+                <a:latin typeface="Consolas" panose="020B0609020204030204" pitchFamily="49" charset="0"/>
+              </a:rPr>
+              <a:t>Random </a:t>
+            </a:r>
+            <a:r>
+              <a:rPr lang="ru-RU" dirty="0" smtClean="0"/>
+              <a:t>сгенерируйте 10 произвольных чисел и сравните их с заранее заданным числом – результат каждого сравнения выводите в консоль.</a:t>
+            </a:r>
+          </a:p>
+          <a:p>
+            <a:pPr marL="914400" lvl="1" indent="-457200">
+              <a:buFont typeface="+mj-lt"/>
+              <a:buAutoNum type="arabicPeriod"/>
+            </a:pPr>
+            <a:endParaRPr lang="en-US" dirty="0" smtClean="0"/>
+          </a:p>
+          <a:p>
+            <a:pPr marL="914400" lvl="1" indent="-457200">
+              <a:buFont typeface="+mj-lt"/>
+              <a:buAutoNum type="arabicPeriod"/>
+            </a:pPr>
+            <a:r>
+              <a:rPr lang="ru-RU" dirty="0" smtClean="0"/>
+              <a:t>Смоделируйте копилку: изначально в ней нет денег, но в каждый проход цикла в нее помещается произвольное количество денег – используйте объект класса </a:t>
+            </a:r>
+            <a:r>
+              <a:rPr lang="en-GB" dirty="0" smtClean="0">
+                <a:solidFill>
+                  <a:srgbClr val="2B91AF"/>
+                </a:solidFill>
+                <a:highlight>
+                  <a:srgbClr val="FFFFFF"/>
+                </a:highlight>
+                <a:latin typeface="Consolas" panose="020B0609020204030204" pitchFamily="49" charset="0"/>
+              </a:rPr>
+              <a:t>Random</a:t>
+            </a:r>
+            <a:r>
+              <a:rPr lang="ru-RU" dirty="0" smtClean="0">
+                <a:solidFill>
+                  <a:srgbClr val="2B91AF"/>
+                </a:solidFill>
+                <a:highlight>
+                  <a:srgbClr val="FFFFFF"/>
+                </a:highlight>
+                <a:latin typeface="Consolas" panose="020B0609020204030204" pitchFamily="49" charset="0"/>
+              </a:rPr>
+              <a:t> </a:t>
+            </a:r>
+            <a:r>
+              <a:rPr lang="ru-RU" dirty="0" smtClean="0"/>
+              <a:t>выводите текущее количество денег в каждый проход цикла до достижения нужной суммы.</a:t>
+            </a:r>
+            <a:endParaRPr lang="ru-RU" dirty="0" smtClean="0"/>
+          </a:p>
+          <a:p>
+            <a:pPr marL="914400" lvl="1" indent="-457200">
+              <a:buFont typeface="+mj-lt"/>
+              <a:buAutoNum type="arabicPeriod"/>
+            </a:pPr>
+            <a:endParaRPr lang="ru-RU" dirty="0" smtClean="0"/>
+          </a:p>
+          <a:p>
+            <a:endParaRPr lang="ru-RU" dirty="0" smtClean="0"/>
+          </a:p>
+          <a:p>
+            <a:endParaRPr lang="ru-RU" dirty="0"/>
+          </a:p>
+        </p:txBody>
+      </p:sp>
     </p:spTree>
     <p:extLst>
       <p:ext uri="{BB962C8B-B14F-4D97-AF65-F5344CB8AC3E}">
-        <p14:creationId xmlns:p14="http://schemas.microsoft.com/office/powerpoint/2010/main" val="1423666613"/>
+        <p14:creationId xmlns:p14="http://schemas.microsoft.com/office/powerpoint/2010/main" val="632394043"/>
       </p:ext>
     </p:extLst>
   </p:cSld>
@@ -4624,56 +6460,6 @@
       </p:grpSpPr>
       <p:sp>
         <p:nvSpPr>
-          <p:cNvPr id="2" name="Заголовок 1"/>
-          <p:cNvSpPr>
-            <a:spLocks noGrp="1"/>
-          </p:cNvSpPr>
-          <p:nvPr>
-            <p:ph type="title"/>
-          </p:nvPr>
-        </p:nvSpPr>
-        <p:spPr/>
-        <p:txBody>
-          <a:bodyPr/>
-          <a:lstStyle/>
-          <a:p>
-            <a:r>
-              <a:rPr lang="en-US" dirty="0" smtClean="0"/>
-              <a:t>Model – </a:t>
-            </a:r>
-            <a:r>
-              <a:rPr lang="ru-RU" dirty="0" smtClean="0"/>
-              <a:t>это класс</a:t>
-            </a:r>
-            <a:endParaRPr lang="en-GB" dirty="0"/>
-          </a:p>
-        </p:txBody>
-      </p:sp>
-      <p:sp>
-        <p:nvSpPr>
-          <p:cNvPr id="3" name="Объект 2"/>
-          <p:cNvSpPr>
-            <a:spLocks noGrp="1"/>
-          </p:cNvSpPr>
-          <p:nvPr>
-            <p:ph idx="1"/>
-          </p:nvPr>
-        </p:nvSpPr>
-        <p:spPr/>
-        <p:txBody>
-          <a:bodyPr/>
-          <a:lstStyle/>
-          <a:p>
-            <a:r>
-              <a:rPr lang="en-US" dirty="0" smtClean="0"/>
-              <a:t>To do: insert the class of user here</a:t>
-            </a:r>
-            <a:endParaRPr lang="en-GB" dirty="0"/>
-          </a:p>
-        </p:txBody>
-      </p:sp>
-      <p:sp>
-        <p:nvSpPr>
           <p:cNvPr id="4" name="Дата 3"/>
           <p:cNvSpPr>
             <a:spLocks noGrp="1"/>
@@ -4741,10 +6527,119 @@
           </a:p>
         </p:txBody>
       </p:sp>
+      <p:sp>
+        <p:nvSpPr>
+          <p:cNvPr id="7" name="Прямоугольник 6"/>
+          <p:cNvSpPr/>
+          <p:nvPr/>
+        </p:nvSpPr>
+        <p:spPr>
+          <a:xfrm>
+            <a:off x="1" y="0"/>
+            <a:ext cx="12192000" cy="296333"/>
+          </a:xfrm>
+          <a:prstGeom prst="rect">
+            <a:avLst/>
+          </a:prstGeom>
+        </p:spPr>
+        <p:style>
+          <a:lnRef idx="0">
+            <a:schemeClr val="accent5"/>
+          </a:lnRef>
+          <a:fillRef idx="3">
+            <a:schemeClr val="accent5"/>
+          </a:fillRef>
+          <a:effectRef idx="3">
+            <a:schemeClr val="accent5"/>
+          </a:effectRef>
+          <a:fontRef idx="minor">
+            <a:schemeClr val="lt1"/>
+          </a:fontRef>
+        </p:style>
+        <p:txBody>
+          <a:bodyPr rtlCol="0" anchor="ctr"/>
+          <a:lstStyle/>
+          <a:p>
+            <a:pPr algn="ctr"/>
+            <a:r>
+              <a:rPr lang="ru-RU" dirty="0" smtClean="0"/>
+              <a:t>Полезные сочетания клавиш</a:t>
+            </a:r>
+            <a:endParaRPr lang="en-GB" dirty="0"/>
+          </a:p>
+        </p:txBody>
+      </p:sp>
+      <p:sp>
+        <p:nvSpPr>
+          <p:cNvPr id="2" name="TextBox 1"/>
+          <p:cNvSpPr txBox="1"/>
+          <p:nvPr/>
+        </p:nvSpPr>
+        <p:spPr>
+          <a:xfrm>
+            <a:off x="1103085" y="1001485"/>
+            <a:ext cx="1290738" cy="2031325"/>
+          </a:xfrm>
+          <a:prstGeom prst="rect">
+            <a:avLst/>
+          </a:prstGeom>
+          <a:noFill/>
+        </p:spPr>
+        <p:txBody>
+          <a:bodyPr wrap="none" rtlCol="0">
+            <a:spAutoFit/>
+          </a:bodyPr>
+          <a:lstStyle/>
+          <a:p>
+            <a:r>
+              <a:rPr lang="en-US" dirty="0" smtClean="0"/>
+              <a:t>Ctrl + .</a:t>
+            </a:r>
+          </a:p>
+          <a:p>
+            <a:r>
+              <a:rPr lang="en-US" dirty="0" smtClean="0"/>
+              <a:t>Ctrl + Space</a:t>
+            </a:r>
+          </a:p>
+          <a:p>
+            <a:r>
+              <a:rPr lang="en-US" dirty="0" smtClean="0"/>
+              <a:t>Tab</a:t>
+            </a:r>
+          </a:p>
+          <a:p>
+            <a:r>
+              <a:rPr lang="en-US" dirty="0" smtClean="0"/>
+              <a:t>F6</a:t>
+            </a:r>
+          </a:p>
+          <a:p>
+            <a:r>
+              <a:rPr lang="en-US" dirty="0" smtClean="0"/>
+              <a:t>F5</a:t>
+            </a:r>
+          </a:p>
+          <a:p>
+            <a:r>
+              <a:rPr lang="en-US" dirty="0" err="1" smtClean="0"/>
+              <a:t>Tab+Tab</a:t>
+            </a:r>
+            <a:endParaRPr lang="en-US" dirty="0" smtClean="0"/>
+          </a:p>
+          <a:p>
+            <a:r>
+              <a:rPr lang="en-US" dirty="0" err="1" smtClean="0"/>
+              <a:t>Ctrl+e+d</a:t>
+            </a:r>
+            <a:endParaRPr lang="en-GB" dirty="0"/>
+          </a:p>
+        </p:txBody>
+      </p:sp>
     </p:spTree>
     <p:extLst>
       <p:ext uri="{BB962C8B-B14F-4D97-AF65-F5344CB8AC3E}">
-        <p14:creationId xmlns:p14="http://schemas.microsoft.com/office/powerpoint/2010/main" val="713820648"/>
+        <p14:creationId xmlns:p14="http://schemas.microsoft.com/office/powerpoint/2010/main" val="108711163"/>
       </p:ext>
     </p:extLst>
   </p:cSld>
@@ -4780,52 +6675,6 @@
       </p:grpSpPr>
       <p:sp>
         <p:nvSpPr>
-          <p:cNvPr id="2" name="Заголовок 1"/>
-          <p:cNvSpPr>
-            <a:spLocks noGrp="1"/>
-          </p:cNvSpPr>
-          <p:nvPr>
-            <p:ph type="title"/>
-          </p:nvPr>
-        </p:nvSpPr>
-        <p:spPr/>
-        <p:txBody>
-          <a:bodyPr/>
-          <a:lstStyle/>
-          <a:p>
-            <a:r>
-              <a:rPr lang="en-US" dirty="0" smtClean="0"/>
-              <a:t>Controller</a:t>
-            </a:r>
-            <a:endParaRPr lang="en-GB" dirty="0"/>
-          </a:p>
-        </p:txBody>
-      </p:sp>
-      <p:sp>
-        <p:nvSpPr>
-          <p:cNvPr id="3" name="Объект 2"/>
-          <p:cNvSpPr>
-            <a:spLocks noGrp="1"/>
-          </p:cNvSpPr>
-          <p:nvPr>
-            <p:ph idx="1"/>
-          </p:nvPr>
-        </p:nvSpPr>
-        <p:spPr/>
-        <p:txBody>
-          <a:bodyPr/>
-          <a:lstStyle/>
-          <a:p>
-            <a:r>
-              <a:rPr lang="en-US" dirty="0" smtClean="0"/>
-              <a:t>To do: insert the scheme of MVC interaction here + interaction with other components of the application</a:t>
-            </a:r>
-            <a:endParaRPr lang="en-GB" dirty="0"/>
-          </a:p>
-        </p:txBody>
-      </p:sp>
-      <p:sp>
-        <p:nvSpPr>
           <p:cNvPr id="4" name="Дата 3"/>
           <p:cNvSpPr>
             <a:spLocks noGrp="1"/>
@@ -4888,1253 +6737,6 @@
             <a:fld id="{8FD3F87F-7A79-4F3D-8F12-CD11A20D067D}" type="slidenum">
               <a:rPr lang="en-GB" smtClean="0"/>
               <a:t>14</a:t>
-            </a:fld>
-            <a:endParaRPr lang="en-GB"/>
-          </a:p>
-        </p:txBody>
-      </p:sp>
-    </p:spTree>
-    <p:extLst>
-      <p:ext uri="{BB962C8B-B14F-4D97-AF65-F5344CB8AC3E}">
-        <p14:creationId xmlns:p14="http://schemas.microsoft.com/office/powerpoint/2010/main" val="2261269123"/>
-      </p:ext>
-    </p:extLst>
-  </p:cSld>
-  <p:clrMapOvr>
-    <a:masterClrMapping/>
-  </p:clrMapOvr>
-  <p:timing>
-    <p:tnLst>
-      <p:par>
-        <p:cTn id="1" dur="indefinite" restart="never" nodeType="tmRoot"/>
-      </p:par>
-    </p:tnLst>
-  </p:timing>
-</p:sld>
-</file>
-
-<file path=ppt/slides/slide15.xml><?xml version="1.0" encoding="utf-8"?>
-<p:sld xmlns:a="http://schemas.openxmlformats.org/drawingml/2006/main" xmlns:r="http://schemas.openxmlformats.org/officeDocument/2006/relationships" xmlns:p="http://schemas.openxmlformats.org/presentationml/2006/main">
-  <p:cSld>
-    <p:spTree>
-      <p:nvGrpSpPr>
-        <p:cNvPr id="1" name=""/>
-        <p:cNvGrpSpPr/>
-        <p:nvPr/>
-      </p:nvGrpSpPr>
-      <p:grpSpPr>
-        <a:xfrm>
-          <a:off x="0" y="0"/>
-          <a:ext cx="0" cy="0"/>
-          <a:chOff x="0" y="0"/>
-          <a:chExt cx="0" cy="0"/>
-        </a:xfrm>
-      </p:grpSpPr>
-      <p:sp>
-        <p:nvSpPr>
-          <p:cNvPr id="2" name="Заголовок 1"/>
-          <p:cNvSpPr>
-            <a:spLocks noGrp="1"/>
-          </p:cNvSpPr>
-          <p:nvPr>
-            <p:ph type="title"/>
-          </p:nvPr>
-        </p:nvSpPr>
-        <p:spPr/>
-        <p:txBody>
-          <a:bodyPr/>
-          <a:lstStyle/>
-          <a:p>
-            <a:r>
-              <a:rPr lang="en-US" dirty="0" smtClean="0"/>
-              <a:t>Visual Studio 2013 express for web development</a:t>
-            </a:r>
-            <a:endParaRPr lang="en-GB" dirty="0"/>
-          </a:p>
-        </p:txBody>
-      </p:sp>
-      <p:sp>
-        <p:nvSpPr>
-          <p:cNvPr id="3" name="Объект 2"/>
-          <p:cNvSpPr>
-            <a:spLocks noGrp="1"/>
-          </p:cNvSpPr>
-          <p:nvPr>
-            <p:ph idx="1"/>
-          </p:nvPr>
-        </p:nvSpPr>
-        <p:spPr/>
-        <p:txBody>
-          <a:bodyPr/>
-          <a:lstStyle/>
-          <a:p>
-            <a:endParaRPr lang="en-GB"/>
-          </a:p>
-        </p:txBody>
-      </p:sp>
-      <p:sp>
-        <p:nvSpPr>
-          <p:cNvPr id="4" name="Дата 3"/>
-          <p:cNvSpPr>
-            <a:spLocks noGrp="1"/>
-          </p:cNvSpPr>
-          <p:nvPr>
-            <p:ph type="dt" sz="half" idx="10"/>
-          </p:nvPr>
-        </p:nvSpPr>
-        <p:spPr/>
-        <p:txBody>
-          <a:bodyPr/>
-          <a:lstStyle/>
-          <a:p>
-            <a:r>
-              <a:rPr lang="en-US" smtClean="0"/>
-              <a:t>01.03.2016</a:t>
-            </a:r>
-            <a:endParaRPr lang="en-GB"/>
-          </a:p>
-        </p:txBody>
-      </p:sp>
-      <p:sp>
-        <p:nvSpPr>
-          <p:cNvPr id="5" name="Нижний колонтитул 4"/>
-          <p:cNvSpPr>
-            <a:spLocks noGrp="1"/>
-          </p:cNvSpPr>
-          <p:nvPr>
-            <p:ph type="ftr" sz="quarter" idx="11"/>
-          </p:nvPr>
-        </p:nvSpPr>
-        <p:spPr/>
-        <p:txBody>
-          <a:bodyPr/>
-          <a:lstStyle/>
-          <a:p>
-            <a:r>
-              <a:rPr lang="ru-RU" smtClean="0"/>
-              <a:t>Ваганов Михаил Викторович  ASP.NET MVC + Oracle Database</a:t>
-            </a:r>
-            <a:endParaRPr lang="en-GB"/>
-          </a:p>
-        </p:txBody>
-      </p:sp>
-      <p:sp>
-        <p:nvSpPr>
-          <p:cNvPr id="6" name="Номер слайда 5"/>
-          <p:cNvSpPr>
-            <a:spLocks noGrp="1"/>
-          </p:cNvSpPr>
-          <p:nvPr>
-            <p:ph type="sldNum" sz="quarter" idx="12"/>
-          </p:nvPr>
-        </p:nvSpPr>
-        <p:spPr/>
-        <p:txBody>
-          <a:bodyPr/>
-          <a:lstStyle/>
-          <a:p>
-            <a:fld id="{8FD3F87F-7A79-4F3D-8F12-CD11A20D067D}" type="slidenum">
-              <a:rPr lang="en-GB" smtClean="0"/>
-              <a:t>15</a:t>
-            </a:fld>
-            <a:endParaRPr lang="en-GB"/>
-          </a:p>
-        </p:txBody>
-      </p:sp>
-    </p:spTree>
-    <p:extLst>
-      <p:ext uri="{BB962C8B-B14F-4D97-AF65-F5344CB8AC3E}">
-        <p14:creationId xmlns:p14="http://schemas.microsoft.com/office/powerpoint/2010/main" val="3973800081"/>
-      </p:ext>
-    </p:extLst>
-  </p:cSld>
-  <p:clrMapOvr>
-    <a:masterClrMapping/>
-  </p:clrMapOvr>
-  <p:timing>
-    <p:tnLst>
-      <p:par>
-        <p:cTn id="1" dur="indefinite" restart="never" nodeType="tmRoot"/>
-      </p:par>
-    </p:tnLst>
-  </p:timing>
-</p:sld>
-</file>
-
-<file path=ppt/slides/slide16.xml><?xml version="1.0" encoding="utf-8"?>
-<p:sld xmlns:a="http://schemas.openxmlformats.org/drawingml/2006/main" xmlns:r="http://schemas.openxmlformats.org/officeDocument/2006/relationships" xmlns:p="http://schemas.openxmlformats.org/presentationml/2006/main">
-  <p:cSld>
-    <p:spTree>
-      <p:nvGrpSpPr>
-        <p:cNvPr id="1" name=""/>
-        <p:cNvGrpSpPr/>
-        <p:nvPr/>
-      </p:nvGrpSpPr>
-      <p:grpSpPr>
-        <a:xfrm>
-          <a:off x="0" y="0"/>
-          <a:ext cx="0" cy="0"/>
-          <a:chOff x="0" y="0"/>
-          <a:chExt cx="0" cy="0"/>
-        </a:xfrm>
-      </p:grpSpPr>
-      <p:sp>
-        <p:nvSpPr>
-          <p:cNvPr id="2" name="Заголовок 1"/>
-          <p:cNvSpPr>
-            <a:spLocks noGrp="1"/>
-          </p:cNvSpPr>
-          <p:nvPr>
-            <p:ph type="title"/>
-          </p:nvPr>
-        </p:nvSpPr>
-        <p:spPr/>
-        <p:txBody>
-          <a:bodyPr/>
-          <a:lstStyle/>
-          <a:p>
-            <a:r>
-              <a:rPr lang="en-US" dirty="0" smtClean="0"/>
-              <a:t>MVC</a:t>
-            </a:r>
-            <a:endParaRPr lang="en-GB" dirty="0"/>
-          </a:p>
-        </p:txBody>
-      </p:sp>
-      <p:sp>
-        <p:nvSpPr>
-          <p:cNvPr id="4" name="Дата 3"/>
-          <p:cNvSpPr>
-            <a:spLocks noGrp="1"/>
-          </p:cNvSpPr>
-          <p:nvPr>
-            <p:ph type="dt" sz="half" idx="10"/>
-          </p:nvPr>
-        </p:nvSpPr>
-        <p:spPr/>
-        <p:txBody>
-          <a:bodyPr/>
-          <a:lstStyle/>
-          <a:p>
-            <a:r>
-              <a:rPr lang="en-US" smtClean="0"/>
-              <a:t>01.03.2016</a:t>
-            </a:r>
-            <a:endParaRPr lang="en-GB"/>
-          </a:p>
-        </p:txBody>
-      </p:sp>
-      <p:sp>
-        <p:nvSpPr>
-          <p:cNvPr id="5" name="Нижний колонтитул 4"/>
-          <p:cNvSpPr>
-            <a:spLocks noGrp="1"/>
-          </p:cNvSpPr>
-          <p:nvPr>
-            <p:ph type="ftr" sz="quarter" idx="11"/>
-          </p:nvPr>
-        </p:nvSpPr>
-        <p:spPr/>
-        <p:txBody>
-          <a:bodyPr/>
-          <a:lstStyle/>
-          <a:p>
-            <a:r>
-              <a:rPr lang="ru-RU" smtClean="0"/>
-              <a:t>Ваганов Михаил Викторович  ASP.NET MVC + Oracle Database</a:t>
-            </a:r>
-            <a:endParaRPr lang="en-GB"/>
-          </a:p>
-        </p:txBody>
-      </p:sp>
-      <p:sp>
-        <p:nvSpPr>
-          <p:cNvPr id="6" name="Номер слайда 5"/>
-          <p:cNvSpPr>
-            <a:spLocks noGrp="1"/>
-          </p:cNvSpPr>
-          <p:nvPr>
-            <p:ph type="sldNum" sz="quarter" idx="12"/>
-          </p:nvPr>
-        </p:nvSpPr>
-        <p:spPr/>
-        <p:txBody>
-          <a:bodyPr/>
-          <a:lstStyle/>
-          <a:p>
-            <a:fld id="{8FD3F87F-7A79-4F3D-8F12-CD11A20D067D}" type="slidenum">
-              <a:rPr lang="en-GB" smtClean="0"/>
-              <a:t>16</a:t>
-            </a:fld>
-            <a:endParaRPr lang="en-GB"/>
-          </a:p>
-        </p:txBody>
-      </p:sp>
-      <p:sp>
-        <p:nvSpPr>
-          <p:cNvPr id="7" name="Прямоугольник 6"/>
-          <p:cNvSpPr/>
-          <p:nvPr/>
-        </p:nvSpPr>
-        <p:spPr>
-          <a:xfrm>
-            <a:off x="6580917" y="2374880"/>
-            <a:ext cx="4059365" cy="771779"/>
-          </a:xfrm>
-          <a:prstGeom prst="rect">
-            <a:avLst/>
-          </a:prstGeom>
-        </p:spPr>
-        <p:style>
-          <a:lnRef idx="3">
-            <a:schemeClr val="lt1"/>
-          </a:lnRef>
-          <a:fillRef idx="1">
-            <a:schemeClr val="accent1"/>
-          </a:fillRef>
-          <a:effectRef idx="1">
-            <a:schemeClr val="accent1"/>
-          </a:effectRef>
-          <a:fontRef idx="minor">
-            <a:schemeClr val="lt1"/>
-          </a:fontRef>
-        </p:style>
-        <p:txBody>
-          <a:bodyPr rtlCol="0" anchor="ctr"/>
-          <a:lstStyle/>
-          <a:p>
-            <a:pPr algn="ctr"/>
-            <a:r>
-              <a:rPr lang="en-US" dirty="0" smtClean="0"/>
-              <a:t>Controller</a:t>
-            </a:r>
-          </a:p>
-        </p:txBody>
-      </p:sp>
-      <p:sp>
-        <p:nvSpPr>
-          <p:cNvPr id="10" name="Стрелка вправо 9"/>
-          <p:cNvSpPr/>
-          <p:nvPr/>
-        </p:nvSpPr>
-        <p:spPr>
-          <a:xfrm>
-            <a:off x="3455346" y="2425443"/>
-            <a:ext cx="2190482" cy="721216"/>
-          </a:xfrm>
-          <a:prstGeom prst="rightArrow">
-            <a:avLst/>
-          </a:prstGeom>
-        </p:spPr>
-        <p:style>
-          <a:lnRef idx="3">
-            <a:schemeClr val="lt1"/>
-          </a:lnRef>
-          <a:fillRef idx="1">
-            <a:schemeClr val="accent6"/>
-          </a:fillRef>
-          <a:effectRef idx="1">
-            <a:schemeClr val="accent6"/>
-          </a:effectRef>
-          <a:fontRef idx="minor">
-            <a:schemeClr val="lt1"/>
-          </a:fontRef>
-        </p:style>
-        <p:txBody>
-          <a:bodyPr rtlCol="0" anchor="ctr"/>
-          <a:lstStyle/>
-          <a:p>
-            <a:pPr algn="ctr"/>
-            <a:r>
-              <a:rPr lang="en-US" dirty="0" smtClean="0"/>
-              <a:t>Request</a:t>
-            </a:r>
-            <a:endParaRPr lang="en-GB" dirty="0"/>
-          </a:p>
-        </p:txBody>
-      </p:sp>
-      <p:sp>
-        <p:nvSpPr>
-          <p:cNvPr id="11" name="Стрелка вправо 10"/>
-          <p:cNvSpPr/>
-          <p:nvPr/>
-        </p:nvSpPr>
-        <p:spPr>
-          <a:xfrm flipH="1">
-            <a:off x="3455346" y="4561255"/>
-            <a:ext cx="2190482" cy="721216"/>
-          </a:xfrm>
-          <a:prstGeom prst="rightArrow">
-            <a:avLst/>
-          </a:prstGeom>
-        </p:spPr>
-        <p:style>
-          <a:lnRef idx="3">
-            <a:schemeClr val="lt1"/>
-          </a:lnRef>
-          <a:fillRef idx="1">
-            <a:schemeClr val="accent6"/>
-          </a:fillRef>
-          <a:effectRef idx="1">
-            <a:schemeClr val="accent6"/>
-          </a:effectRef>
-          <a:fontRef idx="minor">
-            <a:schemeClr val="lt1"/>
-          </a:fontRef>
-        </p:style>
-        <p:txBody>
-          <a:bodyPr rtlCol="0" anchor="ctr"/>
-          <a:lstStyle/>
-          <a:p>
-            <a:pPr algn="ctr"/>
-            <a:r>
-              <a:rPr lang="en-US" dirty="0" smtClean="0"/>
-              <a:t>Response</a:t>
-            </a:r>
-            <a:endParaRPr lang="en-GB" dirty="0"/>
-          </a:p>
-        </p:txBody>
-      </p:sp>
-      <p:sp>
-        <p:nvSpPr>
-          <p:cNvPr id="12" name="Прямоугольник 11"/>
-          <p:cNvSpPr/>
-          <p:nvPr/>
-        </p:nvSpPr>
-        <p:spPr>
-          <a:xfrm>
-            <a:off x="6580918" y="4510692"/>
-            <a:ext cx="4059364" cy="771779"/>
-          </a:xfrm>
-          <a:prstGeom prst="rect">
-            <a:avLst/>
-          </a:prstGeom>
-        </p:spPr>
-        <p:style>
-          <a:lnRef idx="3">
-            <a:schemeClr val="lt1"/>
-          </a:lnRef>
-          <a:fillRef idx="1">
-            <a:schemeClr val="accent1"/>
-          </a:fillRef>
-          <a:effectRef idx="1">
-            <a:schemeClr val="accent1"/>
-          </a:effectRef>
-          <a:fontRef idx="minor">
-            <a:schemeClr val="lt1"/>
-          </a:fontRef>
-        </p:style>
-        <p:txBody>
-          <a:bodyPr rtlCol="0" anchor="ctr"/>
-          <a:lstStyle/>
-          <a:p>
-            <a:pPr algn="ctr"/>
-            <a:r>
-              <a:rPr lang="en-US" dirty="0" smtClean="0"/>
-              <a:t>View</a:t>
-            </a:r>
-          </a:p>
-        </p:txBody>
-      </p:sp>
-      <p:sp>
-        <p:nvSpPr>
-          <p:cNvPr id="13" name="TextBox 12"/>
-          <p:cNvSpPr txBox="1"/>
-          <p:nvPr/>
-        </p:nvSpPr>
-        <p:spPr>
-          <a:xfrm>
-            <a:off x="6580918" y="1038851"/>
-            <a:ext cx="4059365" cy="1200329"/>
-          </a:xfrm>
-          <a:prstGeom prst="rect">
-            <a:avLst/>
-          </a:prstGeom>
-          <a:noFill/>
-        </p:spPr>
-        <p:txBody>
-          <a:bodyPr wrap="square" rtlCol="0">
-            <a:spAutoFit/>
-          </a:bodyPr>
-          <a:lstStyle/>
-          <a:p>
-            <a:r>
-              <a:rPr lang="en-US" dirty="0" smtClean="0">
-                <a:solidFill>
-                  <a:schemeClr val="accent1">
-                    <a:lumMod val="75000"/>
-                  </a:schemeClr>
-                </a:solidFill>
-              </a:rPr>
-              <a:t>Controller</a:t>
-            </a:r>
-          </a:p>
-          <a:p>
-            <a:r>
-              <a:rPr lang="ru-RU" dirty="0" smtClean="0"/>
-              <a:t>Реализует логику работы приложения</a:t>
-            </a:r>
-            <a:r>
-              <a:rPr lang="en-US" dirty="0" smtClean="0"/>
-              <a:t>.</a:t>
-            </a:r>
-            <a:endParaRPr lang="ru-RU" dirty="0" smtClean="0"/>
-          </a:p>
-          <a:p>
-            <a:r>
-              <a:rPr lang="ru-RU" dirty="0" smtClean="0"/>
-              <a:t>Готовит </a:t>
-            </a:r>
-            <a:r>
-              <a:rPr lang="en-US" dirty="0" smtClean="0">
-                <a:solidFill>
-                  <a:schemeClr val="accent1">
-                    <a:lumMod val="75000"/>
-                  </a:schemeClr>
-                </a:solidFill>
-              </a:rPr>
-              <a:t>Model</a:t>
-            </a:r>
-            <a:r>
-              <a:rPr lang="en-US" dirty="0" smtClean="0"/>
-              <a:t> </a:t>
-            </a:r>
-            <a:r>
-              <a:rPr lang="ru-RU" dirty="0" smtClean="0"/>
-              <a:t>для передачи ее в </a:t>
-            </a:r>
-            <a:r>
-              <a:rPr lang="en-US" dirty="0" smtClean="0">
-                <a:solidFill>
-                  <a:schemeClr val="accent1">
-                    <a:lumMod val="75000"/>
-                  </a:schemeClr>
-                </a:solidFill>
-              </a:rPr>
-              <a:t>View</a:t>
-            </a:r>
-            <a:r>
-              <a:rPr lang="en-US" dirty="0" smtClean="0"/>
-              <a:t>.</a:t>
-            </a:r>
-            <a:endParaRPr lang="ru-RU" dirty="0" smtClean="0"/>
-          </a:p>
-          <a:p>
-            <a:r>
-              <a:rPr lang="en-US" dirty="0" smtClean="0"/>
-              <a:t>“Does Stuff”.</a:t>
-            </a:r>
-            <a:endParaRPr lang="en-GB" dirty="0"/>
-          </a:p>
-        </p:txBody>
-      </p:sp>
-      <p:sp>
-        <p:nvSpPr>
-          <p:cNvPr id="14" name="TextBox 13"/>
-          <p:cNvSpPr txBox="1"/>
-          <p:nvPr/>
-        </p:nvSpPr>
-        <p:spPr>
-          <a:xfrm>
-            <a:off x="6580918" y="5289025"/>
-            <a:ext cx="3307444" cy="923330"/>
-          </a:xfrm>
-          <a:prstGeom prst="rect">
-            <a:avLst/>
-          </a:prstGeom>
-          <a:noFill/>
-        </p:spPr>
-        <p:txBody>
-          <a:bodyPr wrap="none" rtlCol="0">
-            <a:spAutoFit/>
-          </a:bodyPr>
-          <a:lstStyle/>
-          <a:p>
-            <a:r>
-              <a:rPr lang="en-US" dirty="0" smtClean="0">
-                <a:solidFill>
-                  <a:schemeClr val="accent1">
-                    <a:lumMod val="75000"/>
-                  </a:schemeClr>
-                </a:solidFill>
-              </a:rPr>
-              <a:t>View</a:t>
-            </a:r>
-          </a:p>
-          <a:p>
-            <a:r>
-              <a:rPr lang="ru-RU" dirty="0" smtClean="0"/>
-              <a:t>Пользовательский интерфейс.</a:t>
-            </a:r>
-          </a:p>
-          <a:p>
-            <a:r>
-              <a:rPr lang="ru-RU" dirty="0" smtClean="0"/>
-              <a:t>Визуально представляет </a:t>
-            </a:r>
-            <a:r>
-              <a:rPr lang="en-US" dirty="0" smtClean="0">
-                <a:solidFill>
-                  <a:schemeClr val="accent1">
-                    <a:lumMod val="75000"/>
-                  </a:schemeClr>
-                </a:solidFill>
-              </a:rPr>
-              <a:t>Model</a:t>
-            </a:r>
-            <a:r>
-              <a:rPr lang="en-US" dirty="0" smtClean="0"/>
-              <a:t>.</a:t>
-            </a:r>
-            <a:endParaRPr lang="en-GB" dirty="0"/>
-          </a:p>
-        </p:txBody>
-      </p:sp>
-      <p:sp>
-        <p:nvSpPr>
-          <p:cNvPr id="15" name="Стрелка вниз 14"/>
-          <p:cNvSpPr/>
-          <p:nvPr/>
-        </p:nvSpPr>
-        <p:spPr>
-          <a:xfrm>
-            <a:off x="8234640" y="3227562"/>
-            <a:ext cx="498764" cy="1202226"/>
-          </a:xfrm>
-          <a:prstGeom prst="downArrow">
-            <a:avLst/>
-          </a:prstGeom>
-        </p:spPr>
-        <p:style>
-          <a:lnRef idx="3">
-            <a:schemeClr val="lt1"/>
-          </a:lnRef>
-          <a:fillRef idx="1">
-            <a:schemeClr val="dk1"/>
-          </a:fillRef>
-          <a:effectRef idx="1">
-            <a:schemeClr val="dk1"/>
-          </a:effectRef>
-          <a:fontRef idx="minor">
-            <a:schemeClr val="lt1"/>
-          </a:fontRef>
-        </p:style>
-        <p:txBody>
-          <a:bodyPr rtlCol="0" anchor="ctr"/>
-          <a:lstStyle/>
-          <a:p>
-            <a:pPr algn="ctr"/>
-            <a:endParaRPr lang="en-GB"/>
-          </a:p>
-        </p:txBody>
-      </p:sp>
-      <p:grpSp>
-        <p:nvGrpSpPr>
-          <p:cNvPr id="22" name="Группа 21"/>
-          <p:cNvGrpSpPr/>
-          <p:nvPr/>
-        </p:nvGrpSpPr>
-        <p:grpSpPr>
-          <a:xfrm>
-            <a:off x="8792524" y="3446063"/>
-            <a:ext cx="1492741" cy="632716"/>
-            <a:chOff x="7977884" y="3313059"/>
-            <a:chExt cx="1492741" cy="632716"/>
-          </a:xfrm>
-        </p:grpSpPr>
-        <p:pic>
-          <p:nvPicPr>
-            <p:cNvPr id="17" name="Рисунок 16"/>
-            <p:cNvPicPr>
-              <a:picLocks noChangeAspect="1"/>
-            </p:cNvPicPr>
-            <p:nvPr/>
-          </p:nvPicPr>
-          <p:blipFill>
-            <a:blip r:embed="rId3">
-              <a:extLst>
-                <a:ext uri="{28A0092B-C50C-407E-A947-70E740481C1C}">
-                  <a14:useLocalDpi xmlns:a14="http://schemas.microsoft.com/office/drawing/2010/main" val="0"/>
-                </a:ext>
-              </a:extLst>
-            </a:blip>
-            <a:stretch>
-              <a:fillRect/>
-            </a:stretch>
-          </p:blipFill>
-          <p:spPr>
-            <a:xfrm>
-              <a:off x="7977884" y="3313059"/>
-              <a:ext cx="632716" cy="632716"/>
-            </a:xfrm>
-            <a:prstGeom prst="rect">
-              <a:avLst/>
-            </a:prstGeom>
-          </p:spPr>
-        </p:pic>
-        <p:sp>
-          <p:nvSpPr>
-            <p:cNvPr id="18" name="Прямоугольник 17"/>
-            <p:cNvSpPr/>
-            <p:nvPr/>
-          </p:nvSpPr>
-          <p:spPr>
-            <a:xfrm>
-              <a:off x="8676818" y="3530840"/>
-              <a:ext cx="793807" cy="369332"/>
-            </a:xfrm>
-            <a:prstGeom prst="rect">
-              <a:avLst/>
-            </a:prstGeom>
-          </p:spPr>
-          <p:txBody>
-            <a:bodyPr wrap="none">
-              <a:spAutoFit/>
-            </a:bodyPr>
-            <a:lstStyle/>
-            <a:p>
-              <a:r>
-                <a:rPr lang="en-US" dirty="0">
-                  <a:solidFill>
-                    <a:schemeClr val="accent1">
-                      <a:lumMod val="75000"/>
-                    </a:schemeClr>
-                  </a:solidFill>
-                </a:rPr>
-                <a:t>Model</a:t>
-              </a:r>
-              <a:endParaRPr lang="en-GB" dirty="0"/>
-            </a:p>
-          </p:txBody>
-        </p:sp>
-      </p:grpSp>
-      <p:grpSp>
-        <p:nvGrpSpPr>
-          <p:cNvPr id="21" name="Группа 20"/>
-          <p:cNvGrpSpPr/>
-          <p:nvPr/>
-        </p:nvGrpSpPr>
-        <p:grpSpPr>
-          <a:xfrm>
-            <a:off x="1190797" y="3013547"/>
-            <a:ext cx="1705616" cy="1852714"/>
-            <a:chOff x="376157" y="2880543"/>
-            <a:chExt cx="1705616" cy="1852714"/>
-          </a:xfrm>
-        </p:grpSpPr>
-        <p:pic>
-          <p:nvPicPr>
-            <p:cNvPr id="19" name="Рисунок 18"/>
-            <p:cNvPicPr>
-              <a:picLocks noChangeAspect="1"/>
-            </p:cNvPicPr>
-            <p:nvPr/>
-          </p:nvPicPr>
-          <p:blipFill>
-            <a:blip r:embed="rId4">
-              <a:extLst>
-                <a:ext uri="{28A0092B-C50C-407E-A947-70E740481C1C}">
-                  <a14:useLocalDpi xmlns:a14="http://schemas.microsoft.com/office/drawing/2010/main" val="0"/>
-                </a:ext>
-              </a:extLst>
-            </a:blip>
-            <a:stretch>
-              <a:fillRect/>
-            </a:stretch>
-          </p:blipFill>
-          <p:spPr>
-            <a:xfrm>
-              <a:off x="456012" y="2880543"/>
-              <a:ext cx="1300593" cy="1300593"/>
-            </a:xfrm>
-            <a:prstGeom prst="rect">
-              <a:avLst/>
-            </a:prstGeom>
-          </p:spPr>
-        </p:pic>
-        <p:sp>
-          <p:nvSpPr>
-            <p:cNvPr id="20" name="Прямоугольник 19"/>
-            <p:cNvSpPr/>
-            <p:nvPr/>
-          </p:nvSpPr>
-          <p:spPr>
-            <a:xfrm>
-              <a:off x="376157" y="4086926"/>
-              <a:ext cx="1705616" cy="646331"/>
-            </a:xfrm>
-            <a:prstGeom prst="rect">
-              <a:avLst/>
-            </a:prstGeom>
-          </p:spPr>
-          <p:txBody>
-            <a:bodyPr wrap="square">
-              <a:spAutoFit/>
-            </a:bodyPr>
-            <a:lstStyle/>
-            <a:p>
-              <a:r>
-                <a:rPr lang="ru-RU" dirty="0" smtClean="0"/>
-                <a:t>Браузер пользователя</a:t>
-              </a:r>
-              <a:endParaRPr lang="en-GB" dirty="0"/>
-            </a:p>
-          </p:txBody>
-        </p:sp>
-      </p:grpSp>
-    </p:spTree>
-    <p:extLst>
-      <p:ext uri="{BB962C8B-B14F-4D97-AF65-F5344CB8AC3E}">
-        <p14:creationId xmlns:p14="http://schemas.microsoft.com/office/powerpoint/2010/main" val="3267754883"/>
-      </p:ext>
-    </p:extLst>
-  </p:cSld>
-  <p:clrMapOvr>
-    <a:masterClrMapping/>
-  </p:clrMapOvr>
-  <p:timing>
-    <p:tnLst>
-      <p:par>
-        <p:cTn id="1" dur="indefinite" restart="never" nodeType="tmRoot"/>
-      </p:par>
-    </p:tnLst>
-  </p:timing>
-</p:sld>
-</file>
-
-<file path=ppt/slides/slide17.xml><?xml version="1.0" encoding="utf-8"?>
-<p:sld xmlns:a="http://schemas.openxmlformats.org/drawingml/2006/main" xmlns:r="http://schemas.openxmlformats.org/officeDocument/2006/relationships" xmlns:p="http://schemas.openxmlformats.org/presentationml/2006/main">
-  <p:cSld>
-    <p:spTree>
-      <p:nvGrpSpPr>
-        <p:cNvPr id="1" name=""/>
-        <p:cNvGrpSpPr/>
-        <p:nvPr/>
-      </p:nvGrpSpPr>
-      <p:grpSpPr>
-        <a:xfrm>
-          <a:off x="0" y="0"/>
-          <a:ext cx="0" cy="0"/>
-          <a:chOff x="0" y="0"/>
-          <a:chExt cx="0" cy="0"/>
-        </a:xfrm>
-      </p:grpSpPr>
-      <p:sp>
-        <p:nvSpPr>
-          <p:cNvPr id="3" name="Объект 2"/>
-          <p:cNvSpPr>
-            <a:spLocks noGrp="1"/>
-          </p:cNvSpPr>
-          <p:nvPr>
-            <p:ph idx="1"/>
-          </p:nvPr>
-        </p:nvSpPr>
-        <p:spPr>
-          <a:xfrm>
-            <a:off x="838200" y="772333"/>
-            <a:ext cx="10515600" cy="5108017"/>
-          </a:xfrm>
-        </p:spPr>
-        <p:txBody>
-          <a:bodyPr>
-            <a:normAutofit/>
-          </a:bodyPr>
-          <a:lstStyle/>
-          <a:p>
-            <a:r>
-              <a:rPr lang="ru-RU" dirty="0" smtClean="0"/>
-              <a:t>Запустите </a:t>
-            </a:r>
-            <a:r>
-              <a:rPr lang="en-US" dirty="0" smtClean="0"/>
-              <a:t>Microsoft Visual Studio 2013 </a:t>
-            </a:r>
-          </a:p>
-          <a:p>
-            <a:r>
-              <a:rPr lang="en-US" dirty="0" smtClean="0"/>
-              <a:t>FILE-&gt;New-&gt;Project</a:t>
-            </a:r>
-          </a:p>
-          <a:p>
-            <a:r>
-              <a:rPr lang="en-US" dirty="0" smtClean="0"/>
-              <a:t>Installed-&gt;Templates-&gt;Visual C#  </a:t>
-            </a:r>
-            <a:r>
-              <a:rPr lang="ru-RU" dirty="0" smtClean="0"/>
-              <a:t>выберите </a:t>
-            </a:r>
-            <a:r>
-              <a:rPr lang="en-US" dirty="0" smtClean="0"/>
-              <a:t>ASP.NET Web Application</a:t>
-            </a:r>
-          </a:p>
-          <a:p>
-            <a:r>
-              <a:rPr lang="ru-RU" dirty="0" smtClean="0"/>
-              <a:t>Заполните поля:</a:t>
-            </a:r>
-          </a:p>
-          <a:p>
-            <a:pPr lvl="1"/>
-            <a:r>
-              <a:rPr lang="en-US" dirty="0" smtClean="0"/>
-              <a:t>Name – </a:t>
-            </a:r>
-            <a:r>
-              <a:rPr lang="ru-RU" dirty="0" smtClean="0"/>
-              <a:t>имя первого проекта в решении (приложении)</a:t>
-            </a:r>
-          </a:p>
-          <a:p>
-            <a:pPr lvl="1"/>
-            <a:r>
-              <a:rPr lang="en-US" dirty="0" smtClean="0"/>
-              <a:t>Location – </a:t>
-            </a:r>
-            <a:r>
-              <a:rPr lang="ru-RU" dirty="0" smtClean="0"/>
-              <a:t>расположение файлов решения </a:t>
-            </a:r>
-          </a:p>
-          <a:p>
-            <a:pPr lvl="1"/>
-            <a:r>
-              <a:rPr lang="en-US" dirty="0" smtClean="0"/>
-              <a:t>Solution – </a:t>
-            </a:r>
-            <a:r>
-              <a:rPr lang="ru-RU" dirty="0" smtClean="0"/>
-              <a:t>оставьте </a:t>
-            </a:r>
-            <a:r>
-              <a:rPr lang="en-US" dirty="0" smtClean="0"/>
-              <a:t>“Create new solution”</a:t>
-            </a:r>
-          </a:p>
-          <a:p>
-            <a:pPr lvl="1"/>
-            <a:r>
-              <a:rPr lang="en-US" dirty="0" smtClean="0"/>
-              <a:t>Solution name – </a:t>
-            </a:r>
-            <a:r>
-              <a:rPr lang="ru-RU" dirty="0" smtClean="0"/>
-              <a:t>имя решения (всего приложения)</a:t>
-            </a:r>
-          </a:p>
-          <a:p>
-            <a:pPr lvl="1"/>
-            <a:r>
-              <a:rPr lang="ru-RU" dirty="0" smtClean="0"/>
-              <a:t>Нажмите кнопку </a:t>
-            </a:r>
-            <a:r>
-              <a:rPr lang="en-US" dirty="0" smtClean="0"/>
-              <a:t>“OK”</a:t>
-            </a:r>
-          </a:p>
-          <a:p>
-            <a:r>
-              <a:rPr lang="ru-RU" dirty="0" smtClean="0"/>
-              <a:t>Выберите </a:t>
-            </a:r>
-            <a:r>
-              <a:rPr lang="en-US" dirty="0" smtClean="0"/>
-              <a:t>MVC, </a:t>
-            </a:r>
-            <a:r>
-              <a:rPr lang="ru-RU" dirty="0" smtClean="0"/>
-              <a:t>отметьте галочкой только</a:t>
-            </a:r>
-            <a:r>
-              <a:rPr lang="en-US" dirty="0" smtClean="0"/>
-              <a:t> MVC </a:t>
-            </a:r>
-            <a:r>
-              <a:rPr lang="ru-RU" dirty="0" smtClean="0"/>
-              <a:t>и </a:t>
-            </a:r>
-            <a:r>
-              <a:rPr lang="en-US" dirty="0" smtClean="0"/>
-              <a:t>Add new tests</a:t>
-            </a:r>
-          </a:p>
-          <a:p>
-            <a:r>
-              <a:rPr lang="ru-RU" dirty="0" smtClean="0"/>
-              <a:t>Нажмите </a:t>
-            </a:r>
-            <a:r>
-              <a:rPr lang="en-US" dirty="0" smtClean="0"/>
-              <a:t>“OK”</a:t>
-            </a:r>
-          </a:p>
-          <a:p>
-            <a:endParaRPr lang="en-US" dirty="0" smtClean="0"/>
-          </a:p>
-          <a:p>
-            <a:endParaRPr lang="en-GB" dirty="0"/>
-          </a:p>
-        </p:txBody>
-      </p:sp>
-      <p:sp>
-        <p:nvSpPr>
-          <p:cNvPr id="4" name="Дата 3"/>
-          <p:cNvSpPr>
-            <a:spLocks noGrp="1"/>
-          </p:cNvSpPr>
-          <p:nvPr>
-            <p:ph type="dt" sz="half" idx="10"/>
-          </p:nvPr>
-        </p:nvSpPr>
-        <p:spPr/>
-        <p:txBody>
-          <a:bodyPr/>
-          <a:lstStyle/>
-          <a:p>
-            <a:r>
-              <a:rPr lang="en-US" smtClean="0"/>
-              <a:t>01.03.2016</a:t>
-            </a:r>
-            <a:endParaRPr lang="en-GB"/>
-          </a:p>
-        </p:txBody>
-      </p:sp>
-      <p:sp>
-        <p:nvSpPr>
-          <p:cNvPr id="5" name="Нижний колонтитул 4"/>
-          <p:cNvSpPr>
-            <a:spLocks noGrp="1"/>
-          </p:cNvSpPr>
-          <p:nvPr>
-            <p:ph type="ftr" sz="quarter" idx="11"/>
-          </p:nvPr>
-        </p:nvSpPr>
-        <p:spPr/>
-        <p:txBody>
-          <a:bodyPr/>
-          <a:lstStyle/>
-          <a:p>
-            <a:r>
-              <a:rPr lang="ru-RU" smtClean="0"/>
-              <a:t>Ваганов Михаил Викторович  ASP.NET MVC + Oracle Database</a:t>
-            </a:r>
-            <a:endParaRPr lang="en-GB"/>
-          </a:p>
-        </p:txBody>
-      </p:sp>
-      <p:sp>
-        <p:nvSpPr>
-          <p:cNvPr id="6" name="Номер слайда 5"/>
-          <p:cNvSpPr>
-            <a:spLocks noGrp="1"/>
-          </p:cNvSpPr>
-          <p:nvPr>
-            <p:ph type="sldNum" sz="quarter" idx="12"/>
-          </p:nvPr>
-        </p:nvSpPr>
-        <p:spPr/>
-        <p:txBody>
-          <a:bodyPr/>
-          <a:lstStyle/>
-          <a:p>
-            <a:fld id="{8FD3F87F-7A79-4F3D-8F12-CD11A20D067D}" type="slidenum">
-              <a:rPr lang="en-GB" smtClean="0"/>
-              <a:t>17</a:t>
-            </a:fld>
-            <a:endParaRPr lang="en-GB"/>
-          </a:p>
-        </p:txBody>
-      </p:sp>
-      <p:sp>
-        <p:nvSpPr>
-          <p:cNvPr id="7" name="Прямоугольник 6"/>
-          <p:cNvSpPr/>
-          <p:nvPr/>
-        </p:nvSpPr>
-        <p:spPr>
-          <a:xfrm>
-            <a:off x="1" y="0"/>
-            <a:ext cx="12192000" cy="296333"/>
-          </a:xfrm>
-          <a:prstGeom prst="rect">
-            <a:avLst/>
-          </a:prstGeom>
-        </p:spPr>
-        <p:style>
-          <a:lnRef idx="2">
-            <a:schemeClr val="accent6">
-              <a:shade val="50000"/>
-            </a:schemeClr>
-          </a:lnRef>
-          <a:fillRef idx="1">
-            <a:schemeClr val="accent6"/>
-          </a:fillRef>
-          <a:effectRef idx="0">
-            <a:schemeClr val="accent6"/>
-          </a:effectRef>
-          <a:fontRef idx="minor">
-            <a:schemeClr val="lt1"/>
-          </a:fontRef>
-        </p:style>
-        <p:txBody>
-          <a:bodyPr rtlCol="0" anchor="ctr"/>
-          <a:lstStyle/>
-          <a:p>
-            <a:pPr algn="ctr"/>
-            <a:r>
-              <a:rPr lang="ru-RU" dirty="0" smtClean="0"/>
-              <a:t>Создание проекта </a:t>
-            </a:r>
-            <a:r>
-              <a:rPr lang="en-US" dirty="0" smtClean="0"/>
-              <a:t>ASP.NET</a:t>
-            </a:r>
-            <a:endParaRPr lang="en-GB" dirty="0"/>
-          </a:p>
-        </p:txBody>
-      </p:sp>
-    </p:spTree>
-    <p:extLst>
-      <p:ext uri="{BB962C8B-B14F-4D97-AF65-F5344CB8AC3E}">
-        <p14:creationId xmlns:p14="http://schemas.microsoft.com/office/powerpoint/2010/main" val="453565188"/>
-      </p:ext>
-    </p:extLst>
-  </p:cSld>
-  <p:clrMapOvr>
-    <a:masterClrMapping/>
-  </p:clrMapOvr>
-  <p:timing>
-    <p:tnLst>
-      <p:par>
-        <p:cTn id="1" dur="indefinite" restart="never" nodeType="tmRoot"/>
-      </p:par>
-    </p:tnLst>
-  </p:timing>
-</p:sld>
-</file>
-
-<file path=ppt/slides/slide18.xml><?xml version="1.0" encoding="utf-8"?>
-<p:sld xmlns:a="http://schemas.openxmlformats.org/drawingml/2006/main" xmlns:r="http://schemas.openxmlformats.org/officeDocument/2006/relationships" xmlns:p="http://schemas.openxmlformats.org/presentationml/2006/main">
-  <p:cSld>
-    <p:spTree>
-      <p:nvGrpSpPr>
-        <p:cNvPr id="1" name=""/>
-        <p:cNvGrpSpPr/>
-        <p:nvPr/>
-      </p:nvGrpSpPr>
-      <p:grpSpPr>
-        <a:xfrm>
-          <a:off x="0" y="0"/>
-          <a:ext cx="0" cy="0"/>
-          <a:chOff x="0" y="0"/>
-          <a:chExt cx="0" cy="0"/>
-        </a:xfrm>
-      </p:grpSpPr>
-      <p:sp>
-        <p:nvSpPr>
-          <p:cNvPr id="2" name="Заголовок 1"/>
-          <p:cNvSpPr>
-            <a:spLocks noGrp="1"/>
-          </p:cNvSpPr>
-          <p:nvPr>
-            <p:ph type="title"/>
-          </p:nvPr>
-        </p:nvSpPr>
-        <p:spPr/>
-        <p:txBody>
-          <a:bodyPr/>
-          <a:lstStyle/>
-          <a:p>
-            <a:endParaRPr lang="en-GB" dirty="0"/>
-          </a:p>
-        </p:txBody>
-      </p:sp>
-      <p:sp>
-        <p:nvSpPr>
-          <p:cNvPr id="3" name="Объект 2"/>
-          <p:cNvSpPr>
-            <a:spLocks noGrp="1"/>
-          </p:cNvSpPr>
-          <p:nvPr>
-            <p:ph idx="1"/>
-          </p:nvPr>
-        </p:nvSpPr>
-        <p:spPr/>
-        <p:txBody>
-          <a:bodyPr/>
-          <a:lstStyle/>
-          <a:p>
-            <a:endParaRPr lang="en-GB" dirty="0"/>
-          </a:p>
-        </p:txBody>
-      </p:sp>
-      <p:sp>
-        <p:nvSpPr>
-          <p:cNvPr id="4" name="Дата 3"/>
-          <p:cNvSpPr>
-            <a:spLocks noGrp="1"/>
-          </p:cNvSpPr>
-          <p:nvPr>
-            <p:ph type="dt" sz="half" idx="10"/>
-          </p:nvPr>
-        </p:nvSpPr>
-        <p:spPr/>
-        <p:txBody>
-          <a:bodyPr/>
-          <a:lstStyle/>
-          <a:p>
-            <a:r>
-              <a:rPr lang="en-US" smtClean="0"/>
-              <a:t>01.03.2016</a:t>
-            </a:r>
-            <a:endParaRPr lang="en-GB"/>
-          </a:p>
-        </p:txBody>
-      </p:sp>
-      <p:sp>
-        <p:nvSpPr>
-          <p:cNvPr id="5" name="Нижний колонтитул 4"/>
-          <p:cNvSpPr>
-            <a:spLocks noGrp="1"/>
-          </p:cNvSpPr>
-          <p:nvPr>
-            <p:ph type="ftr" sz="quarter" idx="11"/>
-          </p:nvPr>
-        </p:nvSpPr>
-        <p:spPr/>
-        <p:txBody>
-          <a:bodyPr/>
-          <a:lstStyle/>
-          <a:p>
-            <a:r>
-              <a:rPr lang="ru-RU" smtClean="0"/>
-              <a:t>Ваганов Михаил Викторович  ASP.NET MVC + Oracle Database</a:t>
-            </a:r>
-            <a:endParaRPr lang="en-GB"/>
-          </a:p>
-        </p:txBody>
-      </p:sp>
-      <p:sp>
-        <p:nvSpPr>
-          <p:cNvPr id="6" name="Номер слайда 5"/>
-          <p:cNvSpPr>
-            <a:spLocks noGrp="1"/>
-          </p:cNvSpPr>
-          <p:nvPr>
-            <p:ph type="sldNum" sz="quarter" idx="12"/>
-          </p:nvPr>
-        </p:nvSpPr>
-        <p:spPr/>
-        <p:txBody>
-          <a:bodyPr/>
-          <a:lstStyle/>
-          <a:p>
-            <a:fld id="{8FD3F87F-7A79-4F3D-8F12-CD11A20D067D}" type="slidenum">
-              <a:rPr lang="en-GB" smtClean="0"/>
-              <a:t>18</a:t>
             </a:fld>
             <a:endParaRPr lang="en-GB"/>
           </a:p>
@@ -6157,13 +6759,13 @@
         </p:spPr>
         <p:style>
           <a:lnRef idx="0">
-            <a:schemeClr val="accent5"/>
+            <a:schemeClr val="accent6"/>
           </a:lnRef>
           <a:fillRef idx="3">
-            <a:schemeClr val="accent5"/>
+            <a:schemeClr val="accent6"/>
           </a:fillRef>
           <a:effectRef idx="3">
-            <a:schemeClr val="accent5"/>
+            <a:schemeClr val="accent6"/>
           </a:effectRef>
           <a:fontRef idx="minor">
             <a:schemeClr val="lt1"/>
@@ -6175,169 +6777,250 @@
           <a:p>
             <a:pPr algn="ctr"/>
             <a:r>
+              <a:rPr lang="en-US" dirty="0" smtClean="0"/>
+              <a:t>Master </a:t>
+            </a:r>
+            <a:r>
+              <a:rPr lang="en-US" smtClean="0"/>
+              <a:t>your skills!</a:t>
+            </a:r>
+            <a:endParaRPr lang="en-GB" dirty="0"/>
+          </a:p>
+        </p:txBody>
+      </p:sp>
+      <p:sp>
+        <p:nvSpPr>
+          <p:cNvPr id="12" name="Объект 2"/>
+          <p:cNvSpPr txBox="1">
+            <a:spLocks/>
+          </p:cNvSpPr>
+          <p:nvPr/>
+        </p:nvSpPr>
+        <p:spPr>
+          <a:xfrm>
+            <a:off x="1903579" y="1110670"/>
+            <a:ext cx="9911049" cy="3940301"/>
+          </a:xfrm>
+          <a:prstGeom prst="rect">
+            <a:avLst/>
+          </a:prstGeom>
+        </p:spPr>
+        <p:txBody>
+          <a:bodyPr vert="horz" lIns="91440" tIns="45720" rIns="91440" bIns="45720" rtlCol="0">
+            <a:normAutofit/>
+          </a:bodyPr>
+          <a:lstStyle>
+            <a:lvl1pPr marL="228600" indent="-228600" algn="l" defTabSz="914400" rtl="0" eaLnBrk="1" latinLnBrk="0" hangingPunct="1">
+              <a:lnSpc>
+                <a:spcPct val="90000"/>
+              </a:lnSpc>
+              <a:spcBef>
+                <a:spcPts val="1000"/>
+              </a:spcBef>
+              <a:buFont typeface="Arial" panose="020B0604020202020204" pitchFamily="34" charset="0"/>
+              <a:buChar char="•"/>
+              <a:defRPr sz="2800" kern="1200">
+                <a:solidFill>
+                  <a:schemeClr val="tx1"/>
+                </a:solidFill>
+                <a:latin typeface="+mn-lt"/>
+                <a:ea typeface="+mn-ea"/>
+                <a:cs typeface="+mn-cs"/>
+              </a:defRPr>
+            </a:lvl1pPr>
+            <a:lvl2pPr marL="685800" indent="-228600" algn="l" defTabSz="914400" rtl="0" eaLnBrk="1" latinLnBrk="0" hangingPunct="1">
+              <a:lnSpc>
+                <a:spcPct val="90000"/>
+              </a:lnSpc>
+              <a:spcBef>
+                <a:spcPts val="500"/>
+              </a:spcBef>
+              <a:buFont typeface="Arial" panose="020B0604020202020204" pitchFamily="34" charset="0"/>
+              <a:buChar char="•"/>
+              <a:defRPr sz="2400" kern="1200">
+                <a:solidFill>
+                  <a:schemeClr val="tx1"/>
+                </a:solidFill>
+                <a:latin typeface="+mn-lt"/>
+                <a:ea typeface="+mn-ea"/>
+                <a:cs typeface="+mn-cs"/>
+              </a:defRPr>
+            </a:lvl2pPr>
+            <a:lvl3pPr marL="1143000" indent="-228600" algn="l" defTabSz="914400" rtl="0" eaLnBrk="1" latinLnBrk="0" hangingPunct="1">
+              <a:lnSpc>
+                <a:spcPct val="90000"/>
+              </a:lnSpc>
+              <a:spcBef>
+                <a:spcPts val="500"/>
+              </a:spcBef>
+              <a:buFont typeface="Arial" panose="020B0604020202020204" pitchFamily="34" charset="0"/>
+              <a:buChar char="•"/>
+              <a:defRPr sz="2000" kern="1200">
+                <a:solidFill>
+                  <a:schemeClr val="tx1"/>
+                </a:solidFill>
+                <a:latin typeface="+mn-lt"/>
+                <a:ea typeface="+mn-ea"/>
+                <a:cs typeface="+mn-cs"/>
+              </a:defRPr>
+            </a:lvl3pPr>
+            <a:lvl4pPr marL="1600200" indent="-228600" algn="l" defTabSz="914400" rtl="0" eaLnBrk="1" latinLnBrk="0" hangingPunct="1">
+              <a:lnSpc>
+                <a:spcPct val="90000"/>
+              </a:lnSpc>
+              <a:spcBef>
+                <a:spcPts val="500"/>
+              </a:spcBef>
+              <a:buFont typeface="Arial" panose="020B0604020202020204" pitchFamily="34" charset="0"/>
+              <a:buChar char="•"/>
+              <a:defRPr sz="1800" kern="1200">
+                <a:solidFill>
+                  <a:schemeClr val="tx1"/>
+                </a:solidFill>
+                <a:latin typeface="+mn-lt"/>
+                <a:ea typeface="+mn-ea"/>
+                <a:cs typeface="+mn-cs"/>
+              </a:defRPr>
+            </a:lvl4pPr>
+            <a:lvl5pPr marL="2057400" indent="-228600" algn="l" defTabSz="914400" rtl="0" eaLnBrk="1" latinLnBrk="0" hangingPunct="1">
+              <a:lnSpc>
+                <a:spcPct val="90000"/>
+              </a:lnSpc>
+              <a:spcBef>
+                <a:spcPts val="500"/>
+              </a:spcBef>
+              <a:buFont typeface="Arial" panose="020B0604020202020204" pitchFamily="34" charset="0"/>
+              <a:buChar char="•"/>
+              <a:defRPr sz="1800" kern="1200">
+                <a:solidFill>
+                  <a:schemeClr val="tx1"/>
+                </a:solidFill>
+                <a:latin typeface="+mn-lt"/>
+                <a:ea typeface="+mn-ea"/>
+                <a:cs typeface="+mn-cs"/>
+              </a:defRPr>
+            </a:lvl5pPr>
+            <a:lvl6pPr marL="2514600" indent="-228600" algn="l" defTabSz="914400" rtl="0" eaLnBrk="1" latinLnBrk="0" hangingPunct="1">
+              <a:lnSpc>
+                <a:spcPct val="90000"/>
+              </a:lnSpc>
+              <a:spcBef>
+                <a:spcPts val="500"/>
+              </a:spcBef>
+              <a:buFont typeface="Arial" panose="020B0604020202020204" pitchFamily="34" charset="0"/>
+              <a:buChar char="•"/>
+              <a:defRPr sz="1800" kern="1200">
+                <a:solidFill>
+                  <a:schemeClr val="tx1"/>
+                </a:solidFill>
+                <a:latin typeface="+mn-lt"/>
+                <a:ea typeface="+mn-ea"/>
+                <a:cs typeface="+mn-cs"/>
+              </a:defRPr>
+            </a:lvl6pPr>
+            <a:lvl7pPr marL="2971800" indent="-228600" algn="l" defTabSz="914400" rtl="0" eaLnBrk="1" latinLnBrk="0" hangingPunct="1">
+              <a:lnSpc>
+                <a:spcPct val="90000"/>
+              </a:lnSpc>
+              <a:spcBef>
+                <a:spcPts val="500"/>
+              </a:spcBef>
+              <a:buFont typeface="Arial" panose="020B0604020202020204" pitchFamily="34" charset="0"/>
+              <a:buChar char="•"/>
+              <a:defRPr sz="1800" kern="1200">
+                <a:solidFill>
+                  <a:schemeClr val="tx1"/>
+                </a:solidFill>
+                <a:latin typeface="+mn-lt"/>
+                <a:ea typeface="+mn-ea"/>
+                <a:cs typeface="+mn-cs"/>
+              </a:defRPr>
+            </a:lvl7pPr>
+            <a:lvl8pPr marL="3429000" indent="-228600" algn="l" defTabSz="914400" rtl="0" eaLnBrk="1" latinLnBrk="0" hangingPunct="1">
+              <a:lnSpc>
+                <a:spcPct val="90000"/>
+              </a:lnSpc>
+              <a:spcBef>
+                <a:spcPts val="500"/>
+              </a:spcBef>
+              <a:buFont typeface="Arial" panose="020B0604020202020204" pitchFamily="34" charset="0"/>
+              <a:buChar char="•"/>
+              <a:defRPr sz="1800" kern="1200">
+                <a:solidFill>
+                  <a:schemeClr val="tx1"/>
+                </a:solidFill>
+                <a:latin typeface="+mn-lt"/>
+                <a:ea typeface="+mn-ea"/>
+                <a:cs typeface="+mn-cs"/>
+              </a:defRPr>
+            </a:lvl8pPr>
+            <a:lvl9pPr marL="3886200" indent="-228600" algn="l" defTabSz="914400" rtl="0" eaLnBrk="1" latinLnBrk="0" hangingPunct="1">
+              <a:lnSpc>
+                <a:spcPct val="90000"/>
+              </a:lnSpc>
+              <a:spcBef>
+                <a:spcPts val="500"/>
+              </a:spcBef>
+              <a:buFont typeface="Arial" panose="020B0604020202020204" pitchFamily="34" charset="0"/>
+              <a:buChar char="•"/>
+              <a:defRPr sz="1800" kern="1200">
+                <a:solidFill>
+                  <a:schemeClr val="tx1"/>
+                </a:solidFill>
+                <a:latin typeface="+mn-lt"/>
+                <a:ea typeface="+mn-ea"/>
+                <a:cs typeface="+mn-cs"/>
+              </a:defRPr>
+            </a:lvl9pPr>
+          </a:lstStyle>
+          <a:p>
+            <a:pPr marL="914400" lvl="1" indent="-457200">
+              <a:buFont typeface="+mj-lt"/>
+              <a:buAutoNum type="arabicPeriod"/>
+            </a:pPr>
+            <a:r>
               <a:rPr lang="ru-RU" dirty="0" smtClean="0"/>
-              <a:t>Создание проекта </a:t>
-            </a:r>
-            <a:r>
-              <a:rPr lang="en-US" dirty="0" smtClean="0"/>
-              <a:t>ASP.NET</a:t>
-            </a:r>
-            <a:endParaRPr lang="en-GB" dirty="0"/>
+              <a:t>Реализуйте любой алгоритм сортировки.</a:t>
+            </a:r>
+            <a:endParaRPr lang="ru-RU" dirty="0" smtClean="0"/>
+          </a:p>
+          <a:p>
+            <a:pPr marL="914400" lvl="1" indent="-457200">
+              <a:buFont typeface="+mj-lt"/>
+              <a:buAutoNum type="arabicPeriod"/>
+            </a:pPr>
+            <a:r>
+              <a:rPr lang="ru-RU" dirty="0" smtClean="0"/>
+              <a:t>Смоделируйте работу магазина, которые продает две линейки совершенно разных товаров: электронные книги и , но которые можно  </a:t>
+            </a:r>
+            <a:endParaRPr lang="en-US" dirty="0" smtClean="0"/>
+          </a:p>
+          <a:p>
+            <a:pPr marL="914400" lvl="1" indent="-457200">
+              <a:buFont typeface="+mj-lt"/>
+              <a:buAutoNum type="arabicPeriod"/>
+            </a:pPr>
+            <a:endParaRPr lang="ru-RU" dirty="0" smtClean="0"/>
+          </a:p>
+          <a:p>
+            <a:pPr marL="914400" lvl="1" indent="-457200">
+              <a:buFont typeface="+mj-lt"/>
+              <a:buAutoNum type="arabicPeriod"/>
+            </a:pPr>
+            <a:endParaRPr lang="ru-RU" dirty="0" smtClean="0"/>
+          </a:p>
+          <a:p>
+            <a:endParaRPr lang="ru-RU" dirty="0" smtClean="0"/>
+          </a:p>
+          <a:p>
+            <a:endParaRPr lang="ru-RU" dirty="0"/>
           </a:p>
         </p:txBody>
       </p:sp>
     </p:spTree>
     <p:extLst>
       <p:ext uri="{BB962C8B-B14F-4D97-AF65-F5344CB8AC3E}">
-        <p14:creationId xmlns:p14="http://schemas.microsoft.com/office/powerpoint/2010/main" val="2637532497"/>
-      </p:ext>
-    </p:extLst>
-  </p:cSld>
-  <p:clrMapOvr>
-    <a:masterClrMapping/>
-  </p:clrMapOvr>
-  <p:timing>
-    <p:tnLst>
-      <p:par>
-        <p:cTn id="1" dur="indefinite" restart="never" nodeType="tmRoot"/>
-      </p:par>
-    </p:tnLst>
-  </p:timing>
-</p:sld>
-</file>
-
-<file path=ppt/slides/slide19.xml><?xml version="1.0" encoding="utf-8"?>
-<p:sld xmlns:a="http://schemas.openxmlformats.org/drawingml/2006/main" xmlns:r="http://schemas.openxmlformats.org/officeDocument/2006/relationships" xmlns:p="http://schemas.openxmlformats.org/presentationml/2006/main">
-  <p:cSld>
-    <p:spTree>
-      <p:nvGrpSpPr>
-        <p:cNvPr id="1" name=""/>
-        <p:cNvGrpSpPr/>
-        <p:nvPr/>
-      </p:nvGrpSpPr>
-      <p:grpSpPr>
-        <a:xfrm>
-          <a:off x="0" y="0"/>
-          <a:ext cx="0" cy="0"/>
-          <a:chOff x="0" y="0"/>
-          <a:chExt cx="0" cy="0"/>
-        </a:xfrm>
-      </p:grpSpPr>
-      <p:sp>
-        <p:nvSpPr>
-          <p:cNvPr id="2" name="Заголовок 1"/>
-          <p:cNvSpPr>
-            <a:spLocks noGrp="1"/>
-          </p:cNvSpPr>
-          <p:nvPr>
-            <p:ph type="title"/>
-          </p:nvPr>
-        </p:nvSpPr>
-        <p:spPr/>
-        <p:txBody>
-          <a:bodyPr/>
-          <a:lstStyle/>
-          <a:p>
-            <a:r>
-              <a:rPr lang="en-US" dirty="0" smtClean="0"/>
-              <a:t>Tab-tab action for code snippets</a:t>
-            </a:r>
-            <a:endParaRPr lang="en-GB" dirty="0"/>
-          </a:p>
-        </p:txBody>
-      </p:sp>
-      <p:sp>
-        <p:nvSpPr>
-          <p:cNvPr id="3" name="Объект 2"/>
-          <p:cNvSpPr>
-            <a:spLocks noGrp="1"/>
-          </p:cNvSpPr>
-          <p:nvPr>
-            <p:ph idx="1"/>
-          </p:nvPr>
-        </p:nvSpPr>
-        <p:spPr/>
-        <p:txBody>
-          <a:bodyPr/>
-          <a:lstStyle/>
-          <a:p>
-            <a:endParaRPr lang="en-GB"/>
-          </a:p>
-        </p:txBody>
-      </p:sp>
-      <p:sp>
-        <p:nvSpPr>
-          <p:cNvPr id="4" name="Дата 3"/>
-          <p:cNvSpPr>
-            <a:spLocks noGrp="1"/>
-          </p:cNvSpPr>
-          <p:nvPr>
-            <p:ph type="dt" sz="half" idx="10"/>
-          </p:nvPr>
-        </p:nvSpPr>
-        <p:spPr/>
-        <p:txBody>
-          <a:bodyPr/>
-          <a:lstStyle/>
-          <a:p>
-            <a:r>
-              <a:rPr lang="en-US" smtClean="0"/>
-              <a:t>01.03.2016</a:t>
-            </a:r>
-            <a:endParaRPr lang="en-GB"/>
-          </a:p>
-        </p:txBody>
-      </p:sp>
-      <p:sp>
-        <p:nvSpPr>
-          <p:cNvPr id="5" name="Нижний колонтитул 4"/>
-          <p:cNvSpPr>
-            <a:spLocks noGrp="1"/>
-          </p:cNvSpPr>
-          <p:nvPr>
-            <p:ph type="ftr" sz="quarter" idx="11"/>
-          </p:nvPr>
-        </p:nvSpPr>
-        <p:spPr/>
-        <p:txBody>
-          <a:bodyPr/>
-          <a:lstStyle/>
-          <a:p>
-            <a:r>
-              <a:rPr lang="ru-RU" smtClean="0"/>
-              <a:t>Ваганов Михаил Викторович  ASP.NET MVC + Oracle Database</a:t>
-            </a:r>
-            <a:endParaRPr lang="en-GB"/>
-          </a:p>
-        </p:txBody>
-      </p:sp>
-      <p:sp>
-        <p:nvSpPr>
-          <p:cNvPr id="6" name="Номер слайда 5"/>
-          <p:cNvSpPr>
-            <a:spLocks noGrp="1"/>
-          </p:cNvSpPr>
-          <p:nvPr>
-            <p:ph type="sldNum" sz="quarter" idx="12"/>
-          </p:nvPr>
-        </p:nvSpPr>
-        <p:spPr/>
-        <p:txBody>
-          <a:bodyPr/>
-          <a:lstStyle/>
-          <a:p>
-            <a:fld id="{8FD3F87F-7A79-4F3D-8F12-CD11A20D067D}" type="slidenum">
-              <a:rPr lang="en-GB" smtClean="0"/>
-              <a:t>19</a:t>
-            </a:fld>
-            <a:endParaRPr lang="en-GB"/>
-          </a:p>
-        </p:txBody>
-      </p:sp>
-    </p:spTree>
-    <p:extLst>
-      <p:ext uri="{BB962C8B-B14F-4D97-AF65-F5344CB8AC3E}">
-        <p14:creationId xmlns:p14="http://schemas.microsoft.com/office/powerpoint/2010/main" val="2112355702"/>
+        <p14:creationId xmlns:p14="http://schemas.microsoft.com/office/powerpoint/2010/main" val="1537147437"/>
       </p:ext>
     </p:extLst>
   </p:cSld>
@@ -6553,3229 +7236,6 @@
 </p:sld>
 </file>
 
-<file path=ppt/slides/slide20.xml><?xml version="1.0" encoding="utf-8"?>
-<p:sld xmlns:a="http://schemas.openxmlformats.org/drawingml/2006/main" xmlns:r="http://schemas.openxmlformats.org/officeDocument/2006/relationships" xmlns:p="http://schemas.openxmlformats.org/presentationml/2006/main">
-  <p:cSld>
-    <p:spTree>
-      <p:nvGrpSpPr>
-        <p:cNvPr id="1" name=""/>
-        <p:cNvGrpSpPr/>
-        <p:nvPr/>
-      </p:nvGrpSpPr>
-      <p:grpSpPr>
-        <a:xfrm>
-          <a:off x="0" y="0"/>
-          <a:ext cx="0" cy="0"/>
-          <a:chOff x="0" y="0"/>
-          <a:chExt cx="0" cy="0"/>
-        </a:xfrm>
-      </p:grpSpPr>
-      <p:sp>
-        <p:nvSpPr>
-          <p:cNvPr id="2" name="Заголовок 1"/>
-          <p:cNvSpPr>
-            <a:spLocks noGrp="1"/>
-          </p:cNvSpPr>
-          <p:nvPr>
-            <p:ph type="title"/>
-          </p:nvPr>
-        </p:nvSpPr>
-        <p:spPr/>
-        <p:txBody>
-          <a:bodyPr/>
-          <a:lstStyle/>
-          <a:p>
-            <a:r>
-              <a:rPr lang="en-US" dirty="0" smtClean="0"/>
-              <a:t>Generate inexistent class</a:t>
-            </a:r>
-            <a:endParaRPr lang="en-GB" dirty="0"/>
-          </a:p>
-        </p:txBody>
-      </p:sp>
-      <p:sp>
-        <p:nvSpPr>
-          <p:cNvPr id="3" name="Объект 2"/>
-          <p:cNvSpPr>
-            <a:spLocks noGrp="1"/>
-          </p:cNvSpPr>
-          <p:nvPr>
-            <p:ph idx="1"/>
-          </p:nvPr>
-        </p:nvSpPr>
-        <p:spPr/>
-        <p:txBody>
-          <a:bodyPr/>
-          <a:lstStyle/>
-          <a:p>
-            <a:endParaRPr lang="en-GB"/>
-          </a:p>
-        </p:txBody>
-      </p:sp>
-      <p:sp>
-        <p:nvSpPr>
-          <p:cNvPr id="4" name="Дата 3"/>
-          <p:cNvSpPr>
-            <a:spLocks noGrp="1"/>
-          </p:cNvSpPr>
-          <p:nvPr>
-            <p:ph type="dt" sz="half" idx="10"/>
-          </p:nvPr>
-        </p:nvSpPr>
-        <p:spPr/>
-        <p:txBody>
-          <a:bodyPr/>
-          <a:lstStyle/>
-          <a:p>
-            <a:r>
-              <a:rPr lang="en-US" smtClean="0"/>
-              <a:t>01.03.2016</a:t>
-            </a:r>
-            <a:endParaRPr lang="en-GB"/>
-          </a:p>
-        </p:txBody>
-      </p:sp>
-      <p:sp>
-        <p:nvSpPr>
-          <p:cNvPr id="5" name="Нижний колонтитул 4"/>
-          <p:cNvSpPr>
-            <a:spLocks noGrp="1"/>
-          </p:cNvSpPr>
-          <p:nvPr>
-            <p:ph type="ftr" sz="quarter" idx="11"/>
-          </p:nvPr>
-        </p:nvSpPr>
-        <p:spPr/>
-        <p:txBody>
-          <a:bodyPr/>
-          <a:lstStyle/>
-          <a:p>
-            <a:r>
-              <a:rPr lang="ru-RU" smtClean="0"/>
-              <a:t>Ваганов Михаил Викторович  ASP.NET MVC + Oracle Database</a:t>
-            </a:r>
-            <a:endParaRPr lang="en-GB"/>
-          </a:p>
-        </p:txBody>
-      </p:sp>
-      <p:sp>
-        <p:nvSpPr>
-          <p:cNvPr id="6" name="Номер слайда 5"/>
-          <p:cNvSpPr>
-            <a:spLocks noGrp="1"/>
-          </p:cNvSpPr>
-          <p:nvPr>
-            <p:ph type="sldNum" sz="quarter" idx="12"/>
-          </p:nvPr>
-        </p:nvSpPr>
-        <p:spPr/>
-        <p:txBody>
-          <a:bodyPr/>
-          <a:lstStyle/>
-          <a:p>
-            <a:fld id="{8FD3F87F-7A79-4F3D-8F12-CD11A20D067D}" type="slidenum">
-              <a:rPr lang="en-GB" smtClean="0"/>
-              <a:t>20</a:t>
-            </a:fld>
-            <a:endParaRPr lang="en-GB"/>
-          </a:p>
-        </p:txBody>
-      </p:sp>
-    </p:spTree>
-    <p:extLst>
-      <p:ext uri="{BB962C8B-B14F-4D97-AF65-F5344CB8AC3E}">
-        <p14:creationId xmlns:p14="http://schemas.microsoft.com/office/powerpoint/2010/main" val="4027976701"/>
-      </p:ext>
-    </p:extLst>
-  </p:cSld>
-  <p:clrMapOvr>
-    <a:masterClrMapping/>
-  </p:clrMapOvr>
-  <p:timing>
-    <p:tnLst>
-      <p:par>
-        <p:cTn id="1" dur="indefinite" restart="never" nodeType="tmRoot"/>
-      </p:par>
-    </p:tnLst>
-  </p:timing>
-</p:sld>
-</file>
-
-<file path=ppt/slides/slide21.xml><?xml version="1.0" encoding="utf-8"?>
-<p:sld xmlns:a="http://schemas.openxmlformats.org/drawingml/2006/main" xmlns:r="http://schemas.openxmlformats.org/officeDocument/2006/relationships" xmlns:p="http://schemas.openxmlformats.org/presentationml/2006/main">
-  <p:cSld>
-    <p:spTree>
-      <p:nvGrpSpPr>
-        <p:cNvPr id="1" name=""/>
-        <p:cNvGrpSpPr/>
-        <p:nvPr/>
-      </p:nvGrpSpPr>
-      <p:grpSpPr>
-        <a:xfrm>
-          <a:off x="0" y="0"/>
-          <a:ext cx="0" cy="0"/>
-          <a:chOff x="0" y="0"/>
-          <a:chExt cx="0" cy="0"/>
-        </a:xfrm>
-      </p:grpSpPr>
-      <p:sp>
-        <p:nvSpPr>
-          <p:cNvPr id="2" name="Заголовок 1"/>
-          <p:cNvSpPr>
-            <a:spLocks noGrp="1"/>
-          </p:cNvSpPr>
-          <p:nvPr>
-            <p:ph type="title"/>
-          </p:nvPr>
-        </p:nvSpPr>
-        <p:spPr/>
-        <p:txBody>
-          <a:bodyPr/>
-          <a:lstStyle/>
-          <a:p>
-            <a:r>
-              <a:rPr lang="en-US" dirty="0" smtClean="0"/>
-              <a:t>Build and add control MVC 5 controller with </a:t>
-            </a:r>
-            <a:r>
-              <a:rPr lang="en-US" dirty="0" err="1" smtClean="0"/>
-              <a:t>smth</a:t>
-            </a:r>
-            <a:r>
-              <a:rPr lang="en-US" dirty="0" smtClean="0"/>
-              <a:t>. </a:t>
-            </a:r>
-            <a:endParaRPr lang="en-GB" dirty="0"/>
-          </a:p>
-        </p:txBody>
-      </p:sp>
-      <p:sp>
-        <p:nvSpPr>
-          <p:cNvPr id="3" name="Объект 2"/>
-          <p:cNvSpPr>
-            <a:spLocks noGrp="1"/>
-          </p:cNvSpPr>
-          <p:nvPr>
-            <p:ph idx="1"/>
-          </p:nvPr>
-        </p:nvSpPr>
-        <p:spPr/>
-        <p:txBody>
-          <a:bodyPr/>
-          <a:lstStyle/>
-          <a:p>
-            <a:r>
-              <a:rPr lang="en-US" dirty="0" smtClean="0"/>
-              <a:t>To do: do not forget about one-to-one and one-to-many relations</a:t>
-            </a:r>
-            <a:endParaRPr lang="en-GB" dirty="0"/>
-          </a:p>
-        </p:txBody>
-      </p:sp>
-      <p:sp>
-        <p:nvSpPr>
-          <p:cNvPr id="4" name="Дата 3"/>
-          <p:cNvSpPr>
-            <a:spLocks noGrp="1"/>
-          </p:cNvSpPr>
-          <p:nvPr>
-            <p:ph type="dt" sz="half" idx="10"/>
-          </p:nvPr>
-        </p:nvSpPr>
-        <p:spPr/>
-        <p:txBody>
-          <a:bodyPr/>
-          <a:lstStyle/>
-          <a:p>
-            <a:r>
-              <a:rPr lang="en-US" smtClean="0"/>
-              <a:t>01.03.2016</a:t>
-            </a:r>
-            <a:endParaRPr lang="en-GB"/>
-          </a:p>
-        </p:txBody>
-      </p:sp>
-      <p:sp>
-        <p:nvSpPr>
-          <p:cNvPr id="5" name="Нижний колонтитул 4"/>
-          <p:cNvSpPr>
-            <a:spLocks noGrp="1"/>
-          </p:cNvSpPr>
-          <p:nvPr>
-            <p:ph type="ftr" sz="quarter" idx="11"/>
-          </p:nvPr>
-        </p:nvSpPr>
-        <p:spPr/>
-        <p:txBody>
-          <a:bodyPr/>
-          <a:lstStyle/>
-          <a:p>
-            <a:r>
-              <a:rPr lang="ru-RU" smtClean="0"/>
-              <a:t>Ваганов Михаил Викторович  ASP.NET MVC + Oracle Database</a:t>
-            </a:r>
-            <a:endParaRPr lang="en-GB"/>
-          </a:p>
-        </p:txBody>
-      </p:sp>
-      <p:sp>
-        <p:nvSpPr>
-          <p:cNvPr id="6" name="Номер слайда 5"/>
-          <p:cNvSpPr>
-            <a:spLocks noGrp="1"/>
-          </p:cNvSpPr>
-          <p:nvPr>
-            <p:ph type="sldNum" sz="quarter" idx="12"/>
-          </p:nvPr>
-        </p:nvSpPr>
-        <p:spPr/>
-        <p:txBody>
-          <a:bodyPr/>
-          <a:lstStyle/>
-          <a:p>
-            <a:fld id="{8FD3F87F-7A79-4F3D-8F12-CD11A20D067D}" type="slidenum">
-              <a:rPr lang="en-GB" smtClean="0"/>
-              <a:t>21</a:t>
-            </a:fld>
-            <a:endParaRPr lang="en-GB"/>
-          </a:p>
-        </p:txBody>
-      </p:sp>
-    </p:spTree>
-    <p:extLst>
-      <p:ext uri="{BB962C8B-B14F-4D97-AF65-F5344CB8AC3E}">
-        <p14:creationId xmlns:p14="http://schemas.microsoft.com/office/powerpoint/2010/main" val="1655495050"/>
-      </p:ext>
-    </p:extLst>
-  </p:cSld>
-  <p:clrMapOvr>
-    <a:masterClrMapping/>
-  </p:clrMapOvr>
-  <p:timing>
-    <p:tnLst>
-      <p:par>
-        <p:cTn id="1" dur="indefinite" restart="never" nodeType="tmRoot"/>
-      </p:par>
-    </p:tnLst>
-  </p:timing>
-</p:sld>
-</file>
-
-<file path=ppt/slides/slide22.xml><?xml version="1.0" encoding="utf-8"?>
-<p:sld xmlns:a="http://schemas.openxmlformats.org/drawingml/2006/main" xmlns:r="http://schemas.openxmlformats.org/officeDocument/2006/relationships" xmlns:p="http://schemas.openxmlformats.org/presentationml/2006/main">
-  <p:cSld>
-    <p:spTree>
-      <p:nvGrpSpPr>
-        <p:cNvPr id="1" name=""/>
-        <p:cNvGrpSpPr/>
-        <p:nvPr/>
-      </p:nvGrpSpPr>
-      <p:grpSpPr>
-        <a:xfrm>
-          <a:off x="0" y="0"/>
-          <a:ext cx="0" cy="0"/>
-          <a:chOff x="0" y="0"/>
-          <a:chExt cx="0" cy="0"/>
-        </a:xfrm>
-      </p:grpSpPr>
-      <p:sp>
-        <p:nvSpPr>
-          <p:cNvPr id="2" name="Заголовок 1"/>
-          <p:cNvSpPr>
-            <a:spLocks noGrp="1"/>
-          </p:cNvSpPr>
-          <p:nvPr>
-            <p:ph type="title"/>
-          </p:nvPr>
-        </p:nvSpPr>
-        <p:spPr/>
-        <p:txBody>
-          <a:bodyPr/>
-          <a:lstStyle/>
-          <a:p>
-            <a:r>
-              <a:rPr lang="ru-RU" dirty="0" smtClean="0"/>
-              <a:t>Схема приложения</a:t>
-            </a:r>
-            <a:endParaRPr lang="en-GB" dirty="0"/>
-          </a:p>
-        </p:txBody>
-      </p:sp>
-      <p:sp>
-        <p:nvSpPr>
-          <p:cNvPr id="3" name="Объект 2"/>
-          <p:cNvSpPr>
-            <a:spLocks noGrp="1"/>
-          </p:cNvSpPr>
-          <p:nvPr>
-            <p:ph idx="1"/>
-          </p:nvPr>
-        </p:nvSpPr>
-        <p:spPr/>
-        <p:txBody>
-          <a:bodyPr/>
-          <a:lstStyle/>
-          <a:p>
-            <a:endParaRPr lang="en-GB"/>
-          </a:p>
-        </p:txBody>
-      </p:sp>
-      <p:sp>
-        <p:nvSpPr>
-          <p:cNvPr id="4" name="Дата 3"/>
-          <p:cNvSpPr>
-            <a:spLocks noGrp="1"/>
-          </p:cNvSpPr>
-          <p:nvPr>
-            <p:ph type="dt" sz="half" idx="10"/>
-          </p:nvPr>
-        </p:nvSpPr>
-        <p:spPr/>
-        <p:txBody>
-          <a:bodyPr/>
-          <a:lstStyle/>
-          <a:p>
-            <a:r>
-              <a:rPr lang="en-US" smtClean="0"/>
-              <a:t>01.03.2016</a:t>
-            </a:r>
-            <a:endParaRPr lang="en-GB"/>
-          </a:p>
-        </p:txBody>
-      </p:sp>
-      <p:sp>
-        <p:nvSpPr>
-          <p:cNvPr id="5" name="Нижний колонтитул 4"/>
-          <p:cNvSpPr>
-            <a:spLocks noGrp="1"/>
-          </p:cNvSpPr>
-          <p:nvPr>
-            <p:ph type="ftr" sz="quarter" idx="11"/>
-          </p:nvPr>
-        </p:nvSpPr>
-        <p:spPr/>
-        <p:txBody>
-          <a:bodyPr/>
-          <a:lstStyle/>
-          <a:p>
-            <a:r>
-              <a:rPr lang="ru-RU" smtClean="0"/>
-              <a:t>Ваганов Михаил Викторович  ASP.NET MVC + Oracle Database</a:t>
-            </a:r>
-            <a:endParaRPr lang="en-GB"/>
-          </a:p>
-        </p:txBody>
-      </p:sp>
-      <p:sp>
-        <p:nvSpPr>
-          <p:cNvPr id="6" name="Номер слайда 5"/>
-          <p:cNvSpPr>
-            <a:spLocks noGrp="1"/>
-          </p:cNvSpPr>
-          <p:nvPr>
-            <p:ph type="sldNum" sz="quarter" idx="12"/>
-          </p:nvPr>
-        </p:nvSpPr>
-        <p:spPr/>
-        <p:txBody>
-          <a:bodyPr/>
-          <a:lstStyle/>
-          <a:p>
-            <a:fld id="{8FD3F87F-7A79-4F3D-8F12-CD11A20D067D}" type="slidenum">
-              <a:rPr lang="en-GB" smtClean="0"/>
-              <a:t>22</a:t>
-            </a:fld>
-            <a:endParaRPr lang="en-GB"/>
-          </a:p>
-        </p:txBody>
-      </p:sp>
-    </p:spTree>
-    <p:extLst>
-      <p:ext uri="{BB962C8B-B14F-4D97-AF65-F5344CB8AC3E}">
-        <p14:creationId xmlns:p14="http://schemas.microsoft.com/office/powerpoint/2010/main" val="759459816"/>
-      </p:ext>
-    </p:extLst>
-  </p:cSld>
-  <p:clrMapOvr>
-    <a:masterClrMapping/>
-  </p:clrMapOvr>
-  <p:timing>
-    <p:tnLst>
-      <p:par>
-        <p:cTn id="1" dur="indefinite" restart="never" nodeType="tmRoot"/>
-      </p:par>
-    </p:tnLst>
-  </p:timing>
-</p:sld>
-</file>
-
-<file path=ppt/slides/slide23.xml><?xml version="1.0" encoding="utf-8"?>
-<p:sld xmlns:a="http://schemas.openxmlformats.org/drawingml/2006/main" xmlns:r="http://schemas.openxmlformats.org/officeDocument/2006/relationships" xmlns:p="http://schemas.openxmlformats.org/presentationml/2006/main">
-  <p:cSld>
-    <p:spTree>
-      <p:nvGrpSpPr>
-        <p:cNvPr id="1" name=""/>
-        <p:cNvGrpSpPr/>
-        <p:nvPr/>
-      </p:nvGrpSpPr>
-      <p:grpSpPr>
-        <a:xfrm>
-          <a:off x="0" y="0"/>
-          <a:ext cx="0" cy="0"/>
-          <a:chOff x="0" y="0"/>
-          <a:chExt cx="0" cy="0"/>
-        </a:xfrm>
-      </p:grpSpPr>
-      <p:sp>
-        <p:nvSpPr>
-          <p:cNvPr id="2" name="Заголовок 1"/>
-          <p:cNvSpPr>
-            <a:spLocks noGrp="1"/>
-          </p:cNvSpPr>
-          <p:nvPr>
-            <p:ph type="title"/>
-          </p:nvPr>
-        </p:nvSpPr>
-        <p:spPr/>
-        <p:txBody>
-          <a:bodyPr/>
-          <a:lstStyle/>
-          <a:p>
-            <a:r>
-              <a:rPr lang="en-US" dirty="0" smtClean="0"/>
-              <a:t>Models</a:t>
-            </a:r>
-            <a:endParaRPr lang="en-GB" dirty="0"/>
-          </a:p>
-        </p:txBody>
-      </p:sp>
-      <p:sp>
-        <p:nvSpPr>
-          <p:cNvPr id="3" name="Объект 2"/>
-          <p:cNvSpPr>
-            <a:spLocks noGrp="1"/>
-          </p:cNvSpPr>
-          <p:nvPr>
-            <p:ph idx="1"/>
-          </p:nvPr>
-        </p:nvSpPr>
-        <p:spPr/>
-        <p:txBody>
-          <a:bodyPr/>
-          <a:lstStyle/>
-          <a:p>
-            <a:r>
-              <a:rPr lang="en-US" dirty="0" smtClean="0"/>
-              <a:t>To do: user, role</a:t>
-            </a:r>
-          </a:p>
-          <a:p>
-            <a:r>
-              <a:rPr lang="ru-RU" dirty="0" smtClean="0"/>
-              <a:t>Пользователь определяет, с какими моделями он хочет работать</a:t>
-            </a:r>
-          </a:p>
-          <a:p>
-            <a:r>
-              <a:rPr lang="ru-RU" dirty="0" smtClean="0"/>
-              <a:t>Мы хотим, чтобы модель везде отображалась одинаково, поэтому сюда и помещаем атрибуты отображения</a:t>
-            </a:r>
-            <a:endParaRPr lang="ru-RU" dirty="0"/>
-          </a:p>
-          <a:p>
-            <a:r>
-              <a:rPr lang="ru-RU" dirty="0" smtClean="0"/>
-              <a:t>Атрибуты</a:t>
-            </a:r>
-          </a:p>
-          <a:p>
-            <a:pPr lvl="1"/>
-            <a:r>
-              <a:rPr lang="ru-RU" dirty="0" smtClean="0"/>
-              <a:t>Тип данных</a:t>
-            </a:r>
-          </a:p>
-          <a:p>
-            <a:pPr lvl="1"/>
-            <a:r>
-              <a:rPr lang="ru-RU" dirty="0" smtClean="0"/>
-              <a:t>Отображения</a:t>
-            </a:r>
-          </a:p>
-          <a:p>
-            <a:pPr lvl="1"/>
-            <a:r>
-              <a:rPr lang="ru-RU" dirty="0" err="1" smtClean="0"/>
-              <a:t>Валидации</a:t>
-            </a:r>
-            <a:endParaRPr lang="ru-RU" dirty="0" smtClean="0"/>
-          </a:p>
-          <a:p>
-            <a:r>
-              <a:rPr lang="en-US" dirty="0" smtClean="0"/>
-              <a:t>Model binding</a:t>
-            </a:r>
-            <a:endParaRPr lang="ru-RU" dirty="0" smtClean="0"/>
-          </a:p>
-        </p:txBody>
-      </p:sp>
-      <p:sp>
-        <p:nvSpPr>
-          <p:cNvPr id="4" name="Дата 3"/>
-          <p:cNvSpPr>
-            <a:spLocks noGrp="1"/>
-          </p:cNvSpPr>
-          <p:nvPr>
-            <p:ph type="dt" sz="half" idx="10"/>
-          </p:nvPr>
-        </p:nvSpPr>
-        <p:spPr/>
-        <p:txBody>
-          <a:bodyPr/>
-          <a:lstStyle/>
-          <a:p>
-            <a:r>
-              <a:rPr lang="en-US" smtClean="0"/>
-              <a:t>01.03.2016</a:t>
-            </a:r>
-            <a:endParaRPr lang="en-GB"/>
-          </a:p>
-        </p:txBody>
-      </p:sp>
-      <p:sp>
-        <p:nvSpPr>
-          <p:cNvPr id="5" name="Нижний колонтитул 4"/>
-          <p:cNvSpPr>
-            <a:spLocks noGrp="1"/>
-          </p:cNvSpPr>
-          <p:nvPr>
-            <p:ph type="ftr" sz="quarter" idx="11"/>
-          </p:nvPr>
-        </p:nvSpPr>
-        <p:spPr/>
-        <p:txBody>
-          <a:bodyPr/>
-          <a:lstStyle/>
-          <a:p>
-            <a:r>
-              <a:rPr lang="ru-RU" smtClean="0"/>
-              <a:t>Ваганов Михаил Викторович  ASP.NET MVC + Oracle Database</a:t>
-            </a:r>
-            <a:endParaRPr lang="en-GB"/>
-          </a:p>
-        </p:txBody>
-      </p:sp>
-      <p:sp>
-        <p:nvSpPr>
-          <p:cNvPr id="6" name="Номер слайда 5"/>
-          <p:cNvSpPr>
-            <a:spLocks noGrp="1"/>
-          </p:cNvSpPr>
-          <p:nvPr>
-            <p:ph type="sldNum" sz="quarter" idx="12"/>
-          </p:nvPr>
-        </p:nvSpPr>
-        <p:spPr/>
-        <p:txBody>
-          <a:bodyPr/>
-          <a:lstStyle/>
-          <a:p>
-            <a:fld id="{8FD3F87F-7A79-4F3D-8F12-CD11A20D067D}" type="slidenum">
-              <a:rPr lang="en-GB" smtClean="0"/>
-              <a:t>23</a:t>
-            </a:fld>
-            <a:endParaRPr lang="en-GB"/>
-          </a:p>
-        </p:txBody>
-      </p:sp>
-    </p:spTree>
-    <p:extLst>
-      <p:ext uri="{BB962C8B-B14F-4D97-AF65-F5344CB8AC3E}">
-        <p14:creationId xmlns:p14="http://schemas.microsoft.com/office/powerpoint/2010/main" val="3343533271"/>
-      </p:ext>
-    </p:extLst>
-  </p:cSld>
-  <p:clrMapOvr>
-    <a:masterClrMapping/>
-  </p:clrMapOvr>
-  <p:timing>
-    <p:tnLst>
-      <p:par>
-        <p:cTn id="1" dur="indefinite" restart="never" nodeType="tmRoot"/>
-      </p:par>
-    </p:tnLst>
-  </p:timing>
-</p:sld>
-</file>
-
-<file path=ppt/slides/slide24.xml><?xml version="1.0" encoding="utf-8"?>
-<p:sld xmlns:a="http://schemas.openxmlformats.org/drawingml/2006/main" xmlns:r="http://schemas.openxmlformats.org/officeDocument/2006/relationships" xmlns:p="http://schemas.openxmlformats.org/presentationml/2006/main">
-  <p:cSld>
-    <p:spTree>
-      <p:nvGrpSpPr>
-        <p:cNvPr id="1" name=""/>
-        <p:cNvGrpSpPr/>
-        <p:nvPr/>
-      </p:nvGrpSpPr>
-      <p:grpSpPr>
-        <a:xfrm>
-          <a:off x="0" y="0"/>
-          <a:ext cx="0" cy="0"/>
-          <a:chOff x="0" y="0"/>
-          <a:chExt cx="0" cy="0"/>
-        </a:xfrm>
-      </p:grpSpPr>
-      <p:sp>
-        <p:nvSpPr>
-          <p:cNvPr id="2" name="Заголовок 1"/>
-          <p:cNvSpPr>
-            <a:spLocks noGrp="1"/>
-          </p:cNvSpPr>
-          <p:nvPr>
-            <p:ph type="title"/>
-          </p:nvPr>
-        </p:nvSpPr>
-        <p:spPr/>
-        <p:txBody>
-          <a:bodyPr/>
-          <a:lstStyle/>
-          <a:p>
-            <a:r>
-              <a:rPr lang="ru-RU" dirty="0" smtClean="0"/>
-              <a:t>Атрибут типа данных</a:t>
-            </a:r>
-            <a:endParaRPr lang="en-GB" dirty="0"/>
-          </a:p>
-        </p:txBody>
-      </p:sp>
-      <p:sp>
-        <p:nvSpPr>
-          <p:cNvPr id="3" name="Объект 2"/>
-          <p:cNvSpPr>
-            <a:spLocks noGrp="1"/>
-          </p:cNvSpPr>
-          <p:nvPr>
-            <p:ph idx="1"/>
-          </p:nvPr>
-        </p:nvSpPr>
-        <p:spPr/>
-        <p:txBody>
-          <a:bodyPr/>
-          <a:lstStyle/>
-          <a:p>
-            <a:r>
-              <a:rPr lang="ru-RU" dirty="0" err="1" smtClean="0"/>
-              <a:t>Валидация</a:t>
-            </a:r>
-            <a:endParaRPr lang="ru-RU" dirty="0" smtClean="0"/>
-          </a:p>
-          <a:p>
-            <a:r>
-              <a:rPr lang="en-US" dirty="0" smtClean="0"/>
-              <a:t>Input controls</a:t>
-            </a:r>
-          </a:p>
-          <a:p>
-            <a:pPr lvl="1"/>
-            <a:r>
-              <a:rPr lang="en-US" dirty="0" smtClean="0"/>
-              <a:t>HTML5 (MVC </a:t>
-            </a:r>
-            <a:r>
-              <a:rPr lang="ru-RU" dirty="0" err="1" smtClean="0"/>
-              <a:t>подстравивает</a:t>
-            </a:r>
-            <a:r>
-              <a:rPr lang="ru-RU" dirty="0" smtClean="0"/>
-              <a:t> под поле </a:t>
-            </a:r>
-            <a:r>
-              <a:rPr lang="en-US" dirty="0" smtClean="0"/>
-              <a:t>GUI)</a:t>
-            </a:r>
-          </a:p>
-          <a:p>
-            <a:pPr lvl="1"/>
-            <a:endParaRPr lang="en-GB" dirty="0"/>
-          </a:p>
-        </p:txBody>
-      </p:sp>
-      <p:sp>
-        <p:nvSpPr>
-          <p:cNvPr id="4" name="Дата 3"/>
-          <p:cNvSpPr>
-            <a:spLocks noGrp="1"/>
-          </p:cNvSpPr>
-          <p:nvPr>
-            <p:ph type="dt" sz="half" idx="10"/>
-          </p:nvPr>
-        </p:nvSpPr>
-        <p:spPr/>
-        <p:txBody>
-          <a:bodyPr/>
-          <a:lstStyle/>
-          <a:p>
-            <a:r>
-              <a:rPr lang="en-US" smtClean="0"/>
-              <a:t>01.03.2016</a:t>
-            </a:r>
-            <a:endParaRPr lang="en-GB"/>
-          </a:p>
-        </p:txBody>
-      </p:sp>
-      <p:sp>
-        <p:nvSpPr>
-          <p:cNvPr id="5" name="Нижний колонтитул 4"/>
-          <p:cNvSpPr>
-            <a:spLocks noGrp="1"/>
-          </p:cNvSpPr>
-          <p:nvPr>
-            <p:ph type="ftr" sz="quarter" idx="11"/>
-          </p:nvPr>
-        </p:nvSpPr>
-        <p:spPr/>
-        <p:txBody>
-          <a:bodyPr/>
-          <a:lstStyle/>
-          <a:p>
-            <a:r>
-              <a:rPr lang="ru-RU" smtClean="0"/>
-              <a:t>Ваганов Михаил Викторович  ASP.NET MVC + Oracle Database</a:t>
-            </a:r>
-            <a:endParaRPr lang="en-GB"/>
-          </a:p>
-        </p:txBody>
-      </p:sp>
-      <p:sp>
-        <p:nvSpPr>
-          <p:cNvPr id="6" name="Номер слайда 5"/>
-          <p:cNvSpPr>
-            <a:spLocks noGrp="1"/>
-          </p:cNvSpPr>
-          <p:nvPr>
-            <p:ph type="sldNum" sz="quarter" idx="12"/>
-          </p:nvPr>
-        </p:nvSpPr>
-        <p:spPr/>
-        <p:txBody>
-          <a:bodyPr/>
-          <a:lstStyle/>
-          <a:p>
-            <a:fld id="{8FD3F87F-7A79-4F3D-8F12-CD11A20D067D}" type="slidenum">
-              <a:rPr lang="en-GB" smtClean="0"/>
-              <a:t>24</a:t>
-            </a:fld>
-            <a:endParaRPr lang="en-GB"/>
-          </a:p>
-        </p:txBody>
-      </p:sp>
-    </p:spTree>
-    <p:extLst>
-      <p:ext uri="{BB962C8B-B14F-4D97-AF65-F5344CB8AC3E}">
-        <p14:creationId xmlns:p14="http://schemas.microsoft.com/office/powerpoint/2010/main" val="3367010310"/>
-      </p:ext>
-    </p:extLst>
-  </p:cSld>
-  <p:clrMapOvr>
-    <a:masterClrMapping/>
-  </p:clrMapOvr>
-  <p:timing>
-    <p:tnLst>
-      <p:par>
-        <p:cTn id="1" dur="indefinite" restart="never" nodeType="tmRoot"/>
-      </p:par>
-    </p:tnLst>
-  </p:timing>
-</p:sld>
-</file>
-
-<file path=ppt/slides/slide25.xml><?xml version="1.0" encoding="utf-8"?>
-<p:sld xmlns:a="http://schemas.openxmlformats.org/drawingml/2006/main" xmlns:r="http://schemas.openxmlformats.org/officeDocument/2006/relationships" xmlns:p="http://schemas.openxmlformats.org/presentationml/2006/main">
-  <p:cSld>
-    <p:spTree>
-      <p:nvGrpSpPr>
-        <p:cNvPr id="1" name=""/>
-        <p:cNvGrpSpPr/>
-        <p:nvPr/>
-      </p:nvGrpSpPr>
-      <p:grpSpPr>
-        <a:xfrm>
-          <a:off x="0" y="0"/>
-          <a:ext cx="0" cy="0"/>
-          <a:chOff x="0" y="0"/>
-          <a:chExt cx="0" cy="0"/>
-        </a:xfrm>
-      </p:grpSpPr>
-      <p:sp>
-        <p:nvSpPr>
-          <p:cNvPr id="2" name="Заголовок 1"/>
-          <p:cNvSpPr>
-            <a:spLocks noGrp="1"/>
-          </p:cNvSpPr>
-          <p:nvPr>
-            <p:ph type="title"/>
-          </p:nvPr>
-        </p:nvSpPr>
-        <p:spPr/>
-        <p:txBody>
-          <a:bodyPr/>
-          <a:lstStyle/>
-          <a:p>
-            <a:r>
-              <a:rPr lang="ru-RU" dirty="0" smtClean="0"/>
-              <a:t>Отношение </a:t>
-            </a:r>
-            <a:r>
-              <a:rPr lang="en-US" dirty="0" smtClean="0"/>
-              <a:t>One-to-one</a:t>
-            </a:r>
-            <a:endParaRPr lang="en-GB" dirty="0"/>
-          </a:p>
-        </p:txBody>
-      </p:sp>
-      <p:sp>
-        <p:nvSpPr>
-          <p:cNvPr id="4" name="Дата 3"/>
-          <p:cNvSpPr>
-            <a:spLocks noGrp="1"/>
-          </p:cNvSpPr>
-          <p:nvPr>
-            <p:ph type="dt" sz="half" idx="10"/>
-          </p:nvPr>
-        </p:nvSpPr>
-        <p:spPr/>
-        <p:txBody>
-          <a:bodyPr/>
-          <a:lstStyle/>
-          <a:p>
-            <a:r>
-              <a:rPr lang="en-US" smtClean="0"/>
-              <a:t>01.03.2016</a:t>
-            </a:r>
-            <a:endParaRPr lang="en-GB"/>
-          </a:p>
-        </p:txBody>
-      </p:sp>
-      <p:sp>
-        <p:nvSpPr>
-          <p:cNvPr id="5" name="Нижний колонтитул 4"/>
-          <p:cNvSpPr>
-            <a:spLocks noGrp="1"/>
-          </p:cNvSpPr>
-          <p:nvPr>
-            <p:ph type="ftr" sz="quarter" idx="11"/>
-          </p:nvPr>
-        </p:nvSpPr>
-        <p:spPr/>
-        <p:txBody>
-          <a:bodyPr/>
-          <a:lstStyle/>
-          <a:p>
-            <a:r>
-              <a:rPr lang="ru-RU" smtClean="0"/>
-              <a:t>Ваганов Михаил Викторович  ASP.NET MVC + Oracle Database</a:t>
-            </a:r>
-            <a:endParaRPr lang="en-GB"/>
-          </a:p>
-        </p:txBody>
-      </p:sp>
-      <p:sp>
-        <p:nvSpPr>
-          <p:cNvPr id="6" name="Номер слайда 5"/>
-          <p:cNvSpPr>
-            <a:spLocks noGrp="1"/>
-          </p:cNvSpPr>
-          <p:nvPr>
-            <p:ph type="sldNum" sz="quarter" idx="12"/>
-          </p:nvPr>
-        </p:nvSpPr>
-        <p:spPr/>
-        <p:txBody>
-          <a:bodyPr/>
-          <a:lstStyle/>
-          <a:p>
-            <a:fld id="{8FD3F87F-7A79-4F3D-8F12-CD11A20D067D}" type="slidenum">
-              <a:rPr lang="en-GB" smtClean="0"/>
-              <a:t>25</a:t>
-            </a:fld>
-            <a:endParaRPr lang="en-GB"/>
-          </a:p>
-        </p:txBody>
-      </p:sp>
-      <p:grpSp>
-        <p:nvGrpSpPr>
-          <p:cNvPr id="19" name="Группа 18"/>
-          <p:cNvGrpSpPr/>
-          <p:nvPr/>
-        </p:nvGrpSpPr>
-        <p:grpSpPr>
-          <a:xfrm>
-            <a:off x="3315393" y="2103880"/>
-            <a:ext cx="6480463" cy="2996833"/>
-            <a:chOff x="3315393" y="2103880"/>
-            <a:chExt cx="6480463" cy="2996833"/>
-          </a:xfrm>
-        </p:grpSpPr>
-        <p:sp>
-          <p:nvSpPr>
-            <p:cNvPr id="7" name="Прямоугольник 6"/>
-            <p:cNvSpPr/>
-            <p:nvPr/>
-          </p:nvSpPr>
-          <p:spPr>
-            <a:xfrm>
-              <a:off x="3315393" y="2103880"/>
-              <a:ext cx="2370513" cy="842442"/>
-            </a:xfrm>
-            <a:prstGeom prst="rect">
-              <a:avLst/>
-            </a:prstGeom>
-          </p:spPr>
-          <p:style>
-            <a:lnRef idx="3">
-              <a:schemeClr val="lt1"/>
-            </a:lnRef>
-            <a:fillRef idx="1">
-              <a:schemeClr val="accent1"/>
-            </a:fillRef>
-            <a:effectRef idx="1">
-              <a:schemeClr val="accent1"/>
-            </a:effectRef>
-            <a:fontRef idx="minor">
-              <a:schemeClr val="lt1"/>
-            </a:fontRef>
-          </p:style>
-          <p:txBody>
-            <a:bodyPr rtlCol="0" anchor="ctr"/>
-            <a:lstStyle/>
-            <a:p>
-              <a:pPr algn="ctr"/>
-              <a:r>
-                <a:rPr lang="ru-RU" sz="2400" dirty="0" smtClean="0"/>
-                <a:t>Пользователь 1</a:t>
-              </a:r>
-              <a:endParaRPr lang="en-GB" sz="2400" dirty="0"/>
-            </a:p>
-          </p:txBody>
-        </p:sp>
-        <p:sp>
-          <p:nvSpPr>
-            <p:cNvPr id="8" name="Прямоугольник 7"/>
-            <p:cNvSpPr/>
-            <p:nvPr/>
-          </p:nvSpPr>
-          <p:spPr>
-            <a:xfrm>
-              <a:off x="7425343" y="2103880"/>
-              <a:ext cx="2370513" cy="842441"/>
-            </a:xfrm>
-            <a:prstGeom prst="rect">
-              <a:avLst/>
-            </a:prstGeom>
-          </p:spPr>
-          <p:style>
-            <a:lnRef idx="3">
-              <a:schemeClr val="lt1"/>
-            </a:lnRef>
-            <a:fillRef idx="1">
-              <a:schemeClr val="accent6"/>
-            </a:fillRef>
-            <a:effectRef idx="1">
-              <a:schemeClr val="accent6"/>
-            </a:effectRef>
-            <a:fontRef idx="minor">
-              <a:schemeClr val="lt1"/>
-            </a:fontRef>
-          </p:style>
-          <p:txBody>
-            <a:bodyPr rtlCol="0" anchor="ctr"/>
-            <a:lstStyle/>
-            <a:p>
-              <a:pPr algn="ctr"/>
-              <a:r>
-                <a:rPr lang="ru-RU" sz="2400" dirty="0" smtClean="0"/>
-                <a:t>Паспорт 1</a:t>
-              </a:r>
-              <a:endParaRPr lang="en-GB" sz="2400" dirty="0"/>
-            </a:p>
-          </p:txBody>
-        </p:sp>
-        <p:sp>
-          <p:nvSpPr>
-            <p:cNvPr id="11" name="Прямоугольник 10"/>
-            <p:cNvSpPr/>
-            <p:nvPr/>
-          </p:nvSpPr>
-          <p:spPr>
-            <a:xfrm>
-              <a:off x="3315393" y="3181076"/>
-              <a:ext cx="2370513" cy="842442"/>
-            </a:xfrm>
-            <a:prstGeom prst="rect">
-              <a:avLst/>
-            </a:prstGeom>
-          </p:spPr>
-          <p:style>
-            <a:lnRef idx="3">
-              <a:schemeClr val="lt1"/>
-            </a:lnRef>
-            <a:fillRef idx="1">
-              <a:schemeClr val="accent1"/>
-            </a:fillRef>
-            <a:effectRef idx="1">
-              <a:schemeClr val="accent1"/>
-            </a:effectRef>
-            <a:fontRef idx="minor">
-              <a:schemeClr val="lt1"/>
-            </a:fontRef>
-          </p:style>
-          <p:txBody>
-            <a:bodyPr rtlCol="0" anchor="ctr"/>
-            <a:lstStyle/>
-            <a:p>
-              <a:pPr algn="ctr"/>
-              <a:r>
-                <a:rPr lang="ru-RU" sz="2400" dirty="0" smtClean="0"/>
-                <a:t>Пользователь 2</a:t>
-              </a:r>
-              <a:endParaRPr lang="en-GB" sz="2400" dirty="0"/>
-            </a:p>
-          </p:txBody>
-        </p:sp>
-        <p:sp>
-          <p:nvSpPr>
-            <p:cNvPr id="12" name="Прямоугольник 11"/>
-            <p:cNvSpPr/>
-            <p:nvPr/>
-          </p:nvSpPr>
-          <p:spPr>
-            <a:xfrm>
-              <a:off x="7425343" y="3181076"/>
-              <a:ext cx="2370513" cy="842441"/>
-            </a:xfrm>
-            <a:prstGeom prst="rect">
-              <a:avLst/>
-            </a:prstGeom>
-          </p:spPr>
-          <p:style>
-            <a:lnRef idx="3">
-              <a:schemeClr val="lt1"/>
-            </a:lnRef>
-            <a:fillRef idx="1">
-              <a:schemeClr val="accent6"/>
-            </a:fillRef>
-            <a:effectRef idx="1">
-              <a:schemeClr val="accent6"/>
-            </a:effectRef>
-            <a:fontRef idx="minor">
-              <a:schemeClr val="lt1"/>
-            </a:fontRef>
-          </p:style>
-          <p:txBody>
-            <a:bodyPr rtlCol="0" anchor="ctr"/>
-            <a:lstStyle/>
-            <a:p>
-              <a:pPr algn="ctr"/>
-              <a:r>
-                <a:rPr lang="ru-RU" sz="2400" dirty="0" smtClean="0"/>
-                <a:t>Паспорт 2</a:t>
-              </a:r>
-              <a:endParaRPr lang="en-GB" sz="2400" dirty="0"/>
-            </a:p>
-          </p:txBody>
-        </p:sp>
-        <p:sp>
-          <p:nvSpPr>
-            <p:cNvPr id="13" name="Прямоугольник 12"/>
-            <p:cNvSpPr/>
-            <p:nvPr/>
-          </p:nvSpPr>
-          <p:spPr>
-            <a:xfrm>
-              <a:off x="3315393" y="4258271"/>
-              <a:ext cx="2370513" cy="842442"/>
-            </a:xfrm>
-            <a:prstGeom prst="rect">
-              <a:avLst/>
-            </a:prstGeom>
-          </p:spPr>
-          <p:style>
-            <a:lnRef idx="3">
-              <a:schemeClr val="lt1"/>
-            </a:lnRef>
-            <a:fillRef idx="1">
-              <a:schemeClr val="accent1"/>
-            </a:fillRef>
-            <a:effectRef idx="1">
-              <a:schemeClr val="accent1"/>
-            </a:effectRef>
-            <a:fontRef idx="minor">
-              <a:schemeClr val="lt1"/>
-            </a:fontRef>
-          </p:style>
-          <p:txBody>
-            <a:bodyPr rtlCol="0" anchor="ctr"/>
-            <a:lstStyle/>
-            <a:p>
-              <a:pPr algn="ctr"/>
-              <a:r>
-                <a:rPr lang="ru-RU" sz="2400" dirty="0" smtClean="0"/>
-                <a:t>Пользователь 3</a:t>
-              </a:r>
-              <a:endParaRPr lang="en-GB" sz="2400" dirty="0"/>
-            </a:p>
-          </p:txBody>
-        </p:sp>
-        <p:sp>
-          <p:nvSpPr>
-            <p:cNvPr id="14" name="Прямоугольник 13"/>
-            <p:cNvSpPr/>
-            <p:nvPr/>
-          </p:nvSpPr>
-          <p:spPr>
-            <a:xfrm>
-              <a:off x="7425343" y="4258271"/>
-              <a:ext cx="2370513" cy="842441"/>
-            </a:xfrm>
-            <a:prstGeom prst="rect">
-              <a:avLst/>
-            </a:prstGeom>
-          </p:spPr>
-          <p:style>
-            <a:lnRef idx="3">
-              <a:schemeClr val="lt1"/>
-            </a:lnRef>
-            <a:fillRef idx="1">
-              <a:schemeClr val="accent6"/>
-            </a:fillRef>
-            <a:effectRef idx="1">
-              <a:schemeClr val="accent6"/>
-            </a:effectRef>
-            <a:fontRef idx="minor">
-              <a:schemeClr val="lt1"/>
-            </a:fontRef>
-          </p:style>
-          <p:txBody>
-            <a:bodyPr rtlCol="0" anchor="ctr"/>
-            <a:lstStyle/>
-            <a:p>
-              <a:pPr algn="ctr"/>
-              <a:r>
-                <a:rPr lang="ru-RU" sz="2400" dirty="0" smtClean="0"/>
-                <a:t>Паспорт 3</a:t>
-              </a:r>
-              <a:endParaRPr lang="en-GB" sz="2400" dirty="0"/>
-            </a:p>
-          </p:txBody>
-        </p:sp>
-        <p:sp>
-          <p:nvSpPr>
-            <p:cNvPr id="15" name="Стрелка вправо 14"/>
-            <p:cNvSpPr/>
-            <p:nvPr/>
-          </p:nvSpPr>
-          <p:spPr>
-            <a:xfrm>
-              <a:off x="5785658" y="2301149"/>
-              <a:ext cx="1539932" cy="448887"/>
-            </a:xfrm>
-            <a:prstGeom prst="rightArrow">
-              <a:avLst/>
-            </a:prstGeom>
-          </p:spPr>
-          <p:style>
-            <a:lnRef idx="2">
-              <a:schemeClr val="accent5">
-                <a:shade val="50000"/>
-              </a:schemeClr>
-            </a:lnRef>
-            <a:fillRef idx="1">
-              <a:schemeClr val="accent5"/>
-            </a:fillRef>
-            <a:effectRef idx="0">
-              <a:schemeClr val="accent5"/>
-            </a:effectRef>
-            <a:fontRef idx="minor">
-              <a:schemeClr val="lt1"/>
-            </a:fontRef>
-          </p:style>
-          <p:txBody>
-            <a:bodyPr rtlCol="0" anchor="ctr"/>
-            <a:lstStyle/>
-            <a:p>
-              <a:pPr algn="ctr"/>
-              <a:endParaRPr lang="en-GB" sz="2400"/>
-            </a:p>
-          </p:txBody>
-        </p:sp>
-        <p:sp>
-          <p:nvSpPr>
-            <p:cNvPr id="16" name="Стрелка вправо 15"/>
-            <p:cNvSpPr/>
-            <p:nvPr/>
-          </p:nvSpPr>
-          <p:spPr>
-            <a:xfrm>
-              <a:off x="5785658" y="3378098"/>
-              <a:ext cx="1539932" cy="448887"/>
-            </a:xfrm>
-            <a:prstGeom prst="rightArrow">
-              <a:avLst/>
-            </a:prstGeom>
-          </p:spPr>
-          <p:style>
-            <a:lnRef idx="2">
-              <a:schemeClr val="accent5">
-                <a:shade val="50000"/>
-              </a:schemeClr>
-            </a:lnRef>
-            <a:fillRef idx="1">
-              <a:schemeClr val="accent5"/>
-            </a:fillRef>
-            <a:effectRef idx="0">
-              <a:schemeClr val="accent5"/>
-            </a:effectRef>
-            <a:fontRef idx="minor">
-              <a:schemeClr val="lt1"/>
-            </a:fontRef>
-          </p:style>
-          <p:txBody>
-            <a:bodyPr rtlCol="0" anchor="ctr"/>
-            <a:lstStyle/>
-            <a:p>
-              <a:pPr algn="ctr"/>
-              <a:endParaRPr lang="en-GB" sz="2400"/>
-            </a:p>
-          </p:txBody>
-        </p:sp>
-        <p:sp>
-          <p:nvSpPr>
-            <p:cNvPr id="17" name="Стрелка вправо 16"/>
-            <p:cNvSpPr/>
-            <p:nvPr/>
-          </p:nvSpPr>
-          <p:spPr>
-            <a:xfrm>
-              <a:off x="5785658" y="4455047"/>
-              <a:ext cx="1539932" cy="448887"/>
-            </a:xfrm>
-            <a:prstGeom prst="rightArrow">
-              <a:avLst/>
-            </a:prstGeom>
-          </p:spPr>
-          <p:style>
-            <a:lnRef idx="2">
-              <a:schemeClr val="accent5">
-                <a:shade val="50000"/>
-              </a:schemeClr>
-            </a:lnRef>
-            <a:fillRef idx="1">
-              <a:schemeClr val="accent5"/>
-            </a:fillRef>
-            <a:effectRef idx="0">
-              <a:schemeClr val="accent5"/>
-            </a:effectRef>
-            <a:fontRef idx="minor">
-              <a:schemeClr val="lt1"/>
-            </a:fontRef>
-          </p:style>
-          <p:txBody>
-            <a:bodyPr rtlCol="0" anchor="ctr"/>
-            <a:lstStyle/>
-            <a:p>
-              <a:pPr algn="ctr"/>
-              <a:endParaRPr lang="en-GB" sz="2400"/>
-            </a:p>
-          </p:txBody>
-        </p:sp>
-      </p:grpSp>
-    </p:spTree>
-    <p:extLst>
-      <p:ext uri="{BB962C8B-B14F-4D97-AF65-F5344CB8AC3E}">
-        <p14:creationId xmlns:p14="http://schemas.microsoft.com/office/powerpoint/2010/main" val="1535319122"/>
-      </p:ext>
-    </p:extLst>
-  </p:cSld>
-  <p:clrMapOvr>
-    <a:masterClrMapping/>
-  </p:clrMapOvr>
-  <p:timing>
-    <p:tnLst>
-      <p:par>
-        <p:cTn id="1" dur="indefinite" restart="never" nodeType="tmRoot"/>
-      </p:par>
-    </p:tnLst>
-  </p:timing>
-</p:sld>
-</file>
-
-<file path=ppt/slides/slide26.xml><?xml version="1.0" encoding="utf-8"?>
-<p:sld xmlns:a="http://schemas.openxmlformats.org/drawingml/2006/main" xmlns:r="http://schemas.openxmlformats.org/officeDocument/2006/relationships" xmlns:p="http://schemas.openxmlformats.org/presentationml/2006/main">
-  <p:cSld>
-    <p:spTree>
-      <p:nvGrpSpPr>
-        <p:cNvPr id="1" name=""/>
-        <p:cNvGrpSpPr/>
-        <p:nvPr/>
-      </p:nvGrpSpPr>
-      <p:grpSpPr>
-        <a:xfrm>
-          <a:off x="0" y="0"/>
-          <a:ext cx="0" cy="0"/>
-          <a:chOff x="0" y="0"/>
-          <a:chExt cx="0" cy="0"/>
-        </a:xfrm>
-      </p:grpSpPr>
-      <p:sp>
-        <p:nvSpPr>
-          <p:cNvPr id="2" name="Заголовок 1"/>
-          <p:cNvSpPr>
-            <a:spLocks noGrp="1"/>
-          </p:cNvSpPr>
-          <p:nvPr>
-            <p:ph type="title"/>
-          </p:nvPr>
-        </p:nvSpPr>
-        <p:spPr/>
-        <p:txBody>
-          <a:bodyPr/>
-          <a:lstStyle/>
-          <a:p>
-            <a:r>
-              <a:rPr lang="ru-RU" dirty="0"/>
-              <a:t>Отношение </a:t>
-            </a:r>
-            <a:r>
-              <a:rPr lang="en-US" dirty="0" smtClean="0"/>
-              <a:t>One-to-one</a:t>
-            </a:r>
-            <a:r>
-              <a:rPr lang="ru-RU" dirty="0" smtClean="0"/>
-              <a:t> (2)</a:t>
-            </a:r>
-            <a:endParaRPr lang="en-GB" dirty="0"/>
-          </a:p>
-        </p:txBody>
-      </p:sp>
-      <p:sp>
-        <p:nvSpPr>
-          <p:cNvPr id="4" name="Дата 3"/>
-          <p:cNvSpPr>
-            <a:spLocks noGrp="1"/>
-          </p:cNvSpPr>
-          <p:nvPr>
-            <p:ph type="dt" sz="half" idx="10"/>
-          </p:nvPr>
-        </p:nvSpPr>
-        <p:spPr/>
-        <p:txBody>
-          <a:bodyPr/>
-          <a:lstStyle/>
-          <a:p>
-            <a:r>
-              <a:rPr lang="en-US" smtClean="0"/>
-              <a:t>01.03.2016</a:t>
-            </a:r>
-            <a:endParaRPr lang="en-GB"/>
-          </a:p>
-        </p:txBody>
-      </p:sp>
-      <p:sp>
-        <p:nvSpPr>
-          <p:cNvPr id="5" name="Нижний колонтитул 4"/>
-          <p:cNvSpPr>
-            <a:spLocks noGrp="1"/>
-          </p:cNvSpPr>
-          <p:nvPr>
-            <p:ph type="ftr" sz="quarter" idx="11"/>
-          </p:nvPr>
-        </p:nvSpPr>
-        <p:spPr/>
-        <p:txBody>
-          <a:bodyPr/>
-          <a:lstStyle/>
-          <a:p>
-            <a:r>
-              <a:rPr lang="ru-RU" smtClean="0"/>
-              <a:t>Ваганов Михаил Викторович  ASP.NET MVC + Oracle Database</a:t>
-            </a:r>
-            <a:endParaRPr lang="en-GB"/>
-          </a:p>
-        </p:txBody>
-      </p:sp>
-      <p:sp>
-        <p:nvSpPr>
-          <p:cNvPr id="6" name="Номер слайда 5"/>
-          <p:cNvSpPr>
-            <a:spLocks noGrp="1"/>
-          </p:cNvSpPr>
-          <p:nvPr>
-            <p:ph type="sldNum" sz="quarter" idx="12"/>
-          </p:nvPr>
-        </p:nvSpPr>
-        <p:spPr/>
-        <p:txBody>
-          <a:bodyPr/>
-          <a:lstStyle/>
-          <a:p>
-            <a:fld id="{8FD3F87F-7A79-4F3D-8F12-CD11A20D067D}" type="slidenum">
-              <a:rPr lang="en-GB" smtClean="0"/>
-              <a:t>26</a:t>
-            </a:fld>
-            <a:endParaRPr lang="en-GB"/>
-          </a:p>
-        </p:txBody>
-      </p:sp>
-      <p:grpSp>
-        <p:nvGrpSpPr>
-          <p:cNvPr id="14" name="Группа 13"/>
-          <p:cNvGrpSpPr/>
-          <p:nvPr/>
-        </p:nvGrpSpPr>
-        <p:grpSpPr>
-          <a:xfrm>
-            <a:off x="1961804" y="2676698"/>
-            <a:ext cx="2294312" cy="1996903"/>
-            <a:chOff x="1961804" y="2676698"/>
-            <a:chExt cx="2294312" cy="1996903"/>
-          </a:xfrm>
-        </p:grpSpPr>
-        <p:sp>
-          <p:nvSpPr>
-            <p:cNvPr id="8" name="Прямоугольник 7"/>
-            <p:cNvSpPr/>
-            <p:nvPr/>
-          </p:nvSpPr>
-          <p:spPr>
-            <a:xfrm>
-              <a:off x="1961804" y="2676698"/>
-              <a:ext cx="2294312" cy="1996903"/>
-            </a:xfrm>
-            <a:prstGeom prst="rect">
-              <a:avLst/>
-            </a:prstGeom>
-          </p:spPr>
-          <p:style>
-            <a:lnRef idx="2">
-              <a:schemeClr val="dk1"/>
-            </a:lnRef>
-            <a:fillRef idx="1">
-              <a:schemeClr val="lt1"/>
-            </a:fillRef>
-            <a:effectRef idx="0">
-              <a:schemeClr val="dk1"/>
-            </a:effectRef>
-            <a:fontRef idx="minor">
-              <a:schemeClr val="dk1"/>
-            </a:fontRef>
-          </p:style>
-          <p:txBody>
-            <a:bodyPr rtlCol="0" anchor="t"/>
-            <a:lstStyle/>
-            <a:p>
-              <a:pPr algn="ctr"/>
-              <a:r>
-                <a:rPr lang="ru-RU" dirty="0" smtClean="0"/>
-                <a:t>Пользователь</a:t>
-              </a:r>
-              <a:endParaRPr lang="en-GB" dirty="0"/>
-            </a:p>
-          </p:txBody>
-        </p:sp>
-        <p:sp>
-          <p:nvSpPr>
-            <p:cNvPr id="13" name="Прямоугольник 12"/>
-            <p:cNvSpPr/>
-            <p:nvPr/>
-          </p:nvSpPr>
-          <p:spPr>
-            <a:xfrm>
-              <a:off x="1961804" y="3163297"/>
-              <a:ext cx="2294312" cy="1510304"/>
-            </a:xfrm>
-            <a:prstGeom prst="rect">
-              <a:avLst/>
-            </a:prstGeom>
-          </p:spPr>
-          <p:style>
-            <a:lnRef idx="2">
-              <a:schemeClr val="dk1"/>
-            </a:lnRef>
-            <a:fillRef idx="1">
-              <a:schemeClr val="lt1"/>
-            </a:fillRef>
-            <a:effectRef idx="0">
-              <a:schemeClr val="dk1"/>
-            </a:effectRef>
-            <a:fontRef idx="minor">
-              <a:schemeClr val="dk1"/>
-            </a:fontRef>
-          </p:style>
-          <p:txBody>
-            <a:bodyPr rtlCol="0" anchor="ctr"/>
-            <a:lstStyle/>
-            <a:p>
-              <a:pPr algn="ctr"/>
-              <a:endParaRPr lang="en-GB"/>
-            </a:p>
-          </p:txBody>
-        </p:sp>
-      </p:grpSp>
-      <p:grpSp>
-        <p:nvGrpSpPr>
-          <p:cNvPr id="15" name="Группа 14"/>
-          <p:cNvGrpSpPr/>
-          <p:nvPr/>
-        </p:nvGrpSpPr>
-        <p:grpSpPr>
-          <a:xfrm>
-            <a:off x="6096000" y="2676697"/>
-            <a:ext cx="2294312" cy="1996903"/>
-            <a:chOff x="1961804" y="2676698"/>
-            <a:chExt cx="2294312" cy="1996903"/>
-          </a:xfrm>
-        </p:grpSpPr>
-        <p:sp>
-          <p:nvSpPr>
-            <p:cNvPr id="16" name="Прямоугольник 15"/>
-            <p:cNvSpPr/>
-            <p:nvPr/>
-          </p:nvSpPr>
-          <p:spPr>
-            <a:xfrm>
-              <a:off x="1961804" y="2676698"/>
-              <a:ext cx="2294312" cy="1996903"/>
-            </a:xfrm>
-            <a:prstGeom prst="rect">
-              <a:avLst/>
-            </a:prstGeom>
-          </p:spPr>
-          <p:style>
-            <a:lnRef idx="2">
-              <a:schemeClr val="dk1"/>
-            </a:lnRef>
-            <a:fillRef idx="1">
-              <a:schemeClr val="lt1"/>
-            </a:fillRef>
-            <a:effectRef idx="0">
-              <a:schemeClr val="dk1"/>
-            </a:effectRef>
-            <a:fontRef idx="minor">
-              <a:schemeClr val="dk1"/>
-            </a:fontRef>
-          </p:style>
-          <p:txBody>
-            <a:bodyPr rtlCol="0" anchor="t"/>
-            <a:lstStyle/>
-            <a:p>
-              <a:pPr algn="ctr"/>
-              <a:r>
-                <a:rPr lang="ru-RU" dirty="0" smtClean="0"/>
-                <a:t>Паспорт</a:t>
-              </a:r>
-              <a:endParaRPr lang="en-GB" dirty="0"/>
-            </a:p>
-          </p:txBody>
-        </p:sp>
-        <p:sp>
-          <p:nvSpPr>
-            <p:cNvPr id="17" name="Прямоугольник 16"/>
-            <p:cNvSpPr/>
-            <p:nvPr/>
-          </p:nvSpPr>
-          <p:spPr>
-            <a:xfrm>
-              <a:off x="1961804" y="3163297"/>
-              <a:ext cx="2294312" cy="1510304"/>
-            </a:xfrm>
-            <a:prstGeom prst="rect">
-              <a:avLst/>
-            </a:prstGeom>
-          </p:spPr>
-          <p:style>
-            <a:lnRef idx="2">
-              <a:schemeClr val="dk1"/>
-            </a:lnRef>
-            <a:fillRef idx="1">
-              <a:schemeClr val="lt1"/>
-            </a:fillRef>
-            <a:effectRef idx="0">
-              <a:schemeClr val="dk1"/>
-            </a:effectRef>
-            <a:fontRef idx="minor">
-              <a:schemeClr val="dk1"/>
-            </a:fontRef>
-          </p:style>
-          <p:txBody>
-            <a:bodyPr rtlCol="0" anchor="ctr"/>
-            <a:lstStyle/>
-            <a:p>
-              <a:pPr algn="ctr"/>
-              <a:endParaRPr lang="en-GB"/>
-            </a:p>
-          </p:txBody>
-        </p:sp>
-      </p:grpSp>
-      <p:cxnSp>
-        <p:nvCxnSpPr>
-          <p:cNvPr id="19" name="Прямая со стрелкой 18"/>
-          <p:cNvCxnSpPr>
-            <a:stCxn id="8" idx="3"/>
-          </p:cNvCxnSpPr>
-          <p:nvPr/>
-        </p:nvCxnSpPr>
-        <p:spPr>
-          <a:xfrm flipV="1">
-            <a:off x="4256116" y="3675148"/>
-            <a:ext cx="1839884" cy="2"/>
-          </a:xfrm>
-          <a:prstGeom prst="straightConnector1">
-            <a:avLst/>
-          </a:prstGeom>
-          <a:ln>
-            <a:tailEnd type="triangle"/>
-          </a:ln>
-        </p:spPr>
-        <p:style>
-          <a:lnRef idx="1">
-            <a:schemeClr val="dk1"/>
-          </a:lnRef>
-          <a:fillRef idx="0">
-            <a:schemeClr val="dk1"/>
-          </a:fillRef>
-          <a:effectRef idx="0">
-            <a:schemeClr val="dk1"/>
-          </a:effectRef>
-          <a:fontRef idx="minor">
-            <a:schemeClr val="tx1"/>
-          </a:fontRef>
-        </p:style>
-      </p:cxnSp>
-      <p:sp>
-        <p:nvSpPr>
-          <p:cNvPr id="20" name="TextBox 19"/>
-          <p:cNvSpPr txBox="1"/>
-          <p:nvPr/>
-        </p:nvSpPr>
-        <p:spPr>
-          <a:xfrm>
-            <a:off x="4256116" y="3305816"/>
-            <a:ext cx="301686" cy="369332"/>
-          </a:xfrm>
-          <a:prstGeom prst="rect">
-            <a:avLst/>
-          </a:prstGeom>
-          <a:noFill/>
-        </p:spPr>
-        <p:txBody>
-          <a:bodyPr wrap="none" rtlCol="0">
-            <a:spAutoFit/>
-          </a:bodyPr>
-          <a:lstStyle/>
-          <a:p>
-            <a:r>
-              <a:rPr lang="ru-RU" dirty="0" smtClean="0"/>
-              <a:t>1</a:t>
-            </a:r>
-            <a:endParaRPr lang="en-GB" dirty="0"/>
-          </a:p>
-        </p:txBody>
-      </p:sp>
-      <p:sp>
-        <p:nvSpPr>
-          <p:cNvPr id="21" name="TextBox 20"/>
-          <p:cNvSpPr txBox="1"/>
-          <p:nvPr/>
-        </p:nvSpPr>
-        <p:spPr>
-          <a:xfrm>
-            <a:off x="5794314" y="3305816"/>
-            <a:ext cx="301686" cy="369332"/>
-          </a:xfrm>
-          <a:prstGeom prst="rect">
-            <a:avLst/>
-          </a:prstGeom>
-          <a:noFill/>
-        </p:spPr>
-        <p:txBody>
-          <a:bodyPr wrap="none" rtlCol="0">
-            <a:spAutoFit/>
-          </a:bodyPr>
-          <a:lstStyle/>
-          <a:p>
-            <a:r>
-              <a:rPr lang="ru-RU" dirty="0" smtClean="0"/>
-              <a:t>1</a:t>
-            </a:r>
-            <a:endParaRPr lang="en-GB" dirty="0"/>
-          </a:p>
-        </p:txBody>
-      </p:sp>
-    </p:spTree>
-    <p:extLst>
-      <p:ext uri="{BB962C8B-B14F-4D97-AF65-F5344CB8AC3E}">
-        <p14:creationId xmlns:p14="http://schemas.microsoft.com/office/powerpoint/2010/main" val="520702328"/>
-      </p:ext>
-    </p:extLst>
-  </p:cSld>
-  <p:clrMapOvr>
-    <a:masterClrMapping/>
-  </p:clrMapOvr>
-  <p:timing>
-    <p:tnLst>
-      <p:par>
-        <p:cTn id="1" dur="indefinite" restart="never" nodeType="tmRoot"/>
-      </p:par>
-    </p:tnLst>
-  </p:timing>
-</p:sld>
-</file>
-
-<file path=ppt/slides/slide27.xml><?xml version="1.0" encoding="utf-8"?>
-<p:sld xmlns:a="http://schemas.openxmlformats.org/drawingml/2006/main" xmlns:r="http://schemas.openxmlformats.org/officeDocument/2006/relationships" xmlns:p="http://schemas.openxmlformats.org/presentationml/2006/main">
-  <p:cSld>
-    <p:spTree>
-      <p:nvGrpSpPr>
-        <p:cNvPr id="1" name=""/>
-        <p:cNvGrpSpPr/>
-        <p:nvPr/>
-      </p:nvGrpSpPr>
-      <p:grpSpPr>
-        <a:xfrm>
-          <a:off x="0" y="0"/>
-          <a:ext cx="0" cy="0"/>
-          <a:chOff x="0" y="0"/>
-          <a:chExt cx="0" cy="0"/>
-        </a:xfrm>
-      </p:grpSpPr>
-      <p:sp>
-        <p:nvSpPr>
-          <p:cNvPr id="2" name="Заголовок 1"/>
-          <p:cNvSpPr>
-            <a:spLocks noGrp="1"/>
-          </p:cNvSpPr>
-          <p:nvPr>
-            <p:ph type="title"/>
-          </p:nvPr>
-        </p:nvSpPr>
-        <p:spPr/>
-        <p:txBody>
-          <a:bodyPr/>
-          <a:lstStyle/>
-          <a:p>
-            <a:r>
-              <a:rPr lang="ru-RU" dirty="0" smtClean="0"/>
-              <a:t>Отношение </a:t>
-            </a:r>
-            <a:r>
-              <a:rPr lang="en-US" dirty="0" smtClean="0"/>
-              <a:t>one-to-many</a:t>
-            </a:r>
-            <a:endParaRPr lang="en-GB" dirty="0"/>
-          </a:p>
-        </p:txBody>
-      </p:sp>
-      <p:sp>
-        <p:nvSpPr>
-          <p:cNvPr id="4" name="Дата 3"/>
-          <p:cNvSpPr>
-            <a:spLocks noGrp="1"/>
-          </p:cNvSpPr>
-          <p:nvPr>
-            <p:ph type="dt" sz="half" idx="10"/>
-          </p:nvPr>
-        </p:nvSpPr>
-        <p:spPr/>
-        <p:txBody>
-          <a:bodyPr/>
-          <a:lstStyle/>
-          <a:p>
-            <a:r>
-              <a:rPr lang="en-US" smtClean="0"/>
-              <a:t>01.03.2016</a:t>
-            </a:r>
-            <a:endParaRPr lang="en-GB"/>
-          </a:p>
-        </p:txBody>
-      </p:sp>
-      <p:sp>
-        <p:nvSpPr>
-          <p:cNvPr id="5" name="Нижний колонтитул 4"/>
-          <p:cNvSpPr>
-            <a:spLocks noGrp="1"/>
-          </p:cNvSpPr>
-          <p:nvPr>
-            <p:ph type="ftr" sz="quarter" idx="11"/>
-          </p:nvPr>
-        </p:nvSpPr>
-        <p:spPr/>
-        <p:txBody>
-          <a:bodyPr/>
-          <a:lstStyle/>
-          <a:p>
-            <a:r>
-              <a:rPr lang="ru-RU" smtClean="0"/>
-              <a:t>Ваганов Михаил Викторович  ASP.NET MVC + Oracle Database</a:t>
-            </a:r>
-            <a:endParaRPr lang="en-GB"/>
-          </a:p>
-        </p:txBody>
-      </p:sp>
-      <p:sp>
-        <p:nvSpPr>
-          <p:cNvPr id="6" name="Номер слайда 5"/>
-          <p:cNvSpPr>
-            <a:spLocks noGrp="1"/>
-          </p:cNvSpPr>
-          <p:nvPr>
-            <p:ph type="sldNum" sz="quarter" idx="12"/>
-          </p:nvPr>
-        </p:nvSpPr>
-        <p:spPr/>
-        <p:txBody>
-          <a:bodyPr/>
-          <a:lstStyle/>
-          <a:p>
-            <a:fld id="{8FD3F87F-7A79-4F3D-8F12-CD11A20D067D}" type="slidenum">
-              <a:rPr lang="en-GB" smtClean="0"/>
-              <a:t>27</a:t>
-            </a:fld>
-            <a:endParaRPr lang="en-GB"/>
-          </a:p>
-        </p:txBody>
-      </p:sp>
-      <p:grpSp>
-        <p:nvGrpSpPr>
-          <p:cNvPr id="16" name="Группа 15"/>
-          <p:cNvGrpSpPr/>
-          <p:nvPr/>
-        </p:nvGrpSpPr>
-        <p:grpSpPr>
-          <a:xfrm>
-            <a:off x="2855768" y="2103881"/>
-            <a:ext cx="6480463" cy="2996833"/>
-            <a:chOff x="2858193" y="2120507"/>
-            <a:chExt cx="6480463" cy="2996833"/>
-          </a:xfrm>
-        </p:grpSpPr>
-        <p:sp>
-          <p:nvSpPr>
-            <p:cNvPr id="7" name="Прямоугольник 6"/>
-            <p:cNvSpPr/>
-            <p:nvPr/>
-          </p:nvSpPr>
-          <p:spPr>
-            <a:xfrm>
-              <a:off x="2858193" y="2120507"/>
-              <a:ext cx="2370513" cy="842442"/>
-            </a:xfrm>
-            <a:prstGeom prst="rect">
-              <a:avLst/>
-            </a:prstGeom>
-          </p:spPr>
-          <p:style>
-            <a:lnRef idx="3">
-              <a:schemeClr val="lt1"/>
-            </a:lnRef>
-            <a:fillRef idx="1">
-              <a:schemeClr val="accent1"/>
-            </a:fillRef>
-            <a:effectRef idx="1">
-              <a:schemeClr val="accent1"/>
-            </a:effectRef>
-            <a:fontRef idx="minor">
-              <a:schemeClr val="lt1"/>
-            </a:fontRef>
-          </p:style>
-          <p:txBody>
-            <a:bodyPr rtlCol="0" anchor="ctr"/>
-            <a:lstStyle/>
-            <a:p>
-              <a:pPr algn="ctr"/>
-              <a:r>
-                <a:rPr lang="ru-RU" sz="2400" dirty="0" smtClean="0"/>
-                <a:t>Пользователь 1</a:t>
-              </a:r>
-              <a:endParaRPr lang="en-GB" sz="2400" dirty="0"/>
-            </a:p>
-          </p:txBody>
-        </p:sp>
-        <p:sp>
-          <p:nvSpPr>
-            <p:cNvPr id="8" name="Прямоугольник 7"/>
-            <p:cNvSpPr/>
-            <p:nvPr/>
-          </p:nvSpPr>
-          <p:spPr>
-            <a:xfrm>
-              <a:off x="6968143" y="2120507"/>
-              <a:ext cx="2370513" cy="1919638"/>
-            </a:xfrm>
-            <a:prstGeom prst="rect">
-              <a:avLst/>
-            </a:prstGeom>
-          </p:spPr>
-          <p:style>
-            <a:lnRef idx="3">
-              <a:schemeClr val="lt1"/>
-            </a:lnRef>
-            <a:fillRef idx="1">
-              <a:schemeClr val="accent6"/>
-            </a:fillRef>
-            <a:effectRef idx="1">
-              <a:schemeClr val="accent6"/>
-            </a:effectRef>
-            <a:fontRef idx="minor">
-              <a:schemeClr val="lt1"/>
-            </a:fontRef>
-          </p:style>
-          <p:txBody>
-            <a:bodyPr rtlCol="0" anchor="ctr"/>
-            <a:lstStyle/>
-            <a:p>
-              <a:pPr algn="ctr"/>
-              <a:r>
-                <a:rPr lang="ru-RU" sz="2400" dirty="0" smtClean="0"/>
-                <a:t>Адрес 1</a:t>
-              </a:r>
-              <a:endParaRPr lang="en-GB" sz="2400" dirty="0"/>
-            </a:p>
-          </p:txBody>
-        </p:sp>
-        <p:sp>
-          <p:nvSpPr>
-            <p:cNvPr id="9" name="Прямоугольник 8"/>
-            <p:cNvSpPr/>
-            <p:nvPr/>
-          </p:nvSpPr>
-          <p:spPr>
-            <a:xfrm>
-              <a:off x="2858193" y="3197703"/>
-              <a:ext cx="2370513" cy="842442"/>
-            </a:xfrm>
-            <a:prstGeom prst="rect">
-              <a:avLst/>
-            </a:prstGeom>
-          </p:spPr>
-          <p:style>
-            <a:lnRef idx="3">
-              <a:schemeClr val="lt1"/>
-            </a:lnRef>
-            <a:fillRef idx="1">
-              <a:schemeClr val="accent1"/>
-            </a:fillRef>
-            <a:effectRef idx="1">
-              <a:schemeClr val="accent1"/>
-            </a:effectRef>
-            <a:fontRef idx="minor">
-              <a:schemeClr val="lt1"/>
-            </a:fontRef>
-          </p:style>
-          <p:txBody>
-            <a:bodyPr rtlCol="0" anchor="ctr"/>
-            <a:lstStyle/>
-            <a:p>
-              <a:pPr algn="ctr"/>
-              <a:r>
-                <a:rPr lang="ru-RU" sz="2400" dirty="0" smtClean="0"/>
-                <a:t>Пользователь 2</a:t>
-              </a:r>
-              <a:endParaRPr lang="en-GB" sz="2400" dirty="0"/>
-            </a:p>
-          </p:txBody>
-        </p:sp>
-        <p:sp>
-          <p:nvSpPr>
-            <p:cNvPr id="11" name="Прямоугольник 10"/>
-            <p:cNvSpPr/>
-            <p:nvPr/>
-          </p:nvSpPr>
-          <p:spPr>
-            <a:xfrm>
-              <a:off x="2858193" y="4274898"/>
-              <a:ext cx="2370513" cy="842442"/>
-            </a:xfrm>
-            <a:prstGeom prst="rect">
-              <a:avLst/>
-            </a:prstGeom>
-          </p:spPr>
-          <p:style>
-            <a:lnRef idx="3">
-              <a:schemeClr val="lt1"/>
-            </a:lnRef>
-            <a:fillRef idx="1">
-              <a:schemeClr val="accent1"/>
-            </a:fillRef>
-            <a:effectRef idx="1">
-              <a:schemeClr val="accent1"/>
-            </a:effectRef>
-            <a:fontRef idx="minor">
-              <a:schemeClr val="lt1"/>
-            </a:fontRef>
-          </p:style>
-          <p:txBody>
-            <a:bodyPr rtlCol="0" anchor="ctr"/>
-            <a:lstStyle/>
-            <a:p>
-              <a:pPr algn="ctr"/>
-              <a:r>
-                <a:rPr lang="ru-RU" sz="2400" dirty="0" smtClean="0"/>
-                <a:t>Пользователь 3</a:t>
-              </a:r>
-              <a:endParaRPr lang="en-GB" sz="2400" dirty="0"/>
-            </a:p>
-          </p:txBody>
-        </p:sp>
-        <p:sp>
-          <p:nvSpPr>
-            <p:cNvPr id="12" name="Прямоугольник 11"/>
-            <p:cNvSpPr/>
-            <p:nvPr/>
-          </p:nvSpPr>
-          <p:spPr>
-            <a:xfrm>
-              <a:off x="6968143" y="4274898"/>
-              <a:ext cx="2370513" cy="842441"/>
-            </a:xfrm>
-            <a:prstGeom prst="rect">
-              <a:avLst/>
-            </a:prstGeom>
-          </p:spPr>
-          <p:style>
-            <a:lnRef idx="3">
-              <a:schemeClr val="lt1"/>
-            </a:lnRef>
-            <a:fillRef idx="1">
-              <a:schemeClr val="accent6"/>
-            </a:fillRef>
-            <a:effectRef idx="1">
-              <a:schemeClr val="accent6"/>
-            </a:effectRef>
-            <a:fontRef idx="minor">
-              <a:schemeClr val="lt1"/>
-            </a:fontRef>
-          </p:style>
-          <p:txBody>
-            <a:bodyPr rtlCol="0" anchor="ctr"/>
-            <a:lstStyle/>
-            <a:p>
-              <a:pPr algn="ctr"/>
-              <a:r>
-                <a:rPr lang="ru-RU" sz="2400" dirty="0" smtClean="0"/>
-                <a:t>Адрес 2</a:t>
-              </a:r>
-              <a:endParaRPr lang="en-GB" sz="2400" dirty="0"/>
-            </a:p>
-          </p:txBody>
-        </p:sp>
-        <p:sp>
-          <p:nvSpPr>
-            <p:cNvPr id="13" name="Стрелка вправо 12"/>
-            <p:cNvSpPr/>
-            <p:nvPr/>
-          </p:nvSpPr>
-          <p:spPr>
-            <a:xfrm>
-              <a:off x="5328458" y="2317776"/>
-              <a:ext cx="1539932" cy="448887"/>
-            </a:xfrm>
-            <a:prstGeom prst="rightArrow">
-              <a:avLst/>
-            </a:prstGeom>
-          </p:spPr>
-          <p:style>
-            <a:lnRef idx="2">
-              <a:schemeClr val="accent5">
-                <a:shade val="50000"/>
-              </a:schemeClr>
-            </a:lnRef>
-            <a:fillRef idx="1">
-              <a:schemeClr val="accent5"/>
-            </a:fillRef>
-            <a:effectRef idx="0">
-              <a:schemeClr val="accent5"/>
-            </a:effectRef>
-            <a:fontRef idx="minor">
-              <a:schemeClr val="lt1"/>
-            </a:fontRef>
-          </p:style>
-          <p:txBody>
-            <a:bodyPr rtlCol="0" anchor="ctr"/>
-            <a:lstStyle/>
-            <a:p>
-              <a:pPr algn="ctr"/>
-              <a:endParaRPr lang="en-GB" sz="2400"/>
-            </a:p>
-          </p:txBody>
-        </p:sp>
-        <p:sp>
-          <p:nvSpPr>
-            <p:cNvPr id="14" name="Стрелка вправо 13"/>
-            <p:cNvSpPr/>
-            <p:nvPr/>
-          </p:nvSpPr>
-          <p:spPr>
-            <a:xfrm>
-              <a:off x="5328458" y="3394725"/>
-              <a:ext cx="1539932" cy="448887"/>
-            </a:xfrm>
-            <a:prstGeom prst="rightArrow">
-              <a:avLst/>
-            </a:prstGeom>
-          </p:spPr>
-          <p:style>
-            <a:lnRef idx="2">
-              <a:schemeClr val="accent5">
-                <a:shade val="50000"/>
-              </a:schemeClr>
-            </a:lnRef>
-            <a:fillRef idx="1">
-              <a:schemeClr val="accent5"/>
-            </a:fillRef>
-            <a:effectRef idx="0">
-              <a:schemeClr val="accent5"/>
-            </a:effectRef>
-            <a:fontRef idx="minor">
-              <a:schemeClr val="lt1"/>
-            </a:fontRef>
-          </p:style>
-          <p:txBody>
-            <a:bodyPr rtlCol="0" anchor="ctr"/>
-            <a:lstStyle/>
-            <a:p>
-              <a:pPr algn="ctr"/>
-              <a:endParaRPr lang="en-GB" sz="2400"/>
-            </a:p>
-          </p:txBody>
-        </p:sp>
-        <p:sp>
-          <p:nvSpPr>
-            <p:cNvPr id="15" name="Стрелка вправо 14"/>
-            <p:cNvSpPr/>
-            <p:nvPr/>
-          </p:nvSpPr>
-          <p:spPr>
-            <a:xfrm>
-              <a:off x="5328458" y="4471674"/>
-              <a:ext cx="1539932" cy="448887"/>
-            </a:xfrm>
-            <a:prstGeom prst="rightArrow">
-              <a:avLst/>
-            </a:prstGeom>
-          </p:spPr>
-          <p:style>
-            <a:lnRef idx="2">
-              <a:schemeClr val="accent5">
-                <a:shade val="50000"/>
-              </a:schemeClr>
-            </a:lnRef>
-            <a:fillRef idx="1">
-              <a:schemeClr val="accent5"/>
-            </a:fillRef>
-            <a:effectRef idx="0">
-              <a:schemeClr val="accent5"/>
-            </a:effectRef>
-            <a:fontRef idx="minor">
-              <a:schemeClr val="lt1"/>
-            </a:fontRef>
-          </p:style>
-          <p:txBody>
-            <a:bodyPr rtlCol="0" anchor="ctr"/>
-            <a:lstStyle/>
-            <a:p>
-              <a:pPr algn="ctr"/>
-              <a:endParaRPr lang="en-GB" sz="2400"/>
-            </a:p>
-          </p:txBody>
-        </p:sp>
-      </p:grpSp>
-    </p:spTree>
-    <p:extLst>
-      <p:ext uri="{BB962C8B-B14F-4D97-AF65-F5344CB8AC3E}">
-        <p14:creationId xmlns:p14="http://schemas.microsoft.com/office/powerpoint/2010/main" val="853913088"/>
-      </p:ext>
-    </p:extLst>
-  </p:cSld>
-  <p:clrMapOvr>
-    <a:masterClrMapping/>
-  </p:clrMapOvr>
-  <p:timing>
-    <p:tnLst>
-      <p:par>
-        <p:cTn id="1" dur="indefinite" restart="never" nodeType="tmRoot"/>
-      </p:par>
-    </p:tnLst>
-  </p:timing>
-</p:sld>
-</file>
-
-<file path=ppt/slides/slide28.xml><?xml version="1.0" encoding="utf-8"?>
-<p:sld xmlns:a="http://schemas.openxmlformats.org/drawingml/2006/main" xmlns:r="http://schemas.openxmlformats.org/officeDocument/2006/relationships" xmlns:p="http://schemas.openxmlformats.org/presentationml/2006/main">
-  <p:cSld>
-    <p:spTree>
-      <p:nvGrpSpPr>
-        <p:cNvPr id="1" name=""/>
-        <p:cNvGrpSpPr/>
-        <p:nvPr/>
-      </p:nvGrpSpPr>
-      <p:grpSpPr>
-        <a:xfrm>
-          <a:off x="0" y="0"/>
-          <a:ext cx="0" cy="0"/>
-          <a:chOff x="0" y="0"/>
-          <a:chExt cx="0" cy="0"/>
-        </a:xfrm>
-      </p:grpSpPr>
-      <p:sp>
-        <p:nvSpPr>
-          <p:cNvPr id="2" name="Заголовок 1"/>
-          <p:cNvSpPr>
-            <a:spLocks noGrp="1"/>
-          </p:cNvSpPr>
-          <p:nvPr>
-            <p:ph type="title"/>
-          </p:nvPr>
-        </p:nvSpPr>
-        <p:spPr/>
-        <p:txBody>
-          <a:bodyPr/>
-          <a:lstStyle/>
-          <a:p>
-            <a:r>
-              <a:rPr lang="ru-RU" dirty="0"/>
-              <a:t>Отношение </a:t>
-            </a:r>
-            <a:r>
-              <a:rPr lang="en-US" dirty="0"/>
-              <a:t>one-to-many</a:t>
-            </a:r>
-            <a:r>
-              <a:rPr lang="ru-RU" dirty="0" smtClean="0"/>
-              <a:t>(2)</a:t>
-            </a:r>
-            <a:endParaRPr lang="en-GB" dirty="0"/>
-          </a:p>
-        </p:txBody>
-      </p:sp>
-      <p:sp>
-        <p:nvSpPr>
-          <p:cNvPr id="4" name="Дата 3"/>
-          <p:cNvSpPr>
-            <a:spLocks noGrp="1"/>
-          </p:cNvSpPr>
-          <p:nvPr>
-            <p:ph type="dt" sz="half" idx="10"/>
-          </p:nvPr>
-        </p:nvSpPr>
-        <p:spPr/>
-        <p:txBody>
-          <a:bodyPr/>
-          <a:lstStyle/>
-          <a:p>
-            <a:r>
-              <a:rPr lang="en-US" smtClean="0"/>
-              <a:t>01.03.2016</a:t>
-            </a:r>
-            <a:endParaRPr lang="en-GB"/>
-          </a:p>
-        </p:txBody>
-      </p:sp>
-      <p:sp>
-        <p:nvSpPr>
-          <p:cNvPr id="5" name="Нижний колонтитул 4"/>
-          <p:cNvSpPr>
-            <a:spLocks noGrp="1"/>
-          </p:cNvSpPr>
-          <p:nvPr>
-            <p:ph type="ftr" sz="quarter" idx="11"/>
-          </p:nvPr>
-        </p:nvSpPr>
-        <p:spPr/>
-        <p:txBody>
-          <a:bodyPr/>
-          <a:lstStyle/>
-          <a:p>
-            <a:r>
-              <a:rPr lang="ru-RU" smtClean="0"/>
-              <a:t>Ваганов Михаил Викторович  ASP.NET MVC + Oracle Database</a:t>
-            </a:r>
-            <a:endParaRPr lang="en-GB"/>
-          </a:p>
-        </p:txBody>
-      </p:sp>
-      <p:sp>
-        <p:nvSpPr>
-          <p:cNvPr id="6" name="Номер слайда 5"/>
-          <p:cNvSpPr>
-            <a:spLocks noGrp="1"/>
-          </p:cNvSpPr>
-          <p:nvPr>
-            <p:ph type="sldNum" sz="quarter" idx="12"/>
-          </p:nvPr>
-        </p:nvSpPr>
-        <p:spPr/>
-        <p:txBody>
-          <a:bodyPr/>
-          <a:lstStyle/>
-          <a:p>
-            <a:fld id="{8FD3F87F-7A79-4F3D-8F12-CD11A20D067D}" type="slidenum">
-              <a:rPr lang="en-GB" smtClean="0"/>
-              <a:t>28</a:t>
-            </a:fld>
-            <a:endParaRPr lang="en-GB"/>
-          </a:p>
-        </p:txBody>
-      </p:sp>
-      <p:grpSp>
-        <p:nvGrpSpPr>
-          <p:cNvPr id="14" name="Группа 13"/>
-          <p:cNvGrpSpPr/>
-          <p:nvPr/>
-        </p:nvGrpSpPr>
-        <p:grpSpPr>
-          <a:xfrm>
-            <a:off x="1961804" y="2676698"/>
-            <a:ext cx="2294312" cy="1996903"/>
-            <a:chOff x="1961804" y="2676698"/>
-            <a:chExt cx="2294312" cy="1996903"/>
-          </a:xfrm>
-        </p:grpSpPr>
-        <p:sp>
-          <p:nvSpPr>
-            <p:cNvPr id="8" name="Прямоугольник 7"/>
-            <p:cNvSpPr/>
-            <p:nvPr/>
-          </p:nvSpPr>
-          <p:spPr>
-            <a:xfrm>
-              <a:off x="1961804" y="2676698"/>
-              <a:ext cx="2294312" cy="1996903"/>
-            </a:xfrm>
-            <a:prstGeom prst="rect">
-              <a:avLst/>
-            </a:prstGeom>
-          </p:spPr>
-          <p:style>
-            <a:lnRef idx="2">
-              <a:schemeClr val="dk1"/>
-            </a:lnRef>
-            <a:fillRef idx="1">
-              <a:schemeClr val="lt1"/>
-            </a:fillRef>
-            <a:effectRef idx="0">
-              <a:schemeClr val="dk1"/>
-            </a:effectRef>
-            <a:fontRef idx="minor">
-              <a:schemeClr val="dk1"/>
-            </a:fontRef>
-          </p:style>
-          <p:txBody>
-            <a:bodyPr rtlCol="0" anchor="t"/>
-            <a:lstStyle/>
-            <a:p>
-              <a:pPr algn="ctr"/>
-              <a:r>
-                <a:rPr lang="ru-RU" dirty="0"/>
-                <a:t>Адрес</a:t>
-              </a:r>
-              <a:endParaRPr lang="en-GB" dirty="0"/>
-            </a:p>
-          </p:txBody>
-        </p:sp>
-        <p:sp>
-          <p:nvSpPr>
-            <p:cNvPr id="13" name="Прямоугольник 12"/>
-            <p:cNvSpPr/>
-            <p:nvPr/>
-          </p:nvSpPr>
-          <p:spPr>
-            <a:xfrm>
-              <a:off x="1961804" y="3163297"/>
-              <a:ext cx="2294312" cy="1510304"/>
-            </a:xfrm>
-            <a:prstGeom prst="rect">
-              <a:avLst/>
-            </a:prstGeom>
-          </p:spPr>
-          <p:style>
-            <a:lnRef idx="2">
-              <a:schemeClr val="dk1"/>
-            </a:lnRef>
-            <a:fillRef idx="1">
-              <a:schemeClr val="lt1"/>
-            </a:fillRef>
-            <a:effectRef idx="0">
-              <a:schemeClr val="dk1"/>
-            </a:effectRef>
-            <a:fontRef idx="minor">
-              <a:schemeClr val="dk1"/>
-            </a:fontRef>
-          </p:style>
-          <p:txBody>
-            <a:bodyPr rtlCol="0" anchor="ctr"/>
-            <a:lstStyle/>
-            <a:p>
-              <a:pPr algn="ctr"/>
-              <a:endParaRPr lang="en-GB"/>
-            </a:p>
-          </p:txBody>
-        </p:sp>
-      </p:grpSp>
-      <p:grpSp>
-        <p:nvGrpSpPr>
-          <p:cNvPr id="15" name="Группа 14"/>
-          <p:cNvGrpSpPr/>
-          <p:nvPr/>
-        </p:nvGrpSpPr>
-        <p:grpSpPr>
-          <a:xfrm>
-            <a:off x="6096000" y="2676698"/>
-            <a:ext cx="2294312" cy="1996903"/>
-            <a:chOff x="1961804" y="2676698"/>
-            <a:chExt cx="2294312" cy="1996903"/>
-          </a:xfrm>
-        </p:grpSpPr>
-        <p:sp>
-          <p:nvSpPr>
-            <p:cNvPr id="16" name="Прямоугольник 15"/>
-            <p:cNvSpPr/>
-            <p:nvPr/>
-          </p:nvSpPr>
-          <p:spPr>
-            <a:xfrm>
-              <a:off x="1961804" y="2676698"/>
-              <a:ext cx="2294312" cy="1996903"/>
-            </a:xfrm>
-            <a:prstGeom prst="rect">
-              <a:avLst/>
-            </a:prstGeom>
-          </p:spPr>
-          <p:style>
-            <a:lnRef idx="2">
-              <a:schemeClr val="dk1"/>
-            </a:lnRef>
-            <a:fillRef idx="1">
-              <a:schemeClr val="lt1"/>
-            </a:fillRef>
-            <a:effectRef idx="0">
-              <a:schemeClr val="dk1"/>
-            </a:effectRef>
-            <a:fontRef idx="minor">
-              <a:schemeClr val="dk1"/>
-            </a:fontRef>
-          </p:style>
-          <p:txBody>
-            <a:bodyPr rtlCol="0" anchor="t"/>
-            <a:lstStyle/>
-            <a:p>
-              <a:pPr algn="ctr"/>
-              <a:r>
-                <a:rPr lang="ru-RU" dirty="0" smtClean="0"/>
-                <a:t>Пользователь</a:t>
-              </a:r>
-              <a:endParaRPr lang="en-GB" dirty="0"/>
-            </a:p>
-          </p:txBody>
-        </p:sp>
-        <p:sp>
-          <p:nvSpPr>
-            <p:cNvPr id="17" name="Прямоугольник 16"/>
-            <p:cNvSpPr/>
-            <p:nvPr/>
-          </p:nvSpPr>
-          <p:spPr>
-            <a:xfrm>
-              <a:off x="1961804" y="3163297"/>
-              <a:ext cx="2294312" cy="1510304"/>
-            </a:xfrm>
-            <a:prstGeom prst="rect">
-              <a:avLst/>
-            </a:prstGeom>
-          </p:spPr>
-          <p:style>
-            <a:lnRef idx="2">
-              <a:schemeClr val="dk1"/>
-            </a:lnRef>
-            <a:fillRef idx="1">
-              <a:schemeClr val="lt1"/>
-            </a:fillRef>
-            <a:effectRef idx="0">
-              <a:schemeClr val="dk1"/>
-            </a:effectRef>
-            <a:fontRef idx="minor">
-              <a:schemeClr val="dk1"/>
-            </a:fontRef>
-          </p:style>
-          <p:txBody>
-            <a:bodyPr rtlCol="0" anchor="ctr"/>
-            <a:lstStyle/>
-            <a:p>
-              <a:pPr algn="ctr"/>
-              <a:endParaRPr lang="en-GB"/>
-            </a:p>
-          </p:txBody>
-        </p:sp>
-      </p:grpSp>
-      <p:cxnSp>
-        <p:nvCxnSpPr>
-          <p:cNvPr id="19" name="Прямая со стрелкой 18"/>
-          <p:cNvCxnSpPr>
-            <a:stCxn id="8" idx="3"/>
-          </p:cNvCxnSpPr>
-          <p:nvPr/>
-        </p:nvCxnSpPr>
-        <p:spPr>
-          <a:xfrm flipV="1">
-            <a:off x="4256116" y="3675148"/>
-            <a:ext cx="1839884" cy="2"/>
-          </a:xfrm>
-          <a:prstGeom prst="straightConnector1">
-            <a:avLst/>
-          </a:prstGeom>
-          <a:ln>
-            <a:tailEnd type="triangle"/>
-          </a:ln>
-        </p:spPr>
-        <p:style>
-          <a:lnRef idx="1">
-            <a:schemeClr val="dk1"/>
-          </a:lnRef>
-          <a:fillRef idx="0">
-            <a:schemeClr val="dk1"/>
-          </a:fillRef>
-          <a:effectRef idx="0">
-            <a:schemeClr val="dk1"/>
-          </a:effectRef>
-          <a:fontRef idx="minor">
-            <a:schemeClr val="tx1"/>
-          </a:fontRef>
-        </p:style>
-      </p:cxnSp>
-      <p:sp>
-        <p:nvSpPr>
-          <p:cNvPr id="20" name="TextBox 19"/>
-          <p:cNvSpPr txBox="1"/>
-          <p:nvPr/>
-        </p:nvSpPr>
-        <p:spPr>
-          <a:xfrm>
-            <a:off x="4256116" y="3305816"/>
-            <a:ext cx="301686" cy="369332"/>
-          </a:xfrm>
-          <a:prstGeom prst="rect">
-            <a:avLst/>
-          </a:prstGeom>
-          <a:noFill/>
-        </p:spPr>
-        <p:txBody>
-          <a:bodyPr wrap="none" rtlCol="0">
-            <a:spAutoFit/>
-          </a:bodyPr>
-          <a:lstStyle/>
-          <a:p>
-            <a:r>
-              <a:rPr lang="ru-RU" dirty="0" smtClean="0"/>
-              <a:t>1</a:t>
-            </a:r>
-            <a:endParaRPr lang="en-GB" dirty="0"/>
-          </a:p>
-        </p:txBody>
-      </p:sp>
-      <p:sp>
-        <p:nvSpPr>
-          <p:cNvPr id="21" name="TextBox 20"/>
-          <p:cNvSpPr txBox="1"/>
-          <p:nvPr/>
-        </p:nvSpPr>
-        <p:spPr>
-          <a:xfrm>
-            <a:off x="5707752" y="3305816"/>
-            <a:ext cx="388248" cy="369332"/>
-          </a:xfrm>
-          <a:prstGeom prst="rect">
-            <a:avLst/>
-          </a:prstGeom>
-          <a:noFill/>
-        </p:spPr>
-        <p:txBody>
-          <a:bodyPr wrap="none" rtlCol="0">
-            <a:spAutoFit/>
-          </a:bodyPr>
-          <a:lstStyle/>
-          <a:p>
-            <a:r>
-              <a:rPr lang="en-GB" dirty="0" smtClean="0"/>
-              <a:t>ꝏ</a:t>
-            </a:r>
-            <a:endParaRPr lang="en-GB" dirty="0"/>
-          </a:p>
-        </p:txBody>
-      </p:sp>
-    </p:spTree>
-    <p:extLst>
-      <p:ext uri="{BB962C8B-B14F-4D97-AF65-F5344CB8AC3E}">
-        <p14:creationId xmlns:p14="http://schemas.microsoft.com/office/powerpoint/2010/main" val="3712183866"/>
-      </p:ext>
-    </p:extLst>
-  </p:cSld>
-  <p:clrMapOvr>
-    <a:masterClrMapping/>
-  </p:clrMapOvr>
-  <p:timing>
-    <p:tnLst>
-      <p:par>
-        <p:cTn id="1" dur="indefinite" restart="never" nodeType="tmRoot"/>
-      </p:par>
-    </p:tnLst>
-  </p:timing>
-</p:sld>
-</file>
-
-<file path=ppt/slides/slide29.xml><?xml version="1.0" encoding="utf-8"?>
-<p:sld xmlns:a="http://schemas.openxmlformats.org/drawingml/2006/main" xmlns:r="http://schemas.openxmlformats.org/officeDocument/2006/relationships" xmlns:p="http://schemas.openxmlformats.org/presentationml/2006/main">
-  <p:cSld>
-    <p:spTree>
-      <p:nvGrpSpPr>
-        <p:cNvPr id="1" name=""/>
-        <p:cNvGrpSpPr/>
-        <p:nvPr/>
-      </p:nvGrpSpPr>
-      <p:grpSpPr>
-        <a:xfrm>
-          <a:off x="0" y="0"/>
-          <a:ext cx="0" cy="0"/>
-          <a:chOff x="0" y="0"/>
-          <a:chExt cx="0" cy="0"/>
-        </a:xfrm>
-      </p:grpSpPr>
-      <p:sp>
-        <p:nvSpPr>
-          <p:cNvPr id="2" name="Заголовок 1"/>
-          <p:cNvSpPr>
-            <a:spLocks noGrp="1"/>
-          </p:cNvSpPr>
-          <p:nvPr>
-            <p:ph type="title"/>
-          </p:nvPr>
-        </p:nvSpPr>
-        <p:spPr/>
-        <p:txBody>
-          <a:bodyPr/>
-          <a:lstStyle/>
-          <a:p>
-            <a:r>
-              <a:rPr lang="ru-RU" dirty="0" smtClean="0"/>
-              <a:t>Отношение </a:t>
-            </a:r>
-            <a:r>
-              <a:rPr lang="en-US" dirty="0" smtClean="0"/>
-              <a:t>Many-to-many</a:t>
-            </a:r>
-            <a:endParaRPr lang="en-GB" dirty="0"/>
-          </a:p>
-        </p:txBody>
-      </p:sp>
-      <p:sp>
-        <p:nvSpPr>
-          <p:cNvPr id="4" name="Дата 3"/>
-          <p:cNvSpPr>
-            <a:spLocks noGrp="1"/>
-          </p:cNvSpPr>
-          <p:nvPr>
-            <p:ph type="dt" sz="half" idx="10"/>
-          </p:nvPr>
-        </p:nvSpPr>
-        <p:spPr/>
-        <p:txBody>
-          <a:bodyPr/>
-          <a:lstStyle/>
-          <a:p>
-            <a:r>
-              <a:rPr lang="en-US" smtClean="0"/>
-              <a:t>01.03.2016</a:t>
-            </a:r>
-            <a:endParaRPr lang="en-GB"/>
-          </a:p>
-        </p:txBody>
-      </p:sp>
-      <p:sp>
-        <p:nvSpPr>
-          <p:cNvPr id="5" name="Нижний колонтитул 4"/>
-          <p:cNvSpPr>
-            <a:spLocks noGrp="1"/>
-          </p:cNvSpPr>
-          <p:nvPr>
-            <p:ph type="ftr" sz="quarter" idx="11"/>
-          </p:nvPr>
-        </p:nvSpPr>
-        <p:spPr/>
-        <p:txBody>
-          <a:bodyPr/>
-          <a:lstStyle/>
-          <a:p>
-            <a:r>
-              <a:rPr lang="ru-RU" smtClean="0"/>
-              <a:t>Ваганов Михаил Викторович  ASP.NET MVC + Oracle Database</a:t>
-            </a:r>
-            <a:endParaRPr lang="en-GB"/>
-          </a:p>
-        </p:txBody>
-      </p:sp>
-      <p:sp>
-        <p:nvSpPr>
-          <p:cNvPr id="6" name="Номер слайда 5"/>
-          <p:cNvSpPr>
-            <a:spLocks noGrp="1"/>
-          </p:cNvSpPr>
-          <p:nvPr>
-            <p:ph type="sldNum" sz="quarter" idx="12"/>
-          </p:nvPr>
-        </p:nvSpPr>
-        <p:spPr/>
-        <p:txBody>
-          <a:bodyPr/>
-          <a:lstStyle/>
-          <a:p>
-            <a:fld id="{8FD3F87F-7A79-4F3D-8F12-CD11A20D067D}" type="slidenum">
-              <a:rPr lang="en-GB" smtClean="0"/>
-              <a:t>29</a:t>
-            </a:fld>
-            <a:endParaRPr lang="en-GB"/>
-          </a:p>
-        </p:txBody>
-      </p:sp>
-      <p:sp>
-        <p:nvSpPr>
-          <p:cNvPr id="8" name="Прямоугольник 7"/>
-          <p:cNvSpPr/>
-          <p:nvPr/>
-        </p:nvSpPr>
-        <p:spPr>
-          <a:xfrm>
-            <a:off x="5046518" y="2222480"/>
-            <a:ext cx="2370513" cy="842442"/>
-          </a:xfrm>
-          <a:prstGeom prst="rect">
-            <a:avLst/>
-          </a:prstGeom>
-        </p:spPr>
-        <p:style>
-          <a:lnRef idx="3">
-            <a:schemeClr val="lt1"/>
-          </a:lnRef>
-          <a:fillRef idx="1">
-            <a:schemeClr val="accent1"/>
-          </a:fillRef>
-          <a:effectRef idx="1">
-            <a:schemeClr val="accent1"/>
-          </a:effectRef>
-          <a:fontRef idx="minor">
-            <a:schemeClr val="lt1"/>
-          </a:fontRef>
-        </p:style>
-        <p:txBody>
-          <a:bodyPr rtlCol="0" anchor="ctr"/>
-          <a:lstStyle/>
-          <a:p>
-            <a:pPr algn="ctr"/>
-            <a:r>
-              <a:rPr lang="ru-RU" sz="2400" dirty="0" smtClean="0"/>
-              <a:t>Пользователь 1</a:t>
-            </a:r>
-            <a:endParaRPr lang="en-GB" sz="2400" dirty="0"/>
-          </a:p>
-        </p:txBody>
-      </p:sp>
-      <p:sp>
-        <p:nvSpPr>
-          <p:cNvPr id="9" name="Прямоугольник 8"/>
-          <p:cNvSpPr/>
-          <p:nvPr/>
-        </p:nvSpPr>
-        <p:spPr>
-          <a:xfrm>
-            <a:off x="9156468" y="2222480"/>
-            <a:ext cx="2370513" cy="842441"/>
-          </a:xfrm>
-          <a:prstGeom prst="rect">
-            <a:avLst/>
-          </a:prstGeom>
-        </p:spPr>
-        <p:style>
-          <a:lnRef idx="3">
-            <a:schemeClr val="lt1"/>
-          </a:lnRef>
-          <a:fillRef idx="1">
-            <a:schemeClr val="accent6"/>
-          </a:fillRef>
-          <a:effectRef idx="1">
-            <a:schemeClr val="accent6"/>
-          </a:effectRef>
-          <a:fontRef idx="minor">
-            <a:schemeClr val="lt1"/>
-          </a:fontRef>
-        </p:style>
-        <p:txBody>
-          <a:bodyPr rtlCol="0" anchor="ctr"/>
-          <a:lstStyle/>
-          <a:p>
-            <a:pPr algn="ctr"/>
-            <a:r>
-              <a:rPr lang="ru-RU" sz="2400" dirty="0" smtClean="0"/>
-              <a:t>Факультет 1</a:t>
-            </a:r>
-            <a:endParaRPr lang="en-GB" sz="2400" dirty="0"/>
-          </a:p>
-        </p:txBody>
-      </p:sp>
-      <p:sp>
-        <p:nvSpPr>
-          <p:cNvPr id="10" name="Прямоугольник 9"/>
-          <p:cNvSpPr/>
-          <p:nvPr/>
-        </p:nvSpPr>
-        <p:spPr>
-          <a:xfrm>
-            <a:off x="5046518" y="3299676"/>
-            <a:ext cx="2370513" cy="842442"/>
-          </a:xfrm>
-          <a:prstGeom prst="rect">
-            <a:avLst/>
-          </a:prstGeom>
-        </p:spPr>
-        <p:style>
-          <a:lnRef idx="3">
-            <a:schemeClr val="lt1"/>
-          </a:lnRef>
-          <a:fillRef idx="1">
-            <a:schemeClr val="accent1"/>
-          </a:fillRef>
-          <a:effectRef idx="1">
-            <a:schemeClr val="accent1"/>
-          </a:effectRef>
-          <a:fontRef idx="minor">
-            <a:schemeClr val="lt1"/>
-          </a:fontRef>
-        </p:style>
-        <p:txBody>
-          <a:bodyPr rtlCol="0" anchor="ctr"/>
-          <a:lstStyle/>
-          <a:p>
-            <a:pPr algn="ctr"/>
-            <a:r>
-              <a:rPr lang="ru-RU" sz="2400" dirty="0" smtClean="0"/>
-              <a:t>Пользователь 2</a:t>
-            </a:r>
-            <a:endParaRPr lang="en-GB" sz="2400" dirty="0"/>
-          </a:p>
-        </p:txBody>
-      </p:sp>
-      <p:sp>
-        <p:nvSpPr>
-          <p:cNvPr id="11" name="Прямоугольник 10"/>
-          <p:cNvSpPr/>
-          <p:nvPr/>
-        </p:nvSpPr>
-        <p:spPr>
-          <a:xfrm>
-            <a:off x="9156468" y="3299676"/>
-            <a:ext cx="2370513" cy="1722858"/>
-          </a:xfrm>
-          <a:prstGeom prst="rect">
-            <a:avLst/>
-          </a:prstGeom>
-        </p:spPr>
-        <p:style>
-          <a:lnRef idx="3">
-            <a:schemeClr val="lt1"/>
-          </a:lnRef>
-          <a:fillRef idx="1">
-            <a:schemeClr val="accent6"/>
-          </a:fillRef>
-          <a:effectRef idx="1">
-            <a:schemeClr val="accent6"/>
-          </a:effectRef>
-          <a:fontRef idx="minor">
-            <a:schemeClr val="lt1"/>
-          </a:fontRef>
-        </p:style>
-        <p:txBody>
-          <a:bodyPr rtlCol="0" anchor="ctr"/>
-          <a:lstStyle/>
-          <a:p>
-            <a:pPr algn="ctr"/>
-            <a:r>
-              <a:rPr lang="ru-RU" sz="2400" dirty="0" smtClean="0"/>
-              <a:t>Факультет 3</a:t>
-            </a:r>
-            <a:endParaRPr lang="en-GB" sz="2400" dirty="0"/>
-          </a:p>
-        </p:txBody>
-      </p:sp>
-      <p:sp>
-        <p:nvSpPr>
-          <p:cNvPr id="12" name="Прямоугольник 11"/>
-          <p:cNvSpPr/>
-          <p:nvPr/>
-        </p:nvSpPr>
-        <p:spPr>
-          <a:xfrm>
-            <a:off x="5046518" y="4376871"/>
-            <a:ext cx="2370513" cy="842442"/>
-          </a:xfrm>
-          <a:prstGeom prst="rect">
-            <a:avLst/>
-          </a:prstGeom>
-        </p:spPr>
-        <p:style>
-          <a:lnRef idx="3">
-            <a:schemeClr val="lt1"/>
-          </a:lnRef>
-          <a:fillRef idx="1">
-            <a:schemeClr val="accent1"/>
-          </a:fillRef>
-          <a:effectRef idx="1">
-            <a:schemeClr val="accent1"/>
-          </a:effectRef>
-          <a:fontRef idx="minor">
-            <a:schemeClr val="lt1"/>
-          </a:fontRef>
-        </p:style>
-        <p:txBody>
-          <a:bodyPr rtlCol="0" anchor="ctr"/>
-          <a:lstStyle/>
-          <a:p>
-            <a:pPr algn="ctr"/>
-            <a:r>
-              <a:rPr lang="ru-RU" sz="2400" dirty="0" smtClean="0"/>
-              <a:t>Пользователь 3</a:t>
-            </a:r>
-            <a:endParaRPr lang="en-GB" sz="2400" dirty="0"/>
-          </a:p>
-        </p:txBody>
-      </p:sp>
-      <p:sp>
-        <p:nvSpPr>
-          <p:cNvPr id="14" name="Стрелка вправо 13"/>
-          <p:cNvSpPr/>
-          <p:nvPr/>
-        </p:nvSpPr>
-        <p:spPr>
-          <a:xfrm>
-            <a:off x="7516783" y="2419749"/>
-            <a:ext cx="1539932" cy="448887"/>
-          </a:xfrm>
-          <a:prstGeom prst="rightArrow">
-            <a:avLst/>
-          </a:prstGeom>
-        </p:spPr>
-        <p:style>
-          <a:lnRef idx="2">
-            <a:schemeClr val="accent5">
-              <a:shade val="50000"/>
-            </a:schemeClr>
-          </a:lnRef>
-          <a:fillRef idx="1">
-            <a:schemeClr val="accent5"/>
-          </a:fillRef>
-          <a:effectRef idx="0">
-            <a:schemeClr val="accent5"/>
-          </a:effectRef>
-          <a:fontRef idx="minor">
-            <a:schemeClr val="lt1"/>
-          </a:fontRef>
-        </p:style>
-        <p:txBody>
-          <a:bodyPr rtlCol="0" anchor="ctr"/>
-          <a:lstStyle/>
-          <a:p>
-            <a:pPr algn="ctr"/>
-            <a:endParaRPr lang="en-GB" sz="2400"/>
-          </a:p>
-        </p:txBody>
-      </p:sp>
-      <p:sp>
-        <p:nvSpPr>
-          <p:cNvPr id="15" name="Стрелка вправо 14"/>
-          <p:cNvSpPr/>
-          <p:nvPr/>
-        </p:nvSpPr>
-        <p:spPr>
-          <a:xfrm>
-            <a:off x="7516783" y="3496698"/>
-            <a:ext cx="1539932" cy="448887"/>
-          </a:xfrm>
-          <a:prstGeom prst="rightArrow">
-            <a:avLst/>
-          </a:prstGeom>
-        </p:spPr>
-        <p:style>
-          <a:lnRef idx="2">
-            <a:schemeClr val="accent5">
-              <a:shade val="50000"/>
-            </a:schemeClr>
-          </a:lnRef>
-          <a:fillRef idx="1">
-            <a:schemeClr val="accent5"/>
-          </a:fillRef>
-          <a:effectRef idx="0">
-            <a:schemeClr val="accent5"/>
-          </a:effectRef>
-          <a:fontRef idx="minor">
-            <a:schemeClr val="lt1"/>
-          </a:fontRef>
-        </p:style>
-        <p:txBody>
-          <a:bodyPr rtlCol="0" anchor="ctr"/>
-          <a:lstStyle/>
-          <a:p>
-            <a:pPr algn="ctr"/>
-            <a:endParaRPr lang="en-GB" sz="2400"/>
-          </a:p>
-        </p:txBody>
-      </p:sp>
-      <p:sp>
-        <p:nvSpPr>
-          <p:cNvPr id="16" name="Стрелка вправо 15"/>
-          <p:cNvSpPr/>
-          <p:nvPr/>
-        </p:nvSpPr>
-        <p:spPr>
-          <a:xfrm>
-            <a:off x="7516783" y="4573647"/>
-            <a:ext cx="1539932" cy="448887"/>
-          </a:xfrm>
-          <a:prstGeom prst="rightArrow">
-            <a:avLst/>
-          </a:prstGeom>
-        </p:spPr>
-        <p:style>
-          <a:lnRef idx="2">
-            <a:schemeClr val="accent5">
-              <a:shade val="50000"/>
-            </a:schemeClr>
-          </a:lnRef>
-          <a:fillRef idx="1">
-            <a:schemeClr val="accent5"/>
-          </a:fillRef>
-          <a:effectRef idx="0">
-            <a:schemeClr val="accent5"/>
-          </a:effectRef>
-          <a:fontRef idx="minor">
-            <a:schemeClr val="lt1"/>
-          </a:fontRef>
-        </p:style>
-        <p:txBody>
-          <a:bodyPr rtlCol="0" anchor="ctr"/>
-          <a:lstStyle/>
-          <a:p>
-            <a:pPr algn="ctr"/>
-            <a:endParaRPr lang="en-GB" sz="2400"/>
-          </a:p>
-        </p:txBody>
-      </p:sp>
-      <p:sp>
-        <p:nvSpPr>
-          <p:cNvPr id="27" name="Прямоугольник 26"/>
-          <p:cNvSpPr/>
-          <p:nvPr/>
-        </p:nvSpPr>
-        <p:spPr>
-          <a:xfrm>
-            <a:off x="971550" y="4376872"/>
-            <a:ext cx="2370513" cy="842441"/>
-          </a:xfrm>
-          <a:prstGeom prst="rect">
-            <a:avLst/>
-          </a:prstGeom>
-        </p:spPr>
-        <p:style>
-          <a:lnRef idx="3">
-            <a:schemeClr val="lt1"/>
-          </a:lnRef>
-          <a:fillRef idx="1">
-            <a:schemeClr val="accent6"/>
-          </a:fillRef>
-          <a:effectRef idx="1">
-            <a:schemeClr val="accent6"/>
-          </a:effectRef>
-          <a:fontRef idx="minor">
-            <a:schemeClr val="lt1"/>
-          </a:fontRef>
-        </p:style>
-        <p:txBody>
-          <a:bodyPr rtlCol="0" anchor="ctr"/>
-          <a:lstStyle/>
-          <a:p>
-            <a:pPr algn="ctr"/>
-            <a:r>
-              <a:rPr lang="ru-RU" sz="2400" dirty="0" smtClean="0"/>
-              <a:t>Факультет 2</a:t>
-            </a:r>
-            <a:endParaRPr lang="en-GB" sz="2400" dirty="0"/>
-          </a:p>
-        </p:txBody>
-      </p:sp>
-      <p:sp>
-        <p:nvSpPr>
-          <p:cNvPr id="28" name="Стрелка вправо 27"/>
-          <p:cNvSpPr/>
-          <p:nvPr/>
-        </p:nvSpPr>
-        <p:spPr>
-          <a:xfrm flipH="1">
-            <a:off x="3441816" y="4573646"/>
-            <a:ext cx="1504949" cy="448887"/>
-          </a:xfrm>
-          <a:prstGeom prst="rightArrow">
-            <a:avLst/>
-          </a:prstGeom>
-        </p:spPr>
-        <p:style>
-          <a:lnRef idx="2">
-            <a:schemeClr val="accent5">
-              <a:shade val="50000"/>
-            </a:schemeClr>
-          </a:lnRef>
-          <a:fillRef idx="1">
-            <a:schemeClr val="accent5"/>
-          </a:fillRef>
-          <a:effectRef idx="0">
-            <a:schemeClr val="accent5"/>
-          </a:effectRef>
-          <a:fontRef idx="minor">
-            <a:schemeClr val="lt1"/>
-          </a:fontRef>
-        </p:style>
-        <p:txBody>
-          <a:bodyPr rtlCol="0" anchor="ctr"/>
-          <a:lstStyle/>
-          <a:p>
-            <a:pPr algn="ctr"/>
-            <a:endParaRPr lang="en-GB" sz="2400"/>
-          </a:p>
-        </p:txBody>
-      </p:sp>
-    </p:spTree>
-    <p:extLst>
-      <p:ext uri="{BB962C8B-B14F-4D97-AF65-F5344CB8AC3E}">
-        <p14:creationId xmlns:p14="http://schemas.microsoft.com/office/powerpoint/2010/main" val="193202063"/>
-      </p:ext>
-    </p:extLst>
-  </p:cSld>
-  <p:clrMapOvr>
-    <a:masterClrMapping/>
-  </p:clrMapOvr>
-  <p:timing>
-    <p:tnLst>
-      <p:par>
-        <p:cTn id="1" dur="indefinite" restart="never" nodeType="tmRoot"/>
-      </p:par>
-    </p:tnLst>
-  </p:timing>
-</p:sld>
-</file>
-
 <file path=ppt/slides/slide3.xml><?xml version="1.0" encoding="utf-8"?>
 <p:sld xmlns:a="http://schemas.openxmlformats.org/drawingml/2006/main" xmlns:r="http://schemas.openxmlformats.org/officeDocument/2006/relationships" xmlns:p="http://schemas.openxmlformats.org/presentationml/2006/main">
   <p:cSld>
@@ -10055,428 +7515,6 @@
     <p:extLst>
       <p:ext uri="{BB962C8B-B14F-4D97-AF65-F5344CB8AC3E}">
         <p14:creationId xmlns:p14="http://schemas.microsoft.com/office/powerpoint/2010/main" val="175709939"/>
-      </p:ext>
-    </p:extLst>
-  </p:cSld>
-  <p:clrMapOvr>
-    <a:masterClrMapping/>
-  </p:clrMapOvr>
-  <p:timing>
-    <p:tnLst>
-      <p:par>
-        <p:cTn id="1" dur="indefinite" restart="never" nodeType="tmRoot"/>
-      </p:par>
-    </p:tnLst>
-  </p:timing>
-</p:sld>
-</file>
-
-<file path=ppt/slides/slide30.xml><?xml version="1.0" encoding="utf-8"?>
-<p:sld xmlns:a="http://schemas.openxmlformats.org/drawingml/2006/main" xmlns:r="http://schemas.openxmlformats.org/officeDocument/2006/relationships" xmlns:p="http://schemas.openxmlformats.org/presentationml/2006/main">
-  <p:cSld>
-    <p:spTree>
-      <p:nvGrpSpPr>
-        <p:cNvPr id="1" name=""/>
-        <p:cNvGrpSpPr/>
-        <p:nvPr/>
-      </p:nvGrpSpPr>
-      <p:grpSpPr>
-        <a:xfrm>
-          <a:off x="0" y="0"/>
-          <a:ext cx="0" cy="0"/>
-          <a:chOff x="0" y="0"/>
-          <a:chExt cx="0" cy="0"/>
-        </a:xfrm>
-      </p:grpSpPr>
-      <p:sp>
-        <p:nvSpPr>
-          <p:cNvPr id="2" name="Заголовок 1"/>
-          <p:cNvSpPr>
-            <a:spLocks noGrp="1"/>
-          </p:cNvSpPr>
-          <p:nvPr>
-            <p:ph type="title"/>
-          </p:nvPr>
-        </p:nvSpPr>
-        <p:spPr/>
-        <p:txBody>
-          <a:bodyPr/>
-          <a:lstStyle/>
-          <a:p>
-            <a:r>
-              <a:rPr lang="ru-RU" dirty="0"/>
-              <a:t>Отношение </a:t>
-            </a:r>
-            <a:r>
-              <a:rPr lang="en-US" dirty="0" smtClean="0"/>
-              <a:t>One-to-one</a:t>
-            </a:r>
-            <a:r>
-              <a:rPr lang="ru-RU" dirty="0" smtClean="0"/>
-              <a:t> (2)</a:t>
-            </a:r>
-            <a:endParaRPr lang="en-GB" dirty="0"/>
-          </a:p>
-        </p:txBody>
-      </p:sp>
-      <p:sp>
-        <p:nvSpPr>
-          <p:cNvPr id="4" name="Дата 3"/>
-          <p:cNvSpPr>
-            <a:spLocks noGrp="1"/>
-          </p:cNvSpPr>
-          <p:nvPr>
-            <p:ph type="dt" sz="half" idx="10"/>
-          </p:nvPr>
-        </p:nvSpPr>
-        <p:spPr/>
-        <p:txBody>
-          <a:bodyPr/>
-          <a:lstStyle/>
-          <a:p>
-            <a:r>
-              <a:rPr lang="en-US" smtClean="0"/>
-              <a:t>01.03.2016</a:t>
-            </a:r>
-            <a:endParaRPr lang="en-GB"/>
-          </a:p>
-        </p:txBody>
-      </p:sp>
-      <p:sp>
-        <p:nvSpPr>
-          <p:cNvPr id="5" name="Нижний колонтитул 4"/>
-          <p:cNvSpPr>
-            <a:spLocks noGrp="1"/>
-          </p:cNvSpPr>
-          <p:nvPr>
-            <p:ph type="ftr" sz="quarter" idx="11"/>
-          </p:nvPr>
-        </p:nvSpPr>
-        <p:spPr/>
-        <p:txBody>
-          <a:bodyPr/>
-          <a:lstStyle/>
-          <a:p>
-            <a:r>
-              <a:rPr lang="ru-RU" smtClean="0"/>
-              <a:t>Ваганов Михаил Викторович  ASP.NET MVC + Oracle Database</a:t>
-            </a:r>
-            <a:endParaRPr lang="en-GB"/>
-          </a:p>
-        </p:txBody>
-      </p:sp>
-      <p:sp>
-        <p:nvSpPr>
-          <p:cNvPr id="6" name="Номер слайда 5"/>
-          <p:cNvSpPr>
-            <a:spLocks noGrp="1"/>
-          </p:cNvSpPr>
-          <p:nvPr>
-            <p:ph type="sldNum" sz="quarter" idx="12"/>
-          </p:nvPr>
-        </p:nvSpPr>
-        <p:spPr/>
-        <p:txBody>
-          <a:bodyPr/>
-          <a:lstStyle/>
-          <a:p>
-            <a:fld id="{8FD3F87F-7A79-4F3D-8F12-CD11A20D067D}" type="slidenum">
-              <a:rPr lang="en-GB" smtClean="0"/>
-              <a:t>30</a:t>
-            </a:fld>
-            <a:endParaRPr lang="en-GB"/>
-          </a:p>
-        </p:txBody>
-      </p:sp>
-      <p:grpSp>
-        <p:nvGrpSpPr>
-          <p:cNvPr id="14" name="Группа 13"/>
-          <p:cNvGrpSpPr/>
-          <p:nvPr/>
-        </p:nvGrpSpPr>
-        <p:grpSpPr>
-          <a:xfrm>
-            <a:off x="1961804" y="2676698"/>
-            <a:ext cx="2294312" cy="1996903"/>
-            <a:chOff x="1961804" y="2676698"/>
-            <a:chExt cx="2294312" cy="1996903"/>
-          </a:xfrm>
-        </p:grpSpPr>
-        <p:sp>
-          <p:nvSpPr>
-            <p:cNvPr id="8" name="Прямоугольник 7"/>
-            <p:cNvSpPr/>
-            <p:nvPr/>
-          </p:nvSpPr>
-          <p:spPr>
-            <a:xfrm>
-              <a:off x="1961804" y="2676698"/>
-              <a:ext cx="2294312" cy="1996903"/>
-            </a:xfrm>
-            <a:prstGeom prst="rect">
-              <a:avLst/>
-            </a:prstGeom>
-          </p:spPr>
-          <p:style>
-            <a:lnRef idx="2">
-              <a:schemeClr val="dk1"/>
-            </a:lnRef>
-            <a:fillRef idx="1">
-              <a:schemeClr val="lt1"/>
-            </a:fillRef>
-            <a:effectRef idx="0">
-              <a:schemeClr val="dk1"/>
-            </a:effectRef>
-            <a:fontRef idx="minor">
-              <a:schemeClr val="dk1"/>
-            </a:fontRef>
-          </p:style>
-          <p:txBody>
-            <a:bodyPr rtlCol="0" anchor="t"/>
-            <a:lstStyle/>
-            <a:p>
-              <a:pPr algn="ctr"/>
-              <a:r>
-                <a:rPr lang="ru-RU" dirty="0" smtClean="0"/>
-                <a:t>Пользователь</a:t>
-              </a:r>
-              <a:endParaRPr lang="en-GB" dirty="0"/>
-            </a:p>
-          </p:txBody>
-        </p:sp>
-        <p:sp>
-          <p:nvSpPr>
-            <p:cNvPr id="13" name="Прямоугольник 12"/>
-            <p:cNvSpPr/>
-            <p:nvPr/>
-          </p:nvSpPr>
-          <p:spPr>
-            <a:xfrm>
-              <a:off x="1961804" y="3163297"/>
-              <a:ext cx="2294312" cy="1510304"/>
-            </a:xfrm>
-            <a:prstGeom prst="rect">
-              <a:avLst/>
-            </a:prstGeom>
-          </p:spPr>
-          <p:style>
-            <a:lnRef idx="2">
-              <a:schemeClr val="dk1"/>
-            </a:lnRef>
-            <a:fillRef idx="1">
-              <a:schemeClr val="lt1"/>
-            </a:fillRef>
-            <a:effectRef idx="0">
-              <a:schemeClr val="dk1"/>
-            </a:effectRef>
-            <a:fontRef idx="minor">
-              <a:schemeClr val="dk1"/>
-            </a:fontRef>
-          </p:style>
-          <p:txBody>
-            <a:bodyPr rtlCol="0" anchor="ctr"/>
-            <a:lstStyle/>
-            <a:p>
-              <a:pPr algn="ctr"/>
-              <a:endParaRPr lang="en-GB"/>
-            </a:p>
-          </p:txBody>
-        </p:sp>
-      </p:grpSp>
-      <p:grpSp>
-        <p:nvGrpSpPr>
-          <p:cNvPr id="15" name="Группа 14"/>
-          <p:cNvGrpSpPr/>
-          <p:nvPr/>
-        </p:nvGrpSpPr>
-        <p:grpSpPr>
-          <a:xfrm>
-            <a:off x="6096000" y="2676697"/>
-            <a:ext cx="2294312" cy="1996903"/>
-            <a:chOff x="1961804" y="2676698"/>
-            <a:chExt cx="2294312" cy="1996903"/>
-          </a:xfrm>
-        </p:grpSpPr>
-        <p:sp>
-          <p:nvSpPr>
-            <p:cNvPr id="16" name="Прямоугольник 15"/>
-            <p:cNvSpPr/>
-            <p:nvPr/>
-          </p:nvSpPr>
-          <p:spPr>
-            <a:xfrm>
-              <a:off x="1961804" y="2676698"/>
-              <a:ext cx="2294312" cy="1996903"/>
-            </a:xfrm>
-            <a:prstGeom prst="rect">
-              <a:avLst/>
-            </a:prstGeom>
-          </p:spPr>
-          <p:style>
-            <a:lnRef idx="2">
-              <a:schemeClr val="dk1"/>
-            </a:lnRef>
-            <a:fillRef idx="1">
-              <a:schemeClr val="lt1"/>
-            </a:fillRef>
-            <a:effectRef idx="0">
-              <a:schemeClr val="dk1"/>
-            </a:effectRef>
-            <a:fontRef idx="minor">
-              <a:schemeClr val="dk1"/>
-            </a:fontRef>
-          </p:style>
-          <p:txBody>
-            <a:bodyPr rtlCol="0" anchor="t"/>
-            <a:lstStyle/>
-            <a:p>
-              <a:pPr algn="ctr"/>
-              <a:r>
-                <a:rPr lang="ru-RU" dirty="0" smtClean="0"/>
-                <a:t>Факультет</a:t>
-              </a:r>
-              <a:endParaRPr lang="en-GB" dirty="0"/>
-            </a:p>
-          </p:txBody>
-        </p:sp>
-        <p:sp>
-          <p:nvSpPr>
-            <p:cNvPr id="17" name="Прямоугольник 16"/>
-            <p:cNvSpPr/>
-            <p:nvPr/>
-          </p:nvSpPr>
-          <p:spPr>
-            <a:xfrm>
-              <a:off x="1961804" y="3163297"/>
-              <a:ext cx="2294312" cy="1510304"/>
-            </a:xfrm>
-            <a:prstGeom prst="rect">
-              <a:avLst/>
-            </a:prstGeom>
-          </p:spPr>
-          <p:style>
-            <a:lnRef idx="2">
-              <a:schemeClr val="dk1"/>
-            </a:lnRef>
-            <a:fillRef idx="1">
-              <a:schemeClr val="lt1"/>
-            </a:fillRef>
-            <a:effectRef idx="0">
-              <a:schemeClr val="dk1"/>
-            </a:effectRef>
-            <a:fontRef idx="minor">
-              <a:schemeClr val="dk1"/>
-            </a:fontRef>
-          </p:style>
-          <p:txBody>
-            <a:bodyPr rtlCol="0" anchor="ctr"/>
-            <a:lstStyle/>
-            <a:p>
-              <a:pPr algn="ctr"/>
-              <a:endParaRPr lang="en-GB"/>
-            </a:p>
-          </p:txBody>
-        </p:sp>
-      </p:grpSp>
-      <p:cxnSp>
-        <p:nvCxnSpPr>
-          <p:cNvPr id="19" name="Прямая со стрелкой 18"/>
-          <p:cNvCxnSpPr>
-            <a:stCxn id="8" idx="3"/>
-          </p:cNvCxnSpPr>
-          <p:nvPr/>
-        </p:nvCxnSpPr>
-        <p:spPr>
-          <a:xfrm flipV="1">
-            <a:off x="4256116" y="3675148"/>
-            <a:ext cx="1839884" cy="2"/>
-          </a:xfrm>
-          <a:prstGeom prst="straightConnector1">
-            <a:avLst/>
-          </a:prstGeom>
-          <a:ln>
-            <a:tailEnd type="triangle"/>
-          </a:ln>
-        </p:spPr>
-        <p:style>
-          <a:lnRef idx="1">
-            <a:schemeClr val="dk1"/>
-          </a:lnRef>
-          <a:fillRef idx="0">
-            <a:schemeClr val="dk1"/>
-          </a:fillRef>
-          <a:effectRef idx="0">
-            <a:schemeClr val="dk1"/>
-          </a:effectRef>
-          <a:fontRef idx="minor">
-            <a:schemeClr val="tx1"/>
-          </a:fontRef>
-        </p:style>
-      </p:cxnSp>
-      <p:sp>
-        <p:nvSpPr>
-          <p:cNvPr id="22" name="TextBox 21"/>
-          <p:cNvSpPr txBox="1"/>
-          <p:nvPr/>
-        </p:nvSpPr>
-        <p:spPr>
-          <a:xfrm>
-            <a:off x="5707752" y="3305816"/>
-            <a:ext cx="388248" cy="369332"/>
-          </a:xfrm>
-          <a:prstGeom prst="rect">
-            <a:avLst/>
-          </a:prstGeom>
-          <a:noFill/>
-        </p:spPr>
-        <p:txBody>
-          <a:bodyPr wrap="none" rtlCol="0">
-            <a:spAutoFit/>
-          </a:bodyPr>
-          <a:lstStyle/>
-          <a:p>
-            <a:r>
-              <a:rPr lang="en-GB" dirty="0" smtClean="0"/>
-              <a:t>ꝏ</a:t>
-            </a:r>
-            <a:endParaRPr lang="en-GB" dirty="0"/>
-          </a:p>
-        </p:txBody>
-      </p:sp>
-      <p:sp>
-        <p:nvSpPr>
-          <p:cNvPr id="23" name="TextBox 22"/>
-          <p:cNvSpPr txBox="1"/>
-          <p:nvPr/>
-        </p:nvSpPr>
-        <p:spPr>
-          <a:xfrm>
-            <a:off x="4256116" y="3305816"/>
-            <a:ext cx="388248" cy="369332"/>
-          </a:xfrm>
-          <a:prstGeom prst="rect">
-            <a:avLst/>
-          </a:prstGeom>
-          <a:noFill/>
-        </p:spPr>
-        <p:txBody>
-          <a:bodyPr wrap="none" rtlCol="0">
-            <a:spAutoFit/>
-          </a:bodyPr>
-          <a:lstStyle/>
-          <a:p>
-            <a:r>
-              <a:rPr lang="en-GB" dirty="0" smtClean="0"/>
-              <a:t>ꝏ</a:t>
-            </a:r>
-            <a:endParaRPr lang="en-GB" dirty="0"/>
-          </a:p>
-        </p:txBody>
-      </p:sp>
-    </p:spTree>
-    <p:extLst>
-      <p:ext uri="{BB962C8B-B14F-4D97-AF65-F5344CB8AC3E}">
-        <p14:creationId xmlns:p14="http://schemas.microsoft.com/office/powerpoint/2010/main" val="1144996127"/>
       </p:ext>
     </p:extLst>
   </p:cSld>
@@ -12822,7 +9860,7 @@
           <p:nvPr>
             <p:extLst>
               <p:ext uri="{D42A27DB-BD31-4B8C-83A1-F6EECF244321}">
-                <p14:modId xmlns:p14="http://schemas.microsoft.com/office/powerpoint/2010/main" val="2215041670"/>
+                <p14:modId xmlns:p14="http://schemas.microsoft.com/office/powerpoint/2010/main" val="4124399177"/>
               </p:ext>
             </p:extLst>
           </p:nvPr>
@@ -13383,7 +10421,7 @@
                           </a:highlight>
                           <a:latin typeface="Consolas" panose="020B0609020204030204" pitchFamily="49" charset="0"/>
                         </a:rPr>
-                        <a:t>.ReadLine</a:t>
+                        <a:t>.ReadKey</a:t>
                       </a:r>
                       <a:r>
                         <a:rPr lang="en-GB" sz="1800" b="0" dirty="0" smtClean="0">
@@ -13791,30 +10829,6 @@
           </a:p>
         </p:txBody>
       </p:sp>
-      <p:pic>
-        <p:nvPicPr>
-          <p:cNvPr id="10" name="Рисунок 9"/>
-          <p:cNvPicPr>
-            <a:picLocks noChangeAspect="1"/>
-          </p:cNvPicPr>
-          <p:nvPr/>
-        </p:nvPicPr>
-        <p:blipFill>
-          <a:blip r:embed="rId2"/>
-          <a:stretch>
-            <a:fillRect/>
-          </a:stretch>
-        </p:blipFill>
-        <p:spPr>
-          <a:xfrm>
-            <a:off x="4902200" y="4652389"/>
-            <a:ext cx="835991" cy="366663"/>
-          </a:xfrm>
-          <a:prstGeom prst="rect">
-            <a:avLst/>
-          </a:prstGeom>
-        </p:spPr>
-      </p:pic>
       <p:sp>
         <p:nvSpPr>
           <p:cNvPr id="12" name="Объект 2"/>
@@ -14156,7 +11170,11 @@
             <a:pPr algn="ctr"/>
             <a:r>
               <a:rPr lang="ru-RU" dirty="0" smtClean="0"/>
-              <a:t>Элементарные типы в </a:t>
+              <a:t>Элементарные типы </a:t>
+            </a:r>
+            <a:r>
+              <a:rPr lang="ru-RU" dirty="0" smtClean="0"/>
+              <a:t>в </a:t>
             </a:r>
             <a:r>
               <a:rPr lang="en-US" dirty="0" err="1" smtClean="0"/>
@@ -14324,7 +11342,7 @@
                         <a:t>.NewGuid</a:t>
                       </a:r>
                       <a:r>
-                        <a:rPr lang="en-GB" sz="1800" b="0" smtClean="0">
+                        <a:rPr lang="en-GB" sz="1800" b="0" dirty="0" smtClean="0">
                           <a:solidFill>
                             <a:srgbClr val="000000"/>
                           </a:solidFill>
@@ -14335,6 +11353,649 @@
                         </a:rPr>
                         <a:t>();</a:t>
                       </a:r>
+                    </a:p>
+                    <a:p>
+                      <a:r>
+                        <a:rPr lang="ru-RU" sz="1800" b="0" dirty="0" err="1" smtClean="0">
+                          <a:solidFill>
+                            <a:srgbClr val="0000FF"/>
+                          </a:solidFill>
+                          <a:highlight>
+                            <a:srgbClr val="FFFFFF"/>
+                          </a:highlight>
+                          <a:latin typeface="Consolas" panose="020B0609020204030204" pitchFamily="49" charset="0"/>
+                        </a:rPr>
+                        <a:t>string</a:t>
+                      </a:r>
+                      <a:r>
+                        <a:rPr lang="ru-RU" sz="1800" b="0" dirty="0" smtClean="0">
+                          <a:solidFill>
+                            <a:srgbClr val="000000"/>
+                          </a:solidFill>
+                          <a:highlight>
+                            <a:srgbClr val="FFFFFF"/>
+                          </a:highlight>
+                          <a:latin typeface="Consolas" panose="020B0609020204030204" pitchFamily="49" charset="0"/>
+                        </a:rPr>
+                        <a:t> </a:t>
+                      </a:r>
+                      <a:r>
+                        <a:rPr lang="ru-RU" sz="1800" b="0" dirty="0" err="1" smtClean="0">
+                          <a:solidFill>
+                            <a:srgbClr val="000000"/>
+                          </a:solidFill>
+                          <a:highlight>
+                            <a:srgbClr val="FFFFFF"/>
+                          </a:highlight>
+                          <a:latin typeface="Consolas" panose="020B0609020204030204" pitchFamily="49" charset="0"/>
+                        </a:rPr>
+                        <a:t>line</a:t>
+                      </a:r>
+                      <a:r>
+                        <a:rPr lang="ru-RU" sz="1800" b="0" dirty="0" smtClean="0">
+                          <a:solidFill>
+                            <a:srgbClr val="000000"/>
+                          </a:solidFill>
+                          <a:highlight>
+                            <a:srgbClr val="FFFFFF"/>
+                          </a:highlight>
+                          <a:latin typeface="Consolas" panose="020B0609020204030204" pitchFamily="49" charset="0"/>
+                        </a:rPr>
+                        <a:t> = </a:t>
+                      </a:r>
+                      <a:r>
+                        <a:rPr lang="ru-RU" sz="1800" b="0" dirty="0" smtClean="0">
+                          <a:solidFill>
+                            <a:srgbClr val="A31515"/>
+                          </a:solidFill>
+                          <a:highlight>
+                            <a:srgbClr val="FFFFFF"/>
+                          </a:highlight>
+                          <a:latin typeface="Consolas" panose="020B0609020204030204" pitchFamily="49" charset="0"/>
+                        </a:rPr>
+                        <a:t>"да, это строка"</a:t>
+                      </a:r>
+                      <a:r>
+                        <a:rPr lang="ru-RU" sz="1800" b="0" dirty="0" smtClean="0">
+                          <a:solidFill>
+                            <a:srgbClr val="000000"/>
+                          </a:solidFill>
+                          <a:highlight>
+                            <a:srgbClr val="FFFFFF"/>
+                          </a:highlight>
+                          <a:latin typeface="Consolas" panose="020B0609020204030204" pitchFamily="49" charset="0"/>
+                        </a:rPr>
+                        <a:t>;</a:t>
+                      </a:r>
+                    </a:p>
+                    <a:p>
+                      <a:r>
+                        <a:rPr lang="en-GB" sz="1800" b="0" dirty="0" err="1" smtClean="0">
+                          <a:solidFill>
+                            <a:srgbClr val="2B91AF"/>
+                          </a:solidFill>
+                          <a:highlight>
+                            <a:srgbClr val="FFFFFF"/>
+                          </a:highlight>
+                          <a:latin typeface="Consolas" panose="020B0609020204030204" pitchFamily="49" charset="0"/>
+                        </a:rPr>
+                        <a:t>DateTime</a:t>
+                      </a:r>
+                      <a:r>
+                        <a:rPr lang="en-GB" sz="1800" b="0" dirty="0" smtClean="0">
+                          <a:solidFill>
+                            <a:srgbClr val="000000"/>
+                          </a:solidFill>
+                          <a:highlight>
+                            <a:srgbClr val="FFFFFF"/>
+                          </a:highlight>
+                          <a:latin typeface="Consolas" panose="020B0609020204030204" pitchFamily="49" charset="0"/>
+                        </a:rPr>
+                        <a:t> date = </a:t>
+                      </a:r>
+                      <a:r>
+                        <a:rPr lang="en-GB" sz="1800" b="0" dirty="0" smtClean="0">
+                          <a:solidFill>
+                            <a:srgbClr val="0000FF"/>
+                          </a:solidFill>
+                          <a:highlight>
+                            <a:srgbClr val="FFFFFF"/>
+                          </a:highlight>
+                          <a:latin typeface="Consolas" panose="020B0609020204030204" pitchFamily="49" charset="0"/>
+                        </a:rPr>
+                        <a:t>new</a:t>
+                      </a:r>
+                      <a:r>
+                        <a:rPr lang="en-GB" sz="1800" b="0" dirty="0" smtClean="0">
+                          <a:solidFill>
+                            <a:srgbClr val="000000"/>
+                          </a:solidFill>
+                          <a:highlight>
+                            <a:srgbClr val="FFFFFF"/>
+                          </a:highlight>
+                          <a:latin typeface="Consolas" panose="020B0609020204030204" pitchFamily="49" charset="0"/>
+                        </a:rPr>
+                        <a:t> </a:t>
+                      </a:r>
+                      <a:r>
+                        <a:rPr lang="en-GB" sz="1800" b="0" dirty="0" err="1" smtClean="0">
+                          <a:solidFill>
+                            <a:srgbClr val="2B91AF"/>
+                          </a:solidFill>
+                          <a:highlight>
+                            <a:srgbClr val="FFFFFF"/>
+                          </a:highlight>
+                          <a:latin typeface="Consolas" panose="020B0609020204030204" pitchFamily="49" charset="0"/>
+                        </a:rPr>
+                        <a:t>DateTime</a:t>
+                      </a:r>
+                      <a:r>
+                        <a:rPr lang="en-GB" sz="1800" b="0" dirty="0" smtClean="0">
+                          <a:solidFill>
+                            <a:srgbClr val="000000"/>
+                          </a:solidFill>
+                          <a:highlight>
+                            <a:srgbClr val="FFFFFF"/>
+                          </a:highlight>
+                          <a:latin typeface="Consolas" panose="020B0609020204030204" pitchFamily="49" charset="0"/>
+                        </a:rPr>
+                        <a:t>(2016, 4, 2);</a:t>
+                      </a:r>
+                      <a:endParaRPr lang="en-GB" b="0" dirty="0"/>
+                    </a:p>
+                  </a:txBody>
+                  <a:tcPr>
+                    <a:solidFill>
+                      <a:schemeClr val="bg1"/>
+                    </a:solidFill>
+                  </a:tcPr>
+                </a:tc>
+              </a:tr>
+            </a:tbl>
+          </a:graphicData>
+        </a:graphic>
+      </p:graphicFrame>
+      <p:sp>
+        <p:nvSpPr>
+          <p:cNvPr id="2" name="TextBox 1"/>
+          <p:cNvSpPr txBox="1"/>
+          <p:nvPr/>
+        </p:nvSpPr>
+        <p:spPr>
+          <a:xfrm>
+            <a:off x="1033670" y="3416116"/>
+            <a:ext cx="2693301" cy="369332"/>
+          </a:xfrm>
+          <a:prstGeom prst="rect">
+            <a:avLst/>
+          </a:prstGeom>
+          <a:noFill/>
+        </p:spPr>
+        <p:txBody>
+          <a:bodyPr wrap="none" rtlCol="0">
+            <a:spAutoFit/>
+          </a:bodyPr>
+          <a:lstStyle/>
+          <a:p>
+            <a:r>
+              <a:rPr lang="ru-RU" dirty="0" smtClean="0"/>
+              <a:t>Предопределенные типы</a:t>
+            </a:r>
+            <a:endParaRPr lang="en-GB" dirty="0"/>
+          </a:p>
+        </p:txBody>
+      </p:sp>
+      <p:graphicFrame>
+        <p:nvGraphicFramePr>
+          <p:cNvPr id="10" name="Таблица 9"/>
+          <p:cNvGraphicFramePr>
+            <a:graphicFrameLocks noGrp="1"/>
+          </p:cNvGraphicFramePr>
+          <p:nvPr>
+            <p:extLst>
+              <p:ext uri="{D42A27DB-BD31-4B8C-83A1-F6EECF244321}">
+                <p14:modId xmlns:p14="http://schemas.microsoft.com/office/powerpoint/2010/main" val="296701743"/>
+              </p:ext>
+            </p:extLst>
+          </p:nvPr>
+        </p:nvGraphicFramePr>
+        <p:xfrm>
+          <a:off x="1033670" y="3903132"/>
+          <a:ext cx="6573078" cy="2382520"/>
+        </p:xfrm>
+        <a:graphic>
+          <a:graphicData uri="http://schemas.openxmlformats.org/drawingml/2006/table">
+            <a:tbl>
+              <a:tblPr firstRow="1" bandRow="1">
+                <a:tableStyleId>{5C22544A-7EE6-4342-B048-85BDC9FD1C3A}</a:tableStyleId>
+              </a:tblPr>
+              <a:tblGrid>
+                <a:gridCol w="6573078"/>
+              </a:tblGrid>
+              <a:tr h="370840">
+                <a:tc>
+                  <a:txBody>
+                    <a:bodyPr/>
+                    <a:lstStyle/>
+                    <a:p>
+                      <a:r>
+                        <a:rPr lang="en-GB" sz="1800" b="0" dirty="0" err="1" smtClean="0">
+                          <a:solidFill>
+                            <a:srgbClr val="0000FF"/>
+                          </a:solidFill>
+                          <a:highlight>
+                            <a:srgbClr val="FFFFFF"/>
+                          </a:highlight>
+                          <a:latin typeface="Consolas" panose="020B0609020204030204" pitchFamily="49" charset="0"/>
+                        </a:rPr>
+                        <a:t>int</a:t>
+                      </a:r>
+                      <a:r>
+                        <a:rPr lang="en-GB" sz="1800" b="0" dirty="0" smtClean="0">
+                          <a:solidFill>
+                            <a:srgbClr val="000000"/>
+                          </a:solidFill>
+                          <a:highlight>
+                            <a:srgbClr val="FFFFFF"/>
+                          </a:highlight>
+                          <a:latin typeface="Consolas" panose="020B0609020204030204" pitchFamily="49" charset="0"/>
+                        </a:rPr>
+                        <a:t> </a:t>
+                      </a:r>
+                      <a:r>
+                        <a:rPr lang="en-GB" sz="1800" b="0" dirty="0" err="1" smtClean="0">
+                          <a:solidFill>
+                            <a:srgbClr val="000000"/>
+                          </a:solidFill>
+                          <a:highlight>
+                            <a:srgbClr val="FFFFFF"/>
+                          </a:highlight>
+                          <a:latin typeface="Consolas" panose="020B0609020204030204" pitchFamily="49" charset="0"/>
+                        </a:rPr>
+                        <a:t>i</a:t>
+                      </a:r>
+                      <a:r>
+                        <a:rPr lang="en-GB" sz="1800" b="0" dirty="0" smtClean="0">
+                          <a:solidFill>
+                            <a:srgbClr val="000000"/>
+                          </a:solidFill>
+                          <a:highlight>
+                            <a:srgbClr val="FFFFFF"/>
+                          </a:highlight>
+                          <a:latin typeface="Consolas" panose="020B0609020204030204" pitchFamily="49" charset="0"/>
+                        </a:rPr>
+                        <a:t> = 1;          </a:t>
+                      </a:r>
+                      <a:r>
+                        <a:rPr lang="en-GB" sz="1800" b="0" dirty="0" smtClean="0">
+                          <a:solidFill>
+                            <a:srgbClr val="2B91AF"/>
+                          </a:solidFill>
+                          <a:highlight>
+                            <a:srgbClr val="FFFFFF"/>
+                          </a:highlight>
+                          <a:latin typeface="Consolas" panose="020B0609020204030204" pitchFamily="49" charset="0"/>
+                        </a:rPr>
+                        <a:t>Int32</a:t>
+                      </a:r>
+                      <a:r>
+                        <a:rPr lang="en-GB" sz="1800" b="0" dirty="0" smtClean="0">
+                          <a:solidFill>
+                            <a:srgbClr val="000000"/>
+                          </a:solidFill>
+                          <a:highlight>
+                            <a:srgbClr val="FFFFFF"/>
+                          </a:highlight>
+                          <a:latin typeface="Consolas" panose="020B0609020204030204" pitchFamily="49" charset="0"/>
+                        </a:rPr>
+                        <a:t> I = 2;</a:t>
+                      </a:r>
+                    </a:p>
+                    <a:p>
+                      <a:r>
+                        <a:rPr lang="fr-FR" sz="1800" b="0" dirty="0" smtClean="0">
+                          <a:solidFill>
+                            <a:srgbClr val="0000FF"/>
+                          </a:solidFill>
+                          <a:highlight>
+                            <a:srgbClr val="FFFFFF"/>
+                          </a:highlight>
+                          <a:latin typeface="Consolas" panose="020B0609020204030204" pitchFamily="49" charset="0"/>
+                        </a:rPr>
+                        <a:t>double</a:t>
+                      </a:r>
+                      <a:r>
+                        <a:rPr lang="fr-FR" sz="1800" b="0" dirty="0" smtClean="0">
+                          <a:solidFill>
+                            <a:srgbClr val="000000"/>
+                          </a:solidFill>
+                          <a:highlight>
+                            <a:srgbClr val="FFFFFF"/>
+                          </a:highlight>
+                          <a:latin typeface="Consolas" panose="020B0609020204030204" pitchFamily="49" charset="0"/>
+                        </a:rPr>
+                        <a:t> d = 0.1;     </a:t>
+                      </a:r>
+                      <a:r>
+                        <a:rPr lang="fr-FR" sz="1800" b="0" dirty="0" smtClean="0">
+                          <a:solidFill>
+                            <a:srgbClr val="2B91AF"/>
+                          </a:solidFill>
+                          <a:highlight>
+                            <a:srgbClr val="FFFFFF"/>
+                          </a:highlight>
+                          <a:latin typeface="Consolas" panose="020B0609020204030204" pitchFamily="49" charset="0"/>
+                        </a:rPr>
+                        <a:t>Double</a:t>
+                      </a:r>
+                      <a:r>
+                        <a:rPr lang="fr-FR" sz="1800" b="0" dirty="0" smtClean="0">
+                          <a:solidFill>
+                            <a:srgbClr val="000000"/>
+                          </a:solidFill>
+                          <a:highlight>
+                            <a:srgbClr val="FFFFFF"/>
+                          </a:highlight>
+                          <a:latin typeface="Consolas" panose="020B0609020204030204" pitchFamily="49" charset="0"/>
+                        </a:rPr>
+                        <a:t> D = 0.5;</a:t>
+                      </a:r>
+                    </a:p>
+                    <a:p>
+                      <a:r>
+                        <a:rPr lang="en-GB" sz="1800" b="0" dirty="0" smtClean="0">
+                          <a:solidFill>
+                            <a:srgbClr val="0000FF"/>
+                          </a:solidFill>
+                          <a:highlight>
+                            <a:srgbClr val="FFFFFF"/>
+                          </a:highlight>
+                          <a:latin typeface="Consolas" panose="020B0609020204030204" pitchFamily="49" charset="0"/>
+                        </a:rPr>
+                        <a:t>string</a:t>
+                      </a:r>
+                      <a:r>
+                        <a:rPr lang="en-GB" sz="1800" b="0" dirty="0" smtClean="0">
+                          <a:solidFill>
+                            <a:srgbClr val="000000"/>
+                          </a:solidFill>
+                          <a:highlight>
+                            <a:srgbClr val="FFFFFF"/>
+                          </a:highlight>
+                          <a:latin typeface="Consolas" panose="020B0609020204030204" pitchFamily="49" charset="0"/>
+                        </a:rPr>
+                        <a:t> s = </a:t>
+                      </a:r>
+                      <a:r>
+                        <a:rPr lang="en-GB" sz="1800" b="0" dirty="0" smtClean="0">
+                          <a:solidFill>
+                            <a:srgbClr val="A31515"/>
+                          </a:solidFill>
+                          <a:highlight>
+                            <a:srgbClr val="FFFFFF"/>
+                          </a:highlight>
+                          <a:latin typeface="Consolas" panose="020B0609020204030204" pitchFamily="49" charset="0"/>
+                        </a:rPr>
+                        <a:t>"Hello"</a:t>
+                      </a:r>
+                      <a:r>
+                        <a:rPr lang="en-GB" sz="1800" b="0" dirty="0" smtClean="0">
+                          <a:solidFill>
+                            <a:srgbClr val="000000"/>
+                          </a:solidFill>
+                          <a:highlight>
+                            <a:srgbClr val="FFFFFF"/>
+                          </a:highlight>
+                          <a:latin typeface="Consolas" panose="020B0609020204030204" pitchFamily="49" charset="0"/>
+                        </a:rPr>
+                        <a:t>; </a:t>
+                      </a:r>
+                      <a:r>
+                        <a:rPr lang="en-GB" sz="1800" b="0" dirty="0" smtClean="0">
+                          <a:solidFill>
+                            <a:srgbClr val="2B91AF"/>
+                          </a:solidFill>
+                          <a:highlight>
+                            <a:srgbClr val="FFFFFF"/>
+                          </a:highlight>
+                          <a:latin typeface="Consolas" panose="020B0609020204030204" pitchFamily="49" charset="0"/>
+                        </a:rPr>
+                        <a:t>String</a:t>
+                      </a:r>
+                      <a:r>
+                        <a:rPr lang="en-GB" sz="1800" b="0" dirty="0" smtClean="0">
+                          <a:solidFill>
+                            <a:srgbClr val="000000"/>
+                          </a:solidFill>
+                          <a:highlight>
+                            <a:srgbClr val="FFFFFF"/>
+                          </a:highlight>
+                          <a:latin typeface="Consolas" panose="020B0609020204030204" pitchFamily="49" charset="0"/>
+                        </a:rPr>
+                        <a:t> S = </a:t>
+                      </a:r>
+                      <a:r>
+                        <a:rPr lang="en-GB" sz="1800" b="0" dirty="0" smtClean="0">
+                          <a:solidFill>
+                            <a:srgbClr val="A31515"/>
+                          </a:solidFill>
+                          <a:highlight>
+                            <a:srgbClr val="FFFFFF"/>
+                          </a:highlight>
+                          <a:latin typeface="Consolas" panose="020B0609020204030204" pitchFamily="49" charset="0"/>
+                        </a:rPr>
+                        <a:t>"world!"</a:t>
+                      </a:r>
+                      <a:r>
+                        <a:rPr lang="en-GB" sz="1800" b="0" dirty="0" smtClean="0">
+                          <a:solidFill>
+                            <a:srgbClr val="000000"/>
+                          </a:solidFill>
+                          <a:highlight>
+                            <a:srgbClr val="FFFFFF"/>
+                          </a:highlight>
+                          <a:latin typeface="Consolas" panose="020B0609020204030204" pitchFamily="49" charset="0"/>
+                        </a:rPr>
+                        <a:t>;</a:t>
+                      </a:r>
+                    </a:p>
+                    <a:p>
+                      <a:r>
+                        <a:rPr lang="fr-FR" sz="1800" b="0" dirty="0" smtClean="0">
+                          <a:solidFill>
+                            <a:srgbClr val="0000FF"/>
+                          </a:solidFill>
+                          <a:highlight>
+                            <a:srgbClr val="FFFFFF"/>
+                          </a:highlight>
+                          <a:latin typeface="Consolas" panose="020B0609020204030204" pitchFamily="49" charset="0"/>
+                        </a:rPr>
+                        <a:t>char</a:t>
+                      </a:r>
+                      <a:r>
+                        <a:rPr lang="fr-FR" sz="1800" b="0" dirty="0" smtClean="0">
+                          <a:solidFill>
+                            <a:srgbClr val="000000"/>
+                          </a:solidFill>
+                          <a:highlight>
+                            <a:srgbClr val="FFFFFF"/>
+                          </a:highlight>
+                          <a:latin typeface="Consolas" panose="020B0609020204030204" pitchFamily="49" charset="0"/>
+                        </a:rPr>
+                        <a:t> c = </a:t>
+                      </a:r>
+                      <a:r>
+                        <a:rPr lang="fr-FR" sz="1800" b="0" dirty="0" smtClean="0">
+                          <a:solidFill>
+                            <a:srgbClr val="A31515"/>
+                          </a:solidFill>
+                          <a:highlight>
+                            <a:srgbClr val="FFFFFF"/>
+                          </a:highlight>
+                          <a:latin typeface="Consolas" panose="020B0609020204030204" pitchFamily="49" charset="0"/>
+                        </a:rPr>
+                        <a:t>'c'</a:t>
+                      </a:r>
+                      <a:r>
+                        <a:rPr lang="fr-FR" sz="1800" b="0" dirty="0" smtClean="0">
+                          <a:solidFill>
+                            <a:srgbClr val="000000"/>
+                          </a:solidFill>
+                          <a:highlight>
+                            <a:srgbClr val="FFFFFF"/>
+                          </a:highlight>
+                          <a:latin typeface="Consolas" panose="020B0609020204030204" pitchFamily="49" charset="0"/>
+                        </a:rPr>
+                        <a:t>;       </a:t>
+                      </a:r>
+                      <a:r>
+                        <a:rPr lang="fr-FR" sz="1800" b="0" dirty="0" smtClean="0">
+                          <a:solidFill>
+                            <a:srgbClr val="2B91AF"/>
+                          </a:solidFill>
+                          <a:highlight>
+                            <a:srgbClr val="FFFFFF"/>
+                          </a:highlight>
+                          <a:latin typeface="Consolas" panose="020B0609020204030204" pitchFamily="49" charset="0"/>
+                        </a:rPr>
+                        <a:t>Char</a:t>
+                      </a:r>
+                      <a:r>
+                        <a:rPr lang="fr-FR" sz="1800" b="0" dirty="0" smtClean="0">
+                          <a:solidFill>
+                            <a:srgbClr val="000000"/>
+                          </a:solidFill>
+                          <a:highlight>
+                            <a:srgbClr val="FFFFFF"/>
+                          </a:highlight>
+                          <a:latin typeface="Consolas" panose="020B0609020204030204" pitchFamily="49" charset="0"/>
+                        </a:rPr>
+                        <a:t> C = </a:t>
+                      </a:r>
+                      <a:r>
+                        <a:rPr lang="fr-FR" sz="1800" b="0" dirty="0" smtClean="0">
+                          <a:solidFill>
+                            <a:srgbClr val="A31515"/>
+                          </a:solidFill>
+                          <a:highlight>
+                            <a:srgbClr val="FFFFFF"/>
+                          </a:highlight>
+                          <a:latin typeface="Consolas" panose="020B0609020204030204" pitchFamily="49" charset="0"/>
+                        </a:rPr>
+                        <a:t>'C'</a:t>
+                      </a:r>
+                      <a:r>
+                        <a:rPr lang="fr-FR" sz="1800" b="0" dirty="0" smtClean="0">
+                          <a:solidFill>
+                            <a:srgbClr val="000000"/>
+                          </a:solidFill>
+                          <a:highlight>
+                            <a:srgbClr val="FFFFFF"/>
+                          </a:highlight>
+                          <a:latin typeface="Consolas" panose="020B0609020204030204" pitchFamily="49" charset="0"/>
+                        </a:rPr>
+                        <a:t>;</a:t>
+                      </a:r>
+                    </a:p>
+                    <a:p>
+                      <a:r>
+                        <a:rPr lang="en-GB" sz="1800" b="0" dirty="0" smtClean="0">
+                          <a:solidFill>
+                            <a:srgbClr val="0000FF"/>
+                          </a:solidFill>
+                          <a:highlight>
+                            <a:srgbClr val="FFFFFF"/>
+                          </a:highlight>
+                          <a:latin typeface="Consolas" panose="020B0609020204030204" pitchFamily="49" charset="0"/>
+                        </a:rPr>
+                        <a:t>bool</a:t>
+                      </a:r>
+                      <a:r>
+                        <a:rPr lang="en-GB" sz="1800" b="0" dirty="0" smtClean="0">
+                          <a:solidFill>
+                            <a:srgbClr val="000000"/>
+                          </a:solidFill>
+                          <a:highlight>
+                            <a:srgbClr val="FFFFFF"/>
+                          </a:highlight>
+                          <a:latin typeface="Consolas" panose="020B0609020204030204" pitchFamily="49" charset="0"/>
+                        </a:rPr>
+                        <a:t> b = </a:t>
+                      </a:r>
+                      <a:r>
+                        <a:rPr lang="en-GB" sz="1800" b="0" dirty="0" smtClean="0">
+                          <a:solidFill>
+                            <a:srgbClr val="0000FF"/>
+                          </a:solidFill>
+                          <a:highlight>
+                            <a:srgbClr val="FFFFFF"/>
+                          </a:highlight>
+                          <a:latin typeface="Consolas" panose="020B0609020204030204" pitchFamily="49" charset="0"/>
+                        </a:rPr>
+                        <a:t>true</a:t>
+                      </a:r>
+                      <a:r>
+                        <a:rPr lang="en-GB" sz="1800" b="0" dirty="0" smtClean="0">
+                          <a:solidFill>
+                            <a:srgbClr val="000000"/>
+                          </a:solidFill>
+                          <a:highlight>
+                            <a:srgbClr val="FFFFFF"/>
+                          </a:highlight>
+                          <a:latin typeface="Consolas" panose="020B0609020204030204" pitchFamily="49" charset="0"/>
+                        </a:rPr>
+                        <a:t>;      </a:t>
+                      </a:r>
+                      <a:r>
+                        <a:rPr lang="en-GB" sz="1800" b="0" dirty="0" smtClean="0">
+                          <a:solidFill>
+                            <a:srgbClr val="2B91AF"/>
+                          </a:solidFill>
+                          <a:highlight>
+                            <a:srgbClr val="FFFFFF"/>
+                          </a:highlight>
+                          <a:latin typeface="Consolas" panose="020B0609020204030204" pitchFamily="49" charset="0"/>
+                        </a:rPr>
+                        <a:t>Boolean</a:t>
+                      </a:r>
+                      <a:r>
+                        <a:rPr lang="en-GB" sz="1800" b="0" dirty="0" smtClean="0">
+                          <a:solidFill>
+                            <a:srgbClr val="000000"/>
+                          </a:solidFill>
+                          <a:highlight>
+                            <a:srgbClr val="FFFFFF"/>
+                          </a:highlight>
+                          <a:latin typeface="Consolas" panose="020B0609020204030204" pitchFamily="49" charset="0"/>
+                        </a:rPr>
+                        <a:t> B = </a:t>
+                      </a:r>
+                      <a:r>
+                        <a:rPr lang="en-GB" sz="1800" b="0" dirty="0" smtClean="0">
+                          <a:solidFill>
+                            <a:srgbClr val="0000FF"/>
+                          </a:solidFill>
+                          <a:highlight>
+                            <a:srgbClr val="FFFFFF"/>
+                          </a:highlight>
+                          <a:latin typeface="Consolas" panose="020B0609020204030204" pitchFamily="49" charset="0"/>
+                        </a:rPr>
+                        <a:t>false</a:t>
+                      </a:r>
+                      <a:r>
+                        <a:rPr lang="en-GB" sz="1800" b="0" dirty="0" smtClean="0">
+                          <a:solidFill>
+                            <a:srgbClr val="000000"/>
+                          </a:solidFill>
+                          <a:highlight>
+                            <a:srgbClr val="FFFFFF"/>
+                          </a:highlight>
+                          <a:latin typeface="Consolas" panose="020B0609020204030204" pitchFamily="49" charset="0"/>
+                        </a:rPr>
+                        <a:t>;</a:t>
+                      </a:r>
+                    </a:p>
+                    <a:p>
                       <a:endParaRPr lang="en-GB" sz="1800" b="0" dirty="0" smtClean="0">
                         <a:solidFill>
                           <a:srgbClr val="000000"/>
@@ -14347,7 +12008,7 @@
                     </a:p>
                     <a:p>
                       <a:r>
-                        <a:rPr lang="ru-RU" sz="1800" b="0" dirty="0" err="1" smtClean="0">
+                        <a:rPr lang="en-GB" sz="1800" b="0" dirty="0" smtClean="0">
                           <a:solidFill>
                             <a:srgbClr val="0000FF"/>
                           </a:solidFill>
@@ -14356,142 +12017,60 @@
                           </a:highlight>
                           <a:latin typeface="Consolas" panose="020B0609020204030204" pitchFamily="49" charset="0"/>
                         </a:rPr>
-                        <a:t>string</a:t>
-                      </a:r>
-                      <a:r>
-                        <a:rPr lang="ru-RU" sz="1800" b="0" dirty="0" smtClean="0">
-                          <a:solidFill>
-                            <a:srgbClr val="000000"/>
-                          </a:solidFill>
-                          <a:highlight>
-                            <a:srgbClr val="FFFFFF"/>
-                          </a:highlight>
-                          <a:latin typeface="Consolas" panose="020B0609020204030204" pitchFamily="49" charset="0"/>
-                        </a:rPr>
-                        <a:t> </a:t>
-                      </a:r>
-                      <a:r>
-                        <a:rPr lang="ru-RU" sz="1800" b="0" dirty="0" err="1" smtClean="0">
-                          <a:solidFill>
-                            <a:srgbClr val="000000"/>
-                          </a:solidFill>
-                          <a:highlight>
-                            <a:srgbClr val="FFFFFF"/>
-                          </a:highlight>
-                          <a:latin typeface="Consolas" panose="020B0609020204030204" pitchFamily="49" charset="0"/>
-                        </a:rPr>
-                        <a:t>line</a:t>
-                      </a:r>
-                      <a:r>
-                        <a:rPr lang="ru-RU" sz="1800" b="0" dirty="0" smtClean="0">
-                          <a:solidFill>
-                            <a:srgbClr val="000000"/>
-                          </a:solidFill>
-                          <a:highlight>
-                            <a:srgbClr val="FFFFFF"/>
-                          </a:highlight>
-                          <a:latin typeface="Consolas" panose="020B0609020204030204" pitchFamily="49" charset="0"/>
-                        </a:rPr>
-                        <a:t> = </a:t>
-                      </a:r>
-                      <a:r>
-                        <a:rPr lang="ru-RU" sz="1800" b="0" dirty="0" smtClean="0">
-                          <a:solidFill>
-                            <a:srgbClr val="A31515"/>
-                          </a:solidFill>
-                          <a:highlight>
-                            <a:srgbClr val="FFFFFF"/>
-                          </a:highlight>
-                          <a:latin typeface="Consolas" panose="020B0609020204030204" pitchFamily="49" charset="0"/>
-                        </a:rPr>
-                        <a:t>"да, это строка"</a:t>
-                      </a:r>
-                      <a:r>
-                        <a:rPr lang="ru-RU" sz="1800" b="0" dirty="0" smtClean="0">
-                          <a:solidFill>
-                            <a:srgbClr val="000000"/>
-                          </a:solidFill>
-                          <a:highlight>
-                            <a:srgbClr val="FFFFFF"/>
-                          </a:highlight>
-                          <a:latin typeface="Consolas" panose="020B0609020204030204" pitchFamily="49" charset="0"/>
-                        </a:rPr>
-                        <a:t>;</a:t>
-                      </a:r>
+                        <a:t>object</a:t>
+                      </a:r>
+                      <a:r>
+                        <a:rPr lang="en-GB" sz="1800" b="0" dirty="0" smtClean="0">
+                          <a:solidFill>
+                            <a:srgbClr val="000000"/>
+                          </a:solidFill>
+                          <a:highlight>
+                            <a:srgbClr val="FFFFFF"/>
+                          </a:highlight>
+                          <a:latin typeface="Consolas" panose="020B0609020204030204" pitchFamily="49" charset="0"/>
+                        </a:rPr>
+                        <a:t> foo;         </a:t>
+                      </a:r>
+                      <a:r>
+                        <a:rPr lang="en-GB" sz="1800" b="0" dirty="0" smtClean="0">
+                          <a:solidFill>
+                            <a:srgbClr val="2B91AF"/>
+                          </a:solidFill>
+                          <a:highlight>
+                            <a:srgbClr val="FFFFFF"/>
+                          </a:highlight>
+                          <a:latin typeface="Consolas" panose="020B0609020204030204" pitchFamily="49" charset="0"/>
+                        </a:rPr>
+                        <a:t>Object</a:t>
+                      </a:r>
+                      <a:r>
+                        <a:rPr lang="en-GB" sz="1800" b="0" dirty="0" smtClean="0">
+                          <a:solidFill>
+                            <a:srgbClr val="000000"/>
+                          </a:solidFill>
+                          <a:highlight>
+                            <a:srgbClr val="FFFFFF"/>
+                          </a:highlight>
+                          <a:latin typeface="Consolas" panose="020B0609020204030204" pitchFamily="49" charset="0"/>
+                        </a:rPr>
+                        <a:t> bar;</a:t>
+                      </a:r>
+                      <a:endParaRPr lang="en-GB" b="0" dirty="0"/>
                     </a:p>
+                  </a:txBody>
+                  <a:tcPr>
+                    <a:solidFill>
+                      <a:schemeClr val="bg1"/>
+                    </a:solidFill>
+                  </a:tcPr>
+                </a:tc>
+              </a:tr>
+              <a:tr h="370840">
+                <a:tc>
+                  <a:txBody>
+                    <a:bodyPr/>
+                    <a:lstStyle/>
                     <a:p>
-                      <a:r>
-                        <a:rPr lang="en-GB" sz="1800" b="0" dirty="0" err="1" smtClean="0">
-                          <a:solidFill>
-                            <a:srgbClr val="2B91AF"/>
-                          </a:solidFill>
-                          <a:highlight>
-                            <a:srgbClr val="FFFFFF"/>
-                          </a:highlight>
-                          <a:latin typeface="Consolas" panose="020B0609020204030204" pitchFamily="49" charset="0"/>
-                        </a:rPr>
-                        <a:t>DateTime</a:t>
-                      </a:r>
-                      <a:r>
-                        <a:rPr lang="en-GB" sz="1800" b="0" dirty="0" smtClean="0">
-                          <a:solidFill>
-                            <a:srgbClr val="000000"/>
-                          </a:solidFill>
-                          <a:highlight>
-                            <a:srgbClr val="FFFFFF"/>
-                          </a:highlight>
-                          <a:latin typeface="Consolas" panose="020B0609020204030204" pitchFamily="49" charset="0"/>
-                        </a:rPr>
-                        <a:t> date = </a:t>
-                      </a:r>
-                      <a:r>
-                        <a:rPr lang="en-GB" sz="1800" b="0" dirty="0" smtClean="0">
-                          <a:solidFill>
-                            <a:srgbClr val="0000FF"/>
-                          </a:solidFill>
-                          <a:highlight>
-                            <a:srgbClr val="FFFFFF"/>
-                          </a:highlight>
-                          <a:latin typeface="Consolas" panose="020B0609020204030204" pitchFamily="49" charset="0"/>
-                        </a:rPr>
-                        <a:t>new</a:t>
-                      </a:r>
-                      <a:r>
-                        <a:rPr lang="en-GB" sz="1800" b="0" dirty="0" smtClean="0">
-                          <a:solidFill>
-                            <a:srgbClr val="000000"/>
-                          </a:solidFill>
-                          <a:highlight>
-                            <a:srgbClr val="FFFFFF"/>
-                          </a:highlight>
-                          <a:latin typeface="Consolas" panose="020B0609020204030204" pitchFamily="49" charset="0"/>
-                        </a:rPr>
-                        <a:t> </a:t>
-                      </a:r>
-                      <a:r>
-                        <a:rPr lang="en-GB" sz="1800" b="0" dirty="0" err="1" smtClean="0">
-                          <a:solidFill>
-                            <a:srgbClr val="2B91AF"/>
-                          </a:solidFill>
-                          <a:highlight>
-                            <a:srgbClr val="FFFFFF"/>
-                          </a:highlight>
-                          <a:latin typeface="Consolas" panose="020B0609020204030204" pitchFamily="49" charset="0"/>
-                        </a:rPr>
-                        <a:t>DateTime</a:t>
-                      </a:r>
-                      <a:r>
-                        <a:rPr lang="en-GB" sz="1800" b="0" dirty="0" smtClean="0">
-                          <a:solidFill>
-                            <a:srgbClr val="000000"/>
-                          </a:solidFill>
-                          <a:highlight>
-                            <a:srgbClr val="FFFFFF"/>
-                          </a:highlight>
-                          <a:latin typeface="Consolas" panose="020B0609020204030204" pitchFamily="49" charset="0"/>
-                        </a:rPr>
-                        <a:t>(2016, 4, 2);</a:t>
-                      </a:r>
                       <a:endParaRPr lang="en-GB" b="0" dirty="0"/>
                     </a:p>
                   </a:txBody>

--- a/Presentations/Занятие 1.pptx
+++ b/Presentations/Занятие 1.pptx
@@ -5,7 +5,7 @@
     <p:sldMasterId id="2147483648" r:id="rId1"/>
   </p:sldMasterIdLst>
   <p:notesMasterIdLst>
-    <p:notesMasterId r:id="rId16"/>
+    <p:notesMasterId r:id="rId22"/>
   </p:notesMasterIdLst>
   <p:sldIdLst>
     <p:sldId id="256" r:id="rId2"/>
@@ -19,9 +19,15 @@
     <p:sldId id="285" r:id="rId10"/>
     <p:sldId id="287" r:id="rId11"/>
     <p:sldId id="286" r:id="rId12"/>
-    <p:sldId id="289" r:id="rId13"/>
-    <p:sldId id="290" r:id="rId14"/>
-    <p:sldId id="291" r:id="rId15"/>
+    <p:sldId id="297" r:id="rId13"/>
+    <p:sldId id="289" r:id="rId14"/>
+    <p:sldId id="290" r:id="rId15"/>
+    <p:sldId id="298" r:id="rId16"/>
+    <p:sldId id="301" r:id="rId17"/>
+    <p:sldId id="300" r:id="rId18"/>
+    <p:sldId id="293" r:id="rId19"/>
+    <p:sldId id="294" r:id="rId20"/>
+    <p:sldId id="291" r:id="rId21"/>
   </p:sldIdLst>
   <p:sldSz cx="12192000" cy="6858000"/>
   <p:notesSz cx="6858000" cy="9144000"/>
@@ -222,7 +228,7 @@
           <a:p>
             <a:fld id="{5FC6800F-F77B-4E37-9455-C74E3CC59F23}" type="datetimeFigureOut">
               <a:rPr lang="en-GB" smtClean="0"/>
-              <a:t>24/03/2016</a:t>
+              <a:t>26/03/2016</a:t>
             </a:fld>
             <a:endParaRPr lang="en-GB"/>
           </a:p>
@@ -574,6 +580,258 @@
 </p:notes>
 </file>
 
+<file path=ppt/notesSlides/notesSlide10.xml><?xml version="1.0" encoding="utf-8"?>
+<p:notes xmlns:a="http://schemas.openxmlformats.org/drawingml/2006/main" xmlns:r="http://schemas.openxmlformats.org/officeDocument/2006/relationships" xmlns:p="http://schemas.openxmlformats.org/presentationml/2006/main">
+  <p:cSld>
+    <p:spTree>
+      <p:nvGrpSpPr>
+        <p:cNvPr id="1" name=""/>
+        <p:cNvGrpSpPr/>
+        <p:nvPr/>
+      </p:nvGrpSpPr>
+      <p:grpSpPr>
+        <a:xfrm>
+          <a:off x="0" y="0"/>
+          <a:ext cx="0" cy="0"/>
+          <a:chOff x="0" y="0"/>
+          <a:chExt cx="0" cy="0"/>
+        </a:xfrm>
+      </p:grpSpPr>
+      <p:sp>
+        <p:nvSpPr>
+          <p:cNvPr id="2" name="Образ слайда 1"/>
+          <p:cNvSpPr>
+            <a:spLocks noGrp="1" noRot="1" noChangeAspect="1"/>
+          </p:cNvSpPr>
+          <p:nvPr>
+            <p:ph type="sldImg"/>
+          </p:nvPr>
+        </p:nvSpPr>
+        <p:spPr/>
+      </p:sp>
+      <p:sp>
+        <p:nvSpPr>
+          <p:cNvPr id="3" name="Заметки 2"/>
+          <p:cNvSpPr>
+            <a:spLocks noGrp="1"/>
+          </p:cNvSpPr>
+          <p:nvPr>
+            <p:ph type="body" idx="1"/>
+          </p:nvPr>
+        </p:nvSpPr>
+        <p:spPr/>
+        <p:txBody>
+          <a:bodyPr/>
+          <a:lstStyle/>
+          <a:p>
+            <a:endParaRPr lang="en-GB"/>
+          </a:p>
+        </p:txBody>
+      </p:sp>
+      <p:sp>
+        <p:nvSpPr>
+          <p:cNvPr id="4" name="Номер слайда 3"/>
+          <p:cNvSpPr>
+            <a:spLocks noGrp="1"/>
+          </p:cNvSpPr>
+          <p:nvPr>
+            <p:ph type="sldNum" sz="quarter" idx="10"/>
+          </p:nvPr>
+        </p:nvSpPr>
+        <p:spPr/>
+        <p:txBody>
+          <a:bodyPr/>
+          <a:lstStyle/>
+          <a:p>
+            <a:fld id="{8F6A3D4D-7E3A-4755-99AC-75200A9386BA}" type="slidenum">
+              <a:rPr lang="en-GB" smtClean="0"/>
+              <a:t>15</a:t>
+            </a:fld>
+            <a:endParaRPr lang="en-GB"/>
+          </a:p>
+        </p:txBody>
+      </p:sp>
+    </p:spTree>
+    <p:extLst>
+      <p:ext uri="{BB962C8B-B14F-4D97-AF65-F5344CB8AC3E}">
+        <p14:creationId xmlns:p14="http://schemas.microsoft.com/office/powerpoint/2010/main" val="2538391420"/>
+      </p:ext>
+    </p:extLst>
+  </p:cSld>
+  <p:clrMapOvr>
+    <a:masterClrMapping/>
+  </p:clrMapOvr>
+</p:notes>
+</file>
+
+<file path=ppt/notesSlides/notesSlide11.xml><?xml version="1.0" encoding="utf-8"?>
+<p:notes xmlns:a="http://schemas.openxmlformats.org/drawingml/2006/main" xmlns:r="http://schemas.openxmlformats.org/officeDocument/2006/relationships" xmlns:p="http://schemas.openxmlformats.org/presentationml/2006/main">
+  <p:cSld>
+    <p:spTree>
+      <p:nvGrpSpPr>
+        <p:cNvPr id="1" name=""/>
+        <p:cNvGrpSpPr/>
+        <p:nvPr/>
+      </p:nvGrpSpPr>
+      <p:grpSpPr>
+        <a:xfrm>
+          <a:off x="0" y="0"/>
+          <a:ext cx="0" cy="0"/>
+          <a:chOff x="0" y="0"/>
+          <a:chExt cx="0" cy="0"/>
+        </a:xfrm>
+      </p:grpSpPr>
+      <p:sp>
+        <p:nvSpPr>
+          <p:cNvPr id="2" name="Образ слайда 1"/>
+          <p:cNvSpPr>
+            <a:spLocks noGrp="1" noRot="1" noChangeAspect="1"/>
+          </p:cNvSpPr>
+          <p:nvPr>
+            <p:ph type="sldImg"/>
+          </p:nvPr>
+        </p:nvSpPr>
+        <p:spPr/>
+      </p:sp>
+      <p:sp>
+        <p:nvSpPr>
+          <p:cNvPr id="3" name="Заметки 2"/>
+          <p:cNvSpPr>
+            <a:spLocks noGrp="1"/>
+          </p:cNvSpPr>
+          <p:nvPr>
+            <p:ph type="body" idx="1"/>
+          </p:nvPr>
+        </p:nvSpPr>
+        <p:spPr/>
+        <p:txBody>
+          <a:bodyPr/>
+          <a:lstStyle/>
+          <a:p>
+            <a:endParaRPr lang="en-GB"/>
+          </a:p>
+        </p:txBody>
+      </p:sp>
+      <p:sp>
+        <p:nvSpPr>
+          <p:cNvPr id="4" name="Номер слайда 3"/>
+          <p:cNvSpPr>
+            <a:spLocks noGrp="1"/>
+          </p:cNvSpPr>
+          <p:nvPr>
+            <p:ph type="sldNum" sz="quarter" idx="10"/>
+          </p:nvPr>
+        </p:nvSpPr>
+        <p:spPr/>
+        <p:txBody>
+          <a:bodyPr/>
+          <a:lstStyle/>
+          <a:p>
+            <a:fld id="{8F6A3D4D-7E3A-4755-99AC-75200A9386BA}" type="slidenum">
+              <a:rPr lang="en-GB" smtClean="0"/>
+              <a:t>16</a:t>
+            </a:fld>
+            <a:endParaRPr lang="en-GB"/>
+          </a:p>
+        </p:txBody>
+      </p:sp>
+    </p:spTree>
+    <p:extLst>
+      <p:ext uri="{BB962C8B-B14F-4D97-AF65-F5344CB8AC3E}">
+        <p14:creationId xmlns:p14="http://schemas.microsoft.com/office/powerpoint/2010/main" val="1225602265"/>
+      </p:ext>
+    </p:extLst>
+  </p:cSld>
+  <p:clrMapOvr>
+    <a:masterClrMapping/>
+  </p:clrMapOvr>
+</p:notes>
+</file>
+
+<file path=ppt/notesSlides/notesSlide12.xml><?xml version="1.0" encoding="utf-8"?>
+<p:notes xmlns:a="http://schemas.openxmlformats.org/drawingml/2006/main" xmlns:r="http://schemas.openxmlformats.org/officeDocument/2006/relationships" xmlns:p="http://schemas.openxmlformats.org/presentationml/2006/main">
+  <p:cSld>
+    <p:spTree>
+      <p:nvGrpSpPr>
+        <p:cNvPr id="1" name=""/>
+        <p:cNvGrpSpPr/>
+        <p:nvPr/>
+      </p:nvGrpSpPr>
+      <p:grpSpPr>
+        <a:xfrm>
+          <a:off x="0" y="0"/>
+          <a:ext cx="0" cy="0"/>
+          <a:chOff x="0" y="0"/>
+          <a:chExt cx="0" cy="0"/>
+        </a:xfrm>
+      </p:grpSpPr>
+      <p:sp>
+        <p:nvSpPr>
+          <p:cNvPr id="2" name="Образ слайда 1"/>
+          <p:cNvSpPr>
+            <a:spLocks noGrp="1" noRot="1" noChangeAspect="1"/>
+          </p:cNvSpPr>
+          <p:nvPr>
+            <p:ph type="sldImg"/>
+          </p:nvPr>
+        </p:nvSpPr>
+        <p:spPr/>
+      </p:sp>
+      <p:sp>
+        <p:nvSpPr>
+          <p:cNvPr id="3" name="Заметки 2"/>
+          <p:cNvSpPr>
+            <a:spLocks noGrp="1"/>
+          </p:cNvSpPr>
+          <p:nvPr>
+            <p:ph type="body" idx="1"/>
+          </p:nvPr>
+        </p:nvSpPr>
+        <p:spPr/>
+        <p:txBody>
+          <a:bodyPr/>
+          <a:lstStyle/>
+          <a:p>
+            <a:endParaRPr lang="en-GB"/>
+          </a:p>
+        </p:txBody>
+      </p:sp>
+      <p:sp>
+        <p:nvSpPr>
+          <p:cNvPr id="4" name="Номер слайда 3"/>
+          <p:cNvSpPr>
+            <a:spLocks noGrp="1"/>
+          </p:cNvSpPr>
+          <p:nvPr>
+            <p:ph type="sldNum" sz="quarter" idx="10"/>
+          </p:nvPr>
+        </p:nvSpPr>
+        <p:spPr/>
+        <p:txBody>
+          <a:bodyPr/>
+          <a:lstStyle/>
+          <a:p>
+            <a:fld id="{8F6A3D4D-7E3A-4755-99AC-75200A9386BA}" type="slidenum">
+              <a:rPr lang="en-GB" smtClean="0"/>
+              <a:t>18</a:t>
+            </a:fld>
+            <a:endParaRPr lang="en-GB"/>
+          </a:p>
+        </p:txBody>
+      </p:sp>
+    </p:spTree>
+    <p:extLst>
+      <p:ext uri="{BB962C8B-B14F-4D97-AF65-F5344CB8AC3E}">
+        <p14:creationId xmlns:p14="http://schemas.microsoft.com/office/powerpoint/2010/main" val="3387606202"/>
+      </p:ext>
+    </p:extLst>
+  </p:cSld>
+  <p:clrMapOvr>
+    <a:masterClrMapping/>
+  </p:clrMapOvr>
+</p:notes>
+</file>
+
 <file path=ppt/notesSlides/notesSlide2.xml><?xml version="1.0" encoding="utf-8"?>
 <p:notes xmlns:a="http://schemas.openxmlformats.org/drawingml/2006/main" xmlns:r="http://schemas.openxmlformats.org/officeDocument/2006/relationships" xmlns:p="http://schemas.openxmlformats.org/presentationml/2006/main">
   <p:cSld>
@@ -1143,7 +1401,91 @@
           <a:p>
             <a:fld id="{8F6A3D4D-7E3A-4755-99AC-75200A9386BA}" type="slidenum">
               <a:rPr lang="en-GB" smtClean="0"/>
-              <a:t>13</a:t>
+              <a:t>12</a:t>
+            </a:fld>
+            <a:endParaRPr lang="en-GB"/>
+          </a:p>
+        </p:txBody>
+      </p:sp>
+    </p:spTree>
+    <p:extLst>
+      <p:ext uri="{BB962C8B-B14F-4D97-AF65-F5344CB8AC3E}">
+        <p14:creationId xmlns:p14="http://schemas.microsoft.com/office/powerpoint/2010/main" val="496073639"/>
+      </p:ext>
+    </p:extLst>
+  </p:cSld>
+  <p:clrMapOvr>
+    <a:masterClrMapping/>
+  </p:clrMapOvr>
+</p:notes>
+</file>
+
+<file path=ppt/notesSlides/notesSlide9.xml><?xml version="1.0" encoding="utf-8"?>
+<p:notes xmlns:a="http://schemas.openxmlformats.org/drawingml/2006/main" xmlns:r="http://schemas.openxmlformats.org/officeDocument/2006/relationships" xmlns:p="http://schemas.openxmlformats.org/presentationml/2006/main">
+  <p:cSld>
+    <p:spTree>
+      <p:nvGrpSpPr>
+        <p:cNvPr id="1" name=""/>
+        <p:cNvGrpSpPr/>
+        <p:nvPr/>
+      </p:nvGrpSpPr>
+      <p:grpSpPr>
+        <a:xfrm>
+          <a:off x="0" y="0"/>
+          <a:ext cx="0" cy="0"/>
+          <a:chOff x="0" y="0"/>
+          <a:chExt cx="0" cy="0"/>
+        </a:xfrm>
+      </p:grpSpPr>
+      <p:sp>
+        <p:nvSpPr>
+          <p:cNvPr id="2" name="Образ слайда 1"/>
+          <p:cNvSpPr>
+            <a:spLocks noGrp="1" noRot="1" noChangeAspect="1"/>
+          </p:cNvSpPr>
+          <p:nvPr>
+            <p:ph type="sldImg"/>
+          </p:nvPr>
+        </p:nvSpPr>
+        <p:spPr/>
+      </p:sp>
+      <p:sp>
+        <p:nvSpPr>
+          <p:cNvPr id="3" name="Заметки 2"/>
+          <p:cNvSpPr>
+            <a:spLocks noGrp="1"/>
+          </p:cNvSpPr>
+          <p:nvPr>
+            <p:ph type="body" idx="1"/>
+          </p:nvPr>
+        </p:nvSpPr>
+        <p:spPr/>
+        <p:txBody>
+          <a:bodyPr/>
+          <a:lstStyle/>
+          <a:p>
+            <a:endParaRPr lang="en-GB"/>
+          </a:p>
+        </p:txBody>
+      </p:sp>
+      <p:sp>
+        <p:nvSpPr>
+          <p:cNvPr id="4" name="Номер слайда 3"/>
+          <p:cNvSpPr>
+            <a:spLocks noGrp="1"/>
+          </p:cNvSpPr>
+          <p:nvPr>
+            <p:ph type="sldNum" sz="quarter" idx="10"/>
+          </p:nvPr>
+        </p:nvSpPr>
+        <p:spPr/>
+        <p:txBody>
+          <a:bodyPr/>
+          <a:lstStyle/>
+          <a:p>
+            <a:fld id="{8F6A3D4D-7E3A-4755-99AC-75200A9386BA}" type="slidenum">
+              <a:rPr lang="en-GB" smtClean="0"/>
+              <a:t>14</a:t>
             </a:fld>
             <a:endParaRPr lang="en-GB"/>
           </a:p>
@@ -5955,66 +6297,6 @@
       </p:grpSpPr>
       <p:sp>
         <p:nvSpPr>
-          <p:cNvPr id="3" name="Объект 2"/>
-          <p:cNvSpPr>
-            <a:spLocks noGrp="1"/>
-          </p:cNvSpPr>
-          <p:nvPr>
-            <p:ph idx="1"/>
-          </p:nvPr>
-        </p:nvSpPr>
-        <p:spPr>
-          <a:xfrm>
-            <a:off x="838200" y="556591"/>
-            <a:ext cx="10515600" cy="874276"/>
-          </a:xfrm>
-        </p:spPr>
-        <p:txBody>
-          <a:bodyPr>
-            <a:normAutofit/>
-          </a:bodyPr>
-          <a:lstStyle/>
-          <a:p>
-            <a:r>
-              <a:rPr lang="ru-RU" dirty="0" smtClean="0"/>
-              <a:t>Реализуйте любое количество из следующих методов в к</a:t>
-            </a:r>
-            <a:r>
-              <a:rPr lang="ru-RU" dirty="0"/>
-              <a:t>л</a:t>
-            </a:r>
-            <a:r>
-              <a:rPr lang="ru-RU" dirty="0" smtClean="0"/>
-              <a:t>ассе </a:t>
-            </a:r>
-            <a:r>
-              <a:rPr lang="en-GB" dirty="0" smtClean="0">
-                <a:solidFill>
-                  <a:srgbClr val="2B91AF"/>
-                </a:solidFill>
-                <a:highlight>
-                  <a:srgbClr val="FFFFFF"/>
-                </a:highlight>
-                <a:latin typeface="Consolas" panose="020B0609020204030204" pitchFamily="49" charset="0"/>
-              </a:rPr>
-              <a:t>Program</a:t>
-            </a:r>
-            <a:r>
-              <a:rPr lang="ru-RU" dirty="0" smtClean="0"/>
-              <a:t>:</a:t>
-            </a:r>
-            <a:endParaRPr lang="ru-RU" dirty="0" smtClean="0"/>
-          </a:p>
-          <a:p>
-            <a:endParaRPr lang="ru-RU" dirty="0"/>
-          </a:p>
-          <a:p>
-            <a:endParaRPr lang="ru-RU" dirty="0"/>
-          </a:p>
-        </p:txBody>
-      </p:sp>
-      <p:sp>
-        <p:nvSpPr>
           <p:cNvPr id="4" name="Дата 3"/>
           <p:cNvSpPr>
             <a:spLocks noGrp="1"/>
@@ -6052,10 +6334,22 @@
           <a:lstStyle/>
           <a:p>
             <a:r>
-              <a:rPr lang="ru-RU" smtClean="0"/>
-              <a:t>Ваганов Михаил Викторович  ASP.NET MVC + Oracle Database</a:t>
-            </a:r>
-            <a:endParaRPr lang="en-GB"/>
+              <a:rPr lang="ru-RU" dirty="0" smtClean="0"/>
+              <a:t>Ваганов Михаил Викторович  ASP.NET MVC + </a:t>
+            </a:r>
+            <a:r>
+              <a:rPr lang="ru-RU" dirty="0" err="1" smtClean="0"/>
+              <a:t>Oracle</a:t>
+            </a:r>
+            <a:r>
+              <a:rPr lang="ru-RU" dirty="0" smtClean="0"/>
+              <a:t> </a:t>
+            </a:r>
+            <a:r>
+              <a:rPr lang="ru-RU" dirty="0" err="1" smtClean="0"/>
+              <a:t>Database</a:t>
+            </a:r>
+            <a:endParaRPr lang="en-GB" dirty="0"/>
           </a:p>
         </p:txBody>
       </p:sp>
@@ -6099,13 +6393,13 @@
         </p:spPr>
         <p:style>
           <a:lnRef idx="0">
-            <a:schemeClr val="accent6"/>
+            <a:schemeClr val="accent5"/>
           </a:lnRef>
           <a:fillRef idx="3">
-            <a:schemeClr val="accent6"/>
+            <a:schemeClr val="accent5"/>
           </a:fillRef>
           <a:effectRef idx="3">
-            <a:schemeClr val="accent6"/>
+            <a:schemeClr val="accent5"/>
           </a:effectRef>
           <a:fontRef idx="minor">
             <a:schemeClr val="lt1"/>
@@ -6118,7 +6412,11 @@
             <a:pPr algn="ctr"/>
             <a:r>
               <a:rPr lang="en-US" dirty="0" smtClean="0"/>
-              <a:t>Hello world!</a:t>
+              <a:t>using </a:t>
+            </a:r>
+            <a:r>
+              <a:rPr lang="ru-RU" dirty="0" smtClean="0"/>
+              <a:t>и пространства имен</a:t>
             </a:r>
             <a:endParaRPr lang="en-GB" dirty="0"/>
           </a:p>
@@ -6126,223 +6424,555 @@
       </p:sp>
       <p:sp>
         <p:nvSpPr>
-          <p:cNvPr id="9" name="Объект 2"/>
-          <p:cNvSpPr txBox="1">
-            <a:spLocks/>
-          </p:cNvSpPr>
+          <p:cNvPr id="2" name="TextBox 1"/>
+          <p:cNvSpPr txBox="1"/>
           <p:nvPr/>
         </p:nvSpPr>
         <p:spPr>
           <a:xfrm>
-            <a:off x="838200" y="1691125"/>
-            <a:ext cx="10515600" cy="4360540"/>
+            <a:off x="838201" y="847897"/>
+            <a:ext cx="10515600" cy="923330"/>
+          </a:xfrm>
+          <a:prstGeom prst="rect">
+            <a:avLst/>
+          </a:prstGeom>
+          <a:ln>
+            <a:noFill/>
+          </a:ln>
+        </p:spPr>
+        <p:style>
+          <a:lnRef idx="2">
+            <a:schemeClr val="accent5"/>
+          </a:lnRef>
+          <a:fillRef idx="1">
+            <a:schemeClr val="lt1"/>
+          </a:fillRef>
+          <a:effectRef idx="0">
+            <a:schemeClr val="accent5"/>
+          </a:effectRef>
+          <a:fontRef idx="minor">
+            <a:schemeClr val="dk1"/>
+          </a:fontRef>
+        </p:style>
+        <p:txBody>
+          <a:bodyPr wrap="square" rtlCol="0">
+            <a:spAutoFit/>
+          </a:bodyPr>
+          <a:lstStyle/>
+          <a:p>
+            <a:r>
+              <a:rPr lang="ru-RU" dirty="0" smtClean="0"/>
+              <a:t>Пространства имен  можно понимать, как логические группы, в которые организованы классы. </a:t>
+            </a:r>
+          </a:p>
+          <a:p>
+            <a:r>
+              <a:rPr lang="ru-RU" dirty="0" smtClean="0"/>
+              <a:t>В рамках одного пространства имен нельзя использовать классы с одинаковыми именами – в разных пространствах имен такого ограничения нет!</a:t>
+            </a:r>
+            <a:endParaRPr lang="en-GB" dirty="0"/>
+          </a:p>
+        </p:txBody>
+      </p:sp>
+      <p:sp>
+        <p:nvSpPr>
+          <p:cNvPr id="3" name="Прямоугольник 2"/>
+          <p:cNvSpPr/>
+          <p:nvPr/>
+        </p:nvSpPr>
+        <p:spPr>
+          <a:xfrm>
+            <a:off x="838200" y="2146817"/>
+            <a:ext cx="6096000" cy="923330"/>
           </a:xfrm>
           <a:prstGeom prst="rect">
             <a:avLst/>
           </a:prstGeom>
         </p:spPr>
         <p:txBody>
-          <a:bodyPr vert="horz" lIns="91440" tIns="45720" rIns="91440" bIns="45720" rtlCol="0">
-            <a:normAutofit/>
+          <a:bodyPr>
+            <a:spAutoFit/>
           </a:bodyPr>
-          <a:lstStyle>
-            <a:lvl1pPr marL="228600" indent="-228600" algn="l" defTabSz="914400" rtl="0" eaLnBrk="1" latinLnBrk="0" hangingPunct="1">
-              <a:lnSpc>
-                <a:spcPct val="90000"/>
-              </a:lnSpc>
-              <a:spcBef>
-                <a:spcPts val="1000"/>
-              </a:spcBef>
-              <a:buFont typeface="Arial" panose="020B0604020202020204" pitchFamily="34" charset="0"/>
-              <a:buChar char="•"/>
-              <a:defRPr sz="2800" kern="1200">
-                <a:solidFill>
-                  <a:schemeClr val="tx1"/>
-                </a:solidFill>
-                <a:latin typeface="+mn-lt"/>
-                <a:ea typeface="+mn-ea"/>
-                <a:cs typeface="+mn-cs"/>
-              </a:defRPr>
-            </a:lvl1pPr>
-            <a:lvl2pPr marL="685800" indent="-228600" algn="l" defTabSz="914400" rtl="0" eaLnBrk="1" latinLnBrk="0" hangingPunct="1">
-              <a:lnSpc>
-                <a:spcPct val="90000"/>
-              </a:lnSpc>
-              <a:spcBef>
-                <a:spcPts val="500"/>
-              </a:spcBef>
-              <a:buFont typeface="Arial" panose="020B0604020202020204" pitchFamily="34" charset="0"/>
-              <a:buChar char="•"/>
-              <a:defRPr sz="2400" kern="1200">
-                <a:solidFill>
-                  <a:schemeClr val="tx1"/>
-                </a:solidFill>
-                <a:latin typeface="+mn-lt"/>
-                <a:ea typeface="+mn-ea"/>
-                <a:cs typeface="+mn-cs"/>
-              </a:defRPr>
-            </a:lvl2pPr>
-            <a:lvl3pPr marL="1143000" indent="-228600" algn="l" defTabSz="914400" rtl="0" eaLnBrk="1" latinLnBrk="0" hangingPunct="1">
-              <a:lnSpc>
-                <a:spcPct val="90000"/>
-              </a:lnSpc>
-              <a:spcBef>
-                <a:spcPts val="500"/>
-              </a:spcBef>
-              <a:buFont typeface="Arial" panose="020B0604020202020204" pitchFamily="34" charset="0"/>
-              <a:buChar char="•"/>
-              <a:defRPr sz="2000" kern="1200">
-                <a:solidFill>
-                  <a:schemeClr val="tx1"/>
-                </a:solidFill>
-                <a:latin typeface="+mn-lt"/>
-                <a:ea typeface="+mn-ea"/>
-                <a:cs typeface="+mn-cs"/>
-              </a:defRPr>
-            </a:lvl3pPr>
-            <a:lvl4pPr marL="1600200" indent="-228600" algn="l" defTabSz="914400" rtl="0" eaLnBrk="1" latinLnBrk="0" hangingPunct="1">
-              <a:lnSpc>
-                <a:spcPct val="90000"/>
-              </a:lnSpc>
-              <a:spcBef>
-                <a:spcPts val="500"/>
-              </a:spcBef>
-              <a:buFont typeface="Arial" panose="020B0604020202020204" pitchFamily="34" charset="0"/>
-              <a:buChar char="•"/>
-              <a:defRPr sz="1800" kern="1200">
-                <a:solidFill>
-                  <a:schemeClr val="tx1"/>
-                </a:solidFill>
-                <a:latin typeface="+mn-lt"/>
-                <a:ea typeface="+mn-ea"/>
-                <a:cs typeface="+mn-cs"/>
-              </a:defRPr>
-            </a:lvl4pPr>
-            <a:lvl5pPr marL="2057400" indent="-228600" algn="l" defTabSz="914400" rtl="0" eaLnBrk="1" latinLnBrk="0" hangingPunct="1">
-              <a:lnSpc>
-                <a:spcPct val="90000"/>
-              </a:lnSpc>
-              <a:spcBef>
-                <a:spcPts val="500"/>
-              </a:spcBef>
-              <a:buFont typeface="Arial" panose="020B0604020202020204" pitchFamily="34" charset="0"/>
-              <a:buChar char="•"/>
-              <a:defRPr sz="1800" kern="1200">
-                <a:solidFill>
-                  <a:schemeClr val="tx1"/>
-                </a:solidFill>
-                <a:latin typeface="+mn-lt"/>
-                <a:ea typeface="+mn-ea"/>
-                <a:cs typeface="+mn-cs"/>
-              </a:defRPr>
-            </a:lvl5pPr>
-            <a:lvl6pPr marL="2514600" indent="-228600" algn="l" defTabSz="914400" rtl="0" eaLnBrk="1" latinLnBrk="0" hangingPunct="1">
-              <a:lnSpc>
-                <a:spcPct val="90000"/>
-              </a:lnSpc>
-              <a:spcBef>
-                <a:spcPts val="500"/>
-              </a:spcBef>
-              <a:buFont typeface="Arial" panose="020B0604020202020204" pitchFamily="34" charset="0"/>
-              <a:buChar char="•"/>
-              <a:defRPr sz="1800" kern="1200">
-                <a:solidFill>
-                  <a:schemeClr val="tx1"/>
-                </a:solidFill>
-                <a:latin typeface="+mn-lt"/>
-                <a:ea typeface="+mn-ea"/>
-                <a:cs typeface="+mn-cs"/>
-              </a:defRPr>
-            </a:lvl6pPr>
-            <a:lvl7pPr marL="2971800" indent="-228600" algn="l" defTabSz="914400" rtl="0" eaLnBrk="1" latinLnBrk="0" hangingPunct="1">
-              <a:lnSpc>
-                <a:spcPct val="90000"/>
-              </a:lnSpc>
-              <a:spcBef>
-                <a:spcPts val="500"/>
-              </a:spcBef>
-              <a:buFont typeface="Arial" panose="020B0604020202020204" pitchFamily="34" charset="0"/>
-              <a:buChar char="•"/>
-              <a:defRPr sz="1800" kern="1200">
-                <a:solidFill>
-                  <a:schemeClr val="tx1"/>
-                </a:solidFill>
-                <a:latin typeface="+mn-lt"/>
-                <a:ea typeface="+mn-ea"/>
-                <a:cs typeface="+mn-cs"/>
-              </a:defRPr>
-            </a:lvl7pPr>
-            <a:lvl8pPr marL="3429000" indent="-228600" algn="l" defTabSz="914400" rtl="0" eaLnBrk="1" latinLnBrk="0" hangingPunct="1">
-              <a:lnSpc>
-                <a:spcPct val="90000"/>
-              </a:lnSpc>
-              <a:spcBef>
-                <a:spcPts val="500"/>
-              </a:spcBef>
-              <a:buFont typeface="Arial" panose="020B0604020202020204" pitchFamily="34" charset="0"/>
-              <a:buChar char="•"/>
-              <a:defRPr sz="1800" kern="1200">
-                <a:solidFill>
-                  <a:schemeClr val="tx1"/>
-                </a:solidFill>
-                <a:latin typeface="+mn-lt"/>
-                <a:ea typeface="+mn-ea"/>
-                <a:cs typeface="+mn-cs"/>
-              </a:defRPr>
-            </a:lvl8pPr>
-            <a:lvl9pPr marL="3886200" indent="-228600" algn="l" defTabSz="914400" rtl="0" eaLnBrk="1" latinLnBrk="0" hangingPunct="1">
-              <a:lnSpc>
-                <a:spcPct val="90000"/>
-              </a:lnSpc>
-              <a:spcBef>
-                <a:spcPts val="500"/>
-              </a:spcBef>
-              <a:buFont typeface="Arial" panose="020B0604020202020204" pitchFamily="34" charset="0"/>
-              <a:buChar char="•"/>
-              <a:defRPr sz="1800" kern="1200">
-                <a:solidFill>
-                  <a:schemeClr val="tx1"/>
-                </a:solidFill>
-                <a:latin typeface="+mn-lt"/>
-                <a:ea typeface="+mn-ea"/>
-                <a:cs typeface="+mn-cs"/>
-              </a:defRPr>
-            </a:lvl9pPr>
-          </a:lstStyle>
-          <a:p>
-            <a:pPr marL="914400" lvl="1" indent="-457200">
-              <a:buFont typeface="+mj-lt"/>
-              <a:buAutoNum type="arabicPeriod"/>
-            </a:pPr>
-            <a:r>
-              <a:rPr lang="ru-RU" dirty="0" smtClean="0"/>
-              <a:t>Создайте и инициализируйте в методе </a:t>
-            </a:r>
-            <a:r>
-              <a:rPr lang="ru-RU" dirty="0" smtClean="0"/>
-              <a:t>строку</a:t>
-            </a:r>
-            <a:r>
-              <a:rPr lang="ru-RU" dirty="0" smtClean="0"/>
-              <a:t>. Выводите в консоль обращение к пользователю «Угадай слово», пока пользователь не введет заданное вами значение.</a:t>
-            </a:r>
-          </a:p>
-          <a:p>
-            <a:pPr marL="914400" lvl="1" indent="-457200">
-              <a:buFont typeface="+mj-lt"/>
-              <a:buAutoNum type="arabicPeriod"/>
-            </a:pPr>
-            <a:endParaRPr lang="ru-RU" dirty="0" smtClean="0"/>
-          </a:p>
-          <a:p>
-            <a:pPr marL="914400" lvl="1" indent="-457200">
-              <a:buFont typeface="+mj-lt"/>
-              <a:buAutoNum type="arabicPeriod"/>
-            </a:pPr>
-            <a:r>
-              <a:rPr lang="ru-RU" dirty="0" smtClean="0"/>
-              <a:t>Используя объект класса </a:t>
-            </a:r>
+          <a:lstStyle/>
+          <a:p>
+            <a:r>
+              <a:rPr lang="en-GB" dirty="0">
+                <a:solidFill>
+                  <a:srgbClr val="0000FF"/>
+                </a:solidFill>
+                <a:highlight>
+                  <a:srgbClr val="FFFFFF"/>
+                </a:highlight>
+                <a:latin typeface="Consolas" panose="020B0609020204030204" pitchFamily="49" charset="0"/>
+              </a:rPr>
+              <a:t>using</a:t>
+            </a:r>
+            <a:r>
+              <a:rPr lang="en-GB" dirty="0">
+                <a:solidFill>
+                  <a:srgbClr val="000000"/>
+                </a:solidFill>
+                <a:highlight>
+                  <a:srgbClr val="FFFFFF"/>
+                </a:highlight>
+                <a:latin typeface="Consolas" panose="020B0609020204030204" pitchFamily="49" charset="0"/>
+              </a:rPr>
+              <a:t> </a:t>
+            </a:r>
+            <a:r>
+              <a:rPr lang="en-GB" dirty="0" err="1">
+                <a:solidFill>
+                  <a:srgbClr val="000000"/>
+                </a:solidFill>
+                <a:highlight>
+                  <a:srgbClr val="FFFFFF"/>
+                </a:highlight>
+                <a:latin typeface="Consolas" panose="020B0609020204030204" pitchFamily="49" charset="0"/>
+              </a:rPr>
+              <a:t>System.Threading</a:t>
+            </a:r>
+            <a:r>
+              <a:rPr lang="en-GB" dirty="0">
+                <a:solidFill>
+                  <a:srgbClr val="000000"/>
+                </a:solidFill>
+                <a:highlight>
+                  <a:srgbClr val="FFFFFF"/>
+                </a:highlight>
+                <a:latin typeface="Consolas" panose="020B0609020204030204" pitchFamily="49" charset="0"/>
+              </a:rPr>
+              <a:t>;</a:t>
+            </a:r>
+          </a:p>
+          <a:p>
+            <a:r>
+              <a:rPr lang="en-GB" dirty="0">
+                <a:solidFill>
+                  <a:srgbClr val="0000FF"/>
+                </a:solidFill>
+                <a:highlight>
+                  <a:srgbClr val="FFFFFF"/>
+                </a:highlight>
+                <a:latin typeface="Consolas" panose="020B0609020204030204" pitchFamily="49" charset="0"/>
+              </a:rPr>
+              <a:t>using</a:t>
+            </a:r>
+            <a:r>
+              <a:rPr lang="en-GB" dirty="0">
+                <a:solidFill>
+                  <a:srgbClr val="000000"/>
+                </a:solidFill>
+                <a:highlight>
+                  <a:srgbClr val="FFFFFF"/>
+                </a:highlight>
+                <a:latin typeface="Consolas" panose="020B0609020204030204" pitchFamily="49" charset="0"/>
+              </a:rPr>
+              <a:t> </a:t>
+            </a:r>
+            <a:r>
+              <a:rPr lang="en-GB" dirty="0" err="1">
+                <a:solidFill>
+                  <a:srgbClr val="000000"/>
+                </a:solidFill>
+                <a:highlight>
+                  <a:srgbClr val="FFFFFF"/>
+                </a:highlight>
+                <a:latin typeface="Consolas" panose="020B0609020204030204" pitchFamily="49" charset="0"/>
+              </a:rPr>
+              <a:t>System.Threading.Tasks</a:t>
+            </a:r>
+            <a:r>
+              <a:rPr lang="en-GB" dirty="0">
+                <a:solidFill>
+                  <a:srgbClr val="000000"/>
+                </a:solidFill>
+                <a:highlight>
+                  <a:srgbClr val="FFFFFF"/>
+                </a:highlight>
+                <a:latin typeface="Consolas" panose="020B0609020204030204" pitchFamily="49" charset="0"/>
+              </a:rPr>
+              <a:t>;</a:t>
+            </a:r>
+          </a:p>
+          <a:p>
+            <a:r>
+              <a:rPr lang="en-GB" dirty="0">
+                <a:solidFill>
+                  <a:srgbClr val="0000FF"/>
+                </a:solidFill>
+                <a:highlight>
+                  <a:srgbClr val="FFFFFF"/>
+                </a:highlight>
+                <a:latin typeface="Consolas" panose="020B0609020204030204" pitchFamily="49" charset="0"/>
+              </a:rPr>
+              <a:t>using</a:t>
+            </a:r>
+            <a:r>
+              <a:rPr lang="en-GB" dirty="0">
+                <a:solidFill>
+                  <a:srgbClr val="000000"/>
+                </a:solidFill>
+                <a:highlight>
+                  <a:srgbClr val="FFFFFF"/>
+                </a:highlight>
+                <a:latin typeface="Consolas" panose="020B0609020204030204" pitchFamily="49" charset="0"/>
+              </a:rPr>
+              <a:t> </a:t>
+            </a:r>
+            <a:r>
+              <a:rPr lang="en-GB" dirty="0" err="1">
+                <a:solidFill>
+                  <a:srgbClr val="000000"/>
+                </a:solidFill>
+                <a:highlight>
+                  <a:srgbClr val="FFFFFF"/>
+                </a:highlight>
+                <a:latin typeface="Consolas" panose="020B0609020204030204" pitchFamily="49" charset="0"/>
+              </a:rPr>
+              <a:t>System.Windows.Forms</a:t>
+            </a:r>
+            <a:r>
+              <a:rPr lang="en-GB" dirty="0">
+                <a:solidFill>
+                  <a:srgbClr val="000000"/>
+                </a:solidFill>
+                <a:highlight>
+                  <a:srgbClr val="FFFFFF"/>
+                </a:highlight>
+                <a:latin typeface="Consolas" panose="020B0609020204030204" pitchFamily="49" charset="0"/>
+              </a:rPr>
+              <a:t>;</a:t>
+            </a:r>
+          </a:p>
+        </p:txBody>
+      </p:sp>
+      <p:sp>
+        <p:nvSpPr>
+          <p:cNvPr id="9" name="Прямоугольник 8"/>
+          <p:cNvSpPr/>
+          <p:nvPr/>
+        </p:nvSpPr>
+        <p:spPr>
+          <a:xfrm>
+            <a:off x="5220703" y="4404940"/>
+            <a:ext cx="1830950" cy="369332"/>
+          </a:xfrm>
+          <a:prstGeom prst="rect">
+            <a:avLst/>
+          </a:prstGeom>
+        </p:spPr>
+        <p:style>
+          <a:lnRef idx="2">
+            <a:schemeClr val="accent5"/>
+          </a:lnRef>
+          <a:fillRef idx="1">
+            <a:schemeClr val="lt1"/>
+          </a:fillRef>
+          <a:effectRef idx="0">
+            <a:schemeClr val="accent5"/>
+          </a:effectRef>
+          <a:fontRef idx="minor">
+            <a:schemeClr val="dk1"/>
+          </a:fontRef>
+        </p:style>
+        <p:txBody>
+          <a:bodyPr wrap="none">
+            <a:spAutoFit/>
+          </a:bodyPr>
+          <a:lstStyle/>
+          <a:p>
+            <a:r>
+              <a:rPr lang="en-GB" dirty="0">
+                <a:solidFill>
+                  <a:srgbClr val="0000FF"/>
+                </a:solidFill>
+                <a:highlight>
+                  <a:srgbClr val="FFFFFF"/>
+                </a:highlight>
+                <a:latin typeface="Consolas" panose="020B0609020204030204" pitchFamily="49" charset="0"/>
+              </a:rPr>
+              <a:t>using</a:t>
+            </a:r>
+            <a:r>
+              <a:rPr lang="en-GB" dirty="0">
+                <a:solidFill>
+                  <a:srgbClr val="000000"/>
+                </a:solidFill>
+                <a:highlight>
+                  <a:srgbClr val="FFFFFF"/>
+                </a:highlight>
+                <a:latin typeface="Consolas" panose="020B0609020204030204" pitchFamily="49" charset="0"/>
+              </a:rPr>
+              <a:t> System;</a:t>
+            </a:r>
+            <a:endParaRPr lang="en-GB" dirty="0"/>
+          </a:p>
+        </p:txBody>
+      </p:sp>
+      <p:sp>
+        <p:nvSpPr>
+          <p:cNvPr id="11" name="Прямоугольник 10"/>
+          <p:cNvSpPr/>
+          <p:nvPr/>
+        </p:nvSpPr>
+        <p:spPr>
+          <a:xfrm>
+            <a:off x="1034935" y="3989443"/>
+            <a:ext cx="3003665" cy="1200329"/>
+          </a:xfrm>
+          <a:prstGeom prst="rect">
+            <a:avLst/>
+          </a:prstGeom>
+        </p:spPr>
+        <p:style>
+          <a:lnRef idx="2">
+            <a:schemeClr val="accent5"/>
+          </a:lnRef>
+          <a:fillRef idx="1">
+            <a:schemeClr val="lt1"/>
+          </a:fillRef>
+          <a:effectRef idx="0">
+            <a:schemeClr val="accent5"/>
+          </a:effectRef>
+          <a:fontRef idx="minor">
+            <a:schemeClr val="dk1"/>
+          </a:fontRef>
+        </p:style>
+        <p:txBody>
+          <a:bodyPr wrap="square">
+            <a:spAutoFit/>
+          </a:bodyPr>
+          <a:lstStyle/>
+          <a:p>
+            <a:r>
+              <a:rPr lang="en-GB" dirty="0">
+                <a:solidFill>
+                  <a:srgbClr val="000000"/>
+                </a:solidFill>
+                <a:highlight>
+                  <a:srgbClr val="FFFFFF"/>
+                </a:highlight>
+                <a:latin typeface="Consolas" panose="020B0609020204030204" pitchFamily="49" charset="0"/>
+              </a:rPr>
+              <a:t>String </a:t>
+            </a:r>
+            <a:r>
+              <a:rPr lang="en-GB" dirty="0" err="1">
+                <a:solidFill>
+                  <a:srgbClr val="000000"/>
+                </a:solidFill>
+                <a:highlight>
+                  <a:srgbClr val="FFFFFF"/>
+                </a:highlight>
+                <a:latin typeface="Consolas" panose="020B0609020204030204" pitchFamily="49" charset="0"/>
+              </a:rPr>
+              <a:t>str</a:t>
+            </a:r>
+            <a:r>
+              <a:rPr lang="en-GB" dirty="0">
+                <a:solidFill>
+                  <a:srgbClr val="000000"/>
+                </a:solidFill>
+                <a:highlight>
+                  <a:srgbClr val="FFFFFF"/>
+                </a:highlight>
+                <a:latin typeface="Consolas" panose="020B0609020204030204" pitchFamily="49" charset="0"/>
+              </a:rPr>
+              <a:t> = </a:t>
+            </a:r>
+            <a:r>
+              <a:rPr lang="en-GB" dirty="0">
+                <a:solidFill>
+                  <a:srgbClr val="A31515"/>
+                </a:solidFill>
+                <a:highlight>
+                  <a:srgbClr val="FFFFFF"/>
+                </a:highlight>
+                <a:latin typeface="Consolas" panose="020B0609020204030204" pitchFamily="49" charset="0"/>
+              </a:rPr>
+              <a:t>"sample"</a:t>
+            </a:r>
+            <a:r>
+              <a:rPr lang="en-GB" dirty="0">
+                <a:solidFill>
+                  <a:srgbClr val="000000"/>
+                </a:solidFill>
+                <a:highlight>
+                  <a:srgbClr val="FFFFFF"/>
+                </a:highlight>
+                <a:latin typeface="Consolas" panose="020B0609020204030204" pitchFamily="49" charset="0"/>
+              </a:rPr>
+              <a:t>;</a:t>
+            </a:r>
+          </a:p>
+          <a:p>
+            <a:r>
+              <a:rPr lang="en-GB" dirty="0">
+                <a:solidFill>
+                  <a:srgbClr val="000000"/>
+                </a:solidFill>
+                <a:highlight>
+                  <a:srgbClr val="FFFFFF"/>
+                </a:highlight>
+                <a:latin typeface="Consolas" panose="020B0609020204030204" pitchFamily="49" charset="0"/>
+              </a:rPr>
+              <a:t>Int32 </a:t>
+            </a:r>
+            <a:r>
+              <a:rPr lang="en-GB" dirty="0" err="1">
+                <a:solidFill>
+                  <a:srgbClr val="000000"/>
+                </a:solidFill>
+                <a:highlight>
+                  <a:srgbClr val="FFFFFF"/>
+                </a:highlight>
+                <a:latin typeface="Consolas" panose="020B0609020204030204" pitchFamily="49" charset="0"/>
+              </a:rPr>
+              <a:t>i</a:t>
+            </a:r>
+            <a:r>
+              <a:rPr lang="en-GB" dirty="0">
+                <a:solidFill>
+                  <a:srgbClr val="000000"/>
+                </a:solidFill>
+                <a:highlight>
+                  <a:srgbClr val="FFFFFF"/>
+                </a:highlight>
+                <a:latin typeface="Consolas" panose="020B0609020204030204" pitchFamily="49" charset="0"/>
+              </a:rPr>
+              <a:t> = 32;</a:t>
+            </a:r>
+          </a:p>
+          <a:p>
+            <a:r>
+              <a:rPr lang="en-GB" dirty="0" smtClean="0"/>
+              <a:t>Boolean </a:t>
+            </a:r>
+            <a:r>
+              <a:rPr lang="en-GB" dirty="0" smtClean="0">
+                <a:solidFill>
+                  <a:srgbClr val="000000"/>
+                </a:solidFill>
+                <a:highlight>
+                  <a:srgbClr val="FFFFFF"/>
+                </a:highlight>
+                <a:latin typeface="Consolas" panose="020B0609020204030204" pitchFamily="49" charset="0"/>
+              </a:rPr>
+              <a:t>b = </a:t>
+            </a:r>
+            <a:r>
+              <a:rPr lang="en-GB" dirty="0" smtClean="0">
+                <a:solidFill>
+                  <a:srgbClr val="0000FF"/>
+                </a:solidFill>
+                <a:highlight>
+                  <a:srgbClr val="FFFFFF"/>
+                </a:highlight>
+                <a:latin typeface="Consolas" panose="020B0609020204030204" pitchFamily="49" charset="0"/>
+              </a:rPr>
+              <a:t>false</a:t>
+            </a:r>
+            <a:r>
+              <a:rPr lang="en-GB" dirty="0" smtClean="0">
+                <a:solidFill>
+                  <a:srgbClr val="000000"/>
+                </a:solidFill>
+                <a:highlight>
+                  <a:srgbClr val="FFFFFF"/>
+                </a:highlight>
+                <a:latin typeface="Consolas" panose="020B0609020204030204" pitchFamily="49" charset="0"/>
+              </a:rPr>
+              <a:t>;</a:t>
+            </a:r>
+          </a:p>
+          <a:p>
+            <a:r>
+              <a:rPr lang="en-GB" dirty="0" smtClean="0">
+                <a:solidFill>
+                  <a:srgbClr val="000000"/>
+                </a:solidFill>
+                <a:highlight>
+                  <a:srgbClr val="FFFFFF"/>
+                </a:highlight>
+                <a:latin typeface="Consolas" panose="020B0609020204030204" pitchFamily="49" charset="0"/>
+              </a:rPr>
+              <a:t>Char </a:t>
+            </a:r>
+            <a:r>
+              <a:rPr lang="en-GB" dirty="0">
+                <a:solidFill>
+                  <a:srgbClr val="000000"/>
+                </a:solidFill>
+                <a:highlight>
+                  <a:srgbClr val="FFFFFF"/>
+                </a:highlight>
+                <a:latin typeface="Consolas" panose="020B0609020204030204" pitchFamily="49" charset="0"/>
+              </a:rPr>
+              <a:t>c = </a:t>
+            </a:r>
+            <a:r>
+              <a:rPr lang="en-GB" dirty="0">
+                <a:solidFill>
+                  <a:srgbClr val="A31515"/>
+                </a:solidFill>
+                <a:highlight>
+                  <a:srgbClr val="FFFFFF"/>
+                </a:highlight>
+                <a:latin typeface="Consolas" panose="020B0609020204030204" pitchFamily="49" charset="0"/>
+              </a:rPr>
+              <a:t>'d'</a:t>
+            </a:r>
+            <a:r>
+              <a:rPr lang="en-GB" dirty="0">
+                <a:solidFill>
+                  <a:srgbClr val="000000"/>
+                </a:solidFill>
+                <a:highlight>
+                  <a:srgbClr val="FFFFFF"/>
+                </a:highlight>
+                <a:latin typeface="Consolas" panose="020B0609020204030204" pitchFamily="49" charset="0"/>
+              </a:rPr>
+              <a:t>;</a:t>
+            </a:r>
+            <a:endParaRPr lang="en-GB" dirty="0"/>
+          </a:p>
+        </p:txBody>
+      </p:sp>
+      <p:sp>
+        <p:nvSpPr>
+          <p:cNvPr id="16" name="Прямоугольник 15"/>
+          <p:cNvSpPr/>
+          <p:nvPr/>
+        </p:nvSpPr>
+        <p:spPr>
+          <a:xfrm>
+            <a:off x="8233756" y="3989442"/>
+            <a:ext cx="3120044" cy="1200329"/>
+          </a:xfrm>
+          <a:prstGeom prst="rect">
+            <a:avLst/>
+          </a:prstGeom>
+        </p:spPr>
+        <p:style>
+          <a:lnRef idx="2">
+            <a:schemeClr val="accent5"/>
+          </a:lnRef>
+          <a:fillRef idx="1">
+            <a:schemeClr val="lt1"/>
+          </a:fillRef>
+          <a:effectRef idx="0">
+            <a:schemeClr val="accent5"/>
+          </a:effectRef>
+          <a:fontRef idx="minor">
+            <a:schemeClr val="dk1"/>
+          </a:fontRef>
+        </p:style>
+        <p:txBody>
+          <a:bodyPr wrap="square">
+            <a:spAutoFit/>
+          </a:bodyPr>
+          <a:lstStyle/>
+          <a:p>
             <a:r>
               <a:rPr lang="en-GB" dirty="0">
                 <a:solidFill>
@@ -6353,31 +6983,72 @@
                 </a:highlight>
                 <a:latin typeface="Consolas" panose="020B0609020204030204" pitchFamily="49" charset="0"/>
               </a:rPr>
-              <a:t>Random </a:t>
-            </a:r>
-            <a:r>
-              <a:rPr lang="ru-RU" dirty="0" smtClean="0"/>
-              <a:t>сгенерируйте 10 произвольных чисел и сравните их с заранее заданным числом – результат каждого сравнения выводите в консоль.</a:t>
-            </a:r>
-          </a:p>
-          <a:p>
-            <a:pPr marL="914400" lvl="1" indent="-457200">
-              <a:buFont typeface="+mj-lt"/>
-              <a:buAutoNum type="arabicPeriod"/>
-            </a:pPr>
-            <a:endParaRPr lang="en-US" dirty="0" smtClean="0"/>
-          </a:p>
-          <a:p>
-            <a:pPr marL="914400" lvl="1" indent="-457200">
-              <a:buFont typeface="+mj-lt"/>
-              <a:buAutoNum type="arabicPeriod"/>
-            </a:pPr>
-            <a:r>
-              <a:rPr lang="ru-RU" dirty="0" smtClean="0"/>
-              <a:t>Смоделируйте копилку: изначально в ней нет денег, но в каждый проход цикла в нее помещается произвольное количество денег – используйте объект класса </a:t>
-            </a:r>
-            <a:r>
-              <a:rPr lang="en-GB" dirty="0" smtClean="0">
+              <a:t>String</a:t>
+            </a:r>
+            <a:r>
+              <a:rPr lang="en-GB" dirty="0">
+                <a:solidFill>
+                  <a:srgbClr val="000000"/>
+                </a:solidFill>
+                <a:highlight>
+                  <a:srgbClr val="FFFFFF"/>
+                </a:highlight>
+                <a:latin typeface="Consolas" panose="020B0609020204030204" pitchFamily="49" charset="0"/>
+              </a:rPr>
+              <a:t> </a:t>
+            </a:r>
+            <a:r>
+              <a:rPr lang="en-GB" dirty="0" err="1">
+                <a:solidFill>
+                  <a:srgbClr val="000000"/>
+                </a:solidFill>
+                <a:highlight>
+                  <a:srgbClr val="FFFFFF"/>
+                </a:highlight>
+                <a:latin typeface="Consolas" panose="020B0609020204030204" pitchFamily="49" charset="0"/>
+              </a:rPr>
+              <a:t>str</a:t>
+            </a:r>
+            <a:r>
+              <a:rPr lang="en-GB" dirty="0">
+                <a:solidFill>
+                  <a:srgbClr val="000000"/>
+                </a:solidFill>
+                <a:highlight>
+                  <a:srgbClr val="FFFFFF"/>
+                </a:highlight>
+                <a:latin typeface="Consolas" panose="020B0609020204030204" pitchFamily="49" charset="0"/>
+              </a:rPr>
+              <a:t> = </a:t>
+            </a:r>
+            <a:r>
+              <a:rPr lang="en-GB" dirty="0">
+                <a:solidFill>
+                  <a:srgbClr val="A31515"/>
+                </a:solidFill>
+                <a:highlight>
+                  <a:srgbClr val="FFFFFF"/>
+                </a:highlight>
+                <a:latin typeface="Consolas" panose="020B0609020204030204" pitchFamily="49" charset="0"/>
+              </a:rPr>
+              <a:t>"sample"</a:t>
+            </a:r>
+            <a:r>
+              <a:rPr lang="en-GB" dirty="0">
+                <a:solidFill>
+                  <a:srgbClr val="000000"/>
+                </a:solidFill>
+                <a:highlight>
+                  <a:srgbClr val="FFFFFF"/>
+                </a:highlight>
+                <a:latin typeface="Consolas" panose="020B0609020204030204" pitchFamily="49" charset="0"/>
+              </a:rPr>
+              <a:t>;</a:t>
+            </a:r>
+          </a:p>
+          <a:p>
+            <a:r>
+              <a:rPr lang="en-GB" dirty="0">
                 <a:solidFill>
                   <a:srgbClr val="2B91AF"/>
                 </a:solidFill>
@@ -6386,10 +7057,48 @@
                 </a:highlight>
                 <a:latin typeface="Consolas" panose="020B0609020204030204" pitchFamily="49" charset="0"/>
               </a:rPr>
-              <a:t>Random</a:t>
-            </a:r>
-            <a:r>
-              <a:rPr lang="ru-RU" dirty="0" smtClean="0">
+              <a:t>Int32</a:t>
+            </a:r>
+            <a:r>
+              <a:rPr lang="en-GB" dirty="0">
+                <a:solidFill>
+                  <a:srgbClr val="000000"/>
+                </a:solidFill>
+                <a:highlight>
+                  <a:srgbClr val="FFFFFF"/>
+                </a:highlight>
+                <a:latin typeface="Consolas" panose="020B0609020204030204" pitchFamily="49" charset="0"/>
+              </a:rPr>
+              <a:t> </a:t>
+            </a:r>
+            <a:r>
+              <a:rPr lang="en-GB" dirty="0" err="1">
+                <a:solidFill>
+                  <a:srgbClr val="000000"/>
+                </a:solidFill>
+                <a:highlight>
+                  <a:srgbClr val="FFFFFF"/>
+                </a:highlight>
+                <a:latin typeface="Consolas" panose="020B0609020204030204" pitchFamily="49" charset="0"/>
+              </a:rPr>
+              <a:t>i</a:t>
+            </a:r>
+            <a:r>
+              <a:rPr lang="en-GB" dirty="0">
+                <a:solidFill>
+                  <a:srgbClr val="000000"/>
+                </a:solidFill>
+                <a:highlight>
+                  <a:srgbClr val="FFFFFF"/>
+                </a:highlight>
+                <a:latin typeface="Consolas" panose="020B0609020204030204" pitchFamily="49" charset="0"/>
+              </a:rPr>
+              <a:t> = 32;</a:t>
+            </a:r>
+          </a:p>
+          <a:p>
+            <a:r>
+              <a:rPr lang="en-GB" dirty="0">
                 <a:solidFill>
                   <a:srgbClr val="2B91AF"/>
                 </a:solidFill>
@@ -6398,33 +7107,182 @@
                 </a:highlight>
                 <a:latin typeface="Consolas" panose="020B0609020204030204" pitchFamily="49" charset="0"/>
               </a:rPr>
-              <a:t> </a:t>
-            </a:r>
-            <a:r>
-              <a:rPr lang="ru-RU" dirty="0" smtClean="0"/>
-              <a:t>выводите текущее количество денег в каждый проход цикла до достижения нужной суммы.</a:t>
-            </a:r>
-            <a:endParaRPr lang="ru-RU" dirty="0" smtClean="0"/>
-          </a:p>
-          <a:p>
-            <a:pPr marL="914400" lvl="1" indent="-457200">
-              <a:buFont typeface="+mj-lt"/>
-              <a:buAutoNum type="arabicPeriod"/>
-            </a:pPr>
-            <a:endParaRPr lang="ru-RU" dirty="0" smtClean="0"/>
-          </a:p>
-          <a:p>
-            <a:endParaRPr lang="ru-RU" dirty="0" smtClean="0"/>
-          </a:p>
-          <a:p>
-            <a:endParaRPr lang="ru-RU" dirty="0"/>
+              <a:t>Boolean</a:t>
+            </a:r>
+            <a:r>
+              <a:rPr lang="en-GB" dirty="0">
+                <a:solidFill>
+                  <a:srgbClr val="000000"/>
+                </a:solidFill>
+                <a:highlight>
+                  <a:srgbClr val="FFFFFF"/>
+                </a:highlight>
+                <a:latin typeface="Consolas" panose="020B0609020204030204" pitchFamily="49" charset="0"/>
+              </a:rPr>
+              <a:t> b = </a:t>
+            </a:r>
+            <a:r>
+              <a:rPr lang="en-GB" dirty="0">
+                <a:solidFill>
+                  <a:srgbClr val="0000FF"/>
+                </a:solidFill>
+                <a:highlight>
+                  <a:srgbClr val="FFFFFF"/>
+                </a:highlight>
+                <a:latin typeface="Consolas" panose="020B0609020204030204" pitchFamily="49" charset="0"/>
+              </a:rPr>
+              <a:t>false</a:t>
+            </a:r>
+            <a:r>
+              <a:rPr lang="en-GB" dirty="0">
+                <a:solidFill>
+                  <a:srgbClr val="000000"/>
+                </a:solidFill>
+                <a:highlight>
+                  <a:srgbClr val="FFFFFF"/>
+                </a:highlight>
+                <a:latin typeface="Consolas" panose="020B0609020204030204" pitchFamily="49" charset="0"/>
+              </a:rPr>
+              <a:t>;</a:t>
+            </a:r>
+          </a:p>
+          <a:p>
+            <a:r>
+              <a:rPr lang="en-GB" dirty="0">
+                <a:solidFill>
+                  <a:srgbClr val="2B91AF"/>
+                </a:solidFill>
+                <a:highlight>
+                  <a:srgbClr val="FFFFFF"/>
+                </a:highlight>
+                <a:latin typeface="Consolas" panose="020B0609020204030204" pitchFamily="49" charset="0"/>
+              </a:rPr>
+              <a:t>Char</a:t>
+            </a:r>
+            <a:r>
+              <a:rPr lang="en-GB" dirty="0">
+                <a:solidFill>
+                  <a:srgbClr val="000000"/>
+                </a:solidFill>
+                <a:highlight>
+                  <a:srgbClr val="FFFFFF"/>
+                </a:highlight>
+                <a:latin typeface="Consolas" panose="020B0609020204030204" pitchFamily="49" charset="0"/>
+              </a:rPr>
+              <a:t> c = </a:t>
+            </a:r>
+            <a:r>
+              <a:rPr lang="en-GB" dirty="0">
+                <a:solidFill>
+                  <a:srgbClr val="A31515"/>
+                </a:solidFill>
+                <a:highlight>
+                  <a:srgbClr val="FFFFFF"/>
+                </a:highlight>
+                <a:latin typeface="Consolas" panose="020B0609020204030204" pitchFamily="49" charset="0"/>
+              </a:rPr>
+              <a:t>'d'</a:t>
+            </a:r>
+            <a:r>
+              <a:rPr lang="en-GB" dirty="0">
+                <a:solidFill>
+                  <a:srgbClr val="000000"/>
+                </a:solidFill>
+                <a:highlight>
+                  <a:srgbClr val="FFFFFF"/>
+                </a:highlight>
+                <a:latin typeface="Consolas" panose="020B0609020204030204" pitchFamily="49" charset="0"/>
+              </a:rPr>
+              <a:t>;</a:t>
+            </a:r>
+            <a:endParaRPr lang="en-GB" dirty="0"/>
+          </a:p>
+        </p:txBody>
+      </p:sp>
+      <p:sp>
+        <p:nvSpPr>
+          <p:cNvPr id="17" name="Стрелка вправо 16"/>
+          <p:cNvSpPr/>
+          <p:nvPr/>
+        </p:nvSpPr>
+        <p:spPr>
+          <a:xfrm>
+            <a:off x="4155826" y="4404940"/>
+            <a:ext cx="947651" cy="369332"/>
+          </a:xfrm>
+          <a:prstGeom prst="rightArrow">
+            <a:avLst/>
+          </a:prstGeom>
+        </p:spPr>
+        <p:style>
+          <a:lnRef idx="2">
+            <a:schemeClr val="accent1">
+              <a:shade val="50000"/>
+            </a:schemeClr>
+          </a:lnRef>
+          <a:fillRef idx="1">
+            <a:schemeClr val="accent1"/>
+          </a:fillRef>
+          <a:effectRef idx="0">
+            <a:schemeClr val="accent1"/>
+          </a:effectRef>
+          <a:fontRef idx="minor">
+            <a:schemeClr val="lt1"/>
+          </a:fontRef>
+        </p:style>
+        <p:txBody>
+          <a:bodyPr rtlCol="0" anchor="ctr"/>
+          <a:lstStyle/>
+          <a:p>
+            <a:pPr algn="ctr"/>
+            <a:endParaRPr lang="en-GB"/>
+          </a:p>
+        </p:txBody>
+      </p:sp>
+      <p:sp>
+        <p:nvSpPr>
+          <p:cNvPr id="18" name="Стрелка вправо 17"/>
+          <p:cNvSpPr/>
+          <p:nvPr/>
+        </p:nvSpPr>
+        <p:spPr>
+          <a:xfrm>
+            <a:off x="7205749" y="4404940"/>
+            <a:ext cx="947651" cy="369332"/>
+          </a:xfrm>
+          <a:prstGeom prst="rightArrow">
+            <a:avLst/>
+          </a:prstGeom>
+        </p:spPr>
+        <p:style>
+          <a:lnRef idx="2">
+            <a:schemeClr val="accent1">
+              <a:shade val="50000"/>
+            </a:schemeClr>
+          </a:lnRef>
+          <a:fillRef idx="1">
+            <a:schemeClr val="accent1"/>
+          </a:fillRef>
+          <a:effectRef idx="0">
+            <a:schemeClr val="accent1"/>
+          </a:effectRef>
+          <a:fontRef idx="minor">
+            <a:schemeClr val="lt1"/>
+          </a:fontRef>
+        </p:style>
+        <p:txBody>
+          <a:bodyPr rtlCol="0" anchor="ctr"/>
+          <a:lstStyle/>
+          <a:p>
+            <a:pPr algn="ctr"/>
+            <a:endParaRPr lang="en-GB"/>
           </a:p>
         </p:txBody>
       </p:sp>
     </p:spTree>
     <p:extLst>
       <p:ext uri="{BB962C8B-B14F-4D97-AF65-F5344CB8AC3E}">
-        <p14:creationId xmlns:p14="http://schemas.microsoft.com/office/powerpoint/2010/main" val="632394043"/>
+        <p14:creationId xmlns:p14="http://schemas.microsoft.com/office/powerpoint/2010/main" val="1301485722"/>
       </p:ext>
     </p:extLst>
   </p:cSld>
@@ -6460,6 +7318,65 @@
       </p:grpSpPr>
       <p:sp>
         <p:nvSpPr>
+          <p:cNvPr id="3" name="Объект 2"/>
+          <p:cNvSpPr>
+            <a:spLocks noGrp="1"/>
+          </p:cNvSpPr>
+          <p:nvPr>
+            <p:ph idx="1"/>
+          </p:nvPr>
+        </p:nvSpPr>
+        <p:spPr>
+          <a:xfrm>
+            <a:off x="838200" y="556591"/>
+            <a:ext cx="10515600" cy="874276"/>
+          </a:xfrm>
+        </p:spPr>
+        <p:txBody>
+          <a:bodyPr>
+            <a:normAutofit/>
+          </a:bodyPr>
+          <a:lstStyle/>
+          <a:p>
+            <a:r>
+              <a:rPr lang="ru-RU" dirty="0" smtClean="0"/>
+              <a:t>Реализуйте любое количество из следующих методов в к</a:t>
+            </a:r>
+            <a:r>
+              <a:rPr lang="ru-RU" dirty="0"/>
+              <a:t>л</a:t>
+            </a:r>
+            <a:r>
+              <a:rPr lang="ru-RU" dirty="0" smtClean="0"/>
+              <a:t>ассе </a:t>
+            </a:r>
+            <a:r>
+              <a:rPr lang="en-GB" dirty="0" smtClean="0">
+                <a:solidFill>
+                  <a:srgbClr val="2B91AF"/>
+                </a:solidFill>
+                <a:highlight>
+                  <a:srgbClr val="FFFFFF"/>
+                </a:highlight>
+                <a:latin typeface="Consolas" panose="020B0609020204030204" pitchFamily="49" charset="0"/>
+              </a:rPr>
+              <a:t>Program</a:t>
+            </a:r>
+            <a:r>
+              <a:rPr lang="ru-RU" dirty="0" smtClean="0"/>
+              <a:t>:</a:t>
+            </a:r>
+          </a:p>
+          <a:p>
+            <a:endParaRPr lang="ru-RU" dirty="0"/>
+          </a:p>
+          <a:p>
+            <a:endParaRPr lang="ru-RU" dirty="0"/>
+          </a:p>
+        </p:txBody>
+      </p:sp>
+      <p:sp>
+        <p:nvSpPr>
           <p:cNvPr id="4" name="Дата 3"/>
           <p:cNvSpPr>
             <a:spLocks noGrp="1"/>
@@ -6544,13 +7461,13 @@
         </p:spPr>
         <p:style>
           <a:lnRef idx="0">
-            <a:schemeClr val="accent5"/>
+            <a:schemeClr val="accent6"/>
           </a:lnRef>
           <a:fillRef idx="3">
-            <a:schemeClr val="accent5"/>
+            <a:schemeClr val="accent6"/>
           </a:fillRef>
           <a:effectRef idx="3">
-            <a:schemeClr val="accent5"/>
+            <a:schemeClr val="accent6"/>
           </a:effectRef>
           <a:fontRef idx="minor">
             <a:schemeClr val="lt1"/>
@@ -6562,8 +7479,8 @@
           <a:p>
             <a:pPr algn="ctr"/>
             <a:r>
-              <a:rPr lang="ru-RU" dirty="0" smtClean="0"/>
-              <a:t>Полезные сочетания клавиш</a:t>
+              <a:rPr lang="en-US" dirty="0" smtClean="0"/>
+              <a:t>Hello world!</a:t>
             </a:r>
             <a:endParaRPr lang="en-GB" dirty="0"/>
           </a:p>
@@ -6571,75 +7488,296 @@
       </p:sp>
       <p:sp>
         <p:nvSpPr>
-          <p:cNvPr id="2" name="TextBox 1"/>
-          <p:cNvSpPr txBox="1"/>
+          <p:cNvPr id="9" name="Объект 2"/>
+          <p:cNvSpPr txBox="1">
+            <a:spLocks/>
+          </p:cNvSpPr>
           <p:nvPr/>
         </p:nvSpPr>
         <p:spPr>
           <a:xfrm>
-            <a:off x="1103085" y="1001485"/>
-            <a:ext cx="1290738" cy="2031325"/>
+            <a:off x="838200" y="1691125"/>
+            <a:ext cx="10515600" cy="4360540"/>
           </a:xfrm>
           <a:prstGeom prst="rect">
             <a:avLst/>
           </a:prstGeom>
-          <a:noFill/>
         </p:spPr>
         <p:txBody>
-          <a:bodyPr wrap="none" rtlCol="0">
-            <a:spAutoFit/>
+          <a:bodyPr vert="horz" lIns="91440" tIns="45720" rIns="91440" bIns="45720" rtlCol="0">
+            <a:normAutofit/>
           </a:bodyPr>
-          <a:lstStyle/>
-          <a:p>
-            <a:r>
-              <a:rPr lang="en-US" dirty="0" smtClean="0"/>
-              <a:t>Ctrl + .</a:t>
-            </a:r>
-          </a:p>
-          <a:p>
-            <a:r>
-              <a:rPr lang="en-US" dirty="0" smtClean="0"/>
-              <a:t>Ctrl + Space</a:t>
-            </a:r>
-          </a:p>
-          <a:p>
-            <a:r>
-              <a:rPr lang="en-US" dirty="0" smtClean="0"/>
-              <a:t>Tab</a:t>
-            </a:r>
-          </a:p>
-          <a:p>
-            <a:r>
-              <a:rPr lang="en-US" dirty="0" smtClean="0"/>
-              <a:t>F6</a:t>
-            </a:r>
-          </a:p>
-          <a:p>
-            <a:r>
-              <a:rPr lang="en-US" dirty="0" smtClean="0"/>
-              <a:t>F5</a:t>
-            </a:r>
-          </a:p>
-          <a:p>
-            <a:r>
-              <a:rPr lang="en-US" dirty="0" err="1" smtClean="0"/>
-              <a:t>Tab+Tab</a:t>
-            </a:r>
+          <a:lstStyle>
+            <a:lvl1pPr marL="228600" indent="-228600" algn="l" defTabSz="914400" rtl="0" eaLnBrk="1" latinLnBrk="0" hangingPunct="1">
+              <a:lnSpc>
+                <a:spcPct val="90000"/>
+              </a:lnSpc>
+              <a:spcBef>
+                <a:spcPts val="1000"/>
+              </a:spcBef>
+              <a:buFont typeface="Arial" panose="020B0604020202020204" pitchFamily="34" charset="0"/>
+              <a:buChar char="•"/>
+              <a:defRPr sz="2800" kern="1200">
+                <a:solidFill>
+                  <a:schemeClr val="tx1"/>
+                </a:solidFill>
+                <a:latin typeface="+mn-lt"/>
+                <a:ea typeface="+mn-ea"/>
+                <a:cs typeface="+mn-cs"/>
+              </a:defRPr>
+            </a:lvl1pPr>
+            <a:lvl2pPr marL="685800" indent="-228600" algn="l" defTabSz="914400" rtl="0" eaLnBrk="1" latinLnBrk="0" hangingPunct="1">
+              <a:lnSpc>
+                <a:spcPct val="90000"/>
+              </a:lnSpc>
+              <a:spcBef>
+                <a:spcPts val="500"/>
+              </a:spcBef>
+              <a:buFont typeface="Arial" panose="020B0604020202020204" pitchFamily="34" charset="0"/>
+              <a:buChar char="•"/>
+              <a:defRPr sz="2400" kern="1200">
+                <a:solidFill>
+                  <a:schemeClr val="tx1"/>
+                </a:solidFill>
+                <a:latin typeface="+mn-lt"/>
+                <a:ea typeface="+mn-ea"/>
+                <a:cs typeface="+mn-cs"/>
+              </a:defRPr>
+            </a:lvl2pPr>
+            <a:lvl3pPr marL="1143000" indent="-228600" algn="l" defTabSz="914400" rtl="0" eaLnBrk="1" latinLnBrk="0" hangingPunct="1">
+              <a:lnSpc>
+                <a:spcPct val="90000"/>
+              </a:lnSpc>
+              <a:spcBef>
+                <a:spcPts val="500"/>
+              </a:spcBef>
+              <a:buFont typeface="Arial" panose="020B0604020202020204" pitchFamily="34" charset="0"/>
+              <a:buChar char="•"/>
+              <a:defRPr sz="2000" kern="1200">
+                <a:solidFill>
+                  <a:schemeClr val="tx1"/>
+                </a:solidFill>
+                <a:latin typeface="+mn-lt"/>
+                <a:ea typeface="+mn-ea"/>
+                <a:cs typeface="+mn-cs"/>
+              </a:defRPr>
+            </a:lvl3pPr>
+            <a:lvl4pPr marL="1600200" indent="-228600" algn="l" defTabSz="914400" rtl="0" eaLnBrk="1" latinLnBrk="0" hangingPunct="1">
+              <a:lnSpc>
+                <a:spcPct val="90000"/>
+              </a:lnSpc>
+              <a:spcBef>
+                <a:spcPts val="500"/>
+              </a:spcBef>
+              <a:buFont typeface="Arial" panose="020B0604020202020204" pitchFamily="34" charset="0"/>
+              <a:buChar char="•"/>
+              <a:defRPr sz="1800" kern="1200">
+                <a:solidFill>
+                  <a:schemeClr val="tx1"/>
+                </a:solidFill>
+                <a:latin typeface="+mn-lt"/>
+                <a:ea typeface="+mn-ea"/>
+                <a:cs typeface="+mn-cs"/>
+              </a:defRPr>
+            </a:lvl4pPr>
+            <a:lvl5pPr marL="2057400" indent="-228600" algn="l" defTabSz="914400" rtl="0" eaLnBrk="1" latinLnBrk="0" hangingPunct="1">
+              <a:lnSpc>
+                <a:spcPct val="90000"/>
+              </a:lnSpc>
+              <a:spcBef>
+                <a:spcPts val="500"/>
+              </a:spcBef>
+              <a:buFont typeface="Arial" panose="020B0604020202020204" pitchFamily="34" charset="0"/>
+              <a:buChar char="•"/>
+              <a:defRPr sz="1800" kern="1200">
+                <a:solidFill>
+                  <a:schemeClr val="tx1"/>
+                </a:solidFill>
+                <a:latin typeface="+mn-lt"/>
+                <a:ea typeface="+mn-ea"/>
+                <a:cs typeface="+mn-cs"/>
+              </a:defRPr>
+            </a:lvl5pPr>
+            <a:lvl6pPr marL="2514600" indent="-228600" algn="l" defTabSz="914400" rtl="0" eaLnBrk="1" latinLnBrk="0" hangingPunct="1">
+              <a:lnSpc>
+                <a:spcPct val="90000"/>
+              </a:lnSpc>
+              <a:spcBef>
+                <a:spcPts val="500"/>
+              </a:spcBef>
+              <a:buFont typeface="Arial" panose="020B0604020202020204" pitchFamily="34" charset="0"/>
+              <a:buChar char="•"/>
+              <a:defRPr sz="1800" kern="1200">
+                <a:solidFill>
+                  <a:schemeClr val="tx1"/>
+                </a:solidFill>
+                <a:latin typeface="+mn-lt"/>
+                <a:ea typeface="+mn-ea"/>
+                <a:cs typeface="+mn-cs"/>
+              </a:defRPr>
+            </a:lvl6pPr>
+            <a:lvl7pPr marL="2971800" indent="-228600" algn="l" defTabSz="914400" rtl="0" eaLnBrk="1" latinLnBrk="0" hangingPunct="1">
+              <a:lnSpc>
+                <a:spcPct val="90000"/>
+              </a:lnSpc>
+              <a:spcBef>
+                <a:spcPts val="500"/>
+              </a:spcBef>
+              <a:buFont typeface="Arial" panose="020B0604020202020204" pitchFamily="34" charset="0"/>
+              <a:buChar char="•"/>
+              <a:defRPr sz="1800" kern="1200">
+                <a:solidFill>
+                  <a:schemeClr val="tx1"/>
+                </a:solidFill>
+                <a:latin typeface="+mn-lt"/>
+                <a:ea typeface="+mn-ea"/>
+                <a:cs typeface="+mn-cs"/>
+              </a:defRPr>
+            </a:lvl7pPr>
+            <a:lvl8pPr marL="3429000" indent="-228600" algn="l" defTabSz="914400" rtl="0" eaLnBrk="1" latinLnBrk="0" hangingPunct="1">
+              <a:lnSpc>
+                <a:spcPct val="90000"/>
+              </a:lnSpc>
+              <a:spcBef>
+                <a:spcPts val="500"/>
+              </a:spcBef>
+              <a:buFont typeface="Arial" panose="020B0604020202020204" pitchFamily="34" charset="0"/>
+              <a:buChar char="•"/>
+              <a:defRPr sz="1800" kern="1200">
+                <a:solidFill>
+                  <a:schemeClr val="tx1"/>
+                </a:solidFill>
+                <a:latin typeface="+mn-lt"/>
+                <a:ea typeface="+mn-ea"/>
+                <a:cs typeface="+mn-cs"/>
+              </a:defRPr>
+            </a:lvl8pPr>
+            <a:lvl9pPr marL="3886200" indent="-228600" algn="l" defTabSz="914400" rtl="0" eaLnBrk="1" latinLnBrk="0" hangingPunct="1">
+              <a:lnSpc>
+                <a:spcPct val="90000"/>
+              </a:lnSpc>
+              <a:spcBef>
+                <a:spcPts val="500"/>
+              </a:spcBef>
+              <a:buFont typeface="Arial" panose="020B0604020202020204" pitchFamily="34" charset="0"/>
+              <a:buChar char="•"/>
+              <a:defRPr sz="1800" kern="1200">
+                <a:solidFill>
+                  <a:schemeClr val="tx1"/>
+                </a:solidFill>
+                <a:latin typeface="+mn-lt"/>
+                <a:ea typeface="+mn-ea"/>
+                <a:cs typeface="+mn-cs"/>
+              </a:defRPr>
+            </a:lvl9pPr>
+          </a:lstStyle>
+          <a:p>
+            <a:pPr marL="914400" lvl="1" indent="-457200">
+              <a:buFont typeface="+mj-lt"/>
+              <a:buAutoNum type="arabicPeriod"/>
+            </a:pPr>
+            <a:r>
+              <a:rPr lang="ru-RU" dirty="0" smtClean="0"/>
+              <a:t>Создайте и инициализируйте в методе строку. Выводите в консоль обращение к пользователю «Угадай слово», пока пользователь не введет заданное вами значение.</a:t>
+            </a:r>
+          </a:p>
+          <a:p>
+            <a:pPr marL="914400" lvl="1" indent="-457200">
+              <a:buFont typeface="+mj-lt"/>
+              <a:buAutoNum type="arabicPeriod"/>
+            </a:pPr>
+            <a:endParaRPr lang="ru-RU" dirty="0" smtClean="0"/>
+          </a:p>
+          <a:p>
+            <a:pPr marL="914400" lvl="1" indent="-457200">
+              <a:buFont typeface="+mj-lt"/>
+              <a:buAutoNum type="arabicPeriod"/>
+            </a:pPr>
+            <a:r>
+              <a:rPr lang="ru-RU" dirty="0" smtClean="0"/>
+              <a:t>Используя объект класса </a:t>
+            </a:r>
+            <a:r>
+              <a:rPr lang="en-GB" dirty="0">
+                <a:solidFill>
+                  <a:srgbClr val="2B91AF"/>
+                </a:solidFill>
+                <a:highlight>
+                  <a:srgbClr val="FFFFFF"/>
+                </a:highlight>
+                <a:latin typeface="Consolas" panose="020B0609020204030204" pitchFamily="49" charset="0"/>
+              </a:rPr>
+              <a:t>Random </a:t>
+            </a:r>
+            <a:r>
+              <a:rPr lang="ru-RU" dirty="0" smtClean="0"/>
+              <a:t>сгенерируйте 10 произвольных чисел и сравните их с заранее заданным числом – результат каждого сравнения выводите в консоль.</a:t>
+            </a:r>
+          </a:p>
+          <a:p>
+            <a:pPr marL="914400" lvl="1" indent="-457200">
+              <a:buFont typeface="+mj-lt"/>
+              <a:buAutoNum type="arabicPeriod"/>
+            </a:pPr>
             <a:endParaRPr lang="en-US" dirty="0" smtClean="0"/>
           </a:p>
           <a:p>
-            <a:r>
-              <a:rPr lang="en-US" dirty="0" err="1" smtClean="0"/>
-              <a:t>Ctrl+e+d</a:t>
-            </a:r>
-            <a:endParaRPr lang="en-GB" dirty="0"/>
+            <a:pPr marL="914400" lvl="1" indent="-457200">
+              <a:buFont typeface="+mj-lt"/>
+              <a:buAutoNum type="arabicPeriod"/>
+            </a:pPr>
+            <a:r>
+              <a:rPr lang="ru-RU" dirty="0" smtClean="0"/>
+              <a:t>Смоделируйте копилку: изначально в ней нет денег, но в каждый проход цикла в нее помещается произвольное количество денег – используйте объект класса </a:t>
+            </a:r>
+            <a:r>
+              <a:rPr lang="en-GB" dirty="0" smtClean="0">
+                <a:solidFill>
+                  <a:srgbClr val="2B91AF"/>
+                </a:solidFill>
+                <a:highlight>
+                  <a:srgbClr val="FFFFFF"/>
+                </a:highlight>
+                <a:latin typeface="Consolas" panose="020B0609020204030204" pitchFamily="49" charset="0"/>
+              </a:rPr>
+              <a:t>Random</a:t>
+            </a:r>
+            <a:r>
+              <a:rPr lang="ru-RU" dirty="0" smtClean="0">
+                <a:solidFill>
+                  <a:srgbClr val="2B91AF"/>
+                </a:solidFill>
+                <a:highlight>
+                  <a:srgbClr val="FFFFFF"/>
+                </a:highlight>
+                <a:latin typeface="Consolas" panose="020B0609020204030204" pitchFamily="49" charset="0"/>
+              </a:rPr>
+              <a:t> </a:t>
+            </a:r>
+            <a:r>
+              <a:rPr lang="ru-RU" dirty="0" smtClean="0"/>
+              <a:t>выводите текущее количество денег в каждый проход цикла до достижения нужной суммы.</a:t>
+            </a:r>
+          </a:p>
+          <a:p>
+            <a:pPr marL="914400" lvl="1" indent="-457200">
+              <a:buFont typeface="+mj-lt"/>
+              <a:buAutoNum type="arabicPeriod"/>
+            </a:pPr>
+            <a:endParaRPr lang="ru-RU" dirty="0" smtClean="0"/>
+          </a:p>
+          <a:p>
+            <a:endParaRPr lang="ru-RU" dirty="0" smtClean="0"/>
+          </a:p>
+          <a:p>
+            <a:endParaRPr lang="ru-RU" dirty="0"/>
           </a:p>
         </p:txBody>
       </p:sp>
     </p:spTree>
     <p:extLst>
       <p:ext uri="{BB962C8B-B14F-4D97-AF65-F5344CB8AC3E}">
-        <p14:creationId xmlns:p14="http://schemas.microsoft.com/office/powerpoint/2010/main" val="108711163"/>
+        <p14:creationId xmlns:p14="http://schemas.microsoft.com/office/powerpoint/2010/main" val="632394043"/>
       </p:ext>
     </p:extLst>
   </p:cSld>
@@ -6759,6 +7897,2806 @@
         </p:spPr>
         <p:style>
           <a:lnRef idx="0">
+            <a:schemeClr val="accent5"/>
+          </a:lnRef>
+          <a:fillRef idx="3">
+            <a:schemeClr val="accent5"/>
+          </a:fillRef>
+          <a:effectRef idx="3">
+            <a:schemeClr val="accent5"/>
+          </a:effectRef>
+          <a:fontRef idx="minor">
+            <a:schemeClr val="lt1"/>
+          </a:fontRef>
+        </p:style>
+        <p:txBody>
+          <a:bodyPr rtlCol="0" anchor="ctr"/>
+          <a:lstStyle/>
+          <a:p>
+            <a:pPr algn="ctr"/>
+            <a:r>
+              <a:rPr lang="ru-RU" dirty="0" smtClean="0"/>
+              <a:t>Полезные сочетания клавиш</a:t>
+            </a:r>
+            <a:endParaRPr lang="en-GB" dirty="0"/>
+          </a:p>
+        </p:txBody>
+      </p:sp>
+      <p:sp>
+        <p:nvSpPr>
+          <p:cNvPr id="3" name="Прямоугольник 2"/>
+          <p:cNvSpPr/>
+          <p:nvPr/>
+        </p:nvSpPr>
+        <p:spPr>
+          <a:xfrm>
+            <a:off x="838200" y="817798"/>
+            <a:ext cx="1542410" cy="707886"/>
+          </a:xfrm>
+          <a:prstGeom prst="rect">
+            <a:avLst/>
+          </a:prstGeom>
+        </p:spPr>
+        <p:txBody>
+          <a:bodyPr wrap="none">
+            <a:spAutoFit/>
+          </a:bodyPr>
+          <a:lstStyle/>
+          <a:p>
+            <a:r>
+              <a:rPr lang="en-US" sz="4000" dirty="0"/>
+              <a:t>Ctrl + </a:t>
+            </a:r>
+            <a:r>
+              <a:rPr lang="en-US" sz="4000" dirty="0" smtClean="0"/>
+              <a:t>.</a:t>
+            </a:r>
+            <a:endParaRPr lang="en-US" dirty="0"/>
+          </a:p>
+        </p:txBody>
+      </p:sp>
+      <p:pic>
+        <p:nvPicPr>
+          <p:cNvPr id="9" name="Рисунок 8"/>
+          <p:cNvPicPr>
+            <a:picLocks noChangeAspect="1"/>
+          </p:cNvPicPr>
+          <p:nvPr/>
+        </p:nvPicPr>
+        <p:blipFill>
+          <a:blip r:embed="rId3"/>
+          <a:stretch>
+            <a:fillRect/>
+          </a:stretch>
+        </p:blipFill>
+        <p:spPr>
+          <a:xfrm>
+            <a:off x="838200" y="2047149"/>
+            <a:ext cx="4698076" cy="2296052"/>
+          </a:xfrm>
+          <a:prstGeom prst="rect">
+            <a:avLst/>
+          </a:prstGeom>
+        </p:spPr>
+      </p:pic>
+      <p:sp>
+        <p:nvSpPr>
+          <p:cNvPr id="10" name="Прямоугольник 9"/>
+          <p:cNvSpPr/>
+          <p:nvPr/>
+        </p:nvSpPr>
+        <p:spPr>
+          <a:xfrm>
+            <a:off x="6836373" y="817798"/>
+            <a:ext cx="2634054" cy="707886"/>
+          </a:xfrm>
+          <a:prstGeom prst="rect">
+            <a:avLst/>
+          </a:prstGeom>
+        </p:spPr>
+        <p:txBody>
+          <a:bodyPr wrap="none">
+            <a:spAutoFit/>
+          </a:bodyPr>
+          <a:lstStyle/>
+          <a:p>
+            <a:r>
+              <a:rPr lang="en-US" sz="4000" dirty="0"/>
+              <a:t>Ctrl + </a:t>
+            </a:r>
+            <a:r>
+              <a:rPr lang="en-US" sz="4000" dirty="0" smtClean="0"/>
+              <a:t>Space</a:t>
+            </a:r>
+            <a:endParaRPr lang="en-US" dirty="0"/>
+          </a:p>
+        </p:txBody>
+      </p:sp>
+      <p:pic>
+        <p:nvPicPr>
+          <p:cNvPr id="11" name="Рисунок 10"/>
+          <p:cNvPicPr>
+            <a:picLocks noChangeAspect="1"/>
+          </p:cNvPicPr>
+          <p:nvPr/>
+        </p:nvPicPr>
+        <p:blipFill>
+          <a:blip r:embed="rId4"/>
+          <a:stretch>
+            <a:fillRect/>
+          </a:stretch>
+        </p:blipFill>
+        <p:spPr>
+          <a:xfrm>
+            <a:off x="6836373" y="2047148"/>
+            <a:ext cx="4302682" cy="3924427"/>
+          </a:xfrm>
+          <a:prstGeom prst="rect">
+            <a:avLst/>
+          </a:prstGeom>
+        </p:spPr>
+      </p:pic>
+    </p:spTree>
+    <p:extLst>
+      <p:ext uri="{BB962C8B-B14F-4D97-AF65-F5344CB8AC3E}">
+        <p14:creationId xmlns:p14="http://schemas.microsoft.com/office/powerpoint/2010/main" val="108711163"/>
+      </p:ext>
+    </p:extLst>
+  </p:cSld>
+  <p:clrMapOvr>
+    <a:masterClrMapping/>
+  </p:clrMapOvr>
+  <p:timing>
+    <p:tnLst>
+      <p:par>
+        <p:cTn id="1" dur="indefinite" restart="never" nodeType="tmRoot"/>
+      </p:par>
+    </p:tnLst>
+  </p:timing>
+</p:sld>
+</file>
+
+<file path=ppt/slides/slide15.xml><?xml version="1.0" encoding="utf-8"?>
+<p:sld xmlns:a="http://schemas.openxmlformats.org/drawingml/2006/main" xmlns:r="http://schemas.openxmlformats.org/officeDocument/2006/relationships" xmlns:p="http://schemas.openxmlformats.org/presentationml/2006/main">
+  <p:cSld>
+    <p:spTree>
+      <p:nvGrpSpPr>
+        <p:cNvPr id="1" name=""/>
+        <p:cNvGrpSpPr/>
+        <p:nvPr/>
+      </p:nvGrpSpPr>
+      <p:grpSpPr>
+        <a:xfrm>
+          <a:off x="0" y="0"/>
+          <a:ext cx="0" cy="0"/>
+          <a:chOff x="0" y="0"/>
+          <a:chExt cx="0" cy="0"/>
+        </a:xfrm>
+      </p:grpSpPr>
+      <p:sp>
+        <p:nvSpPr>
+          <p:cNvPr id="4" name="Дата 3"/>
+          <p:cNvSpPr>
+            <a:spLocks noGrp="1"/>
+          </p:cNvSpPr>
+          <p:nvPr>
+            <p:ph type="dt" sz="half" idx="10"/>
+          </p:nvPr>
+        </p:nvSpPr>
+        <p:spPr/>
+        <p:txBody>
+          <a:bodyPr/>
+          <a:lstStyle/>
+          <a:p>
+            <a:r>
+              <a:rPr lang="en-US" smtClean="0"/>
+              <a:t>01.03.2016</a:t>
+            </a:r>
+            <a:endParaRPr lang="en-GB"/>
+          </a:p>
+        </p:txBody>
+      </p:sp>
+      <p:sp>
+        <p:nvSpPr>
+          <p:cNvPr id="5" name="Нижний колонтитул 4"/>
+          <p:cNvSpPr>
+            <a:spLocks noGrp="1"/>
+          </p:cNvSpPr>
+          <p:nvPr>
+            <p:ph type="ftr" sz="quarter" idx="11"/>
+          </p:nvPr>
+        </p:nvSpPr>
+        <p:spPr/>
+        <p:txBody>
+          <a:bodyPr/>
+          <a:lstStyle/>
+          <a:p>
+            <a:r>
+              <a:rPr lang="ru-RU" smtClean="0"/>
+              <a:t>Ваганов Михаил Викторович  ASP.NET MVC + Oracle Database</a:t>
+            </a:r>
+            <a:endParaRPr lang="en-GB"/>
+          </a:p>
+        </p:txBody>
+      </p:sp>
+      <p:sp>
+        <p:nvSpPr>
+          <p:cNvPr id="6" name="Номер слайда 5"/>
+          <p:cNvSpPr>
+            <a:spLocks noGrp="1"/>
+          </p:cNvSpPr>
+          <p:nvPr>
+            <p:ph type="sldNum" sz="quarter" idx="12"/>
+          </p:nvPr>
+        </p:nvSpPr>
+        <p:spPr/>
+        <p:txBody>
+          <a:bodyPr/>
+          <a:lstStyle/>
+          <a:p>
+            <a:fld id="{8FD3F87F-7A79-4F3D-8F12-CD11A20D067D}" type="slidenum">
+              <a:rPr lang="en-GB" smtClean="0"/>
+              <a:t>15</a:t>
+            </a:fld>
+            <a:endParaRPr lang="en-GB"/>
+          </a:p>
+        </p:txBody>
+      </p:sp>
+      <p:sp>
+        <p:nvSpPr>
+          <p:cNvPr id="7" name="Прямоугольник 6"/>
+          <p:cNvSpPr/>
+          <p:nvPr/>
+        </p:nvSpPr>
+        <p:spPr>
+          <a:xfrm>
+            <a:off x="1" y="0"/>
+            <a:ext cx="12192000" cy="296333"/>
+          </a:xfrm>
+          <a:prstGeom prst="rect">
+            <a:avLst/>
+          </a:prstGeom>
+        </p:spPr>
+        <p:style>
+          <a:lnRef idx="0">
+            <a:schemeClr val="accent5"/>
+          </a:lnRef>
+          <a:fillRef idx="3">
+            <a:schemeClr val="accent5"/>
+          </a:fillRef>
+          <a:effectRef idx="3">
+            <a:schemeClr val="accent5"/>
+          </a:effectRef>
+          <a:fontRef idx="minor">
+            <a:schemeClr val="lt1"/>
+          </a:fontRef>
+        </p:style>
+        <p:txBody>
+          <a:bodyPr rtlCol="0" anchor="ctr"/>
+          <a:lstStyle/>
+          <a:p>
+            <a:pPr algn="ctr"/>
+            <a:r>
+              <a:rPr lang="ru-RU" dirty="0" smtClean="0"/>
+              <a:t>Полезные сочетания клавиш</a:t>
+            </a:r>
+            <a:endParaRPr lang="en-GB" dirty="0"/>
+          </a:p>
+        </p:txBody>
+      </p:sp>
+      <p:sp>
+        <p:nvSpPr>
+          <p:cNvPr id="3" name="Прямоугольник 2"/>
+          <p:cNvSpPr/>
+          <p:nvPr/>
+        </p:nvSpPr>
+        <p:spPr>
+          <a:xfrm>
+            <a:off x="506994" y="708638"/>
+            <a:ext cx="2119491" cy="707886"/>
+          </a:xfrm>
+          <a:prstGeom prst="rect">
+            <a:avLst/>
+          </a:prstGeom>
+        </p:spPr>
+        <p:txBody>
+          <a:bodyPr wrap="none">
+            <a:spAutoFit/>
+          </a:bodyPr>
+          <a:lstStyle/>
+          <a:p>
+            <a:r>
+              <a:rPr lang="en-US" sz="4000" dirty="0" smtClean="0"/>
+              <a:t>Tab + Tab</a:t>
+            </a:r>
+            <a:endParaRPr lang="en-US" dirty="0"/>
+          </a:p>
+        </p:txBody>
+      </p:sp>
+      <p:sp>
+        <p:nvSpPr>
+          <p:cNvPr id="10" name="Прямоугольник 9"/>
+          <p:cNvSpPr/>
+          <p:nvPr/>
+        </p:nvSpPr>
+        <p:spPr>
+          <a:xfrm>
+            <a:off x="6335684" y="708638"/>
+            <a:ext cx="2180405" cy="707886"/>
+          </a:xfrm>
+          <a:prstGeom prst="rect">
+            <a:avLst/>
+          </a:prstGeom>
+        </p:spPr>
+        <p:txBody>
+          <a:bodyPr wrap="none">
+            <a:spAutoFit/>
+          </a:bodyPr>
+          <a:lstStyle/>
+          <a:p>
+            <a:r>
+              <a:rPr lang="en-US" sz="4000" dirty="0"/>
+              <a:t>Ctrl + </a:t>
+            </a:r>
+            <a:r>
+              <a:rPr lang="en-US" sz="4000" dirty="0" smtClean="0"/>
+              <a:t>e, d</a:t>
+            </a:r>
+            <a:endParaRPr lang="en-US" dirty="0"/>
+          </a:p>
+        </p:txBody>
+      </p:sp>
+      <p:pic>
+        <p:nvPicPr>
+          <p:cNvPr id="2" name="Рисунок 1"/>
+          <p:cNvPicPr>
+            <a:picLocks noChangeAspect="1"/>
+          </p:cNvPicPr>
+          <p:nvPr/>
+        </p:nvPicPr>
+        <p:blipFill>
+          <a:blip r:embed="rId3"/>
+          <a:stretch>
+            <a:fillRect/>
+          </a:stretch>
+        </p:blipFill>
+        <p:spPr>
+          <a:xfrm>
+            <a:off x="506994" y="1606823"/>
+            <a:ext cx="5595933" cy="709343"/>
+          </a:xfrm>
+          <a:prstGeom prst="rect">
+            <a:avLst/>
+          </a:prstGeom>
+        </p:spPr>
+      </p:pic>
+      <p:sp>
+        <p:nvSpPr>
+          <p:cNvPr id="8" name="Стрелка вниз 7"/>
+          <p:cNvSpPr/>
+          <p:nvPr/>
+        </p:nvSpPr>
+        <p:spPr>
+          <a:xfrm>
+            <a:off x="1503885" y="2542592"/>
+            <a:ext cx="480498" cy="1064029"/>
+          </a:xfrm>
+          <a:prstGeom prst="downArrow">
+            <a:avLst/>
+          </a:prstGeom>
+        </p:spPr>
+        <p:style>
+          <a:lnRef idx="2">
+            <a:schemeClr val="accent1">
+              <a:shade val="50000"/>
+            </a:schemeClr>
+          </a:lnRef>
+          <a:fillRef idx="1">
+            <a:schemeClr val="accent1"/>
+          </a:fillRef>
+          <a:effectRef idx="0">
+            <a:schemeClr val="accent1"/>
+          </a:effectRef>
+          <a:fontRef idx="minor">
+            <a:schemeClr val="lt1"/>
+          </a:fontRef>
+        </p:style>
+        <p:txBody>
+          <a:bodyPr rtlCol="0" anchor="ctr"/>
+          <a:lstStyle/>
+          <a:p>
+            <a:pPr algn="ctr"/>
+            <a:endParaRPr lang="en-GB"/>
+          </a:p>
+        </p:txBody>
+      </p:sp>
+      <p:sp>
+        <p:nvSpPr>
+          <p:cNvPr id="12" name="Прямоугольник 11"/>
+          <p:cNvSpPr/>
+          <p:nvPr/>
+        </p:nvSpPr>
+        <p:spPr>
+          <a:xfrm>
+            <a:off x="506994" y="3833048"/>
+            <a:ext cx="2717411" cy="369332"/>
+          </a:xfrm>
+          <a:prstGeom prst="rect">
+            <a:avLst/>
+          </a:prstGeom>
+        </p:spPr>
+        <p:txBody>
+          <a:bodyPr wrap="none">
+            <a:spAutoFit/>
+          </a:bodyPr>
+          <a:lstStyle/>
+          <a:p>
+            <a:r>
+              <a:rPr lang="en-GB" dirty="0" err="1">
+                <a:solidFill>
+                  <a:srgbClr val="2B91AF"/>
+                </a:solidFill>
+                <a:highlight>
+                  <a:srgbClr val="FFFFFF"/>
+                </a:highlight>
+                <a:latin typeface="Consolas" panose="020B0609020204030204" pitchFamily="49" charset="0"/>
+              </a:rPr>
+              <a:t>Console</a:t>
+            </a:r>
+            <a:r>
+              <a:rPr lang="en-GB" dirty="0" err="1">
+                <a:solidFill>
+                  <a:srgbClr val="000000"/>
+                </a:solidFill>
+                <a:highlight>
+                  <a:srgbClr val="FFFFFF"/>
+                </a:highlight>
+                <a:latin typeface="Consolas" panose="020B0609020204030204" pitchFamily="49" charset="0"/>
+              </a:rPr>
+              <a:t>.WriteLine</a:t>
+            </a:r>
+            <a:r>
+              <a:rPr lang="en-GB" dirty="0">
+                <a:solidFill>
+                  <a:srgbClr val="000000"/>
+                </a:solidFill>
+                <a:highlight>
+                  <a:srgbClr val="FFFFFF"/>
+                </a:highlight>
+                <a:latin typeface="Consolas" panose="020B0609020204030204" pitchFamily="49" charset="0"/>
+              </a:rPr>
+              <a:t>();</a:t>
+            </a:r>
+            <a:endParaRPr lang="en-GB" dirty="0"/>
+          </a:p>
+        </p:txBody>
+      </p:sp>
+      <p:sp>
+        <p:nvSpPr>
+          <p:cNvPr id="13" name="Прямоугольник 12"/>
+          <p:cNvSpPr/>
+          <p:nvPr/>
+        </p:nvSpPr>
+        <p:spPr>
+          <a:xfrm>
+            <a:off x="6335684" y="1606823"/>
+            <a:ext cx="5501640" cy="2031325"/>
+          </a:xfrm>
+          <a:prstGeom prst="rect">
+            <a:avLst/>
+          </a:prstGeom>
+        </p:spPr>
+        <p:style>
+          <a:lnRef idx="2">
+            <a:schemeClr val="accent5"/>
+          </a:lnRef>
+          <a:fillRef idx="1">
+            <a:schemeClr val="lt1"/>
+          </a:fillRef>
+          <a:effectRef idx="0">
+            <a:schemeClr val="accent5"/>
+          </a:effectRef>
+          <a:fontRef idx="minor">
+            <a:schemeClr val="dk1"/>
+          </a:fontRef>
+        </p:style>
+        <p:txBody>
+          <a:bodyPr wrap="square">
+            <a:spAutoFit/>
+          </a:bodyPr>
+          <a:lstStyle/>
+          <a:p>
+            <a:r>
+              <a:rPr lang="en-GB" dirty="0">
+                <a:solidFill>
+                  <a:srgbClr val="0000FF"/>
+                </a:solidFill>
+                <a:highlight>
+                  <a:srgbClr val="FFFFFF"/>
+                </a:highlight>
+                <a:latin typeface="Consolas" panose="020B0609020204030204" pitchFamily="49" charset="0"/>
+              </a:rPr>
+              <a:t>static</a:t>
+            </a:r>
+            <a:r>
+              <a:rPr lang="en-GB" dirty="0">
+                <a:solidFill>
+                  <a:srgbClr val="000000"/>
+                </a:solidFill>
+                <a:highlight>
+                  <a:srgbClr val="FFFFFF"/>
+                </a:highlight>
+                <a:latin typeface="Consolas" panose="020B0609020204030204" pitchFamily="49" charset="0"/>
+              </a:rPr>
+              <a:t>     </a:t>
+            </a:r>
+            <a:r>
+              <a:rPr lang="en-GB" dirty="0">
+                <a:solidFill>
+                  <a:srgbClr val="0000FF"/>
+                </a:solidFill>
+                <a:highlight>
+                  <a:srgbClr val="FFFFFF"/>
+                </a:highlight>
+                <a:latin typeface="Consolas" panose="020B0609020204030204" pitchFamily="49" charset="0"/>
+              </a:rPr>
+              <a:t>void</a:t>
+            </a:r>
+            <a:r>
+              <a:rPr lang="en-GB" dirty="0">
+                <a:solidFill>
+                  <a:srgbClr val="000000"/>
+                </a:solidFill>
+                <a:highlight>
+                  <a:srgbClr val="FFFFFF"/>
+                </a:highlight>
+                <a:latin typeface="Consolas" panose="020B0609020204030204" pitchFamily="49" charset="0"/>
+              </a:rPr>
+              <a:t>   Main(</a:t>
+            </a:r>
+            <a:r>
+              <a:rPr lang="en-GB" dirty="0">
+                <a:solidFill>
+                  <a:srgbClr val="0000FF"/>
+                </a:solidFill>
+                <a:highlight>
+                  <a:srgbClr val="FFFFFF"/>
+                </a:highlight>
+                <a:latin typeface="Consolas" panose="020B0609020204030204" pitchFamily="49" charset="0"/>
+              </a:rPr>
+              <a:t>string</a:t>
+            </a:r>
+            <a:r>
+              <a:rPr lang="en-GB" dirty="0">
+                <a:solidFill>
+                  <a:srgbClr val="000000"/>
+                </a:solidFill>
+                <a:highlight>
+                  <a:srgbClr val="FFFFFF"/>
+                </a:highlight>
+                <a:latin typeface="Consolas" panose="020B0609020204030204" pitchFamily="49" charset="0"/>
+              </a:rPr>
+              <a:t>[   ] </a:t>
+            </a:r>
+            <a:r>
+              <a:rPr lang="en-GB" dirty="0" err="1">
+                <a:solidFill>
+                  <a:srgbClr val="000000"/>
+                </a:solidFill>
+                <a:highlight>
+                  <a:srgbClr val="FFFFFF"/>
+                </a:highlight>
+                <a:latin typeface="Consolas" panose="020B0609020204030204" pitchFamily="49" charset="0"/>
+              </a:rPr>
+              <a:t>args</a:t>
+            </a:r>
+            <a:r>
+              <a:rPr lang="en-GB" dirty="0">
+                <a:solidFill>
+                  <a:srgbClr val="000000"/>
+                </a:solidFill>
+                <a:highlight>
+                  <a:srgbClr val="FFFFFF"/>
+                </a:highlight>
+                <a:latin typeface="Consolas" panose="020B0609020204030204" pitchFamily="49" charset="0"/>
+              </a:rPr>
+              <a:t>)</a:t>
+            </a:r>
+          </a:p>
+          <a:p>
+            <a:r>
+              <a:rPr lang="en-GB" dirty="0">
+                <a:solidFill>
+                  <a:srgbClr val="000000"/>
+                </a:solidFill>
+                <a:highlight>
+                  <a:srgbClr val="FFFFFF"/>
+                </a:highlight>
+                <a:latin typeface="Consolas" panose="020B0609020204030204" pitchFamily="49" charset="0"/>
+              </a:rPr>
+              <a:t>{</a:t>
+            </a:r>
+          </a:p>
+          <a:p>
+            <a:r>
+              <a:rPr lang="en-GB" dirty="0">
+                <a:solidFill>
+                  <a:srgbClr val="000000"/>
+                </a:solidFill>
+                <a:highlight>
+                  <a:srgbClr val="FFFFFF"/>
+                </a:highlight>
+                <a:latin typeface="Consolas" panose="020B0609020204030204" pitchFamily="49" charset="0"/>
+              </a:rPr>
+              <a:t>    </a:t>
+            </a:r>
+            <a:r>
+              <a:rPr lang="en-GB" dirty="0">
+                <a:solidFill>
+                  <a:srgbClr val="2B91AF"/>
+                </a:solidFill>
+                <a:highlight>
+                  <a:srgbClr val="FFFFFF"/>
+                </a:highlight>
+                <a:latin typeface="Consolas" panose="020B0609020204030204" pitchFamily="49" charset="0"/>
+              </a:rPr>
+              <a:t>String</a:t>
+            </a:r>
+            <a:r>
+              <a:rPr lang="en-GB" dirty="0">
+                <a:solidFill>
+                  <a:srgbClr val="000000"/>
+                </a:solidFill>
+                <a:highlight>
+                  <a:srgbClr val="FFFFFF"/>
+                </a:highlight>
+                <a:latin typeface="Consolas" panose="020B0609020204030204" pitchFamily="49" charset="0"/>
+              </a:rPr>
+              <a:t> </a:t>
+            </a:r>
+            <a:r>
+              <a:rPr lang="en-GB" dirty="0" err="1">
+                <a:solidFill>
+                  <a:srgbClr val="000000"/>
+                </a:solidFill>
+                <a:highlight>
+                  <a:srgbClr val="FFFFFF"/>
+                </a:highlight>
+                <a:latin typeface="Consolas" panose="020B0609020204030204" pitchFamily="49" charset="0"/>
+              </a:rPr>
+              <a:t>str</a:t>
+            </a:r>
+            <a:r>
+              <a:rPr lang="en-GB" dirty="0">
+                <a:solidFill>
+                  <a:srgbClr val="000000"/>
+                </a:solidFill>
+                <a:highlight>
+                  <a:srgbClr val="FFFFFF"/>
+                </a:highlight>
+                <a:latin typeface="Consolas" panose="020B0609020204030204" pitchFamily="49" charset="0"/>
+              </a:rPr>
+              <a:t> =   </a:t>
+            </a:r>
+            <a:r>
+              <a:rPr lang="en-GB" dirty="0">
+                <a:solidFill>
+                  <a:srgbClr val="A31515"/>
+                </a:solidFill>
+                <a:highlight>
+                  <a:srgbClr val="FFFFFF"/>
+                </a:highlight>
+                <a:latin typeface="Consolas" panose="020B0609020204030204" pitchFamily="49" charset="0"/>
+              </a:rPr>
+              <a:t>"sample"</a:t>
+            </a:r>
+            <a:r>
+              <a:rPr lang="en-GB" dirty="0">
+                <a:solidFill>
+                  <a:srgbClr val="000000"/>
+                </a:solidFill>
+                <a:highlight>
+                  <a:srgbClr val="FFFFFF"/>
+                </a:highlight>
+                <a:latin typeface="Consolas" panose="020B0609020204030204" pitchFamily="49" charset="0"/>
+              </a:rPr>
+              <a:t>     ;</a:t>
+            </a:r>
+          </a:p>
+          <a:p>
+            <a:r>
+              <a:rPr lang="en-GB" dirty="0">
+                <a:solidFill>
+                  <a:srgbClr val="000000"/>
+                </a:solidFill>
+                <a:highlight>
+                  <a:srgbClr val="FFFFFF"/>
+                </a:highlight>
+                <a:latin typeface="Consolas" panose="020B0609020204030204" pitchFamily="49" charset="0"/>
+              </a:rPr>
+              <a:t>                     </a:t>
+            </a:r>
+            <a:r>
+              <a:rPr lang="en-GB" dirty="0">
+                <a:solidFill>
+                  <a:srgbClr val="2B91AF"/>
+                </a:solidFill>
+                <a:highlight>
+                  <a:srgbClr val="FFFFFF"/>
+                </a:highlight>
+                <a:latin typeface="Consolas" panose="020B0609020204030204" pitchFamily="49" charset="0"/>
+              </a:rPr>
+              <a:t>Int32</a:t>
+            </a:r>
+            <a:r>
+              <a:rPr lang="en-GB" dirty="0">
+                <a:solidFill>
+                  <a:srgbClr val="000000"/>
+                </a:solidFill>
+                <a:highlight>
+                  <a:srgbClr val="FFFFFF"/>
+                </a:highlight>
+                <a:latin typeface="Consolas" panose="020B0609020204030204" pitchFamily="49" charset="0"/>
+              </a:rPr>
+              <a:t> </a:t>
+            </a:r>
+            <a:r>
+              <a:rPr lang="en-GB" dirty="0" err="1">
+                <a:solidFill>
+                  <a:srgbClr val="000000"/>
+                </a:solidFill>
+                <a:highlight>
+                  <a:srgbClr val="FFFFFF"/>
+                </a:highlight>
+                <a:latin typeface="Consolas" panose="020B0609020204030204" pitchFamily="49" charset="0"/>
+              </a:rPr>
+              <a:t>i</a:t>
+            </a:r>
+            <a:r>
+              <a:rPr lang="en-GB" dirty="0">
+                <a:solidFill>
+                  <a:srgbClr val="000000"/>
+                </a:solidFill>
+                <a:highlight>
+                  <a:srgbClr val="FFFFFF"/>
+                </a:highlight>
+                <a:latin typeface="Consolas" panose="020B0609020204030204" pitchFamily="49" charset="0"/>
+              </a:rPr>
+              <a:t> = 32;</a:t>
+            </a:r>
+          </a:p>
+          <a:p>
+            <a:r>
+              <a:rPr lang="en-GB" dirty="0">
+                <a:solidFill>
+                  <a:srgbClr val="000000"/>
+                </a:solidFill>
+                <a:highlight>
+                  <a:srgbClr val="FFFFFF"/>
+                </a:highlight>
+                <a:latin typeface="Consolas" panose="020B0609020204030204" pitchFamily="49" charset="0"/>
+              </a:rPr>
+              <a:t>    </a:t>
+            </a:r>
+            <a:r>
+              <a:rPr lang="en-GB" dirty="0">
+                <a:solidFill>
+                  <a:srgbClr val="2B91AF"/>
+                </a:solidFill>
+                <a:highlight>
+                  <a:srgbClr val="FFFFFF"/>
+                </a:highlight>
+                <a:latin typeface="Consolas" panose="020B0609020204030204" pitchFamily="49" charset="0"/>
+              </a:rPr>
+              <a:t>Boolean</a:t>
+            </a:r>
+            <a:r>
+              <a:rPr lang="en-GB" dirty="0">
+                <a:solidFill>
+                  <a:srgbClr val="000000"/>
+                </a:solidFill>
+                <a:highlight>
+                  <a:srgbClr val="FFFFFF"/>
+                </a:highlight>
+                <a:latin typeface="Consolas" panose="020B0609020204030204" pitchFamily="49" charset="0"/>
+              </a:rPr>
+              <a:t>     b = </a:t>
+            </a:r>
+            <a:r>
+              <a:rPr lang="en-GB" dirty="0">
+                <a:solidFill>
+                  <a:srgbClr val="0000FF"/>
+                </a:solidFill>
+                <a:highlight>
+                  <a:srgbClr val="FFFFFF"/>
+                </a:highlight>
+                <a:latin typeface="Consolas" panose="020B0609020204030204" pitchFamily="49" charset="0"/>
+              </a:rPr>
+              <a:t>false</a:t>
+            </a:r>
+            <a:r>
+              <a:rPr lang="en-GB" dirty="0">
+                <a:solidFill>
+                  <a:srgbClr val="000000"/>
+                </a:solidFill>
+                <a:highlight>
+                  <a:srgbClr val="FFFFFF"/>
+                </a:highlight>
+                <a:latin typeface="Consolas" panose="020B0609020204030204" pitchFamily="49" charset="0"/>
+              </a:rPr>
+              <a:t>;</a:t>
+            </a:r>
+          </a:p>
+          <a:p>
+            <a:r>
+              <a:rPr lang="en-GB" dirty="0">
+                <a:solidFill>
+                  <a:srgbClr val="000000"/>
+                </a:solidFill>
+                <a:highlight>
+                  <a:srgbClr val="FFFFFF"/>
+                </a:highlight>
+                <a:latin typeface="Consolas" panose="020B0609020204030204" pitchFamily="49" charset="0"/>
+              </a:rPr>
+              <a:t>         </a:t>
+            </a:r>
+            <a:r>
+              <a:rPr lang="en-GB" dirty="0">
+                <a:solidFill>
+                  <a:srgbClr val="2B91AF"/>
+                </a:solidFill>
+                <a:highlight>
+                  <a:srgbClr val="FFFFFF"/>
+                </a:highlight>
+                <a:latin typeface="Consolas" panose="020B0609020204030204" pitchFamily="49" charset="0"/>
+              </a:rPr>
+              <a:t>Char</a:t>
+            </a:r>
+            <a:r>
+              <a:rPr lang="en-GB" dirty="0">
+                <a:solidFill>
+                  <a:srgbClr val="000000"/>
+                </a:solidFill>
+                <a:highlight>
+                  <a:srgbClr val="FFFFFF"/>
+                </a:highlight>
+                <a:latin typeface="Consolas" panose="020B0609020204030204" pitchFamily="49" charset="0"/>
+              </a:rPr>
+              <a:t> c = </a:t>
+            </a:r>
+            <a:r>
+              <a:rPr lang="en-GB" dirty="0">
+                <a:solidFill>
+                  <a:srgbClr val="A31515"/>
+                </a:solidFill>
+                <a:highlight>
+                  <a:srgbClr val="FFFFFF"/>
+                </a:highlight>
+                <a:latin typeface="Consolas" panose="020B0609020204030204" pitchFamily="49" charset="0"/>
+              </a:rPr>
+              <a:t>'d'</a:t>
+            </a:r>
+            <a:r>
+              <a:rPr lang="en-GB" dirty="0">
+                <a:solidFill>
+                  <a:srgbClr val="000000"/>
+                </a:solidFill>
+                <a:highlight>
+                  <a:srgbClr val="FFFFFF"/>
+                </a:highlight>
+                <a:latin typeface="Consolas" panose="020B0609020204030204" pitchFamily="49" charset="0"/>
+              </a:rPr>
+              <a:t>;</a:t>
+            </a:r>
+          </a:p>
+          <a:p>
+            <a:r>
+              <a:rPr lang="en-GB" dirty="0">
+                <a:solidFill>
+                  <a:srgbClr val="000000"/>
+                </a:solidFill>
+                <a:highlight>
+                  <a:srgbClr val="FFFFFF"/>
+                </a:highlight>
+                <a:latin typeface="Consolas" panose="020B0609020204030204" pitchFamily="49" charset="0"/>
+              </a:rPr>
+              <a:t>}</a:t>
+            </a:r>
+            <a:endParaRPr lang="en-GB" dirty="0"/>
+          </a:p>
+        </p:txBody>
+      </p:sp>
+      <p:sp>
+        <p:nvSpPr>
+          <p:cNvPr id="14" name="Прямоугольник 13"/>
+          <p:cNvSpPr/>
+          <p:nvPr/>
+        </p:nvSpPr>
+        <p:spPr>
+          <a:xfrm>
+            <a:off x="6335684" y="3981586"/>
+            <a:ext cx="5501640" cy="2031325"/>
+          </a:xfrm>
+          <a:prstGeom prst="rect">
+            <a:avLst/>
+          </a:prstGeom>
+        </p:spPr>
+        <p:style>
+          <a:lnRef idx="2">
+            <a:schemeClr val="accent5"/>
+          </a:lnRef>
+          <a:fillRef idx="1">
+            <a:schemeClr val="lt1"/>
+          </a:fillRef>
+          <a:effectRef idx="0">
+            <a:schemeClr val="accent5"/>
+          </a:effectRef>
+          <a:fontRef idx="minor">
+            <a:schemeClr val="dk1"/>
+          </a:fontRef>
+        </p:style>
+        <p:txBody>
+          <a:bodyPr wrap="square">
+            <a:spAutoFit/>
+          </a:bodyPr>
+          <a:lstStyle/>
+          <a:p>
+            <a:r>
+              <a:rPr lang="en-GB" dirty="0">
+                <a:solidFill>
+                  <a:srgbClr val="0000FF"/>
+                </a:solidFill>
+                <a:highlight>
+                  <a:srgbClr val="FFFFFF"/>
+                </a:highlight>
+                <a:latin typeface="Consolas" panose="020B0609020204030204" pitchFamily="49" charset="0"/>
+              </a:rPr>
+              <a:t>static</a:t>
+            </a:r>
+            <a:r>
+              <a:rPr lang="en-GB" dirty="0">
+                <a:solidFill>
+                  <a:srgbClr val="000000"/>
+                </a:solidFill>
+                <a:highlight>
+                  <a:srgbClr val="FFFFFF"/>
+                </a:highlight>
+                <a:latin typeface="Consolas" panose="020B0609020204030204" pitchFamily="49" charset="0"/>
+              </a:rPr>
+              <a:t> </a:t>
+            </a:r>
+            <a:r>
+              <a:rPr lang="en-GB" dirty="0">
+                <a:solidFill>
+                  <a:srgbClr val="0000FF"/>
+                </a:solidFill>
+                <a:highlight>
+                  <a:srgbClr val="FFFFFF"/>
+                </a:highlight>
+                <a:latin typeface="Consolas" panose="020B0609020204030204" pitchFamily="49" charset="0"/>
+              </a:rPr>
+              <a:t>void</a:t>
+            </a:r>
+            <a:r>
+              <a:rPr lang="en-GB" dirty="0">
+                <a:solidFill>
+                  <a:srgbClr val="000000"/>
+                </a:solidFill>
+                <a:highlight>
+                  <a:srgbClr val="FFFFFF"/>
+                </a:highlight>
+                <a:latin typeface="Consolas" panose="020B0609020204030204" pitchFamily="49" charset="0"/>
+              </a:rPr>
+              <a:t> Main(</a:t>
+            </a:r>
+            <a:r>
+              <a:rPr lang="en-GB" dirty="0">
+                <a:solidFill>
+                  <a:srgbClr val="0000FF"/>
+                </a:solidFill>
+                <a:highlight>
+                  <a:srgbClr val="FFFFFF"/>
+                </a:highlight>
+                <a:latin typeface="Consolas" panose="020B0609020204030204" pitchFamily="49" charset="0"/>
+              </a:rPr>
+              <a:t>string</a:t>
+            </a:r>
+            <a:r>
+              <a:rPr lang="en-GB" dirty="0">
+                <a:solidFill>
+                  <a:srgbClr val="000000"/>
+                </a:solidFill>
+                <a:highlight>
+                  <a:srgbClr val="FFFFFF"/>
+                </a:highlight>
+                <a:latin typeface="Consolas" panose="020B0609020204030204" pitchFamily="49" charset="0"/>
+              </a:rPr>
+              <a:t>[] </a:t>
+            </a:r>
+            <a:r>
+              <a:rPr lang="en-GB" dirty="0" err="1">
+                <a:solidFill>
+                  <a:srgbClr val="000000"/>
+                </a:solidFill>
+                <a:highlight>
+                  <a:srgbClr val="FFFFFF"/>
+                </a:highlight>
+                <a:latin typeface="Consolas" panose="020B0609020204030204" pitchFamily="49" charset="0"/>
+              </a:rPr>
+              <a:t>args</a:t>
+            </a:r>
+            <a:r>
+              <a:rPr lang="en-GB" dirty="0">
+                <a:solidFill>
+                  <a:srgbClr val="000000"/>
+                </a:solidFill>
+                <a:highlight>
+                  <a:srgbClr val="FFFFFF"/>
+                </a:highlight>
+                <a:latin typeface="Consolas" panose="020B0609020204030204" pitchFamily="49" charset="0"/>
+              </a:rPr>
+              <a:t>)</a:t>
+            </a:r>
+          </a:p>
+          <a:p>
+            <a:r>
+              <a:rPr lang="en-GB" dirty="0">
+                <a:solidFill>
+                  <a:srgbClr val="000000"/>
+                </a:solidFill>
+                <a:highlight>
+                  <a:srgbClr val="FFFFFF"/>
+                </a:highlight>
+                <a:latin typeface="Consolas" panose="020B0609020204030204" pitchFamily="49" charset="0"/>
+              </a:rPr>
+              <a:t>{</a:t>
+            </a:r>
+          </a:p>
+          <a:p>
+            <a:r>
+              <a:rPr lang="en-GB" dirty="0">
+                <a:solidFill>
+                  <a:srgbClr val="000000"/>
+                </a:solidFill>
+                <a:highlight>
+                  <a:srgbClr val="FFFFFF"/>
+                </a:highlight>
+                <a:latin typeface="Consolas" panose="020B0609020204030204" pitchFamily="49" charset="0"/>
+              </a:rPr>
+              <a:t>    </a:t>
+            </a:r>
+            <a:r>
+              <a:rPr lang="en-GB" dirty="0">
+                <a:solidFill>
+                  <a:srgbClr val="2B91AF"/>
+                </a:solidFill>
+                <a:highlight>
+                  <a:srgbClr val="FFFFFF"/>
+                </a:highlight>
+                <a:latin typeface="Consolas" panose="020B0609020204030204" pitchFamily="49" charset="0"/>
+              </a:rPr>
+              <a:t>String</a:t>
+            </a:r>
+            <a:r>
+              <a:rPr lang="en-GB" dirty="0">
+                <a:solidFill>
+                  <a:srgbClr val="000000"/>
+                </a:solidFill>
+                <a:highlight>
+                  <a:srgbClr val="FFFFFF"/>
+                </a:highlight>
+                <a:latin typeface="Consolas" panose="020B0609020204030204" pitchFamily="49" charset="0"/>
+              </a:rPr>
+              <a:t> </a:t>
+            </a:r>
+            <a:r>
+              <a:rPr lang="en-GB" dirty="0" err="1">
+                <a:solidFill>
+                  <a:srgbClr val="000000"/>
+                </a:solidFill>
+                <a:highlight>
+                  <a:srgbClr val="FFFFFF"/>
+                </a:highlight>
+                <a:latin typeface="Consolas" panose="020B0609020204030204" pitchFamily="49" charset="0"/>
+              </a:rPr>
+              <a:t>str</a:t>
+            </a:r>
+            <a:r>
+              <a:rPr lang="en-GB" dirty="0">
+                <a:solidFill>
+                  <a:srgbClr val="000000"/>
+                </a:solidFill>
+                <a:highlight>
+                  <a:srgbClr val="FFFFFF"/>
+                </a:highlight>
+                <a:latin typeface="Consolas" panose="020B0609020204030204" pitchFamily="49" charset="0"/>
+              </a:rPr>
+              <a:t> = </a:t>
+            </a:r>
+            <a:r>
+              <a:rPr lang="en-GB" dirty="0">
+                <a:solidFill>
+                  <a:srgbClr val="A31515"/>
+                </a:solidFill>
+                <a:highlight>
+                  <a:srgbClr val="FFFFFF"/>
+                </a:highlight>
+                <a:latin typeface="Consolas" panose="020B0609020204030204" pitchFamily="49" charset="0"/>
+              </a:rPr>
+              <a:t>"sample"</a:t>
+            </a:r>
+            <a:r>
+              <a:rPr lang="en-GB" dirty="0">
+                <a:solidFill>
+                  <a:srgbClr val="000000"/>
+                </a:solidFill>
+                <a:highlight>
+                  <a:srgbClr val="FFFFFF"/>
+                </a:highlight>
+                <a:latin typeface="Consolas" panose="020B0609020204030204" pitchFamily="49" charset="0"/>
+              </a:rPr>
+              <a:t>;</a:t>
+            </a:r>
+          </a:p>
+          <a:p>
+            <a:r>
+              <a:rPr lang="en-GB" dirty="0">
+                <a:solidFill>
+                  <a:srgbClr val="000000"/>
+                </a:solidFill>
+                <a:highlight>
+                  <a:srgbClr val="FFFFFF"/>
+                </a:highlight>
+                <a:latin typeface="Consolas" panose="020B0609020204030204" pitchFamily="49" charset="0"/>
+              </a:rPr>
+              <a:t>    </a:t>
+            </a:r>
+            <a:r>
+              <a:rPr lang="en-GB" dirty="0">
+                <a:solidFill>
+                  <a:srgbClr val="2B91AF"/>
+                </a:solidFill>
+                <a:highlight>
+                  <a:srgbClr val="FFFFFF"/>
+                </a:highlight>
+                <a:latin typeface="Consolas" panose="020B0609020204030204" pitchFamily="49" charset="0"/>
+              </a:rPr>
+              <a:t>Int32</a:t>
+            </a:r>
+            <a:r>
+              <a:rPr lang="en-GB" dirty="0">
+                <a:solidFill>
+                  <a:srgbClr val="000000"/>
+                </a:solidFill>
+                <a:highlight>
+                  <a:srgbClr val="FFFFFF"/>
+                </a:highlight>
+                <a:latin typeface="Consolas" panose="020B0609020204030204" pitchFamily="49" charset="0"/>
+              </a:rPr>
+              <a:t> </a:t>
+            </a:r>
+            <a:r>
+              <a:rPr lang="en-GB" dirty="0" err="1">
+                <a:solidFill>
+                  <a:srgbClr val="000000"/>
+                </a:solidFill>
+                <a:highlight>
+                  <a:srgbClr val="FFFFFF"/>
+                </a:highlight>
+                <a:latin typeface="Consolas" panose="020B0609020204030204" pitchFamily="49" charset="0"/>
+              </a:rPr>
+              <a:t>i</a:t>
+            </a:r>
+            <a:r>
+              <a:rPr lang="en-GB" dirty="0">
+                <a:solidFill>
+                  <a:srgbClr val="000000"/>
+                </a:solidFill>
+                <a:highlight>
+                  <a:srgbClr val="FFFFFF"/>
+                </a:highlight>
+                <a:latin typeface="Consolas" panose="020B0609020204030204" pitchFamily="49" charset="0"/>
+              </a:rPr>
+              <a:t> = 32;</a:t>
+            </a:r>
+          </a:p>
+          <a:p>
+            <a:r>
+              <a:rPr lang="en-GB" dirty="0">
+                <a:solidFill>
+                  <a:srgbClr val="000000"/>
+                </a:solidFill>
+                <a:highlight>
+                  <a:srgbClr val="FFFFFF"/>
+                </a:highlight>
+                <a:latin typeface="Consolas" panose="020B0609020204030204" pitchFamily="49" charset="0"/>
+              </a:rPr>
+              <a:t>    </a:t>
+            </a:r>
+            <a:r>
+              <a:rPr lang="en-GB" dirty="0">
+                <a:solidFill>
+                  <a:srgbClr val="2B91AF"/>
+                </a:solidFill>
+                <a:highlight>
+                  <a:srgbClr val="FFFFFF"/>
+                </a:highlight>
+                <a:latin typeface="Consolas" panose="020B0609020204030204" pitchFamily="49" charset="0"/>
+              </a:rPr>
+              <a:t>Boolean</a:t>
+            </a:r>
+            <a:r>
+              <a:rPr lang="en-GB" dirty="0">
+                <a:solidFill>
+                  <a:srgbClr val="000000"/>
+                </a:solidFill>
+                <a:highlight>
+                  <a:srgbClr val="FFFFFF"/>
+                </a:highlight>
+                <a:latin typeface="Consolas" panose="020B0609020204030204" pitchFamily="49" charset="0"/>
+              </a:rPr>
+              <a:t> b = </a:t>
+            </a:r>
+            <a:r>
+              <a:rPr lang="en-GB" dirty="0">
+                <a:solidFill>
+                  <a:srgbClr val="0000FF"/>
+                </a:solidFill>
+                <a:highlight>
+                  <a:srgbClr val="FFFFFF"/>
+                </a:highlight>
+                <a:latin typeface="Consolas" panose="020B0609020204030204" pitchFamily="49" charset="0"/>
+              </a:rPr>
+              <a:t>false</a:t>
+            </a:r>
+            <a:r>
+              <a:rPr lang="en-GB" dirty="0">
+                <a:solidFill>
+                  <a:srgbClr val="000000"/>
+                </a:solidFill>
+                <a:highlight>
+                  <a:srgbClr val="FFFFFF"/>
+                </a:highlight>
+                <a:latin typeface="Consolas" panose="020B0609020204030204" pitchFamily="49" charset="0"/>
+              </a:rPr>
+              <a:t>;</a:t>
+            </a:r>
+          </a:p>
+          <a:p>
+            <a:r>
+              <a:rPr lang="en-GB" dirty="0">
+                <a:solidFill>
+                  <a:srgbClr val="000000"/>
+                </a:solidFill>
+                <a:highlight>
+                  <a:srgbClr val="FFFFFF"/>
+                </a:highlight>
+                <a:latin typeface="Consolas" panose="020B0609020204030204" pitchFamily="49" charset="0"/>
+              </a:rPr>
+              <a:t>    </a:t>
+            </a:r>
+            <a:r>
+              <a:rPr lang="en-GB" dirty="0">
+                <a:solidFill>
+                  <a:srgbClr val="2B91AF"/>
+                </a:solidFill>
+                <a:highlight>
+                  <a:srgbClr val="FFFFFF"/>
+                </a:highlight>
+                <a:latin typeface="Consolas" panose="020B0609020204030204" pitchFamily="49" charset="0"/>
+              </a:rPr>
+              <a:t>Char</a:t>
+            </a:r>
+            <a:r>
+              <a:rPr lang="en-GB" dirty="0">
+                <a:solidFill>
+                  <a:srgbClr val="000000"/>
+                </a:solidFill>
+                <a:highlight>
+                  <a:srgbClr val="FFFFFF"/>
+                </a:highlight>
+                <a:latin typeface="Consolas" panose="020B0609020204030204" pitchFamily="49" charset="0"/>
+              </a:rPr>
+              <a:t> c = </a:t>
+            </a:r>
+            <a:r>
+              <a:rPr lang="en-GB" dirty="0">
+                <a:solidFill>
+                  <a:srgbClr val="A31515"/>
+                </a:solidFill>
+                <a:highlight>
+                  <a:srgbClr val="FFFFFF"/>
+                </a:highlight>
+                <a:latin typeface="Consolas" panose="020B0609020204030204" pitchFamily="49" charset="0"/>
+              </a:rPr>
+              <a:t>'d'</a:t>
+            </a:r>
+            <a:r>
+              <a:rPr lang="en-GB" dirty="0">
+                <a:solidFill>
+                  <a:srgbClr val="000000"/>
+                </a:solidFill>
+                <a:highlight>
+                  <a:srgbClr val="FFFFFF"/>
+                </a:highlight>
+                <a:latin typeface="Consolas" panose="020B0609020204030204" pitchFamily="49" charset="0"/>
+              </a:rPr>
+              <a:t>;</a:t>
+            </a:r>
+          </a:p>
+          <a:p>
+            <a:r>
+              <a:rPr lang="en-GB" dirty="0">
+                <a:solidFill>
+                  <a:srgbClr val="000000"/>
+                </a:solidFill>
+                <a:highlight>
+                  <a:srgbClr val="FFFFFF"/>
+                </a:highlight>
+                <a:latin typeface="Consolas" panose="020B0609020204030204" pitchFamily="49" charset="0"/>
+              </a:rPr>
+              <a:t>}</a:t>
+            </a:r>
+            <a:endParaRPr lang="en-GB" dirty="0"/>
+          </a:p>
+        </p:txBody>
+      </p:sp>
+    </p:spTree>
+    <p:extLst>
+      <p:ext uri="{BB962C8B-B14F-4D97-AF65-F5344CB8AC3E}">
+        <p14:creationId xmlns:p14="http://schemas.microsoft.com/office/powerpoint/2010/main" val="2617669573"/>
+      </p:ext>
+    </p:extLst>
+  </p:cSld>
+  <p:clrMapOvr>
+    <a:masterClrMapping/>
+  </p:clrMapOvr>
+  <p:timing>
+    <p:tnLst>
+      <p:par>
+        <p:cTn id="1" dur="indefinite" restart="never" nodeType="tmRoot"/>
+      </p:par>
+    </p:tnLst>
+  </p:timing>
+</p:sld>
+</file>
+
+<file path=ppt/slides/slide16.xml><?xml version="1.0" encoding="utf-8"?>
+<p:sld xmlns:a="http://schemas.openxmlformats.org/drawingml/2006/main" xmlns:r="http://schemas.openxmlformats.org/officeDocument/2006/relationships" xmlns:p="http://schemas.openxmlformats.org/presentationml/2006/main">
+  <p:cSld>
+    <p:spTree>
+      <p:nvGrpSpPr>
+        <p:cNvPr id="1" name=""/>
+        <p:cNvGrpSpPr/>
+        <p:nvPr/>
+      </p:nvGrpSpPr>
+      <p:grpSpPr>
+        <a:xfrm>
+          <a:off x="0" y="0"/>
+          <a:ext cx="0" cy="0"/>
+          <a:chOff x="0" y="0"/>
+          <a:chExt cx="0" cy="0"/>
+        </a:xfrm>
+      </p:grpSpPr>
+      <p:sp>
+        <p:nvSpPr>
+          <p:cNvPr id="4" name="Дата 3"/>
+          <p:cNvSpPr>
+            <a:spLocks noGrp="1"/>
+          </p:cNvSpPr>
+          <p:nvPr>
+            <p:ph type="dt" sz="half" idx="10"/>
+          </p:nvPr>
+        </p:nvSpPr>
+        <p:spPr/>
+        <p:txBody>
+          <a:bodyPr/>
+          <a:lstStyle/>
+          <a:p>
+            <a:r>
+              <a:rPr lang="en-US" smtClean="0"/>
+              <a:t>01.03.2016</a:t>
+            </a:r>
+            <a:endParaRPr lang="en-GB"/>
+          </a:p>
+        </p:txBody>
+      </p:sp>
+      <p:sp>
+        <p:nvSpPr>
+          <p:cNvPr id="5" name="Нижний колонтитул 4"/>
+          <p:cNvSpPr>
+            <a:spLocks noGrp="1"/>
+          </p:cNvSpPr>
+          <p:nvPr>
+            <p:ph type="ftr" sz="quarter" idx="11"/>
+          </p:nvPr>
+        </p:nvSpPr>
+        <p:spPr/>
+        <p:txBody>
+          <a:bodyPr/>
+          <a:lstStyle/>
+          <a:p>
+            <a:r>
+              <a:rPr lang="ru-RU" smtClean="0"/>
+              <a:t>Ваганов Михаил Викторович  ASP.NET MVC + Oracle Database</a:t>
+            </a:r>
+            <a:endParaRPr lang="en-GB"/>
+          </a:p>
+        </p:txBody>
+      </p:sp>
+      <p:sp>
+        <p:nvSpPr>
+          <p:cNvPr id="6" name="Номер слайда 5"/>
+          <p:cNvSpPr>
+            <a:spLocks noGrp="1"/>
+          </p:cNvSpPr>
+          <p:nvPr>
+            <p:ph type="sldNum" sz="quarter" idx="12"/>
+          </p:nvPr>
+        </p:nvSpPr>
+        <p:spPr/>
+        <p:txBody>
+          <a:bodyPr/>
+          <a:lstStyle/>
+          <a:p>
+            <a:fld id="{8FD3F87F-7A79-4F3D-8F12-CD11A20D067D}" type="slidenum">
+              <a:rPr lang="en-GB" smtClean="0"/>
+              <a:t>16</a:t>
+            </a:fld>
+            <a:endParaRPr lang="en-GB"/>
+          </a:p>
+        </p:txBody>
+      </p:sp>
+      <p:sp>
+        <p:nvSpPr>
+          <p:cNvPr id="7" name="Прямоугольник 6"/>
+          <p:cNvSpPr/>
+          <p:nvPr/>
+        </p:nvSpPr>
+        <p:spPr>
+          <a:xfrm>
+            <a:off x="1" y="0"/>
+            <a:ext cx="12192000" cy="296333"/>
+          </a:xfrm>
+          <a:prstGeom prst="rect">
+            <a:avLst/>
+          </a:prstGeom>
+        </p:spPr>
+        <p:style>
+          <a:lnRef idx="0">
+            <a:schemeClr val="accent5"/>
+          </a:lnRef>
+          <a:fillRef idx="3">
+            <a:schemeClr val="accent5"/>
+          </a:fillRef>
+          <a:effectRef idx="3">
+            <a:schemeClr val="accent5"/>
+          </a:effectRef>
+          <a:fontRef idx="minor">
+            <a:schemeClr val="lt1"/>
+          </a:fontRef>
+        </p:style>
+        <p:txBody>
+          <a:bodyPr rtlCol="0" anchor="ctr"/>
+          <a:lstStyle/>
+          <a:p>
+            <a:pPr algn="ctr"/>
+            <a:r>
+              <a:rPr lang="ru-RU" dirty="0" smtClean="0"/>
+              <a:t>Классы, интерфейсы, наследование</a:t>
+            </a:r>
+            <a:endParaRPr lang="en-GB" dirty="0"/>
+          </a:p>
+        </p:txBody>
+      </p:sp>
+      <p:sp>
+        <p:nvSpPr>
+          <p:cNvPr id="9" name="Прямоугольник 8"/>
+          <p:cNvSpPr/>
+          <p:nvPr/>
+        </p:nvSpPr>
+        <p:spPr>
+          <a:xfrm>
+            <a:off x="838200" y="536663"/>
+            <a:ext cx="6096000" cy="1754326"/>
+          </a:xfrm>
+          <a:prstGeom prst="rect">
+            <a:avLst/>
+          </a:prstGeom>
+        </p:spPr>
+        <p:txBody>
+          <a:bodyPr>
+            <a:spAutoFit/>
+          </a:bodyPr>
+          <a:lstStyle/>
+          <a:p>
+            <a:r>
+              <a:rPr lang="en-GB" dirty="0">
+                <a:solidFill>
+                  <a:srgbClr val="0000FF"/>
+                </a:solidFill>
+                <a:highlight>
+                  <a:srgbClr val="FFFFFF"/>
+                </a:highlight>
+                <a:latin typeface="Consolas" panose="020B0609020204030204" pitchFamily="49" charset="0"/>
+              </a:rPr>
+              <a:t>class</a:t>
+            </a:r>
+            <a:r>
+              <a:rPr lang="en-GB" dirty="0">
+                <a:solidFill>
+                  <a:srgbClr val="000000"/>
+                </a:solidFill>
+                <a:highlight>
+                  <a:srgbClr val="FFFFFF"/>
+                </a:highlight>
+                <a:latin typeface="Consolas" panose="020B0609020204030204" pitchFamily="49" charset="0"/>
+              </a:rPr>
+              <a:t> </a:t>
+            </a:r>
+            <a:r>
+              <a:rPr lang="en-GB" dirty="0">
+                <a:solidFill>
+                  <a:srgbClr val="2B91AF"/>
+                </a:solidFill>
+                <a:highlight>
+                  <a:srgbClr val="FFFFFF"/>
+                </a:highlight>
+                <a:latin typeface="Consolas" panose="020B0609020204030204" pitchFamily="49" charset="0"/>
+              </a:rPr>
+              <a:t>Parent</a:t>
+            </a:r>
+          </a:p>
+          <a:p>
+            <a:r>
+              <a:rPr lang="en-GB" dirty="0">
+                <a:solidFill>
+                  <a:srgbClr val="000000"/>
+                </a:solidFill>
+                <a:highlight>
+                  <a:srgbClr val="FFFFFF"/>
+                </a:highlight>
+                <a:latin typeface="Consolas" panose="020B0609020204030204" pitchFamily="49" charset="0"/>
+              </a:rPr>
+              <a:t>{</a:t>
+            </a:r>
+          </a:p>
+          <a:p>
+            <a:r>
+              <a:rPr lang="en-GB" dirty="0">
+                <a:solidFill>
+                  <a:srgbClr val="000000"/>
+                </a:solidFill>
+                <a:highlight>
+                  <a:srgbClr val="FFFFFF"/>
+                </a:highlight>
+                <a:latin typeface="Consolas" panose="020B0609020204030204" pitchFamily="49" charset="0"/>
+              </a:rPr>
+              <a:t>    </a:t>
+            </a:r>
+            <a:r>
+              <a:rPr lang="en-GB" dirty="0">
+                <a:solidFill>
+                  <a:srgbClr val="0000FF"/>
+                </a:solidFill>
+                <a:highlight>
+                  <a:srgbClr val="FFFFFF"/>
+                </a:highlight>
+                <a:latin typeface="Consolas" panose="020B0609020204030204" pitchFamily="49" charset="0"/>
+              </a:rPr>
+              <a:t>public</a:t>
+            </a:r>
+            <a:r>
+              <a:rPr lang="en-GB" dirty="0">
+                <a:solidFill>
+                  <a:srgbClr val="000000"/>
+                </a:solidFill>
+                <a:highlight>
+                  <a:srgbClr val="FFFFFF"/>
+                </a:highlight>
+                <a:latin typeface="Consolas" panose="020B0609020204030204" pitchFamily="49" charset="0"/>
+              </a:rPr>
+              <a:t> </a:t>
+            </a:r>
+            <a:r>
+              <a:rPr lang="en-GB" dirty="0">
+                <a:solidFill>
+                  <a:srgbClr val="0000FF"/>
+                </a:solidFill>
+                <a:highlight>
+                  <a:srgbClr val="FFFFFF"/>
+                </a:highlight>
+                <a:latin typeface="Consolas" panose="020B0609020204030204" pitchFamily="49" charset="0"/>
+              </a:rPr>
+              <a:t>string</a:t>
+            </a:r>
+            <a:r>
+              <a:rPr lang="en-GB" dirty="0">
+                <a:solidFill>
+                  <a:srgbClr val="000000"/>
+                </a:solidFill>
+                <a:highlight>
+                  <a:srgbClr val="FFFFFF"/>
+                </a:highlight>
+                <a:latin typeface="Consolas" panose="020B0609020204030204" pitchFamily="49" charset="0"/>
+              </a:rPr>
+              <a:t> </a:t>
+            </a:r>
+            <a:r>
+              <a:rPr lang="en-GB" dirty="0" err="1">
+                <a:solidFill>
+                  <a:srgbClr val="000000"/>
+                </a:solidFill>
+                <a:highlight>
+                  <a:srgbClr val="FFFFFF"/>
+                </a:highlight>
+                <a:latin typeface="Consolas" panose="020B0609020204030204" pitchFamily="49" charset="0"/>
+              </a:rPr>
+              <a:t>PublicField</a:t>
+            </a:r>
+            <a:r>
+              <a:rPr lang="en-GB" dirty="0">
+                <a:solidFill>
+                  <a:srgbClr val="000000"/>
+                </a:solidFill>
+                <a:highlight>
+                  <a:srgbClr val="FFFFFF"/>
+                </a:highlight>
+                <a:latin typeface="Consolas" panose="020B0609020204030204" pitchFamily="49" charset="0"/>
+              </a:rPr>
+              <a:t>;</a:t>
+            </a:r>
+          </a:p>
+          <a:p>
+            <a:r>
+              <a:rPr lang="en-GB" dirty="0">
+                <a:solidFill>
+                  <a:srgbClr val="000000"/>
+                </a:solidFill>
+                <a:highlight>
+                  <a:srgbClr val="FFFFFF"/>
+                </a:highlight>
+                <a:latin typeface="Consolas" panose="020B0609020204030204" pitchFamily="49" charset="0"/>
+              </a:rPr>
+              <a:t>    </a:t>
+            </a:r>
+            <a:r>
+              <a:rPr lang="en-GB" dirty="0">
+                <a:solidFill>
+                  <a:srgbClr val="0000FF"/>
+                </a:solidFill>
+                <a:highlight>
+                  <a:srgbClr val="FFFFFF"/>
+                </a:highlight>
+                <a:latin typeface="Consolas" panose="020B0609020204030204" pitchFamily="49" charset="0"/>
+              </a:rPr>
+              <a:t>protected</a:t>
+            </a:r>
+            <a:r>
+              <a:rPr lang="en-GB" dirty="0">
+                <a:solidFill>
+                  <a:srgbClr val="000000"/>
+                </a:solidFill>
+                <a:highlight>
+                  <a:srgbClr val="FFFFFF"/>
+                </a:highlight>
+                <a:latin typeface="Consolas" panose="020B0609020204030204" pitchFamily="49" charset="0"/>
+              </a:rPr>
+              <a:t> </a:t>
+            </a:r>
+            <a:r>
+              <a:rPr lang="en-GB" dirty="0">
+                <a:solidFill>
+                  <a:srgbClr val="0000FF"/>
+                </a:solidFill>
+                <a:highlight>
+                  <a:srgbClr val="FFFFFF"/>
+                </a:highlight>
+                <a:latin typeface="Consolas" panose="020B0609020204030204" pitchFamily="49" charset="0"/>
+              </a:rPr>
+              <a:t>string</a:t>
+            </a:r>
+            <a:r>
+              <a:rPr lang="en-GB" dirty="0">
+                <a:solidFill>
+                  <a:srgbClr val="000000"/>
+                </a:solidFill>
+                <a:highlight>
+                  <a:srgbClr val="FFFFFF"/>
+                </a:highlight>
+                <a:latin typeface="Consolas" panose="020B0609020204030204" pitchFamily="49" charset="0"/>
+              </a:rPr>
+              <a:t> </a:t>
+            </a:r>
+            <a:r>
+              <a:rPr lang="en-GB" dirty="0" err="1">
+                <a:solidFill>
+                  <a:srgbClr val="000000"/>
+                </a:solidFill>
+                <a:highlight>
+                  <a:srgbClr val="FFFFFF"/>
+                </a:highlight>
+                <a:latin typeface="Consolas" panose="020B0609020204030204" pitchFamily="49" charset="0"/>
+              </a:rPr>
+              <a:t>protectedField</a:t>
+            </a:r>
+            <a:r>
+              <a:rPr lang="en-GB" dirty="0">
+                <a:solidFill>
+                  <a:srgbClr val="000000"/>
+                </a:solidFill>
+                <a:highlight>
+                  <a:srgbClr val="FFFFFF"/>
+                </a:highlight>
+                <a:latin typeface="Consolas" panose="020B0609020204030204" pitchFamily="49" charset="0"/>
+              </a:rPr>
+              <a:t>;</a:t>
+            </a:r>
+          </a:p>
+          <a:p>
+            <a:r>
+              <a:rPr lang="en-GB" dirty="0">
+                <a:solidFill>
+                  <a:srgbClr val="000000"/>
+                </a:solidFill>
+                <a:highlight>
+                  <a:srgbClr val="FFFFFF"/>
+                </a:highlight>
+                <a:latin typeface="Consolas" panose="020B0609020204030204" pitchFamily="49" charset="0"/>
+              </a:rPr>
+              <a:t>    </a:t>
+            </a:r>
+            <a:r>
+              <a:rPr lang="en-GB" dirty="0">
+                <a:solidFill>
+                  <a:srgbClr val="0000FF"/>
+                </a:solidFill>
+                <a:highlight>
+                  <a:srgbClr val="FFFFFF"/>
+                </a:highlight>
+                <a:latin typeface="Consolas" panose="020B0609020204030204" pitchFamily="49" charset="0"/>
+              </a:rPr>
+              <a:t>private</a:t>
+            </a:r>
+            <a:r>
+              <a:rPr lang="en-GB" dirty="0">
+                <a:solidFill>
+                  <a:srgbClr val="000000"/>
+                </a:solidFill>
+                <a:highlight>
+                  <a:srgbClr val="FFFFFF"/>
+                </a:highlight>
+                <a:latin typeface="Consolas" panose="020B0609020204030204" pitchFamily="49" charset="0"/>
+              </a:rPr>
+              <a:t> </a:t>
+            </a:r>
+            <a:r>
+              <a:rPr lang="en-GB" dirty="0">
+                <a:solidFill>
+                  <a:srgbClr val="0000FF"/>
+                </a:solidFill>
+                <a:highlight>
+                  <a:srgbClr val="FFFFFF"/>
+                </a:highlight>
+                <a:latin typeface="Consolas" panose="020B0609020204030204" pitchFamily="49" charset="0"/>
+              </a:rPr>
+              <a:t>string</a:t>
+            </a:r>
+            <a:r>
+              <a:rPr lang="en-GB" dirty="0">
+                <a:solidFill>
+                  <a:srgbClr val="000000"/>
+                </a:solidFill>
+                <a:highlight>
+                  <a:srgbClr val="FFFFFF"/>
+                </a:highlight>
+                <a:latin typeface="Consolas" panose="020B0609020204030204" pitchFamily="49" charset="0"/>
+              </a:rPr>
+              <a:t> </a:t>
+            </a:r>
+            <a:r>
+              <a:rPr lang="en-GB" dirty="0" err="1">
+                <a:solidFill>
+                  <a:srgbClr val="000000"/>
+                </a:solidFill>
+                <a:highlight>
+                  <a:srgbClr val="FFFFFF"/>
+                </a:highlight>
+                <a:latin typeface="Consolas" panose="020B0609020204030204" pitchFamily="49" charset="0"/>
+              </a:rPr>
+              <a:t>privateField</a:t>
+            </a:r>
+            <a:r>
+              <a:rPr lang="en-GB" dirty="0">
+                <a:solidFill>
+                  <a:srgbClr val="000000"/>
+                </a:solidFill>
+                <a:highlight>
+                  <a:srgbClr val="FFFFFF"/>
+                </a:highlight>
+                <a:latin typeface="Consolas" panose="020B0609020204030204" pitchFamily="49" charset="0"/>
+              </a:rPr>
+              <a:t>;</a:t>
+            </a:r>
+          </a:p>
+          <a:p>
+            <a:r>
+              <a:rPr lang="en-GB" dirty="0">
+                <a:solidFill>
+                  <a:srgbClr val="000000"/>
+                </a:solidFill>
+                <a:highlight>
+                  <a:srgbClr val="FFFFFF"/>
+                </a:highlight>
+                <a:latin typeface="Consolas" panose="020B0609020204030204" pitchFamily="49" charset="0"/>
+              </a:rPr>
+              <a:t>}</a:t>
+            </a:r>
+            <a:endParaRPr lang="en-GB" dirty="0"/>
+          </a:p>
+        </p:txBody>
+      </p:sp>
+      <p:sp>
+        <p:nvSpPr>
+          <p:cNvPr id="11" name="Прямоугольник 10"/>
+          <p:cNvSpPr/>
+          <p:nvPr/>
+        </p:nvSpPr>
+        <p:spPr>
+          <a:xfrm>
+            <a:off x="3164724" y="2754009"/>
+            <a:ext cx="5862551" cy="3416320"/>
+          </a:xfrm>
+          <a:prstGeom prst="rect">
+            <a:avLst/>
+          </a:prstGeom>
+        </p:spPr>
+        <p:txBody>
+          <a:bodyPr wrap="square">
+            <a:spAutoFit/>
+          </a:bodyPr>
+          <a:lstStyle/>
+          <a:p>
+            <a:r>
+              <a:rPr lang="en-GB" dirty="0">
+                <a:solidFill>
+                  <a:srgbClr val="0000FF"/>
+                </a:solidFill>
+                <a:highlight>
+                  <a:srgbClr val="FFFFFF"/>
+                </a:highlight>
+                <a:latin typeface="Consolas" panose="020B0609020204030204" pitchFamily="49" charset="0"/>
+              </a:rPr>
+              <a:t>class</a:t>
+            </a:r>
+            <a:r>
+              <a:rPr lang="en-GB" dirty="0">
+                <a:solidFill>
+                  <a:srgbClr val="000000"/>
+                </a:solidFill>
+                <a:highlight>
+                  <a:srgbClr val="FFFFFF"/>
+                </a:highlight>
+                <a:latin typeface="Consolas" panose="020B0609020204030204" pitchFamily="49" charset="0"/>
+              </a:rPr>
+              <a:t> </a:t>
+            </a:r>
+            <a:r>
+              <a:rPr lang="en-GB" dirty="0">
+                <a:solidFill>
+                  <a:srgbClr val="2B91AF"/>
+                </a:solidFill>
+                <a:highlight>
+                  <a:srgbClr val="FFFFFF"/>
+                </a:highlight>
+                <a:latin typeface="Consolas" panose="020B0609020204030204" pitchFamily="49" charset="0"/>
+              </a:rPr>
+              <a:t>Child2</a:t>
+            </a:r>
+            <a:r>
+              <a:rPr lang="en-GB" dirty="0">
+                <a:solidFill>
+                  <a:srgbClr val="000000"/>
+                </a:solidFill>
+                <a:highlight>
+                  <a:srgbClr val="FFFFFF"/>
+                </a:highlight>
+                <a:latin typeface="Consolas" panose="020B0609020204030204" pitchFamily="49" charset="0"/>
+              </a:rPr>
+              <a:t> : </a:t>
+            </a:r>
+            <a:r>
+              <a:rPr lang="en-GB" dirty="0" smtClean="0">
+                <a:solidFill>
+                  <a:srgbClr val="2B91AF"/>
+                </a:solidFill>
+                <a:highlight>
+                  <a:srgbClr val="FFFFFF"/>
+                </a:highlight>
+                <a:latin typeface="Consolas" panose="020B0609020204030204" pitchFamily="49" charset="0"/>
+              </a:rPr>
+              <a:t>Parent</a:t>
+            </a:r>
+            <a:r>
+              <a:rPr lang="en-GB" dirty="0">
+                <a:solidFill>
+                  <a:srgbClr val="000000"/>
+                </a:solidFill>
+                <a:highlight>
+                  <a:srgbClr val="FFFFFF"/>
+                </a:highlight>
+                <a:latin typeface="Consolas" panose="020B0609020204030204" pitchFamily="49" charset="0"/>
+              </a:rPr>
+              <a:t>, </a:t>
+            </a:r>
+            <a:r>
+              <a:rPr lang="en-GB" dirty="0" err="1">
+                <a:solidFill>
+                  <a:srgbClr val="2B91AF"/>
+                </a:solidFill>
+                <a:highlight>
+                  <a:srgbClr val="FFFFFF"/>
+                </a:highlight>
+                <a:latin typeface="Consolas" panose="020B0609020204030204" pitchFamily="49" charset="0"/>
+              </a:rPr>
+              <a:t>IChildish</a:t>
+            </a:r>
+            <a:endParaRPr lang="en-GB" dirty="0">
+              <a:solidFill>
+                <a:srgbClr val="2B91AF"/>
+              </a:solidFill>
+              <a:highlight>
+                <a:srgbClr val="FFFFFF"/>
+              </a:highlight>
+              <a:latin typeface="Consolas" panose="020B0609020204030204" pitchFamily="49" charset="0"/>
+            </a:endParaRPr>
+          </a:p>
+          <a:p>
+            <a:r>
+              <a:rPr lang="en-GB" dirty="0">
+                <a:solidFill>
+                  <a:srgbClr val="000000"/>
+                </a:solidFill>
+                <a:highlight>
+                  <a:srgbClr val="FFFFFF"/>
+                </a:highlight>
+                <a:latin typeface="Consolas" panose="020B0609020204030204" pitchFamily="49" charset="0"/>
+              </a:rPr>
+              <a:t>{</a:t>
+            </a:r>
+          </a:p>
+          <a:p>
+            <a:r>
+              <a:rPr lang="en-GB" dirty="0">
+                <a:solidFill>
+                  <a:srgbClr val="000000"/>
+                </a:solidFill>
+                <a:highlight>
+                  <a:srgbClr val="FFFFFF"/>
+                </a:highlight>
+                <a:latin typeface="Consolas" panose="020B0609020204030204" pitchFamily="49" charset="0"/>
+              </a:rPr>
+              <a:t>    </a:t>
+            </a:r>
+            <a:r>
+              <a:rPr lang="en-GB" dirty="0">
+                <a:solidFill>
+                  <a:srgbClr val="0000FF"/>
+                </a:solidFill>
+                <a:highlight>
+                  <a:srgbClr val="FFFFFF"/>
+                </a:highlight>
+                <a:latin typeface="Consolas" panose="020B0609020204030204" pitchFamily="49" charset="0"/>
+              </a:rPr>
+              <a:t>public</a:t>
+            </a:r>
+            <a:r>
+              <a:rPr lang="en-GB" dirty="0">
+                <a:solidFill>
+                  <a:srgbClr val="000000"/>
+                </a:solidFill>
+                <a:highlight>
+                  <a:srgbClr val="FFFFFF"/>
+                </a:highlight>
+                <a:latin typeface="Consolas" panose="020B0609020204030204" pitchFamily="49" charset="0"/>
+              </a:rPr>
+              <a:t> Child2()</a:t>
+            </a:r>
+          </a:p>
+          <a:p>
+            <a:r>
+              <a:rPr lang="en-GB" dirty="0">
+                <a:solidFill>
+                  <a:srgbClr val="000000"/>
+                </a:solidFill>
+                <a:highlight>
+                  <a:srgbClr val="FFFFFF"/>
+                </a:highlight>
+                <a:latin typeface="Consolas" panose="020B0609020204030204" pitchFamily="49" charset="0"/>
+              </a:rPr>
+              <a:t>    {</a:t>
+            </a:r>
+          </a:p>
+          <a:p>
+            <a:r>
+              <a:rPr lang="en-GB" dirty="0">
+                <a:solidFill>
+                  <a:srgbClr val="000000"/>
+                </a:solidFill>
+                <a:highlight>
+                  <a:srgbClr val="FFFFFF"/>
+                </a:highlight>
+                <a:latin typeface="Consolas" panose="020B0609020204030204" pitchFamily="49" charset="0"/>
+              </a:rPr>
+              <a:t>        </a:t>
+            </a:r>
+            <a:r>
+              <a:rPr lang="en-GB" dirty="0" err="1">
+                <a:solidFill>
+                  <a:srgbClr val="0000FF"/>
+                </a:solidFill>
+                <a:highlight>
+                  <a:srgbClr val="FFFFFF"/>
+                </a:highlight>
+                <a:latin typeface="Consolas" panose="020B0609020204030204" pitchFamily="49" charset="0"/>
+              </a:rPr>
+              <a:t>this</a:t>
+            </a:r>
+            <a:r>
+              <a:rPr lang="en-GB" dirty="0" err="1">
+                <a:solidFill>
+                  <a:srgbClr val="000000"/>
+                </a:solidFill>
+                <a:highlight>
+                  <a:srgbClr val="FFFFFF"/>
+                </a:highlight>
+                <a:latin typeface="Consolas" panose="020B0609020204030204" pitchFamily="49" charset="0"/>
+              </a:rPr>
+              <a:t>.protectedField</a:t>
+            </a:r>
+            <a:r>
+              <a:rPr lang="en-GB" dirty="0">
+                <a:solidFill>
+                  <a:srgbClr val="000000"/>
+                </a:solidFill>
+                <a:highlight>
+                  <a:srgbClr val="FFFFFF"/>
+                </a:highlight>
+                <a:latin typeface="Consolas" panose="020B0609020204030204" pitchFamily="49" charset="0"/>
+              </a:rPr>
+              <a:t> = </a:t>
+            </a:r>
+            <a:r>
+              <a:rPr lang="en-GB" dirty="0">
+                <a:solidFill>
+                  <a:srgbClr val="A31515"/>
+                </a:solidFill>
+                <a:highlight>
+                  <a:srgbClr val="FFFFFF"/>
+                </a:highlight>
+                <a:latin typeface="Consolas" panose="020B0609020204030204" pitchFamily="49" charset="0"/>
+              </a:rPr>
+              <a:t>"protected"</a:t>
+            </a:r>
+            <a:r>
+              <a:rPr lang="en-GB" dirty="0">
+                <a:solidFill>
+                  <a:srgbClr val="000000"/>
+                </a:solidFill>
+                <a:highlight>
+                  <a:srgbClr val="FFFFFF"/>
+                </a:highlight>
+                <a:latin typeface="Consolas" panose="020B0609020204030204" pitchFamily="49" charset="0"/>
+              </a:rPr>
+              <a:t>;</a:t>
+            </a:r>
+          </a:p>
+          <a:p>
+            <a:r>
+              <a:rPr lang="en-GB" dirty="0">
+                <a:solidFill>
+                  <a:srgbClr val="000000"/>
+                </a:solidFill>
+                <a:highlight>
+                  <a:srgbClr val="FFFFFF"/>
+                </a:highlight>
+                <a:latin typeface="Consolas" panose="020B0609020204030204" pitchFamily="49" charset="0"/>
+              </a:rPr>
+              <a:t>        </a:t>
+            </a:r>
+            <a:r>
+              <a:rPr lang="en-GB" dirty="0" err="1">
+                <a:solidFill>
+                  <a:srgbClr val="0000FF"/>
+                </a:solidFill>
+                <a:highlight>
+                  <a:srgbClr val="FFFFFF"/>
+                </a:highlight>
+                <a:latin typeface="Consolas" panose="020B0609020204030204" pitchFamily="49" charset="0"/>
+              </a:rPr>
+              <a:t>this</a:t>
+            </a:r>
+            <a:r>
+              <a:rPr lang="en-GB" dirty="0" err="1">
+                <a:solidFill>
+                  <a:srgbClr val="000000"/>
+                </a:solidFill>
+                <a:highlight>
+                  <a:srgbClr val="FFFFFF"/>
+                </a:highlight>
+                <a:latin typeface="Consolas" panose="020B0609020204030204" pitchFamily="49" charset="0"/>
+              </a:rPr>
+              <a:t>.PublicField</a:t>
+            </a:r>
+            <a:r>
+              <a:rPr lang="en-GB" dirty="0">
+                <a:solidFill>
+                  <a:srgbClr val="000000"/>
+                </a:solidFill>
+                <a:highlight>
+                  <a:srgbClr val="FFFFFF"/>
+                </a:highlight>
+                <a:latin typeface="Consolas" panose="020B0609020204030204" pitchFamily="49" charset="0"/>
+              </a:rPr>
+              <a:t> = </a:t>
+            </a:r>
+            <a:r>
+              <a:rPr lang="en-GB" dirty="0">
+                <a:solidFill>
+                  <a:srgbClr val="A31515"/>
+                </a:solidFill>
+                <a:highlight>
+                  <a:srgbClr val="FFFFFF"/>
+                </a:highlight>
+                <a:latin typeface="Consolas" panose="020B0609020204030204" pitchFamily="49" charset="0"/>
+              </a:rPr>
+              <a:t>"public"</a:t>
+            </a:r>
+            <a:r>
+              <a:rPr lang="en-GB" dirty="0">
+                <a:solidFill>
+                  <a:srgbClr val="000000"/>
+                </a:solidFill>
+                <a:highlight>
+                  <a:srgbClr val="FFFFFF"/>
+                </a:highlight>
+                <a:latin typeface="Consolas" panose="020B0609020204030204" pitchFamily="49" charset="0"/>
+              </a:rPr>
+              <a:t>;</a:t>
+            </a:r>
+          </a:p>
+          <a:p>
+            <a:r>
+              <a:rPr lang="en-GB" dirty="0">
+                <a:solidFill>
+                  <a:srgbClr val="000000"/>
+                </a:solidFill>
+                <a:highlight>
+                  <a:srgbClr val="FFFFFF"/>
+                </a:highlight>
+                <a:latin typeface="Consolas" panose="020B0609020204030204" pitchFamily="49" charset="0"/>
+              </a:rPr>
+              <a:t>    </a:t>
+            </a:r>
+            <a:r>
+              <a:rPr lang="en-GB" dirty="0" smtClean="0">
+                <a:solidFill>
+                  <a:srgbClr val="000000"/>
+                </a:solidFill>
+                <a:highlight>
+                  <a:srgbClr val="FFFFFF"/>
+                </a:highlight>
+                <a:latin typeface="Consolas" panose="020B0609020204030204" pitchFamily="49" charset="0"/>
+              </a:rPr>
+              <a:t>}</a:t>
+            </a:r>
+          </a:p>
+          <a:p>
+            <a:r>
+              <a:rPr lang="en-GB" dirty="0">
+                <a:solidFill>
+                  <a:srgbClr val="0000FF"/>
+                </a:solidFill>
+                <a:highlight>
+                  <a:srgbClr val="FFFFFF"/>
+                </a:highlight>
+                <a:latin typeface="Consolas" panose="020B0609020204030204" pitchFamily="49" charset="0"/>
+              </a:rPr>
+              <a:t> </a:t>
+            </a:r>
+            <a:r>
+              <a:rPr lang="en-GB" dirty="0" smtClean="0">
+                <a:solidFill>
+                  <a:srgbClr val="0000FF"/>
+                </a:solidFill>
+                <a:highlight>
+                  <a:srgbClr val="FFFFFF"/>
+                </a:highlight>
+                <a:latin typeface="Consolas" panose="020B0609020204030204" pitchFamily="49" charset="0"/>
+              </a:rPr>
+              <a:t>   public</a:t>
+            </a:r>
+            <a:r>
+              <a:rPr lang="en-GB" dirty="0" smtClean="0">
+                <a:solidFill>
+                  <a:srgbClr val="000000"/>
+                </a:solidFill>
+                <a:highlight>
+                  <a:srgbClr val="FFFFFF"/>
+                </a:highlight>
+                <a:latin typeface="Consolas" panose="020B0609020204030204" pitchFamily="49" charset="0"/>
+              </a:rPr>
+              <a:t> </a:t>
+            </a:r>
+            <a:r>
+              <a:rPr lang="en-GB" dirty="0">
+                <a:solidFill>
+                  <a:srgbClr val="0000FF"/>
+                </a:solidFill>
+                <a:highlight>
+                  <a:srgbClr val="FFFFFF"/>
+                </a:highlight>
+                <a:latin typeface="Consolas" panose="020B0609020204030204" pitchFamily="49" charset="0"/>
+              </a:rPr>
+              <a:t>void</a:t>
+            </a:r>
+            <a:r>
+              <a:rPr lang="en-GB" dirty="0">
+                <a:solidFill>
+                  <a:srgbClr val="000000"/>
+                </a:solidFill>
+                <a:highlight>
+                  <a:srgbClr val="FFFFFF"/>
+                </a:highlight>
+                <a:latin typeface="Consolas" panose="020B0609020204030204" pitchFamily="49" charset="0"/>
+              </a:rPr>
+              <a:t> </a:t>
+            </a:r>
+            <a:r>
+              <a:rPr lang="en-GB" dirty="0" err="1">
+                <a:solidFill>
+                  <a:srgbClr val="000000"/>
+                </a:solidFill>
+                <a:highlight>
+                  <a:srgbClr val="FFFFFF"/>
+                </a:highlight>
+                <a:latin typeface="Consolas" panose="020B0609020204030204" pitchFamily="49" charset="0"/>
+              </a:rPr>
+              <a:t>TakeCandyAway</a:t>
+            </a:r>
+            <a:r>
+              <a:rPr lang="en-GB" dirty="0">
+                <a:solidFill>
+                  <a:srgbClr val="000000"/>
+                </a:solidFill>
+                <a:highlight>
+                  <a:srgbClr val="FFFFFF"/>
+                </a:highlight>
+                <a:latin typeface="Consolas" panose="020B0609020204030204" pitchFamily="49" charset="0"/>
+              </a:rPr>
+              <a:t>()</a:t>
+            </a:r>
+          </a:p>
+          <a:p>
+            <a:r>
+              <a:rPr lang="en-GB" dirty="0" smtClean="0">
+                <a:solidFill>
+                  <a:srgbClr val="000000"/>
+                </a:solidFill>
+                <a:highlight>
+                  <a:srgbClr val="FFFFFF"/>
+                </a:highlight>
+                <a:latin typeface="Consolas" panose="020B0609020204030204" pitchFamily="49" charset="0"/>
+              </a:rPr>
+              <a:t>    {</a:t>
+            </a:r>
+            <a:endParaRPr lang="en-GB" dirty="0">
+              <a:solidFill>
+                <a:srgbClr val="000000"/>
+              </a:solidFill>
+              <a:highlight>
+                <a:srgbClr val="FFFFFF"/>
+              </a:highlight>
+              <a:latin typeface="Consolas" panose="020B0609020204030204" pitchFamily="49" charset="0"/>
+            </a:endParaRPr>
+          </a:p>
+          <a:p>
+            <a:r>
+              <a:rPr lang="en-GB" dirty="0">
+                <a:solidFill>
+                  <a:srgbClr val="000000"/>
+                </a:solidFill>
+                <a:highlight>
+                  <a:srgbClr val="FFFFFF"/>
+                </a:highlight>
+                <a:latin typeface="Consolas" panose="020B0609020204030204" pitchFamily="49" charset="0"/>
+              </a:rPr>
+              <a:t>    </a:t>
+            </a:r>
+            <a:r>
+              <a:rPr lang="en-GB" dirty="0" smtClean="0">
+                <a:solidFill>
+                  <a:srgbClr val="000000"/>
+                </a:solidFill>
+                <a:highlight>
+                  <a:srgbClr val="FFFFFF"/>
+                </a:highlight>
+                <a:latin typeface="Consolas" panose="020B0609020204030204" pitchFamily="49" charset="0"/>
+              </a:rPr>
+              <a:t>    </a:t>
+            </a:r>
+            <a:r>
+              <a:rPr lang="en-GB" dirty="0" err="1" smtClean="0">
+                <a:solidFill>
+                  <a:srgbClr val="2B91AF"/>
+                </a:solidFill>
+                <a:highlight>
+                  <a:srgbClr val="FFFFFF"/>
+                </a:highlight>
+                <a:latin typeface="Consolas" panose="020B0609020204030204" pitchFamily="49" charset="0"/>
+              </a:rPr>
+              <a:t>MessageBox</a:t>
+            </a:r>
+            <a:r>
+              <a:rPr lang="en-GB" dirty="0" err="1" smtClean="0">
+                <a:solidFill>
+                  <a:srgbClr val="000000"/>
+                </a:solidFill>
+                <a:highlight>
+                  <a:srgbClr val="FFFFFF"/>
+                </a:highlight>
+                <a:latin typeface="Consolas" panose="020B0609020204030204" pitchFamily="49" charset="0"/>
+              </a:rPr>
+              <a:t>.Show</a:t>
+            </a:r>
+            <a:r>
+              <a:rPr lang="en-GB" dirty="0">
+                <a:solidFill>
+                  <a:srgbClr val="000000"/>
+                </a:solidFill>
+                <a:highlight>
+                  <a:srgbClr val="FFFFFF"/>
+                </a:highlight>
+                <a:latin typeface="Consolas" panose="020B0609020204030204" pitchFamily="49" charset="0"/>
+              </a:rPr>
+              <a:t>(</a:t>
+            </a:r>
+            <a:r>
+              <a:rPr lang="en-GB" dirty="0">
+                <a:solidFill>
+                  <a:srgbClr val="A31515"/>
+                </a:solidFill>
+                <a:highlight>
+                  <a:srgbClr val="FFFFFF"/>
+                </a:highlight>
+                <a:latin typeface="Consolas" panose="020B0609020204030204" pitchFamily="49" charset="0"/>
+              </a:rPr>
+              <a:t>"</a:t>
+            </a:r>
+            <a:r>
+              <a:rPr lang="ru-RU" dirty="0">
+                <a:solidFill>
+                  <a:srgbClr val="A31515"/>
+                </a:solidFill>
+                <a:highlight>
+                  <a:srgbClr val="FFFFFF"/>
+                </a:highlight>
+                <a:latin typeface="Consolas" panose="020B0609020204030204" pitchFamily="49" charset="0"/>
+              </a:rPr>
+              <a:t>Конфета отобрана!"</a:t>
+            </a:r>
+            <a:r>
+              <a:rPr lang="ru-RU" dirty="0">
+                <a:solidFill>
+                  <a:srgbClr val="000000"/>
+                </a:solidFill>
+                <a:highlight>
+                  <a:srgbClr val="FFFFFF"/>
+                </a:highlight>
+                <a:latin typeface="Consolas" panose="020B0609020204030204" pitchFamily="49" charset="0"/>
+              </a:rPr>
+              <a:t>);</a:t>
+            </a:r>
+          </a:p>
+          <a:p>
+            <a:r>
+              <a:rPr lang="en-GB" dirty="0" smtClean="0">
+                <a:solidFill>
+                  <a:srgbClr val="000000"/>
+                </a:solidFill>
+                <a:highlight>
+                  <a:srgbClr val="FFFFFF"/>
+                </a:highlight>
+                <a:latin typeface="Consolas" panose="020B0609020204030204" pitchFamily="49" charset="0"/>
+              </a:rPr>
+              <a:t>    }</a:t>
+            </a:r>
+            <a:endParaRPr lang="en-GB" b="1" dirty="0">
+              <a:solidFill>
+                <a:srgbClr val="000000"/>
+              </a:solidFill>
+              <a:highlight>
+                <a:srgbClr val="FFFFFF"/>
+              </a:highlight>
+              <a:latin typeface="Consolas" panose="020B0609020204030204" pitchFamily="49" charset="0"/>
+            </a:endParaRPr>
+          </a:p>
+          <a:p>
+            <a:r>
+              <a:rPr lang="en-GB" dirty="0">
+                <a:solidFill>
+                  <a:srgbClr val="000000"/>
+                </a:solidFill>
+                <a:highlight>
+                  <a:srgbClr val="FFFFFF"/>
+                </a:highlight>
+                <a:latin typeface="Consolas" panose="020B0609020204030204" pitchFamily="49" charset="0"/>
+              </a:rPr>
+              <a:t>}</a:t>
+            </a:r>
+            <a:endParaRPr lang="en-GB" dirty="0"/>
+          </a:p>
+        </p:txBody>
+      </p:sp>
+      <p:sp>
+        <p:nvSpPr>
+          <p:cNvPr id="15" name="Прямоугольник 14"/>
+          <p:cNvSpPr/>
+          <p:nvPr/>
+        </p:nvSpPr>
+        <p:spPr>
+          <a:xfrm>
+            <a:off x="6670270" y="813661"/>
+            <a:ext cx="4450081" cy="1200329"/>
+          </a:xfrm>
+          <a:prstGeom prst="rect">
+            <a:avLst/>
+          </a:prstGeom>
+        </p:spPr>
+        <p:txBody>
+          <a:bodyPr wrap="square">
+            <a:spAutoFit/>
+          </a:bodyPr>
+          <a:lstStyle/>
+          <a:p>
+            <a:r>
+              <a:rPr lang="en-GB" dirty="0">
+                <a:solidFill>
+                  <a:srgbClr val="0000FF"/>
+                </a:solidFill>
+                <a:highlight>
+                  <a:srgbClr val="FFFFFF"/>
+                </a:highlight>
+                <a:latin typeface="Consolas" panose="020B0609020204030204" pitchFamily="49" charset="0"/>
+              </a:rPr>
+              <a:t>interface</a:t>
+            </a:r>
+            <a:r>
+              <a:rPr lang="en-GB" dirty="0">
+                <a:solidFill>
+                  <a:srgbClr val="000000"/>
+                </a:solidFill>
+                <a:highlight>
+                  <a:srgbClr val="FFFFFF"/>
+                </a:highlight>
+                <a:latin typeface="Consolas" panose="020B0609020204030204" pitchFamily="49" charset="0"/>
+              </a:rPr>
+              <a:t> </a:t>
+            </a:r>
+            <a:r>
+              <a:rPr lang="en-GB" dirty="0" err="1">
+                <a:solidFill>
+                  <a:srgbClr val="2B91AF"/>
+                </a:solidFill>
+                <a:highlight>
+                  <a:srgbClr val="FFFFFF"/>
+                </a:highlight>
+                <a:latin typeface="Consolas" panose="020B0609020204030204" pitchFamily="49" charset="0"/>
+              </a:rPr>
+              <a:t>InterfaceChildish</a:t>
+            </a:r>
+            <a:endParaRPr lang="en-GB" dirty="0">
+              <a:solidFill>
+                <a:srgbClr val="2B91AF"/>
+              </a:solidFill>
+              <a:highlight>
+                <a:srgbClr val="FFFFFF"/>
+              </a:highlight>
+              <a:latin typeface="Consolas" panose="020B0609020204030204" pitchFamily="49" charset="0"/>
+            </a:endParaRPr>
+          </a:p>
+          <a:p>
+            <a:r>
+              <a:rPr lang="en-GB" dirty="0">
+                <a:solidFill>
+                  <a:srgbClr val="000000"/>
+                </a:solidFill>
+                <a:highlight>
+                  <a:srgbClr val="FFFFFF"/>
+                </a:highlight>
+                <a:latin typeface="Consolas" panose="020B0609020204030204" pitchFamily="49" charset="0"/>
+              </a:rPr>
+              <a:t>{</a:t>
+            </a:r>
+          </a:p>
+          <a:p>
+            <a:r>
+              <a:rPr lang="en-GB" dirty="0">
+                <a:solidFill>
+                  <a:srgbClr val="000000"/>
+                </a:solidFill>
+                <a:highlight>
+                  <a:srgbClr val="FFFFFF"/>
+                </a:highlight>
+                <a:latin typeface="Consolas" panose="020B0609020204030204" pitchFamily="49" charset="0"/>
+              </a:rPr>
+              <a:t>    </a:t>
+            </a:r>
+            <a:r>
+              <a:rPr lang="en-GB" dirty="0">
+                <a:solidFill>
+                  <a:srgbClr val="0000FF"/>
+                </a:solidFill>
+                <a:highlight>
+                  <a:srgbClr val="FFFFFF"/>
+                </a:highlight>
+                <a:latin typeface="Consolas" panose="020B0609020204030204" pitchFamily="49" charset="0"/>
+              </a:rPr>
+              <a:t>public</a:t>
+            </a:r>
+            <a:r>
+              <a:rPr lang="en-GB" dirty="0">
+                <a:solidFill>
+                  <a:srgbClr val="000000"/>
+                </a:solidFill>
+                <a:highlight>
+                  <a:srgbClr val="FFFFFF"/>
+                </a:highlight>
+                <a:latin typeface="Consolas" panose="020B0609020204030204" pitchFamily="49" charset="0"/>
+              </a:rPr>
+              <a:t> </a:t>
+            </a:r>
+            <a:r>
+              <a:rPr lang="en-GB" dirty="0">
+                <a:solidFill>
+                  <a:srgbClr val="0000FF"/>
+                </a:solidFill>
+                <a:highlight>
+                  <a:srgbClr val="FFFFFF"/>
+                </a:highlight>
+                <a:latin typeface="Consolas" panose="020B0609020204030204" pitchFamily="49" charset="0"/>
+              </a:rPr>
+              <a:t>void</a:t>
+            </a:r>
+            <a:r>
+              <a:rPr lang="en-GB" dirty="0">
+                <a:solidFill>
+                  <a:srgbClr val="000000"/>
+                </a:solidFill>
+                <a:highlight>
+                  <a:srgbClr val="FFFFFF"/>
+                </a:highlight>
+                <a:latin typeface="Consolas" panose="020B0609020204030204" pitchFamily="49" charset="0"/>
+              </a:rPr>
+              <a:t> </a:t>
+            </a:r>
+            <a:r>
+              <a:rPr lang="en-GB" dirty="0" err="1">
+                <a:solidFill>
+                  <a:srgbClr val="000000"/>
+                </a:solidFill>
+                <a:highlight>
+                  <a:srgbClr val="FFFFFF"/>
+                </a:highlight>
+                <a:latin typeface="Consolas" panose="020B0609020204030204" pitchFamily="49" charset="0"/>
+              </a:rPr>
+              <a:t>TakeCandyAway</a:t>
+            </a:r>
+            <a:r>
+              <a:rPr lang="en-GB" dirty="0">
+                <a:solidFill>
+                  <a:srgbClr val="000000"/>
+                </a:solidFill>
+                <a:highlight>
+                  <a:srgbClr val="FFFFFF"/>
+                </a:highlight>
+                <a:latin typeface="Consolas" panose="020B0609020204030204" pitchFamily="49" charset="0"/>
+              </a:rPr>
+              <a:t>();</a:t>
+            </a:r>
+          </a:p>
+          <a:p>
+            <a:r>
+              <a:rPr lang="en-GB" dirty="0">
+                <a:solidFill>
+                  <a:srgbClr val="000000"/>
+                </a:solidFill>
+                <a:highlight>
+                  <a:srgbClr val="FFFFFF"/>
+                </a:highlight>
+                <a:latin typeface="Consolas" panose="020B0609020204030204" pitchFamily="49" charset="0"/>
+              </a:rPr>
+              <a:t>}</a:t>
+            </a:r>
+            <a:endParaRPr lang="en-GB" dirty="0"/>
+          </a:p>
+        </p:txBody>
+      </p:sp>
+    </p:spTree>
+    <p:extLst>
+      <p:ext uri="{BB962C8B-B14F-4D97-AF65-F5344CB8AC3E}">
+        <p14:creationId xmlns:p14="http://schemas.microsoft.com/office/powerpoint/2010/main" val="191141357"/>
+      </p:ext>
+    </p:extLst>
+  </p:cSld>
+  <p:clrMapOvr>
+    <a:masterClrMapping/>
+  </p:clrMapOvr>
+  <p:timing>
+    <p:tnLst>
+      <p:par>
+        <p:cTn id="1" dur="indefinite" restart="never" nodeType="tmRoot"/>
+      </p:par>
+    </p:tnLst>
+  </p:timing>
+</p:sld>
+</file>
+
+<file path=ppt/slides/slide17.xml><?xml version="1.0" encoding="utf-8"?>
+<p:sld xmlns:a="http://schemas.openxmlformats.org/drawingml/2006/main" xmlns:r="http://schemas.openxmlformats.org/officeDocument/2006/relationships" xmlns:p="http://schemas.openxmlformats.org/presentationml/2006/main">
+  <p:cSld>
+    <p:spTree>
+      <p:nvGrpSpPr>
+        <p:cNvPr id="1" name=""/>
+        <p:cNvGrpSpPr/>
+        <p:nvPr/>
+      </p:nvGrpSpPr>
+      <p:grpSpPr>
+        <a:xfrm>
+          <a:off x="0" y="0"/>
+          <a:ext cx="0" cy="0"/>
+          <a:chOff x="0" y="0"/>
+          <a:chExt cx="0" cy="0"/>
+        </a:xfrm>
+      </p:grpSpPr>
+      <p:sp>
+        <p:nvSpPr>
+          <p:cNvPr id="3" name="Объект 2"/>
+          <p:cNvSpPr>
+            <a:spLocks noGrp="1"/>
+          </p:cNvSpPr>
+          <p:nvPr>
+            <p:ph idx="1"/>
+          </p:nvPr>
+        </p:nvSpPr>
+        <p:spPr>
+          <a:xfrm>
+            <a:off x="838200" y="556591"/>
+            <a:ext cx="10515600" cy="874276"/>
+          </a:xfrm>
+        </p:spPr>
+        <p:txBody>
+          <a:bodyPr>
+            <a:normAutofit/>
+          </a:bodyPr>
+          <a:lstStyle/>
+          <a:p>
+            <a:r>
+              <a:rPr lang="ru-RU" dirty="0" smtClean="0"/>
+              <a:t>Создайте один базовый класс </a:t>
+            </a:r>
+            <a:r>
+              <a:rPr lang="en-US" dirty="0"/>
+              <a:t>P</a:t>
+            </a:r>
+            <a:r>
+              <a:rPr lang="ru-RU" dirty="0" smtClean="0"/>
+              <a:t>, два дочерних класса</a:t>
+            </a:r>
+            <a:r>
+              <a:rPr lang="en-US" dirty="0" smtClean="0"/>
+              <a:t> C1 </a:t>
+            </a:r>
+            <a:r>
+              <a:rPr lang="ru-RU" dirty="0" smtClean="0"/>
+              <a:t>и С2, и один интерфейс, который реализуют оба дочерних класса.</a:t>
+            </a:r>
+            <a:endParaRPr lang="ru-RU" dirty="0" smtClean="0"/>
+          </a:p>
+          <a:p>
+            <a:endParaRPr lang="ru-RU" dirty="0"/>
+          </a:p>
+          <a:p>
+            <a:endParaRPr lang="ru-RU" dirty="0"/>
+          </a:p>
+        </p:txBody>
+      </p:sp>
+      <p:sp>
+        <p:nvSpPr>
+          <p:cNvPr id="4" name="Дата 3"/>
+          <p:cNvSpPr>
+            <a:spLocks noGrp="1"/>
+          </p:cNvSpPr>
+          <p:nvPr>
+            <p:ph type="dt" sz="half" idx="10"/>
+          </p:nvPr>
+        </p:nvSpPr>
+        <p:spPr/>
+        <p:txBody>
+          <a:bodyPr/>
+          <a:lstStyle/>
+          <a:p>
+            <a:r>
+              <a:rPr lang="en-US" smtClean="0"/>
+              <a:t>01.03.2016</a:t>
+            </a:r>
+            <a:endParaRPr lang="en-GB"/>
+          </a:p>
+        </p:txBody>
+      </p:sp>
+      <p:sp>
+        <p:nvSpPr>
+          <p:cNvPr id="5" name="Нижний колонтитул 4"/>
+          <p:cNvSpPr>
+            <a:spLocks noGrp="1"/>
+          </p:cNvSpPr>
+          <p:nvPr>
+            <p:ph type="ftr" sz="quarter" idx="11"/>
+          </p:nvPr>
+        </p:nvSpPr>
+        <p:spPr/>
+        <p:txBody>
+          <a:bodyPr/>
+          <a:lstStyle/>
+          <a:p>
+            <a:r>
+              <a:rPr lang="ru-RU" smtClean="0"/>
+              <a:t>Ваганов Михаил Викторович  ASP.NET MVC + Oracle Database</a:t>
+            </a:r>
+            <a:endParaRPr lang="en-GB"/>
+          </a:p>
+        </p:txBody>
+      </p:sp>
+      <p:sp>
+        <p:nvSpPr>
+          <p:cNvPr id="6" name="Номер слайда 5"/>
+          <p:cNvSpPr>
+            <a:spLocks noGrp="1"/>
+          </p:cNvSpPr>
+          <p:nvPr>
+            <p:ph type="sldNum" sz="quarter" idx="12"/>
+          </p:nvPr>
+        </p:nvSpPr>
+        <p:spPr/>
+        <p:txBody>
+          <a:bodyPr/>
+          <a:lstStyle/>
+          <a:p>
+            <a:fld id="{8FD3F87F-7A79-4F3D-8F12-CD11A20D067D}" type="slidenum">
+              <a:rPr lang="en-GB" smtClean="0"/>
+              <a:t>17</a:t>
+            </a:fld>
+            <a:endParaRPr lang="en-GB"/>
+          </a:p>
+        </p:txBody>
+      </p:sp>
+      <p:sp>
+        <p:nvSpPr>
+          <p:cNvPr id="7" name="Прямоугольник 6"/>
+          <p:cNvSpPr/>
+          <p:nvPr/>
+        </p:nvSpPr>
+        <p:spPr>
+          <a:xfrm>
+            <a:off x="1" y="0"/>
+            <a:ext cx="12192000" cy="296333"/>
+          </a:xfrm>
+          <a:prstGeom prst="rect">
+            <a:avLst/>
+          </a:prstGeom>
+        </p:spPr>
+        <p:style>
+          <a:lnRef idx="0">
             <a:schemeClr val="accent6"/>
           </a:lnRef>
           <a:fillRef idx="3">
@@ -6778,11 +10716,7 @@
             <a:pPr algn="ctr"/>
             <a:r>
               <a:rPr lang="en-US" dirty="0" smtClean="0"/>
-              <a:t>Master </a:t>
-            </a:r>
-            <a:r>
-              <a:rPr lang="en-US" smtClean="0"/>
-              <a:t>your skills!</a:t>
+              <a:t>Hello world!</a:t>
             </a:r>
             <a:endParaRPr lang="en-GB" dirty="0"/>
           </a:p>
@@ -6790,7 +10724,7 @@
       </p:sp>
       <p:sp>
         <p:nvSpPr>
-          <p:cNvPr id="12" name="Объект 2"/>
+          <p:cNvPr id="9" name="Объект 2"/>
           <p:cNvSpPr txBox="1">
             <a:spLocks/>
           </p:cNvSpPr>
@@ -6798,8 +10732,8 @@
         </p:nvSpPr>
         <p:spPr>
           <a:xfrm>
-            <a:off x="1903579" y="1110670"/>
-            <a:ext cx="9911049" cy="3940301"/>
+            <a:off x="838200" y="1691125"/>
+            <a:ext cx="10515600" cy="4360540"/>
           </a:xfrm>
           <a:prstGeom prst="rect">
             <a:avLst/>
@@ -6980,32 +10914,158 @@
             </a:pPr>
             <a:r>
               <a:rPr lang="ru-RU" dirty="0" smtClean="0"/>
-              <a:t>Реализуйте любой алгоритм сортировки.</a:t>
-            </a:r>
-            <a:endParaRPr lang="ru-RU" dirty="0" smtClean="0"/>
+              <a:t>Вызовите контекстное меню проекта, затем перейдите:</a:t>
+            </a:r>
+          </a:p>
+          <a:p>
+            <a:pPr marL="457200" lvl="1" indent="0">
+              <a:buNone/>
+            </a:pPr>
+            <a:r>
+              <a:rPr lang="en-US" dirty="0" smtClean="0"/>
+              <a:t>	Add -&gt; Class</a:t>
+            </a:r>
+          </a:p>
+          <a:p>
+            <a:pPr marL="457200" lvl="1" indent="0">
+              <a:buNone/>
+            </a:pPr>
+            <a:r>
+              <a:rPr lang="en-US" dirty="0"/>
+              <a:t>	</a:t>
+            </a:r>
+            <a:r>
+              <a:rPr lang="ru-RU" dirty="0" smtClean="0"/>
+              <a:t>Задайте название класса и нажмите кнопку </a:t>
+            </a:r>
+            <a:r>
+              <a:rPr lang="en-US" dirty="0" smtClean="0"/>
+              <a:t>“OK”</a:t>
+            </a:r>
+          </a:p>
+          <a:p>
+            <a:pPr marL="457200" lvl="1" indent="0">
+              <a:buNone/>
+            </a:pPr>
+            <a:endParaRPr lang="en-US" dirty="0" smtClean="0"/>
           </a:p>
           <a:p>
             <a:pPr marL="914400" lvl="1" indent="-457200">
               <a:buFont typeface="+mj-lt"/>
-              <a:buAutoNum type="arabicPeriod"/>
+              <a:buAutoNum type="arabicPeriod" startAt="2"/>
             </a:pPr>
             <a:r>
               <a:rPr lang="ru-RU" dirty="0" smtClean="0"/>
-              <a:t>Смоделируйте работу магазина, которые продает две линейки совершенно разных товаров: электронные книги и , но которые можно  </a:t>
+              <a:t>Чтобы создать интерфейс проделайте те же действия, но вместо ключевого слова </a:t>
+            </a:r>
+            <a:r>
+              <a:rPr lang="en-GB" dirty="0">
+                <a:solidFill>
+                  <a:srgbClr val="0000FF"/>
+                </a:solidFill>
+                <a:highlight>
+                  <a:srgbClr val="FFFFFF"/>
+                </a:highlight>
+                <a:latin typeface="Consolas" panose="020B0609020204030204" pitchFamily="49" charset="0"/>
+              </a:rPr>
+              <a:t>class</a:t>
+            </a:r>
+            <a:r>
+              <a:rPr lang="ru-RU" dirty="0" smtClean="0"/>
+              <a:t> используйте </a:t>
+            </a:r>
+            <a:r>
+              <a:rPr lang="en-GB" dirty="0" smtClean="0">
+                <a:solidFill>
+                  <a:srgbClr val="0000FF"/>
+                </a:solidFill>
+                <a:highlight>
+                  <a:srgbClr val="FFFFFF"/>
+                </a:highlight>
+                <a:latin typeface="Consolas" panose="020B0609020204030204" pitchFamily="49" charset="0"/>
+              </a:rPr>
+              <a:t>interface</a:t>
+            </a:r>
+            <a:r>
+              <a:rPr lang="ru-RU" dirty="0"/>
+              <a:t> в </a:t>
+            </a:r>
+            <a:r>
+              <a:rPr lang="ru-RU" dirty="0" smtClean="0"/>
+              <a:t>файле с определением элемента.</a:t>
             </a:r>
             <a:endParaRPr lang="en-US" dirty="0" smtClean="0"/>
           </a:p>
           <a:p>
             <a:pPr marL="914400" lvl="1" indent="-457200">
               <a:buFont typeface="+mj-lt"/>
-              <a:buAutoNum type="arabicPeriod"/>
+              <a:buAutoNum type="arabicPeriod" startAt="2"/>
             </a:pPr>
-            <a:endParaRPr lang="ru-RU" dirty="0" smtClean="0"/>
+            <a:endParaRPr lang="en-US" dirty="0"/>
           </a:p>
           <a:p>
             <a:pPr marL="914400" lvl="1" indent="-457200">
               <a:buFont typeface="+mj-lt"/>
-              <a:buAutoNum type="arabicPeriod"/>
+              <a:buAutoNum type="arabicPeriod" startAt="2"/>
+            </a:pPr>
+            <a:r>
+              <a:rPr lang="ru-RU" dirty="0" smtClean="0"/>
+              <a:t>Реализуйте доступ в дочерних классах к полям родительского класса с разными модификаторами доступа </a:t>
+            </a:r>
+            <a:r>
+              <a:rPr lang="en-GB" dirty="0" smtClean="0">
+                <a:solidFill>
+                  <a:srgbClr val="0000FF"/>
+                </a:solidFill>
+                <a:highlight>
+                  <a:srgbClr val="FFFFFF"/>
+                </a:highlight>
+                <a:latin typeface="Consolas" panose="020B0609020204030204" pitchFamily="49" charset="0"/>
+              </a:rPr>
+              <a:t>public</a:t>
+            </a:r>
+            <a:r>
+              <a:rPr lang="ru-RU" dirty="0" smtClean="0"/>
+              <a:t>, </a:t>
+            </a:r>
+            <a:r>
+              <a:rPr lang="en-GB" dirty="0">
+                <a:solidFill>
+                  <a:srgbClr val="0000FF"/>
+                </a:solidFill>
+                <a:highlight>
+                  <a:srgbClr val="FFFFFF"/>
+                </a:highlight>
+                <a:latin typeface="Consolas" panose="020B0609020204030204" pitchFamily="49" charset="0"/>
+              </a:rPr>
+              <a:t>protected</a:t>
+            </a:r>
+            <a:r>
+              <a:rPr lang="ru-RU" dirty="0" smtClean="0"/>
+              <a:t>, </a:t>
+            </a:r>
+            <a:r>
+              <a:rPr lang="en-GB" dirty="0" smtClean="0">
+                <a:solidFill>
+                  <a:srgbClr val="0000FF"/>
+                </a:solidFill>
+                <a:highlight>
+                  <a:srgbClr val="FFFFFF"/>
+                </a:highlight>
+                <a:latin typeface="Consolas" panose="020B0609020204030204" pitchFamily="49" charset="0"/>
+              </a:rPr>
+              <a:t>private</a:t>
+            </a:r>
+            <a:r>
+              <a:rPr lang="ru-RU" dirty="0" smtClean="0"/>
+              <a:t>. </a:t>
+            </a:r>
+            <a:endParaRPr lang="ru-RU" dirty="0" smtClean="0"/>
+          </a:p>
+          <a:p>
+            <a:pPr marL="914400" lvl="1" indent="-457200">
+              <a:buFont typeface="+mj-lt"/>
+              <a:buAutoNum type="arabicPeriod" startAt="2"/>
             </a:pPr>
             <a:endParaRPr lang="ru-RU" dirty="0" smtClean="0"/>
           </a:p>
@@ -7020,7 +11080,994 @@
     </p:spTree>
     <p:extLst>
       <p:ext uri="{BB962C8B-B14F-4D97-AF65-F5344CB8AC3E}">
-        <p14:creationId xmlns:p14="http://schemas.microsoft.com/office/powerpoint/2010/main" val="1537147437"/>
+        <p14:creationId xmlns:p14="http://schemas.microsoft.com/office/powerpoint/2010/main" val="1467361144"/>
+      </p:ext>
+    </p:extLst>
+  </p:cSld>
+  <p:clrMapOvr>
+    <a:masterClrMapping/>
+  </p:clrMapOvr>
+  <p:timing>
+    <p:tnLst>
+      <p:par>
+        <p:cTn id="1" dur="indefinite" restart="never" nodeType="tmRoot"/>
+      </p:par>
+    </p:tnLst>
+  </p:timing>
+</p:sld>
+</file>
+
+<file path=ppt/slides/slide18.xml><?xml version="1.0" encoding="utf-8"?>
+<p:sld xmlns:a="http://schemas.openxmlformats.org/drawingml/2006/main" xmlns:r="http://schemas.openxmlformats.org/officeDocument/2006/relationships" xmlns:p="http://schemas.openxmlformats.org/presentationml/2006/main">
+  <p:cSld>
+    <p:spTree>
+      <p:nvGrpSpPr>
+        <p:cNvPr id="1" name=""/>
+        <p:cNvGrpSpPr/>
+        <p:nvPr/>
+      </p:nvGrpSpPr>
+      <p:grpSpPr>
+        <a:xfrm>
+          <a:off x="0" y="0"/>
+          <a:ext cx="0" cy="0"/>
+          <a:chOff x="0" y="0"/>
+          <a:chExt cx="0" cy="0"/>
+        </a:xfrm>
+      </p:grpSpPr>
+      <p:sp>
+        <p:nvSpPr>
+          <p:cNvPr id="4" name="Дата 3"/>
+          <p:cNvSpPr>
+            <a:spLocks noGrp="1"/>
+          </p:cNvSpPr>
+          <p:nvPr>
+            <p:ph type="dt" sz="half" idx="10"/>
+          </p:nvPr>
+        </p:nvSpPr>
+        <p:spPr/>
+        <p:txBody>
+          <a:bodyPr/>
+          <a:lstStyle/>
+          <a:p>
+            <a:r>
+              <a:rPr lang="en-US" smtClean="0"/>
+              <a:t>01.03.2016</a:t>
+            </a:r>
+            <a:endParaRPr lang="en-GB"/>
+          </a:p>
+        </p:txBody>
+      </p:sp>
+      <p:sp>
+        <p:nvSpPr>
+          <p:cNvPr id="5" name="Нижний колонтитул 4"/>
+          <p:cNvSpPr>
+            <a:spLocks noGrp="1"/>
+          </p:cNvSpPr>
+          <p:nvPr>
+            <p:ph type="ftr" sz="quarter" idx="11"/>
+          </p:nvPr>
+        </p:nvSpPr>
+        <p:spPr/>
+        <p:txBody>
+          <a:bodyPr/>
+          <a:lstStyle/>
+          <a:p>
+            <a:r>
+              <a:rPr lang="ru-RU" smtClean="0"/>
+              <a:t>Ваганов Михаил Викторович  ASP.NET MVC + Oracle Database</a:t>
+            </a:r>
+            <a:endParaRPr lang="en-GB"/>
+          </a:p>
+        </p:txBody>
+      </p:sp>
+      <p:sp>
+        <p:nvSpPr>
+          <p:cNvPr id="6" name="Номер слайда 5"/>
+          <p:cNvSpPr>
+            <a:spLocks noGrp="1"/>
+          </p:cNvSpPr>
+          <p:nvPr>
+            <p:ph type="sldNum" sz="quarter" idx="12"/>
+          </p:nvPr>
+        </p:nvSpPr>
+        <p:spPr/>
+        <p:txBody>
+          <a:bodyPr/>
+          <a:lstStyle/>
+          <a:p>
+            <a:fld id="{8FD3F87F-7A79-4F3D-8F12-CD11A20D067D}" type="slidenum">
+              <a:rPr lang="en-GB" smtClean="0"/>
+              <a:t>18</a:t>
+            </a:fld>
+            <a:endParaRPr lang="en-GB"/>
+          </a:p>
+        </p:txBody>
+      </p:sp>
+      <p:sp>
+        <p:nvSpPr>
+          <p:cNvPr id="7" name="Прямоугольник 6"/>
+          <p:cNvSpPr/>
+          <p:nvPr/>
+        </p:nvSpPr>
+        <p:spPr>
+          <a:xfrm>
+            <a:off x="1" y="0"/>
+            <a:ext cx="12192000" cy="296333"/>
+          </a:xfrm>
+          <a:prstGeom prst="rect">
+            <a:avLst/>
+          </a:prstGeom>
+        </p:spPr>
+        <p:style>
+          <a:lnRef idx="0">
+            <a:schemeClr val="accent5"/>
+          </a:lnRef>
+          <a:fillRef idx="3">
+            <a:schemeClr val="accent5"/>
+          </a:fillRef>
+          <a:effectRef idx="3">
+            <a:schemeClr val="accent5"/>
+          </a:effectRef>
+          <a:fontRef idx="minor">
+            <a:schemeClr val="lt1"/>
+          </a:fontRef>
+        </p:style>
+        <p:txBody>
+          <a:bodyPr rtlCol="0" anchor="ctr"/>
+          <a:lstStyle/>
+          <a:p>
+            <a:pPr algn="ctr"/>
+            <a:r>
+              <a:rPr lang="ru-RU" dirty="0" smtClean="0"/>
+              <a:t>Добавление ссылки на библиотеку классов</a:t>
+            </a:r>
+            <a:endParaRPr lang="en-GB" dirty="0"/>
+          </a:p>
+        </p:txBody>
+      </p:sp>
+      <p:pic>
+        <p:nvPicPr>
+          <p:cNvPr id="3" name="Рисунок 2"/>
+          <p:cNvPicPr>
+            <a:picLocks noChangeAspect="1"/>
+          </p:cNvPicPr>
+          <p:nvPr/>
+        </p:nvPicPr>
+        <p:blipFill>
+          <a:blip r:embed="rId3"/>
+          <a:stretch>
+            <a:fillRect/>
+          </a:stretch>
+        </p:blipFill>
+        <p:spPr>
+          <a:xfrm>
+            <a:off x="8010943" y="841852"/>
+            <a:ext cx="3342857" cy="4409524"/>
+          </a:xfrm>
+          <a:prstGeom prst="rect">
+            <a:avLst/>
+          </a:prstGeom>
+        </p:spPr>
+      </p:pic>
+      <p:sp>
+        <p:nvSpPr>
+          <p:cNvPr id="8" name="TextBox 7"/>
+          <p:cNvSpPr txBox="1"/>
+          <p:nvPr/>
+        </p:nvSpPr>
+        <p:spPr>
+          <a:xfrm>
+            <a:off x="838200" y="822294"/>
+            <a:ext cx="5918200" cy="923330"/>
+          </a:xfrm>
+          <a:prstGeom prst="rect">
+            <a:avLst/>
+          </a:prstGeom>
+          <a:noFill/>
+        </p:spPr>
+        <p:txBody>
+          <a:bodyPr wrap="square" rtlCol="0">
+            <a:spAutoFit/>
+          </a:bodyPr>
+          <a:lstStyle/>
+          <a:p>
+            <a:r>
+              <a:rPr lang="ru-RU" dirty="0" smtClean="0"/>
+              <a:t>Для того, чтобы использовать классы из других проектов или сторонних библиотек, необходимо к текущему проекту добавить ссылку на нужную библиотеку.</a:t>
+            </a:r>
+            <a:endParaRPr lang="en-GB" dirty="0"/>
+          </a:p>
+        </p:txBody>
+      </p:sp>
+      <p:sp>
+        <p:nvSpPr>
+          <p:cNvPr id="9" name="Прямоугольник 8"/>
+          <p:cNvSpPr/>
+          <p:nvPr/>
+        </p:nvSpPr>
+        <p:spPr>
+          <a:xfrm>
+            <a:off x="931333" y="2115968"/>
+            <a:ext cx="3674533" cy="194733"/>
+          </a:xfrm>
+          <a:prstGeom prst="rect">
+            <a:avLst/>
+          </a:prstGeom>
+        </p:spPr>
+        <p:style>
+          <a:lnRef idx="2">
+            <a:schemeClr val="accent6">
+              <a:shade val="50000"/>
+            </a:schemeClr>
+          </a:lnRef>
+          <a:fillRef idx="1">
+            <a:schemeClr val="accent6"/>
+          </a:fillRef>
+          <a:effectRef idx="0">
+            <a:schemeClr val="accent6"/>
+          </a:effectRef>
+          <a:fontRef idx="minor">
+            <a:schemeClr val="lt1"/>
+          </a:fontRef>
+        </p:style>
+        <p:txBody>
+          <a:bodyPr rtlCol="0" anchor="ctr"/>
+          <a:lstStyle/>
+          <a:p>
+            <a:pPr algn="ctr"/>
+            <a:endParaRPr lang="en-GB"/>
+          </a:p>
+        </p:txBody>
+      </p:sp>
+      <p:sp>
+        <p:nvSpPr>
+          <p:cNvPr id="10" name="TextBox 9"/>
+          <p:cNvSpPr txBox="1"/>
+          <p:nvPr/>
+        </p:nvSpPr>
+        <p:spPr>
+          <a:xfrm>
+            <a:off x="931333" y="2310701"/>
+            <a:ext cx="3674533" cy="2862322"/>
+          </a:xfrm>
+          <a:prstGeom prst="rect">
+            <a:avLst/>
+          </a:prstGeom>
+        </p:spPr>
+        <p:style>
+          <a:lnRef idx="2">
+            <a:schemeClr val="accent6"/>
+          </a:lnRef>
+          <a:fillRef idx="1">
+            <a:schemeClr val="lt1"/>
+          </a:fillRef>
+          <a:effectRef idx="0">
+            <a:schemeClr val="accent6"/>
+          </a:effectRef>
+          <a:fontRef idx="minor">
+            <a:schemeClr val="dk1"/>
+          </a:fontRef>
+        </p:style>
+        <p:txBody>
+          <a:bodyPr wrap="square" rtlCol="0">
+            <a:spAutoFit/>
+          </a:bodyPr>
+          <a:lstStyle/>
+          <a:p>
+            <a:r>
+              <a:rPr lang="ru-RU" dirty="0" smtClean="0"/>
+              <a:t>Вызовите диалог добавления ссылки на библиотеку из контекстного меню вашего проекта.</a:t>
+            </a:r>
+          </a:p>
+          <a:p>
+            <a:endParaRPr lang="ru-RU" dirty="0" smtClean="0"/>
+          </a:p>
+          <a:p>
+            <a:r>
+              <a:rPr lang="ru-RU" dirty="0" smtClean="0"/>
+              <a:t>Перейдите в раздел </a:t>
+            </a:r>
+            <a:r>
+              <a:rPr lang="en-US" dirty="0" smtClean="0"/>
+              <a:t>Assemblies – Framework.</a:t>
+            </a:r>
+            <a:endParaRPr lang="ru-RU" dirty="0" smtClean="0"/>
+          </a:p>
+          <a:p>
+            <a:endParaRPr lang="en-US" dirty="0" smtClean="0"/>
+          </a:p>
+          <a:p>
+            <a:r>
+              <a:rPr lang="ru-RU" dirty="0" smtClean="0"/>
+              <a:t>Добавьте ссылку на сборку </a:t>
+            </a:r>
+          </a:p>
+          <a:p>
+            <a:r>
+              <a:rPr lang="en-US" dirty="0" err="1" smtClean="0"/>
+              <a:t>System.Windows.Forms</a:t>
+            </a:r>
+            <a:endParaRPr lang="en-GB" dirty="0"/>
+          </a:p>
+        </p:txBody>
+      </p:sp>
+    </p:spTree>
+    <p:extLst>
+      <p:ext uri="{BB962C8B-B14F-4D97-AF65-F5344CB8AC3E}">
+        <p14:creationId xmlns:p14="http://schemas.microsoft.com/office/powerpoint/2010/main" val="3046689869"/>
+      </p:ext>
+    </p:extLst>
+  </p:cSld>
+  <p:clrMapOvr>
+    <a:masterClrMapping/>
+  </p:clrMapOvr>
+  <p:timing>
+    <p:tnLst>
+      <p:par>
+        <p:cTn id="1" dur="indefinite" restart="never" nodeType="tmRoot"/>
+      </p:par>
+    </p:tnLst>
+  </p:timing>
+</p:sld>
+</file>
+
+<file path=ppt/slides/slide19.xml><?xml version="1.0" encoding="utf-8"?>
+<p:sld xmlns:a="http://schemas.openxmlformats.org/drawingml/2006/main" xmlns:r="http://schemas.openxmlformats.org/officeDocument/2006/relationships" xmlns:p="http://schemas.openxmlformats.org/presentationml/2006/main">
+  <p:cSld>
+    <p:spTree>
+      <p:nvGrpSpPr>
+        <p:cNvPr id="1" name=""/>
+        <p:cNvGrpSpPr/>
+        <p:nvPr/>
+      </p:nvGrpSpPr>
+      <p:grpSpPr>
+        <a:xfrm>
+          <a:off x="0" y="0"/>
+          <a:ext cx="0" cy="0"/>
+          <a:chOff x="0" y="0"/>
+          <a:chExt cx="0" cy="0"/>
+        </a:xfrm>
+      </p:grpSpPr>
+      <p:sp>
+        <p:nvSpPr>
+          <p:cNvPr id="4" name="Дата 3"/>
+          <p:cNvSpPr>
+            <a:spLocks noGrp="1"/>
+          </p:cNvSpPr>
+          <p:nvPr>
+            <p:ph type="dt" sz="half" idx="10"/>
+          </p:nvPr>
+        </p:nvSpPr>
+        <p:spPr/>
+        <p:txBody>
+          <a:bodyPr/>
+          <a:lstStyle/>
+          <a:p>
+            <a:r>
+              <a:rPr lang="en-US" smtClean="0"/>
+              <a:t>01.03.2016</a:t>
+            </a:r>
+            <a:endParaRPr lang="en-GB"/>
+          </a:p>
+        </p:txBody>
+      </p:sp>
+      <p:sp>
+        <p:nvSpPr>
+          <p:cNvPr id="5" name="Нижний колонтитул 4"/>
+          <p:cNvSpPr>
+            <a:spLocks noGrp="1"/>
+          </p:cNvSpPr>
+          <p:nvPr>
+            <p:ph type="ftr" sz="quarter" idx="11"/>
+          </p:nvPr>
+        </p:nvSpPr>
+        <p:spPr/>
+        <p:txBody>
+          <a:bodyPr/>
+          <a:lstStyle/>
+          <a:p>
+            <a:r>
+              <a:rPr lang="ru-RU" smtClean="0"/>
+              <a:t>Ваганов Михаил Викторович  ASP.NET MVC + Oracle Database</a:t>
+            </a:r>
+            <a:endParaRPr lang="en-GB"/>
+          </a:p>
+        </p:txBody>
+      </p:sp>
+      <p:sp>
+        <p:nvSpPr>
+          <p:cNvPr id="6" name="Номер слайда 5"/>
+          <p:cNvSpPr>
+            <a:spLocks noGrp="1"/>
+          </p:cNvSpPr>
+          <p:nvPr>
+            <p:ph type="sldNum" sz="quarter" idx="12"/>
+          </p:nvPr>
+        </p:nvSpPr>
+        <p:spPr/>
+        <p:txBody>
+          <a:bodyPr/>
+          <a:lstStyle/>
+          <a:p>
+            <a:fld id="{8FD3F87F-7A79-4F3D-8F12-CD11A20D067D}" type="slidenum">
+              <a:rPr lang="en-GB" smtClean="0"/>
+              <a:t>19</a:t>
+            </a:fld>
+            <a:endParaRPr lang="en-GB"/>
+          </a:p>
+        </p:txBody>
+      </p:sp>
+      <p:sp>
+        <p:nvSpPr>
+          <p:cNvPr id="7" name="Прямоугольник 6"/>
+          <p:cNvSpPr/>
+          <p:nvPr/>
+        </p:nvSpPr>
+        <p:spPr>
+          <a:xfrm>
+            <a:off x="1" y="0"/>
+            <a:ext cx="12192000" cy="296333"/>
+          </a:xfrm>
+          <a:prstGeom prst="rect">
+            <a:avLst/>
+          </a:prstGeom>
+        </p:spPr>
+        <p:style>
+          <a:lnRef idx="0">
+            <a:schemeClr val="accent6"/>
+          </a:lnRef>
+          <a:fillRef idx="3">
+            <a:schemeClr val="accent6"/>
+          </a:fillRef>
+          <a:effectRef idx="3">
+            <a:schemeClr val="accent6"/>
+          </a:effectRef>
+          <a:fontRef idx="minor">
+            <a:schemeClr val="lt1"/>
+          </a:fontRef>
+        </p:style>
+        <p:txBody>
+          <a:bodyPr rtlCol="0" anchor="ctr"/>
+          <a:lstStyle/>
+          <a:p>
+            <a:pPr algn="ctr"/>
+            <a:endParaRPr lang="en-GB" dirty="0"/>
+          </a:p>
+        </p:txBody>
+      </p:sp>
+      <p:sp>
+        <p:nvSpPr>
+          <p:cNvPr id="12" name="Объект 2"/>
+          <p:cNvSpPr txBox="1">
+            <a:spLocks/>
+          </p:cNvSpPr>
+          <p:nvPr/>
+        </p:nvSpPr>
+        <p:spPr>
+          <a:xfrm>
+            <a:off x="838200" y="1134841"/>
+            <a:ext cx="10515600" cy="1017389"/>
+          </a:xfrm>
+          <a:prstGeom prst="rect">
+            <a:avLst/>
+          </a:prstGeom>
+        </p:spPr>
+        <p:txBody>
+          <a:bodyPr vert="horz" lIns="91440" tIns="45720" rIns="91440" bIns="45720" rtlCol="0">
+            <a:normAutofit/>
+          </a:bodyPr>
+          <a:lstStyle>
+            <a:lvl1pPr marL="228600" indent="-228600" algn="l" defTabSz="914400" rtl="0" eaLnBrk="1" latinLnBrk="0" hangingPunct="1">
+              <a:lnSpc>
+                <a:spcPct val="90000"/>
+              </a:lnSpc>
+              <a:spcBef>
+                <a:spcPts val="1000"/>
+              </a:spcBef>
+              <a:buFont typeface="Arial" panose="020B0604020202020204" pitchFamily="34" charset="0"/>
+              <a:buChar char="•"/>
+              <a:defRPr sz="2800" kern="1200">
+                <a:solidFill>
+                  <a:schemeClr val="tx1"/>
+                </a:solidFill>
+                <a:latin typeface="+mn-lt"/>
+                <a:ea typeface="+mn-ea"/>
+                <a:cs typeface="+mn-cs"/>
+              </a:defRPr>
+            </a:lvl1pPr>
+            <a:lvl2pPr marL="685800" indent="-228600" algn="l" defTabSz="914400" rtl="0" eaLnBrk="1" latinLnBrk="0" hangingPunct="1">
+              <a:lnSpc>
+                <a:spcPct val="90000"/>
+              </a:lnSpc>
+              <a:spcBef>
+                <a:spcPts val="500"/>
+              </a:spcBef>
+              <a:buFont typeface="Arial" panose="020B0604020202020204" pitchFamily="34" charset="0"/>
+              <a:buChar char="•"/>
+              <a:defRPr sz="2400" kern="1200">
+                <a:solidFill>
+                  <a:schemeClr val="tx1"/>
+                </a:solidFill>
+                <a:latin typeface="+mn-lt"/>
+                <a:ea typeface="+mn-ea"/>
+                <a:cs typeface="+mn-cs"/>
+              </a:defRPr>
+            </a:lvl2pPr>
+            <a:lvl3pPr marL="1143000" indent="-228600" algn="l" defTabSz="914400" rtl="0" eaLnBrk="1" latinLnBrk="0" hangingPunct="1">
+              <a:lnSpc>
+                <a:spcPct val="90000"/>
+              </a:lnSpc>
+              <a:spcBef>
+                <a:spcPts val="500"/>
+              </a:spcBef>
+              <a:buFont typeface="Arial" panose="020B0604020202020204" pitchFamily="34" charset="0"/>
+              <a:buChar char="•"/>
+              <a:defRPr sz="2000" kern="1200">
+                <a:solidFill>
+                  <a:schemeClr val="tx1"/>
+                </a:solidFill>
+                <a:latin typeface="+mn-lt"/>
+                <a:ea typeface="+mn-ea"/>
+                <a:cs typeface="+mn-cs"/>
+              </a:defRPr>
+            </a:lvl3pPr>
+            <a:lvl4pPr marL="1600200" indent="-228600" algn="l" defTabSz="914400" rtl="0" eaLnBrk="1" latinLnBrk="0" hangingPunct="1">
+              <a:lnSpc>
+                <a:spcPct val="90000"/>
+              </a:lnSpc>
+              <a:spcBef>
+                <a:spcPts val="500"/>
+              </a:spcBef>
+              <a:buFont typeface="Arial" panose="020B0604020202020204" pitchFamily="34" charset="0"/>
+              <a:buChar char="•"/>
+              <a:defRPr sz="1800" kern="1200">
+                <a:solidFill>
+                  <a:schemeClr val="tx1"/>
+                </a:solidFill>
+                <a:latin typeface="+mn-lt"/>
+                <a:ea typeface="+mn-ea"/>
+                <a:cs typeface="+mn-cs"/>
+              </a:defRPr>
+            </a:lvl4pPr>
+            <a:lvl5pPr marL="2057400" indent="-228600" algn="l" defTabSz="914400" rtl="0" eaLnBrk="1" latinLnBrk="0" hangingPunct="1">
+              <a:lnSpc>
+                <a:spcPct val="90000"/>
+              </a:lnSpc>
+              <a:spcBef>
+                <a:spcPts val="500"/>
+              </a:spcBef>
+              <a:buFont typeface="Arial" panose="020B0604020202020204" pitchFamily="34" charset="0"/>
+              <a:buChar char="•"/>
+              <a:defRPr sz="1800" kern="1200">
+                <a:solidFill>
+                  <a:schemeClr val="tx1"/>
+                </a:solidFill>
+                <a:latin typeface="+mn-lt"/>
+                <a:ea typeface="+mn-ea"/>
+                <a:cs typeface="+mn-cs"/>
+              </a:defRPr>
+            </a:lvl5pPr>
+            <a:lvl6pPr marL="2514600" indent="-228600" algn="l" defTabSz="914400" rtl="0" eaLnBrk="1" latinLnBrk="0" hangingPunct="1">
+              <a:lnSpc>
+                <a:spcPct val="90000"/>
+              </a:lnSpc>
+              <a:spcBef>
+                <a:spcPts val="500"/>
+              </a:spcBef>
+              <a:buFont typeface="Arial" panose="020B0604020202020204" pitchFamily="34" charset="0"/>
+              <a:buChar char="•"/>
+              <a:defRPr sz="1800" kern="1200">
+                <a:solidFill>
+                  <a:schemeClr val="tx1"/>
+                </a:solidFill>
+                <a:latin typeface="+mn-lt"/>
+                <a:ea typeface="+mn-ea"/>
+                <a:cs typeface="+mn-cs"/>
+              </a:defRPr>
+            </a:lvl6pPr>
+            <a:lvl7pPr marL="2971800" indent="-228600" algn="l" defTabSz="914400" rtl="0" eaLnBrk="1" latinLnBrk="0" hangingPunct="1">
+              <a:lnSpc>
+                <a:spcPct val="90000"/>
+              </a:lnSpc>
+              <a:spcBef>
+                <a:spcPts val="500"/>
+              </a:spcBef>
+              <a:buFont typeface="Arial" panose="020B0604020202020204" pitchFamily="34" charset="0"/>
+              <a:buChar char="•"/>
+              <a:defRPr sz="1800" kern="1200">
+                <a:solidFill>
+                  <a:schemeClr val="tx1"/>
+                </a:solidFill>
+                <a:latin typeface="+mn-lt"/>
+                <a:ea typeface="+mn-ea"/>
+                <a:cs typeface="+mn-cs"/>
+              </a:defRPr>
+            </a:lvl7pPr>
+            <a:lvl8pPr marL="3429000" indent="-228600" algn="l" defTabSz="914400" rtl="0" eaLnBrk="1" latinLnBrk="0" hangingPunct="1">
+              <a:lnSpc>
+                <a:spcPct val="90000"/>
+              </a:lnSpc>
+              <a:spcBef>
+                <a:spcPts val="500"/>
+              </a:spcBef>
+              <a:buFont typeface="Arial" panose="020B0604020202020204" pitchFamily="34" charset="0"/>
+              <a:buChar char="•"/>
+              <a:defRPr sz="1800" kern="1200">
+                <a:solidFill>
+                  <a:schemeClr val="tx1"/>
+                </a:solidFill>
+                <a:latin typeface="+mn-lt"/>
+                <a:ea typeface="+mn-ea"/>
+                <a:cs typeface="+mn-cs"/>
+              </a:defRPr>
+            </a:lvl8pPr>
+            <a:lvl9pPr marL="3886200" indent="-228600" algn="l" defTabSz="914400" rtl="0" eaLnBrk="1" latinLnBrk="0" hangingPunct="1">
+              <a:lnSpc>
+                <a:spcPct val="90000"/>
+              </a:lnSpc>
+              <a:spcBef>
+                <a:spcPts val="500"/>
+              </a:spcBef>
+              <a:buFont typeface="Arial" panose="020B0604020202020204" pitchFamily="34" charset="0"/>
+              <a:buChar char="•"/>
+              <a:defRPr sz="1800" kern="1200">
+                <a:solidFill>
+                  <a:schemeClr val="tx1"/>
+                </a:solidFill>
+                <a:latin typeface="+mn-lt"/>
+                <a:ea typeface="+mn-ea"/>
+                <a:cs typeface="+mn-cs"/>
+              </a:defRPr>
+            </a:lvl9pPr>
+          </a:lstStyle>
+          <a:p>
+            <a:pPr marL="0" indent="0">
+              <a:buNone/>
+            </a:pPr>
+            <a:r>
+              <a:rPr lang="ru-RU" dirty="0" smtClean="0"/>
+              <a:t>Сделайте метод, который по нажатию </a:t>
+            </a:r>
+            <a:r>
+              <a:rPr lang="en-US" dirty="0" smtClean="0"/>
+              <a:t>Enter</a:t>
+            </a:r>
+            <a:r>
+              <a:rPr lang="ru-RU" dirty="0" smtClean="0"/>
+              <a:t> в консольном приложении выводит сообщение с введенной строкой.</a:t>
+            </a:r>
+            <a:endParaRPr lang="en-US" dirty="0" smtClean="0"/>
+          </a:p>
+        </p:txBody>
+      </p:sp>
+      <p:sp>
+        <p:nvSpPr>
+          <p:cNvPr id="8" name="Прямоугольник 7"/>
+          <p:cNvSpPr/>
+          <p:nvPr/>
+        </p:nvSpPr>
+        <p:spPr>
+          <a:xfrm>
+            <a:off x="838200" y="2543882"/>
+            <a:ext cx="10515600" cy="194733"/>
+          </a:xfrm>
+          <a:prstGeom prst="rect">
+            <a:avLst/>
+          </a:prstGeom>
+        </p:spPr>
+        <p:style>
+          <a:lnRef idx="2">
+            <a:schemeClr val="accent5">
+              <a:shade val="50000"/>
+            </a:schemeClr>
+          </a:lnRef>
+          <a:fillRef idx="1">
+            <a:schemeClr val="accent5"/>
+          </a:fillRef>
+          <a:effectRef idx="0">
+            <a:schemeClr val="accent5"/>
+          </a:effectRef>
+          <a:fontRef idx="minor">
+            <a:schemeClr val="lt1"/>
+          </a:fontRef>
+        </p:style>
+        <p:txBody>
+          <a:bodyPr rtlCol="0" anchor="ctr"/>
+          <a:lstStyle/>
+          <a:p>
+            <a:pPr algn="ctr"/>
+            <a:endParaRPr lang="en-GB"/>
+          </a:p>
+        </p:txBody>
+      </p:sp>
+      <p:sp>
+        <p:nvSpPr>
+          <p:cNvPr id="9" name="TextBox 8"/>
+          <p:cNvSpPr txBox="1"/>
+          <p:nvPr/>
+        </p:nvSpPr>
+        <p:spPr>
+          <a:xfrm>
+            <a:off x="838200" y="2738615"/>
+            <a:ext cx="10515600" cy="1200329"/>
+          </a:xfrm>
+          <a:prstGeom prst="rect">
+            <a:avLst/>
+          </a:prstGeom>
+        </p:spPr>
+        <p:style>
+          <a:lnRef idx="2">
+            <a:schemeClr val="accent5"/>
+          </a:lnRef>
+          <a:fillRef idx="1">
+            <a:schemeClr val="lt1"/>
+          </a:fillRef>
+          <a:effectRef idx="0">
+            <a:schemeClr val="accent5"/>
+          </a:effectRef>
+          <a:fontRef idx="minor">
+            <a:schemeClr val="dk1"/>
+          </a:fontRef>
+        </p:style>
+        <p:txBody>
+          <a:bodyPr wrap="square" rtlCol="0">
+            <a:spAutoFit/>
+          </a:bodyPr>
+          <a:lstStyle/>
+          <a:p>
+            <a:r>
+              <a:rPr lang="ru-RU" dirty="0" smtClean="0"/>
+              <a:t>Используйте статический метод класса </a:t>
+            </a:r>
+            <a:r>
+              <a:rPr lang="en-GB" dirty="0" err="1">
+                <a:solidFill>
+                  <a:srgbClr val="2B91AF"/>
+                </a:solidFill>
+                <a:highlight>
+                  <a:srgbClr val="FFFFFF"/>
+                </a:highlight>
+                <a:latin typeface="Consolas" panose="020B0609020204030204" pitchFamily="49" charset="0"/>
+              </a:rPr>
+              <a:t>MessageBox</a:t>
+            </a:r>
+            <a:r>
+              <a:rPr lang="ru-RU" dirty="0" smtClean="0"/>
+              <a:t>:</a:t>
+            </a:r>
+          </a:p>
+          <a:p>
+            <a:r>
+              <a:rPr lang="ru-RU" dirty="0" smtClean="0"/>
+              <a:t> </a:t>
+            </a:r>
+            <a:endParaRPr lang="en-US" dirty="0" smtClean="0"/>
+          </a:p>
+          <a:p>
+            <a:r>
+              <a:rPr lang="en-GB" dirty="0">
+                <a:solidFill>
+                  <a:srgbClr val="0000FF"/>
+                </a:solidFill>
+                <a:highlight>
+                  <a:srgbClr val="FFFFFF"/>
+                </a:highlight>
+                <a:latin typeface="Consolas" panose="020B0609020204030204" pitchFamily="49" charset="0"/>
+              </a:rPr>
+              <a:t>public</a:t>
+            </a:r>
+            <a:r>
+              <a:rPr lang="en-GB" dirty="0">
+                <a:solidFill>
+                  <a:srgbClr val="000000"/>
+                </a:solidFill>
+                <a:highlight>
+                  <a:srgbClr val="FFFFFF"/>
+                </a:highlight>
+                <a:latin typeface="Consolas" panose="020B0609020204030204" pitchFamily="49" charset="0"/>
+              </a:rPr>
+              <a:t> </a:t>
+            </a:r>
+            <a:r>
+              <a:rPr lang="en-GB" dirty="0">
+                <a:solidFill>
+                  <a:srgbClr val="0000FF"/>
+                </a:solidFill>
+                <a:highlight>
+                  <a:srgbClr val="FFFFFF"/>
+                </a:highlight>
+                <a:latin typeface="Consolas" panose="020B0609020204030204" pitchFamily="49" charset="0"/>
+              </a:rPr>
+              <a:t>static</a:t>
+            </a:r>
+            <a:r>
+              <a:rPr lang="en-GB" dirty="0">
+                <a:solidFill>
+                  <a:srgbClr val="000000"/>
+                </a:solidFill>
+                <a:highlight>
+                  <a:srgbClr val="FFFFFF"/>
+                </a:highlight>
+                <a:latin typeface="Consolas" panose="020B0609020204030204" pitchFamily="49" charset="0"/>
+              </a:rPr>
+              <a:t> </a:t>
+            </a:r>
+            <a:r>
+              <a:rPr lang="en-GB" dirty="0" err="1">
+                <a:solidFill>
+                  <a:srgbClr val="2B91AF"/>
+                </a:solidFill>
+                <a:highlight>
+                  <a:srgbClr val="FFFFFF"/>
+                </a:highlight>
+                <a:latin typeface="Consolas" panose="020B0609020204030204" pitchFamily="49" charset="0"/>
+              </a:rPr>
+              <a:t>DialogResult</a:t>
+            </a:r>
+            <a:r>
+              <a:rPr lang="en-GB" dirty="0">
+                <a:solidFill>
+                  <a:srgbClr val="000000"/>
+                </a:solidFill>
+                <a:highlight>
+                  <a:srgbClr val="FFFFFF"/>
+                </a:highlight>
+                <a:latin typeface="Consolas" panose="020B0609020204030204" pitchFamily="49" charset="0"/>
+              </a:rPr>
+              <a:t> </a:t>
+            </a:r>
+            <a:r>
+              <a:rPr lang="en-GB" dirty="0" smtClean="0">
+                <a:solidFill>
+                  <a:srgbClr val="000000"/>
+                </a:solidFill>
+                <a:highlight>
+                  <a:srgbClr val="FFFFFF"/>
+                </a:highlight>
+                <a:latin typeface="Consolas" panose="020B0609020204030204" pitchFamily="49" charset="0"/>
+              </a:rPr>
+              <a:t>Show(</a:t>
+            </a:r>
+            <a:r>
+              <a:rPr lang="en-GB" dirty="0" smtClean="0">
+                <a:solidFill>
+                  <a:srgbClr val="0000FF"/>
+                </a:solidFill>
+                <a:highlight>
+                  <a:srgbClr val="FFFFFF"/>
+                </a:highlight>
+                <a:latin typeface="Consolas" panose="020B0609020204030204" pitchFamily="49" charset="0"/>
+              </a:rPr>
+              <a:t>string</a:t>
+            </a:r>
+            <a:r>
+              <a:rPr lang="en-GB" dirty="0" smtClean="0">
+                <a:solidFill>
+                  <a:srgbClr val="000000"/>
+                </a:solidFill>
+                <a:highlight>
+                  <a:srgbClr val="FFFFFF"/>
+                </a:highlight>
+                <a:latin typeface="Consolas" panose="020B0609020204030204" pitchFamily="49" charset="0"/>
+              </a:rPr>
+              <a:t> </a:t>
+            </a:r>
+            <a:r>
+              <a:rPr lang="en-GB" dirty="0">
+                <a:solidFill>
+                  <a:srgbClr val="000000"/>
+                </a:solidFill>
+                <a:highlight>
+                  <a:srgbClr val="FFFFFF"/>
+                </a:highlight>
+                <a:latin typeface="Consolas" panose="020B0609020204030204" pitchFamily="49" charset="0"/>
+              </a:rPr>
+              <a:t>text, </a:t>
+            </a:r>
+            <a:r>
+              <a:rPr lang="en-GB" dirty="0" smtClean="0">
+                <a:solidFill>
+                  <a:srgbClr val="0000FF"/>
+                </a:solidFill>
+                <a:highlight>
+                  <a:srgbClr val="FFFFFF"/>
+                </a:highlight>
+                <a:latin typeface="Consolas" panose="020B0609020204030204" pitchFamily="49" charset="0"/>
+              </a:rPr>
+              <a:t>string</a:t>
+            </a:r>
+            <a:r>
+              <a:rPr lang="en-GB" dirty="0" smtClean="0">
+                <a:solidFill>
+                  <a:srgbClr val="000000"/>
+                </a:solidFill>
+                <a:highlight>
+                  <a:srgbClr val="FFFFFF"/>
+                </a:highlight>
+                <a:latin typeface="Consolas" panose="020B0609020204030204" pitchFamily="49" charset="0"/>
+              </a:rPr>
+              <a:t> </a:t>
+            </a:r>
+            <a:r>
+              <a:rPr lang="en-GB" dirty="0">
+                <a:solidFill>
+                  <a:srgbClr val="000000"/>
+                </a:solidFill>
+                <a:highlight>
+                  <a:srgbClr val="FFFFFF"/>
+                </a:highlight>
+                <a:latin typeface="Consolas" panose="020B0609020204030204" pitchFamily="49" charset="0"/>
+              </a:rPr>
+              <a:t>caption, </a:t>
+            </a:r>
+            <a:r>
+              <a:rPr lang="en-GB" dirty="0" err="1" smtClean="0">
+                <a:solidFill>
+                  <a:srgbClr val="2B91AF"/>
+                </a:solidFill>
+                <a:highlight>
+                  <a:srgbClr val="FFFFFF"/>
+                </a:highlight>
+                <a:latin typeface="Consolas" panose="020B0609020204030204" pitchFamily="49" charset="0"/>
+              </a:rPr>
+              <a:t>MessageBoxButtons</a:t>
+            </a:r>
+            <a:r>
+              <a:rPr lang="en-GB" dirty="0" smtClean="0">
+                <a:solidFill>
+                  <a:srgbClr val="000000"/>
+                </a:solidFill>
+                <a:highlight>
+                  <a:srgbClr val="FFFFFF"/>
+                </a:highlight>
+                <a:latin typeface="Consolas" panose="020B0609020204030204" pitchFamily="49" charset="0"/>
+              </a:rPr>
+              <a:t> </a:t>
+            </a:r>
+            <a:r>
+              <a:rPr lang="en-GB" dirty="0">
+                <a:solidFill>
+                  <a:srgbClr val="000000"/>
+                </a:solidFill>
+                <a:highlight>
+                  <a:srgbClr val="FFFFFF"/>
+                </a:highlight>
+                <a:latin typeface="Consolas" panose="020B0609020204030204" pitchFamily="49" charset="0"/>
+              </a:rPr>
+              <a:t>buttons, </a:t>
+            </a:r>
+            <a:r>
+              <a:rPr lang="en-GB" dirty="0" err="1" smtClean="0">
+                <a:solidFill>
+                  <a:srgbClr val="2B91AF"/>
+                </a:solidFill>
+                <a:highlight>
+                  <a:srgbClr val="FFFFFF"/>
+                </a:highlight>
+                <a:latin typeface="Consolas" panose="020B0609020204030204" pitchFamily="49" charset="0"/>
+              </a:rPr>
+              <a:t>MessageBoxIcon</a:t>
+            </a:r>
+            <a:r>
+              <a:rPr lang="en-GB" dirty="0" smtClean="0">
+                <a:solidFill>
+                  <a:srgbClr val="000000"/>
+                </a:solidFill>
+                <a:highlight>
+                  <a:srgbClr val="FFFFFF"/>
+                </a:highlight>
+                <a:latin typeface="Consolas" panose="020B0609020204030204" pitchFamily="49" charset="0"/>
+              </a:rPr>
+              <a:t> icon);</a:t>
+            </a:r>
+            <a:endParaRPr lang="en-GB" dirty="0"/>
+          </a:p>
+        </p:txBody>
+      </p:sp>
+    </p:spTree>
+    <p:extLst>
+      <p:ext uri="{BB962C8B-B14F-4D97-AF65-F5344CB8AC3E}">
+        <p14:creationId xmlns:p14="http://schemas.microsoft.com/office/powerpoint/2010/main" val="2362433651"/>
       </p:ext>
     </p:extLst>
   </p:cSld>
@@ -7220,6 +12267,469 @@
     <p:extLst>
       <p:ext uri="{BB962C8B-B14F-4D97-AF65-F5344CB8AC3E}">
         <p14:creationId xmlns:p14="http://schemas.microsoft.com/office/powerpoint/2010/main" val="3479960687"/>
+      </p:ext>
+    </p:extLst>
+  </p:cSld>
+  <p:clrMapOvr>
+    <a:masterClrMapping/>
+  </p:clrMapOvr>
+  <p:timing>
+    <p:tnLst>
+      <p:par>
+        <p:cTn id="1" dur="indefinite" restart="never" nodeType="tmRoot"/>
+      </p:par>
+    </p:tnLst>
+  </p:timing>
+</p:sld>
+</file>
+
+<file path=ppt/slides/slide20.xml><?xml version="1.0" encoding="utf-8"?>
+<p:sld xmlns:a="http://schemas.openxmlformats.org/drawingml/2006/main" xmlns:r="http://schemas.openxmlformats.org/officeDocument/2006/relationships" xmlns:p="http://schemas.openxmlformats.org/presentationml/2006/main">
+  <p:cSld>
+    <p:spTree>
+      <p:nvGrpSpPr>
+        <p:cNvPr id="1" name=""/>
+        <p:cNvGrpSpPr/>
+        <p:nvPr/>
+      </p:nvGrpSpPr>
+      <p:grpSpPr>
+        <a:xfrm>
+          <a:off x="0" y="0"/>
+          <a:ext cx="0" cy="0"/>
+          <a:chOff x="0" y="0"/>
+          <a:chExt cx="0" cy="0"/>
+        </a:xfrm>
+      </p:grpSpPr>
+      <p:sp>
+        <p:nvSpPr>
+          <p:cNvPr id="4" name="Дата 3"/>
+          <p:cNvSpPr>
+            <a:spLocks noGrp="1"/>
+          </p:cNvSpPr>
+          <p:nvPr>
+            <p:ph type="dt" sz="half" idx="10"/>
+          </p:nvPr>
+        </p:nvSpPr>
+        <p:spPr/>
+        <p:txBody>
+          <a:bodyPr/>
+          <a:lstStyle/>
+          <a:p>
+            <a:r>
+              <a:rPr lang="en-US" smtClean="0"/>
+              <a:t>01.03.2016</a:t>
+            </a:r>
+            <a:endParaRPr lang="en-GB"/>
+          </a:p>
+        </p:txBody>
+      </p:sp>
+      <p:sp>
+        <p:nvSpPr>
+          <p:cNvPr id="5" name="Нижний колонтитул 4"/>
+          <p:cNvSpPr>
+            <a:spLocks noGrp="1"/>
+          </p:cNvSpPr>
+          <p:nvPr>
+            <p:ph type="ftr" sz="quarter" idx="11"/>
+          </p:nvPr>
+        </p:nvSpPr>
+        <p:spPr/>
+        <p:txBody>
+          <a:bodyPr/>
+          <a:lstStyle/>
+          <a:p>
+            <a:r>
+              <a:rPr lang="ru-RU" dirty="0" smtClean="0"/>
+              <a:t>Ваганов Михаил Викторович  ASP.NET MVC + </a:t>
+            </a:r>
+            <a:r>
+              <a:rPr lang="ru-RU" dirty="0" err="1" smtClean="0"/>
+              <a:t>Oracle</a:t>
+            </a:r>
+            <a:r>
+              <a:rPr lang="ru-RU" dirty="0" smtClean="0"/>
+              <a:t> </a:t>
+            </a:r>
+            <a:r>
+              <a:rPr lang="ru-RU" dirty="0" err="1" smtClean="0"/>
+              <a:t>Database</a:t>
+            </a:r>
+            <a:endParaRPr lang="en-GB" dirty="0"/>
+          </a:p>
+        </p:txBody>
+      </p:sp>
+      <p:sp>
+        <p:nvSpPr>
+          <p:cNvPr id="6" name="Номер слайда 5"/>
+          <p:cNvSpPr>
+            <a:spLocks noGrp="1"/>
+          </p:cNvSpPr>
+          <p:nvPr>
+            <p:ph type="sldNum" sz="quarter" idx="12"/>
+          </p:nvPr>
+        </p:nvSpPr>
+        <p:spPr/>
+        <p:txBody>
+          <a:bodyPr/>
+          <a:lstStyle/>
+          <a:p>
+            <a:fld id="{8FD3F87F-7A79-4F3D-8F12-CD11A20D067D}" type="slidenum">
+              <a:rPr lang="en-GB" smtClean="0"/>
+              <a:t>20</a:t>
+            </a:fld>
+            <a:endParaRPr lang="en-GB"/>
+          </a:p>
+        </p:txBody>
+      </p:sp>
+      <p:sp>
+        <p:nvSpPr>
+          <p:cNvPr id="7" name="Прямоугольник 6"/>
+          <p:cNvSpPr/>
+          <p:nvPr/>
+        </p:nvSpPr>
+        <p:spPr>
+          <a:xfrm>
+            <a:off x="1" y="0"/>
+            <a:ext cx="12192000" cy="296333"/>
+          </a:xfrm>
+          <a:prstGeom prst="rect">
+            <a:avLst/>
+          </a:prstGeom>
+        </p:spPr>
+        <p:style>
+          <a:lnRef idx="0">
+            <a:schemeClr val="accent6"/>
+          </a:lnRef>
+          <a:fillRef idx="3">
+            <a:schemeClr val="accent6"/>
+          </a:fillRef>
+          <a:effectRef idx="3">
+            <a:schemeClr val="accent6"/>
+          </a:effectRef>
+          <a:fontRef idx="minor">
+            <a:schemeClr val="lt1"/>
+          </a:fontRef>
+        </p:style>
+        <p:txBody>
+          <a:bodyPr rtlCol="0" anchor="ctr"/>
+          <a:lstStyle/>
+          <a:p>
+            <a:pPr algn="ctr"/>
+            <a:r>
+              <a:rPr lang="en-US" dirty="0" smtClean="0"/>
+              <a:t>Master your skills!</a:t>
+            </a:r>
+            <a:endParaRPr lang="en-GB" dirty="0"/>
+          </a:p>
+        </p:txBody>
+      </p:sp>
+      <p:sp>
+        <p:nvSpPr>
+          <p:cNvPr id="12" name="Объект 2"/>
+          <p:cNvSpPr txBox="1">
+            <a:spLocks/>
+          </p:cNvSpPr>
+          <p:nvPr/>
+        </p:nvSpPr>
+        <p:spPr>
+          <a:xfrm>
+            <a:off x="473255" y="994291"/>
+            <a:ext cx="11245489" cy="4275978"/>
+          </a:xfrm>
+          <a:prstGeom prst="rect">
+            <a:avLst/>
+          </a:prstGeom>
+        </p:spPr>
+        <p:txBody>
+          <a:bodyPr vert="horz" lIns="91440" tIns="45720" rIns="91440" bIns="45720" rtlCol="0">
+            <a:normAutofit/>
+          </a:bodyPr>
+          <a:lstStyle>
+            <a:lvl1pPr marL="228600" indent="-228600" algn="l" defTabSz="914400" rtl="0" eaLnBrk="1" latinLnBrk="0" hangingPunct="1">
+              <a:lnSpc>
+                <a:spcPct val="90000"/>
+              </a:lnSpc>
+              <a:spcBef>
+                <a:spcPts val="1000"/>
+              </a:spcBef>
+              <a:buFont typeface="Arial" panose="020B0604020202020204" pitchFamily="34" charset="0"/>
+              <a:buChar char="•"/>
+              <a:defRPr sz="2800" kern="1200">
+                <a:solidFill>
+                  <a:schemeClr val="tx1"/>
+                </a:solidFill>
+                <a:latin typeface="+mn-lt"/>
+                <a:ea typeface="+mn-ea"/>
+                <a:cs typeface="+mn-cs"/>
+              </a:defRPr>
+            </a:lvl1pPr>
+            <a:lvl2pPr marL="685800" indent="-228600" algn="l" defTabSz="914400" rtl="0" eaLnBrk="1" latinLnBrk="0" hangingPunct="1">
+              <a:lnSpc>
+                <a:spcPct val="90000"/>
+              </a:lnSpc>
+              <a:spcBef>
+                <a:spcPts val="500"/>
+              </a:spcBef>
+              <a:buFont typeface="Arial" panose="020B0604020202020204" pitchFamily="34" charset="0"/>
+              <a:buChar char="•"/>
+              <a:defRPr sz="2400" kern="1200">
+                <a:solidFill>
+                  <a:schemeClr val="tx1"/>
+                </a:solidFill>
+                <a:latin typeface="+mn-lt"/>
+                <a:ea typeface="+mn-ea"/>
+                <a:cs typeface="+mn-cs"/>
+              </a:defRPr>
+            </a:lvl2pPr>
+            <a:lvl3pPr marL="1143000" indent="-228600" algn="l" defTabSz="914400" rtl="0" eaLnBrk="1" latinLnBrk="0" hangingPunct="1">
+              <a:lnSpc>
+                <a:spcPct val="90000"/>
+              </a:lnSpc>
+              <a:spcBef>
+                <a:spcPts val="500"/>
+              </a:spcBef>
+              <a:buFont typeface="Arial" panose="020B0604020202020204" pitchFamily="34" charset="0"/>
+              <a:buChar char="•"/>
+              <a:defRPr sz="2000" kern="1200">
+                <a:solidFill>
+                  <a:schemeClr val="tx1"/>
+                </a:solidFill>
+                <a:latin typeface="+mn-lt"/>
+                <a:ea typeface="+mn-ea"/>
+                <a:cs typeface="+mn-cs"/>
+              </a:defRPr>
+            </a:lvl3pPr>
+            <a:lvl4pPr marL="1600200" indent="-228600" algn="l" defTabSz="914400" rtl="0" eaLnBrk="1" latinLnBrk="0" hangingPunct="1">
+              <a:lnSpc>
+                <a:spcPct val="90000"/>
+              </a:lnSpc>
+              <a:spcBef>
+                <a:spcPts val="500"/>
+              </a:spcBef>
+              <a:buFont typeface="Arial" panose="020B0604020202020204" pitchFamily="34" charset="0"/>
+              <a:buChar char="•"/>
+              <a:defRPr sz="1800" kern="1200">
+                <a:solidFill>
+                  <a:schemeClr val="tx1"/>
+                </a:solidFill>
+                <a:latin typeface="+mn-lt"/>
+                <a:ea typeface="+mn-ea"/>
+                <a:cs typeface="+mn-cs"/>
+              </a:defRPr>
+            </a:lvl4pPr>
+            <a:lvl5pPr marL="2057400" indent="-228600" algn="l" defTabSz="914400" rtl="0" eaLnBrk="1" latinLnBrk="0" hangingPunct="1">
+              <a:lnSpc>
+                <a:spcPct val="90000"/>
+              </a:lnSpc>
+              <a:spcBef>
+                <a:spcPts val="500"/>
+              </a:spcBef>
+              <a:buFont typeface="Arial" panose="020B0604020202020204" pitchFamily="34" charset="0"/>
+              <a:buChar char="•"/>
+              <a:defRPr sz="1800" kern="1200">
+                <a:solidFill>
+                  <a:schemeClr val="tx1"/>
+                </a:solidFill>
+                <a:latin typeface="+mn-lt"/>
+                <a:ea typeface="+mn-ea"/>
+                <a:cs typeface="+mn-cs"/>
+              </a:defRPr>
+            </a:lvl5pPr>
+            <a:lvl6pPr marL="2514600" indent="-228600" algn="l" defTabSz="914400" rtl="0" eaLnBrk="1" latinLnBrk="0" hangingPunct="1">
+              <a:lnSpc>
+                <a:spcPct val="90000"/>
+              </a:lnSpc>
+              <a:spcBef>
+                <a:spcPts val="500"/>
+              </a:spcBef>
+              <a:buFont typeface="Arial" panose="020B0604020202020204" pitchFamily="34" charset="0"/>
+              <a:buChar char="•"/>
+              <a:defRPr sz="1800" kern="1200">
+                <a:solidFill>
+                  <a:schemeClr val="tx1"/>
+                </a:solidFill>
+                <a:latin typeface="+mn-lt"/>
+                <a:ea typeface="+mn-ea"/>
+                <a:cs typeface="+mn-cs"/>
+              </a:defRPr>
+            </a:lvl6pPr>
+            <a:lvl7pPr marL="2971800" indent="-228600" algn="l" defTabSz="914400" rtl="0" eaLnBrk="1" latinLnBrk="0" hangingPunct="1">
+              <a:lnSpc>
+                <a:spcPct val="90000"/>
+              </a:lnSpc>
+              <a:spcBef>
+                <a:spcPts val="500"/>
+              </a:spcBef>
+              <a:buFont typeface="Arial" panose="020B0604020202020204" pitchFamily="34" charset="0"/>
+              <a:buChar char="•"/>
+              <a:defRPr sz="1800" kern="1200">
+                <a:solidFill>
+                  <a:schemeClr val="tx1"/>
+                </a:solidFill>
+                <a:latin typeface="+mn-lt"/>
+                <a:ea typeface="+mn-ea"/>
+                <a:cs typeface="+mn-cs"/>
+              </a:defRPr>
+            </a:lvl7pPr>
+            <a:lvl8pPr marL="3429000" indent="-228600" algn="l" defTabSz="914400" rtl="0" eaLnBrk="1" latinLnBrk="0" hangingPunct="1">
+              <a:lnSpc>
+                <a:spcPct val="90000"/>
+              </a:lnSpc>
+              <a:spcBef>
+                <a:spcPts val="500"/>
+              </a:spcBef>
+              <a:buFont typeface="Arial" panose="020B0604020202020204" pitchFamily="34" charset="0"/>
+              <a:buChar char="•"/>
+              <a:defRPr sz="1800" kern="1200">
+                <a:solidFill>
+                  <a:schemeClr val="tx1"/>
+                </a:solidFill>
+                <a:latin typeface="+mn-lt"/>
+                <a:ea typeface="+mn-ea"/>
+                <a:cs typeface="+mn-cs"/>
+              </a:defRPr>
+            </a:lvl8pPr>
+            <a:lvl9pPr marL="3886200" indent="-228600" algn="l" defTabSz="914400" rtl="0" eaLnBrk="1" latinLnBrk="0" hangingPunct="1">
+              <a:lnSpc>
+                <a:spcPct val="90000"/>
+              </a:lnSpc>
+              <a:spcBef>
+                <a:spcPts val="500"/>
+              </a:spcBef>
+              <a:buFont typeface="Arial" panose="020B0604020202020204" pitchFamily="34" charset="0"/>
+              <a:buChar char="•"/>
+              <a:defRPr sz="1800" kern="1200">
+                <a:solidFill>
+                  <a:schemeClr val="tx1"/>
+                </a:solidFill>
+                <a:latin typeface="+mn-lt"/>
+                <a:ea typeface="+mn-ea"/>
+                <a:cs typeface="+mn-cs"/>
+              </a:defRPr>
+            </a:lvl9pPr>
+          </a:lstStyle>
+          <a:p>
+            <a:pPr marL="914400" lvl="1" indent="-457200">
+              <a:buFont typeface="+mj-lt"/>
+              <a:buAutoNum type="arabicPeriod"/>
+            </a:pPr>
+            <a:r>
+              <a:rPr lang="ru-RU" dirty="0" smtClean="0"/>
+              <a:t>Реализуйте любой алгоритм </a:t>
+            </a:r>
+            <a:r>
+              <a:rPr lang="ru-RU" dirty="0" smtClean="0"/>
+              <a:t>сортировки:</a:t>
+            </a:r>
+          </a:p>
+          <a:p>
+            <a:pPr marL="1371600" lvl="2" indent="-457200">
+              <a:buFont typeface="+mj-lt"/>
+              <a:buAutoNum type="arabicPeriod"/>
+            </a:pPr>
+            <a:r>
+              <a:rPr lang="ru-RU" dirty="0" smtClean="0"/>
+              <a:t>Сортировка пузырьком</a:t>
+            </a:r>
+          </a:p>
+          <a:p>
+            <a:pPr marL="1371600" lvl="2" indent="-457200">
+              <a:buFont typeface="+mj-lt"/>
+              <a:buAutoNum type="arabicPeriod"/>
+            </a:pPr>
+            <a:r>
+              <a:rPr lang="ru-RU" dirty="0" err="1" smtClean="0"/>
+              <a:t>Гномья</a:t>
+            </a:r>
+            <a:r>
+              <a:rPr lang="ru-RU" dirty="0" smtClean="0"/>
+              <a:t> сортировка</a:t>
+            </a:r>
+          </a:p>
+          <a:p>
+            <a:pPr marL="1371600" lvl="2" indent="-457200">
+              <a:buFont typeface="+mj-lt"/>
+              <a:buAutoNum type="arabicPeriod"/>
+            </a:pPr>
+            <a:r>
+              <a:rPr lang="ru-RU" dirty="0" smtClean="0"/>
+              <a:t>Сортировка с помощью двоичного дерева</a:t>
+            </a:r>
+          </a:p>
+          <a:p>
+            <a:pPr marL="1371600" lvl="2" indent="-457200">
+              <a:buFont typeface="+mj-lt"/>
+              <a:buAutoNum type="arabicPeriod"/>
+            </a:pPr>
+            <a:r>
+              <a:rPr lang="ru-RU" dirty="0" smtClean="0"/>
+              <a:t>Сортировка подсчетом</a:t>
+            </a:r>
+          </a:p>
+          <a:p>
+            <a:pPr marL="1371600" lvl="2" indent="-457200">
+              <a:buFont typeface="+mj-lt"/>
+              <a:buAutoNum type="arabicPeriod"/>
+            </a:pPr>
+            <a:endParaRPr lang="ru-RU" dirty="0" smtClean="0"/>
+          </a:p>
+          <a:p>
+            <a:pPr marL="914400" lvl="1" indent="-457200">
+              <a:buFont typeface="+mj-lt"/>
+              <a:buAutoNum type="arabicPeriod"/>
+            </a:pPr>
+            <a:r>
+              <a:rPr lang="ru-RU" dirty="0" smtClean="0"/>
+              <a:t>Смоделируйте работу </a:t>
+            </a:r>
+            <a:r>
+              <a:rPr lang="ru-RU" dirty="0" smtClean="0"/>
+              <a:t>магазина игрового мира: он продает броню и заклинания. Данные классы не имеют общего предка (</a:t>
+            </a:r>
+            <a:r>
+              <a:rPr lang="en-GB" dirty="0" smtClean="0">
+                <a:solidFill>
+                  <a:srgbClr val="2B91AF"/>
+                </a:solidFill>
+                <a:highlight>
+                  <a:srgbClr val="FFFFFF"/>
+                </a:highlight>
+                <a:latin typeface="Consolas" panose="020B0609020204030204" pitchFamily="49" charset="0"/>
+              </a:rPr>
+              <a:t>Object</a:t>
+            </a:r>
+            <a:r>
+              <a:rPr lang="ru-RU" dirty="0" smtClean="0"/>
+              <a:t> не считается), но оба реализуют интерфейс «Вещь, которую можно положить в инвентарь»</a:t>
+            </a:r>
+            <a:endParaRPr lang="en-US" dirty="0" smtClean="0"/>
+          </a:p>
+          <a:p>
+            <a:pPr marL="914400" lvl="1" indent="-457200">
+              <a:buFont typeface="+mj-lt"/>
+              <a:buAutoNum type="arabicPeriod"/>
+            </a:pPr>
+            <a:endParaRPr lang="ru-RU" dirty="0" smtClean="0"/>
+          </a:p>
+          <a:p>
+            <a:pPr marL="914400" lvl="1" indent="-457200">
+              <a:buFont typeface="+mj-lt"/>
+              <a:buAutoNum type="arabicPeriod"/>
+            </a:pPr>
+            <a:endParaRPr lang="ru-RU" dirty="0" smtClean="0"/>
+          </a:p>
+          <a:p>
+            <a:endParaRPr lang="ru-RU" dirty="0" smtClean="0"/>
+          </a:p>
+          <a:p>
+            <a:endParaRPr lang="ru-RU" dirty="0"/>
+          </a:p>
+        </p:txBody>
+      </p:sp>
+    </p:spTree>
+    <p:extLst>
+      <p:ext uri="{BB962C8B-B14F-4D97-AF65-F5344CB8AC3E}">
+        <p14:creationId xmlns:p14="http://schemas.microsoft.com/office/powerpoint/2010/main" val="1537147437"/>
       </p:ext>
     </p:extLst>
   </p:cSld>
@@ -9705,7 +15215,15 @@
             </a:r>
             <a:r>
               <a:rPr lang="ru-RU" dirty="0" smtClean="0"/>
-              <a:t> предыдущий пример:</a:t>
+              <a:t> </a:t>
+            </a:r>
+            <a:r>
+              <a:rPr lang="ru-RU" dirty="0" smtClean="0"/>
+              <a:t>пример</a:t>
+            </a:r>
+            <a:r>
+              <a:rPr lang="ru-RU" dirty="0" smtClean="0"/>
+              <a:t>:</a:t>
             </a:r>
           </a:p>
           <a:p>
@@ -11170,11 +16688,7 @@
             <a:pPr algn="ctr"/>
             <a:r>
               <a:rPr lang="ru-RU" dirty="0" smtClean="0"/>
-              <a:t>Элементарные типы </a:t>
-            </a:r>
-            <a:r>
-              <a:rPr lang="ru-RU" dirty="0" smtClean="0"/>
-              <a:t>в </a:t>
+              <a:t>Элементарные типы в </a:t>
             </a:r>
             <a:r>
               <a:rPr lang="en-US" dirty="0" err="1" smtClean="0"/>
